--- a/卒業制作_大元タイトル構成.pptx
+++ b/卒業制作_大元タイトル構成.pptx
@@ -9,10 +9,11 @@
     <p:sldId id="257" r:id="rId3"/>
     <p:sldId id="259" r:id="rId4"/>
     <p:sldId id="263" r:id="rId5"/>
-    <p:sldId id="260" r:id="rId6"/>
-    <p:sldId id="261" r:id="rId7"/>
-    <p:sldId id="264" r:id="rId8"/>
-    <p:sldId id="262" r:id="rId9"/>
+    <p:sldId id="261" r:id="rId6"/>
+    <p:sldId id="264" r:id="rId7"/>
+    <p:sldId id="262" r:id="rId8"/>
+    <p:sldId id="265" r:id="rId9"/>
+    <p:sldId id="260" r:id="rId10"/>
   </p:sldIdLst>
   <p:sldSz cx="12192000" cy="6858000"/>
   <p:notesSz cx="6858000" cy="9144000"/>
@@ -3559,19 +3560,7 @@
                   </a:outerShdw>
                 </a:effectLst>
               </a:rPr>
-              <a:t>タイトル画面の</a:t>
-            </a:r>
-            <a:r>
-              <a:rPr kumimoji="1" lang="ja-JP" altLang="en-US" sz="8800" b="1" dirty="0" smtClean="0">
-                <a:effectLst>
-                  <a:outerShdw blurRad="38100" dist="38100" dir="2700000" algn="tl">
-                    <a:srgbClr val="000000">
-                      <a:alpha val="43137"/>
-                    </a:srgbClr>
-                  </a:outerShdw>
-                </a:effectLst>
-              </a:rPr>
-              <a:t>構成</a:t>
+              <a:t>タイトル画面の構成</a:t>
             </a:r>
             <a:endParaRPr kumimoji="1" lang="ja-JP" altLang="en-US" sz="8800" b="1" dirty="0">
               <a:effectLst>
@@ -3690,10 +3679,138 @@
           <a:chExt cx="0" cy="0"/>
         </a:xfrm>
       </p:grpSpPr>
+      <p:sp>
+        <p:nvSpPr>
+          <p:cNvPr id="6" name="正方形/長方形 5"/>
+          <p:cNvSpPr/>
+          <p:nvPr/>
+        </p:nvSpPr>
+        <p:spPr>
+          <a:xfrm>
+            <a:off x="2435469" y="808893"/>
+            <a:ext cx="7587762" cy="2154115"/>
+          </a:xfrm>
+          <a:prstGeom prst="rect">
+            <a:avLst/>
+          </a:prstGeom>
+        </p:spPr>
+        <p:style>
+          <a:lnRef idx="2">
+            <a:schemeClr val="accent1">
+              <a:shade val="50000"/>
+            </a:schemeClr>
+          </a:lnRef>
+          <a:fillRef idx="1">
+            <a:schemeClr val="accent1"/>
+          </a:fillRef>
+          <a:effectRef idx="0">
+            <a:schemeClr val="accent1"/>
+          </a:effectRef>
+          <a:fontRef idx="minor">
+            <a:schemeClr val="lt1"/>
+          </a:fontRef>
+        </p:style>
+        <p:txBody>
+          <a:bodyPr rtlCol="0" anchor="ctr"/>
+          <a:lstStyle/>
+          <a:p>
+            <a:pPr algn="ctr"/>
+            <a:endParaRPr kumimoji="1" lang="ja-JP" altLang="en-US"/>
+          </a:p>
+        </p:txBody>
+      </p:sp>
+      <p:sp>
+        <p:nvSpPr>
+          <p:cNvPr id="7" name="正方形/長方形 6"/>
+          <p:cNvSpPr/>
+          <p:nvPr/>
+        </p:nvSpPr>
+        <p:spPr>
+          <a:xfrm>
+            <a:off x="2242039" y="4838700"/>
+            <a:ext cx="2286000" cy="1019908"/>
+          </a:xfrm>
+          <a:prstGeom prst="rect">
+            <a:avLst/>
+          </a:prstGeom>
+        </p:spPr>
+        <p:style>
+          <a:lnRef idx="1">
+            <a:schemeClr val="dk1"/>
+          </a:lnRef>
+          <a:fillRef idx="2">
+            <a:schemeClr val="dk1"/>
+          </a:fillRef>
+          <a:effectRef idx="1">
+            <a:schemeClr val="dk1"/>
+          </a:effectRef>
+          <a:fontRef idx="minor">
+            <a:schemeClr val="dk1"/>
+          </a:fontRef>
+        </p:style>
+        <p:txBody>
+          <a:bodyPr rtlCol="0" anchor="ctr"/>
+          <a:lstStyle/>
+          <a:p>
+            <a:pPr algn="ctr"/>
+            <a:endParaRPr kumimoji="1" lang="ja-JP" altLang="en-US"/>
+          </a:p>
+        </p:txBody>
+      </p:sp>
+      <p:sp>
+        <p:nvSpPr>
+          <p:cNvPr id="3" name="U ターン矢印 2"/>
+          <p:cNvSpPr/>
+          <p:nvPr/>
+        </p:nvSpPr>
+        <p:spPr>
+          <a:xfrm rot="5400000" flipH="1">
+            <a:off x="6684351" y="881426"/>
+            <a:ext cx="2171699" cy="7196507"/>
+          </a:xfrm>
+          <a:prstGeom prst="uturnArrow">
+            <a:avLst>
+              <a:gd name="adj1" fmla="val 17712"/>
+              <a:gd name="adj2" fmla="val 22166"/>
+              <a:gd name="adj3" fmla="val 69939"/>
+              <a:gd name="adj4" fmla="val 43750"/>
+              <a:gd name="adj5" fmla="val 88439"/>
+            </a:avLst>
+          </a:prstGeom>
+        </p:spPr>
+        <p:style>
+          <a:lnRef idx="2">
+            <a:schemeClr val="accent1">
+              <a:shade val="50000"/>
+            </a:schemeClr>
+          </a:lnRef>
+          <a:fillRef idx="1">
+            <a:schemeClr val="accent1"/>
+          </a:fillRef>
+          <a:effectRef idx="0">
+            <a:schemeClr val="accent1"/>
+          </a:effectRef>
+          <a:fontRef idx="minor">
+            <a:schemeClr val="lt1"/>
+          </a:fontRef>
+        </p:style>
+        <p:txBody>
+          <a:bodyPr rtlCol="0" anchor="ctr"/>
+          <a:lstStyle/>
+          <a:p>
+            <a:pPr algn="ctr"/>
+            <a:endParaRPr kumimoji="1" lang="ja-JP" altLang="en-US">
+              <a:solidFill>
+                <a:schemeClr val="tx1"/>
+              </a:solidFill>
+            </a:endParaRPr>
+          </a:p>
+        </p:txBody>
+      </p:sp>
     </p:spTree>
     <p:extLst>
       <p:ext uri="{BB962C8B-B14F-4D97-AF65-F5344CB8AC3E}">
-        <p14:creationId xmlns:p14="http://schemas.microsoft.com/office/powerpoint/2010/main" val="470074970"/>
+        <p14:creationId xmlns:p14="http://schemas.microsoft.com/office/powerpoint/2010/main" val="2431136756"/>
       </p:ext>
     </p:extLst>
   </p:cSld>
@@ -3729,6 +3846,46 @@
       </p:grpSpPr>
       <p:sp>
         <p:nvSpPr>
+          <p:cNvPr id="4" name="楕円 3"/>
+          <p:cNvSpPr/>
+          <p:nvPr/>
+        </p:nvSpPr>
+        <p:spPr>
+          <a:xfrm>
+            <a:off x="1846384" y="4853353"/>
+            <a:ext cx="8765931" cy="5020408"/>
+          </a:xfrm>
+          <a:prstGeom prst="ellipse">
+            <a:avLst/>
+          </a:prstGeom>
+        </p:spPr>
+        <p:style>
+          <a:lnRef idx="2">
+            <a:schemeClr val="accent1">
+              <a:shade val="50000"/>
+            </a:schemeClr>
+          </a:lnRef>
+          <a:fillRef idx="1">
+            <a:schemeClr val="accent1"/>
+          </a:fillRef>
+          <a:effectRef idx="0">
+            <a:schemeClr val="accent1"/>
+          </a:effectRef>
+          <a:fontRef idx="minor">
+            <a:schemeClr val="lt1"/>
+          </a:fontRef>
+        </p:style>
+        <p:txBody>
+          <a:bodyPr rtlCol="0" anchor="ctr"/>
+          <a:lstStyle/>
+          <a:p>
+            <a:pPr algn="ctr"/>
+            <a:endParaRPr kumimoji="1" lang="ja-JP" altLang="en-US"/>
+          </a:p>
+        </p:txBody>
+      </p:sp>
+      <p:sp>
+        <p:nvSpPr>
           <p:cNvPr id="6" name="正方形/長方形 5"/>
           <p:cNvSpPr/>
           <p:nvPr/>
@@ -3775,7 +3932,7 @@
         </p:nvSpPr>
         <p:spPr>
           <a:xfrm>
-            <a:off x="2250831" y="4768362"/>
+            <a:off x="5086350" y="4117731"/>
             <a:ext cx="2286000" cy="1019908"/>
           </a:xfrm>
           <a:prstGeom prst="rect">
@@ -3805,53 +3962,10 @@
           </a:p>
         </p:txBody>
       </p:sp>
-      <p:sp>
-        <p:nvSpPr>
-          <p:cNvPr id="9" name="右矢印 8"/>
-          <p:cNvSpPr/>
-          <p:nvPr/>
-        </p:nvSpPr>
-        <p:spPr>
-          <a:xfrm>
-            <a:off x="4018084" y="4768362"/>
-            <a:ext cx="2760785" cy="946638"/>
-          </a:xfrm>
-          <a:prstGeom prst="rightArrow">
-            <a:avLst>
-              <a:gd name="adj1" fmla="val 50000"/>
-              <a:gd name="adj2" fmla="val 126000"/>
-            </a:avLst>
-          </a:prstGeom>
-        </p:spPr>
-        <p:style>
-          <a:lnRef idx="2">
-            <a:schemeClr val="accent1">
-              <a:shade val="50000"/>
-            </a:schemeClr>
-          </a:lnRef>
-          <a:fillRef idx="1">
-            <a:schemeClr val="accent1"/>
-          </a:fillRef>
-          <a:effectRef idx="0">
-            <a:schemeClr val="accent1"/>
-          </a:effectRef>
-          <a:fontRef idx="minor">
-            <a:schemeClr val="lt1"/>
-          </a:fontRef>
-        </p:style>
-        <p:txBody>
-          <a:bodyPr rtlCol="0" anchor="ctr"/>
-          <a:lstStyle/>
-          <a:p>
-            <a:pPr algn="ctr"/>
-            <a:endParaRPr kumimoji="1" lang="ja-JP" altLang="en-US"/>
-          </a:p>
-        </p:txBody>
-      </p:sp>
     </p:spTree>
     <p:extLst>
       <p:ext uri="{BB962C8B-B14F-4D97-AF65-F5344CB8AC3E}">
-        <p14:creationId xmlns:p14="http://schemas.microsoft.com/office/powerpoint/2010/main" val="2431136756"/>
+        <p14:creationId xmlns:p14="http://schemas.microsoft.com/office/powerpoint/2010/main" val="3650483068"/>
       </p:ext>
     </p:extLst>
   </p:cSld>
@@ -3887,33 +4001,31 @@
       </p:grpSpPr>
       <p:sp>
         <p:nvSpPr>
-          <p:cNvPr id="4" name="楕円 3"/>
+          <p:cNvPr id="5" name="正方形/長方形 4"/>
           <p:cNvSpPr/>
           <p:nvPr/>
         </p:nvSpPr>
         <p:spPr>
           <a:xfrm>
-            <a:off x="1846384" y="4853353"/>
-            <a:ext cx="8765931" cy="5020408"/>
+            <a:off x="624254" y="3516924"/>
+            <a:ext cx="2286000" cy="1019908"/>
           </a:xfrm>
-          <a:prstGeom prst="ellipse">
+          <a:prstGeom prst="rect">
             <a:avLst/>
           </a:prstGeom>
         </p:spPr>
         <p:style>
-          <a:lnRef idx="2">
-            <a:schemeClr val="accent1">
-              <a:shade val="50000"/>
-            </a:schemeClr>
+          <a:lnRef idx="1">
+            <a:schemeClr val="dk1"/>
           </a:lnRef>
-          <a:fillRef idx="1">
-            <a:schemeClr val="accent1"/>
+          <a:fillRef idx="2">
+            <a:schemeClr val="dk1"/>
           </a:fillRef>
-          <a:effectRef idx="0">
-            <a:schemeClr val="accent1"/>
+          <a:effectRef idx="1">
+            <a:schemeClr val="dk1"/>
           </a:effectRef>
           <a:fontRef idx="minor">
-            <a:schemeClr val="lt1"/>
+            <a:schemeClr val="dk1"/>
           </a:fontRef>
         </p:style>
         <p:txBody>
@@ -3973,7 +4085,7 @@
         </p:nvSpPr>
         <p:spPr>
           <a:xfrm>
-            <a:off x="5086350" y="4117731"/>
+            <a:off x="9261231" y="5319349"/>
             <a:ext cx="2286000" cy="1019908"/>
           </a:xfrm>
           <a:prstGeom prst="rect">
@@ -4003,10 +4115,156 @@
           </a:p>
         </p:txBody>
       </p:sp>
+      <p:sp>
+        <p:nvSpPr>
+          <p:cNvPr id="2" name="右矢印 1"/>
+          <p:cNvSpPr/>
+          <p:nvPr/>
+        </p:nvSpPr>
+        <p:spPr>
+          <a:xfrm>
+            <a:off x="2356340" y="3402624"/>
+            <a:ext cx="3938954" cy="1248508"/>
+          </a:xfrm>
+          <a:prstGeom prst="rightArrow">
+            <a:avLst>
+              <a:gd name="adj1" fmla="val 50000"/>
+              <a:gd name="adj2" fmla="val 116901"/>
+            </a:avLst>
+          </a:prstGeom>
+        </p:spPr>
+        <p:style>
+          <a:lnRef idx="2">
+            <a:schemeClr val="accent1">
+              <a:shade val="50000"/>
+            </a:schemeClr>
+          </a:lnRef>
+          <a:fillRef idx="1">
+            <a:schemeClr val="accent1"/>
+          </a:fillRef>
+          <a:effectRef idx="0">
+            <a:schemeClr val="accent1"/>
+          </a:effectRef>
+          <a:fontRef idx="minor">
+            <a:schemeClr val="lt1"/>
+          </a:fontRef>
+        </p:style>
+        <p:txBody>
+          <a:bodyPr rtlCol="0" anchor="ctr"/>
+          <a:lstStyle/>
+          <a:p>
+            <a:pPr algn="ctr"/>
+            <a:endParaRPr kumimoji="1" lang="ja-JP" altLang="en-US"/>
+          </a:p>
+        </p:txBody>
+      </p:sp>
+      <p:sp>
+        <p:nvSpPr>
+          <p:cNvPr id="3" name="テキスト ボックス 2"/>
+          <p:cNvSpPr txBox="1"/>
+          <p:nvPr/>
+        </p:nvSpPr>
+        <p:spPr>
+          <a:xfrm>
+            <a:off x="2760783" y="4580766"/>
+            <a:ext cx="2356340" cy="369332"/>
+          </a:xfrm>
+          <a:prstGeom prst="rect">
+            <a:avLst/>
+          </a:prstGeom>
+          <a:noFill/>
+        </p:spPr>
+        <p:txBody>
+          <a:bodyPr wrap="square" rtlCol="0">
+            <a:spAutoFit/>
+          </a:bodyPr>
+          <a:lstStyle/>
+          <a:p>
+            <a:r>
+              <a:rPr kumimoji="1" lang="ja-JP" altLang="en-US" dirty="0" smtClean="0"/>
+              <a:t>決定したら画面外へ</a:t>
+            </a:r>
+            <a:endParaRPr kumimoji="1" lang="ja-JP" altLang="en-US" dirty="0"/>
+          </a:p>
+        </p:txBody>
+      </p:sp>
+      <p:sp>
+        <p:nvSpPr>
+          <p:cNvPr id="8" name="テキスト ボックス 7"/>
+          <p:cNvSpPr txBox="1"/>
+          <p:nvPr/>
+        </p:nvSpPr>
+        <p:spPr>
+          <a:xfrm>
+            <a:off x="7309336" y="6392096"/>
+            <a:ext cx="2356340" cy="369332"/>
+          </a:xfrm>
+          <a:prstGeom prst="rect">
+            <a:avLst/>
+          </a:prstGeom>
+          <a:noFill/>
+        </p:spPr>
+        <p:txBody>
+          <a:bodyPr wrap="square" rtlCol="0">
+            <a:spAutoFit/>
+          </a:bodyPr>
+          <a:lstStyle/>
+          <a:p>
+            <a:r>
+              <a:rPr kumimoji="1" lang="ja-JP" altLang="en-US" dirty="0" smtClean="0"/>
+              <a:t>決定したら画面外へ</a:t>
+            </a:r>
+            <a:endParaRPr kumimoji="1" lang="ja-JP" altLang="en-US" dirty="0"/>
+          </a:p>
+        </p:txBody>
+      </p:sp>
+      <p:sp>
+        <p:nvSpPr>
+          <p:cNvPr id="9" name="右矢印 8"/>
+          <p:cNvSpPr/>
+          <p:nvPr/>
+        </p:nvSpPr>
+        <p:spPr>
+          <a:xfrm rot="10800000">
+            <a:off x="5473213" y="5205049"/>
+            <a:ext cx="3938954" cy="1248508"/>
+          </a:xfrm>
+          <a:prstGeom prst="rightArrow">
+            <a:avLst>
+              <a:gd name="adj1" fmla="val 50000"/>
+              <a:gd name="adj2" fmla="val 116901"/>
+            </a:avLst>
+          </a:prstGeom>
+        </p:spPr>
+        <p:style>
+          <a:lnRef idx="2">
+            <a:schemeClr val="accent1">
+              <a:shade val="50000"/>
+            </a:schemeClr>
+          </a:lnRef>
+          <a:fillRef idx="1">
+            <a:schemeClr val="accent1"/>
+          </a:fillRef>
+          <a:effectRef idx="0">
+            <a:schemeClr val="accent1"/>
+          </a:effectRef>
+          <a:fontRef idx="minor">
+            <a:schemeClr val="lt1"/>
+          </a:fontRef>
+        </p:style>
+        <p:txBody>
+          <a:bodyPr rtlCol="0" anchor="ctr"/>
+          <a:lstStyle/>
+          <a:p>
+            <a:pPr algn="ctr"/>
+            <a:endParaRPr kumimoji="1" lang="ja-JP" altLang="en-US"/>
+          </a:p>
+        </p:txBody>
+      </p:sp>
     </p:spTree>
     <p:extLst>
       <p:ext uri="{BB962C8B-B14F-4D97-AF65-F5344CB8AC3E}">
-        <p14:creationId xmlns:p14="http://schemas.microsoft.com/office/powerpoint/2010/main" val="3650483068"/>
+        <p14:creationId xmlns:p14="http://schemas.microsoft.com/office/powerpoint/2010/main" val="2384207207"/>
       </p:ext>
     </p:extLst>
   </p:cSld>
@@ -4042,116 +4300,38 @@
       </p:grpSpPr>
       <p:sp>
         <p:nvSpPr>
-          <p:cNvPr id="5" name="正方形/長方形 4"/>
-          <p:cNvSpPr/>
-          <p:nvPr/>
-        </p:nvSpPr>
-        <p:spPr>
-          <a:xfrm>
-            <a:off x="624254" y="3516924"/>
-            <a:ext cx="2286000" cy="1019908"/>
-          </a:xfrm>
-          <a:prstGeom prst="rect">
-            <a:avLst/>
-          </a:prstGeom>
-        </p:spPr>
-        <p:style>
-          <a:lnRef idx="1">
-            <a:schemeClr val="dk1"/>
-          </a:lnRef>
-          <a:fillRef idx="2">
-            <a:schemeClr val="dk1"/>
-          </a:fillRef>
-          <a:effectRef idx="1">
-            <a:schemeClr val="dk1"/>
-          </a:effectRef>
-          <a:fontRef idx="minor">
-            <a:schemeClr val="dk1"/>
-          </a:fontRef>
-        </p:style>
-        <p:txBody>
-          <a:bodyPr rtlCol="0" anchor="ctr"/>
-          <a:lstStyle/>
-          <a:p>
-            <a:pPr algn="ctr"/>
-            <a:endParaRPr kumimoji="1" lang="ja-JP" altLang="en-US"/>
-          </a:p>
-        </p:txBody>
-      </p:sp>
-      <p:sp>
-        <p:nvSpPr>
-          <p:cNvPr id="6" name="正方形/長方形 5"/>
-          <p:cNvSpPr/>
-          <p:nvPr/>
-        </p:nvSpPr>
-        <p:spPr>
-          <a:xfrm>
-            <a:off x="2435469" y="808893"/>
-            <a:ext cx="7587762" cy="2154115"/>
-          </a:xfrm>
-          <a:prstGeom prst="rect">
-            <a:avLst/>
-          </a:prstGeom>
-        </p:spPr>
-        <p:style>
-          <a:lnRef idx="2">
-            <a:schemeClr val="accent1">
-              <a:shade val="50000"/>
-            </a:schemeClr>
-          </a:lnRef>
-          <a:fillRef idx="1">
-            <a:schemeClr val="accent1"/>
-          </a:fillRef>
-          <a:effectRef idx="0">
-            <a:schemeClr val="accent1"/>
-          </a:effectRef>
-          <a:fontRef idx="minor">
-            <a:schemeClr val="lt1"/>
-          </a:fontRef>
-        </p:style>
-        <p:txBody>
-          <a:bodyPr rtlCol="0" anchor="ctr"/>
-          <a:lstStyle/>
-          <a:p>
-            <a:pPr algn="ctr"/>
-            <a:endParaRPr kumimoji="1" lang="ja-JP" altLang="en-US"/>
-          </a:p>
-        </p:txBody>
-      </p:sp>
-      <p:sp>
-        <p:nvSpPr>
-          <p:cNvPr id="7" name="正方形/長方形 6"/>
-          <p:cNvSpPr/>
-          <p:nvPr/>
-        </p:nvSpPr>
-        <p:spPr>
-          <a:xfrm>
-            <a:off x="7416312" y="4768361"/>
-            <a:ext cx="2286000" cy="1019908"/>
-          </a:xfrm>
-          <a:prstGeom prst="rect">
-            <a:avLst/>
-          </a:prstGeom>
-        </p:spPr>
-        <p:style>
-          <a:lnRef idx="1">
-            <a:schemeClr val="dk1"/>
-          </a:lnRef>
-          <a:fillRef idx="2">
-            <a:schemeClr val="dk1"/>
-          </a:fillRef>
-          <a:effectRef idx="1">
-            <a:schemeClr val="dk1"/>
-          </a:effectRef>
-          <a:fontRef idx="minor">
-            <a:schemeClr val="dk1"/>
-          </a:fontRef>
-        </p:style>
-        <p:txBody>
-          <a:bodyPr rtlCol="0" anchor="ctr"/>
-          <a:lstStyle/>
-          <a:p>
-            <a:pPr algn="ctr"/>
+          <p:cNvPr id="2" name="タイトル 1"/>
+          <p:cNvSpPr>
+            <a:spLocks noGrp="1"/>
+          </p:cNvSpPr>
+          <p:nvPr>
+            <p:ph type="title"/>
+          </p:nvPr>
+        </p:nvSpPr>
+        <p:spPr/>
+        <p:txBody>
+          <a:bodyPr/>
+          <a:lstStyle/>
+          <a:p>
+            <a:endParaRPr kumimoji="1" lang="ja-JP" altLang="en-US"/>
+          </a:p>
+        </p:txBody>
+      </p:sp>
+      <p:sp>
+        <p:nvSpPr>
+          <p:cNvPr id="3" name="コンテンツ プレースホルダー 2"/>
+          <p:cNvSpPr>
+            <a:spLocks noGrp="1"/>
+          </p:cNvSpPr>
+          <p:nvPr>
+            <p:ph idx="1"/>
+          </p:nvPr>
+        </p:nvSpPr>
+        <p:spPr/>
+        <p:txBody>
+          <a:bodyPr/>
+          <a:lstStyle/>
+          <a:p>
             <a:endParaRPr kumimoji="1" lang="ja-JP" altLang="en-US"/>
           </a:p>
         </p:txBody>
@@ -4159,7 +4339,37 @@
     </p:spTree>
     <p:extLst>
       <p:ext uri="{BB962C8B-B14F-4D97-AF65-F5344CB8AC3E}">
-        <p14:creationId xmlns:p14="http://schemas.microsoft.com/office/powerpoint/2010/main" val="2384207207"/>
+        <p14:creationId xmlns:p14="http://schemas.microsoft.com/office/powerpoint/2010/main" val="604958898"/>
+      </p:ext>
+    </p:extLst>
+  </p:cSld>
+  <p:clrMapOvr>
+    <a:masterClrMapping/>
+  </p:clrMapOvr>
+</p:sld>
+</file>
+
+<file path=ppt/slides/slide9.xml><?xml version="1.0" encoding="utf-8"?>
+<p:sld xmlns:a="http://schemas.openxmlformats.org/drawingml/2006/main" xmlns:r="http://schemas.openxmlformats.org/officeDocument/2006/relationships" xmlns:p="http://schemas.openxmlformats.org/presentationml/2006/main">
+  <p:cSld>
+    <p:spTree>
+      <p:nvGrpSpPr>
+        <p:cNvPr id="1" name=""/>
+        <p:cNvGrpSpPr/>
+        <p:nvPr/>
+      </p:nvGrpSpPr>
+      <p:grpSpPr>
+        <a:xfrm>
+          <a:off x="0" y="0"/>
+          <a:ext cx="0" cy="0"/>
+          <a:chOff x="0" y="0"/>
+          <a:chExt cx="0" cy="0"/>
+        </a:xfrm>
+      </p:grpSpPr>
+    </p:spTree>
+    <p:extLst>
+      <p:ext uri="{BB962C8B-B14F-4D97-AF65-F5344CB8AC3E}">
+        <p14:creationId xmlns:p14="http://schemas.microsoft.com/office/powerpoint/2010/main" val="470074970"/>
       </p:ext>
     </p:extLst>
   </p:cSld>

--- a/卒業制作_大元タイトル構成.pptx
+++ b/卒業制作_大元タイトル構成.pptx
@@ -9,11 +9,18 @@
     <p:sldId id="257" r:id="rId3"/>
     <p:sldId id="259" r:id="rId4"/>
     <p:sldId id="263" r:id="rId5"/>
-    <p:sldId id="261" r:id="rId6"/>
-    <p:sldId id="264" r:id="rId7"/>
-    <p:sldId id="262" r:id="rId8"/>
-    <p:sldId id="265" r:id="rId9"/>
-    <p:sldId id="260" r:id="rId10"/>
+    <p:sldId id="267" r:id="rId6"/>
+    <p:sldId id="261" r:id="rId7"/>
+    <p:sldId id="272" r:id="rId8"/>
+    <p:sldId id="264" r:id="rId9"/>
+    <p:sldId id="273" r:id="rId10"/>
+    <p:sldId id="262" r:id="rId11"/>
+    <p:sldId id="266" r:id="rId12"/>
+    <p:sldId id="274" r:id="rId13"/>
+    <p:sldId id="276" r:id="rId14"/>
+    <p:sldId id="278" r:id="rId15"/>
+    <p:sldId id="277" r:id="rId16"/>
+    <p:sldId id="260" r:id="rId17"/>
   </p:sldIdLst>
   <p:sldSz cx="12192000" cy="6858000"/>
   <p:notesSz cx="6858000" cy="9144000"/>
@@ -251,7 +258,7 @@
           <a:p>
             <a:fld id="{9AE4982F-4AA6-4C8C-A812-7FB74D02BA8D}" type="datetimeFigureOut">
               <a:rPr kumimoji="1" lang="ja-JP" altLang="en-US" smtClean="0"/>
-              <a:t>2022/11/16</a:t>
+              <a:t>2022/11/17</a:t>
             </a:fld>
             <a:endParaRPr kumimoji="1" lang="ja-JP" altLang="en-US"/>
           </a:p>
@@ -453,7 +460,7 @@
           <a:p>
             <a:fld id="{9AE4982F-4AA6-4C8C-A812-7FB74D02BA8D}" type="datetimeFigureOut">
               <a:rPr kumimoji="1" lang="ja-JP" altLang="en-US" smtClean="0"/>
-              <a:t>2022/11/16</a:t>
+              <a:t>2022/11/17</a:t>
             </a:fld>
             <a:endParaRPr kumimoji="1" lang="ja-JP" altLang="en-US"/>
           </a:p>
@@ -665,7 +672,7 @@
           <a:p>
             <a:fld id="{9AE4982F-4AA6-4C8C-A812-7FB74D02BA8D}" type="datetimeFigureOut">
               <a:rPr kumimoji="1" lang="ja-JP" altLang="en-US" smtClean="0"/>
-              <a:t>2022/11/16</a:t>
+              <a:t>2022/11/17</a:t>
             </a:fld>
             <a:endParaRPr kumimoji="1" lang="ja-JP" altLang="en-US"/>
           </a:p>
@@ -867,7 +874,7 @@
           <a:p>
             <a:fld id="{9AE4982F-4AA6-4C8C-A812-7FB74D02BA8D}" type="datetimeFigureOut">
               <a:rPr kumimoji="1" lang="ja-JP" altLang="en-US" smtClean="0"/>
-              <a:t>2022/11/16</a:t>
+              <a:t>2022/11/17</a:t>
             </a:fld>
             <a:endParaRPr kumimoji="1" lang="ja-JP" altLang="en-US"/>
           </a:p>
@@ -1113,7 +1120,7 @@
           <a:p>
             <a:fld id="{9AE4982F-4AA6-4C8C-A812-7FB74D02BA8D}" type="datetimeFigureOut">
               <a:rPr kumimoji="1" lang="ja-JP" altLang="en-US" smtClean="0"/>
-              <a:t>2022/11/16</a:t>
+              <a:t>2022/11/17</a:t>
             </a:fld>
             <a:endParaRPr kumimoji="1" lang="ja-JP" altLang="en-US"/>
           </a:p>
@@ -1409,7 +1416,7 @@
           <a:p>
             <a:fld id="{9AE4982F-4AA6-4C8C-A812-7FB74D02BA8D}" type="datetimeFigureOut">
               <a:rPr kumimoji="1" lang="ja-JP" altLang="en-US" smtClean="0"/>
-              <a:t>2022/11/16</a:t>
+              <a:t>2022/11/17</a:t>
             </a:fld>
             <a:endParaRPr kumimoji="1" lang="ja-JP" altLang="en-US"/>
           </a:p>
@@ -1840,7 +1847,7 @@
           <a:p>
             <a:fld id="{9AE4982F-4AA6-4C8C-A812-7FB74D02BA8D}" type="datetimeFigureOut">
               <a:rPr kumimoji="1" lang="ja-JP" altLang="en-US" smtClean="0"/>
-              <a:t>2022/11/16</a:t>
+              <a:t>2022/11/17</a:t>
             </a:fld>
             <a:endParaRPr kumimoji="1" lang="ja-JP" altLang="en-US"/>
           </a:p>
@@ -1958,7 +1965,7 @@
           <a:p>
             <a:fld id="{9AE4982F-4AA6-4C8C-A812-7FB74D02BA8D}" type="datetimeFigureOut">
               <a:rPr kumimoji="1" lang="ja-JP" altLang="en-US" smtClean="0"/>
-              <a:t>2022/11/16</a:t>
+              <a:t>2022/11/17</a:t>
             </a:fld>
             <a:endParaRPr kumimoji="1" lang="ja-JP" altLang="en-US"/>
           </a:p>
@@ -2053,7 +2060,7 @@
           <a:p>
             <a:fld id="{9AE4982F-4AA6-4C8C-A812-7FB74D02BA8D}" type="datetimeFigureOut">
               <a:rPr kumimoji="1" lang="ja-JP" altLang="en-US" smtClean="0"/>
-              <a:t>2022/11/16</a:t>
+              <a:t>2022/11/17</a:t>
             </a:fld>
             <a:endParaRPr kumimoji="1" lang="ja-JP" altLang="en-US"/>
           </a:p>
@@ -2362,7 +2369,7 @@
           <a:p>
             <a:fld id="{9AE4982F-4AA6-4C8C-A812-7FB74D02BA8D}" type="datetimeFigureOut">
               <a:rPr kumimoji="1" lang="ja-JP" altLang="en-US" smtClean="0"/>
-              <a:t>2022/11/16</a:t>
+              <a:t>2022/11/17</a:t>
             </a:fld>
             <a:endParaRPr kumimoji="1" lang="ja-JP" altLang="en-US"/>
           </a:p>
@@ -2615,7 +2622,7 @@
           <a:p>
             <a:fld id="{9AE4982F-4AA6-4C8C-A812-7FB74D02BA8D}" type="datetimeFigureOut">
               <a:rPr kumimoji="1" lang="ja-JP" altLang="en-US" smtClean="0"/>
-              <a:t>2022/11/16</a:t>
+              <a:t>2022/11/17</a:t>
             </a:fld>
             <a:endParaRPr kumimoji="1" lang="ja-JP" altLang="en-US"/>
           </a:p>
@@ -2860,7 +2867,7 @@
           <a:p>
             <a:fld id="{9AE4982F-4AA6-4C8C-A812-7FB74D02BA8D}" type="datetimeFigureOut">
               <a:rPr kumimoji="1" lang="ja-JP" altLang="en-US" smtClean="0"/>
-              <a:t>2022/11/16</a:t>
+              <a:t>2022/11/17</a:t>
             </a:fld>
             <a:endParaRPr kumimoji="1" lang="ja-JP" altLang="en-US"/>
           </a:p>
@@ -3376,6 +3383,4835 @@
 </p:sld>
 </file>
 
+<file path=ppt/slides/slide10.xml><?xml version="1.0" encoding="utf-8"?>
+<p:sld xmlns:a="http://schemas.openxmlformats.org/drawingml/2006/main" xmlns:r="http://schemas.openxmlformats.org/officeDocument/2006/relationships" xmlns:p="http://schemas.openxmlformats.org/presentationml/2006/main">
+  <p:cSld>
+    <p:spTree>
+      <p:nvGrpSpPr>
+        <p:cNvPr id="1" name=""/>
+        <p:cNvGrpSpPr/>
+        <p:nvPr/>
+      </p:nvGrpSpPr>
+      <p:grpSpPr>
+        <a:xfrm>
+          <a:off x="0" y="0"/>
+          <a:ext cx="0" cy="0"/>
+          <a:chOff x="0" y="0"/>
+          <a:chExt cx="0" cy="0"/>
+        </a:xfrm>
+      </p:grpSpPr>
+      <p:sp>
+        <p:nvSpPr>
+          <p:cNvPr id="5" name="正方形/長方形 4"/>
+          <p:cNvSpPr/>
+          <p:nvPr/>
+        </p:nvSpPr>
+        <p:spPr>
+          <a:xfrm>
+            <a:off x="4264269" y="3666393"/>
+            <a:ext cx="2286000" cy="1019908"/>
+          </a:xfrm>
+          <a:prstGeom prst="rect">
+            <a:avLst/>
+          </a:prstGeom>
+        </p:spPr>
+        <p:style>
+          <a:lnRef idx="1">
+            <a:schemeClr val="dk1"/>
+          </a:lnRef>
+          <a:fillRef idx="2">
+            <a:schemeClr val="dk1"/>
+          </a:fillRef>
+          <a:effectRef idx="1">
+            <a:schemeClr val="dk1"/>
+          </a:effectRef>
+          <a:fontRef idx="minor">
+            <a:schemeClr val="dk1"/>
+          </a:fontRef>
+        </p:style>
+        <p:txBody>
+          <a:bodyPr rtlCol="0" anchor="ctr"/>
+          <a:lstStyle/>
+          <a:p>
+            <a:pPr algn="ctr"/>
+            <a:r>
+              <a:rPr kumimoji="1" lang="ja-JP" altLang="en-US" sz="2400" b="1" dirty="0" smtClean="0">
+                <a:ln>
+                  <a:solidFill>
+                    <a:schemeClr val="bg1"/>
+                  </a:solidFill>
+                </a:ln>
+                <a:solidFill>
+                  <a:schemeClr val="bg1"/>
+                </a:solidFill>
+              </a:rPr>
+              <a:t>車のモデル</a:t>
+            </a:r>
+            <a:r>
+              <a:rPr kumimoji="1" lang="ja-JP" altLang="en-US" sz="2400" b="1" dirty="0" smtClean="0">
+                <a:ln>
+                  <a:solidFill>
+                    <a:schemeClr val="bg1"/>
+                  </a:solidFill>
+                </a:ln>
+                <a:solidFill>
+                  <a:srgbClr val="0070C0"/>
+                </a:solidFill>
+              </a:rPr>
+              <a:t>１</a:t>
+            </a:r>
+            <a:r>
+              <a:rPr kumimoji="1" lang="en-US" altLang="ja-JP" sz="2400" b="1" dirty="0" smtClean="0">
+                <a:ln>
+                  <a:solidFill>
+                    <a:schemeClr val="bg1"/>
+                  </a:solidFill>
+                </a:ln>
+                <a:solidFill>
+                  <a:srgbClr val="0070C0"/>
+                </a:solidFill>
+              </a:rPr>
+              <a:t>P</a:t>
+            </a:r>
+            <a:endParaRPr kumimoji="1" lang="ja-JP" altLang="en-US" sz="2400" b="1" dirty="0">
+              <a:ln>
+                <a:solidFill>
+                  <a:schemeClr val="bg1"/>
+                </a:solidFill>
+              </a:ln>
+              <a:solidFill>
+                <a:srgbClr val="0070C0"/>
+              </a:solidFill>
+            </a:endParaRPr>
+          </a:p>
+        </p:txBody>
+      </p:sp>
+      <p:sp>
+        <p:nvSpPr>
+          <p:cNvPr id="6" name="正方形/長方形 5"/>
+          <p:cNvSpPr/>
+          <p:nvPr/>
+        </p:nvSpPr>
+        <p:spPr>
+          <a:xfrm>
+            <a:off x="2435469" y="808893"/>
+            <a:ext cx="7587762" cy="2154115"/>
+          </a:xfrm>
+          <a:prstGeom prst="rect">
+            <a:avLst/>
+          </a:prstGeom>
+        </p:spPr>
+        <p:style>
+          <a:lnRef idx="2">
+            <a:schemeClr val="accent1">
+              <a:shade val="50000"/>
+            </a:schemeClr>
+          </a:lnRef>
+          <a:fillRef idx="1">
+            <a:schemeClr val="accent1"/>
+          </a:fillRef>
+          <a:effectRef idx="0">
+            <a:schemeClr val="accent1"/>
+          </a:effectRef>
+          <a:fontRef idx="minor">
+            <a:schemeClr val="lt1"/>
+          </a:fontRef>
+        </p:style>
+        <p:txBody>
+          <a:bodyPr rtlCol="0" anchor="ctr"/>
+          <a:lstStyle/>
+          <a:p>
+            <a:pPr algn="ctr"/>
+            <a:endParaRPr kumimoji="1" lang="ja-JP" altLang="en-US"/>
+          </a:p>
+        </p:txBody>
+      </p:sp>
+      <p:sp>
+        <p:nvSpPr>
+          <p:cNvPr id="7" name="正方形/長方形 6"/>
+          <p:cNvSpPr/>
+          <p:nvPr/>
+        </p:nvSpPr>
+        <p:spPr>
+          <a:xfrm>
+            <a:off x="5612422" y="5424856"/>
+            <a:ext cx="2286000" cy="1019908"/>
+          </a:xfrm>
+          <a:prstGeom prst="rect">
+            <a:avLst/>
+          </a:prstGeom>
+        </p:spPr>
+        <p:style>
+          <a:lnRef idx="1">
+            <a:schemeClr val="dk1"/>
+          </a:lnRef>
+          <a:fillRef idx="2">
+            <a:schemeClr val="dk1"/>
+          </a:fillRef>
+          <a:effectRef idx="1">
+            <a:schemeClr val="dk1"/>
+          </a:effectRef>
+          <a:fontRef idx="minor">
+            <a:schemeClr val="dk1"/>
+          </a:fontRef>
+        </p:style>
+        <p:txBody>
+          <a:bodyPr rtlCol="0" anchor="ctr"/>
+          <a:lstStyle/>
+          <a:p>
+            <a:pPr algn="ctr"/>
+            <a:r>
+              <a:rPr lang="ja-JP" altLang="en-US" sz="2400" b="1" dirty="0">
+                <a:ln>
+                  <a:solidFill>
+                    <a:schemeClr val="bg1"/>
+                  </a:solidFill>
+                </a:ln>
+                <a:solidFill>
+                  <a:schemeClr val="bg1"/>
+                </a:solidFill>
+              </a:rPr>
+              <a:t>車の</a:t>
+            </a:r>
+            <a:r>
+              <a:rPr lang="ja-JP" altLang="en-US" sz="2400" b="1" dirty="0" smtClean="0">
+                <a:ln>
+                  <a:solidFill>
+                    <a:schemeClr val="bg1"/>
+                  </a:solidFill>
+                </a:ln>
+                <a:solidFill>
+                  <a:schemeClr val="bg1"/>
+                </a:solidFill>
+              </a:rPr>
+              <a:t>モデル</a:t>
+            </a:r>
+            <a:r>
+              <a:rPr lang="en-US" altLang="ja-JP" sz="2400" b="1" dirty="0" smtClean="0">
+                <a:ln>
+                  <a:solidFill>
+                    <a:schemeClr val="bg1"/>
+                  </a:solidFill>
+                </a:ln>
+                <a:solidFill>
+                  <a:srgbClr val="FF0000"/>
+                </a:solidFill>
+              </a:rPr>
+              <a:t>2P</a:t>
+            </a:r>
+            <a:endParaRPr lang="ja-JP" altLang="en-US" sz="2400" b="1" dirty="0">
+              <a:ln>
+                <a:solidFill>
+                  <a:schemeClr val="bg1"/>
+                </a:solidFill>
+              </a:ln>
+              <a:solidFill>
+                <a:srgbClr val="FF0000"/>
+              </a:solidFill>
+            </a:endParaRPr>
+          </a:p>
+        </p:txBody>
+      </p:sp>
+      <p:sp>
+        <p:nvSpPr>
+          <p:cNvPr id="4" name="U ターン矢印 3"/>
+          <p:cNvSpPr/>
+          <p:nvPr/>
+        </p:nvSpPr>
+        <p:spPr>
+          <a:xfrm rot="16200000">
+            <a:off x="2013435" y="2523394"/>
+            <a:ext cx="2848714" cy="4677508"/>
+          </a:xfrm>
+          <a:prstGeom prst="uturnArrow">
+            <a:avLst>
+              <a:gd name="adj1" fmla="val 21605"/>
+              <a:gd name="adj2" fmla="val 25000"/>
+              <a:gd name="adj3" fmla="val 25000"/>
+              <a:gd name="adj4" fmla="val 43750"/>
+              <a:gd name="adj5" fmla="val 71462"/>
+            </a:avLst>
+          </a:prstGeom>
+        </p:spPr>
+        <p:style>
+          <a:lnRef idx="2">
+            <a:schemeClr val="accent1">
+              <a:shade val="50000"/>
+            </a:schemeClr>
+          </a:lnRef>
+          <a:fillRef idx="1">
+            <a:schemeClr val="accent1"/>
+          </a:fillRef>
+          <a:effectRef idx="0">
+            <a:schemeClr val="accent1"/>
+          </a:effectRef>
+          <a:fontRef idx="minor">
+            <a:schemeClr val="lt1"/>
+          </a:fontRef>
+        </p:style>
+        <p:txBody>
+          <a:bodyPr rtlCol="0" anchor="ctr"/>
+          <a:lstStyle/>
+          <a:p>
+            <a:pPr algn="ctr"/>
+            <a:endParaRPr kumimoji="1" lang="ja-JP" altLang="en-US">
+              <a:solidFill>
+                <a:schemeClr val="tx1"/>
+              </a:solidFill>
+            </a:endParaRPr>
+          </a:p>
+        </p:txBody>
+      </p:sp>
+      <p:sp>
+        <p:nvSpPr>
+          <p:cNvPr id="10" name="U ターン矢印 9"/>
+          <p:cNvSpPr/>
+          <p:nvPr/>
+        </p:nvSpPr>
+        <p:spPr>
+          <a:xfrm rot="5400000">
+            <a:off x="7300542" y="2901463"/>
+            <a:ext cx="2848714" cy="4677508"/>
+          </a:xfrm>
+          <a:prstGeom prst="uturnArrow">
+            <a:avLst>
+              <a:gd name="adj1" fmla="val 21605"/>
+              <a:gd name="adj2" fmla="val 25000"/>
+              <a:gd name="adj3" fmla="val 25000"/>
+              <a:gd name="adj4" fmla="val 43750"/>
+              <a:gd name="adj5" fmla="val 71462"/>
+            </a:avLst>
+          </a:prstGeom>
+        </p:spPr>
+        <p:style>
+          <a:lnRef idx="2">
+            <a:schemeClr val="accent1">
+              <a:shade val="50000"/>
+            </a:schemeClr>
+          </a:lnRef>
+          <a:fillRef idx="1">
+            <a:schemeClr val="accent1"/>
+          </a:fillRef>
+          <a:effectRef idx="0">
+            <a:schemeClr val="accent1"/>
+          </a:effectRef>
+          <a:fontRef idx="minor">
+            <a:schemeClr val="lt1"/>
+          </a:fontRef>
+        </p:style>
+        <p:txBody>
+          <a:bodyPr rtlCol="0" anchor="ctr"/>
+          <a:lstStyle/>
+          <a:p>
+            <a:pPr algn="ctr"/>
+            <a:endParaRPr kumimoji="1" lang="ja-JP" altLang="en-US">
+              <a:solidFill>
+                <a:schemeClr val="tx1"/>
+              </a:solidFill>
+            </a:endParaRPr>
+          </a:p>
+        </p:txBody>
+      </p:sp>
+      <p:sp>
+        <p:nvSpPr>
+          <p:cNvPr id="11" name="正方形/長方形 10"/>
+          <p:cNvSpPr/>
+          <p:nvPr/>
+        </p:nvSpPr>
+        <p:spPr>
+          <a:xfrm>
+            <a:off x="3086100" y="1222131"/>
+            <a:ext cx="6057900" cy="1380392"/>
+          </a:xfrm>
+          <a:prstGeom prst="rect">
+            <a:avLst/>
+          </a:prstGeom>
+        </p:spPr>
+        <p:style>
+          <a:lnRef idx="2">
+            <a:schemeClr val="dk1"/>
+          </a:lnRef>
+          <a:fillRef idx="1">
+            <a:schemeClr val="lt1"/>
+          </a:fillRef>
+          <a:effectRef idx="0">
+            <a:schemeClr val="dk1"/>
+          </a:effectRef>
+          <a:fontRef idx="minor">
+            <a:schemeClr val="dk1"/>
+          </a:fontRef>
+        </p:style>
+        <p:txBody>
+          <a:bodyPr rtlCol="0" anchor="ctr"/>
+          <a:lstStyle/>
+          <a:p>
+            <a:pPr algn="ctr"/>
+            <a:r>
+              <a:rPr kumimoji="1" lang="ja-JP" altLang="en-US" sz="7200" b="1" dirty="0" smtClean="0">
+                <a:effectLst>
+                  <a:outerShdw blurRad="38100" dist="38100" dir="2700000" algn="tl">
+                    <a:srgbClr val="000000">
+                      <a:alpha val="43137"/>
+                    </a:srgbClr>
+                  </a:outerShdw>
+                </a:effectLst>
+              </a:rPr>
+              <a:t>タイトル</a:t>
+            </a:r>
+            <a:endParaRPr kumimoji="1" lang="ja-JP" altLang="en-US" sz="7200" b="1" dirty="0">
+              <a:effectLst>
+                <a:outerShdw blurRad="38100" dist="38100" dir="2700000" algn="tl">
+                  <a:srgbClr val="000000">
+                    <a:alpha val="43137"/>
+                  </a:srgbClr>
+                </a:outerShdw>
+              </a:effectLst>
+            </a:endParaRPr>
+          </a:p>
+        </p:txBody>
+      </p:sp>
+    </p:spTree>
+    <p:extLst>
+      <p:ext uri="{BB962C8B-B14F-4D97-AF65-F5344CB8AC3E}">
+        <p14:creationId xmlns:p14="http://schemas.microsoft.com/office/powerpoint/2010/main" val="2384207207"/>
+      </p:ext>
+    </p:extLst>
+  </p:cSld>
+  <p:clrMapOvr>
+    <a:masterClrMapping/>
+  </p:clrMapOvr>
+  <p:timing>
+    <p:tnLst>
+      <p:par>
+        <p:cTn id="1" dur="indefinite" restart="never" nodeType="tmRoot">
+          <p:childTnLst>
+            <p:seq concurrent="1" nextAc="seek">
+              <p:cTn id="2" dur="indefinite" nodeType="mainSeq">
+                <p:childTnLst>
+                  <p:par>
+                    <p:cTn id="3" fill="hold">
+                      <p:stCondLst>
+                        <p:cond delay="indefinite"/>
+                      </p:stCondLst>
+                      <p:childTnLst>
+                        <p:par>
+                          <p:cTn id="4" fill="hold">
+                            <p:stCondLst>
+                              <p:cond delay="0"/>
+                            </p:stCondLst>
+                            <p:childTnLst>
+                              <p:par>
+                                <p:cTn id="5" presetID="50" presetClass="path" presetSubtype="0" accel="50000" decel="50000" fill="hold" grpId="0" nodeType="clickEffect">
+                                  <p:stCondLst>
+                                    <p:cond delay="0"/>
+                                  </p:stCondLst>
+                                  <p:childTnLst>
+                                    <p:animMotion origin="layout" path="M 4.16667E-7 -0.00023 C 0.07135 -0.00023 0.28333 -0.06042 0.3513 -0.0206 C 0.4194 0.01944 0.45273 0.14953 0.40781 0.23935 C 0.4125 0.3118 0.16302 0.27199 0.1112 0.26412 " pathEditMode="relative" rAng="0" ptsTypes="AAAA">
+                                      <p:cBhvr>
+                                        <p:cTn id="6" dur="2000" fill="hold"/>
+                                        <p:tgtEl>
+                                          <p:spTgt spid="5"/>
+                                        </p:tgtEl>
+                                        <p:attrNameLst>
+                                          <p:attrName>ppt_x</p:attrName>
+                                          <p:attrName>ppt_y</p:attrName>
+                                        </p:attrNameLst>
+                                      </p:cBhvr>
+                                      <p:rCtr x="21419" y="12431"/>
+                                    </p:animMotion>
+                                  </p:childTnLst>
+                                </p:cTn>
+                              </p:par>
+                            </p:childTnLst>
+                          </p:cTn>
+                        </p:par>
+                      </p:childTnLst>
+                    </p:cTn>
+                  </p:par>
+                  <p:par>
+                    <p:cTn id="7" fill="hold">
+                      <p:stCondLst>
+                        <p:cond delay="indefinite"/>
+                      </p:stCondLst>
+                      <p:childTnLst>
+                        <p:par>
+                          <p:cTn id="8" fill="hold">
+                            <p:stCondLst>
+                              <p:cond delay="0"/>
+                            </p:stCondLst>
+                            <p:childTnLst>
+                              <p:par>
+                                <p:cTn id="9" presetID="36" presetClass="path" presetSubtype="0" accel="50000" decel="50000" fill="hold" grpId="0" nodeType="clickEffect">
+                                  <p:stCondLst>
+                                    <p:cond delay="0"/>
+                                  </p:stCondLst>
+                                  <p:childTnLst>
+                                    <p:animMotion origin="layout" path="M 0.00065 0.00787 L -0.36498 0.01528 C -0.45873 0.02778 -0.49115 -0.22222 -0.3612 -0.24838 L -0.11003 -0.24885 " pathEditMode="relative" rAng="0" ptsTypes="AAAA">
+                                      <p:cBhvr>
+                                        <p:cTn id="10" dur="2000" fill="hold"/>
+                                        <p:tgtEl>
+                                          <p:spTgt spid="7"/>
+                                        </p:tgtEl>
+                                        <p:attrNameLst>
+                                          <p:attrName>ppt_x</p:attrName>
+                                          <p:attrName>ppt_y</p:attrName>
+                                        </p:attrNameLst>
+                                      </p:cBhvr>
+                                      <p:rCtr x="-22396" y="-12454"/>
+                                    </p:animMotion>
+                                  </p:childTnLst>
+                                </p:cTn>
+                              </p:par>
+                            </p:childTnLst>
+                          </p:cTn>
+                        </p:par>
+                      </p:childTnLst>
+                    </p:cTn>
+                  </p:par>
+                </p:childTnLst>
+              </p:cTn>
+              <p:prevCondLst>
+                <p:cond evt="onPrev" delay="0">
+                  <p:tgtEl>
+                    <p:sldTgt/>
+                  </p:tgtEl>
+                </p:cond>
+              </p:prevCondLst>
+              <p:nextCondLst>
+                <p:cond evt="onNext" delay="0">
+                  <p:tgtEl>
+                    <p:sldTgt/>
+                  </p:tgtEl>
+                </p:cond>
+              </p:nextCondLst>
+            </p:seq>
+          </p:childTnLst>
+        </p:cTn>
+      </p:par>
+    </p:tnLst>
+    <p:bldLst>
+      <p:bldP spid="5" grpId="0" animBg="1"/>
+      <p:bldP spid="7" grpId="0" animBg="1"/>
+    </p:bldLst>
+  </p:timing>
+</p:sld>
+</file>
+
+<file path=ppt/slides/slide11.xml><?xml version="1.0" encoding="utf-8"?>
+<p:sld xmlns:a="http://schemas.openxmlformats.org/drawingml/2006/main" xmlns:r="http://schemas.openxmlformats.org/officeDocument/2006/relationships" xmlns:p="http://schemas.openxmlformats.org/presentationml/2006/main">
+  <p:cSld>
+    <p:spTree>
+      <p:nvGrpSpPr>
+        <p:cNvPr id="1" name=""/>
+        <p:cNvGrpSpPr/>
+        <p:nvPr/>
+      </p:nvGrpSpPr>
+      <p:grpSpPr>
+        <a:xfrm>
+          <a:off x="0" y="0"/>
+          <a:ext cx="0" cy="0"/>
+          <a:chOff x="0" y="0"/>
+          <a:chExt cx="0" cy="0"/>
+        </a:xfrm>
+      </p:grpSpPr>
+      <p:sp>
+        <p:nvSpPr>
+          <p:cNvPr id="5" name="正方形/長方形 4"/>
+          <p:cNvSpPr/>
+          <p:nvPr/>
+        </p:nvSpPr>
+        <p:spPr>
+          <a:xfrm>
+            <a:off x="624254" y="3516924"/>
+            <a:ext cx="2286000" cy="1019908"/>
+          </a:xfrm>
+          <a:prstGeom prst="rect">
+            <a:avLst/>
+          </a:prstGeom>
+        </p:spPr>
+        <p:style>
+          <a:lnRef idx="1">
+            <a:schemeClr val="dk1"/>
+          </a:lnRef>
+          <a:fillRef idx="2">
+            <a:schemeClr val="dk1"/>
+          </a:fillRef>
+          <a:effectRef idx="1">
+            <a:schemeClr val="dk1"/>
+          </a:effectRef>
+          <a:fontRef idx="minor">
+            <a:schemeClr val="dk1"/>
+          </a:fontRef>
+        </p:style>
+        <p:txBody>
+          <a:bodyPr rtlCol="0" anchor="ctr"/>
+          <a:lstStyle/>
+          <a:p>
+            <a:pPr algn="ctr"/>
+            <a:r>
+              <a:rPr lang="ja-JP" altLang="en-US" sz="2400" b="1" dirty="0">
+                <a:ln>
+                  <a:solidFill>
+                    <a:schemeClr val="bg1"/>
+                  </a:solidFill>
+                </a:ln>
+                <a:solidFill>
+                  <a:schemeClr val="bg1"/>
+                </a:solidFill>
+              </a:rPr>
+              <a:t>車のモデル</a:t>
+            </a:r>
+            <a:r>
+              <a:rPr lang="ja-JP" altLang="en-US" sz="2400" b="1" dirty="0">
+                <a:ln>
+                  <a:solidFill>
+                    <a:schemeClr val="bg1"/>
+                  </a:solidFill>
+                </a:ln>
+                <a:solidFill>
+                  <a:srgbClr val="0070C0"/>
+                </a:solidFill>
+              </a:rPr>
+              <a:t>１</a:t>
+            </a:r>
+            <a:r>
+              <a:rPr lang="en-US" altLang="ja-JP" sz="2400" b="1" dirty="0">
+                <a:ln>
+                  <a:solidFill>
+                    <a:schemeClr val="bg1"/>
+                  </a:solidFill>
+                </a:ln>
+                <a:solidFill>
+                  <a:srgbClr val="0070C0"/>
+                </a:solidFill>
+              </a:rPr>
+              <a:t>P</a:t>
+            </a:r>
+            <a:endParaRPr lang="ja-JP" altLang="en-US" sz="2400" b="1" dirty="0">
+              <a:ln>
+                <a:solidFill>
+                  <a:schemeClr val="bg1"/>
+                </a:solidFill>
+              </a:ln>
+              <a:solidFill>
+                <a:srgbClr val="0070C0"/>
+              </a:solidFill>
+            </a:endParaRPr>
+          </a:p>
+        </p:txBody>
+      </p:sp>
+      <p:sp>
+        <p:nvSpPr>
+          <p:cNvPr id="6" name="正方形/長方形 5"/>
+          <p:cNvSpPr/>
+          <p:nvPr/>
+        </p:nvSpPr>
+        <p:spPr>
+          <a:xfrm>
+            <a:off x="2435469" y="808893"/>
+            <a:ext cx="7587762" cy="2154115"/>
+          </a:xfrm>
+          <a:prstGeom prst="rect">
+            <a:avLst/>
+          </a:prstGeom>
+        </p:spPr>
+        <p:style>
+          <a:lnRef idx="2">
+            <a:schemeClr val="accent1">
+              <a:shade val="50000"/>
+            </a:schemeClr>
+          </a:lnRef>
+          <a:fillRef idx="1">
+            <a:schemeClr val="accent1"/>
+          </a:fillRef>
+          <a:effectRef idx="0">
+            <a:schemeClr val="accent1"/>
+          </a:effectRef>
+          <a:fontRef idx="minor">
+            <a:schemeClr val="lt1"/>
+          </a:fontRef>
+        </p:style>
+        <p:txBody>
+          <a:bodyPr rtlCol="0" anchor="ctr"/>
+          <a:lstStyle/>
+          <a:p>
+            <a:pPr algn="ctr"/>
+            <a:endParaRPr kumimoji="1" lang="ja-JP" altLang="en-US"/>
+          </a:p>
+        </p:txBody>
+      </p:sp>
+      <p:sp>
+        <p:nvSpPr>
+          <p:cNvPr id="7" name="正方形/長方形 6"/>
+          <p:cNvSpPr/>
+          <p:nvPr/>
+        </p:nvSpPr>
+        <p:spPr>
+          <a:xfrm>
+            <a:off x="9261231" y="5319349"/>
+            <a:ext cx="2286000" cy="1019908"/>
+          </a:xfrm>
+          <a:prstGeom prst="rect">
+            <a:avLst/>
+          </a:prstGeom>
+        </p:spPr>
+        <p:style>
+          <a:lnRef idx="1">
+            <a:schemeClr val="dk1"/>
+          </a:lnRef>
+          <a:fillRef idx="2">
+            <a:schemeClr val="dk1"/>
+          </a:fillRef>
+          <a:effectRef idx="1">
+            <a:schemeClr val="dk1"/>
+          </a:effectRef>
+          <a:fontRef idx="minor">
+            <a:schemeClr val="dk1"/>
+          </a:fontRef>
+        </p:style>
+        <p:txBody>
+          <a:bodyPr rtlCol="0" anchor="ctr"/>
+          <a:lstStyle/>
+          <a:p>
+            <a:pPr algn="ctr"/>
+            <a:r>
+              <a:rPr lang="ja-JP" altLang="en-US" sz="2400" b="1" dirty="0">
+                <a:ln>
+                  <a:solidFill>
+                    <a:schemeClr val="bg1"/>
+                  </a:solidFill>
+                </a:ln>
+                <a:solidFill>
+                  <a:schemeClr val="bg1"/>
+                </a:solidFill>
+              </a:rPr>
+              <a:t>車のモデル</a:t>
+            </a:r>
+            <a:r>
+              <a:rPr lang="en-US" altLang="ja-JP" sz="2400" b="1" dirty="0">
+                <a:ln>
+                  <a:solidFill>
+                    <a:schemeClr val="bg1"/>
+                  </a:solidFill>
+                </a:ln>
+                <a:solidFill>
+                  <a:srgbClr val="FF0000"/>
+                </a:solidFill>
+              </a:rPr>
+              <a:t>2P</a:t>
+            </a:r>
+            <a:endParaRPr lang="ja-JP" altLang="en-US" sz="2400" b="1" dirty="0">
+              <a:ln>
+                <a:solidFill>
+                  <a:schemeClr val="bg1"/>
+                </a:solidFill>
+              </a:ln>
+              <a:solidFill>
+                <a:srgbClr val="FF0000"/>
+              </a:solidFill>
+            </a:endParaRPr>
+          </a:p>
+        </p:txBody>
+      </p:sp>
+      <p:sp>
+        <p:nvSpPr>
+          <p:cNvPr id="2" name="右矢印 1"/>
+          <p:cNvSpPr/>
+          <p:nvPr/>
+        </p:nvSpPr>
+        <p:spPr>
+          <a:xfrm>
+            <a:off x="2831125" y="3402624"/>
+            <a:ext cx="3938954" cy="1248508"/>
+          </a:xfrm>
+          <a:prstGeom prst="rightArrow">
+            <a:avLst>
+              <a:gd name="adj1" fmla="val 50000"/>
+              <a:gd name="adj2" fmla="val 116901"/>
+            </a:avLst>
+          </a:prstGeom>
+        </p:spPr>
+        <p:style>
+          <a:lnRef idx="2">
+            <a:schemeClr val="accent1">
+              <a:shade val="50000"/>
+            </a:schemeClr>
+          </a:lnRef>
+          <a:fillRef idx="1">
+            <a:schemeClr val="accent1"/>
+          </a:fillRef>
+          <a:effectRef idx="0">
+            <a:schemeClr val="accent1"/>
+          </a:effectRef>
+          <a:fontRef idx="minor">
+            <a:schemeClr val="lt1"/>
+          </a:fontRef>
+        </p:style>
+        <p:txBody>
+          <a:bodyPr rtlCol="0" anchor="ctr"/>
+          <a:lstStyle/>
+          <a:p>
+            <a:pPr algn="ctr"/>
+            <a:endParaRPr kumimoji="1" lang="ja-JP" altLang="en-US"/>
+          </a:p>
+        </p:txBody>
+      </p:sp>
+      <p:sp>
+        <p:nvSpPr>
+          <p:cNvPr id="3" name="テキスト ボックス 2"/>
+          <p:cNvSpPr txBox="1"/>
+          <p:nvPr/>
+        </p:nvSpPr>
+        <p:spPr>
+          <a:xfrm>
+            <a:off x="2760783" y="4580766"/>
+            <a:ext cx="2356340" cy="369332"/>
+          </a:xfrm>
+          <a:prstGeom prst="rect">
+            <a:avLst/>
+          </a:prstGeom>
+          <a:noFill/>
+        </p:spPr>
+        <p:txBody>
+          <a:bodyPr wrap="square" rtlCol="0">
+            <a:spAutoFit/>
+          </a:bodyPr>
+          <a:lstStyle/>
+          <a:p>
+            <a:r>
+              <a:rPr kumimoji="1" lang="ja-JP" altLang="en-US" dirty="0" smtClean="0"/>
+              <a:t>決定したら画面外へ</a:t>
+            </a:r>
+            <a:endParaRPr kumimoji="1" lang="ja-JP" altLang="en-US" dirty="0"/>
+          </a:p>
+        </p:txBody>
+      </p:sp>
+      <p:sp>
+        <p:nvSpPr>
+          <p:cNvPr id="8" name="テキスト ボックス 7"/>
+          <p:cNvSpPr txBox="1"/>
+          <p:nvPr/>
+        </p:nvSpPr>
+        <p:spPr>
+          <a:xfrm>
+            <a:off x="7309336" y="6392096"/>
+            <a:ext cx="2356340" cy="369332"/>
+          </a:xfrm>
+          <a:prstGeom prst="rect">
+            <a:avLst/>
+          </a:prstGeom>
+          <a:noFill/>
+        </p:spPr>
+        <p:txBody>
+          <a:bodyPr wrap="square" rtlCol="0">
+            <a:spAutoFit/>
+          </a:bodyPr>
+          <a:lstStyle/>
+          <a:p>
+            <a:r>
+              <a:rPr kumimoji="1" lang="ja-JP" altLang="en-US" dirty="0" smtClean="0"/>
+              <a:t>決定したら画面外へ</a:t>
+            </a:r>
+            <a:endParaRPr kumimoji="1" lang="ja-JP" altLang="en-US" dirty="0"/>
+          </a:p>
+        </p:txBody>
+      </p:sp>
+      <p:sp>
+        <p:nvSpPr>
+          <p:cNvPr id="9" name="右矢印 8"/>
+          <p:cNvSpPr/>
+          <p:nvPr/>
+        </p:nvSpPr>
+        <p:spPr>
+          <a:xfrm rot="10800000">
+            <a:off x="5473213" y="5205049"/>
+            <a:ext cx="3938954" cy="1248508"/>
+          </a:xfrm>
+          <a:prstGeom prst="rightArrow">
+            <a:avLst>
+              <a:gd name="adj1" fmla="val 50000"/>
+              <a:gd name="adj2" fmla="val 116901"/>
+            </a:avLst>
+          </a:prstGeom>
+        </p:spPr>
+        <p:style>
+          <a:lnRef idx="2">
+            <a:schemeClr val="accent1">
+              <a:shade val="50000"/>
+            </a:schemeClr>
+          </a:lnRef>
+          <a:fillRef idx="1">
+            <a:schemeClr val="accent1"/>
+          </a:fillRef>
+          <a:effectRef idx="0">
+            <a:schemeClr val="accent1"/>
+          </a:effectRef>
+          <a:fontRef idx="minor">
+            <a:schemeClr val="lt1"/>
+          </a:fontRef>
+        </p:style>
+        <p:txBody>
+          <a:bodyPr rtlCol="0" anchor="ctr"/>
+          <a:lstStyle/>
+          <a:p>
+            <a:pPr algn="ctr"/>
+            <a:endParaRPr kumimoji="1" lang="ja-JP" altLang="en-US"/>
+          </a:p>
+        </p:txBody>
+      </p:sp>
+      <p:sp>
+        <p:nvSpPr>
+          <p:cNvPr id="10" name="正方形/長方形 9"/>
+          <p:cNvSpPr/>
+          <p:nvPr/>
+        </p:nvSpPr>
+        <p:spPr>
+          <a:xfrm>
+            <a:off x="3086100" y="1222131"/>
+            <a:ext cx="6057900" cy="1380392"/>
+          </a:xfrm>
+          <a:prstGeom prst="rect">
+            <a:avLst/>
+          </a:prstGeom>
+        </p:spPr>
+        <p:style>
+          <a:lnRef idx="2">
+            <a:schemeClr val="dk1"/>
+          </a:lnRef>
+          <a:fillRef idx="1">
+            <a:schemeClr val="lt1"/>
+          </a:fillRef>
+          <a:effectRef idx="0">
+            <a:schemeClr val="dk1"/>
+          </a:effectRef>
+          <a:fontRef idx="minor">
+            <a:schemeClr val="dk1"/>
+          </a:fontRef>
+        </p:style>
+        <p:txBody>
+          <a:bodyPr rtlCol="0" anchor="ctr"/>
+          <a:lstStyle/>
+          <a:p>
+            <a:pPr algn="ctr"/>
+            <a:r>
+              <a:rPr kumimoji="1" lang="ja-JP" altLang="en-US" sz="7200" b="1" dirty="0" smtClean="0">
+                <a:effectLst>
+                  <a:outerShdw blurRad="38100" dist="38100" dir="2700000" algn="tl">
+                    <a:srgbClr val="000000">
+                      <a:alpha val="43137"/>
+                    </a:srgbClr>
+                  </a:outerShdw>
+                </a:effectLst>
+              </a:rPr>
+              <a:t>タイトル</a:t>
+            </a:r>
+            <a:endParaRPr kumimoji="1" lang="ja-JP" altLang="en-US" sz="7200" b="1" dirty="0">
+              <a:effectLst>
+                <a:outerShdw blurRad="38100" dist="38100" dir="2700000" algn="tl">
+                  <a:srgbClr val="000000">
+                    <a:alpha val="43137"/>
+                  </a:srgbClr>
+                </a:outerShdw>
+              </a:effectLst>
+            </a:endParaRPr>
+          </a:p>
+        </p:txBody>
+      </p:sp>
+    </p:spTree>
+    <p:extLst>
+      <p:ext uri="{BB962C8B-B14F-4D97-AF65-F5344CB8AC3E}">
+        <p14:creationId xmlns:p14="http://schemas.microsoft.com/office/powerpoint/2010/main" val="4272468869"/>
+      </p:ext>
+    </p:extLst>
+  </p:cSld>
+  <p:clrMapOvr>
+    <a:masterClrMapping/>
+  </p:clrMapOvr>
+  <p:timing>
+    <p:tnLst>
+      <p:par>
+        <p:cTn id="1" dur="indefinite" restart="never" nodeType="tmRoot">
+          <p:childTnLst>
+            <p:seq concurrent="1" nextAc="seek">
+              <p:cTn id="2" dur="indefinite" nodeType="mainSeq">
+                <p:childTnLst>
+                  <p:par>
+                    <p:cTn id="3" fill="hold">
+                      <p:stCondLst>
+                        <p:cond delay="indefinite"/>
+                      </p:stCondLst>
+                      <p:childTnLst>
+                        <p:par>
+                          <p:cTn id="4" fill="hold">
+                            <p:stCondLst>
+                              <p:cond delay="0"/>
+                            </p:stCondLst>
+                            <p:childTnLst>
+                              <p:par>
+                                <p:cTn id="5" presetID="2" presetClass="exit" presetSubtype="2" fill="hold" grpId="0" nodeType="clickEffect">
+                                  <p:stCondLst>
+                                    <p:cond delay="0"/>
+                                  </p:stCondLst>
+                                  <p:childTnLst>
+                                    <p:anim calcmode="lin" valueType="num">
+                                      <p:cBhvr additive="base">
+                                        <p:cTn id="6" dur="500"/>
+                                        <p:tgtEl>
+                                          <p:spTgt spid="5"/>
+                                        </p:tgtEl>
+                                        <p:attrNameLst>
+                                          <p:attrName>ppt_x</p:attrName>
+                                        </p:attrNameLst>
+                                      </p:cBhvr>
+                                      <p:tavLst>
+                                        <p:tav tm="0">
+                                          <p:val>
+                                            <p:strVal val="ppt_x"/>
+                                          </p:val>
+                                        </p:tav>
+                                        <p:tav tm="100000">
+                                          <p:val>
+                                            <p:strVal val="1+ppt_w/2"/>
+                                          </p:val>
+                                        </p:tav>
+                                      </p:tavLst>
+                                    </p:anim>
+                                    <p:anim calcmode="lin" valueType="num">
+                                      <p:cBhvr additive="base">
+                                        <p:cTn id="7" dur="500"/>
+                                        <p:tgtEl>
+                                          <p:spTgt spid="5"/>
+                                        </p:tgtEl>
+                                        <p:attrNameLst>
+                                          <p:attrName>ppt_y</p:attrName>
+                                        </p:attrNameLst>
+                                      </p:cBhvr>
+                                      <p:tavLst>
+                                        <p:tav tm="0">
+                                          <p:val>
+                                            <p:strVal val="ppt_y"/>
+                                          </p:val>
+                                        </p:tav>
+                                        <p:tav tm="100000">
+                                          <p:val>
+                                            <p:strVal val="ppt_y"/>
+                                          </p:val>
+                                        </p:tav>
+                                      </p:tavLst>
+                                    </p:anim>
+                                    <p:set>
+                                      <p:cBhvr>
+                                        <p:cTn id="8" dur="1" fill="hold">
+                                          <p:stCondLst>
+                                            <p:cond delay="499"/>
+                                          </p:stCondLst>
+                                        </p:cTn>
+                                        <p:tgtEl>
+                                          <p:spTgt spid="5"/>
+                                        </p:tgtEl>
+                                        <p:attrNameLst>
+                                          <p:attrName>style.visibility</p:attrName>
+                                        </p:attrNameLst>
+                                      </p:cBhvr>
+                                      <p:to>
+                                        <p:strVal val="hidden"/>
+                                      </p:to>
+                                    </p:set>
+                                  </p:childTnLst>
+                                </p:cTn>
+                              </p:par>
+                            </p:childTnLst>
+                          </p:cTn>
+                        </p:par>
+                      </p:childTnLst>
+                    </p:cTn>
+                  </p:par>
+                  <p:par>
+                    <p:cTn id="9" fill="hold">
+                      <p:stCondLst>
+                        <p:cond delay="indefinite"/>
+                      </p:stCondLst>
+                      <p:childTnLst>
+                        <p:par>
+                          <p:cTn id="10" fill="hold">
+                            <p:stCondLst>
+                              <p:cond delay="0"/>
+                            </p:stCondLst>
+                            <p:childTnLst>
+                              <p:par>
+                                <p:cTn id="11" presetID="2" presetClass="exit" presetSubtype="8" fill="hold" grpId="0" nodeType="clickEffect">
+                                  <p:stCondLst>
+                                    <p:cond delay="0"/>
+                                  </p:stCondLst>
+                                  <p:childTnLst>
+                                    <p:anim calcmode="lin" valueType="num">
+                                      <p:cBhvr additive="base">
+                                        <p:cTn id="12" dur="500"/>
+                                        <p:tgtEl>
+                                          <p:spTgt spid="7"/>
+                                        </p:tgtEl>
+                                        <p:attrNameLst>
+                                          <p:attrName>ppt_x</p:attrName>
+                                        </p:attrNameLst>
+                                      </p:cBhvr>
+                                      <p:tavLst>
+                                        <p:tav tm="0">
+                                          <p:val>
+                                            <p:strVal val="ppt_x"/>
+                                          </p:val>
+                                        </p:tav>
+                                        <p:tav tm="100000">
+                                          <p:val>
+                                            <p:strVal val="0-ppt_w/2"/>
+                                          </p:val>
+                                        </p:tav>
+                                      </p:tavLst>
+                                    </p:anim>
+                                    <p:anim calcmode="lin" valueType="num">
+                                      <p:cBhvr additive="base">
+                                        <p:cTn id="13" dur="500"/>
+                                        <p:tgtEl>
+                                          <p:spTgt spid="7"/>
+                                        </p:tgtEl>
+                                        <p:attrNameLst>
+                                          <p:attrName>ppt_y</p:attrName>
+                                        </p:attrNameLst>
+                                      </p:cBhvr>
+                                      <p:tavLst>
+                                        <p:tav tm="0">
+                                          <p:val>
+                                            <p:strVal val="ppt_y"/>
+                                          </p:val>
+                                        </p:tav>
+                                        <p:tav tm="100000">
+                                          <p:val>
+                                            <p:strVal val="ppt_y"/>
+                                          </p:val>
+                                        </p:tav>
+                                      </p:tavLst>
+                                    </p:anim>
+                                    <p:set>
+                                      <p:cBhvr>
+                                        <p:cTn id="14" dur="1" fill="hold">
+                                          <p:stCondLst>
+                                            <p:cond delay="499"/>
+                                          </p:stCondLst>
+                                        </p:cTn>
+                                        <p:tgtEl>
+                                          <p:spTgt spid="7"/>
+                                        </p:tgtEl>
+                                        <p:attrNameLst>
+                                          <p:attrName>style.visibility</p:attrName>
+                                        </p:attrNameLst>
+                                      </p:cBhvr>
+                                      <p:to>
+                                        <p:strVal val="hidden"/>
+                                      </p:to>
+                                    </p:set>
+                                  </p:childTnLst>
+                                </p:cTn>
+                              </p:par>
+                            </p:childTnLst>
+                          </p:cTn>
+                        </p:par>
+                      </p:childTnLst>
+                    </p:cTn>
+                  </p:par>
+                </p:childTnLst>
+              </p:cTn>
+              <p:prevCondLst>
+                <p:cond evt="onPrev" delay="0">
+                  <p:tgtEl>
+                    <p:sldTgt/>
+                  </p:tgtEl>
+                </p:cond>
+              </p:prevCondLst>
+              <p:nextCondLst>
+                <p:cond evt="onNext" delay="0">
+                  <p:tgtEl>
+                    <p:sldTgt/>
+                  </p:tgtEl>
+                </p:cond>
+              </p:nextCondLst>
+            </p:seq>
+          </p:childTnLst>
+        </p:cTn>
+      </p:par>
+    </p:tnLst>
+    <p:bldLst>
+      <p:bldP spid="5" grpId="0" animBg="1"/>
+      <p:bldP spid="7" grpId="0" animBg="1"/>
+    </p:bldLst>
+  </p:timing>
+</p:sld>
+</file>
+
+<file path=ppt/slides/slide12.xml><?xml version="1.0" encoding="utf-8"?>
+<p:sld xmlns:a="http://schemas.openxmlformats.org/drawingml/2006/main" xmlns:r="http://schemas.openxmlformats.org/officeDocument/2006/relationships" xmlns:p="http://schemas.openxmlformats.org/presentationml/2006/main">
+  <p:cSld>
+    <p:spTree>
+      <p:nvGrpSpPr>
+        <p:cNvPr id="1" name=""/>
+        <p:cNvGrpSpPr/>
+        <p:nvPr/>
+      </p:nvGrpSpPr>
+      <p:grpSpPr>
+        <a:xfrm>
+          <a:off x="0" y="0"/>
+          <a:ext cx="0" cy="0"/>
+          <a:chOff x="0" y="0"/>
+          <a:chExt cx="0" cy="0"/>
+        </a:xfrm>
+      </p:grpSpPr>
+      <p:sp>
+        <p:nvSpPr>
+          <p:cNvPr id="2" name="タイトル 1"/>
+          <p:cNvSpPr>
+            <a:spLocks noGrp="1"/>
+          </p:cNvSpPr>
+          <p:nvPr>
+            <p:ph type="title"/>
+          </p:nvPr>
+        </p:nvSpPr>
+        <p:spPr>
+          <a:xfrm>
+            <a:off x="908538" y="2519241"/>
+            <a:ext cx="10515600" cy="1325563"/>
+          </a:xfrm>
+        </p:spPr>
+        <p:txBody>
+          <a:bodyPr>
+            <a:normAutofit/>
+          </a:bodyPr>
+          <a:lstStyle/>
+          <a:p>
+            <a:pPr algn="ctr"/>
+            <a:r>
+              <a:rPr kumimoji="1" lang="ja-JP" altLang="en-US" sz="7200" b="1" dirty="0" smtClean="0">
+                <a:latin typeface="BIZ UDP明朝 Medium" panose="02020500000000000000" pitchFamily="18" charset="-128"/>
+                <a:ea typeface="BIZ UDP明朝 Medium" panose="02020500000000000000" pitchFamily="18" charset="-128"/>
+              </a:rPr>
+              <a:t>タイトル画面の</a:t>
+            </a:r>
+            <a:r>
+              <a:rPr kumimoji="1" lang="ja-JP" altLang="en-US" sz="7200" b="1" dirty="0" smtClean="0">
+                <a:latin typeface="BIZ UDP明朝 Medium" panose="02020500000000000000" pitchFamily="18" charset="-128"/>
+                <a:ea typeface="BIZ UDP明朝 Medium" panose="02020500000000000000" pitchFamily="18" charset="-128"/>
+              </a:rPr>
+              <a:t>案</a:t>
+            </a:r>
+            <a:r>
+              <a:rPr kumimoji="1" lang="en-US" altLang="ja-JP" sz="7200" b="1" dirty="0" smtClean="0">
+                <a:latin typeface="BIZ UDP明朝 Medium" panose="02020500000000000000" pitchFamily="18" charset="-128"/>
+                <a:ea typeface="BIZ UDP明朝 Medium" panose="02020500000000000000" pitchFamily="18" charset="-128"/>
+              </a:rPr>
+              <a:t>4</a:t>
+            </a:r>
+            <a:endParaRPr kumimoji="1" lang="ja-JP" altLang="en-US" sz="7200" b="1" dirty="0">
+              <a:latin typeface="BIZ UDP明朝 Medium" panose="02020500000000000000" pitchFamily="18" charset="-128"/>
+              <a:ea typeface="BIZ UDP明朝 Medium" panose="02020500000000000000" pitchFamily="18" charset="-128"/>
+            </a:endParaRPr>
+          </a:p>
+        </p:txBody>
+      </p:sp>
+    </p:spTree>
+    <p:extLst>
+      <p:ext uri="{BB962C8B-B14F-4D97-AF65-F5344CB8AC3E}">
+        <p14:creationId xmlns:p14="http://schemas.microsoft.com/office/powerpoint/2010/main" val="1775710903"/>
+      </p:ext>
+    </p:extLst>
+  </p:cSld>
+  <p:clrMapOvr>
+    <a:masterClrMapping/>
+  </p:clrMapOvr>
+  <p:timing>
+    <p:tnLst>
+      <p:par>
+        <p:cTn id="1" dur="indefinite" restart="never" nodeType="tmRoot"/>
+      </p:par>
+    </p:tnLst>
+  </p:timing>
+</p:sld>
+</file>
+
+<file path=ppt/slides/slide13.xml><?xml version="1.0" encoding="utf-8"?>
+<p:sld xmlns:a="http://schemas.openxmlformats.org/drawingml/2006/main" xmlns:r="http://schemas.openxmlformats.org/officeDocument/2006/relationships" xmlns:p="http://schemas.openxmlformats.org/presentationml/2006/main">
+  <p:cSld>
+    <p:spTree>
+      <p:nvGrpSpPr>
+        <p:cNvPr id="1" name=""/>
+        <p:cNvGrpSpPr/>
+        <p:nvPr/>
+      </p:nvGrpSpPr>
+      <p:grpSpPr>
+        <a:xfrm>
+          <a:off x="0" y="0"/>
+          <a:ext cx="0" cy="0"/>
+          <a:chOff x="0" y="0"/>
+          <a:chExt cx="0" cy="0"/>
+        </a:xfrm>
+      </p:grpSpPr>
+      <p:sp>
+        <p:nvSpPr>
+          <p:cNvPr id="20" name="正方形/長方形 19"/>
+          <p:cNvSpPr/>
+          <p:nvPr/>
+        </p:nvSpPr>
+        <p:spPr>
+          <a:xfrm>
+            <a:off x="2919045" y="4904333"/>
+            <a:ext cx="6567854" cy="1942093"/>
+          </a:xfrm>
+          <a:prstGeom prst="rect">
+            <a:avLst/>
+          </a:prstGeom>
+        </p:spPr>
+        <p:style>
+          <a:lnRef idx="2">
+            <a:schemeClr val="accent1">
+              <a:shade val="50000"/>
+            </a:schemeClr>
+          </a:lnRef>
+          <a:fillRef idx="1">
+            <a:schemeClr val="accent1"/>
+          </a:fillRef>
+          <a:effectRef idx="0">
+            <a:schemeClr val="accent1"/>
+          </a:effectRef>
+          <a:fontRef idx="minor">
+            <a:schemeClr val="lt1"/>
+          </a:fontRef>
+        </p:style>
+        <p:txBody>
+          <a:bodyPr rtlCol="0" anchor="ctr"/>
+          <a:lstStyle/>
+          <a:p>
+            <a:pPr algn="ctr"/>
+            <a:endParaRPr kumimoji="1" lang="ja-JP" altLang="en-US"/>
+          </a:p>
+        </p:txBody>
+      </p:sp>
+      <p:sp>
+        <p:nvSpPr>
+          <p:cNvPr id="21" name="楕円 20"/>
+          <p:cNvSpPr/>
+          <p:nvPr/>
+        </p:nvSpPr>
+        <p:spPr>
+          <a:xfrm>
+            <a:off x="2919045" y="3399841"/>
+            <a:ext cx="6567854" cy="2936631"/>
+          </a:xfrm>
+          <a:prstGeom prst="ellipse">
+            <a:avLst/>
+          </a:prstGeom>
+        </p:spPr>
+        <p:style>
+          <a:lnRef idx="2">
+            <a:schemeClr val="accent1">
+              <a:shade val="50000"/>
+            </a:schemeClr>
+          </a:lnRef>
+          <a:fillRef idx="1">
+            <a:schemeClr val="accent1"/>
+          </a:fillRef>
+          <a:effectRef idx="0">
+            <a:schemeClr val="accent1"/>
+          </a:effectRef>
+          <a:fontRef idx="minor">
+            <a:schemeClr val="lt1"/>
+          </a:fontRef>
+        </p:style>
+        <p:txBody>
+          <a:bodyPr rtlCol="0" anchor="ctr"/>
+          <a:lstStyle/>
+          <a:p>
+            <a:pPr algn="ctr"/>
+            <a:endParaRPr kumimoji="1" lang="ja-JP" altLang="en-US"/>
+          </a:p>
+        </p:txBody>
+      </p:sp>
+      <p:sp>
+        <p:nvSpPr>
+          <p:cNvPr id="14" name="正方形/長方形 13"/>
+          <p:cNvSpPr/>
+          <p:nvPr/>
+        </p:nvSpPr>
+        <p:spPr>
+          <a:xfrm rot="13469423">
+            <a:off x="4448517" y="3843268"/>
+            <a:ext cx="988447" cy="545123"/>
+          </a:xfrm>
+          <a:prstGeom prst="rect">
+            <a:avLst/>
+          </a:prstGeom>
+        </p:spPr>
+        <p:style>
+          <a:lnRef idx="1">
+            <a:schemeClr val="dk1"/>
+          </a:lnRef>
+          <a:fillRef idx="2">
+            <a:schemeClr val="dk1"/>
+          </a:fillRef>
+          <a:effectRef idx="1">
+            <a:schemeClr val="dk1"/>
+          </a:effectRef>
+          <a:fontRef idx="minor">
+            <a:schemeClr val="dk1"/>
+          </a:fontRef>
+        </p:style>
+        <p:txBody>
+          <a:bodyPr rtlCol="0" anchor="ctr"/>
+          <a:lstStyle/>
+          <a:p>
+            <a:pPr algn="ctr"/>
+            <a:endParaRPr lang="ja-JP" altLang="en-US" sz="2400" b="1" dirty="0">
+              <a:ln>
+                <a:solidFill>
+                  <a:schemeClr val="bg1"/>
+                </a:solidFill>
+              </a:ln>
+              <a:solidFill>
+                <a:srgbClr val="0070C0"/>
+              </a:solidFill>
+            </a:endParaRPr>
+          </a:p>
+        </p:txBody>
+      </p:sp>
+      <p:sp>
+        <p:nvSpPr>
+          <p:cNvPr id="15" name="正方形/長方形 14"/>
+          <p:cNvSpPr/>
+          <p:nvPr/>
+        </p:nvSpPr>
+        <p:spPr>
+          <a:xfrm rot="8410632">
+            <a:off x="6798646" y="3833777"/>
+            <a:ext cx="988447" cy="545123"/>
+          </a:xfrm>
+          <a:prstGeom prst="rect">
+            <a:avLst/>
+          </a:prstGeom>
+        </p:spPr>
+        <p:style>
+          <a:lnRef idx="1">
+            <a:schemeClr val="dk1"/>
+          </a:lnRef>
+          <a:fillRef idx="2">
+            <a:schemeClr val="dk1"/>
+          </a:fillRef>
+          <a:effectRef idx="1">
+            <a:schemeClr val="dk1"/>
+          </a:effectRef>
+          <a:fontRef idx="minor">
+            <a:schemeClr val="dk1"/>
+          </a:fontRef>
+        </p:style>
+        <p:txBody>
+          <a:bodyPr rtlCol="0" anchor="ctr"/>
+          <a:lstStyle/>
+          <a:p>
+            <a:pPr algn="ctr"/>
+            <a:endParaRPr lang="ja-JP" altLang="en-US" sz="2400" b="1" dirty="0">
+              <a:ln>
+                <a:solidFill>
+                  <a:schemeClr val="bg1"/>
+                </a:solidFill>
+              </a:ln>
+              <a:solidFill>
+                <a:srgbClr val="0070C0"/>
+              </a:solidFill>
+            </a:endParaRPr>
+          </a:p>
+        </p:txBody>
+      </p:sp>
+      <p:sp>
+        <p:nvSpPr>
+          <p:cNvPr id="16" name="正方形/長方形 15"/>
+          <p:cNvSpPr/>
+          <p:nvPr/>
+        </p:nvSpPr>
+        <p:spPr>
+          <a:xfrm rot="8196878">
+            <a:off x="4282258" y="5206874"/>
+            <a:ext cx="988447" cy="545123"/>
+          </a:xfrm>
+          <a:prstGeom prst="rect">
+            <a:avLst/>
+          </a:prstGeom>
+        </p:spPr>
+        <p:style>
+          <a:lnRef idx="1">
+            <a:schemeClr val="dk1"/>
+          </a:lnRef>
+          <a:fillRef idx="2">
+            <a:schemeClr val="dk1"/>
+          </a:fillRef>
+          <a:effectRef idx="1">
+            <a:schemeClr val="dk1"/>
+          </a:effectRef>
+          <a:fontRef idx="minor">
+            <a:schemeClr val="dk1"/>
+          </a:fontRef>
+        </p:style>
+        <p:txBody>
+          <a:bodyPr rtlCol="0" anchor="ctr"/>
+          <a:lstStyle/>
+          <a:p>
+            <a:pPr algn="ctr"/>
+            <a:endParaRPr lang="ja-JP" altLang="en-US" sz="2400" b="1" dirty="0">
+              <a:ln>
+                <a:solidFill>
+                  <a:schemeClr val="bg1"/>
+                </a:solidFill>
+              </a:ln>
+              <a:solidFill>
+                <a:srgbClr val="0070C0"/>
+              </a:solidFill>
+            </a:endParaRPr>
+          </a:p>
+        </p:txBody>
+      </p:sp>
+      <p:sp>
+        <p:nvSpPr>
+          <p:cNvPr id="17" name="正方形/長方形 16"/>
+          <p:cNvSpPr/>
+          <p:nvPr/>
+        </p:nvSpPr>
+        <p:spPr>
+          <a:xfrm rot="2335963">
+            <a:off x="7055877" y="5183401"/>
+            <a:ext cx="988447" cy="545123"/>
+          </a:xfrm>
+          <a:prstGeom prst="rect">
+            <a:avLst/>
+          </a:prstGeom>
+        </p:spPr>
+        <p:style>
+          <a:lnRef idx="1">
+            <a:schemeClr val="dk1"/>
+          </a:lnRef>
+          <a:fillRef idx="2">
+            <a:schemeClr val="dk1"/>
+          </a:fillRef>
+          <a:effectRef idx="1">
+            <a:schemeClr val="dk1"/>
+          </a:effectRef>
+          <a:fontRef idx="minor">
+            <a:schemeClr val="dk1"/>
+          </a:fontRef>
+        </p:style>
+        <p:txBody>
+          <a:bodyPr rtlCol="0" anchor="ctr"/>
+          <a:lstStyle/>
+          <a:p>
+            <a:pPr algn="ctr"/>
+            <a:endParaRPr lang="ja-JP" altLang="en-US" sz="2400" b="1" dirty="0">
+              <a:ln>
+                <a:solidFill>
+                  <a:schemeClr val="bg1"/>
+                </a:solidFill>
+              </a:ln>
+              <a:solidFill>
+                <a:srgbClr val="0070C0"/>
+              </a:solidFill>
+            </a:endParaRPr>
+          </a:p>
+        </p:txBody>
+      </p:sp>
+      <p:sp>
+        <p:nvSpPr>
+          <p:cNvPr id="19" name="テキスト ボックス 18"/>
+          <p:cNvSpPr txBox="1"/>
+          <p:nvPr/>
+        </p:nvSpPr>
+        <p:spPr>
+          <a:xfrm rot="18983797">
+            <a:off x="4599749" y="3690568"/>
+            <a:ext cx="615553" cy="884794"/>
+          </a:xfrm>
+          <a:prstGeom prst="rect">
+            <a:avLst/>
+          </a:prstGeom>
+          <a:noFill/>
+        </p:spPr>
+        <p:txBody>
+          <a:bodyPr vert="eaVert" wrap="square" rtlCol="0">
+            <a:spAutoFit/>
+          </a:bodyPr>
+          <a:lstStyle/>
+          <a:p>
+            <a:r>
+              <a:rPr kumimoji="1" lang="ja-JP" altLang="en-US" sz="2800" dirty="0" smtClean="0">
+                <a:ln>
+                  <a:solidFill>
+                    <a:schemeClr val="bg1"/>
+                  </a:solidFill>
+                </a:ln>
+                <a:solidFill>
+                  <a:srgbClr val="0070C0"/>
+                </a:solidFill>
+              </a:rPr>
+              <a:t>１</a:t>
+            </a:r>
+            <a:r>
+              <a:rPr kumimoji="1" lang="en-US" altLang="ja-JP" sz="2800" dirty="0" smtClean="0">
+                <a:ln>
+                  <a:solidFill>
+                    <a:schemeClr val="bg1"/>
+                  </a:solidFill>
+                </a:ln>
+                <a:solidFill>
+                  <a:srgbClr val="0070C0"/>
+                </a:solidFill>
+              </a:rPr>
+              <a:t>P</a:t>
+            </a:r>
+            <a:endParaRPr kumimoji="1" lang="ja-JP" altLang="en-US" sz="2800" dirty="0">
+              <a:ln>
+                <a:solidFill>
+                  <a:schemeClr val="bg1"/>
+                </a:solidFill>
+              </a:ln>
+              <a:solidFill>
+                <a:srgbClr val="0070C0"/>
+              </a:solidFill>
+            </a:endParaRPr>
+          </a:p>
+        </p:txBody>
+      </p:sp>
+      <p:sp>
+        <p:nvSpPr>
+          <p:cNvPr id="22" name="テキスト ボックス 21"/>
+          <p:cNvSpPr txBox="1"/>
+          <p:nvPr/>
+        </p:nvSpPr>
+        <p:spPr>
+          <a:xfrm rot="3010632">
+            <a:off x="6944016" y="3761584"/>
+            <a:ext cx="615553" cy="884794"/>
+          </a:xfrm>
+          <a:prstGeom prst="rect">
+            <a:avLst/>
+          </a:prstGeom>
+          <a:noFill/>
+        </p:spPr>
+        <p:txBody>
+          <a:bodyPr vert="eaVert" wrap="square" rtlCol="0">
+            <a:spAutoFit/>
+          </a:bodyPr>
+          <a:lstStyle/>
+          <a:p>
+            <a:r>
+              <a:rPr kumimoji="1" lang="ja-JP" altLang="en-US" sz="2800" dirty="0" smtClean="0">
+                <a:ln>
+                  <a:solidFill>
+                    <a:schemeClr val="bg1"/>
+                  </a:solidFill>
+                </a:ln>
+                <a:solidFill>
+                  <a:srgbClr val="FF0000"/>
+                </a:solidFill>
+              </a:rPr>
+              <a:t>２</a:t>
+            </a:r>
+            <a:r>
+              <a:rPr kumimoji="1" lang="en-US" altLang="ja-JP" sz="2800" dirty="0" smtClean="0">
+                <a:ln>
+                  <a:solidFill>
+                    <a:schemeClr val="bg1"/>
+                  </a:solidFill>
+                </a:ln>
+                <a:solidFill>
+                  <a:srgbClr val="FF0000"/>
+                </a:solidFill>
+              </a:rPr>
+              <a:t>P</a:t>
+            </a:r>
+            <a:endParaRPr kumimoji="1" lang="ja-JP" altLang="en-US" sz="2800" dirty="0">
+              <a:ln>
+                <a:solidFill>
+                  <a:schemeClr val="bg1"/>
+                </a:solidFill>
+              </a:ln>
+              <a:solidFill>
+                <a:srgbClr val="FF0000"/>
+              </a:solidFill>
+            </a:endParaRPr>
+          </a:p>
+        </p:txBody>
+      </p:sp>
+      <p:sp>
+        <p:nvSpPr>
+          <p:cNvPr id="23" name="テキスト ボックス 22"/>
+          <p:cNvSpPr txBox="1"/>
+          <p:nvPr/>
+        </p:nvSpPr>
+        <p:spPr>
+          <a:xfrm rot="2760975">
+            <a:off x="4513339" y="5011491"/>
+            <a:ext cx="615553" cy="884794"/>
+          </a:xfrm>
+          <a:prstGeom prst="rect">
+            <a:avLst/>
+          </a:prstGeom>
+          <a:noFill/>
+        </p:spPr>
+        <p:txBody>
+          <a:bodyPr vert="eaVert" wrap="square" rtlCol="0">
+            <a:spAutoFit/>
+          </a:bodyPr>
+          <a:lstStyle/>
+          <a:p>
+            <a:r>
+              <a:rPr kumimoji="1" lang="ja-JP" altLang="en-US" sz="2800" dirty="0" smtClean="0">
+                <a:ln>
+                  <a:solidFill>
+                    <a:schemeClr val="bg1"/>
+                  </a:solidFill>
+                </a:ln>
+                <a:solidFill>
+                  <a:srgbClr val="00B050"/>
+                </a:solidFill>
+              </a:rPr>
+              <a:t>３</a:t>
+            </a:r>
+            <a:r>
+              <a:rPr kumimoji="1" lang="en-US" altLang="ja-JP" sz="2800" dirty="0" smtClean="0">
+                <a:ln>
+                  <a:solidFill>
+                    <a:schemeClr val="bg1"/>
+                  </a:solidFill>
+                </a:ln>
+                <a:solidFill>
+                  <a:srgbClr val="00B050"/>
+                </a:solidFill>
+              </a:rPr>
+              <a:t>P</a:t>
+            </a:r>
+            <a:endParaRPr kumimoji="1" lang="ja-JP" altLang="en-US" sz="2800" dirty="0">
+              <a:ln>
+                <a:solidFill>
+                  <a:schemeClr val="bg1"/>
+                </a:solidFill>
+              </a:ln>
+              <a:solidFill>
+                <a:srgbClr val="00B050"/>
+              </a:solidFill>
+            </a:endParaRPr>
+          </a:p>
+        </p:txBody>
+      </p:sp>
+      <p:sp>
+        <p:nvSpPr>
+          <p:cNvPr id="24" name="テキスト ボックス 23"/>
+          <p:cNvSpPr txBox="1"/>
+          <p:nvPr/>
+        </p:nvSpPr>
+        <p:spPr>
+          <a:xfrm rot="18535963">
+            <a:off x="7260510" y="5046424"/>
+            <a:ext cx="615553" cy="884794"/>
+          </a:xfrm>
+          <a:prstGeom prst="rect">
+            <a:avLst/>
+          </a:prstGeom>
+          <a:noFill/>
+        </p:spPr>
+        <p:txBody>
+          <a:bodyPr vert="eaVert" wrap="square" rtlCol="0">
+            <a:spAutoFit/>
+          </a:bodyPr>
+          <a:lstStyle/>
+          <a:p>
+            <a:r>
+              <a:rPr kumimoji="1" lang="ja-JP" altLang="en-US" sz="2800" dirty="0" smtClean="0">
+                <a:ln>
+                  <a:solidFill>
+                    <a:schemeClr val="bg1"/>
+                  </a:solidFill>
+                </a:ln>
+                <a:solidFill>
+                  <a:srgbClr val="FFFF00"/>
+                </a:solidFill>
+              </a:rPr>
+              <a:t>４</a:t>
+            </a:r>
+            <a:r>
+              <a:rPr kumimoji="1" lang="en-US" altLang="ja-JP" sz="2800" dirty="0" smtClean="0">
+                <a:ln>
+                  <a:solidFill>
+                    <a:schemeClr val="bg1"/>
+                  </a:solidFill>
+                </a:ln>
+                <a:solidFill>
+                  <a:srgbClr val="FFFF00"/>
+                </a:solidFill>
+              </a:rPr>
+              <a:t>P</a:t>
+            </a:r>
+            <a:endParaRPr kumimoji="1" lang="ja-JP" altLang="en-US" sz="2800" dirty="0">
+              <a:ln>
+                <a:solidFill>
+                  <a:schemeClr val="bg1"/>
+                </a:solidFill>
+              </a:ln>
+              <a:solidFill>
+                <a:srgbClr val="FFFF00"/>
+              </a:solidFill>
+            </a:endParaRPr>
+          </a:p>
+        </p:txBody>
+      </p:sp>
+      <p:sp>
+        <p:nvSpPr>
+          <p:cNvPr id="36" name="正方形/長方形 35"/>
+          <p:cNvSpPr/>
+          <p:nvPr/>
+        </p:nvSpPr>
+        <p:spPr>
+          <a:xfrm>
+            <a:off x="2901461" y="4915907"/>
+            <a:ext cx="6567854" cy="1942093"/>
+          </a:xfrm>
+          <a:prstGeom prst="rect">
+            <a:avLst/>
+          </a:prstGeom>
+        </p:spPr>
+        <p:style>
+          <a:lnRef idx="2">
+            <a:schemeClr val="accent1">
+              <a:shade val="50000"/>
+            </a:schemeClr>
+          </a:lnRef>
+          <a:fillRef idx="1">
+            <a:schemeClr val="accent1"/>
+          </a:fillRef>
+          <a:effectRef idx="0">
+            <a:schemeClr val="accent1"/>
+          </a:effectRef>
+          <a:fontRef idx="minor">
+            <a:schemeClr val="lt1"/>
+          </a:fontRef>
+        </p:style>
+        <p:txBody>
+          <a:bodyPr rtlCol="0" anchor="ctr"/>
+          <a:lstStyle/>
+          <a:p>
+            <a:pPr algn="ctr"/>
+            <a:endParaRPr kumimoji="1" lang="ja-JP" altLang="en-US"/>
+          </a:p>
+        </p:txBody>
+      </p:sp>
+      <p:sp>
+        <p:nvSpPr>
+          <p:cNvPr id="37" name="楕円 36"/>
+          <p:cNvSpPr/>
+          <p:nvPr/>
+        </p:nvSpPr>
+        <p:spPr>
+          <a:xfrm>
+            <a:off x="2901461" y="3411415"/>
+            <a:ext cx="6567854" cy="2936631"/>
+          </a:xfrm>
+          <a:prstGeom prst="ellipse">
+            <a:avLst/>
+          </a:prstGeom>
+        </p:spPr>
+        <p:style>
+          <a:lnRef idx="2">
+            <a:schemeClr val="accent1">
+              <a:shade val="50000"/>
+            </a:schemeClr>
+          </a:lnRef>
+          <a:fillRef idx="1">
+            <a:schemeClr val="accent1"/>
+          </a:fillRef>
+          <a:effectRef idx="0">
+            <a:schemeClr val="accent1"/>
+          </a:effectRef>
+          <a:fontRef idx="minor">
+            <a:schemeClr val="lt1"/>
+          </a:fontRef>
+        </p:style>
+        <p:txBody>
+          <a:bodyPr rtlCol="0" anchor="ctr"/>
+          <a:lstStyle/>
+          <a:p>
+            <a:pPr algn="ctr"/>
+            <a:endParaRPr kumimoji="1" lang="ja-JP" altLang="en-US"/>
+          </a:p>
+        </p:txBody>
+      </p:sp>
+      <p:sp>
+        <p:nvSpPr>
+          <p:cNvPr id="38" name="正方形/長方形 37"/>
+          <p:cNvSpPr/>
+          <p:nvPr/>
+        </p:nvSpPr>
+        <p:spPr>
+          <a:xfrm rot="5400000">
+            <a:off x="3963476" y="4951923"/>
+            <a:ext cx="988447" cy="545123"/>
+          </a:xfrm>
+          <a:prstGeom prst="rect">
+            <a:avLst/>
+          </a:prstGeom>
+        </p:spPr>
+        <p:style>
+          <a:lnRef idx="1">
+            <a:schemeClr val="dk1"/>
+          </a:lnRef>
+          <a:fillRef idx="2">
+            <a:schemeClr val="dk1"/>
+          </a:fillRef>
+          <a:effectRef idx="1">
+            <a:schemeClr val="dk1"/>
+          </a:effectRef>
+          <a:fontRef idx="minor">
+            <a:schemeClr val="dk1"/>
+          </a:fontRef>
+        </p:style>
+        <p:txBody>
+          <a:bodyPr rtlCol="0" anchor="ctr"/>
+          <a:lstStyle/>
+          <a:p>
+            <a:pPr algn="ctr"/>
+            <a:endParaRPr lang="ja-JP" altLang="en-US" sz="2400" b="1" dirty="0">
+              <a:ln>
+                <a:solidFill>
+                  <a:schemeClr val="bg1"/>
+                </a:solidFill>
+              </a:ln>
+              <a:solidFill>
+                <a:srgbClr val="0070C0"/>
+              </a:solidFill>
+            </a:endParaRPr>
+          </a:p>
+        </p:txBody>
+      </p:sp>
+      <p:sp>
+        <p:nvSpPr>
+          <p:cNvPr id="39" name="正方形/長方形 38"/>
+          <p:cNvSpPr/>
+          <p:nvPr/>
+        </p:nvSpPr>
+        <p:spPr>
+          <a:xfrm rot="5400000">
+            <a:off x="5179745" y="4951923"/>
+            <a:ext cx="988447" cy="545123"/>
+          </a:xfrm>
+          <a:prstGeom prst="rect">
+            <a:avLst/>
+          </a:prstGeom>
+        </p:spPr>
+        <p:style>
+          <a:lnRef idx="1">
+            <a:schemeClr val="dk1"/>
+          </a:lnRef>
+          <a:fillRef idx="2">
+            <a:schemeClr val="dk1"/>
+          </a:fillRef>
+          <a:effectRef idx="1">
+            <a:schemeClr val="dk1"/>
+          </a:effectRef>
+          <a:fontRef idx="minor">
+            <a:schemeClr val="dk1"/>
+          </a:fontRef>
+        </p:style>
+        <p:txBody>
+          <a:bodyPr rtlCol="0" anchor="ctr"/>
+          <a:lstStyle/>
+          <a:p>
+            <a:pPr algn="ctr"/>
+            <a:endParaRPr lang="ja-JP" altLang="en-US" sz="2400" b="1" dirty="0">
+              <a:ln>
+                <a:solidFill>
+                  <a:schemeClr val="bg1"/>
+                </a:solidFill>
+              </a:ln>
+              <a:solidFill>
+                <a:srgbClr val="0070C0"/>
+              </a:solidFill>
+            </a:endParaRPr>
+          </a:p>
+        </p:txBody>
+      </p:sp>
+      <p:sp>
+        <p:nvSpPr>
+          <p:cNvPr id="40" name="正方形/長方形 39"/>
+          <p:cNvSpPr/>
+          <p:nvPr/>
+        </p:nvSpPr>
+        <p:spPr>
+          <a:xfrm rot="5400000">
+            <a:off x="6281714" y="4951923"/>
+            <a:ext cx="988447" cy="545123"/>
+          </a:xfrm>
+          <a:prstGeom prst="rect">
+            <a:avLst/>
+          </a:prstGeom>
+        </p:spPr>
+        <p:style>
+          <a:lnRef idx="1">
+            <a:schemeClr val="dk1"/>
+          </a:lnRef>
+          <a:fillRef idx="2">
+            <a:schemeClr val="dk1"/>
+          </a:fillRef>
+          <a:effectRef idx="1">
+            <a:schemeClr val="dk1"/>
+          </a:effectRef>
+          <a:fontRef idx="minor">
+            <a:schemeClr val="dk1"/>
+          </a:fontRef>
+        </p:style>
+        <p:txBody>
+          <a:bodyPr rtlCol="0" anchor="ctr"/>
+          <a:lstStyle/>
+          <a:p>
+            <a:pPr algn="ctr"/>
+            <a:endParaRPr lang="ja-JP" altLang="en-US" sz="2400" b="1" dirty="0">
+              <a:ln>
+                <a:solidFill>
+                  <a:schemeClr val="bg1"/>
+                </a:solidFill>
+              </a:ln>
+              <a:solidFill>
+                <a:srgbClr val="0070C0"/>
+              </a:solidFill>
+            </a:endParaRPr>
+          </a:p>
+        </p:txBody>
+      </p:sp>
+      <p:sp>
+        <p:nvSpPr>
+          <p:cNvPr id="41" name="正方形/長方形 40"/>
+          <p:cNvSpPr/>
+          <p:nvPr/>
+        </p:nvSpPr>
+        <p:spPr>
+          <a:xfrm rot="5400000">
+            <a:off x="7383683" y="5006531"/>
+            <a:ext cx="988447" cy="545123"/>
+          </a:xfrm>
+          <a:prstGeom prst="rect">
+            <a:avLst/>
+          </a:prstGeom>
+        </p:spPr>
+        <p:style>
+          <a:lnRef idx="1">
+            <a:schemeClr val="dk1"/>
+          </a:lnRef>
+          <a:fillRef idx="2">
+            <a:schemeClr val="dk1"/>
+          </a:fillRef>
+          <a:effectRef idx="1">
+            <a:schemeClr val="dk1"/>
+          </a:effectRef>
+          <a:fontRef idx="minor">
+            <a:schemeClr val="dk1"/>
+          </a:fontRef>
+        </p:style>
+        <p:txBody>
+          <a:bodyPr rtlCol="0" anchor="ctr"/>
+          <a:lstStyle/>
+          <a:p>
+            <a:pPr algn="ctr"/>
+            <a:endParaRPr lang="ja-JP" altLang="en-US" sz="2400" b="1" dirty="0">
+              <a:ln>
+                <a:solidFill>
+                  <a:schemeClr val="bg1"/>
+                </a:solidFill>
+              </a:ln>
+              <a:solidFill>
+                <a:srgbClr val="0070C0"/>
+              </a:solidFill>
+            </a:endParaRPr>
+          </a:p>
+        </p:txBody>
+      </p:sp>
+      <p:sp>
+        <p:nvSpPr>
+          <p:cNvPr id="43" name="テキスト ボックス 42"/>
+          <p:cNvSpPr txBox="1"/>
+          <p:nvPr/>
+        </p:nvSpPr>
+        <p:spPr>
+          <a:xfrm>
+            <a:off x="4114708" y="4799223"/>
+            <a:ext cx="615553" cy="884794"/>
+          </a:xfrm>
+          <a:prstGeom prst="rect">
+            <a:avLst/>
+          </a:prstGeom>
+          <a:noFill/>
+        </p:spPr>
+        <p:txBody>
+          <a:bodyPr vert="eaVert" wrap="square" rtlCol="0">
+            <a:spAutoFit/>
+          </a:bodyPr>
+          <a:lstStyle/>
+          <a:p>
+            <a:r>
+              <a:rPr kumimoji="1" lang="ja-JP" altLang="en-US" sz="2800" dirty="0" smtClean="0">
+                <a:ln>
+                  <a:solidFill>
+                    <a:schemeClr val="bg1"/>
+                  </a:solidFill>
+                </a:ln>
+                <a:solidFill>
+                  <a:srgbClr val="0070C0"/>
+                </a:solidFill>
+              </a:rPr>
+              <a:t>１</a:t>
+            </a:r>
+            <a:r>
+              <a:rPr kumimoji="1" lang="en-US" altLang="ja-JP" sz="2800" dirty="0" smtClean="0">
+                <a:ln>
+                  <a:solidFill>
+                    <a:schemeClr val="bg1"/>
+                  </a:solidFill>
+                </a:ln>
+                <a:solidFill>
+                  <a:srgbClr val="0070C0"/>
+                </a:solidFill>
+              </a:rPr>
+              <a:t>P</a:t>
+            </a:r>
+            <a:endParaRPr kumimoji="1" lang="ja-JP" altLang="en-US" sz="2800" dirty="0">
+              <a:ln>
+                <a:solidFill>
+                  <a:schemeClr val="bg1"/>
+                </a:solidFill>
+              </a:ln>
+              <a:solidFill>
+                <a:srgbClr val="0070C0"/>
+              </a:solidFill>
+            </a:endParaRPr>
+          </a:p>
+        </p:txBody>
+      </p:sp>
+      <p:sp>
+        <p:nvSpPr>
+          <p:cNvPr id="44" name="テキスト ボックス 43"/>
+          <p:cNvSpPr txBox="1"/>
+          <p:nvPr/>
+        </p:nvSpPr>
+        <p:spPr>
+          <a:xfrm>
+            <a:off x="5325115" y="4879730"/>
+            <a:ext cx="615553" cy="884794"/>
+          </a:xfrm>
+          <a:prstGeom prst="rect">
+            <a:avLst/>
+          </a:prstGeom>
+          <a:noFill/>
+        </p:spPr>
+        <p:txBody>
+          <a:bodyPr vert="eaVert" wrap="square" rtlCol="0">
+            <a:spAutoFit/>
+          </a:bodyPr>
+          <a:lstStyle/>
+          <a:p>
+            <a:r>
+              <a:rPr kumimoji="1" lang="ja-JP" altLang="en-US" sz="2800" dirty="0" smtClean="0">
+                <a:ln>
+                  <a:solidFill>
+                    <a:schemeClr val="bg1"/>
+                  </a:solidFill>
+                </a:ln>
+                <a:solidFill>
+                  <a:srgbClr val="FF0000"/>
+                </a:solidFill>
+              </a:rPr>
+              <a:t>２</a:t>
+            </a:r>
+            <a:r>
+              <a:rPr kumimoji="1" lang="en-US" altLang="ja-JP" sz="2800" dirty="0" smtClean="0">
+                <a:ln>
+                  <a:solidFill>
+                    <a:schemeClr val="bg1"/>
+                  </a:solidFill>
+                </a:ln>
+                <a:solidFill>
+                  <a:srgbClr val="FF0000"/>
+                </a:solidFill>
+              </a:rPr>
+              <a:t>P</a:t>
+            </a:r>
+            <a:endParaRPr kumimoji="1" lang="ja-JP" altLang="en-US" sz="2800" dirty="0">
+              <a:ln>
+                <a:solidFill>
+                  <a:schemeClr val="bg1"/>
+                </a:solidFill>
+              </a:ln>
+              <a:solidFill>
+                <a:srgbClr val="FF0000"/>
+              </a:solidFill>
+            </a:endParaRPr>
+          </a:p>
+        </p:txBody>
+      </p:sp>
+      <p:sp>
+        <p:nvSpPr>
+          <p:cNvPr id="45" name="テキスト ボックス 44"/>
+          <p:cNvSpPr txBox="1"/>
+          <p:nvPr/>
+        </p:nvSpPr>
+        <p:spPr>
+          <a:xfrm>
+            <a:off x="6465230" y="4866015"/>
+            <a:ext cx="615553" cy="884794"/>
+          </a:xfrm>
+          <a:prstGeom prst="rect">
+            <a:avLst/>
+          </a:prstGeom>
+          <a:noFill/>
+        </p:spPr>
+        <p:txBody>
+          <a:bodyPr vert="eaVert" wrap="square" rtlCol="0">
+            <a:spAutoFit/>
+          </a:bodyPr>
+          <a:lstStyle/>
+          <a:p>
+            <a:r>
+              <a:rPr kumimoji="1" lang="ja-JP" altLang="en-US" sz="2800" dirty="0" smtClean="0">
+                <a:ln>
+                  <a:solidFill>
+                    <a:schemeClr val="bg1"/>
+                  </a:solidFill>
+                </a:ln>
+                <a:solidFill>
+                  <a:srgbClr val="00B050"/>
+                </a:solidFill>
+              </a:rPr>
+              <a:t>３</a:t>
+            </a:r>
+            <a:r>
+              <a:rPr kumimoji="1" lang="en-US" altLang="ja-JP" sz="2800" dirty="0" smtClean="0">
+                <a:ln>
+                  <a:solidFill>
+                    <a:schemeClr val="bg1"/>
+                  </a:solidFill>
+                </a:ln>
+                <a:solidFill>
+                  <a:srgbClr val="00B050"/>
+                </a:solidFill>
+              </a:rPr>
+              <a:t>P</a:t>
+            </a:r>
+            <a:endParaRPr kumimoji="1" lang="ja-JP" altLang="en-US" sz="2800" dirty="0">
+              <a:ln>
+                <a:solidFill>
+                  <a:schemeClr val="bg1"/>
+                </a:solidFill>
+              </a:ln>
+              <a:solidFill>
+                <a:srgbClr val="00B050"/>
+              </a:solidFill>
+            </a:endParaRPr>
+          </a:p>
+        </p:txBody>
+      </p:sp>
+      <p:sp>
+        <p:nvSpPr>
+          <p:cNvPr id="46" name="テキスト ボックス 45"/>
+          <p:cNvSpPr txBox="1"/>
+          <p:nvPr/>
+        </p:nvSpPr>
+        <p:spPr>
+          <a:xfrm>
+            <a:off x="7534916" y="4915700"/>
+            <a:ext cx="615553" cy="884794"/>
+          </a:xfrm>
+          <a:prstGeom prst="rect">
+            <a:avLst/>
+          </a:prstGeom>
+          <a:noFill/>
+        </p:spPr>
+        <p:txBody>
+          <a:bodyPr vert="eaVert" wrap="square" rtlCol="0">
+            <a:spAutoFit/>
+          </a:bodyPr>
+          <a:lstStyle/>
+          <a:p>
+            <a:r>
+              <a:rPr kumimoji="1" lang="ja-JP" altLang="en-US" sz="2800" dirty="0" smtClean="0">
+                <a:ln>
+                  <a:solidFill>
+                    <a:schemeClr val="bg1"/>
+                  </a:solidFill>
+                </a:ln>
+                <a:solidFill>
+                  <a:srgbClr val="FFFF00"/>
+                </a:solidFill>
+              </a:rPr>
+              <a:t>４</a:t>
+            </a:r>
+            <a:r>
+              <a:rPr kumimoji="1" lang="en-US" altLang="ja-JP" sz="2800" dirty="0" smtClean="0">
+                <a:ln>
+                  <a:solidFill>
+                    <a:schemeClr val="bg1"/>
+                  </a:solidFill>
+                </a:ln>
+                <a:solidFill>
+                  <a:srgbClr val="FFFF00"/>
+                </a:solidFill>
+              </a:rPr>
+              <a:t>P</a:t>
+            </a:r>
+            <a:endParaRPr kumimoji="1" lang="ja-JP" altLang="en-US" sz="2800" dirty="0">
+              <a:ln>
+                <a:solidFill>
+                  <a:schemeClr val="bg1"/>
+                </a:solidFill>
+              </a:ln>
+              <a:solidFill>
+                <a:srgbClr val="FFFF00"/>
+              </a:solidFill>
+            </a:endParaRPr>
+          </a:p>
+        </p:txBody>
+      </p:sp>
+      <p:sp>
+        <p:nvSpPr>
+          <p:cNvPr id="4" name="右矢印 3"/>
+          <p:cNvSpPr/>
+          <p:nvPr/>
+        </p:nvSpPr>
+        <p:spPr>
+          <a:xfrm rot="1022421">
+            <a:off x="1760151" y="3799768"/>
+            <a:ext cx="879191" cy="607456"/>
+          </a:xfrm>
+          <a:prstGeom prst="rightArrow">
+            <a:avLst/>
+          </a:prstGeom>
+        </p:spPr>
+        <p:style>
+          <a:lnRef idx="1">
+            <a:schemeClr val="dk1"/>
+          </a:lnRef>
+          <a:fillRef idx="2">
+            <a:schemeClr val="dk1"/>
+          </a:fillRef>
+          <a:effectRef idx="1">
+            <a:schemeClr val="dk1"/>
+          </a:effectRef>
+          <a:fontRef idx="minor">
+            <a:schemeClr val="dk1"/>
+          </a:fontRef>
+        </p:style>
+        <p:txBody>
+          <a:bodyPr rtlCol="0" anchor="ctr"/>
+          <a:lstStyle/>
+          <a:p>
+            <a:pPr algn="ctr"/>
+            <a:endParaRPr kumimoji="1" lang="ja-JP" altLang="en-US"/>
+          </a:p>
+        </p:txBody>
+      </p:sp>
+      <p:grpSp>
+        <p:nvGrpSpPr>
+          <p:cNvPr id="5" name="グループ化 4"/>
+          <p:cNvGrpSpPr/>
+          <p:nvPr/>
+        </p:nvGrpSpPr>
+        <p:grpSpPr>
+          <a:xfrm>
+            <a:off x="795570" y="3399841"/>
+            <a:ext cx="844062" cy="633046"/>
+            <a:chOff x="795570" y="3399841"/>
+            <a:chExt cx="844062" cy="633046"/>
+          </a:xfrm>
+        </p:grpSpPr>
+        <p:sp>
+          <p:nvSpPr>
+            <p:cNvPr id="2" name="正方形/長方形 1"/>
+            <p:cNvSpPr/>
+            <p:nvPr/>
+          </p:nvSpPr>
+          <p:spPr>
+            <a:xfrm>
+              <a:off x="795570" y="3399841"/>
+              <a:ext cx="844062" cy="633046"/>
+            </a:xfrm>
+            <a:prstGeom prst="rect">
+              <a:avLst/>
+            </a:prstGeom>
+          </p:spPr>
+          <p:style>
+            <a:lnRef idx="1">
+              <a:schemeClr val="accent3"/>
+            </a:lnRef>
+            <a:fillRef idx="2">
+              <a:schemeClr val="accent3"/>
+            </a:fillRef>
+            <a:effectRef idx="1">
+              <a:schemeClr val="accent3"/>
+            </a:effectRef>
+            <a:fontRef idx="minor">
+              <a:schemeClr val="dk1"/>
+            </a:fontRef>
+          </p:style>
+          <p:txBody>
+            <a:bodyPr rtlCol="0" anchor="ctr"/>
+            <a:lstStyle/>
+            <a:p>
+              <a:pPr algn="ctr"/>
+              <a:endParaRPr kumimoji="1" lang="ja-JP" altLang="en-US"/>
+            </a:p>
+          </p:txBody>
+        </p:sp>
+        <p:sp>
+          <p:nvSpPr>
+            <p:cNvPr id="3" name="楕円 2"/>
+            <p:cNvSpPr/>
+            <p:nvPr/>
+          </p:nvSpPr>
+          <p:spPr>
+            <a:xfrm>
+              <a:off x="1024170" y="3514141"/>
+              <a:ext cx="395654" cy="369277"/>
+            </a:xfrm>
+            <a:prstGeom prst="ellipse">
+              <a:avLst/>
+            </a:prstGeom>
+          </p:spPr>
+          <p:style>
+            <a:lnRef idx="2">
+              <a:schemeClr val="dk1">
+                <a:shade val="50000"/>
+              </a:schemeClr>
+            </a:lnRef>
+            <a:fillRef idx="1">
+              <a:schemeClr val="dk1"/>
+            </a:fillRef>
+            <a:effectRef idx="0">
+              <a:schemeClr val="dk1"/>
+            </a:effectRef>
+            <a:fontRef idx="minor">
+              <a:schemeClr val="lt1"/>
+            </a:fontRef>
+          </p:style>
+          <p:txBody>
+            <a:bodyPr rtlCol="0" anchor="ctr"/>
+            <a:lstStyle/>
+            <a:p>
+              <a:pPr algn="ctr"/>
+              <a:endParaRPr kumimoji="1" lang="ja-JP" altLang="en-US"/>
+            </a:p>
+          </p:txBody>
+        </p:sp>
+      </p:grpSp>
+      <p:sp>
+        <p:nvSpPr>
+          <p:cNvPr id="18" name="正方形/長方形 17"/>
+          <p:cNvSpPr/>
+          <p:nvPr/>
+        </p:nvSpPr>
+        <p:spPr>
+          <a:xfrm>
+            <a:off x="861646" y="5886953"/>
+            <a:ext cx="2617177" cy="568270"/>
+          </a:xfrm>
+          <a:prstGeom prst="rect">
+            <a:avLst/>
+          </a:prstGeom>
+        </p:spPr>
+        <p:style>
+          <a:lnRef idx="2">
+            <a:schemeClr val="dk1"/>
+          </a:lnRef>
+          <a:fillRef idx="1">
+            <a:schemeClr val="lt1"/>
+          </a:fillRef>
+          <a:effectRef idx="0">
+            <a:schemeClr val="dk1"/>
+          </a:effectRef>
+          <a:fontRef idx="minor">
+            <a:schemeClr val="dk1"/>
+          </a:fontRef>
+        </p:style>
+        <p:txBody>
+          <a:bodyPr rtlCol="0" anchor="ctr"/>
+          <a:lstStyle/>
+          <a:p>
+            <a:pPr algn="ctr"/>
+            <a:r>
+              <a:rPr lang="ja-JP" altLang="en-US" dirty="0" smtClean="0"/>
+              <a:t>バトロアのステージ</a:t>
+            </a:r>
+            <a:endParaRPr kumimoji="1" lang="ja-JP" altLang="en-US" dirty="0"/>
+          </a:p>
+        </p:txBody>
+      </p:sp>
+      <p:sp>
+        <p:nvSpPr>
+          <p:cNvPr id="42" name="正方形/長方形 41"/>
+          <p:cNvSpPr/>
+          <p:nvPr/>
+        </p:nvSpPr>
+        <p:spPr>
+          <a:xfrm>
+            <a:off x="1274885" y="5886953"/>
+            <a:ext cx="2203938" cy="568270"/>
+          </a:xfrm>
+          <a:prstGeom prst="rect">
+            <a:avLst/>
+          </a:prstGeom>
+        </p:spPr>
+        <p:style>
+          <a:lnRef idx="2">
+            <a:schemeClr val="dk1"/>
+          </a:lnRef>
+          <a:fillRef idx="1">
+            <a:schemeClr val="lt1"/>
+          </a:fillRef>
+          <a:effectRef idx="0">
+            <a:schemeClr val="dk1"/>
+          </a:effectRef>
+          <a:fontRef idx="minor">
+            <a:schemeClr val="dk1"/>
+          </a:fontRef>
+        </p:style>
+        <p:txBody>
+          <a:bodyPr rtlCol="0" anchor="ctr"/>
+          <a:lstStyle/>
+          <a:p>
+            <a:pPr algn="ctr"/>
+            <a:r>
+              <a:rPr lang="ja-JP" altLang="en-US" dirty="0" smtClean="0"/>
+              <a:t>風船のステージ</a:t>
+            </a:r>
+            <a:endParaRPr kumimoji="1" lang="ja-JP" altLang="en-US" dirty="0"/>
+          </a:p>
+        </p:txBody>
+      </p:sp>
+      <p:sp>
+        <p:nvSpPr>
+          <p:cNvPr id="6" name="正方形/長方形 5"/>
+          <p:cNvSpPr/>
+          <p:nvPr/>
+        </p:nvSpPr>
+        <p:spPr>
+          <a:xfrm>
+            <a:off x="2435469" y="808893"/>
+            <a:ext cx="7587762" cy="2154115"/>
+          </a:xfrm>
+          <a:prstGeom prst="rect">
+            <a:avLst/>
+          </a:prstGeom>
+        </p:spPr>
+        <p:style>
+          <a:lnRef idx="2">
+            <a:schemeClr val="accent1">
+              <a:shade val="50000"/>
+            </a:schemeClr>
+          </a:lnRef>
+          <a:fillRef idx="1">
+            <a:schemeClr val="accent1"/>
+          </a:fillRef>
+          <a:effectRef idx="0">
+            <a:schemeClr val="accent1"/>
+          </a:effectRef>
+          <a:fontRef idx="minor">
+            <a:schemeClr val="lt1"/>
+          </a:fontRef>
+        </p:style>
+        <p:txBody>
+          <a:bodyPr rtlCol="0" anchor="ctr"/>
+          <a:lstStyle/>
+          <a:p>
+            <a:pPr algn="ctr"/>
+            <a:endParaRPr kumimoji="1" lang="ja-JP" altLang="en-US"/>
+          </a:p>
+        </p:txBody>
+      </p:sp>
+      <p:sp>
+        <p:nvSpPr>
+          <p:cNvPr id="7" name="テキスト ボックス 6"/>
+          <p:cNvSpPr txBox="1"/>
+          <p:nvPr/>
+        </p:nvSpPr>
+        <p:spPr>
+          <a:xfrm>
+            <a:off x="10151285" y="3981003"/>
+            <a:ext cx="1604029" cy="923330"/>
+          </a:xfrm>
+          <a:prstGeom prst="rect">
+            <a:avLst/>
+          </a:prstGeom>
+          <a:noFill/>
+        </p:spPr>
+        <p:txBody>
+          <a:bodyPr wrap="square" rtlCol="0">
+            <a:spAutoFit/>
+          </a:bodyPr>
+          <a:lstStyle/>
+          <a:p>
+            <a:r>
+              <a:rPr kumimoji="1" lang="ja-JP" altLang="en-US" dirty="0" smtClean="0"/>
+              <a:t>切り替えの</a:t>
+            </a:r>
+            <a:endParaRPr kumimoji="1" lang="en-US" altLang="ja-JP" dirty="0" smtClean="0"/>
+          </a:p>
+          <a:p>
+            <a:r>
+              <a:rPr kumimoji="1" lang="ja-JP" altLang="en-US" dirty="0" smtClean="0"/>
+              <a:t>タイミングは任意で設定</a:t>
+            </a:r>
+            <a:endParaRPr kumimoji="1" lang="ja-JP" altLang="en-US" dirty="0"/>
+          </a:p>
+        </p:txBody>
+      </p:sp>
+      <p:sp>
+        <p:nvSpPr>
+          <p:cNvPr id="83" name="正方形/長方形 82"/>
+          <p:cNvSpPr/>
+          <p:nvPr/>
+        </p:nvSpPr>
+        <p:spPr>
+          <a:xfrm>
+            <a:off x="3086100" y="1222131"/>
+            <a:ext cx="6057900" cy="1380392"/>
+          </a:xfrm>
+          <a:prstGeom prst="rect">
+            <a:avLst/>
+          </a:prstGeom>
+        </p:spPr>
+        <p:style>
+          <a:lnRef idx="2">
+            <a:schemeClr val="dk1"/>
+          </a:lnRef>
+          <a:fillRef idx="1">
+            <a:schemeClr val="lt1"/>
+          </a:fillRef>
+          <a:effectRef idx="0">
+            <a:schemeClr val="dk1"/>
+          </a:effectRef>
+          <a:fontRef idx="minor">
+            <a:schemeClr val="dk1"/>
+          </a:fontRef>
+        </p:style>
+        <p:txBody>
+          <a:bodyPr rtlCol="0" anchor="ctr"/>
+          <a:lstStyle/>
+          <a:p>
+            <a:pPr algn="ctr"/>
+            <a:r>
+              <a:rPr kumimoji="1" lang="ja-JP" altLang="en-US" sz="7200" b="1" dirty="0" smtClean="0">
+                <a:effectLst>
+                  <a:outerShdw blurRad="38100" dist="38100" dir="2700000" algn="tl">
+                    <a:srgbClr val="000000">
+                      <a:alpha val="43137"/>
+                    </a:srgbClr>
+                  </a:outerShdw>
+                </a:effectLst>
+              </a:rPr>
+              <a:t>タイトル</a:t>
+            </a:r>
+            <a:endParaRPr kumimoji="1" lang="ja-JP" altLang="en-US" sz="7200" b="1" dirty="0">
+              <a:effectLst>
+                <a:outerShdw blurRad="38100" dist="38100" dir="2700000" algn="tl">
+                  <a:srgbClr val="000000">
+                    <a:alpha val="43137"/>
+                  </a:srgbClr>
+                </a:outerShdw>
+              </a:effectLst>
+            </a:endParaRPr>
+          </a:p>
+        </p:txBody>
+      </p:sp>
+    </p:spTree>
+    <p:extLst>
+      <p:ext uri="{BB962C8B-B14F-4D97-AF65-F5344CB8AC3E}">
+        <p14:creationId xmlns:p14="http://schemas.microsoft.com/office/powerpoint/2010/main" val="2536834527"/>
+      </p:ext>
+    </p:extLst>
+  </p:cSld>
+  <p:clrMapOvr>
+    <a:masterClrMapping/>
+  </p:clrMapOvr>
+  <p:timing>
+    <p:tnLst>
+      <p:par>
+        <p:cTn id="1" dur="indefinite" restart="never" nodeType="tmRoot">
+          <p:childTnLst>
+            <p:seq concurrent="1" nextAc="seek">
+              <p:cTn id="2" dur="indefinite" nodeType="mainSeq">
+                <p:childTnLst>
+                  <p:par>
+                    <p:cTn id="3" fill="hold">
+                      <p:stCondLst>
+                        <p:cond delay="indefinite"/>
+                      </p:stCondLst>
+                      <p:childTnLst>
+                        <p:par>
+                          <p:cTn id="4" fill="hold">
+                            <p:stCondLst>
+                              <p:cond delay="0"/>
+                            </p:stCondLst>
+                            <p:childTnLst>
+                              <p:par>
+                                <p:cTn id="5" presetID="1" presetClass="path" presetSubtype="0" accel="50000" decel="50000" fill="hold" nodeType="clickEffect">
+                                  <p:stCondLst>
+                                    <p:cond delay="0"/>
+                                  </p:stCondLst>
+                                  <p:childTnLst>
+                                    <p:animMotion origin="layout" path="M 0.00443 -0.01528 C 0.08529 -0.28519 0.31081 -0.35394 0.51016 -0.16644 C 0.70781 0.02129 0.80365 0.39375 0.72266 0.66389 C 0.64232 0.93241 0.41576 0.99907 0.21745 0.81227 C 0.01992 0.62523 -0.07669 0.25463 0.00443 -0.01528 Z " pathEditMode="relative" rAng="17880000" ptsTypes="AAAAA">
+                                      <p:cBhvr>
+                                        <p:cTn id="6" dur="10000" fill="hold"/>
+                                        <p:tgtEl>
+                                          <p:spTgt spid="5"/>
+                                        </p:tgtEl>
+                                        <p:attrNameLst>
+                                          <p:attrName>ppt_x</p:attrName>
+                                          <p:attrName>ppt_y</p:attrName>
+                                        </p:attrNameLst>
+                                      </p:cBhvr>
+                                      <p:rCtr x="35938" y="33819"/>
+                                    </p:animMotion>
+                                  </p:childTnLst>
+                                </p:cTn>
+                              </p:par>
+                            </p:childTnLst>
+                          </p:cTn>
+                        </p:par>
+                      </p:childTnLst>
+                    </p:cTn>
+                  </p:par>
+                  <p:par>
+                    <p:cTn id="7" fill="hold">
+                      <p:stCondLst>
+                        <p:cond delay="indefinite"/>
+                      </p:stCondLst>
+                      <p:childTnLst>
+                        <p:par>
+                          <p:cTn id="8" fill="hold">
+                            <p:stCondLst>
+                              <p:cond delay="0"/>
+                            </p:stCondLst>
+                            <p:childTnLst>
+                              <p:par>
+                                <p:cTn id="9" presetID="16" presetClass="exit" presetSubtype="21" fill="hold" grpId="0" nodeType="clickEffect">
+                                  <p:stCondLst>
+                                    <p:cond delay="0"/>
+                                  </p:stCondLst>
+                                  <p:childTnLst>
+                                    <p:animEffect transition="out" filter="barn(inVertical)">
+                                      <p:cBhvr>
+                                        <p:cTn id="10" dur="500"/>
+                                        <p:tgtEl>
+                                          <p:spTgt spid="36"/>
+                                        </p:tgtEl>
+                                      </p:cBhvr>
+                                    </p:animEffect>
+                                    <p:set>
+                                      <p:cBhvr>
+                                        <p:cTn id="11" dur="1" fill="hold">
+                                          <p:stCondLst>
+                                            <p:cond delay="499"/>
+                                          </p:stCondLst>
+                                        </p:cTn>
+                                        <p:tgtEl>
+                                          <p:spTgt spid="36"/>
+                                        </p:tgtEl>
+                                        <p:attrNameLst>
+                                          <p:attrName>style.visibility</p:attrName>
+                                        </p:attrNameLst>
+                                      </p:cBhvr>
+                                      <p:to>
+                                        <p:strVal val="hidden"/>
+                                      </p:to>
+                                    </p:set>
+                                  </p:childTnLst>
+                                </p:cTn>
+                              </p:par>
+                              <p:par>
+                                <p:cTn id="12" presetID="16" presetClass="exit" presetSubtype="21" fill="hold" grpId="0" nodeType="withEffect">
+                                  <p:stCondLst>
+                                    <p:cond delay="0"/>
+                                  </p:stCondLst>
+                                  <p:childTnLst>
+                                    <p:animEffect transition="out" filter="barn(inVertical)">
+                                      <p:cBhvr>
+                                        <p:cTn id="13" dur="500"/>
+                                        <p:tgtEl>
+                                          <p:spTgt spid="37"/>
+                                        </p:tgtEl>
+                                      </p:cBhvr>
+                                    </p:animEffect>
+                                    <p:set>
+                                      <p:cBhvr>
+                                        <p:cTn id="14" dur="1" fill="hold">
+                                          <p:stCondLst>
+                                            <p:cond delay="499"/>
+                                          </p:stCondLst>
+                                        </p:cTn>
+                                        <p:tgtEl>
+                                          <p:spTgt spid="37"/>
+                                        </p:tgtEl>
+                                        <p:attrNameLst>
+                                          <p:attrName>style.visibility</p:attrName>
+                                        </p:attrNameLst>
+                                      </p:cBhvr>
+                                      <p:to>
+                                        <p:strVal val="hidden"/>
+                                      </p:to>
+                                    </p:set>
+                                  </p:childTnLst>
+                                </p:cTn>
+                              </p:par>
+                              <p:par>
+                                <p:cTn id="15" presetID="16" presetClass="exit" presetSubtype="21" fill="hold" grpId="0" nodeType="withEffect">
+                                  <p:stCondLst>
+                                    <p:cond delay="0"/>
+                                  </p:stCondLst>
+                                  <p:childTnLst>
+                                    <p:animEffect transition="out" filter="barn(inVertical)">
+                                      <p:cBhvr>
+                                        <p:cTn id="16" dur="500"/>
+                                        <p:tgtEl>
+                                          <p:spTgt spid="38"/>
+                                        </p:tgtEl>
+                                      </p:cBhvr>
+                                    </p:animEffect>
+                                    <p:set>
+                                      <p:cBhvr>
+                                        <p:cTn id="17" dur="1" fill="hold">
+                                          <p:stCondLst>
+                                            <p:cond delay="499"/>
+                                          </p:stCondLst>
+                                        </p:cTn>
+                                        <p:tgtEl>
+                                          <p:spTgt spid="38"/>
+                                        </p:tgtEl>
+                                        <p:attrNameLst>
+                                          <p:attrName>style.visibility</p:attrName>
+                                        </p:attrNameLst>
+                                      </p:cBhvr>
+                                      <p:to>
+                                        <p:strVal val="hidden"/>
+                                      </p:to>
+                                    </p:set>
+                                  </p:childTnLst>
+                                </p:cTn>
+                              </p:par>
+                              <p:par>
+                                <p:cTn id="18" presetID="16" presetClass="exit" presetSubtype="21" fill="hold" grpId="0" nodeType="withEffect">
+                                  <p:stCondLst>
+                                    <p:cond delay="0"/>
+                                  </p:stCondLst>
+                                  <p:childTnLst>
+                                    <p:animEffect transition="out" filter="barn(inVertical)">
+                                      <p:cBhvr>
+                                        <p:cTn id="19" dur="500"/>
+                                        <p:tgtEl>
+                                          <p:spTgt spid="39"/>
+                                        </p:tgtEl>
+                                      </p:cBhvr>
+                                    </p:animEffect>
+                                    <p:set>
+                                      <p:cBhvr>
+                                        <p:cTn id="20" dur="1" fill="hold">
+                                          <p:stCondLst>
+                                            <p:cond delay="499"/>
+                                          </p:stCondLst>
+                                        </p:cTn>
+                                        <p:tgtEl>
+                                          <p:spTgt spid="39"/>
+                                        </p:tgtEl>
+                                        <p:attrNameLst>
+                                          <p:attrName>style.visibility</p:attrName>
+                                        </p:attrNameLst>
+                                      </p:cBhvr>
+                                      <p:to>
+                                        <p:strVal val="hidden"/>
+                                      </p:to>
+                                    </p:set>
+                                  </p:childTnLst>
+                                </p:cTn>
+                              </p:par>
+                              <p:par>
+                                <p:cTn id="21" presetID="16" presetClass="exit" presetSubtype="21" fill="hold" grpId="0" nodeType="withEffect">
+                                  <p:stCondLst>
+                                    <p:cond delay="0"/>
+                                  </p:stCondLst>
+                                  <p:childTnLst>
+                                    <p:animEffect transition="out" filter="barn(inVertical)">
+                                      <p:cBhvr>
+                                        <p:cTn id="22" dur="500"/>
+                                        <p:tgtEl>
+                                          <p:spTgt spid="40"/>
+                                        </p:tgtEl>
+                                      </p:cBhvr>
+                                    </p:animEffect>
+                                    <p:set>
+                                      <p:cBhvr>
+                                        <p:cTn id="23" dur="1" fill="hold">
+                                          <p:stCondLst>
+                                            <p:cond delay="499"/>
+                                          </p:stCondLst>
+                                        </p:cTn>
+                                        <p:tgtEl>
+                                          <p:spTgt spid="40"/>
+                                        </p:tgtEl>
+                                        <p:attrNameLst>
+                                          <p:attrName>style.visibility</p:attrName>
+                                        </p:attrNameLst>
+                                      </p:cBhvr>
+                                      <p:to>
+                                        <p:strVal val="hidden"/>
+                                      </p:to>
+                                    </p:set>
+                                  </p:childTnLst>
+                                </p:cTn>
+                              </p:par>
+                              <p:par>
+                                <p:cTn id="24" presetID="16" presetClass="exit" presetSubtype="21" fill="hold" grpId="0" nodeType="withEffect">
+                                  <p:stCondLst>
+                                    <p:cond delay="0"/>
+                                  </p:stCondLst>
+                                  <p:childTnLst>
+                                    <p:animEffect transition="out" filter="barn(inVertical)">
+                                      <p:cBhvr>
+                                        <p:cTn id="25" dur="500"/>
+                                        <p:tgtEl>
+                                          <p:spTgt spid="41"/>
+                                        </p:tgtEl>
+                                      </p:cBhvr>
+                                    </p:animEffect>
+                                    <p:set>
+                                      <p:cBhvr>
+                                        <p:cTn id="26" dur="1" fill="hold">
+                                          <p:stCondLst>
+                                            <p:cond delay="499"/>
+                                          </p:stCondLst>
+                                        </p:cTn>
+                                        <p:tgtEl>
+                                          <p:spTgt spid="41"/>
+                                        </p:tgtEl>
+                                        <p:attrNameLst>
+                                          <p:attrName>style.visibility</p:attrName>
+                                        </p:attrNameLst>
+                                      </p:cBhvr>
+                                      <p:to>
+                                        <p:strVal val="hidden"/>
+                                      </p:to>
+                                    </p:set>
+                                  </p:childTnLst>
+                                </p:cTn>
+                              </p:par>
+                              <p:par>
+                                <p:cTn id="27" presetID="16" presetClass="exit" presetSubtype="21" fill="hold" grpId="0" nodeType="withEffect">
+                                  <p:stCondLst>
+                                    <p:cond delay="0"/>
+                                  </p:stCondLst>
+                                  <p:childTnLst>
+                                    <p:animEffect transition="out" filter="barn(inVertical)">
+                                      <p:cBhvr>
+                                        <p:cTn id="28" dur="500"/>
+                                        <p:tgtEl>
+                                          <p:spTgt spid="42"/>
+                                        </p:tgtEl>
+                                      </p:cBhvr>
+                                    </p:animEffect>
+                                    <p:set>
+                                      <p:cBhvr>
+                                        <p:cTn id="29" dur="1" fill="hold">
+                                          <p:stCondLst>
+                                            <p:cond delay="499"/>
+                                          </p:stCondLst>
+                                        </p:cTn>
+                                        <p:tgtEl>
+                                          <p:spTgt spid="42"/>
+                                        </p:tgtEl>
+                                        <p:attrNameLst>
+                                          <p:attrName>style.visibility</p:attrName>
+                                        </p:attrNameLst>
+                                      </p:cBhvr>
+                                      <p:to>
+                                        <p:strVal val="hidden"/>
+                                      </p:to>
+                                    </p:set>
+                                  </p:childTnLst>
+                                </p:cTn>
+                              </p:par>
+                              <p:par>
+                                <p:cTn id="30" presetID="16" presetClass="exit" presetSubtype="21" fill="hold" grpId="0" nodeType="withEffect">
+                                  <p:stCondLst>
+                                    <p:cond delay="0"/>
+                                  </p:stCondLst>
+                                  <p:childTnLst>
+                                    <p:animEffect transition="out" filter="barn(inVertical)">
+                                      <p:cBhvr>
+                                        <p:cTn id="31" dur="500"/>
+                                        <p:tgtEl>
+                                          <p:spTgt spid="43"/>
+                                        </p:tgtEl>
+                                      </p:cBhvr>
+                                    </p:animEffect>
+                                    <p:set>
+                                      <p:cBhvr>
+                                        <p:cTn id="32" dur="1" fill="hold">
+                                          <p:stCondLst>
+                                            <p:cond delay="499"/>
+                                          </p:stCondLst>
+                                        </p:cTn>
+                                        <p:tgtEl>
+                                          <p:spTgt spid="43"/>
+                                        </p:tgtEl>
+                                        <p:attrNameLst>
+                                          <p:attrName>style.visibility</p:attrName>
+                                        </p:attrNameLst>
+                                      </p:cBhvr>
+                                      <p:to>
+                                        <p:strVal val="hidden"/>
+                                      </p:to>
+                                    </p:set>
+                                  </p:childTnLst>
+                                </p:cTn>
+                              </p:par>
+                              <p:par>
+                                <p:cTn id="33" presetID="16" presetClass="exit" presetSubtype="21" fill="hold" grpId="0" nodeType="withEffect">
+                                  <p:stCondLst>
+                                    <p:cond delay="0"/>
+                                  </p:stCondLst>
+                                  <p:childTnLst>
+                                    <p:animEffect transition="out" filter="barn(inVertical)">
+                                      <p:cBhvr>
+                                        <p:cTn id="34" dur="500"/>
+                                        <p:tgtEl>
+                                          <p:spTgt spid="44"/>
+                                        </p:tgtEl>
+                                      </p:cBhvr>
+                                    </p:animEffect>
+                                    <p:set>
+                                      <p:cBhvr>
+                                        <p:cTn id="35" dur="1" fill="hold">
+                                          <p:stCondLst>
+                                            <p:cond delay="499"/>
+                                          </p:stCondLst>
+                                        </p:cTn>
+                                        <p:tgtEl>
+                                          <p:spTgt spid="44"/>
+                                        </p:tgtEl>
+                                        <p:attrNameLst>
+                                          <p:attrName>style.visibility</p:attrName>
+                                        </p:attrNameLst>
+                                      </p:cBhvr>
+                                      <p:to>
+                                        <p:strVal val="hidden"/>
+                                      </p:to>
+                                    </p:set>
+                                  </p:childTnLst>
+                                </p:cTn>
+                              </p:par>
+                              <p:par>
+                                <p:cTn id="36" presetID="16" presetClass="exit" presetSubtype="21" fill="hold" grpId="0" nodeType="withEffect">
+                                  <p:stCondLst>
+                                    <p:cond delay="0"/>
+                                  </p:stCondLst>
+                                  <p:childTnLst>
+                                    <p:animEffect transition="out" filter="barn(inVertical)">
+                                      <p:cBhvr>
+                                        <p:cTn id="37" dur="500"/>
+                                        <p:tgtEl>
+                                          <p:spTgt spid="45"/>
+                                        </p:tgtEl>
+                                      </p:cBhvr>
+                                    </p:animEffect>
+                                    <p:set>
+                                      <p:cBhvr>
+                                        <p:cTn id="38" dur="1" fill="hold">
+                                          <p:stCondLst>
+                                            <p:cond delay="499"/>
+                                          </p:stCondLst>
+                                        </p:cTn>
+                                        <p:tgtEl>
+                                          <p:spTgt spid="45"/>
+                                        </p:tgtEl>
+                                        <p:attrNameLst>
+                                          <p:attrName>style.visibility</p:attrName>
+                                        </p:attrNameLst>
+                                      </p:cBhvr>
+                                      <p:to>
+                                        <p:strVal val="hidden"/>
+                                      </p:to>
+                                    </p:set>
+                                  </p:childTnLst>
+                                </p:cTn>
+                              </p:par>
+                              <p:par>
+                                <p:cTn id="39" presetID="16" presetClass="exit" presetSubtype="21" fill="hold" grpId="0" nodeType="withEffect">
+                                  <p:stCondLst>
+                                    <p:cond delay="0"/>
+                                  </p:stCondLst>
+                                  <p:childTnLst>
+                                    <p:animEffect transition="out" filter="barn(inVertical)">
+                                      <p:cBhvr>
+                                        <p:cTn id="40" dur="500"/>
+                                        <p:tgtEl>
+                                          <p:spTgt spid="46"/>
+                                        </p:tgtEl>
+                                      </p:cBhvr>
+                                    </p:animEffect>
+                                    <p:set>
+                                      <p:cBhvr>
+                                        <p:cTn id="41" dur="1" fill="hold">
+                                          <p:stCondLst>
+                                            <p:cond delay="499"/>
+                                          </p:stCondLst>
+                                        </p:cTn>
+                                        <p:tgtEl>
+                                          <p:spTgt spid="46"/>
+                                        </p:tgtEl>
+                                        <p:attrNameLst>
+                                          <p:attrName>style.visibility</p:attrName>
+                                        </p:attrNameLst>
+                                      </p:cBhvr>
+                                      <p:to>
+                                        <p:strVal val="hidden"/>
+                                      </p:to>
+                                    </p:set>
+                                  </p:childTnLst>
+                                </p:cTn>
+                              </p:par>
+                            </p:childTnLst>
+                          </p:cTn>
+                        </p:par>
+                      </p:childTnLst>
+                    </p:cTn>
+                  </p:par>
+                  <p:par>
+                    <p:cTn id="42" fill="hold">
+                      <p:stCondLst>
+                        <p:cond delay="indefinite"/>
+                      </p:stCondLst>
+                      <p:childTnLst>
+                        <p:par>
+                          <p:cTn id="43" fill="hold">
+                            <p:stCondLst>
+                              <p:cond delay="0"/>
+                            </p:stCondLst>
+                            <p:childTnLst>
+                              <p:par>
+                                <p:cTn id="44" presetID="10" presetClass="entr" presetSubtype="0" fill="hold" grpId="0" nodeType="clickEffect">
+                                  <p:stCondLst>
+                                    <p:cond delay="0"/>
+                                  </p:stCondLst>
+                                  <p:childTnLst>
+                                    <p:set>
+                                      <p:cBhvr>
+                                        <p:cTn id="45" dur="1" fill="hold">
+                                          <p:stCondLst>
+                                            <p:cond delay="0"/>
+                                          </p:stCondLst>
+                                        </p:cTn>
+                                        <p:tgtEl>
+                                          <p:spTgt spid="20"/>
+                                        </p:tgtEl>
+                                        <p:attrNameLst>
+                                          <p:attrName>style.visibility</p:attrName>
+                                        </p:attrNameLst>
+                                      </p:cBhvr>
+                                      <p:to>
+                                        <p:strVal val="visible"/>
+                                      </p:to>
+                                    </p:set>
+                                    <p:animEffect transition="in" filter="fade">
+                                      <p:cBhvr>
+                                        <p:cTn id="46" dur="500"/>
+                                        <p:tgtEl>
+                                          <p:spTgt spid="20"/>
+                                        </p:tgtEl>
+                                      </p:cBhvr>
+                                    </p:animEffect>
+                                  </p:childTnLst>
+                                </p:cTn>
+                              </p:par>
+                              <p:par>
+                                <p:cTn id="47" presetID="10" presetClass="entr" presetSubtype="0" fill="hold" grpId="0" nodeType="withEffect">
+                                  <p:stCondLst>
+                                    <p:cond delay="0"/>
+                                  </p:stCondLst>
+                                  <p:childTnLst>
+                                    <p:set>
+                                      <p:cBhvr>
+                                        <p:cTn id="48" dur="1" fill="hold">
+                                          <p:stCondLst>
+                                            <p:cond delay="0"/>
+                                          </p:stCondLst>
+                                        </p:cTn>
+                                        <p:tgtEl>
+                                          <p:spTgt spid="21"/>
+                                        </p:tgtEl>
+                                        <p:attrNameLst>
+                                          <p:attrName>style.visibility</p:attrName>
+                                        </p:attrNameLst>
+                                      </p:cBhvr>
+                                      <p:to>
+                                        <p:strVal val="visible"/>
+                                      </p:to>
+                                    </p:set>
+                                    <p:animEffect transition="in" filter="fade">
+                                      <p:cBhvr>
+                                        <p:cTn id="49" dur="500"/>
+                                        <p:tgtEl>
+                                          <p:spTgt spid="21"/>
+                                        </p:tgtEl>
+                                      </p:cBhvr>
+                                    </p:animEffect>
+                                  </p:childTnLst>
+                                </p:cTn>
+                              </p:par>
+                              <p:par>
+                                <p:cTn id="50" presetID="10" presetClass="entr" presetSubtype="0" fill="hold" grpId="0" nodeType="withEffect">
+                                  <p:stCondLst>
+                                    <p:cond delay="0"/>
+                                  </p:stCondLst>
+                                  <p:childTnLst>
+                                    <p:set>
+                                      <p:cBhvr>
+                                        <p:cTn id="51" dur="1" fill="hold">
+                                          <p:stCondLst>
+                                            <p:cond delay="0"/>
+                                          </p:stCondLst>
+                                        </p:cTn>
+                                        <p:tgtEl>
+                                          <p:spTgt spid="14"/>
+                                        </p:tgtEl>
+                                        <p:attrNameLst>
+                                          <p:attrName>style.visibility</p:attrName>
+                                        </p:attrNameLst>
+                                      </p:cBhvr>
+                                      <p:to>
+                                        <p:strVal val="visible"/>
+                                      </p:to>
+                                    </p:set>
+                                    <p:animEffect transition="in" filter="fade">
+                                      <p:cBhvr>
+                                        <p:cTn id="52" dur="500"/>
+                                        <p:tgtEl>
+                                          <p:spTgt spid="14"/>
+                                        </p:tgtEl>
+                                      </p:cBhvr>
+                                    </p:animEffect>
+                                  </p:childTnLst>
+                                </p:cTn>
+                              </p:par>
+                              <p:par>
+                                <p:cTn id="53" presetID="10" presetClass="entr" presetSubtype="0" fill="hold" grpId="0" nodeType="withEffect">
+                                  <p:stCondLst>
+                                    <p:cond delay="0"/>
+                                  </p:stCondLst>
+                                  <p:childTnLst>
+                                    <p:set>
+                                      <p:cBhvr>
+                                        <p:cTn id="54" dur="1" fill="hold">
+                                          <p:stCondLst>
+                                            <p:cond delay="0"/>
+                                          </p:stCondLst>
+                                        </p:cTn>
+                                        <p:tgtEl>
+                                          <p:spTgt spid="15"/>
+                                        </p:tgtEl>
+                                        <p:attrNameLst>
+                                          <p:attrName>style.visibility</p:attrName>
+                                        </p:attrNameLst>
+                                      </p:cBhvr>
+                                      <p:to>
+                                        <p:strVal val="visible"/>
+                                      </p:to>
+                                    </p:set>
+                                    <p:animEffect transition="in" filter="fade">
+                                      <p:cBhvr>
+                                        <p:cTn id="55" dur="500"/>
+                                        <p:tgtEl>
+                                          <p:spTgt spid="15"/>
+                                        </p:tgtEl>
+                                      </p:cBhvr>
+                                    </p:animEffect>
+                                  </p:childTnLst>
+                                </p:cTn>
+                              </p:par>
+                              <p:par>
+                                <p:cTn id="56" presetID="10" presetClass="entr" presetSubtype="0" fill="hold" grpId="0" nodeType="withEffect">
+                                  <p:stCondLst>
+                                    <p:cond delay="0"/>
+                                  </p:stCondLst>
+                                  <p:childTnLst>
+                                    <p:set>
+                                      <p:cBhvr>
+                                        <p:cTn id="57" dur="1" fill="hold">
+                                          <p:stCondLst>
+                                            <p:cond delay="0"/>
+                                          </p:stCondLst>
+                                        </p:cTn>
+                                        <p:tgtEl>
+                                          <p:spTgt spid="16"/>
+                                        </p:tgtEl>
+                                        <p:attrNameLst>
+                                          <p:attrName>style.visibility</p:attrName>
+                                        </p:attrNameLst>
+                                      </p:cBhvr>
+                                      <p:to>
+                                        <p:strVal val="visible"/>
+                                      </p:to>
+                                    </p:set>
+                                    <p:animEffect transition="in" filter="fade">
+                                      <p:cBhvr>
+                                        <p:cTn id="58" dur="500"/>
+                                        <p:tgtEl>
+                                          <p:spTgt spid="16"/>
+                                        </p:tgtEl>
+                                      </p:cBhvr>
+                                    </p:animEffect>
+                                  </p:childTnLst>
+                                </p:cTn>
+                              </p:par>
+                              <p:par>
+                                <p:cTn id="59" presetID="10" presetClass="entr" presetSubtype="0" fill="hold" grpId="0" nodeType="withEffect">
+                                  <p:stCondLst>
+                                    <p:cond delay="0"/>
+                                  </p:stCondLst>
+                                  <p:childTnLst>
+                                    <p:set>
+                                      <p:cBhvr>
+                                        <p:cTn id="60" dur="1" fill="hold">
+                                          <p:stCondLst>
+                                            <p:cond delay="0"/>
+                                          </p:stCondLst>
+                                        </p:cTn>
+                                        <p:tgtEl>
+                                          <p:spTgt spid="17"/>
+                                        </p:tgtEl>
+                                        <p:attrNameLst>
+                                          <p:attrName>style.visibility</p:attrName>
+                                        </p:attrNameLst>
+                                      </p:cBhvr>
+                                      <p:to>
+                                        <p:strVal val="visible"/>
+                                      </p:to>
+                                    </p:set>
+                                    <p:animEffect transition="in" filter="fade">
+                                      <p:cBhvr>
+                                        <p:cTn id="61" dur="500"/>
+                                        <p:tgtEl>
+                                          <p:spTgt spid="17"/>
+                                        </p:tgtEl>
+                                      </p:cBhvr>
+                                    </p:animEffect>
+                                  </p:childTnLst>
+                                </p:cTn>
+                              </p:par>
+                              <p:par>
+                                <p:cTn id="62" presetID="10" presetClass="entr" presetSubtype="0" fill="hold" grpId="0" nodeType="withEffect">
+                                  <p:stCondLst>
+                                    <p:cond delay="0"/>
+                                  </p:stCondLst>
+                                  <p:childTnLst>
+                                    <p:set>
+                                      <p:cBhvr>
+                                        <p:cTn id="63" dur="1" fill="hold">
+                                          <p:stCondLst>
+                                            <p:cond delay="0"/>
+                                          </p:stCondLst>
+                                        </p:cTn>
+                                        <p:tgtEl>
+                                          <p:spTgt spid="18"/>
+                                        </p:tgtEl>
+                                        <p:attrNameLst>
+                                          <p:attrName>style.visibility</p:attrName>
+                                        </p:attrNameLst>
+                                      </p:cBhvr>
+                                      <p:to>
+                                        <p:strVal val="visible"/>
+                                      </p:to>
+                                    </p:set>
+                                    <p:animEffect transition="in" filter="fade">
+                                      <p:cBhvr>
+                                        <p:cTn id="64" dur="500"/>
+                                        <p:tgtEl>
+                                          <p:spTgt spid="18"/>
+                                        </p:tgtEl>
+                                      </p:cBhvr>
+                                    </p:animEffect>
+                                  </p:childTnLst>
+                                </p:cTn>
+                              </p:par>
+                              <p:par>
+                                <p:cTn id="65" presetID="10" presetClass="entr" presetSubtype="0" fill="hold" grpId="0" nodeType="withEffect">
+                                  <p:stCondLst>
+                                    <p:cond delay="0"/>
+                                  </p:stCondLst>
+                                  <p:childTnLst>
+                                    <p:set>
+                                      <p:cBhvr>
+                                        <p:cTn id="66" dur="1" fill="hold">
+                                          <p:stCondLst>
+                                            <p:cond delay="0"/>
+                                          </p:stCondLst>
+                                        </p:cTn>
+                                        <p:tgtEl>
+                                          <p:spTgt spid="19"/>
+                                        </p:tgtEl>
+                                        <p:attrNameLst>
+                                          <p:attrName>style.visibility</p:attrName>
+                                        </p:attrNameLst>
+                                      </p:cBhvr>
+                                      <p:to>
+                                        <p:strVal val="visible"/>
+                                      </p:to>
+                                    </p:set>
+                                    <p:animEffect transition="in" filter="fade">
+                                      <p:cBhvr>
+                                        <p:cTn id="67" dur="500"/>
+                                        <p:tgtEl>
+                                          <p:spTgt spid="19"/>
+                                        </p:tgtEl>
+                                      </p:cBhvr>
+                                    </p:animEffect>
+                                  </p:childTnLst>
+                                </p:cTn>
+                              </p:par>
+                              <p:par>
+                                <p:cTn id="68" presetID="10" presetClass="entr" presetSubtype="0" fill="hold" grpId="0" nodeType="withEffect">
+                                  <p:stCondLst>
+                                    <p:cond delay="0"/>
+                                  </p:stCondLst>
+                                  <p:childTnLst>
+                                    <p:set>
+                                      <p:cBhvr>
+                                        <p:cTn id="69" dur="1" fill="hold">
+                                          <p:stCondLst>
+                                            <p:cond delay="0"/>
+                                          </p:stCondLst>
+                                        </p:cTn>
+                                        <p:tgtEl>
+                                          <p:spTgt spid="22"/>
+                                        </p:tgtEl>
+                                        <p:attrNameLst>
+                                          <p:attrName>style.visibility</p:attrName>
+                                        </p:attrNameLst>
+                                      </p:cBhvr>
+                                      <p:to>
+                                        <p:strVal val="visible"/>
+                                      </p:to>
+                                    </p:set>
+                                    <p:animEffect transition="in" filter="fade">
+                                      <p:cBhvr>
+                                        <p:cTn id="70" dur="500"/>
+                                        <p:tgtEl>
+                                          <p:spTgt spid="22"/>
+                                        </p:tgtEl>
+                                      </p:cBhvr>
+                                    </p:animEffect>
+                                  </p:childTnLst>
+                                </p:cTn>
+                              </p:par>
+                              <p:par>
+                                <p:cTn id="71" presetID="10" presetClass="entr" presetSubtype="0" fill="hold" grpId="0" nodeType="withEffect">
+                                  <p:stCondLst>
+                                    <p:cond delay="0"/>
+                                  </p:stCondLst>
+                                  <p:childTnLst>
+                                    <p:set>
+                                      <p:cBhvr>
+                                        <p:cTn id="72" dur="1" fill="hold">
+                                          <p:stCondLst>
+                                            <p:cond delay="0"/>
+                                          </p:stCondLst>
+                                        </p:cTn>
+                                        <p:tgtEl>
+                                          <p:spTgt spid="23"/>
+                                        </p:tgtEl>
+                                        <p:attrNameLst>
+                                          <p:attrName>style.visibility</p:attrName>
+                                        </p:attrNameLst>
+                                      </p:cBhvr>
+                                      <p:to>
+                                        <p:strVal val="visible"/>
+                                      </p:to>
+                                    </p:set>
+                                    <p:animEffect transition="in" filter="fade">
+                                      <p:cBhvr>
+                                        <p:cTn id="73" dur="500"/>
+                                        <p:tgtEl>
+                                          <p:spTgt spid="23"/>
+                                        </p:tgtEl>
+                                      </p:cBhvr>
+                                    </p:animEffect>
+                                  </p:childTnLst>
+                                </p:cTn>
+                              </p:par>
+                              <p:par>
+                                <p:cTn id="74" presetID="10" presetClass="entr" presetSubtype="0" fill="hold" grpId="0" nodeType="withEffect">
+                                  <p:stCondLst>
+                                    <p:cond delay="0"/>
+                                  </p:stCondLst>
+                                  <p:childTnLst>
+                                    <p:set>
+                                      <p:cBhvr>
+                                        <p:cTn id="75" dur="1" fill="hold">
+                                          <p:stCondLst>
+                                            <p:cond delay="0"/>
+                                          </p:stCondLst>
+                                        </p:cTn>
+                                        <p:tgtEl>
+                                          <p:spTgt spid="24"/>
+                                        </p:tgtEl>
+                                        <p:attrNameLst>
+                                          <p:attrName>style.visibility</p:attrName>
+                                        </p:attrNameLst>
+                                      </p:cBhvr>
+                                      <p:to>
+                                        <p:strVal val="visible"/>
+                                      </p:to>
+                                    </p:set>
+                                    <p:animEffect transition="in" filter="fade">
+                                      <p:cBhvr>
+                                        <p:cTn id="76" dur="500"/>
+                                        <p:tgtEl>
+                                          <p:spTgt spid="24"/>
+                                        </p:tgtEl>
+                                      </p:cBhvr>
+                                    </p:animEffect>
+                                  </p:childTnLst>
+                                </p:cTn>
+                              </p:par>
+                            </p:childTnLst>
+                          </p:cTn>
+                        </p:par>
+                      </p:childTnLst>
+                    </p:cTn>
+                  </p:par>
+                  <p:par>
+                    <p:cTn id="77" fill="hold">
+                      <p:stCondLst>
+                        <p:cond delay="indefinite"/>
+                      </p:stCondLst>
+                      <p:childTnLst>
+                        <p:par>
+                          <p:cTn id="78" fill="hold">
+                            <p:stCondLst>
+                              <p:cond delay="0"/>
+                            </p:stCondLst>
+                            <p:childTnLst>
+                              <p:par>
+                                <p:cTn id="79" presetID="1" presetClass="path" presetSubtype="0" accel="50000" decel="50000" fill="hold" nodeType="clickEffect">
+                                  <p:stCondLst>
+                                    <p:cond delay="0"/>
+                                  </p:stCondLst>
+                                  <p:childTnLst>
+                                    <p:animMotion origin="layout" path="M -3.75E-6 4.07407E-6 C 0.0319 -0.19676 0.21498 -0.27593 0.40912 -0.17709 C 0.60313 -0.07824 0.73516 0.1618 0.70339 0.35833 C 0.67357 0.55601 0.48829 0.63402 0.29427 0.53518 C 0.10013 0.43634 -0.03177 0.19652 -3.75E-6 4.07407E-6 Z " pathEditMode="relative" rAng="17160000" ptsTypes="AAAAA">
+                                      <p:cBhvr>
+                                        <p:cTn id="80" dur="8000" fill="hold"/>
+                                        <p:tgtEl>
+                                          <p:spTgt spid="5"/>
+                                        </p:tgtEl>
+                                        <p:attrNameLst>
+                                          <p:attrName>ppt_x</p:attrName>
+                                          <p:attrName>ppt_y</p:attrName>
+                                        </p:attrNameLst>
+                                      </p:cBhvr>
+                                      <p:rCtr x="35169" y="17917"/>
+                                    </p:animMotion>
+                                  </p:childTnLst>
+                                </p:cTn>
+                              </p:par>
+                            </p:childTnLst>
+                          </p:cTn>
+                        </p:par>
+                      </p:childTnLst>
+                    </p:cTn>
+                  </p:par>
+                </p:childTnLst>
+              </p:cTn>
+              <p:prevCondLst>
+                <p:cond evt="onPrev" delay="0">
+                  <p:tgtEl>
+                    <p:sldTgt/>
+                  </p:tgtEl>
+                </p:cond>
+              </p:prevCondLst>
+              <p:nextCondLst>
+                <p:cond evt="onNext" delay="0">
+                  <p:tgtEl>
+                    <p:sldTgt/>
+                  </p:tgtEl>
+                </p:cond>
+              </p:nextCondLst>
+            </p:seq>
+          </p:childTnLst>
+        </p:cTn>
+      </p:par>
+    </p:tnLst>
+    <p:bldLst>
+      <p:bldP spid="20" grpId="0" animBg="1"/>
+      <p:bldP spid="21" grpId="0" animBg="1"/>
+      <p:bldP spid="14" grpId="0" animBg="1"/>
+      <p:bldP spid="15" grpId="0" animBg="1"/>
+      <p:bldP spid="16" grpId="0" animBg="1"/>
+      <p:bldP spid="17" grpId="0" animBg="1"/>
+      <p:bldP spid="19" grpId="0"/>
+      <p:bldP spid="22" grpId="0"/>
+      <p:bldP spid="23" grpId="0"/>
+      <p:bldP spid="24" grpId="0"/>
+      <p:bldP spid="36" grpId="0" animBg="1"/>
+      <p:bldP spid="37" grpId="0" animBg="1"/>
+      <p:bldP spid="38" grpId="0" animBg="1"/>
+      <p:bldP spid="39" grpId="0" animBg="1"/>
+      <p:bldP spid="40" grpId="0" animBg="1"/>
+      <p:bldP spid="41" grpId="0" animBg="1"/>
+      <p:bldP spid="43" grpId="0"/>
+      <p:bldP spid="44" grpId="0"/>
+      <p:bldP spid="45" grpId="0"/>
+      <p:bldP spid="46" grpId="0"/>
+      <p:bldP spid="18" grpId="0" animBg="1"/>
+      <p:bldP spid="42" grpId="0" animBg="1"/>
+    </p:bldLst>
+  </p:timing>
+</p:sld>
+</file>
+
+<file path=ppt/slides/slide14.xml><?xml version="1.0" encoding="utf-8"?>
+<p:sld xmlns:a="http://schemas.openxmlformats.org/drawingml/2006/main" xmlns:r="http://schemas.openxmlformats.org/officeDocument/2006/relationships" xmlns:p="http://schemas.openxmlformats.org/presentationml/2006/main">
+  <p:cSld>
+    <p:spTree>
+      <p:nvGrpSpPr>
+        <p:cNvPr id="1" name=""/>
+        <p:cNvGrpSpPr/>
+        <p:nvPr/>
+      </p:nvGrpSpPr>
+      <p:grpSpPr>
+        <a:xfrm>
+          <a:off x="0" y="0"/>
+          <a:ext cx="0" cy="0"/>
+          <a:chOff x="0" y="0"/>
+          <a:chExt cx="0" cy="0"/>
+        </a:xfrm>
+      </p:grpSpPr>
+      <p:sp>
+        <p:nvSpPr>
+          <p:cNvPr id="2" name="タイトル 1"/>
+          <p:cNvSpPr>
+            <a:spLocks noGrp="1"/>
+          </p:cNvSpPr>
+          <p:nvPr>
+            <p:ph type="title"/>
+          </p:nvPr>
+        </p:nvSpPr>
+        <p:spPr>
+          <a:xfrm>
+            <a:off x="908538" y="2519241"/>
+            <a:ext cx="10515600" cy="1325563"/>
+          </a:xfrm>
+        </p:spPr>
+        <p:txBody>
+          <a:bodyPr>
+            <a:normAutofit/>
+          </a:bodyPr>
+          <a:lstStyle/>
+          <a:p>
+            <a:pPr algn="ctr"/>
+            <a:r>
+              <a:rPr kumimoji="1" lang="ja-JP" altLang="en-US" sz="7200" b="1" dirty="0" smtClean="0">
+                <a:latin typeface="BIZ UDP明朝 Medium" panose="02020500000000000000" pitchFamily="18" charset="-128"/>
+                <a:ea typeface="BIZ UDP明朝 Medium" panose="02020500000000000000" pitchFamily="18" charset="-128"/>
+              </a:rPr>
+              <a:t>タイトル画面の</a:t>
+            </a:r>
+            <a:r>
+              <a:rPr kumimoji="1" lang="ja-JP" altLang="en-US" sz="7200" b="1" dirty="0" smtClean="0">
+                <a:latin typeface="BIZ UDP明朝 Medium" panose="02020500000000000000" pitchFamily="18" charset="-128"/>
+                <a:ea typeface="BIZ UDP明朝 Medium" panose="02020500000000000000" pitchFamily="18" charset="-128"/>
+              </a:rPr>
+              <a:t>案５</a:t>
+            </a:r>
+            <a:endParaRPr kumimoji="1" lang="ja-JP" altLang="en-US" sz="7200" b="1" dirty="0">
+              <a:latin typeface="BIZ UDP明朝 Medium" panose="02020500000000000000" pitchFamily="18" charset="-128"/>
+              <a:ea typeface="BIZ UDP明朝 Medium" panose="02020500000000000000" pitchFamily="18" charset="-128"/>
+            </a:endParaRPr>
+          </a:p>
+        </p:txBody>
+      </p:sp>
+    </p:spTree>
+    <p:extLst>
+      <p:ext uri="{BB962C8B-B14F-4D97-AF65-F5344CB8AC3E}">
+        <p14:creationId xmlns:p14="http://schemas.microsoft.com/office/powerpoint/2010/main" val="4104600025"/>
+      </p:ext>
+    </p:extLst>
+  </p:cSld>
+  <p:clrMapOvr>
+    <a:masterClrMapping/>
+  </p:clrMapOvr>
+  <p:timing>
+    <p:tnLst>
+      <p:par>
+        <p:cTn id="1" dur="indefinite" restart="never" nodeType="tmRoot"/>
+      </p:par>
+    </p:tnLst>
+  </p:timing>
+</p:sld>
+</file>
+
+<file path=ppt/slides/slide15.xml><?xml version="1.0" encoding="utf-8"?>
+<p:sld xmlns:a="http://schemas.openxmlformats.org/drawingml/2006/main" xmlns:r="http://schemas.openxmlformats.org/officeDocument/2006/relationships" xmlns:p="http://schemas.openxmlformats.org/presentationml/2006/main">
+  <p:cSld>
+    <p:spTree>
+      <p:nvGrpSpPr>
+        <p:cNvPr id="1" name=""/>
+        <p:cNvGrpSpPr/>
+        <p:nvPr/>
+      </p:nvGrpSpPr>
+      <p:grpSpPr>
+        <a:xfrm>
+          <a:off x="0" y="0"/>
+          <a:ext cx="0" cy="0"/>
+          <a:chOff x="0" y="0"/>
+          <a:chExt cx="0" cy="0"/>
+        </a:xfrm>
+      </p:grpSpPr>
+      <p:sp>
+        <p:nvSpPr>
+          <p:cNvPr id="6" name="正方形/長方形 5"/>
+          <p:cNvSpPr/>
+          <p:nvPr/>
+        </p:nvSpPr>
+        <p:spPr>
+          <a:xfrm>
+            <a:off x="2435469" y="808893"/>
+            <a:ext cx="7587762" cy="2154115"/>
+          </a:xfrm>
+          <a:prstGeom prst="rect">
+            <a:avLst/>
+          </a:prstGeom>
+        </p:spPr>
+        <p:style>
+          <a:lnRef idx="2">
+            <a:schemeClr val="accent1">
+              <a:shade val="50000"/>
+            </a:schemeClr>
+          </a:lnRef>
+          <a:fillRef idx="1">
+            <a:schemeClr val="accent1"/>
+          </a:fillRef>
+          <a:effectRef idx="0">
+            <a:schemeClr val="accent1"/>
+          </a:effectRef>
+          <a:fontRef idx="minor">
+            <a:schemeClr val="lt1"/>
+          </a:fontRef>
+        </p:style>
+        <p:txBody>
+          <a:bodyPr rtlCol="0" anchor="ctr"/>
+          <a:lstStyle/>
+          <a:p>
+            <a:pPr algn="ctr"/>
+            <a:endParaRPr kumimoji="1" lang="ja-JP" altLang="en-US"/>
+          </a:p>
+        </p:txBody>
+      </p:sp>
+      <p:sp>
+        <p:nvSpPr>
+          <p:cNvPr id="83" name="正方形/長方形 82"/>
+          <p:cNvSpPr/>
+          <p:nvPr/>
+        </p:nvSpPr>
+        <p:spPr>
+          <a:xfrm>
+            <a:off x="3086100" y="1222131"/>
+            <a:ext cx="6057900" cy="1380392"/>
+          </a:xfrm>
+          <a:prstGeom prst="rect">
+            <a:avLst/>
+          </a:prstGeom>
+        </p:spPr>
+        <p:style>
+          <a:lnRef idx="2">
+            <a:schemeClr val="dk1"/>
+          </a:lnRef>
+          <a:fillRef idx="1">
+            <a:schemeClr val="lt1"/>
+          </a:fillRef>
+          <a:effectRef idx="0">
+            <a:schemeClr val="dk1"/>
+          </a:effectRef>
+          <a:fontRef idx="minor">
+            <a:schemeClr val="dk1"/>
+          </a:fontRef>
+        </p:style>
+        <p:txBody>
+          <a:bodyPr rtlCol="0" anchor="ctr"/>
+          <a:lstStyle/>
+          <a:p>
+            <a:pPr algn="ctr"/>
+            <a:r>
+              <a:rPr kumimoji="1" lang="ja-JP" altLang="en-US" sz="7200" b="1" dirty="0" smtClean="0">
+                <a:effectLst>
+                  <a:outerShdw blurRad="38100" dist="38100" dir="2700000" algn="tl">
+                    <a:srgbClr val="000000">
+                      <a:alpha val="43137"/>
+                    </a:srgbClr>
+                  </a:outerShdw>
+                </a:effectLst>
+              </a:rPr>
+              <a:t>タイトル</a:t>
+            </a:r>
+            <a:endParaRPr kumimoji="1" lang="ja-JP" altLang="en-US" sz="7200" b="1" dirty="0">
+              <a:effectLst>
+                <a:outerShdw blurRad="38100" dist="38100" dir="2700000" algn="tl">
+                  <a:srgbClr val="000000">
+                    <a:alpha val="43137"/>
+                  </a:srgbClr>
+                </a:outerShdw>
+              </a:effectLst>
+            </a:endParaRPr>
+          </a:p>
+        </p:txBody>
+      </p:sp>
+      <p:sp>
+        <p:nvSpPr>
+          <p:cNvPr id="31" name="正方形/長方形 30"/>
+          <p:cNvSpPr/>
+          <p:nvPr/>
+        </p:nvSpPr>
+        <p:spPr>
+          <a:xfrm>
+            <a:off x="14188027" y="3680529"/>
+            <a:ext cx="2286000" cy="1019908"/>
+          </a:xfrm>
+          <a:prstGeom prst="rect">
+            <a:avLst/>
+          </a:prstGeom>
+        </p:spPr>
+        <p:style>
+          <a:lnRef idx="1">
+            <a:schemeClr val="dk1"/>
+          </a:lnRef>
+          <a:fillRef idx="2">
+            <a:schemeClr val="dk1"/>
+          </a:fillRef>
+          <a:effectRef idx="1">
+            <a:schemeClr val="dk1"/>
+          </a:effectRef>
+          <a:fontRef idx="minor">
+            <a:schemeClr val="dk1"/>
+          </a:fontRef>
+        </p:style>
+        <p:txBody>
+          <a:bodyPr rtlCol="0" anchor="ctr"/>
+          <a:lstStyle/>
+          <a:p>
+            <a:pPr algn="ctr"/>
+            <a:r>
+              <a:rPr lang="ja-JP" altLang="en-US" sz="2400" b="1" dirty="0">
+                <a:ln>
+                  <a:solidFill>
+                    <a:schemeClr val="bg1"/>
+                  </a:solidFill>
+                </a:ln>
+                <a:solidFill>
+                  <a:schemeClr val="bg1"/>
+                </a:solidFill>
+              </a:rPr>
+              <a:t>車のモデル</a:t>
+            </a:r>
+            <a:r>
+              <a:rPr lang="ja-JP" altLang="en-US" sz="2400" b="1" dirty="0">
+                <a:ln>
+                  <a:solidFill>
+                    <a:schemeClr val="bg1"/>
+                  </a:solidFill>
+                </a:ln>
+                <a:solidFill>
+                  <a:srgbClr val="0070C0"/>
+                </a:solidFill>
+              </a:rPr>
+              <a:t>１</a:t>
+            </a:r>
+            <a:r>
+              <a:rPr lang="en-US" altLang="ja-JP" sz="2400" b="1" dirty="0">
+                <a:ln>
+                  <a:solidFill>
+                    <a:schemeClr val="bg1"/>
+                  </a:solidFill>
+                </a:ln>
+                <a:solidFill>
+                  <a:srgbClr val="0070C0"/>
+                </a:solidFill>
+              </a:rPr>
+              <a:t>P</a:t>
+            </a:r>
+            <a:endParaRPr lang="ja-JP" altLang="en-US" sz="2400" b="1" dirty="0">
+              <a:ln>
+                <a:solidFill>
+                  <a:schemeClr val="bg1"/>
+                </a:solidFill>
+              </a:ln>
+              <a:solidFill>
+                <a:srgbClr val="0070C0"/>
+              </a:solidFill>
+            </a:endParaRPr>
+          </a:p>
+        </p:txBody>
+      </p:sp>
+      <p:sp>
+        <p:nvSpPr>
+          <p:cNvPr id="32" name="正方形/長方形 31"/>
+          <p:cNvSpPr/>
+          <p:nvPr/>
+        </p:nvSpPr>
+        <p:spPr>
+          <a:xfrm>
+            <a:off x="13562395" y="4531187"/>
+            <a:ext cx="2286000" cy="1019908"/>
+          </a:xfrm>
+          <a:prstGeom prst="rect">
+            <a:avLst/>
+          </a:prstGeom>
+        </p:spPr>
+        <p:style>
+          <a:lnRef idx="1">
+            <a:schemeClr val="dk1"/>
+          </a:lnRef>
+          <a:fillRef idx="2">
+            <a:schemeClr val="dk1"/>
+          </a:fillRef>
+          <a:effectRef idx="1">
+            <a:schemeClr val="dk1"/>
+          </a:effectRef>
+          <a:fontRef idx="minor">
+            <a:schemeClr val="dk1"/>
+          </a:fontRef>
+        </p:style>
+        <p:txBody>
+          <a:bodyPr rtlCol="0" anchor="ctr"/>
+          <a:lstStyle/>
+          <a:p>
+            <a:pPr algn="ctr"/>
+            <a:r>
+              <a:rPr lang="ja-JP" altLang="en-US" sz="2400" b="1" dirty="0">
+                <a:ln>
+                  <a:solidFill>
+                    <a:schemeClr val="bg1"/>
+                  </a:solidFill>
+                </a:ln>
+                <a:solidFill>
+                  <a:schemeClr val="bg1"/>
+                </a:solidFill>
+              </a:rPr>
+              <a:t>車のモデル</a:t>
+            </a:r>
+            <a:r>
+              <a:rPr lang="en-US" altLang="ja-JP" sz="2400" b="1" dirty="0">
+                <a:ln>
+                  <a:solidFill>
+                    <a:schemeClr val="bg1"/>
+                  </a:solidFill>
+                </a:ln>
+                <a:solidFill>
+                  <a:srgbClr val="FF0000"/>
+                </a:solidFill>
+              </a:rPr>
+              <a:t>2P</a:t>
+            </a:r>
+            <a:endParaRPr lang="ja-JP" altLang="en-US" sz="2400" b="1" dirty="0">
+              <a:ln>
+                <a:solidFill>
+                  <a:schemeClr val="bg1"/>
+                </a:solidFill>
+              </a:ln>
+              <a:solidFill>
+                <a:srgbClr val="FF0000"/>
+              </a:solidFill>
+            </a:endParaRPr>
+          </a:p>
+        </p:txBody>
+      </p:sp>
+      <p:sp>
+        <p:nvSpPr>
+          <p:cNvPr id="33" name="正方形/長方形 32"/>
+          <p:cNvSpPr/>
+          <p:nvPr/>
+        </p:nvSpPr>
+        <p:spPr>
+          <a:xfrm>
+            <a:off x="2088556" y="5712839"/>
+            <a:ext cx="2286000" cy="1019908"/>
+          </a:xfrm>
+          <a:prstGeom prst="rect">
+            <a:avLst/>
+          </a:prstGeom>
+        </p:spPr>
+        <p:style>
+          <a:lnRef idx="1">
+            <a:schemeClr val="dk1"/>
+          </a:lnRef>
+          <a:fillRef idx="2">
+            <a:schemeClr val="dk1"/>
+          </a:fillRef>
+          <a:effectRef idx="1">
+            <a:schemeClr val="dk1"/>
+          </a:effectRef>
+          <a:fontRef idx="minor">
+            <a:schemeClr val="dk1"/>
+          </a:fontRef>
+        </p:style>
+        <p:txBody>
+          <a:bodyPr rtlCol="0" anchor="ctr"/>
+          <a:lstStyle/>
+          <a:p>
+            <a:pPr algn="ctr"/>
+            <a:r>
+              <a:rPr lang="ja-JP" altLang="en-US" sz="2400" b="1" dirty="0">
+                <a:ln>
+                  <a:solidFill>
+                    <a:schemeClr val="bg1"/>
+                  </a:solidFill>
+                </a:ln>
+                <a:solidFill>
+                  <a:schemeClr val="bg1"/>
+                </a:solidFill>
+              </a:rPr>
+              <a:t>車の</a:t>
+            </a:r>
+            <a:r>
+              <a:rPr lang="ja-JP" altLang="en-US" sz="2400" b="1" dirty="0" smtClean="0">
+                <a:ln>
+                  <a:solidFill>
+                    <a:schemeClr val="bg1"/>
+                  </a:solidFill>
+                </a:ln>
+                <a:solidFill>
+                  <a:schemeClr val="bg1"/>
+                </a:solidFill>
+              </a:rPr>
+              <a:t>モデル</a:t>
+            </a:r>
+            <a:r>
+              <a:rPr lang="en-US" altLang="ja-JP" sz="2400" b="1" dirty="0" smtClean="0">
+                <a:ln>
+                  <a:solidFill>
+                    <a:schemeClr val="bg1"/>
+                  </a:solidFill>
+                </a:ln>
+                <a:solidFill>
+                  <a:srgbClr val="00B050"/>
+                </a:solidFill>
+              </a:rPr>
+              <a:t>3P</a:t>
+            </a:r>
+            <a:endParaRPr lang="ja-JP" altLang="en-US" sz="2400" b="1" dirty="0">
+              <a:ln>
+                <a:solidFill>
+                  <a:schemeClr val="bg1"/>
+                </a:solidFill>
+              </a:ln>
+              <a:solidFill>
+                <a:srgbClr val="00B050"/>
+              </a:solidFill>
+            </a:endParaRPr>
+          </a:p>
+        </p:txBody>
+      </p:sp>
+      <p:sp>
+        <p:nvSpPr>
+          <p:cNvPr id="34" name="正方形/長方形 33"/>
+          <p:cNvSpPr/>
+          <p:nvPr/>
+        </p:nvSpPr>
+        <p:spPr>
+          <a:xfrm>
+            <a:off x="12192000" y="4615812"/>
+            <a:ext cx="2286000" cy="1019908"/>
+          </a:xfrm>
+          <a:prstGeom prst="rect">
+            <a:avLst/>
+          </a:prstGeom>
+        </p:spPr>
+        <p:style>
+          <a:lnRef idx="1">
+            <a:schemeClr val="dk1"/>
+          </a:lnRef>
+          <a:fillRef idx="2">
+            <a:schemeClr val="dk1"/>
+          </a:fillRef>
+          <a:effectRef idx="1">
+            <a:schemeClr val="dk1"/>
+          </a:effectRef>
+          <a:fontRef idx="minor">
+            <a:schemeClr val="dk1"/>
+          </a:fontRef>
+        </p:style>
+        <p:txBody>
+          <a:bodyPr rtlCol="0" anchor="ctr"/>
+          <a:lstStyle/>
+          <a:p>
+            <a:pPr algn="ctr"/>
+            <a:r>
+              <a:rPr lang="ja-JP" altLang="en-US" sz="2400" b="1" dirty="0">
+                <a:ln>
+                  <a:solidFill>
+                    <a:schemeClr val="bg1"/>
+                  </a:solidFill>
+                </a:ln>
+                <a:solidFill>
+                  <a:schemeClr val="bg1"/>
+                </a:solidFill>
+              </a:rPr>
+              <a:t>車の</a:t>
+            </a:r>
+            <a:r>
+              <a:rPr lang="ja-JP" altLang="en-US" sz="2400" b="1" dirty="0" smtClean="0">
+                <a:ln>
+                  <a:solidFill>
+                    <a:schemeClr val="bg1"/>
+                  </a:solidFill>
+                </a:ln>
+                <a:solidFill>
+                  <a:schemeClr val="bg1"/>
+                </a:solidFill>
+              </a:rPr>
+              <a:t>モデル</a:t>
+            </a:r>
+            <a:r>
+              <a:rPr lang="en-US" altLang="ja-JP" sz="2400" b="1" dirty="0" smtClean="0">
+                <a:ln>
+                  <a:solidFill>
+                    <a:schemeClr val="bg1"/>
+                  </a:solidFill>
+                </a:ln>
+                <a:solidFill>
+                  <a:srgbClr val="FFFF00"/>
+                </a:solidFill>
+              </a:rPr>
+              <a:t>4P</a:t>
+            </a:r>
+            <a:endParaRPr lang="ja-JP" altLang="en-US" sz="2400" b="1" dirty="0">
+              <a:ln>
+                <a:solidFill>
+                  <a:schemeClr val="bg1"/>
+                </a:solidFill>
+              </a:ln>
+              <a:solidFill>
+                <a:srgbClr val="FFFF00"/>
+              </a:solidFill>
+            </a:endParaRPr>
+          </a:p>
+        </p:txBody>
+      </p:sp>
+      <p:pic>
+        <p:nvPicPr>
+          <p:cNvPr id="8" name="図 7"/>
+          <p:cNvPicPr>
+            <a:picLocks noChangeAspect="1"/>
+          </p:cNvPicPr>
+          <p:nvPr/>
+        </p:nvPicPr>
+        <p:blipFill>
+          <a:blip r:embed="rId2" cstate="print">
+            <a:extLst>
+              <a:ext uri="{28A0092B-C50C-407E-A947-70E740481C1C}">
+                <a14:useLocalDpi xmlns:a14="http://schemas.microsoft.com/office/drawing/2010/main" val="0"/>
+              </a:ext>
+            </a:extLst>
+          </a:blip>
+          <a:stretch>
+            <a:fillRect/>
+          </a:stretch>
+        </p:blipFill>
+        <p:spPr>
+          <a:xfrm>
+            <a:off x="-929578" y="4984455"/>
+            <a:ext cx="875790" cy="794779"/>
+          </a:xfrm>
+          <a:prstGeom prst="rect">
+            <a:avLst/>
+          </a:prstGeom>
+        </p:spPr>
+      </p:pic>
+    </p:spTree>
+    <p:extLst>
+      <p:ext uri="{BB962C8B-B14F-4D97-AF65-F5344CB8AC3E}">
+        <p14:creationId xmlns:p14="http://schemas.microsoft.com/office/powerpoint/2010/main" val="1089464222"/>
+      </p:ext>
+    </p:extLst>
+  </p:cSld>
+  <p:clrMapOvr>
+    <a:masterClrMapping/>
+  </p:clrMapOvr>
+  <p:timing>
+    <p:tnLst>
+      <p:par>
+        <p:cTn id="1" dur="indefinite" restart="never" nodeType="tmRoot">
+          <p:childTnLst>
+            <p:seq concurrent="1" nextAc="seek">
+              <p:cTn id="2" dur="indefinite" nodeType="mainSeq">
+                <p:childTnLst>
+                  <p:par>
+                    <p:cTn id="3" fill="hold">
+                      <p:stCondLst>
+                        <p:cond delay="indefinite"/>
+                      </p:stCondLst>
+                      <p:childTnLst>
+                        <p:par>
+                          <p:cTn id="4" fill="hold">
+                            <p:stCondLst>
+                              <p:cond delay="0"/>
+                            </p:stCondLst>
+                            <p:childTnLst>
+                              <p:par>
+                                <p:cTn id="5" presetID="2" presetClass="entr" presetSubtype="8" fill="hold" grpId="0" nodeType="clickEffect">
+                                  <p:stCondLst>
+                                    <p:cond delay="0"/>
+                                  </p:stCondLst>
+                                  <p:childTnLst>
+                                    <p:set>
+                                      <p:cBhvr>
+                                        <p:cTn id="6" dur="1" fill="hold">
+                                          <p:stCondLst>
+                                            <p:cond delay="0"/>
+                                          </p:stCondLst>
+                                        </p:cTn>
+                                        <p:tgtEl>
+                                          <p:spTgt spid="31"/>
+                                        </p:tgtEl>
+                                        <p:attrNameLst>
+                                          <p:attrName>style.visibility</p:attrName>
+                                        </p:attrNameLst>
+                                      </p:cBhvr>
+                                      <p:to>
+                                        <p:strVal val="visible"/>
+                                      </p:to>
+                                    </p:set>
+                                    <p:anim calcmode="lin" valueType="num">
+                                      <p:cBhvr additive="base">
+                                        <p:cTn id="7" dur="16000" fill="hold"/>
+                                        <p:tgtEl>
+                                          <p:spTgt spid="31"/>
+                                        </p:tgtEl>
+                                        <p:attrNameLst>
+                                          <p:attrName>ppt_x</p:attrName>
+                                        </p:attrNameLst>
+                                      </p:cBhvr>
+                                      <p:tavLst>
+                                        <p:tav tm="0">
+                                          <p:val>
+                                            <p:strVal val="0-#ppt_w/2"/>
+                                          </p:val>
+                                        </p:tav>
+                                        <p:tav tm="100000">
+                                          <p:val>
+                                            <p:strVal val="#ppt_x"/>
+                                          </p:val>
+                                        </p:tav>
+                                      </p:tavLst>
+                                    </p:anim>
+                                    <p:anim calcmode="lin" valueType="num">
+                                      <p:cBhvr additive="base">
+                                        <p:cTn id="8" dur="16000" fill="hold"/>
+                                        <p:tgtEl>
+                                          <p:spTgt spid="31"/>
+                                        </p:tgtEl>
+                                        <p:attrNameLst>
+                                          <p:attrName>ppt_y</p:attrName>
+                                        </p:attrNameLst>
+                                      </p:cBhvr>
+                                      <p:tavLst>
+                                        <p:tav tm="0">
+                                          <p:val>
+                                            <p:strVal val="#ppt_y"/>
+                                          </p:val>
+                                        </p:tav>
+                                        <p:tav tm="100000">
+                                          <p:val>
+                                            <p:strVal val="#ppt_y"/>
+                                          </p:val>
+                                        </p:tav>
+                                      </p:tavLst>
+                                    </p:anim>
+                                  </p:childTnLst>
+                                </p:cTn>
+                              </p:par>
+                              <p:par>
+                                <p:cTn id="9" presetID="2" presetClass="entr" presetSubtype="8" fill="hold" grpId="0" nodeType="withEffect">
+                                  <p:stCondLst>
+                                    <p:cond delay="3500"/>
+                                  </p:stCondLst>
+                                  <p:childTnLst>
+                                    <p:set>
+                                      <p:cBhvr>
+                                        <p:cTn id="10" dur="1" fill="hold">
+                                          <p:stCondLst>
+                                            <p:cond delay="0"/>
+                                          </p:stCondLst>
+                                        </p:cTn>
+                                        <p:tgtEl>
+                                          <p:spTgt spid="32"/>
+                                        </p:tgtEl>
+                                        <p:attrNameLst>
+                                          <p:attrName>style.visibility</p:attrName>
+                                        </p:attrNameLst>
+                                      </p:cBhvr>
+                                      <p:to>
+                                        <p:strVal val="visible"/>
+                                      </p:to>
+                                    </p:set>
+                                    <p:anim calcmode="lin" valueType="num">
+                                      <p:cBhvr additive="base">
+                                        <p:cTn id="11" dur="16000" fill="hold"/>
+                                        <p:tgtEl>
+                                          <p:spTgt spid="32"/>
+                                        </p:tgtEl>
+                                        <p:attrNameLst>
+                                          <p:attrName>ppt_x</p:attrName>
+                                        </p:attrNameLst>
+                                      </p:cBhvr>
+                                      <p:tavLst>
+                                        <p:tav tm="0">
+                                          <p:val>
+                                            <p:strVal val="0-#ppt_w/2"/>
+                                          </p:val>
+                                        </p:tav>
+                                        <p:tav tm="100000">
+                                          <p:val>
+                                            <p:strVal val="#ppt_x"/>
+                                          </p:val>
+                                        </p:tav>
+                                      </p:tavLst>
+                                    </p:anim>
+                                    <p:anim calcmode="lin" valueType="num">
+                                      <p:cBhvr additive="base">
+                                        <p:cTn id="12" dur="16000" fill="hold"/>
+                                        <p:tgtEl>
+                                          <p:spTgt spid="32"/>
+                                        </p:tgtEl>
+                                        <p:attrNameLst>
+                                          <p:attrName>ppt_y</p:attrName>
+                                        </p:attrNameLst>
+                                      </p:cBhvr>
+                                      <p:tavLst>
+                                        <p:tav tm="0">
+                                          <p:val>
+                                            <p:strVal val="#ppt_y"/>
+                                          </p:val>
+                                        </p:tav>
+                                        <p:tav tm="100000">
+                                          <p:val>
+                                            <p:strVal val="#ppt_y"/>
+                                          </p:val>
+                                        </p:tav>
+                                      </p:tavLst>
+                                    </p:anim>
+                                  </p:childTnLst>
+                                </p:cTn>
+                              </p:par>
+                              <p:par>
+                                <p:cTn id="13" presetID="2" presetClass="entr" presetSubtype="8" fill="hold" grpId="0" nodeType="withEffect">
+                                  <p:stCondLst>
+                                    <p:cond delay="5300"/>
+                                  </p:stCondLst>
+                                  <p:childTnLst>
+                                    <p:set>
+                                      <p:cBhvr>
+                                        <p:cTn id="14" dur="1" fill="hold">
+                                          <p:stCondLst>
+                                            <p:cond delay="0"/>
+                                          </p:stCondLst>
+                                        </p:cTn>
+                                        <p:tgtEl>
+                                          <p:spTgt spid="33"/>
+                                        </p:tgtEl>
+                                        <p:attrNameLst>
+                                          <p:attrName>style.visibility</p:attrName>
+                                        </p:attrNameLst>
+                                      </p:cBhvr>
+                                      <p:to>
+                                        <p:strVal val="visible"/>
+                                      </p:to>
+                                    </p:set>
+                                    <p:anim calcmode="lin" valueType="num">
+                                      <p:cBhvr additive="base">
+                                        <p:cTn id="15" dur="4700" fill="hold"/>
+                                        <p:tgtEl>
+                                          <p:spTgt spid="33"/>
+                                        </p:tgtEl>
+                                        <p:attrNameLst>
+                                          <p:attrName>ppt_x</p:attrName>
+                                        </p:attrNameLst>
+                                      </p:cBhvr>
+                                      <p:tavLst>
+                                        <p:tav tm="0">
+                                          <p:val>
+                                            <p:strVal val="0-#ppt_w/2"/>
+                                          </p:val>
+                                        </p:tav>
+                                        <p:tav tm="100000">
+                                          <p:val>
+                                            <p:strVal val="#ppt_x"/>
+                                          </p:val>
+                                        </p:tav>
+                                      </p:tavLst>
+                                    </p:anim>
+                                    <p:anim calcmode="lin" valueType="num">
+                                      <p:cBhvr additive="base">
+                                        <p:cTn id="16" dur="4700" fill="hold"/>
+                                        <p:tgtEl>
+                                          <p:spTgt spid="33"/>
+                                        </p:tgtEl>
+                                        <p:attrNameLst>
+                                          <p:attrName>ppt_y</p:attrName>
+                                        </p:attrNameLst>
+                                      </p:cBhvr>
+                                      <p:tavLst>
+                                        <p:tav tm="0">
+                                          <p:val>
+                                            <p:strVal val="#ppt_y"/>
+                                          </p:val>
+                                        </p:tav>
+                                        <p:tav tm="100000">
+                                          <p:val>
+                                            <p:strVal val="#ppt_y"/>
+                                          </p:val>
+                                        </p:tav>
+                                      </p:tavLst>
+                                    </p:anim>
+                                  </p:childTnLst>
+                                </p:cTn>
+                              </p:par>
+                              <p:par>
+                                <p:cTn id="17" presetID="2" presetClass="entr" presetSubtype="8" fill="hold" grpId="0" nodeType="withEffect">
+                                  <p:stCondLst>
+                                    <p:cond delay="8200"/>
+                                  </p:stCondLst>
+                                  <p:childTnLst>
+                                    <p:set>
+                                      <p:cBhvr>
+                                        <p:cTn id="18" dur="1" fill="hold">
+                                          <p:stCondLst>
+                                            <p:cond delay="0"/>
+                                          </p:stCondLst>
+                                        </p:cTn>
+                                        <p:tgtEl>
+                                          <p:spTgt spid="34"/>
+                                        </p:tgtEl>
+                                        <p:attrNameLst>
+                                          <p:attrName>style.visibility</p:attrName>
+                                        </p:attrNameLst>
+                                      </p:cBhvr>
+                                      <p:to>
+                                        <p:strVal val="visible"/>
+                                      </p:to>
+                                    </p:set>
+                                    <p:anim calcmode="lin" valueType="num">
+                                      <p:cBhvr additive="base">
+                                        <p:cTn id="19" dur="18500" fill="hold"/>
+                                        <p:tgtEl>
+                                          <p:spTgt spid="34"/>
+                                        </p:tgtEl>
+                                        <p:attrNameLst>
+                                          <p:attrName>ppt_x</p:attrName>
+                                        </p:attrNameLst>
+                                      </p:cBhvr>
+                                      <p:tavLst>
+                                        <p:tav tm="0">
+                                          <p:val>
+                                            <p:strVal val="0-#ppt_w/2"/>
+                                          </p:val>
+                                        </p:tav>
+                                        <p:tav tm="100000">
+                                          <p:val>
+                                            <p:strVal val="#ppt_x"/>
+                                          </p:val>
+                                        </p:tav>
+                                      </p:tavLst>
+                                    </p:anim>
+                                    <p:anim calcmode="lin" valueType="num">
+                                      <p:cBhvr additive="base">
+                                        <p:cTn id="20" dur="18500" fill="hold"/>
+                                        <p:tgtEl>
+                                          <p:spTgt spid="34"/>
+                                        </p:tgtEl>
+                                        <p:attrNameLst>
+                                          <p:attrName>ppt_y</p:attrName>
+                                        </p:attrNameLst>
+                                      </p:cBhvr>
+                                      <p:tavLst>
+                                        <p:tav tm="0">
+                                          <p:val>
+                                            <p:strVal val="#ppt_y"/>
+                                          </p:val>
+                                        </p:tav>
+                                        <p:tav tm="100000">
+                                          <p:val>
+                                            <p:strVal val="#ppt_y"/>
+                                          </p:val>
+                                        </p:tav>
+                                      </p:tavLst>
+                                    </p:anim>
+                                  </p:childTnLst>
+                                </p:cTn>
+                              </p:par>
+                              <p:par>
+                                <p:cTn id="21" presetID="8" presetClass="emph" presetSubtype="0" fill="hold" grpId="1" nodeType="withEffect">
+                                  <p:stCondLst>
+                                    <p:cond delay="10000"/>
+                                  </p:stCondLst>
+                                  <p:childTnLst>
+                                    <p:animRot by="21600000">
+                                      <p:cBhvr>
+                                        <p:cTn id="22" dur="4750" fill="hold"/>
+                                        <p:tgtEl>
+                                          <p:spTgt spid="33"/>
+                                        </p:tgtEl>
+                                        <p:attrNameLst>
+                                          <p:attrName>r</p:attrName>
+                                        </p:attrNameLst>
+                                      </p:cBhvr>
+                                    </p:animRot>
+                                  </p:childTnLst>
+                                </p:cTn>
+                              </p:par>
+                              <p:par>
+                                <p:cTn id="23" presetID="42" presetClass="path" presetSubtype="0" accel="50000" decel="50000" fill="hold" nodeType="withEffect">
+                                  <p:stCondLst>
+                                    <p:cond delay="9000"/>
+                                  </p:stCondLst>
+                                  <p:childTnLst>
+                                    <p:animMotion origin="layout" path="M 0.075 0.03218 L 0.26888 0.12894 " pathEditMode="relative" rAng="0" ptsTypes="AA">
+                                      <p:cBhvr>
+                                        <p:cTn id="24" dur="1600" fill="hold"/>
+                                        <p:tgtEl>
+                                          <p:spTgt spid="8"/>
+                                        </p:tgtEl>
+                                        <p:attrNameLst>
+                                          <p:attrName>ppt_x</p:attrName>
+                                          <p:attrName>ppt_y</p:attrName>
+                                        </p:attrNameLst>
+                                      </p:cBhvr>
+                                      <p:rCtr x="9687" y="4838"/>
+                                    </p:animMotion>
+                                  </p:childTnLst>
+                                </p:cTn>
+                              </p:par>
+                              <p:par>
+                                <p:cTn id="25" presetID="1" presetClass="exit" presetSubtype="0" fill="hold" nodeType="withEffect">
+                                  <p:stCondLst>
+                                    <p:cond delay="10000"/>
+                                  </p:stCondLst>
+                                  <p:childTnLst>
+                                    <p:set>
+                                      <p:cBhvr>
+                                        <p:cTn id="26" dur="1" fill="hold">
+                                          <p:stCondLst>
+                                            <p:cond delay="0"/>
+                                          </p:stCondLst>
+                                        </p:cTn>
+                                        <p:tgtEl>
+                                          <p:spTgt spid="8"/>
+                                        </p:tgtEl>
+                                        <p:attrNameLst>
+                                          <p:attrName>style.visibility</p:attrName>
+                                        </p:attrNameLst>
+                                      </p:cBhvr>
+                                      <p:to>
+                                        <p:strVal val="hidden"/>
+                                      </p:to>
+                                    </p:set>
+                                  </p:childTnLst>
+                                </p:cTn>
+                              </p:par>
+                              <p:par>
+                                <p:cTn id="27" presetID="2" presetClass="exit" presetSubtype="2" fill="hold" grpId="2" nodeType="withEffect">
+                                  <p:stCondLst>
+                                    <p:cond delay="15800"/>
+                                  </p:stCondLst>
+                                  <p:childTnLst>
+                                    <p:anim calcmode="lin" valueType="num">
+                                      <p:cBhvr additive="base">
+                                        <p:cTn id="28" dur="12200"/>
+                                        <p:tgtEl>
+                                          <p:spTgt spid="33"/>
+                                        </p:tgtEl>
+                                        <p:attrNameLst>
+                                          <p:attrName>ppt_x</p:attrName>
+                                        </p:attrNameLst>
+                                      </p:cBhvr>
+                                      <p:tavLst>
+                                        <p:tav tm="0">
+                                          <p:val>
+                                            <p:strVal val="ppt_x"/>
+                                          </p:val>
+                                        </p:tav>
+                                        <p:tav tm="100000">
+                                          <p:val>
+                                            <p:strVal val="1+ppt_w/2"/>
+                                          </p:val>
+                                        </p:tav>
+                                      </p:tavLst>
+                                    </p:anim>
+                                    <p:anim calcmode="lin" valueType="num">
+                                      <p:cBhvr additive="base">
+                                        <p:cTn id="29" dur="12200"/>
+                                        <p:tgtEl>
+                                          <p:spTgt spid="33"/>
+                                        </p:tgtEl>
+                                        <p:attrNameLst>
+                                          <p:attrName>ppt_y</p:attrName>
+                                        </p:attrNameLst>
+                                      </p:cBhvr>
+                                      <p:tavLst>
+                                        <p:tav tm="0">
+                                          <p:val>
+                                            <p:strVal val="ppt_y"/>
+                                          </p:val>
+                                        </p:tav>
+                                        <p:tav tm="100000">
+                                          <p:val>
+                                            <p:strVal val="ppt_y"/>
+                                          </p:val>
+                                        </p:tav>
+                                      </p:tavLst>
+                                    </p:anim>
+                                    <p:set>
+                                      <p:cBhvr>
+                                        <p:cTn id="30" dur="1" fill="hold">
+                                          <p:stCondLst>
+                                            <p:cond delay="12199"/>
+                                          </p:stCondLst>
+                                        </p:cTn>
+                                        <p:tgtEl>
+                                          <p:spTgt spid="33"/>
+                                        </p:tgtEl>
+                                        <p:attrNameLst>
+                                          <p:attrName>style.visibility</p:attrName>
+                                        </p:attrNameLst>
+                                      </p:cBhvr>
+                                      <p:to>
+                                        <p:strVal val="hidden"/>
+                                      </p:to>
+                                    </p:set>
+                                  </p:childTnLst>
+                                </p:cTn>
+                              </p:par>
+                            </p:childTnLst>
+                          </p:cTn>
+                        </p:par>
+                      </p:childTnLst>
+                    </p:cTn>
+                  </p:par>
+                </p:childTnLst>
+              </p:cTn>
+              <p:prevCondLst>
+                <p:cond evt="onPrev" delay="0">
+                  <p:tgtEl>
+                    <p:sldTgt/>
+                  </p:tgtEl>
+                </p:cond>
+              </p:prevCondLst>
+              <p:nextCondLst>
+                <p:cond evt="onNext" delay="0">
+                  <p:tgtEl>
+                    <p:sldTgt/>
+                  </p:tgtEl>
+                </p:cond>
+              </p:nextCondLst>
+            </p:seq>
+          </p:childTnLst>
+        </p:cTn>
+      </p:par>
+    </p:tnLst>
+    <p:bldLst>
+      <p:bldP spid="31" grpId="0" animBg="1"/>
+      <p:bldP spid="32" grpId="0" animBg="1"/>
+      <p:bldP spid="33" grpId="0" animBg="1"/>
+      <p:bldP spid="33" grpId="1" animBg="1"/>
+      <p:bldP spid="33" grpId="2" animBg="1"/>
+      <p:bldP spid="34" grpId="0" animBg="1"/>
+    </p:bldLst>
+  </p:timing>
+</p:sld>
+</file>
+
+<file path=ppt/slides/slide16.xml><?xml version="1.0" encoding="utf-8"?>
+<p:sld xmlns:a="http://schemas.openxmlformats.org/drawingml/2006/main" xmlns:r="http://schemas.openxmlformats.org/officeDocument/2006/relationships" xmlns:p="http://schemas.openxmlformats.org/presentationml/2006/main">
+  <p:cSld>
+    <p:spTree>
+      <p:nvGrpSpPr>
+        <p:cNvPr id="1" name=""/>
+        <p:cNvGrpSpPr/>
+        <p:nvPr/>
+      </p:nvGrpSpPr>
+      <p:grpSpPr>
+        <a:xfrm>
+          <a:off x="0" y="0"/>
+          <a:ext cx="0" cy="0"/>
+          <a:chOff x="0" y="0"/>
+          <a:chExt cx="0" cy="0"/>
+        </a:xfrm>
+      </p:grpSpPr>
+      <p:sp>
+        <p:nvSpPr>
+          <p:cNvPr id="2" name="テキスト ボックス 1"/>
+          <p:cNvSpPr txBox="1"/>
+          <p:nvPr/>
+        </p:nvSpPr>
+        <p:spPr>
+          <a:xfrm>
+            <a:off x="1872762" y="211016"/>
+            <a:ext cx="8176846" cy="1200329"/>
+          </a:xfrm>
+          <a:prstGeom prst="rect">
+            <a:avLst/>
+          </a:prstGeom>
+          <a:noFill/>
+        </p:spPr>
+        <p:txBody>
+          <a:bodyPr wrap="square" rtlCol="0">
+            <a:spAutoFit/>
+          </a:bodyPr>
+          <a:lstStyle/>
+          <a:p>
+            <a:pPr algn="ctr"/>
+            <a:r>
+              <a:rPr lang="ja-JP" altLang="en-US" sz="7200" b="1" dirty="0"/>
+              <a:t>参考動画</a:t>
+            </a:r>
+            <a:endParaRPr kumimoji="1" lang="ja-JP" altLang="en-US" sz="7200" b="1" dirty="0"/>
+          </a:p>
+        </p:txBody>
+      </p:sp>
+      <p:pic>
+        <p:nvPicPr>
+          <p:cNvPr id="5" name="4iV-7Cq-zhA"/>
+          <p:cNvPicPr>
+            <a:picLocks noRot="1" noChangeAspect="1"/>
+          </p:cNvPicPr>
+          <p:nvPr>
+            <a:videoFile r:link="rId1"/>
+          </p:nvPr>
+        </p:nvPicPr>
+        <p:blipFill>
+          <a:blip r:embed="rId3"/>
+          <a:stretch>
+            <a:fillRect/>
+          </a:stretch>
+        </p:blipFill>
+        <p:spPr>
+          <a:xfrm>
+            <a:off x="896815" y="1311153"/>
+            <a:ext cx="10647485" cy="5335832"/>
+          </a:xfrm>
+          <a:prstGeom prst="rect">
+            <a:avLst/>
+          </a:prstGeom>
+          <a:effectLst>
+            <a:outerShdw blurRad="63500" sx="102000" sy="102000" algn="ctr" rotWithShape="0">
+              <a:prstClr val="black">
+                <a:alpha val="40000"/>
+              </a:prstClr>
+            </a:outerShdw>
+          </a:effectLst>
+        </p:spPr>
+      </p:pic>
+    </p:spTree>
+    <p:extLst>
+      <p:ext uri="{BB962C8B-B14F-4D97-AF65-F5344CB8AC3E}">
+        <p14:creationId xmlns:p14="http://schemas.microsoft.com/office/powerpoint/2010/main" val="470074970"/>
+      </p:ext>
+    </p:extLst>
+  </p:cSld>
+  <p:clrMapOvr>
+    <a:masterClrMapping/>
+  </p:clrMapOvr>
+  <p:timing>
+    <p:tnLst>
+      <p:par>
+        <p:cTn id="1" dur="indefinite" restart="never" nodeType="tmRoot">
+          <p:childTnLst>
+            <p:seq concurrent="1" nextAc="seek">
+              <p:cTn id="2" restart="whenNotActive" fill="hold" evtFilter="cancelBubble" nodeType="interactiveSeq">
+                <p:stCondLst>
+                  <p:cond evt="onClick" delay="0">
+                    <p:tgtEl>
+                      <p:spTgt spid="5"/>
+                    </p:tgtEl>
+                  </p:cond>
+                </p:stCondLst>
+                <p:endSync evt="end" delay="0">
+                  <p:rtn val="all"/>
+                </p:endSync>
+                <p:childTnLst>
+                  <p:par>
+                    <p:cTn id="3" fill="hold">
+                      <p:stCondLst>
+                        <p:cond delay="0"/>
+                      </p:stCondLst>
+                      <p:childTnLst>
+                        <p:par>
+                          <p:cTn id="4" fill="hold">
+                            <p:stCondLst>
+                              <p:cond delay="0"/>
+                            </p:stCondLst>
+                            <p:childTnLst>
+                              <p:par>
+                                <p:cTn id="5" presetID="2" presetClass="mediacall" presetSubtype="0" fill="hold" nodeType="clickEffect">
+                                  <p:stCondLst>
+                                    <p:cond delay="0"/>
+                                  </p:stCondLst>
+                                  <p:childTnLst>
+                                    <p:cmd type="call" cmd="togglePause">
+                                      <p:cBhvr>
+                                        <p:cTn id="6" dur="1" fill="hold"/>
+                                        <p:tgtEl>
+                                          <p:spTgt spid="5"/>
+                                        </p:tgtEl>
+                                      </p:cBhvr>
+                                    </p:cmd>
+                                  </p:childTnLst>
+                                </p:cTn>
+                              </p:par>
+                            </p:childTnLst>
+                          </p:cTn>
+                        </p:par>
+                      </p:childTnLst>
+                    </p:cTn>
+                  </p:par>
+                </p:childTnLst>
+              </p:cTn>
+              <p:nextCondLst>
+                <p:cond evt="onClick" delay="0">
+                  <p:tgtEl>
+                    <p:spTgt spid="5"/>
+                  </p:tgtEl>
+                </p:cond>
+              </p:nextCondLst>
+            </p:seq>
+            <p:video>
+              <p:cMediaNode>
+                <p:cTn id="7" fill="remove" display="0">
+                  <p:stCondLst>
+                    <p:cond delay="indefinite"/>
+                  </p:stCondLst>
+                </p:cTn>
+                <p:tgtEl>
+                  <p:spTgt spid="5"/>
+                </p:tgtEl>
+              </p:cMediaNode>
+            </p:video>
+          </p:childTnLst>
+        </p:cTn>
+      </p:par>
+    </p:tnLst>
+  </p:timing>
+</p:sld>
+</file>
+
 <file path=ppt/slides/slide2.xml><?xml version="1.0" encoding="utf-8"?>
 <p:sld xmlns:a="http://schemas.openxmlformats.org/drawingml/2006/main" xmlns:r="http://schemas.openxmlformats.org/officeDocument/2006/relationships" xmlns:p="http://schemas.openxmlformats.org/presentationml/2006/main">
   <p:cSld>
@@ -3681,128 +8517,44 @@
       </p:grpSpPr>
       <p:sp>
         <p:nvSpPr>
-          <p:cNvPr id="6" name="正方形/長方形 5"/>
-          <p:cNvSpPr/>
-          <p:nvPr/>
+          <p:cNvPr id="2" name="タイトル 1"/>
+          <p:cNvSpPr>
+            <a:spLocks noGrp="1"/>
+          </p:cNvSpPr>
+          <p:nvPr>
+            <p:ph type="title"/>
+          </p:nvPr>
         </p:nvSpPr>
         <p:spPr>
           <a:xfrm>
-            <a:off x="2435469" y="808893"/>
-            <a:ext cx="7587762" cy="2154115"/>
+            <a:off x="908538" y="2519241"/>
+            <a:ext cx="10515600" cy="1325563"/>
           </a:xfrm>
-          <a:prstGeom prst="rect">
-            <a:avLst/>
-          </a:prstGeom>
         </p:spPr>
-        <p:style>
-          <a:lnRef idx="2">
-            <a:schemeClr val="accent1">
-              <a:shade val="50000"/>
-            </a:schemeClr>
-          </a:lnRef>
-          <a:fillRef idx="1">
-            <a:schemeClr val="accent1"/>
-          </a:fillRef>
-          <a:effectRef idx="0">
-            <a:schemeClr val="accent1"/>
-          </a:effectRef>
-          <a:fontRef idx="minor">
-            <a:schemeClr val="lt1"/>
-          </a:fontRef>
-        </p:style>
-        <p:txBody>
-          <a:bodyPr rtlCol="0" anchor="ctr"/>
+        <p:txBody>
+          <a:bodyPr>
+            <a:normAutofit/>
+          </a:bodyPr>
           <a:lstStyle/>
           <a:p>
             <a:pPr algn="ctr"/>
-            <a:endParaRPr kumimoji="1" lang="ja-JP" altLang="en-US"/>
-          </a:p>
-        </p:txBody>
-      </p:sp>
-      <p:sp>
-        <p:nvSpPr>
-          <p:cNvPr id="7" name="正方形/長方形 6"/>
-          <p:cNvSpPr/>
-          <p:nvPr/>
-        </p:nvSpPr>
-        <p:spPr>
-          <a:xfrm>
-            <a:off x="2242039" y="4838700"/>
-            <a:ext cx="2286000" cy="1019908"/>
-          </a:xfrm>
-          <a:prstGeom prst="rect">
-            <a:avLst/>
-          </a:prstGeom>
-        </p:spPr>
-        <p:style>
-          <a:lnRef idx="1">
-            <a:schemeClr val="dk1"/>
-          </a:lnRef>
-          <a:fillRef idx="2">
-            <a:schemeClr val="dk1"/>
-          </a:fillRef>
-          <a:effectRef idx="1">
-            <a:schemeClr val="dk1"/>
-          </a:effectRef>
-          <a:fontRef idx="minor">
-            <a:schemeClr val="dk1"/>
-          </a:fontRef>
-        </p:style>
-        <p:txBody>
-          <a:bodyPr rtlCol="0" anchor="ctr"/>
-          <a:lstStyle/>
-          <a:p>
-            <a:pPr algn="ctr"/>
-            <a:endParaRPr kumimoji="1" lang="ja-JP" altLang="en-US"/>
-          </a:p>
-        </p:txBody>
-      </p:sp>
-      <p:sp>
-        <p:nvSpPr>
-          <p:cNvPr id="3" name="U ターン矢印 2"/>
-          <p:cNvSpPr/>
-          <p:nvPr/>
-        </p:nvSpPr>
-        <p:spPr>
-          <a:xfrm rot="5400000" flipH="1">
-            <a:off x="6684351" y="881426"/>
-            <a:ext cx="2171699" cy="7196507"/>
-          </a:xfrm>
-          <a:prstGeom prst="uturnArrow">
-            <a:avLst>
-              <a:gd name="adj1" fmla="val 17712"/>
-              <a:gd name="adj2" fmla="val 22166"/>
-              <a:gd name="adj3" fmla="val 69939"/>
-              <a:gd name="adj4" fmla="val 43750"/>
-              <a:gd name="adj5" fmla="val 88439"/>
-            </a:avLst>
-          </a:prstGeom>
-        </p:spPr>
-        <p:style>
-          <a:lnRef idx="2">
-            <a:schemeClr val="accent1">
-              <a:shade val="50000"/>
-            </a:schemeClr>
-          </a:lnRef>
-          <a:fillRef idx="1">
-            <a:schemeClr val="accent1"/>
-          </a:fillRef>
-          <a:effectRef idx="0">
-            <a:schemeClr val="accent1"/>
-          </a:effectRef>
-          <a:fontRef idx="minor">
-            <a:schemeClr val="lt1"/>
-          </a:fontRef>
-        </p:style>
-        <p:txBody>
-          <a:bodyPr rtlCol="0" anchor="ctr"/>
-          <a:lstStyle/>
-          <a:p>
-            <a:pPr algn="ctr"/>
-            <a:endParaRPr kumimoji="1" lang="ja-JP" altLang="en-US">
-              <a:solidFill>
-                <a:schemeClr val="tx1"/>
-              </a:solidFill>
+            <a:r>
+              <a:rPr kumimoji="1" lang="ja-JP" altLang="en-US" sz="7200" b="1" dirty="0" smtClean="0">
+                <a:latin typeface="BIZ UDP明朝 Medium" panose="02020500000000000000" pitchFamily="18" charset="-128"/>
+                <a:ea typeface="BIZ UDP明朝 Medium" panose="02020500000000000000" pitchFamily="18" charset="-128"/>
+              </a:rPr>
+              <a:t>タイトル画面の</a:t>
+            </a:r>
+            <a:r>
+              <a:rPr kumimoji="1" lang="ja-JP" altLang="en-US" sz="7200" b="1" dirty="0" smtClean="0">
+                <a:latin typeface="BIZ UDP明朝 Medium" panose="02020500000000000000" pitchFamily="18" charset="-128"/>
+                <a:ea typeface="BIZ UDP明朝 Medium" panose="02020500000000000000" pitchFamily="18" charset="-128"/>
+              </a:rPr>
+              <a:t>案１</a:t>
+            </a:r>
+            <a:endParaRPr kumimoji="1" lang="ja-JP" altLang="en-US" sz="7200" b="1" dirty="0">
+              <a:latin typeface="BIZ UDP明朝 Medium" panose="02020500000000000000" pitchFamily="18" charset="-128"/>
+              <a:ea typeface="BIZ UDP明朝 Medium" panose="02020500000000000000" pitchFamily="18" charset="-128"/>
             </a:endParaRPr>
           </a:p>
         </p:txBody>
@@ -3810,7 +8562,7 @@
     </p:spTree>
     <p:extLst>
       <p:ext uri="{BB962C8B-B14F-4D97-AF65-F5344CB8AC3E}">
-        <p14:creationId xmlns:p14="http://schemas.microsoft.com/office/powerpoint/2010/main" val="2431136756"/>
+        <p14:creationId xmlns:p14="http://schemas.microsoft.com/office/powerpoint/2010/main" val="2517827214"/>
       </p:ext>
     </p:extLst>
   </p:cSld>
@@ -3846,46 +8598,6 @@
       </p:grpSpPr>
       <p:sp>
         <p:nvSpPr>
-          <p:cNvPr id="4" name="楕円 3"/>
-          <p:cNvSpPr/>
-          <p:nvPr/>
-        </p:nvSpPr>
-        <p:spPr>
-          <a:xfrm>
-            <a:off x="1846384" y="4853353"/>
-            <a:ext cx="8765931" cy="5020408"/>
-          </a:xfrm>
-          <a:prstGeom prst="ellipse">
-            <a:avLst/>
-          </a:prstGeom>
-        </p:spPr>
-        <p:style>
-          <a:lnRef idx="2">
-            <a:schemeClr val="accent1">
-              <a:shade val="50000"/>
-            </a:schemeClr>
-          </a:lnRef>
-          <a:fillRef idx="1">
-            <a:schemeClr val="accent1"/>
-          </a:fillRef>
-          <a:effectRef idx="0">
-            <a:schemeClr val="accent1"/>
-          </a:effectRef>
-          <a:fontRef idx="minor">
-            <a:schemeClr val="lt1"/>
-          </a:fontRef>
-        </p:style>
-        <p:txBody>
-          <a:bodyPr rtlCol="0" anchor="ctr"/>
-          <a:lstStyle/>
-          <a:p>
-            <a:pPr algn="ctr"/>
-            <a:endParaRPr kumimoji="1" lang="ja-JP" altLang="en-US"/>
-          </a:p>
-        </p:txBody>
-      </p:sp>
-      <p:sp>
-        <p:nvSpPr>
           <p:cNvPr id="6" name="正方形/長方形 5"/>
           <p:cNvSpPr/>
           <p:nvPr/>
@@ -3932,7 +8644,7 @@
         </p:nvSpPr>
         <p:spPr>
           <a:xfrm>
-            <a:off x="5086350" y="4117731"/>
+            <a:off x="2031024" y="4900246"/>
             <a:ext cx="2286000" cy="1019908"/>
           </a:xfrm>
           <a:prstGeom prst="rect">
@@ -3958,14 +8670,157 @@
           <a:lstStyle/>
           <a:p>
             <a:pPr algn="ctr"/>
-            <a:endParaRPr kumimoji="1" lang="ja-JP" altLang="en-US"/>
+            <a:r>
+              <a:rPr lang="ja-JP" altLang="en-US" sz="2800" b="1" dirty="0">
+                <a:ln>
+                  <a:solidFill>
+                    <a:schemeClr val="bg1"/>
+                  </a:solidFill>
+                </a:ln>
+                <a:solidFill>
+                  <a:schemeClr val="bg1"/>
+                </a:solidFill>
+              </a:rPr>
+              <a:t>車の</a:t>
+            </a:r>
+            <a:r>
+              <a:rPr lang="ja-JP" altLang="en-US" sz="2800" b="1" dirty="0" smtClean="0">
+                <a:ln>
+                  <a:solidFill>
+                    <a:schemeClr val="bg1"/>
+                  </a:solidFill>
+                </a:ln>
+                <a:solidFill>
+                  <a:schemeClr val="bg1"/>
+                </a:solidFill>
+              </a:rPr>
+              <a:t>モデル</a:t>
+            </a:r>
+            <a:endParaRPr lang="ja-JP" altLang="en-US" sz="2800" b="1" dirty="0">
+              <a:ln>
+                <a:solidFill>
+                  <a:schemeClr val="bg1"/>
+                </a:solidFill>
+              </a:ln>
+              <a:solidFill>
+                <a:srgbClr val="FF0000"/>
+              </a:solidFill>
+            </a:endParaRPr>
+          </a:p>
+        </p:txBody>
+      </p:sp>
+      <p:sp>
+        <p:nvSpPr>
+          <p:cNvPr id="3" name="U ターン矢印 2"/>
+          <p:cNvSpPr/>
+          <p:nvPr/>
+        </p:nvSpPr>
+        <p:spPr>
+          <a:xfrm rot="5400000" flipH="1">
+            <a:off x="6684351" y="881426"/>
+            <a:ext cx="2171699" cy="7196507"/>
+          </a:xfrm>
+          <a:prstGeom prst="uturnArrow">
+            <a:avLst>
+              <a:gd name="adj1" fmla="val 17712"/>
+              <a:gd name="adj2" fmla="val 22166"/>
+              <a:gd name="adj3" fmla="val 69939"/>
+              <a:gd name="adj4" fmla="val 43750"/>
+              <a:gd name="adj5" fmla="val 88439"/>
+            </a:avLst>
+          </a:prstGeom>
+        </p:spPr>
+        <p:style>
+          <a:lnRef idx="2">
+            <a:schemeClr val="accent1">
+              <a:shade val="50000"/>
+            </a:schemeClr>
+          </a:lnRef>
+          <a:fillRef idx="1">
+            <a:schemeClr val="accent1"/>
+          </a:fillRef>
+          <a:effectRef idx="0">
+            <a:schemeClr val="accent1"/>
+          </a:effectRef>
+          <a:fontRef idx="minor">
+            <a:schemeClr val="lt1"/>
+          </a:fontRef>
+        </p:style>
+        <p:txBody>
+          <a:bodyPr rtlCol="0" anchor="ctr"/>
+          <a:lstStyle/>
+          <a:p>
+            <a:pPr algn="ctr"/>
+            <a:endParaRPr kumimoji="1" lang="ja-JP" altLang="en-US">
+              <a:solidFill>
+                <a:schemeClr val="tx1"/>
+              </a:solidFill>
+            </a:endParaRPr>
+          </a:p>
+        </p:txBody>
+      </p:sp>
+      <p:sp>
+        <p:nvSpPr>
+          <p:cNvPr id="5" name="正方形/長方形 4"/>
+          <p:cNvSpPr/>
+          <p:nvPr/>
+        </p:nvSpPr>
+        <p:spPr>
+          <a:xfrm>
+            <a:off x="3086100" y="1222131"/>
+            <a:ext cx="6057900" cy="1380392"/>
+          </a:xfrm>
+          <a:prstGeom prst="rect">
+            <a:avLst/>
+          </a:prstGeom>
+        </p:spPr>
+        <p:style>
+          <a:lnRef idx="2">
+            <a:schemeClr val="dk1"/>
+          </a:lnRef>
+          <a:fillRef idx="1">
+            <a:schemeClr val="lt1"/>
+          </a:fillRef>
+          <a:effectRef idx="0">
+            <a:schemeClr val="dk1"/>
+          </a:effectRef>
+          <a:fontRef idx="minor">
+            <a:schemeClr val="dk1"/>
+          </a:fontRef>
+        </p:style>
+        <p:txBody>
+          <a:bodyPr rtlCol="0" anchor="ctr"/>
+          <a:lstStyle/>
+          <a:p>
+            <a:pPr algn="ctr"/>
+            <a:r>
+              <a:rPr kumimoji="1" lang="ja-JP" altLang="en-US" sz="7200" b="1" dirty="0" smtClean="0">
+                <a:effectLst>
+                  <a:outerShdw blurRad="38100" dist="38100" dir="2700000" algn="tl">
+                    <a:srgbClr val="000000">
+                      <a:alpha val="43137"/>
+                    </a:srgbClr>
+                  </a:outerShdw>
+                </a:effectLst>
+              </a:rPr>
+              <a:t>タイトル</a:t>
+            </a:r>
+            <a:endParaRPr kumimoji="1" lang="ja-JP" altLang="en-US" sz="7200" b="1" dirty="0">
+              <a:effectLst>
+                <a:outerShdw blurRad="38100" dist="38100" dir="2700000" algn="tl">
+                  <a:srgbClr val="000000">
+                    <a:alpha val="43137"/>
+                  </a:srgbClr>
+                </a:outerShdw>
+              </a:effectLst>
+            </a:endParaRPr>
           </a:p>
         </p:txBody>
       </p:sp>
     </p:spTree>
     <p:extLst>
       <p:ext uri="{BB962C8B-B14F-4D97-AF65-F5344CB8AC3E}">
-        <p14:creationId xmlns:p14="http://schemas.microsoft.com/office/powerpoint/2010/main" val="3650483068"/>
+        <p14:creationId xmlns:p14="http://schemas.microsoft.com/office/powerpoint/2010/main" val="2431136756"/>
       </p:ext>
     </p:extLst>
   </p:cSld>
@@ -3975,9 +8830,75 @@
   <p:timing>
     <p:tnLst>
       <p:par>
-        <p:cTn id="1" dur="indefinite" restart="never" nodeType="tmRoot"/>
+        <p:cTn id="1" dur="indefinite" restart="never" nodeType="tmRoot">
+          <p:childTnLst>
+            <p:seq concurrent="1" nextAc="seek">
+              <p:cTn id="2" dur="indefinite" nodeType="mainSeq">
+                <p:childTnLst>
+                  <p:par>
+                    <p:cTn id="3" fill="hold">
+                      <p:stCondLst>
+                        <p:cond delay="indefinite"/>
+                      </p:stCondLst>
+                      <p:childTnLst>
+                        <p:par>
+                          <p:cTn id="4" fill="hold">
+                            <p:stCondLst>
+                              <p:cond delay="0"/>
+                            </p:stCondLst>
+                            <p:childTnLst>
+                              <p:par>
+                                <p:cTn id="5" presetID="58" presetClass="path" presetSubtype="0" accel="50000" decel="50000" fill="hold" grpId="0" nodeType="clickEffect">
+                                  <p:stCondLst>
+                                    <p:cond delay="0"/>
+                                  </p:stCondLst>
+                                  <p:childTnLst>
+                                    <p:animMotion origin="layout" path="M 3.54167E-6 -0.00046 C 0.15534 -0.02292 0.38932 0.02755 0.54479 0.00509 C 0.65078 -0.0088 0.63307 -0.08935 0.63294 -0.12454 C 0.63255 -0.15949 0.62916 -0.21482 0.52343 -0.2287 C 0.3677 -0.21343 0.15534 -0.22755 3.54167E-6 -0.24908 " pathEditMode="relative" rAng="0" ptsTypes="AAAAA">
+                                      <p:cBhvr>
+                                        <p:cTn id="6" dur="2000" fill="hold"/>
+                                        <p:tgtEl>
+                                          <p:spTgt spid="7"/>
+                                        </p:tgtEl>
+                                        <p:attrNameLst>
+                                          <p:attrName>ppt_x</p:attrName>
+                                          <p:attrName>ppt_y</p:attrName>
+                                        </p:attrNameLst>
+                                      </p:cBhvr>
+                                      <p:rCtr x="31706" y="-11875"/>
+                                    </p:animMotion>
+                                  </p:childTnLst>
+                                </p:cTn>
+                              </p:par>
+                            </p:childTnLst>
+                          </p:cTn>
+                        </p:par>
+                      </p:childTnLst>
+                    </p:cTn>
+                  </p:par>
+                </p:childTnLst>
+              </p:cTn>
+              <p:prevCondLst>
+                <p:cond evt="onPrev" delay="0">
+                  <p:tgtEl>
+                    <p:sldTgt/>
+                  </p:tgtEl>
+                </p:cond>
+              </p:prevCondLst>
+              <p:nextCondLst>
+                <p:cond evt="onNext" delay="0">
+                  <p:tgtEl>
+                    <p:sldTgt/>
+                  </p:tgtEl>
+                </p:cond>
+              </p:nextCondLst>
+            </p:seq>
+          </p:childTnLst>
+        </p:cTn>
       </p:par>
     </p:tnLst>
+    <p:bldLst>
+      <p:bldP spid="7" grpId="0" animBg="1"/>
+    </p:bldLst>
   </p:timing>
 </p:sld>
 </file>
@@ -4001,270 +8922,52 @@
       </p:grpSpPr>
       <p:sp>
         <p:nvSpPr>
-          <p:cNvPr id="5" name="正方形/長方形 4"/>
-          <p:cNvSpPr/>
-          <p:nvPr/>
+          <p:cNvPr id="2" name="タイトル 1"/>
+          <p:cNvSpPr>
+            <a:spLocks noGrp="1"/>
+          </p:cNvSpPr>
+          <p:nvPr>
+            <p:ph type="title"/>
+          </p:nvPr>
         </p:nvSpPr>
         <p:spPr>
           <a:xfrm>
-            <a:off x="624254" y="3516924"/>
-            <a:ext cx="2286000" cy="1019908"/>
+            <a:off x="908538" y="2519241"/>
+            <a:ext cx="10515600" cy="1325563"/>
           </a:xfrm>
-          <a:prstGeom prst="rect">
-            <a:avLst/>
-          </a:prstGeom>
         </p:spPr>
-        <p:style>
-          <a:lnRef idx="1">
-            <a:schemeClr val="dk1"/>
-          </a:lnRef>
-          <a:fillRef idx="2">
-            <a:schemeClr val="dk1"/>
-          </a:fillRef>
-          <a:effectRef idx="1">
-            <a:schemeClr val="dk1"/>
-          </a:effectRef>
-          <a:fontRef idx="minor">
-            <a:schemeClr val="dk1"/>
-          </a:fontRef>
-        </p:style>
-        <p:txBody>
-          <a:bodyPr rtlCol="0" anchor="ctr"/>
+        <p:txBody>
+          <a:bodyPr>
+            <a:normAutofit/>
+          </a:bodyPr>
           <a:lstStyle/>
           <a:p>
             <a:pPr algn="ctr"/>
-            <a:endParaRPr kumimoji="1" lang="ja-JP" altLang="en-US"/>
-          </a:p>
-        </p:txBody>
-      </p:sp>
-      <p:sp>
-        <p:nvSpPr>
-          <p:cNvPr id="6" name="正方形/長方形 5"/>
-          <p:cNvSpPr/>
-          <p:nvPr/>
-        </p:nvSpPr>
-        <p:spPr>
-          <a:xfrm>
-            <a:off x="2435469" y="808893"/>
-            <a:ext cx="7587762" cy="2154115"/>
-          </a:xfrm>
-          <a:prstGeom prst="rect">
-            <a:avLst/>
-          </a:prstGeom>
-        </p:spPr>
-        <p:style>
-          <a:lnRef idx="2">
-            <a:schemeClr val="accent1">
-              <a:shade val="50000"/>
-            </a:schemeClr>
-          </a:lnRef>
-          <a:fillRef idx="1">
-            <a:schemeClr val="accent1"/>
-          </a:fillRef>
-          <a:effectRef idx="0">
-            <a:schemeClr val="accent1"/>
-          </a:effectRef>
-          <a:fontRef idx="minor">
-            <a:schemeClr val="lt1"/>
-          </a:fontRef>
-        </p:style>
-        <p:txBody>
-          <a:bodyPr rtlCol="0" anchor="ctr"/>
-          <a:lstStyle/>
-          <a:p>
-            <a:pPr algn="ctr"/>
-            <a:endParaRPr kumimoji="1" lang="ja-JP" altLang="en-US"/>
-          </a:p>
-        </p:txBody>
-      </p:sp>
-      <p:sp>
-        <p:nvSpPr>
-          <p:cNvPr id="7" name="正方形/長方形 6"/>
-          <p:cNvSpPr/>
-          <p:nvPr/>
-        </p:nvSpPr>
-        <p:spPr>
-          <a:xfrm>
-            <a:off x="9261231" y="5319349"/>
-            <a:ext cx="2286000" cy="1019908"/>
-          </a:xfrm>
-          <a:prstGeom prst="rect">
-            <a:avLst/>
-          </a:prstGeom>
-        </p:spPr>
-        <p:style>
-          <a:lnRef idx="1">
-            <a:schemeClr val="dk1"/>
-          </a:lnRef>
-          <a:fillRef idx="2">
-            <a:schemeClr val="dk1"/>
-          </a:fillRef>
-          <a:effectRef idx="1">
-            <a:schemeClr val="dk1"/>
-          </a:effectRef>
-          <a:fontRef idx="minor">
-            <a:schemeClr val="dk1"/>
-          </a:fontRef>
-        </p:style>
-        <p:txBody>
-          <a:bodyPr rtlCol="0" anchor="ctr"/>
-          <a:lstStyle/>
-          <a:p>
-            <a:pPr algn="ctr"/>
-            <a:endParaRPr kumimoji="1" lang="ja-JP" altLang="en-US"/>
-          </a:p>
-        </p:txBody>
-      </p:sp>
-      <p:sp>
-        <p:nvSpPr>
-          <p:cNvPr id="2" name="右矢印 1"/>
-          <p:cNvSpPr/>
-          <p:nvPr/>
-        </p:nvSpPr>
-        <p:spPr>
-          <a:xfrm>
-            <a:off x="2356340" y="3402624"/>
-            <a:ext cx="3938954" cy="1248508"/>
-          </a:xfrm>
-          <a:prstGeom prst="rightArrow">
-            <a:avLst>
-              <a:gd name="adj1" fmla="val 50000"/>
-              <a:gd name="adj2" fmla="val 116901"/>
-            </a:avLst>
-          </a:prstGeom>
-        </p:spPr>
-        <p:style>
-          <a:lnRef idx="2">
-            <a:schemeClr val="accent1">
-              <a:shade val="50000"/>
-            </a:schemeClr>
-          </a:lnRef>
-          <a:fillRef idx="1">
-            <a:schemeClr val="accent1"/>
-          </a:fillRef>
-          <a:effectRef idx="0">
-            <a:schemeClr val="accent1"/>
-          </a:effectRef>
-          <a:fontRef idx="minor">
-            <a:schemeClr val="lt1"/>
-          </a:fontRef>
-        </p:style>
-        <p:txBody>
-          <a:bodyPr rtlCol="0" anchor="ctr"/>
-          <a:lstStyle/>
-          <a:p>
-            <a:pPr algn="ctr"/>
-            <a:endParaRPr kumimoji="1" lang="ja-JP" altLang="en-US"/>
-          </a:p>
-        </p:txBody>
-      </p:sp>
-      <p:sp>
-        <p:nvSpPr>
-          <p:cNvPr id="3" name="テキスト ボックス 2"/>
-          <p:cNvSpPr txBox="1"/>
-          <p:nvPr/>
-        </p:nvSpPr>
-        <p:spPr>
-          <a:xfrm>
-            <a:off x="2760783" y="4580766"/>
-            <a:ext cx="2356340" cy="369332"/>
-          </a:xfrm>
-          <a:prstGeom prst="rect">
-            <a:avLst/>
-          </a:prstGeom>
-          <a:noFill/>
-        </p:spPr>
-        <p:txBody>
-          <a:bodyPr wrap="square" rtlCol="0">
-            <a:spAutoFit/>
-          </a:bodyPr>
-          <a:lstStyle/>
-          <a:p>
-            <a:r>
-              <a:rPr kumimoji="1" lang="ja-JP" altLang="en-US" dirty="0" smtClean="0"/>
-              <a:t>決定したら画面外へ</a:t>
-            </a:r>
-            <a:endParaRPr kumimoji="1" lang="ja-JP" altLang="en-US" dirty="0"/>
-          </a:p>
-        </p:txBody>
-      </p:sp>
-      <p:sp>
-        <p:nvSpPr>
-          <p:cNvPr id="8" name="テキスト ボックス 7"/>
-          <p:cNvSpPr txBox="1"/>
-          <p:nvPr/>
-        </p:nvSpPr>
-        <p:spPr>
-          <a:xfrm>
-            <a:off x="7309336" y="6392096"/>
-            <a:ext cx="2356340" cy="369332"/>
-          </a:xfrm>
-          <a:prstGeom prst="rect">
-            <a:avLst/>
-          </a:prstGeom>
-          <a:noFill/>
-        </p:spPr>
-        <p:txBody>
-          <a:bodyPr wrap="square" rtlCol="0">
-            <a:spAutoFit/>
-          </a:bodyPr>
-          <a:lstStyle/>
-          <a:p>
-            <a:r>
-              <a:rPr kumimoji="1" lang="ja-JP" altLang="en-US" dirty="0" smtClean="0"/>
-              <a:t>決定したら画面外へ</a:t>
-            </a:r>
-            <a:endParaRPr kumimoji="1" lang="ja-JP" altLang="en-US" dirty="0"/>
-          </a:p>
-        </p:txBody>
-      </p:sp>
-      <p:sp>
-        <p:nvSpPr>
-          <p:cNvPr id="9" name="右矢印 8"/>
-          <p:cNvSpPr/>
-          <p:nvPr/>
-        </p:nvSpPr>
-        <p:spPr>
-          <a:xfrm rot="10800000">
-            <a:off x="5473213" y="5205049"/>
-            <a:ext cx="3938954" cy="1248508"/>
-          </a:xfrm>
-          <a:prstGeom prst="rightArrow">
-            <a:avLst>
-              <a:gd name="adj1" fmla="val 50000"/>
-              <a:gd name="adj2" fmla="val 116901"/>
-            </a:avLst>
-          </a:prstGeom>
-        </p:spPr>
-        <p:style>
-          <a:lnRef idx="2">
-            <a:schemeClr val="accent1">
-              <a:shade val="50000"/>
-            </a:schemeClr>
-          </a:lnRef>
-          <a:fillRef idx="1">
-            <a:schemeClr val="accent1"/>
-          </a:fillRef>
-          <a:effectRef idx="0">
-            <a:schemeClr val="accent1"/>
-          </a:effectRef>
-          <a:fontRef idx="minor">
-            <a:schemeClr val="lt1"/>
-          </a:fontRef>
-        </p:style>
-        <p:txBody>
-          <a:bodyPr rtlCol="0" anchor="ctr"/>
-          <a:lstStyle/>
-          <a:p>
-            <a:pPr algn="ctr"/>
-            <a:endParaRPr kumimoji="1" lang="ja-JP" altLang="en-US"/>
+            <a:r>
+              <a:rPr kumimoji="1" lang="ja-JP" altLang="en-US" sz="7200" b="1" dirty="0" smtClean="0">
+                <a:latin typeface="BIZ UDP明朝 Medium" panose="02020500000000000000" pitchFamily="18" charset="-128"/>
+                <a:ea typeface="BIZ UDP明朝 Medium" panose="02020500000000000000" pitchFamily="18" charset="-128"/>
+              </a:rPr>
+              <a:t>タイトル画面の</a:t>
+            </a:r>
+            <a:r>
+              <a:rPr kumimoji="1" lang="ja-JP" altLang="en-US" sz="7200" b="1" dirty="0" smtClean="0">
+                <a:latin typeface="BIZ UDP明朝 Medium" panose="02020500000000000000" pitchFamily="18" charset="-128"/>
+                <a:ea typeface="BIZ UDP明朝 Medium" panose="02020500000000000000" pitchFamily="18" charset="-128"/>
+              </a:rPr>
+              <a:t>案２</a:t>
+            </a:r>
+            <a:endParaRPr kumimoji="1" lang="ja-JP" altLang="en-US" sz="7200" b="1" dirty="0">
+              <a:latin typeface="BIZ UDP明朝 Medium" panose="02020500000000000000" pitchFamily="18" charset="-128"/>
+              <a:ea typeface="BIZ UDP明朝 Medium" panose="02020500000000000000" pitchFamily="18" charset="-128"/>
+            </a:endParaRPr>
           </a:p>
         </p:txBody>
       </p:sp>
     </p:spTree>
     <p:extLst>
       <p:ext uri="{BB962C8B-B14F-4D97-AF65-F5344CB8AC3E}">
-        <p14:creationId xmlns:p14="http://schemas.microsoft.com/office/powerpoint/2010/main" val="2384207207"/>
+        <p14:creationId xmlns:p14="http://schemas.microsoft.com/office/powerpoint/2010/main" val="950915756"/>
       </p:ext>
     </p:extLst>
   </p:cSld>
@@ -4300,52 +9003,341 @@
       </p:grpSpPr>
       <p:sp>
         <p:nvSpPr>
-          <p:cNvPr id="2" name="タイトル 1"/>
-          <p:cNvSpPr>
-            <a:spLocks noGrp="1"/>
-          </p:cNvSpPr>
-          <p:nvPr>
-            <p:ph type="title"/>
-          </p:nvPr>
-        </p:nvSpPr>
-        <p:spPr/>
-        <p:txBody>
-          <a:bodyPr/>
-          <a:lstStyle/>
-          <a:p>
+          <p:cNvPr id="4" name="楕円 3"/>
+          <p:cNvSpPr/>
+          <p:nvPr/>
+        </p:nvSpPr>
+        <p:spPr>
+          <a:xfrm>
+            <a:off x="3086100" y="4721469"/>
+            <a:ext cx="6488723" cy="5934809"/>
+          </a:xfrm>
+          <a:prstGeom prst="ellipse">
+            <a:avLst/>
+          </a:prstGeom>
+        </p:spPr>
+        <p:style>
+          <a:lnRef idx="2">
+            <a:schemeClr val="accent1">
+              <a:shade val="50000"/>
+            </a:schemeClr>
+          </a:lnRef>
+          <a:fillRef idx="1">
+            <a:schemeClr val="accent1"/>
+          </a:fillRef>
+          <a:effectRef idx="0">
+            <a:schemeClr val="accent1"/>
+          </a:effectRef>
+          <a:fontRef idx="minor">
+            <a:schemeClr val="lt1"/>
+          </a:fontRef>
+        </p:style>
+        <p:txBody>
+          <a:bodyPr rtlCol="0" anchor="ctr"/>
+          <a:lstStyle/>
+          <a:p>
+            <a:pPr algn="ctr"/>
             <a:endParaRPr kumimoji="1" lang="ja-JP" altLang="en-US"/>
           </a:p>
         </p:txBody>
       </p:sp>
       <p:sp>
         <p:nvSpPr>
-          <p:cNvPr id="3" name="コンテンツ プレースホルダー 2"/>
-          <p:cNvSpPr>
-            <a:spLocks noGrp="1"/>
-          </p:cNvSpPr>
-          <p:nvPr>
-            <p:ph idx="1"/>
-          </p:nvPr>
-        </p:nvSpPr>
-        <p:spPr/>
-        <p:txBody>
-          <a:bodyPr/>
-          <a:lstStyle/>
-          <a:p>
+          <p:cNvPr id="6" name="正方形/長方形 5"/>
+          <p:cNvSpPr/>
+          <p:nvPr/>
+        </p:nvSpPr>
+        <p:spPr>
+          <a:xfrm>
+            <a:off x="2435469" y="808893"/>
+            <a:ext cx="7587762" cy="2154115"/>
+          </a:xfrm>
+          <a:prstGeom prst="rect">
+            <a:avLst/>
+          </a:prstGeom>
+        </p:spPr>
+        <p:style>
+          <a:lnRef idx="2">
+            <a:schemeClr val="accent1">
+              <a:shade val="50000"/>
+            </a:schemeClr>
+          </a:lnRef>
+          <a:fillRef idx="1">
+            <a:schemeClr val="accent1"/>
+          </a:fillRef>
+          <a:effectRef idx="0">
+            <a:schemeClr val="accent1"/>
+          </a:effectRef>
+          <a:fontRef idx="minor">
+            <a:schemeClr val="lt1"/>
+          </a:fontRef>
+        </p:style>
+        <p:txBody>
+          <a:bodyPr rtlCol="0" anchor="ctr"/>
+          <a:lstStyle/>
+          <a:p>
+            <a:pPr algn="ctr"/>
             <a:endParaRPr kumimoji="1" lang="ja-JP" altLang="en-US"/>
+          </a:p>
+        </p:txBody>
+      </p:sp>
+      <p:sp>
+        <p:nvSpPr>
+          <p:cNvPr id="7" name="正方形/長方形 6"/>
+          <p:cNvSpPr/>
+          <p:nvPr/>
+        </p:nvSpPr>
+        <p:spPr>
+          <a:xfrm>
+            <a:off x="5086350" y="4117731"/>
+            <a:ext cx="2286000" cy="1019908"/>
+          </a:xfrm>
+          <a:prstGeom prst="rect">
+            <a:avLst/>
+          </a:prstGeom>
+        </p:spPr>
+        <p:style>
+          <a:lnRef idx="1">
+            <a:schemeClr val="dk1"/>
+          </a:lnRef>
+          <a:fillRef idx="2">
+            <a:schemeClr val="dk1"/>
+          </a:fillRef>
+          <a:effectRef idx="1">
+            <a:schemeClr val="dk1"/>
+          </a:effectRef>
+          <a:fontRef idx="minor">
+            <a:schemeClr val="dk1"/>
+          </a:fontRef>
+        </p:style>
+        <p:txBody>
+          <a:bodyPr rtlCol="0" anchor="ctr"/>
+          <a:lstStyle/>
+          <a:p>
+            <a:pPr algn="ctr"/>
+            <a:r>
+              <a:rPr kumimoji="1" lang="ja-JP" altLang="en-US" sz="2800" dirty="0" smtClean="0">
+                <a:ln>
+                  <a:solidFill>
+                    <a:schemeClr val="bg1"/>
+                  </a:solidFill>
+                </a:ln>
+                <a:solidFill>
+                  <a:schemeClr val="bg1"/>
+                </a:solidFill>
+              </a:rPr>
+              <a:t>車のモデル</a:t>
+            </a:r>
+            <a:endParaRPr kumimoji="1" lang="ja-JP" altLang="en-US" sz="2800" dirty="0">
+              <a:ln>
+                <a:solidFill>
+                  <a:schemeClr val="bg1"/>
+                </a:solidFill>
+              </a:ln>
+              <a:solidFill>
+                <a:schemeClr val="bg1"/>
+              </a:solidFill>
+            </a:endParaRPr>
+          </a:p>
+        </p:txBody>
+      </p:sp>
+      <p:sp>
+        <p:nvSpPr>
+          <p:cNvPr id="2" name="正方形/長方形 1"/>
+          <p:cNvSpPr/>
+          <p:nvPr/>
+        </p:nvSpPr>
+        <p:spPr>
+          <a:xfrm>
+            <a:off x="3086100" y="1222131"/>
+            <a:ext cx="6057900" cy="1380392"/>
+          </a:xfrm>
+          <a:prstGeom prst="rect">
+            <a:avLst/>
+          </a:prstGeom>
+        </p:spPr>
+        <p:style>
+          <a:lnRef idx="2">
+            <a:schemeClr val="dk1"/>
+          </a:lnRef>
+          <a:fillRef idx="1">
+            <a:schemeClr val="lt1"/>
+          </a:fillRef>
+          <a:effectRef idx="0">
+            <a:schemeClr val="dk1"/>
+          </a:effectRef>
+          <a:fontRef idx="minor">
+            <a:schemeClr val="dk1"/>
+          </a:fontRef>
+        </p:style>
+        <p:txBody>
+          <a:bodyPr rtlCol="0" anchor="ctr"/>
+          <a:lstStyle/>
+          <a:p>
+            <a:pPr algn="ctr"/>
+            <a:r>
+              <a:rPr kumimoji="1" lang="ja-JP" altLang="en-US" sz="7200" b="1" dirty="0" smtClean="0">
+                <a:effectLst>
+                  <a:outerShdw blurRad="38100" dist="38100" dir="2700000" algn="tl">
+                    <a:srgbClr val="000000">
+                      <a:alpha val="43137"/>
+                    </a:srgbClr>
+                  </a:outerShdw>
+                </a:effectLst>
+              </a:rPr>
+              <a:t>タイトル</a:t>
+            </a:r>
+            <a:endParaRPr kumimoji="1" lang="ja-JP" altLang="en-US" sz="7200" b="1" dirty="0">
+              <a:effectLst>
+                <a:outerShdw blurRad="38100" dist="38100" dir="2700000" algn="tl">
+                  <a:srgbClr val="000000">
+                    <a:alpha val="43137"/>
+                  </a:srgbClr>
+                </a:outerShdw>
+              </a:effectLst>
+            </a:endParaRPr>
+          </a:p>
+        </p:txBody>
+      </p:sp>
+      <p:sp>
+        <p:nvSpPr>
+          <p:cNvPr id="3" name="正方形/長方形 2"/>
+          <p:cNvSpPr/>
+          <p:nvPr/>
+        </p:nvSpPr>
+        <p:spPr>
+          <a:xfrm>
+            <a:off x="5086350" y="5741377"/>
+            <a:ext cx="2532184" cy="808892"/>
+          </a:xfrm>
+          <a:prstGeom prst="rect">
+            <a:avLst/>
+          </a:prstGeom>
+        </p:spPr>
+        <p:style>
+          <a:lnRef idx="2">
+            <a:schemeClr val="dk1"/>
+          </a:lnRef>
+          <a:fillRef idx="1">
+            <a:schemeClr val="lt1"/>
+          </a:fillRef>
+          <a:effectRef idx="0">
+            <a:schemeClr val="dk1"/>
+          </a:effectRef>
+          <a:fontRef idx="minor">
+            <a:schemeClr val="dk1"/>
+          </a:fontRef>
+        </p:style>
+        <p:txBody>
+          <a:bodyPr rtlCol="0" anchor="ctr"/>
+          <a:lstStyle/>
+          <a:p>
+            <a:pPr algn="ctr"/>
+            <a:r>
+              <a:rPr kumimoji="1" lang="ja-JP" altLang="en-US" dirty="0" smtClean="0"/>
+              <a:t>地球のモデル</a:t>
+            </a:r>
+            <a:endParaRPr kumimoji="1" lang="ja-JP" altLang="en-US" dirty="0"/>
           </a:p>
         </p:txBody>
       </p:sp>
     </p:spTree>
     <p:extLst>
       <p:ext uri="{BB962C8B-B14F-4D97-AF65-F5344CB8AC3E}">
-        <p14:creationId xmlns:p14="http://schemas.microsoft.com/office/powerpoint/2010/main" val="604958898"/>
+        <p14:creationId xmlns:p14="http://schemas.microsoft.com/office/powerpoint/2010/main" val="3650483068"/>
       </p:ext>
     </p:extLst>
   </p:cSld>
   <p:clrMapOvr>
     <a:masterClrMapping/>
   </p:clrMapOvr>
+  <p:timing>
+    <p:tnLst>
+      <p:par>
+        <p:cTn id="1" dur="indefinite" restart="never" nodeType="tmRoot">
+          <p:childTnLst>
+            <p:seq concurrent="1" nextAc="seek">
+              <p:cTn id="2" dur="indefinite" nodeType="mainSeq">
+                <p:childTnLst>
+                  <p:par>
+                    <p:cTn id="3" fill="hold">
+                      <p:stCondLst>
+                        <p:cond delay="indefinite"/>
+                      </p:stCondLst>
+                      <p:childTnLst>
+                        <p:par>
+                          <p:cTn id="4" fill="hold">
+                            <p:stCondLst>
+                              <p:cond delay="0"/>
+                            </p:stCondLst>
+                            <p:childTnLst>
+                              <p:par>
+                                <p:cTn id="5" presetID="8" presetClass="emph" presetSubtype="0" accel="50000" fill="hold" grpId="0" nodeType="clickEffect">
+                                  <p:stCondLst>
+                                    <p:cond delay="0"/>
+                                  </p:stCondLst>
+                                  <p:childTnLst>
+                                    <p:animRot by="43200000">
+                                      <p:cBhvr>
+                                        <p:cTn id="6" dur="10000" fill="hold"/>
+                                        <p:tgtEl>
+                                          <p:spTgt spid="4"/>
+                                        </p:tgtEl>
+                                        <p:attrNameLst>
+                                          <p:attrName>r</p:attrName>
+                                        </p:attrNameLst>
+                                      </p:cBhvr>
+                                    </p:animRot>
+                                  </p:childTnLst>
+                                  <p:subTnLst>
+                                    <p:animClr clrSpc="rgb" dir="cw">
+                                      <p:cBhvr override="childStyle">
+                                        <p:cTn dur="1" fill="hold" display="0" masterRel="nextClick" afterEffect="1"/>
+                                        <p:tgtEl>
+                                          <p:spTgt spid="4"/>
+                                        </p:tgtEl>
+                                        <p:attrNameLst>
+                                          <p:attrName>ppt_c</p:attrName>
+                                        </p:attrNameLst>
+                                      </p:cBhvr>
+                                      <p:to>
+                                        <a:schemeClr val="accent2"/>
+                                      </p:to>
+                                    </p:animClr>
+                                  </p:subTnLst>
+                                </p:cTn>
+                              </p:par>
+                            </p:childTnLst>
+                          </p:cTn>
+                        </p:par>
+                      </p:childTnLst>
+                    </p:cTn>
+                  </p:par>
+                </p:childTnLst>
+              </p:cTn>
+              <p:prevCondLst>
+                <p:cond evt="onPrev" delay="0">
+                  <p:tgtEl>
+                    <p:sldTgt/>
+                  </p:tgtEl>
+                </p:cond>
+              </p:prevCondLst>
+              <p:nextCondLst>
+                <p:cond evt="onNext" delay="0">
+                  <p:tgtEl>
+                    <p:sldTgt/>
+                  </p:tgtEl>
+                </p:cond>
+              </p:nextCondLst>
+            </p:seq>
+          </p:childTnLst>
+        </p:cTn>
+      </p:par>
+    </p:tnLst>
+    <p:bldLst>
+      <p:bldP spid="4" grpId="0" animBg="1"/>
+    </p:bldLst>
+  </p:timing>
 </p:sld>
 </file>
 
@@ -4366,10 +9358,54 @@
           <a:chExt cx="0" cy="0"/>
         </a:xfrm>
       </p:grpSpPr>
+      <p:sp>
+        <p:nvSpPr>
+          <p:cNvPr id="2" name="タイトル 1"/>
+          <p:cNvSpPr>
+            <a:spLocks noGrp="1"/>
+          </p:cNvSpPr>
+          <p:nvPr>
+            <p:ph type="title"/>
+          </p:nvPr>
+        </p:nvSpPr>
+        <p:spPr>
+          <a:xfrm>
+            <a:off x="908538" y="2519241"/>
+            <a:ext cx="10515600" cy="1325563"/>
+          </a:xfrm>
+        </p:spPr>
+        <p:txBody>
+          <a:bodyPr>
+            <a:normAutofit/>
+          </a:bodyPr>
+          <a:lstStyle/>
+          <a:p>
+            <a:pPr algn="ctr"/>
+            <a:r>
+              <a:rPr kumimoji="1" lang="ja-JP" altLang="en-US" sz="7200" b="1" dirty="0" smtClean="0">
+                <a:latin typeface="BIZ UDP明朝 Medium" panose="02020500000000000000" pitchFamily="18" charset="-128"/>
+                <a:ea typeface="BIZ UDP明朝 Medium" panose="02020500000000000000" pitchFamily="18" charset="-128"/>
+              </a:rPr>
+              <a:t>タイトル画面の</a:t>
+            </a:r>
+            <a:r>
+              <a:rPr kumimoji="1" lang="ja-JP" altLang="en-US" sz="7200" b="1" dirty="0" smtClean="0">
+                <a:latin typeface="BIZ UDP明朝 Medium" panose="02020500000000000000" pitchFamily="18" charset="-128"/>
+                <a:ea typeface="BIZ UDP明朝 Medium" panose="02020500000000000000" pitchFamily="18" charset="-128"/>
+              </a:rPr>
+              <a:t>案３</a:t>
+            </a:r>
+            <a:endParaRPr kumimoji="1" lang="ja-JP" altLang="en-US" sz="7200" b="1" dirty="0">
+              <a:latin typeface="BIZ UDP明朝 Medium" panose="02020500000000000000" pitchFamily="18" charset="-128"/>
+              <a:ea typeface="BIZ UDP明朝 Medium" panose="02020500000000000000" pitchFamily="18" charset="-128"/>
+            </a:endParaRPr>
+          </a:p>
+        </p:txBody>
+      </p:sp>
     </p:spTree>
     <p:extLst>
       <p:ext uri="{BB962C8B-B14F-4D97-AF65-F5344CB8AC3E}">
-        <p14:creationId xmlns:p14="http://schemas.microsoft.com/office/powerpoint/2010/main" val="470074970"/>
+        <p14:creationId xmlns:p14="http://schemas.microsoft.com/office/powerpoint/2010/main" val="265944210"/>
       </p:ext>
     </p:extLst>
   </p:cSld>

--- a/卒業制作_大元タイトル構成.pptx
+++ b/卒業制作_大元タイトル構成.pptx
@@ -3770,6 +3770,36 @@
           </a:p>
         </p:txBody>
       </p:sp>
+      <p:sp>
+        <p:nvSpPr>
+          <p:cNvPr id="2" name="テキスト ボックス 1"/>
+          <p:cNvSpPr txBox="1"/>
+          <p:nvPr/>
+        </p:nvSpPr>
+        <p:spPr>
+          <a:xfrm>
+            <a:off x="4359518" y="4932435"/>
+            <a:ext cx="2505808" cy="369332"/>
+          </a:xfrm>
+          <a:prstGeom prst="rect">
+            <a:avLst/>
+          </a:prstGeom>
+          <a:noFill/>
+        </p:spPr>
+        <p:txBody>
+          <a:bodyPr wrap="square" rtlCol="0">
+            <a:spAutoFit/>
+          </a:bodyPr>
+          <a:lstStyle/>
+          <a:p>
+            <a:r>
+              <a:rPr kumimoji="1" lang="ja-JP" altLang="en-US" b="1" dirty="0" smtClean="0"/>
+              <a:t>車が回っている感じ</a:t>
+            </a:r>
+            <a:endParaRPr kumimoji="1" lang="ja-JP" altLang="en-US" b="1" dirty="0"/>
+          </a:p>
+        </p:txBody>
+      </p:sp>
     </p:spTree>
     <p:extLst>
       <p:ext uri="{BB962C8B-B14F-4D97-AF65-F5344CB8AC3E}">
@@ -4591,14 +4621,7 @@
                 <a:latin typeface="BIZ UDP明朝 Medium" panose="02020500000000000000" pitchFamily="18" charset="-128"/>
                 <a:ea typeface="BIZ UDP明朝 Medium" panose="02020500000000000000" pitchFamily="18" charset="-128"/>
               </a:rPr>
-              <a:t>タイトル画面の</a:t>
-            </a:r>
-            <a:r>
-              <a:rPr kumimoji="1" lang="ja-JP" altLang="en-US" sz="7200" b="1" dirty="0" smtClean="0">
-                <a:latin typeface="BIZ UDP明朝 Medium" panose="02020500000000000000" pitchFamily="18" charset="-128"/>
-                <a:ea typeface="BIZ UDP明朝 Medium" panose="02020500000000000000" pitchFamily="18" charset="-128"/>
-              </a:rPr>
-              <a:t>案</a:t>
+              <a:t>タイトル画面の案</a:t>
             </a:r>
             <a:r>
               <a:rPr kumimoji="1" lang="en-US" altLang="ja-JP" sz="7200" b="1" dirty="0" smtClean="0">
@@ -6022,6 +6045,36 @@
                 </a:outerShdw>
               </a:effectLst>
             </a:endParaRPr>
+          </a:p>
+        </p:txBody>
+      </p:sp>
+      <p:sp>
+        <p:nvSpPr>
+          <p:cNvPr id="8" name="テキスト ボックス 7"/>
+          <p:cNvSpPr txBox="1"/>
+          <p:nvPr/>
+        </p:nvSpPr>
+        <p:spPr>
+          <a:xfrm>
+            <a:off x="782248" y="2923745"/>
+            <a:ext cx="1022228" cy="369332"/>
+          </a:xfrm>
+          <a:prstGeom prst="rect">
+            <a:avLst/>
+          </a:prstGeom>
+          <a:noFill/>
+        </p:spPr>
+        <p:txBody>
+          <a:bodyPr wrap="square" rtlCol="0">
+            <a:spAutoFit/>
+          </a:bodyPr>
+          <a:lstStyle/>
+          <a:p>
+            <a:r>
+              <a:rPr kumimoji="1" lang="ja-JP" altLang="en-US" dirty="0" smtClean="0"/>
+              <a:t>カメラ</a:t>
+            </a:r>
+            <a:endParaRPr kumimoji="1" lang="ja-JP" altLang="en-US" dirty="0"/>
           </a:p>
         </p:txBody>
       </p:sp>
@@ -7023,14 +7076,7 @@
                 <a:latin typeface="BIZ UDP明朝 Medium" panose="02020500000000000000" pitchFamily="18" charset="-128"/>
                 <a:ea typeface="BIZ UDP明朝 Medium" panose="02020500000000000000" pitchFamily="18" charset="-128"/>
               </a:rPr>
-              <a:t>タイトル画面の</a:t>
-            </a:r>
-            <a:r>
-              <a:rPr kumimoji="1" lang="ja-JP" altLang="en-US" sz="7200" b="1" dirty="0" smtClean="0">
-                <a:latin typeface="BIZ UDP明朝 Medium" panose="02020500000000000000" pitchFamily="18" charset="-128"/>
-                <a:ea typeface="BIZ UDP明朝 Medium" panose="02020500000000000000" pitchFamily="18" charset="-128"/>
-              </a:rPr>
-              <a:t>案５</a:t>
+              <a:t>タイトル画面の案５</a:t>
             </a:r>
             <a:endParaRPr kumimoji="1" lang="ja-JP" altLang="en-US" sz="7200" b="1" dirty="0">
               <a:latin typeface="BIZ UDP明朝 Medium" panose="02020500000000000000" pitchFamily="18" charset="-128"/>
@@ -8478,6 +8524,72 @@
           </a:p>
         </p:txBody>
       </p:sp>
+      <p:sp>
+        <p:nvSpPr>
+          <p:cNvPr id="3" name="テキスト ボックス 2"/>
+          <p:cNvSpPr txBox="1"/>
+          <p:nvPr/>
+        </p:nvSpPr>
+        <p:spPr>
+          <a:xfrm>
+            <a:off x="3253154" y="3844804"/>
+            <a:ext cx="5512777" cy="369332"/>
+          </a:xfrm>
+          <a:prstGeom prst="rect">
+            <a:avLst/>
+          </a:prstGeom>
+          <a:noFill/>
+        </p:spPr>
+        <p:txBody>
+          <a:bodyPr wrap="square" rtlCol="0">
+            <a:spAutoFit/>
+          </a:bodyPr>
+          <a:lstStyle/>
+          <a:p>
+            <a:pPr algn="ctr"/>
+            <a:r>
+              <a:rPr kumimoji="1" lang="ja-JP" altLang="en-US" dirty="0" smtClean="0"/>
+              <a:t>案５</a:t>
+            </a:r>
+            <a:r>
+              <a:rPr lang="ja-JP" altLang="en-US" dirty="0" smtClean="0"/>
+              <a:t>まであるよ</a:t>
+            </a:r>
+            <a:endParaRPr kumimoji="1" lang="ja-JP" altLang="en-US" dirty="0"/>
+          </a:p>
+        </p:txBody>
+      </p:sp>
+      <p:sp>
+        <p:nvSpPr>
+          <p:cNvPr id="4" name="テキスト ボックス 3"/>
+          <p:cNvSpPr txBox="1"/>
+          <p:nvPr/>
+        </p:nvSpPr>
+        <p:spPr>
+          <a:xfrm>
+            <a:off x="3253153" y="4331311"/>
+            <a:ext cx="5512777" cy="369332"/>
+          </a:xfrm>
+          <a:prstGeom prst="rect">
+            <a:avLst/>
+          </a:prstGeom>
+          <a:noFill/>
+        </p:spPr>
+        <p:txBody>
+          <a:bodyPr wrap="square" rtlCol="0">
+            <a:spAutoFit/>
+          </a:bodyPr>
+          <a:lstStyle/>
+          <a:p>
+            <a:pPr algn="ctr"/>
+            <a:r>
+              <a:rPr kumimoji="1" lang="ja-JP" altLang="en-US" dirty="0" smtClean="0"/>
+              <a:t>なんとなくの流れ</a:t>
+            </a:r>
+            <a:endParaRPr kumimoji="1" lang="ja-JP" altLang="en-US" dirty="0"/>
+          </a:p>
+        </p:txBody>
+      </p:sp>
     </p:spTree>
     <p:extLst>
       <p:ext uri="{BB962C8B-B14F-4D97-AF65-F5344CB8AC3E}">
@@ -8543,14 +8655,7 @@
                 <a:latin typeface="BIZ UDP明朝 Medium" panose="02020500000000000000" pitchFamily="18" charset="-128"/>
                 <a:ea typeface="BIZ UDP明朝 Medium" panose="02020500000000000000" pitchFamily="18" charset="-128"/>
               </a:rPr>
-              <a:t>タイトル画面の</a:t>
-            </a:r>
-            <a:r>
-              <a:rPr kumimoji="1" lang="ja-JP" altLang="en-US" sz="7200" b="1" dirty="0" smtClean="0">
-                <a:latin typeface="BIZ UDP明朝 Medium" panose="02020500000000000000" pitchFamily="18" charset="-128"/>
-                <a:ea typeface="BIZ UDP明朝 Medium" panose="02020500000000000000" pitchFamily="18" charset="-128"/>
-              </a:rPr>
-              <a:t>案１</a:t>
+              <a:t>タイトル画面の案１</a:t>
             </a:r>
             <a:endParaRPr kumimoji="1" lang="ja-JP" altLang="en-US" sz="7200" b="1" dirty="0">
               <a:latin typeface="BIZ UDP明朝 Medium" panose="02020500000000000000" pitchFamily="18" charset="-128"/>
@@ -8948,14 +9053,7 @@
                 <a:latin typeface="BIZ UDP明朝 Medium" panose="02020500000000000000" pitchFamily="18" charset="-128"/>
                 <a:ea typeface="BIZ UDP明朝 Medium" panose="02020500000000000000" pitchFamily="18" charset="-128"/>
               </a:rPr>
-              <a:t>タイトル画面の</a:t>
-            </a:r>
-            <a:r>
-              <a:rPr kumimoji="1" lang="ja-JP" altLang="en-US" sz="7200" b="1" dirty="0" smtClean="0">
-                <a:latin typeface="BIZ UDP明朝 Medium" panose="02020500000000000000" pitchFamily="18" charset="-128"/>
-                <a:ea typeface="BIZ UDP明朝 Medium" panose="02020500000000000000" pitchFamily="18" charset="-128"/>
-              </a:rPr>
-              <a:t>案２</a:t>
+              <a:t>タイトル画面の案２</a:t>
             </a:r>
             <a:endParaRPr kumimoji="1" lang="ja-JP" altLang="en-US" sz="7200" b="1" dirty="0">
               <a:latin typeface="BIZ UDP明朝 Medium" panose="02020500000000000000" pitchFamily="18" charset="-128"/>
@@ -9236,6 +9334,36 @@
             <a:r>
               <a:rPr kumimoji="1" lang="ja-JP" altLang="en-US" dirty="0" smtClean="0"/>
               <a:t>地球のモデル</a:t>
+            </a:r>
+            <a:endParaRPr kumimoji="1" lang="ja-JP" altLang="en-US" dirty="0"/>
+          </a:p>
+        </p:txBody>
+      </p:sp>
+      <p:sp>
+        <p:nvSpPr>
+          <p:cNvPr id="5" name="テキスト ボックス 4"/>
+          <p:cNvSpPr txBox="1"/>
+          <p:nvPr/>
+        </p:nvSpPr>
+        <p:spPr>
+          <a:xfrm>
+            <a:off x="5086350" y="3516923"/>
+            <a:ext cx="2448658" cy="369332"/>
+          </a:xfrm>
+          <a:prstGeom prst="rect">
+            <a:avLst/>
+          </a:prstGeom>
+          <a:noFill/>
+        </p:spPr>
+        <p:txBody>
+          <a:bodyPr wrap="square" rtlCol="0">
+            <a:spAutoFit/>
+          </a:bodyPr>
+          <a:lstStyle/>
+          <a:p>
+            <a:r>
+              <a:rPr kumimoji="1" lang="ja-JP" altLang="en-US" dirty="0" smtClean="0"/>
+              <a:t>車が走っている感じ</a:t>
             </a:r>
             <a:endParaRPr kumimoji="1" lang="ja-JP" altLang="en-US" dirty="0"/>
           </a:p>
@@ -9386,14 +9514,7 @@
                 <a:latin typeface="BIZ UDP明朝 Medium" panose="02020500000000000000" pitchFamily="18" charset="-128"/>
                 <a:ea typeface="BIZ UDP明朝 Medium" panose="02020500000000000000" pitchFamily="18" charset="-128"/>
               </a:rPr>
-              <a:t>タイトル画面の</a:t>
-            </a:r>
-            <a:r>
-              <a:rPr kumimoji="1" lang="ja-JP" altLang="en-US" sz="7200" b="1" dirty="0" smtClean="0">
-                <a:latin typeface="BIZ UDP明朝 Medium" panose="02020500000000000000" pitchFamily="18" charset="-128"/>
-                <a:ea typeface="BIZ UDP明朝 Medium" panose="02020500000000000000" pitchFamily="18" charset="-128"/>
-              </a:rPr>
-              <a:t>案３</a:t>
+              <a:t>タイトル画面の案３</a:t>
             </a:r>
             <a:endParaRPr kumimoji="1" lang="ja-JP" altLang="en-US" sz="7200" b="1" dirty="0">
               <a:latin typeface="BIZ UDP明朝 Medium" panose="02020500000000000000" pitchFamily="18" charset="-128"/>

--- a/卒業制作_大元タイトル構成.pptx
+++ b/卒業制作_大元タイトル構成.pptx
@@ -3800,6 +3800,45 @@
           </a:p>
         </p:txBody>
       </p:sp>
+      <p:sp>
+        <p:nvSpPr>
+          <p:cNvPr id="9" name="正方形/長方形 8"/>
+          <p:cNvSpPr/>
+          <p:nvPr/>
+        </p:nvSpPr>
+        <p:spPr>
+          <a:xfrm>
+            <a:off x="271399" y="254949"/>
+            <a:ext cx="960519" cy="646331"/>
+          </a:xfrm>
+          <a:prstGeom prst="rect">
+            <a:avLst/>
+          </a:prstGeom>
+        </p:spPr>
+        <p:txBody>
+          <a:bodyPr wrap="none">
+            <a:spAutoFit/>
+          </a:bodyPr>
+          <a:lstStyle/>
+          <a:p>
+            <a:r>
+              <a:rPr lang="ja-JP" altLang="en-US" sz="3600" b="1" dirty="0" smtClean="0">
+                <a:latin typeface="BIZ UDP明朝 Medium" panose="02020500000000000000" pitchFamily="18" charset="-128"/>
+                <a:ea typeface="BIZ UDP明朝 Medium" panose="02020500000000000000" pitchFamily="18" charset="-128"/>
+              </a:rPr>
+              <a:t>案</a:t>
+            </a:r>
+            <a:r>
+              <a:rPr lang="en-US" altLang="ja-JP" sz="3600" b="1" dirty="0" smtClean="0">
+                <a:latin typeface="BIZ UDP明朝 Medium" panose="02020500000000000000" pitchFamily="18" charset="-128"/>
+                <a:ea typeface="BIZ UDP明朝 Medium" panose="02020500000000000000" pitchFamily="18" charset="-128"/>
+              </a:rPr>
+              <a:t>3</a:t>
+            </a:r>
+            <a:endParaRPr lang="ja-JP" altLang="en-US" sz="3600" dirty="0"/>
+          </a:p>
+        </p:txBody>
+      </p:sp>
     </p:spTree>
     <p:extLst>
       <p:ext uri="{BB962C8B-B14F-4D97-AF65-F5344CB8AC3E}">
@@ -4344,6 +4383,45 @@
                 </a:outerShdw>
               </a:effectLst>
             </a:endParaRPr>
+          </a:p>
+        </p:txBody>
+      </p:sp>
+      <p:sp>
+        <p:nvSpPr>
+          <p:cNvPr id="11" name="正方形/長方形 10"/>
+          <p:cNvSpPr/>
+          <p:nvPr/>
+        </p:nvSpPr>
+        <p:spPr>
+          <a:xfrm>
+            <a:off x="271399" y="254949"/>
+            <a:ext cx="960519" cy="646331"/>
+          </a:xfrm>
+          <a:prstGeom prst="rect">
+            <a:avLst/>
+          </a:prstGeom>
+        </p:spPr>
+        <p:txBody>
+          <a:bodyPr wrap="none">
+            <a:spAutoFit/>
+          </a:bodyPr>
+          <a:lstStyle/>
+          <a:p>
+            <a:r>
+              <a:rPr lang="ja-JP" altLang="en-US" sz="3600" b="1" dirty="0" smtClean="0">
+                <a:latin typeface="BIZ UDP明朝 Medium" panose="02020500000000000000" pitchFamily="18" charset="-128"/>
+                <a:ea typeface="BIZ UDP明朝 Medium" panose="02020500000000000000" pitchFamily="18" charset="-128"/>
+              </a:rPr>
+              <a:t>案</a:t>
+            </a:r>
+            <a:r>
+              <a:rPr lang="en-US" altLang="ja-JP" sz="3600" b="1" dirty="0" smtClean="0">
+                <a:latin typeface="BIZ UDP明朝 Medium" panose="02020500000000000000" pitchFamily="18" charset="-128"/>
+                <a:ea typeface="BIZ UDP明朝 Medium" panose="02020500000000000000" pitchFamily="18" charset="-128"/>
+              </a:rPr>
+              <a:t>3</a:t>
+            </a:r>
+            <a:endParaRPr lang="ja-JP" altLang="en-US" sz="3600" dirty="0"/>
           </a:p>
         </p:txBody>
       </p:sp>
@@ -6073,6 +6151,75 @@
             <a:r>
               <a:rPr kumimoji="1" lang="ja-JP" altLang="en-US" dirty="0" smtClean="0"/>
               <a:t>カメラ</a:t>
+            </a:r>
+            <a:endParaRPr kumimoji="1" lang="ja-JP" altLang="en-US" dirty="0"/>
+          </a:p>
+        </p:txBody>
+      </p:sp>
+      <p:sp>
+        <p:nvSpPr>
+          <p:cNvPr id="32" name="正方形/長方形 31"/>
+          <p:cNvSpPr/>
+          <p:nvPr/>
+        </p:nvSpPr>
+        <p:spPr>
+          <a:xfrm>
+            <a:off x="271399" y="254949"/>
+            <a:ext cx="960519" cy="646331"/>
+          </a:xfrm>
+          <a:prstGeom prst="rect">
+            <a:avLst/>
+          </a:prstGeom>
+        </p:spPr>
+        <p:txBody>
+          <a:bodyPr wrap="none">
+            <a:spAutoFit/>
+          </a:bodyPr>
+          <a:lstStyle/>
+          <a:p>
+            <a:r>
+              <a:rPr lang="ja-JP" altLang="en-US" sz="3600" b="1" dirty="0" smtClean="0">
+                <a:latin typeface="BIZ UDP明朝 Medium" panose="02020500000000000000" pitchFamily="18" charset="-128"/>
+                <a:ea typeface="BIZ UDP明朝 Medium" panose="02020500000000000000" pitchFamily="18" charset="-128"/>
+              </a:rPr>
+              <a:t>案</a:t>
+            </a:r>
+            <a:r>
+              <a:rPr lang="en-US" altLang="ja-JP" sz="3600" b="1" dirty="0" smtClean="0">
+                <a:latin typeface="BIZ UDP明朝 Medium" panose="02020500000000000000" pitchFamily="18" charset="-128"/>
+                <a:ea typeface="BIZ UDP明朝 Medium" panose="02020500000000000000" pitchFamily="18" charset="-128"/>
+              </a:rPr>
+              <a:t>4</a:t>
+            </a:r>
+            <a:endParaRPr lang="ja-JP" altLang="en-US" sz="3600" dirty="0"/>
+          </a:p>
+        </p:txBody>
+      </p:sp>
+      <p:sp>
+        <p:nvSpPr>
+          <p:cNvPr id="34" name="テキスト ボックス 33"/>
+          <p:cNvSpPr txBox="1"/>
+          <p:nvPr/>
+        </p:nvSpPr>
+        <p:spPr>
+          <a:xfrm>
+            <a:off x="8628183" y="3056658"/>
+            <a:ext cx="2790096" cy="369332"/>
+          </a:xfrm>
+          <a:prstGeom prst="rect">
+            <a:avLst/>
+          </a:prstGeom>
+          <a:noFill/>
+        </p:spPr>
+        <p:txBody>
+          <a:bodyPr wrap="square" rtlCol="0">
+            <a:spAutoFit/>
+          </a:bodyPr>
+          <a:lstStyle/>
+          <a:p>
+            <a:r>
+              <a:rPr kumimoji="1" lang="ja-JP" altLang="en-US" smtClean="0"/>
+              <a:t>カメラがステージを回る</a:t>
             </a:r>
             <a:endParaRPr kumimoji="1" lang="ja-JP" altLang="en-US" dirty="0"/>
           </a:p>
@@ -7581,6 +7728,45 @@
           </a:prstGeom>
         </p:spPr>
       </p:pic>
+      <p:sp>
+        <p:nvSpPr>
+          <p:cNvPr id="9" name="正方形/長方形 8"/>
+          <p:cNvSpPr/>
+          <p:nvPr/>
+        </p:nvSpPr>
+        <p:spPr>
+          <a:xfrm>
+            <a:off x="271399" y="254949"/>
+            <a:ext cx="960519" cy="646331"/>
+          </a:xfrm>
+          <a:prstGeom prst="rect">
+            <a:avLst/>
+          </a:prstGeom>
+        </p:spPr>
+        <p:txBody>
+          <a:bodyPr wrap="none">
+            <a:spAutoFit/>
+          </a:bodyPr>
+          <a:lstStyle/>
+          <a:p>
+            <a:r>
+              <a:rPr lang="ja-JP" altLang="en-US" sz="3600" b="1" dirty="0" smtClean="0">
+                <a:latin typeface="BIZ UDP明朝 Medium" panose="02020500000000000000" pitchFamily="18" charset="-128"/>
+                <a:ea typeface="BIZ UDP明朝 Medium" panose="02020500000000000000" pitchFamily="18" charset="-128"/>
+              </a:rPr>
+              <a:t>案</a:t>
+            </a:r>
+            <a:r>
+              <a:rPr lang="en-US" altLang="ja-JP" sz="3600" b="1" dirty="0" smtClean="0">
+                <a:latin typeface="BIZ UDP明朝 Medium" panose="02020500000000000000" pitchFamily="18" charset="-128"/>
+                <a:ea typeface="BIZ UDP明朝 Medium" panose="02020500000000000000" pitchFamily="18" charset="-128"/>
+              </a:rPr>
+              <a:t>5</a:t>
+            </a:r>
+            <a:endParaRPr lang="ja-JP" altLang="en-US" sz="3600" dirty="0"/>
+          </a:p>
+        </p:txBody>
+      </p:sp>
     </p:spTree>
     <p:extLst>
       <p:ext uri="{BB962C8B-B14F-4D97-AF65-F5344CB8AC3E}">
@@ -8165,6 +8351,45 @@
           </a:effectLst>
         </p:spPr>
       </p:pic>
+      <p:sp>
+        <p:nvSpPr>
+          <p:cNvPr id="4" name="正方形/長方形 3"/>
+          <p:cNvSpPr/>
+          <p:nvPr/>
+        </p:nvSpPr>
+        <p:spPr>
+          <a:xfrm>
+            <a:off x="271399" y="254949"/>
+            <a:ext cx="960519" cy="646331"/>
+          </a:xfrm>
+          <a:prstGeom prst="rect">
+            <a:avLst/>
+          </a:prstGeom>
+        </p:spPr>
+        <p:txBody>
+          <a:bodyPr wrap="none">
+            <a:spAutoFit/>
+          </a:bodyPr>
+          <a:lstStyle/>
+          <a:p>
+            <a:r>
+              <a:rPr lang="ja-JP" altLang="en-US" sz="3600" b="1" dirty="0" smtClean="0">
+                <a:latin typeface="BIZ UDP明朝 Medium" panose="02020500000000000000" pitchFamily="18" charset="-128"/>
+                <a:ea typeface="BIZ UDP明朝 Medium" panose="02020500000000000000" pitchFamily="18" charset="-128"/>
+              </a:rPr>
+              <a:t>案</a:t>
+            </a:r>
+            <a:r>
+              <a:rPr lang="en-US" altLang="ja-JP" sz="3600" b="1" dirty="0" smtClean="0">
+                <a:latin typeface="BIZ UDP明朝 Medium" panose="02020500000000000000" pitchFamily="18" charset="-128"/>
+                <a:ea typeface="BIZ UDP明朝 Medium" panose="02020500000000000000" pitchFamily="18" charset="-128"/>
+              </a:rPr>
+              <a:t>5</a:t>
+            </a:r>
+            <a:endParaRPr lang="ja-JP" altLang="en-US" sz="3600" dirty="0"/>
+          </a:p>
+        </p:txBody>
+      </p:sp>
     </p:spTree>
     <p:extLst>
       <p:ext uri="{BB962C8B-B14F-4D97-AF65-F5344CB8AC3E}">
@@ -8922,6 +9147,38 @@
           </a:p>
         </p:txBody>
       </p:sp>
+      <p:sp>
+        <p:nvSpPr>
+          <p:cNvPr id="2" name="正方形/長方形 1"/>
+          <p:cNvSpPr/>
+          <p:nvPr/>
+        </p:nvSpPr>
+        <p:spPr>
+          <a:xfrm>
+            <a:off x="271399" y="254949"/>
+            <a:ext cx="886781" cy="646331"/>
+          </a:xfrm>
+          <a:prstGeom prst="rect">
+            <a:avLst/>
+          </a:prstGeom>
+        </p:spPr>
+        <p:txBody>
+          <a:bodyPr wrap="none">
+            <a:spAutoFit/>
+          </a:bodyPr>
+          <a:lstStyle/>
+          <a:p>
+            <a:r>
+              <a:rPr lang="ja-JP" altLang="en-US" sz="3600" b="1" dirty="0">
+                <a:latin typeface="BIZ UDP明朝 Medium" panose="02020500000000000000" pitchFamily="18" charset="-128"/>
+                <a:ea typeface="BIZ UDP明朝 Medium" panose="02020500000000000000" pitchFamily="18" charset="-128"/>
+              </a:rPr>
+              <a:t>案１</a:t>
+            </a:r>
+            <a:endParaRPr lang="ja-JP" altLang="en-US" sz="3600" dirty="0"/>
+          </a:p>
+        </p:txBody>
+      </p:sp>
     </p:spTree>
     <p:extLst>
       <p:ext uri="{BB962C8B-B14F-4D97-AF65-F5344CB8AC3E}">
@@ -9366,6 +9623,38 @@
               <a:t>車が走っている感じ</a:t>
             </a:r>
             <a:endParaRPr kumimoji="1" lang="ja-JP" altLang="en-US" dirty="0"/>
+          </a:p>
+        </p:txBody>
+      </p:sp>
+      <p:sp>
+        <p:nvSpPr>
+          <p:cNvPr id="8" name="正方形/長方形 7"/>
+          <p:cNvSpPr/>
+          <p:nvPr/>
+        </p:nvSpPr>
+        <p:spPr>
+          <a:xfrm>
+            <a:off x="271399" y="254949"/>
+            <a:ext cx="960519" cy="646331"/>
+          </a:xfrm>
+          <a:prstGeom prst="rect">
+            <a:avLst/>
+          </a:prstGeom>
+        </p:spPr>
+        <p:txBody>
+          <a:bodyPr wrap="none">
+            <a:spAutoFit/>
+          </a:bodyPr>
+          <a:lstStyle/>
+          <a:p>
+            <a:r>
+              <a:rPr lang="ja-JP" altLang="en-US" sz="3600" b="1" dirty="0" smtClean="0">
+                <a:latin typeface="BIZ UDP明朝 Medium" panose="02020500000000000000" pitchFamily="18" charset="-128"/>
+                <a:ea typeface="BIZ UDP明朝 Medium" panose="02020500000000000000" pitchFamily="18" charset="-128"/>
+              </a:rPr>
+              <a:t>案２</a:t>
+            </a:r>
+            <a:endParaRPr lang="ja-JP" altLang="en-US" sz="3600" dirty="0"/>
           </a:p>
         </p:txBody>
       </p:sp>

--- a/卒業制作_大元タイトル構成.pptx
+++ b/卒業制作_大元タイトル構成.pptx
@@ -21,6 +21,16 @@
     <p:sldId id="278" r:id="rId15"/>
     <p:sldId id="277" r:id="rId16"/>
     <p:sldId id="260" r:id="rId17"/>
+    <p:sldId id="280" r:id="rId18"/>
+    <p:sldId id="283" r:id="rId19"/>
+    <p:sldId id="284" r:id="rId20"/>
+    <p:sldId id="281" r:id="rId21"/>
+    <p:sldId id="285" r:id="rId22"/>
+    <p:sldId id="282" r:id="rId23"/>
+    <p:sldId id="287" r:id="rId24"/>
+    <p:sldId id="289" r:id="rId25"/>
+    <p:sldId id="290" r:id="rId26"/>
+    <p:sldId id="291" r:id="rId27"/>
   </p:sldIdLst>
   <p:sldSz cx="12192000" cy="6858000"/>
   <p:notesSz cx="6858000" cy="9144000"/>
@@ -258,7 +268,7 @@
           <a:p>
             <a:fld id="{9AE4982F-4AA6-4C8C-A812-7FB74D02BA8D}" type="datetimeFigureOut">
               <a:rPr kumimoji="1" lang="ja-JP" altLang="en-US" smtClean="0"/>
-              <a:t>2022/11/17</a:t>
+              <a:t>2022/11/18</a:t>
             </a:fld>
             <a:endParaRPr kumimoji="1" lang="ja-JP" altLang="en-US"/>
           </a:p>
@@ -460,7 +470,7 @@
           <a:p>
             <a:fld id="{9AE4982F-4AA6-4C8C-A812-7FB74D02BA8D}" type="datetimeFigureOut">
               <a:rPr kumimoji="1" lang="ja-JP" altLang="en-US" smtClean="0"/>
-              <a:t>2022/11/17</a:t>
+              <a:t>2022/11/18</a:t>
             </a:fld>
             <a:endParaRPr kumimoji="1" lang="ja-JP" altLang="en-US"/>
           </a:p>
@@ -672,7 +682,7 @@
           <a:p>
             <a:fld id="{9AE4982F-4AA6-4C8C-A812-7FB74D02BA8D}" type="datetimeFigureOut">
               <a:rPr kumimoji="1" lang="ja-JP" altLang="en-US" smtClean="0"/>
-              <a:t>2022/11/17</a:t>
+              <a:t>2022/11/18</a:t>
             </a:fld>
             <a:endParaRPr kumimoji="1" lang="ja-JP" altLang="en-US"/>
           </a:p>
@@ -874,7 +884,7 @@
           <a:p>
             <a:fld id="{9AE4982F-4AA6-4C8C-A812-7FB74D02BA8D}" type="datetimeFigureOut">
               <a:rPr kumimoji="1" lang="ja-JP" altLang="en-US" smtClean="0"/>
-              <a:t>2022/11/17</a:t>
+              <a:t>2022/11/18</a:t>
             </a:fld>
             <a:endParaRPr kumimoji="1" lang="ja-JP" altLang="en-US"/>
           </a:p>
@@ -1120,7 +1130,7 @@
           <a:p>
             <a:fld id="{9AE4982F-4AA6-4C8C-A812-7FB74D02BA8D}" type="datetimeFigureOut">
               <a:rPr kumimoji="1" lang="ja-JP" altLang="en-US" smtClean="0"/>
-              <a:t>2022/11/17</a:t>
+              <a:t>2022/11/18</a:t>
             </a:fld>
             <a:endParaRPr kumimoji="1" lang="ja-JP" altLang="en-US"/>
           </a:p>
@@ -1416,7 +1426,7 @@
           <a:p>
             <a:fld id="{9AE4982F-4AA6-4C8C-A812-7FB74D02BA8D}" type="datetimeFigureOut">
               <a:rPr kumimoji="1" lang="ja-JP" altLang="en-US" smtClean="0"/>
-              <a:t>2022/11/17</a:t>
+              <a:t>2022/11/18</a:t>
             </a:fld>
             <a:endParaRPr kumimoji="1" lang="ja-JP" altLang="en-US"/>
           </a:p>
@@ -1847,7 +1857,7 @@
           <a:p>
             <a:fld id="{9AE4982F-4AA6-4C8C-A812-7FB74D02BA8D}" type="datetimeFigureOut">
               <a:rPr kumimoji="1" lang="ja-JP" altLang="en-US" smtClean="0"/>
-              <a:t>2022/11/17</a:t>
+              <a:t>2022/11/18</a:t>
             </a:fld>
             <a:endParaRPr kumimoji="1" lang="ja-JP" altLang="en-US"/>
           </a:p>
@@ -1965,7 +1975,7 @@
           <a:p>
             <a:fld id="{9AE4982F-4AA6-4C8C-A812-7FB74D02BA8D}" type="datetimeFigureOut">
               <a:rPr kumimoji="1" lang="ja-JP" altLang="en-US" smtClean="0"/>
-              <a:t>2022/11/17</a:t>
+              <a:t>2022/11/18</a:t>
             </a:fld>
             <a:endParaRPr kumimoji="1" lang="ja-JP" altLang="en-US"/>
           </a:p>
@@ -2060,7 +2070,7 @@
           <a:p>
             <a:fld id="{9AE4982F-4AA6-4C8C-A812-7FB74D02BA8D}" type="datetimeFigureOut">
               <a:rPr kumimoji="1" lang="ja-JP" altLang="en-US" smtClean="0"/>
-              <a:t>2022/11/17</a:t>
+              <a:t>2022/11/18</a:t>
             </a:fld>
             <a:endParaRPr kumimoji="1" lang="ja-JP" altLang="en-US"/>
           </a:p>
@@ -2369,7 +2379,7 @@
           <a:p>
             <a:fld id="{9AE4982F-4AA6-4C8C-A812-7FB74D02BA8D}" type="datetimeFigureOut">
               <a:rPr kumimoji="1" lang="ja-JP" altLang="en-US" smtClean="0"/>
-              <a:t>2022/11/17</a:t>
+              <a:t>2022/11/18</a:t>
             </a:fld>
             <a:endParaRPr kumimoji="1" lang="ja-JP" altLang="en-US"/>
           </a:p>
@@ -2622,7 +2632,7 @@
           <a:p>
             <a:fld id="{9AE4982F-4AA6-4C8C-A812-7FB74D02BA8D}" type="datetimeFigureOut">
               <a:rPr kumimoji="1" lang="ja-JP" altLang="en-US" smtClean="0"/>
-              <a:t>2022/11/17</a:t>
+              <a:t>2022/11/18</a:t>
             </a:fld>
             <a:endParaRPr kumimoji="1" lang="ja-JP" altLang="en-US"/>
           </a:p>
@@ -2867,7 +2877,7 @@
           <a:p>
             <a:fld id="{9AE4982F-4AA6-4C8C-A812-7FB74D02BA8D}" type="datetimeFigureOut">
               <a:rPr kumimoji="1" lang="ja-JP" altLang="en-US" smtClean="0"/>
-              <a:t>2022/11/17</a:t>
+              <a:t>2022/11/18</a:t>
             </a:fld>
             <a:endParaRPr kumimoji="1" lang="ja-JP" altLang="en-US"/>
           </a:p>
@@ -3384,7 +3394,7 @@
 </file>
 
 <file path=ppt/slides/slide10.xml><?xml version="1.0" encoding="utf-8"?>
-<p:sld xmlns:a="http://schemas.openxmlformats.org/drawingml/2006/main" xmlns:r="http://schemas.openxmlformats.org/officeDocument/2006/relationships" xmlns:p="http://schemas.openxmlformats.org/presentationml/2006/main">
+<p:sld xmlns:a="http://schemas.openxmlformats.org/drawingml/2006/main" xmlns:r="http://schemas.openxmlformats.org/officeDocument/2006/relationships" xmlns:p="http://schemas.openxmlformats.org/presentationml/2006/main" show="0">
   <p:cSld>
     <p:spTree>
       <p:nvGrpSpPr>
@@ -3849,6 +3859,14 @@
   <p:clrMapOvr>
     <a:masterClrMapping/>
   </p:clrMapOvr>
+  <mc:AlternateContent xmlns:mc="http://schemas.openxmlformats.org/markup-compatibility/2006" xmlns:p14="http://schemas.microsoft.com/office/powerpoint/2010/main">
+    <mc:Choice Requires="p14">
+      <p:transition spd="slow" p14:dur="2000"/>
+    </mc:Choice>
+    <mc:Fallback xmlns="">
+      <p:transition spd="slow"/>
+    </mc:Fallback>
+  </mc:AlternateContent>
   <p:timing>
     <p:tnLst>
       <p:par>
@@ -3967,7 +3985,7 @@
 </file>
 
 <file path=ppt/slides/slide11.xml><?xml version="1.0" encoding="utf-8"?>
-<p:sld xmlns:a="http://schemas.openxmlformats.org/drawingml/2006/main" xmlns:r="http://schemas.openxmlformats.org/officeDocument/2006/relationships" xmlns:p="http://schemas.openxmlformats.org/presentationml/2006/main">
+<p:sld xmlns:a="http://schemas.openxmlformats.org/drawingml/2006/main" xmlns:r="http://schemas.openxmlformats.org/officeDocument/2006/relationships" xmlns:p="http://schemas.openxmlformats.org/presentationml/2006/main" show="0">
   <p:cSld>
     <p:spTree>
       <p:nvGrpSpPr>
@@ -4435,6 +4453,14 @@
   <p:clrMapOvr>
     <a:masterClrMapping/>
   </p:clrMapOvr>
+  <mc:AlternateContent xmlns:mc="http://schemas.openxmlformats.org/markup-compatibility/2006" xmlns:p14="http://schemas.microsoft.com/office/powerpoint/2010/main">
+    <mc:Choice Requires="p14">
+      <p:transition spd="slow" p14:dur="2000"/>
+    </mc:Choice>
+    <mc:Fallback xmlns="">
+      <p:transition spd="slow"/>
+    </mc:Fallback>
+  </mc:AlternateContent>
   <p:timing>
     <p:tnLst>
       <p:par>
@@ -4655,7 +4681,7 @@
 </file>
 
 <file path=ppt/slides/slide12.xml><?xml version="1.0" encoding="utf-8"?>
-<p:sld xmlns:a="http://schemas.openxmlformats.org/drawingml/2006/main" xmlns:r="http://schemas.openxmlformats.org/officeDocument/2006/relationships" xmlns:p="http://schemas.openxmlformats.org/presentationml/2006/main">
+<p:sld xmlns:a="http://schemas.openxmlformats.org/drawingml/2006/main" xmlns:r="http://schemas.openxmlformats.org/officeDocument/2006/relationships" xmlns:p="http://schemas.openxmlformats.org/presentationml/2006/main" show="0">
   <p:cSld>
     <p:spTree>
       <p:nvGrpSpPr>
@@ -4725,6 +4751,14 @@
   <p:clrMapOvr>
     <a:masterClrMapping/>
   </p:clrMapOvr>
+  <mc:AlternateContent xmlns:mc="http://schemas.openxmlformats.org/markup-compatibility/2006" xmlns:p14="http://schemas.microsoft.com/office/powerpoint/2010/main">
+    <mc:Choice Requires="p14">
+      <p:transition spd="slow" p14:dur="2000"/>
+    </mc:Choice>
+    <mc:Fallback xmlns="">
+      <p:transition spd="slow"/>
+    </mc:Fallback>
+  </mc:AlternateContent>
   <p:timing>
     <p:tnLst>
       <p:par>
@@ -4736,7 +4770,7 @@
 </file>
 
 <file path=ppt/slides/slide13.xml><?xml version="1.0" encoding="utf-8"?>
-<p:sld xmlns:a="http://schemas.openxmlformats.org/drawingml/2006/main" xmlns:r="http://schemas.openxmlformats.org/officeDocument/2006/relationships" xmlns:p="http://schemas.openxmlformats.org/presentationml/2006/main">
+<p:sld xmlns:a="http://schemas.openxmlformats.org/drawingml/2006/main" xmlns:r="http://schemas.openxmlformats.org/officeDocument/2006/relationships" xmlns:p="http://schemas.openxmlformats.org/presentationml/2006/main" show="0">
   <p:cSld>
     <p:spTree>
       <p:nvGrpSpPr>
@@ -6235,6 +6269,14 @@
   <p:clrMapOvr>
     <a:masterClrMapping/>
   </p:clrMapOvr>
+  <mc:AlternateContent xmlns:mc="http://schemas.openxmlformats.org/markup-compatibility/2006" xmlns:p14="http://schemas.microsoft.com/office/powerpoint/2010/main">
+    <mc:Choice Requires="p14">
+      <p:transition spd="slow" p14:dur="2000"/>
+    </mc:Choice>
+    <mc:Fallback xmlns="">
+      <p:transition spd="slow"/>
+    </mc:Fallback>
+  </mc:AlternateContent>
   <p:timing>
     <p:tnLst>
       <p:par>
@@ -7179,7 +7221,7 @@
 </file>
 
 <file path=ppt/slides/slide14.xml><?xml version="1.0" encoding="utf-8"?>
-<p:sld xmlns:a="http://schemas.openxmlformats.org/drawingml/2006/main" xmlns:r="http://schemas.openxmlformats.org/officeDocument/2006/relationships" xmlns:p="http://schemas.openxmlformats.org/presentationml/2006/main">
+<p:sld xmlns:a="http://schemas.openxmlformats.org/drawingml/2006/main" xmlns:r="http://schemas.openxmlformats.org/officeDocument/2006/relationships" xmlns:p="http://schemas.openxmlformats.org/presentationml/2006/main" show="0">
   <p:cSld>
     <p:spTree>
       <p:nvGrpSpPr>
@@ -7242,6 +7284,14 @@
   <p:clrMapOvr>
     <a:masterClrMapping/>
   </p:clrMapOvr>
+  <mc:AlternateContent xmlns:mc="http://schemas.openxmlformats.org/markup-compatibility/2006" xmlns:p14="http://schemas.microsoft.com/office/powerpoint/2010/main">
+    <mc:Choice Requires="p14">
+      <p:transition spd="slow" p14:dur="2000"/>
+    </mc:Choice>
+    <mc:Fallback xmlns="">
+      <p:transition spd="slow"/>
+    </mc:Fallback>
+  </mc:AlternateContent>
   <p:timing>
     <p:tnLst>
       <p:par>
@@ -7253,7 +7303,7 @@
 </file>
 
 <file path=ppt/slides/slide15.xml><?xml version="1.0" encoding="utf-8"?>
-<p:sld xmlns:a="http://schemas.openxmlformats.org/drawingml/2006/main" xmlns:r="http://schemas.openxmlformats.org/officeDocument/2006/relationships" xmlns:p="http://schemas.openxmlformats.org/presentationml/2006/main">
+<p:sld xmlns:a="http://schemas.openxmlformats.org/drawingml/2006/main" xmlns:r="http://schemas.openxmlformats.org/officeDocument/2006/relationships" xmlns:p="http://schemas.openxmlformats.org/presentationml/2006/main" show="0">
   <p:cSld>
     <p:spTree>
       <p:nvGrpSpPr>
@@ -7777,6 +7827,14 @@
   <p:clrMapOvr>
     <a:masterClrMapping/>
   </p:clrMapOvr>
+  <mc:AlternateContent xmlns:mc="http://schemas.openxmlformats.org/markup-compatibility/2006" xmlns:p14="http://schemas.microsoft.com/office/powerpoint/2010/main">
+    <mc:Choice Requires="p14">
+      <p:transition spd="slow" p14:dur="2000"/>
+    </mc:Choice>
+    <mc:Fallback xmlns="">
+      <p:transition spd="slow"/>
+    </mc:Fallback>
+  </mc:AlternateContent>
   <p:timing>
     <p:tnLst>
       <p:par>
@@ -8271,7 +8329,7 @@
 </file>
 
 <file path=ppt/slides/slide16.xml><?xml version="1.0" encoding="utf-8"?>
-<p:sld xmlns:a="http://schemas.openxmlformats.org/drawingml/2006/main" xmlns:r="http://schemas.openxmlformats.org/officeDocument/2006/relationships" xmlns:p="http://schemas.openxmlformats.org/presentationml/2006/main">
+<p:sld xmlns:a="http://schemas.openxmlformats.org/drawingml/2006/main" xmlns:r="http://schemas.openxmlformats.org/officeDocument/2006/relationships" xmlns:p="http://schemas.openxmlformats.org/presentationml/2006/main" show="0">
   <p:cSld>
     <p:spTree>
       <p:nvGrpSpPr>
@@ -8400,6 +8458,14 @@
   <p:clrMapOvr>
     <a:masterClrMapping/>
   </p:clrMapOvr>
+  <mc:AlternateContent xmlns:mc="http://schemas.openxmlformats.org/markup-compatibility/2006" xmlns:p14="http://schemas.microsoft.com/office/powerpoint/2010/main">
+    <mc:Choice Requires="p14">
+      <p:transition spd="slow" p14:dur="2000"/>
+    </mc:Choice>
+    <mc:Fallback xmlns="">
+      <p:transition spd="slow"/>
+    </mc:Fallback>
+  </mc:AlternateContent>
   <p:timing>
     <p:tnLst>
       <p:par>
@@ -8483,6 +8549,285 @@
 </p:sld>
 </file>
 
+<file path=ppt/slides/slide17.xml><?xml version="1.0" encoding="utf-8"?>
+<p:sld xmlns:a="http://schemas.openxmlformats.org/drawingml/2006/main" xmlns:r="http://schemas.openxmlformats.org/officeDocument/2006/relationships" xmlns:p="http://schemas.openxmlformats.org/presentationml/2006/main">
+  <p:cSld>
+    <p:spTree>
+      <p:nvGrpSpPr>
+        <p:cNvPr id="1" name=""/>
+        <p:cNvGrpSpPr/>
+        <p:nvPr/>
+      </p:nvGrpSpPr>
+      <p:grpSpPr>
+        <a:xfrm>
+          <a:off x="0" y="0"/>
+          <a:ext cx="0" cy="0"/>
+          <a:chOff x="0" y="0"/>
+          <a:chExt cx="0" cy="0"/>
+        </a:xfrm>
+      </p:grpSpPr>
+      <p:sp>
+        <p:nvSpPr>
+          <p:cNvPr id="2" name="タイトル 1"/>
+          <p:cNvSpPr>
+            <a:spLocks noGrp="1"/>
+          </p:cNvSpPr>
+          <p:nvPr>
+            <p:ph type="title"/>
+          </p:nvPr>
+        </p:nvSpPr>
+        <p:spPr>
+          <a:xfrm>
+            <a:off x="934915" y="2149963"/>
+            <a:ext cx="10204939" cy="2562713"/>
+          </a:xfrm>
+        </p:spPr>
+        <p:txBody>
+          <a:bodyPr>
+            <a:normAutofit/>
+          </a:bodyPr>
+          <a:lstStyle/>
+          <a:p>
+            <a:pPr algn="ctr"/>
+            <a:r>
+              <a:rPr kumimoji="1" lang="ja-JP" altLang="en-US" sz="7200" b="1" dirty="0" smtClean="0">
+                <a:latin typeface="BIZ UDP明朝 Medium" panose="02020500000000000000" pitchFamily="18" charset="-128"/>
+                <a:ea typeface="BIZ UDP明朝 Medium" panose="02020500000000000000" pitchFamily="18" charset="-128"/>
+              </a:rPr>
+              <a:t>アンケートを元にタイトル画面の構成案を変更</a:t>
+            </a:r>
+            <a:endParaRPr kumimoji="1" lang="ja-JP" altLang="en-US" sz="7200" b="1" dirty="0">
+              <a:latin typeface="BIZ UDP明朝 Medium" panose="02020500000000000000" pitchFamily="18" charset="-128"/>
+              <a:ea typeface="BIZ UDP明朝 Medium" panose="02020500000000000000" pitchFamily="18" charset="-128"/>
+            </a:endParaRPr>
+          </a:p>
+        </p:txBody>
+      </p:sp>
+    </p:spTree>
+    <p:extLst>
+      <p:ext uri="{BB962C8B-B14F-4D97-AF65-F5344CB8AC3E}">
+        <p14:creationId xmlns:p14="http://schemas.microsoft.com/office/powerpoint/2010/main" val="886447838"/>
+      </p:ext>
+    </p:extLst>
+  </p:cSld>
+  <p:clrMapOvr>
+    <a:masterClrMapping/>
+  </p:clrMapOvr>
+  <mc:AlternateContent xmlns:mc="http://schemas.openxmlformats.org/markup-compatibility/2006" xmlns:p14="http://schemas.microsoft.com/office/powerpoint/2010/main">
+    <mc:Choice Requires="p14">
+      <p:transition spd="slow" p14:dur="2000"/>
+    </mc:Choice>
+    <mc:Fallback xmlns="">
+      <p:transition spd="slow"/>
+    </mc:Fallback>
+  </mc:AlternateContent>
+  <p:timing>
+    <p:tnLst>
+      <p:par>
+        <p:cTn id="1" dur="indefinite" restart="never" nodeType="tmRoot"/>
+      </p:par>
+    </p:tnLst>
+  </p:timing>
+</p:sld>
+</file>
+
+<file path=ppt/slides/slide18.xml><?xml version="1.0" encoding="utf-8"?>
+<p:sld xmlns:a="http://schemas.openxmlformats.org/drawingml/2006/main" xmlns:r="http://schemas.openxmlformats.org/officeDocument/2006/relationships" xmlns:p="http://schemas.openxmlformats.org/presentationml/2006/main">
+  <p:cSld>
+    <p:spTree>
+      <p:nvGrpSpPr>
+        <p:cNvPr id="1" name=""/>
+        <p:cNvGrpSpPr/>
+        <p:nvPr/>
+      </p:nvGrpSpPr>
+      <p:grpSpPr>
+        <a:xfrm>
+          <a:off x="0" y="0"/>
+          <a:ext cx="0" cy="0"/>
+          <a:chOff x="0" y="0"/>
+          <a:chExt cx="0" cy="0"/>
+        </a:xfrm>
+      </p:grpSpPr>
+      <p:sp>
+        <p:nvSpPr>
+          <p:cNvPr id="2" name="タイトル 1"/>
+          <p:cNvSpPr>
+            <a:spLocks noGrp="1"/>
+          </p:cNvSpPr>
+          <p:nvPr>
+            <p:ph type="title"/>
+          </p:nvPr>
+        </p:nvSpPr>
+        <p:spPr>
+          <a:xfrm>
+            <a:off x="908538" y="2519241"/>
+            <a:ext cx="10515600" cy="1325563"/>
+          </a:xfrm>
+        </p:spPr>
+        <p:txBody>
+          <a:bodyPr>
+            <a:normAutofit/>
+          </a:bodyPr>
+          <a:lstStyle/>
+          <a:p>
+            <a:pPr algn="ctr"/>
+            <a:r>
+              <a:rPr kumimoji="1" lang="ja-JP" altLang="en-US" sz="8800" b="1" dirty="0" smtClean="0"/>
+              <a:t>タイトル画面の案</a:t>
+            </a:r>
+            <a:endParaRPr kumimoji="1" lang="ja-JP" altLang="en-US" sz="8800" b="1" dirty="0"/>
+          </a:p>
+        </p:txBody>
+      </p:sp>
+      <p:sp>
+        <p:nvSpPr>
+          <p:cNvPr id="6" name="テキスト ボックス 5"/>
+          <p:cNvSpPr txBox="1"/>
+          <p:nvPr/>
+        </p:nvSpPr>
+        <p:spPr>
+          <a:xfrm>
+            <a:off x="3253153" y="4041164"/>
+            <a:ext cx="5512777" cy="369332"/>
+          </a:xfrm>
+          <a:prstGeom prst="rect">
+            <a:avLst/>
+          </a:prstGeom>
+          <a:noFill/>
+        </p:spPr>
+        <p:txBody>
+          <a:bodyPr wrap="square" rtlCol="0">
+            <a:spAutoFit/>
+          </a:bodyPr>
+          <a:lstStyle/>
+          <a:p>
+            <a:pPr algn="ctr"/>
+            <a:r>
+              <a:rPr kumimoji="1" lang="ja-JP" altLang="en-US" dirty="0" smtClean="0"/>
+              <a:t>案</a:t>
+            </a:r>
+            <a:r>
+              <a:rPr kumimoji="1" lang="en-US" altLang="ja-JP" dirty="0" smtClean="0"/>
+              <a:t>3</a:t>
+            </a:r>
+            <a:r>
+              <a:rPr kumimoji="1" lang="ja-JP" altLang="en-US" dirty="0" smtClean="0"/>
+              <a:t>を採用</a:t>
+            </a:r>
+            <a:endParaRPr kumimoji="1" lang="ja-JP" altLang="en-US" dirty="0"/>
+          </a:p>
+        </p:txBody>
+      </p:sp>
+    </p:spTree>
+    <p:extLst>
+      <p:ext uri="{BB962C8B-B14F-4D97-AF65-F5344CB8AC3E}">
+        <p14:creationId xmlns:p14="http://schemas.microsoft.com/office/powerpoint/2010/main" val="3679777523"/>
+      </p:ext>
+    </p:extLst>
+  </p:cSld>
+  <p:clrMapOvr>
+    <a:masterClrMapping/>
+  </p:clrMapOvr>
+  <mc:AlternateContent xmlns:mc="http://schemas.openxmlformats.org/markup-compatibility/2006" xmlns:p14="http://schemas.microsoft.com/office/powerpoint/2010/main">
+    <mc:Choice Requires="p14">
+      <p:transition spd="slow" p14:dur="2000"/>
+    </mc:Choice>
+    <mc:Fallback xmlns="">
+      <p:transition spd="slow"/>
+    </mc:Fallback>
+  </mc:AlternateContent>
+  <p:timing>
+    <p:tnLst>
+      <p:par>
+        <p:cTn id="1" dur="indefinite" restart="never" nodeType="tmRoot"/>
+      </p:par>
+    </p:tnLst>
+  </p:timing>
+</p:sld>
+</file>
+
+<file path=ppt/slides/slide19.xml><?xml version="1.0" encoding="utf-8"?>
+<p:sld xmlns:a="http://schemas.openxmlformats.org/drawingml/2006/main" xmlns:r="http://schemas.openxmlformats.org/officeDocument/2006/relationships" xmlns:p="http://schemas.openxmlformats.org/presentationml/2006/main">
+  <p:cSld>
+    <p:spTree>
+      <p:nvGrpSpPr>
+        <p:cNvPr id="1" name=""/>
+        <p:cNvGrpSpPr/>
+        <p:nvPr/>
+      </p:nvGrpSpPr>
+      <p:grpSpPr>
+        <a:xfrm>
+          <a:off x="0" y="0"/>
+          <a:ext cx="0" cy="0"/>
+          <a:chOff x="0" y="0"/>
+          <a:chExt cx="0" cy="0"/>
+        </a:xfrm>
+      </p:grpSpPr>
+      <p:sp>
+        <p:nvSpPr>
+          <p:cNvPr id="2" name="タイトル 1"/>
+          <p:cNvSpPr>
+            <a:spLocks noGrp="1"/>
+          </p:cNvSpPr>
+          <p:nvPr>
+            <p:ph type="title"/>
+          </p:nvPr>
+        </p:nvSpPr>
+        <p:spPr>
+          <a:xfrm>
+            <a:off x="908538" y="2519241"/>
+            <a:ext cx="10515600" cy="1325563"/>
+          </a:xfrm>
+        </p:spPr>
+        <p:txBody>
+          <a:bodyPr>
+            <a:normAutofit/>
+          </a:bodyPr>
+          <a:lstStyle/>
+          <a:p>
+            <a:pPr algn="ctr"/>
+            <a:r>
+              <a:rPr kumimoji="1" lang="ja-JP" altLang="en-US" sz="7200" b="1" dirty="0" smtClean="0">
+                <a:latin typeface="BIZ UDP明朝 Medium" panose="02020500000000000000" pitchFamily="18" charset="-128"/>
+                <a:ea typeface="BIZ UDP明朝 Medium" panose="02020500000000000000" pitchFamily="18" charset="-128"/>
+              </a:rPr>
+              <a:t>タイトル画面の案１</a:t>
+            </a:r>
+            <a:endParaRPr kumimoji="1" lang="ja-JP" altLang="en-US" sz="7200" b="1" dirty="0">
+              <a:latin typeface="BIZ UDP明朝 Medium" panose="02020500000000000000" pitchFamily="18" charset="-128"/>
+              <a:ea typeface="BIZ UDP明朝 Medium" panose="02020500000000000000" pitchFamily="18" charset="-128"/>
+            </a:endParaRPr>
+          </a:p>
+        </p:txBody>
+      </p:sp>
+    </p:spTree>
+    <p:extLst>
+      <p:ext uri="{BB962C8B-B14F-4D97-AF65-F5344CB8AC3E}">
+        <p14:creationId xmlns:p14="http://schemas.microsoft.com/office/powerpoint/2010/main" val="2281302092"/>
+      </p:ext>
+    </p:extLst>
+  </p:cSld>
+  <p:clrMapOvr>
+    <a:masterClrMapping/>
+  </p:clrMapOvr>
+  <mc:AlternateContent xmlns:mc="http://schemas.openxmlformats.org/markup-compatibility/2006" xmlns:p14="http://schemas.microsoft.com/office/powerpoint/2010/main">
+    <mc:Choice Requires="p14">
+      <p:transition spd="slow" p14:dur="2000"/>
+    </mc:Choice>
+    <mc:Fallback xmlns="">
+      <p:transition spd="slow"/>
+    </mc:Fallback>
+  </mc:AlternateContent>
+  <p:timing>
+    <p:tnLst>
+      <p:par>
+        <p:cTn id="1" dur="indefinite" restart="never" nodeType="tmRoot"/>
+      </p:par>
+    </p:tnLst>
+  </p:timing>
+</p:sld>
+</file>
+
 <file path=ppt/slides/slide2.xml><?xml version="1.0" encoding="utf-8"?>
 <p:sld xmlns:a="http://schemas.openxmlformats.org/drawingml/2006/main" xmlns:r="http://schemas.openxmlformats.org/officeDocument/2006/relationships" xmlns:p="http://schemas.openxmlformats.org/presentationml/2006/main">
   <p:cSld>
@@ -8613,6 +8958,6390 @@
         <p:cTn id="1" dur="indefinite" restart="never" nodeType="tmRoot"/>
       </p:par>
     </p:tnLst>
+  </p:timing>
+</p:sld>
+</file>
+
+<file path=ppt/slides/slide20.xml><?xml version="1.0" encoding="utf-8"?>
+<p:sld xmlns:a="http://schemas.openxmlformats.org/drawingml/2006/main" xmlns:r="http://schemas.openxmlformats.org/officeDocument/2006/relationships" xmlns:p="http://schemas.openxmlformats.org/presentationml/2006/main">
+  <p:cSld>
+    <p:spTree>
+      <p:nvGrpSpPr>
+        <p:cNvPr id="1" name=""/>
+        <p:cNvGrpSpPr/>
+        <p:nvPr/>
+      </p:nvGrpSpPr>
+      <p:grpSpPr>
+        <a:xfrm>
+          <a:off x="0" y="0"/>
+          <a:ext cx="0" cy="0"/>
+          <a:chOff x="0" y="0"/>
+          <a:chExt cx="0" cy="0"/>
+        </a:xfrm>
+      </p:grpSpPr>
+      <p:sp>
+        <p:nvSpPr>
+          <p:cNvPr id="4" name="正方形/長方形 3"/>
+          <p:cNvSpPr/>
+          <p:nvPr/>
+        </p:nvSpPr>
+        <p:spPr>
+          <a:xfrm rot="2211766">
+            <a:off x="703384" y="3235570"/>
+            <a:ext cx="2286000" cy="1019908"/>
+          </a:xfrm>
+          <a:prstGeom prst="rect">
+            <a:avLst/>
+          </a:prstGeom>
+        </p:spPr>
+        <p:style>
+          <a:lnRef idx="1">
+            <a:schemeClr val="dk1"/>
+          </a:lnRef>
+          <a:fillRef idx="2">
+            <a:schemeClr val="dk1"/>
+          </a:fillRef>
+          <a:effectRef idx="1">
+            <a:schemeClr val="dk1"/>
+          </a:effectRef>
+          <a:fontRef idx="minor">
+            <a:schemeClr val="dk1"/>
+          </a:fontRef>
+        </p:style>
+        <p:txBody>
+          <a:bodyPr rtlCol="0" anchor="ctr"/>
+          <a:lstStyle/>
+          <a:p>
+            <a:pPr algn="ctr"/>
+            <a:r>
+              <a:rPr lang="ja-JP" altLang="en-US" sz="2400" b="1" dirty="0">
+                <a:ln>
+                  <a:solidFill>
+                    <a:schemeClr val="bg1"/>
+                  </a:solidFill>
+                </a:ln>
+                <a:solidFill>
+                  <a:schemeClr val="bg1"/>
+                </a:solidFill>
+              </a:rPr>
+              <a:t>車のモデル</a:t>
+            </a:r>
+            <a:r>
+              <a:rPr lang="ja-JP" altLang="en-US" sz="2400" b="1" dirty="0">
+                <a:ln>
+                  <a:solidFill>
+                    <a:schemeClr val="bg1"/>
+                  </a:solidFill>
+                </a:ln>
+                <a:solidFill>
+                  <a:srgbClr val="0070C0"/>
+                </a:solidFill>
+              </a:rPr>
+              <a:t>１</a:t>
+            </a:r>
+            <a:r>
+              <a:rPr lang="en-US" altLang="ja-JP" sz="2400" b="1" dirty="0">
+                <a:ln>
+                  <a:solidFill>
+                    <a:schemeClr val="bg1"/>
+                  </a:solidFill>
+                </a:ln>
+                <a:solidFill>
+                  <a:srgbClr val="0070C0"/>
+                </a:solidFill>
+              </a:rPr>
+              <a:t>P</a:t>
+            </a:r>
+            <a:endParaRPr lang="ja-JP" altLang="en-US" sz="2400" b="1" dirty="0">
+              <a:ln>
+                <a:solidFill>
+                  <a:schemeClr val="bg1"/>
+                </a:solidFill>
+              </a:ln>
+              <a:solidFill>
+                <a:srgbClr val="0070C0"/>
+              </a:solidFill>
+            </a:endParaRPr>
+          </a:p>
+        </p:txBody>
+      </p:sp>
+      <p:sp>
+        <p:nvSpPr>
+          <p:cNvPr id="5" name="正方形/長方形 4"/>
+          <p:cNvSpPr/>
+          <p:nvPr/>
+        </p:nvSpPr>
+        <p:spPr>
+          <a:xfrm>
+            <a:off x="2514599" y="527539"/>
+            <a:ext cx="7587762" cy="2154115"/>
+          </a:xfrm>
+          <a:prstGeom prst="rect">
+            <a:avLst/>
+          </a:prstGeom>
+        </p:spPr>
+        <p:style>
+          <a:lnRef idx="2">
+            <a:schemeClr val="accent1">
+              <a:shade val="50000"/>
+            </a:schemeClr>
+          </a:lnRef>
+          <a:fillRef idx="1">
+            <a:schemeClr val="accent1"/>
+          </a:fillRef>
+          <a:effectRef idx="0">
+            <a:schemeClr val="accent1"/>
+          </a:effectRef>
+          <a:fontRef idx="minor">
+            <a:schemeClr val="lt1"/>
+          </a:fontRef>
+        </p:style>
+        <p:txBody>
+          <a:bodyPr rtlCol="0" anchor="ctr"/>
+          <a:lstStyle/>
+          <a:p>
+            <a:pPr algn="ctr"/>
+            <a:endParaRPr kumimoji="1" lang="ja-JP" altLang="en-US"/>
+          </a:p>
+        </p:txBody>
+      </p:sp>
+      <p:sp>
+        <p:nvSpPr>
+          <p:cNvPr id="6" name="正方形/長方形 5"/>
+          <p:cNvSpPr/>
+          <p:nvPr/>
+        </p:nvSpPr>
+        <p:spPr>
+          <a:xfrm rot="20069660">
+            <a:off x="9067554" y="3467032"/>
+            <a:ext cx="2286000" cy="1019908"/>
+          </a:xfrm>
+          <a:prstGeom prst="rect">
+            <a:avLst/>
+          </a:prstGeom>
+        </p:spPr>
+        <p:style>
+          <a:lnRef idx="1">
+            <a:schemeClr val="dk1"/>
+          </a:lnRef>
+          <a:fillRef idx="2">
+            <a:schemeClr val="dk1"/>
+          </a:fillRef>
+          <a:effectRef idx="1">
+            <a:schemeClr val="dk1"/>
+          </a:effectRef>
+          <a:fontRef idx="minor">
+            <a:schemeClr val="dk1"/>
+          </a:fontRef>
+        </p:style>
+        <p:txBody>
+          <a:bodyPr rtlCol="0" anchor="ctr"/>
+          <a:lstStyle/>
+          <a:p>
+            <a:pPr algn="ctr"/>
+            <a:r>
+              <a:rPr lang="ja-JP" altLang="en-US" sz="2400" b="1" dirty="0">
+                <a:ln>
+                  <a:solidFill>
+                    <a:schemeClr val="bg1"/>
+                  </a:solidFill>
+                </a:ln>
+                <a:solidFill>
+                  <a:schemeClr val="bg1"/>
+                </a:solidFill>
+              </a:rPr>
+              <a:t>車のモデル</a:t>
+            </a:r>
+            <a:r>
+              <a:rPr lang="en-US" altLang="ja-JP" sz="2400" b="1" dirty="0">
+                <a:ln>
+                  <a:solidFill>
+                    <a:schemeClr val="bg1"/>
+                  </a:solidFill>
+                </a:ln>
+                <a:solidFill>
+                  <a:srgbClr val="FF0000"/>
+                </a:solidFill>
+              </a:rPr>
+              <a:t>2P</a:t>
+            </a:r>
+            <a:endParaRPr lang="ja-JP" altLang="en-US" sz="2400" b="1" dirty="0">
+              <a:ln>
+                <a:solidFill>
+                  <a:schemeClr val="bg1"/>
+                </a:solidFill>
+              </a:ln>
+              <a:solidFill>
+                <a:srgbClr val="FF0000"/>
+              </a:solidFill>
+            </a:endParaRPr>
+          </a:p>
+        </p:txBody>
+      </p:sp>
+      <p:sp>
+        <p:nvSpPr>
+          <p:cNvPr id="7" name="右矢印 6"/>
+          <p:cNvSpPr/>
+          <p:nvPr/>
+        </p:nvSpPr>
+        <p:spPr>
+          <a:xfrm rot="2211766">
+            <a:off x="2297139" y="4888523"/>
+            <a:ext cx="3938954" cy="1248508"/>
+          </a:xfrm>
+          <a:prstGeom prst="rightArrow">
+            <a:avLst>
+              <a:gd name="adj1" fmla="val 50000"/>
+              <a:gd name="adj2" fmla="val 116901"/>
+            </a:avLst>
+          </a:prstGeom>
+        </p:spPr>
+        <p:style>
+          <a:lnRef idx="2">
+            <a:schemeClr val="accent1">
+              <a:shade val="50000"/>
+            </a:schemeClr>
+          </a:lnRef>
+          <a:fillRef idx="1">
+            <a:schemeClr val="accent1"/>
+          </a:fillRef>
+          <a:effectRef idx="0">
+            <a:schemeClr val="accent1"/>
+          </a:effectRef>
+          <a:fontRef idx="minor">
+            <a:schemeClr val="lt1"/>
+          </a:fontRef>
+        </p:style>
+        <p:txBody>
+          <a:bodyPr rtlCol="0" anchor="ctr"/>
+          <a:lstStyle/>
+          <a:p>
+            <a:pPr algn="ctr"/>
+            <a:endParaRPr kumimoji="1" lang="ja-JP" altLang="en-US"/>
+          </a:p>
+        </p:txBody>
+      </p:sp>
+      <p:sp>
+        <p:nvSpPr>
+          <p:cNvPr id="8" name="テキスト ボックス 7"/>
+          <p:cNvSpPr txBox="1"/>
+          <p:nvPr/>
+        </p:nvSpPr>
+        <p:spPr>
+          <a:xfrm rot="2211766">
+            <a:off x="2226797" y="6066665"/>
+            <a:ext cx="2356340" cy="369332"/>
+          </a:xfrm>
+          <a:prstGeom prst="rect">
+            <a:avLst/>
+          </a:prstGeom>
+          <a:noFill/>
+        </p:spPr>
+        <p:txBody>
+          <a:bodyPr wrap="square" rtlCol="0">
+            <a:spAutoFit/>
+          </a:bodyPr>
+          <a:lstStyle/>
+          <a:p>
+            <a:r>
+              <a:rPr kumimoji="1" lang="ja-JP" altLang="en-US" dirty="0" smtClean="0"/>
+              <a:t>決定したら画面外へ</a:t>
+            </a:r>
+            <a:endParaRPr kumimoji="1" lang="ja-JP" altLang="en-US" dirty="0"/>
+          </a:p>
+        </p:txBody>
+      </p:sp>
+      <p:sp>
+        <p:nvSpPr>
+          <p:cNvPr id="9" name="テキスト ボックス 8"/>
+          <p:cNvSpPr txBox="1"/>
+          <p:nvPr/>
+        </p:nvSpPr>
+        <p:spPr>
+          <a:xfrm rot="20069660">
+            <a:off x="7379429" y="5885002"/>
+            <a:ext cx="2356340" cy="369332"/>
+          </a:xfrm>
+          <a:prstGeom prst="rect">
+            <a:avLst/>
+          </a:prstGeom>
+          <a:noFill/>
+        </p:spPr>
+        <p:txBody>
+          <a:bodyPr wrap="square" rtlCol="0">
+            <a:spAutoFit/>
+          </a:bodyPr>
+          <a:lstStyle/>
+          <a:p>
+            <a:r>
+              <a:rPr kumimoji="1" lang="ja-JP" altLang="en-US" dirty="0" smtClean="0"/>
+              <a:t>決定したら画面外へ</a:t>
+            </a:r>
+            <a:endParaRPr kumimoji="1" lang="ja-JP" altLang="en-US" dirty="0"/>
+          </a:p>
+        </p:txBody>
+      </p:sp>
+      <p:sp>
+        <p:nvSpPr>
+          <p:cNvPr id="10" name="右矢印 9"/>
+          <p:cNvSpPr/>
+          <p:nvPr/>
+        </p:nvSpPr>
+        <p:spPr>
+          <a:xfrm rot="9269660">
+            <a:off x="5543306" y="4697955"/>
+            <a:ext cx="3938954" cy="1248508"/>
+          </a:xfrm>
+          <a:prstGeom prst="rightArrow">
+            <a:avLst>
+              <a:gd name="adj1" fmla="val 50000"/>
+              <a:gd name="adj2" fmla="val 116901"/>
+            </a:avLst>
+          </a:prstGeom>
+        </p:spPr>
+        <p:style>
+          <a:lnRef idx="2">
+            <a:schemeClr val="accent1">
+              <a:shade val="50000"/>
+            </a:schemeClr>
+          </a:lnRef>
+          <a:fillRef idx="1">
+            <a:schemeClr val="accent1"/>
+          </a:fillRef>
+          <a:effectRef idx="0">
+            <a:schemeClr val="accent1"/>
+          </a:effectRef>
+          <a:fontRef idx="minor">
+            <a:schemeClr val="lt1"/>
+          </a:fontRef>
+        </p:style>
+        <p:txBody>
+          <a:bodyPr rtlCol="0" anchor="ctr"/>
+          <a:lstStyle/>
+          <a:p>
+            <a:pPr algn="ctr"/>
+            <a:endParaRPr kumimoji="1" lang="ja-JP" altLang="en-US"/>
+          </a:p>
+        </p:txBody>
+      </p:sp>
+      <p:sp>
+        <p:nvSpPr>
+          <p:cNvPr id="11" name="正方形/長方形 10"/>
+          <p:cNvSpPr/>
+          <p:nvPr/>
+        </p:nvSpPr>
+        <p:spPr>
+          <a:xfrm>
+            <a:off x="3165230" y="940777"/>
+            <a:ext cx="6057900" cy="1380392"/>
+          </a:xfrm>
+          <a:prstGeom prst="rect">
+            <a:avLst/>
+          </a:prstGeom>
+        </p:spPr>
+        <p:style>
+          <a:lnRef idx="2">
+            <a:schemeClr val="dk1"/>
+          </a:lnRef>
+          <a:fillRef idx="1">
+            <a:schemeClr val="lt1"/>
+          </a:fillRef>
+          <a:effectRef idx="0">
+            <a:schemeClr val="dk1"/>
+          </a:effectRef>
+          <a:fontRef idx="minor">
+            <a:schemeClr val="dk1"/>
+          </a:fontRef>
+        </p:style>
+        <p:txBody>
+          <a:bodyPr rtlCol="0" anchor="ctr"/>
+          <a:lstStyle/>
+          <a:p>
+            <a:pPr algn="ctr"/>
+            <a:r>
+              <a:rPr kumimoji="1" lang="ja-JP" altLang="en-US" sz="7200" b="1" dirty="0" smtClean="0">
+                <a:effectLst>
+                  <a:outerShdw blurRad="38100" dist="38100" dir="2700000" algn="tl">
+                    <a:srgbClr val="000000">
+                      <a:alpha val="43137"/>
+                    </a:srgbClr>
+                  </a:outerShdw>
+                </a:effectLst>
+              </a:rPr>
+              <a:t>タイトル</a:t>
+            </a:r>
+            <a:endParaRPr kumimoji="1" lang="ja-JP" altLang="en-US" sz="7200" b="1" dirty="0">
+              <a:effectLst>
+                <a:outerShdw blurRad="38100" dist="38100" dir="2700000" algn="tl">
+                  <a:srgbClr val="000000">
+                    <a:alpha val="43137"/>
+                  </a:srgbClr>
+                </a:outerShdw>
+              </a:effectLst>
+            </a:endParaRPr>
+          </a:p>
+        </p:txBody>
+      </p:sp>
+      <p:sp>
+        <p:nvSpPr>
+          <p:cNvPr id="20" name="テキスト ボックス 19"/>
+          <p:cNvSpPr txBox="1"/>
+          <p:nvPr/>
+        </p:nvSpPr>
+        <p:spPr>
+          <a:xfrm>
+            <a:off x="4834906" y="3910735"/>
+            <a:ext cx="2356340" cy="369332"/>
+          </a:xfrm>
+          <a:prstGeom prst="rect">
+            <a:avLst/>
+          </a:prstGeom>
+          <a:noFill/>
+        </p:spPr>
+        <p:txBody>
+          <a:bodyPr wrap="square" rtlCol="0">
+            <a:spAutoFit/>
+          </a:bodyPr>
+          <a:lstStyle/>
+          <a:p>
+            <a:r>
+              <a:rPr kumimoji="1" lang="ja-JP" altLang="en-US" dirty="0" smtClean="0"/>
+              <a:t>車をクロスさせる</a:t>
+            </a:r>
+            <a:endParaRPr kumimoji="1" lang="ja-JP" altLang="en-US" dirty="0"/>
+          </a:p>
+        </p:txBody>
+      </p:sp>
+      <p:sp>
+        <p:nvSpPr>
+          <p:cNvPr id="21" name="テキスト ボックス 20"/>
+          <p:cNvSpPr txBox="1"/>
+          <p:nvPr/>
+        </p:nvSpPr>
+        <p:spPr>
+          <a:xfrm>
+            <a:off x="2560905" y="897190"/>
+            <a:ext cx="604325" cy="461665"/>
+          </a:xfrm>
+          <a:prstGeom prst="rect">
+            <a:avLst/>
+          </a:prstGeom>
+          <a:solidFill>
+            <a:schemeClr val="bg1"/>
+          </a:solidFill>
+        </p:spPr>
+        <p:txBody>
+          <a:bodyPr wrap="square" rtlCol="0">
+            <a:spAutoFit/>
+          </a:bodyPr>
+          <a:lstStyle/>
+          <a:p>
+            <a:pPr algn="ctr"/>
+            <a:r>
+              <a:rPr kumimoji="1" lang="en-US" altLang="ja-JP" sz="2400" b="1" dirty="0" smtClean="0">
+                <a:solidFill>
+                  <a:srgbClr val="7030A0"/>
+                </a:solidFill>
+              </a:rPr>
+              <a:t>2D</a:t>
+            </a:r>
+            <a:endParaRPr kumimoji="1" lang="ja-JP" altLang="en-US" sz="2400" b="1" dirty="0">
+              <a:solidFill>
+                <a:srgbClr val="7030A0"/>
+              </a:solidFill>
+            </a:endParaRPr>
+          </a:p>
+        </p:txBody>
+      </p:sp>
+      <p:sp>
+        <p:nvSpPr>
+          <p:cNvPr id="23" name="テキスト ボックス 22"/>
+          <p:cNvSpPr txBox="1"/>
+          <p:nvPr/>
+        </p:nvSpPr>
+        <p:spPr>
+          <a:xfrm>
+            <a:off x="1011114" y="2554097"/>
+            <a:ext cx="641839" cy="461665"/>
+          </a:xfrm>
+          <a:prstGeom prst="rect">
+            <a:avLst/>
+          </a:prstGeom>
+          <a:solidFill>
+            <a:schemeClr val="bg1"/>
+          </a:solidFill>
+        </p:spPr>
+        <p:txBody>
+          <a:bodyPr wrap="square" rtlCol="0">
+            <a:spAutoFit/>
+          </a:bodyPr>
+          <a:lstStyle/>
+          <a:p>
+            <a:pPr algn="ctr"/>
+            <a:r>
+              <a:rPr kumimoji="1" lang="en-US" altLang="ja-JP" sz="2400" b="1" dirty="0" smtClean="0">
+                <a:solidFill>
+                  <a:srgbClr val="7030A0"/>
+                </a:solidFill>
+              </a:rPr>
+              <a:t>3D</a:t>
+            </a:r>
+            <a:endParaRPr kumimoji="1" lang="ja-JP" altLang="en-US" sz="2400" b="1" dirty="0">
+              <a:solidFill>
+                <a:srgbClr val="7030A0"/>
+              </a:solidFill>
+            </a:endParaRPr>
+          </a:p>
+        </p:txBody>
+      </p:sp>
+      <p:sp>
+        <p:nvSpPr>
+          <p:cNvPr id="24" name="テキスト ボックス 23"/>
+          <p:cNvSpPr txBox="1"/>
+          <p:nvPr/>
+        </p:nvSpPr>
+        <p:spPr>
+          <a:xfrm>
+            <a:off x="10597661" y="2826658"/>
+            <a:ext cx="641839" cy="461665"/>
+          </a:xfrm>
+          <a:prstGeom prst="rect">
+            <a:avLst/>
+          </a:prstGeom>
+          <a:solidFill>
+            <a:schemeClr val="bg1"/>
+          </a:solidFill>
+        </p:spPr>
+        <p:txBody>
+          <a:bodyPr wrap="square" rtlCol="0">
+            <a:spAutoFit/>
+          </a:bodyPr>
+          <a:lstStyle/>
+          <a:p>
+            <a:pPr algn="ctr"/>
+            <a:r>
+              <a:rPr kumimoji="1" lang="en-US" altLang="ja-JP" sz="2400" b="1" dirty="0" smtClean="0">
+                <a:solidFill>
+                  <a:srgbClr val="7030A0"/>
+                </a:solidFill>
+              </a:rPr>
+              <a:t>3D</a:t>
+            </a:r>
+            <a:endParaRPr kumimoji="1" lang="ja-JP" altLang="en-US" sz="2400" b="1" dirty="0">
+              <a:solidFill>
+                <a:srgbClr val="7030A0"/>
+              </a:solidFill>
+            </a:endParaRPr>
+          </a:p>
+        </p:txBody>
+      </p:sp>
+      <p:sp>
+        <p:nvSpPr>
+          <p:cNvPr id="25" name="正方形/長方形 24"/>
+          <p:cNvSpPr/>
+          <p:nvPr/>
+        </p:nvSpPr>
+        <p:spPr>
+          <a:xfrm>
+            <a:off x="218646" y="297331"/>
+            <a:ext cx="652743" cy="461665"/>
+          </a:xfrm>
+          <a:prstGeom prst="rect">
+            <a:avLst/>
+          </a:prstGeom>
+        </p:spPr>
+        <p:txBody>
+          <a:bodyPr wrap="none">
+            <a:spAutoFit/>
+          </a:bodyPr>
+          <a:lstStyle/>
+          <a:p>
+            <a:r>
+              <a:rPr lang="ja-JP" altLang="en-US" sz="2400" b="1" dirty="0">
+                <a:latin typeface="BIZ UDP明朝 Medium" panose="02020500000000000000" pitchFamily="18" charset="-128"/>
+                <a:ea typeface="BIZ UDP明朝 Medium" panose="02020500000000000000" pitchFamily="18" charset="-128"/>
+              </a:rPr>
+              <a:t>案１</a:t>
+            </a:r>
+            <a:endParaRPr lang="ja-JP" altLang="en-US" sz="2400" dirty="0"/>
+          </a:p>
+        </p:txBody>
+      </p:sp>
+      <p:sp>
+        <p:nvSpPr>
+          <p:cNvPr id="26" name="テキスト ボックス 25"/>
+          <p:cNvSpPr txBox="1"/>
+          <p:nvPr/>
+        </p:nvSpPr>
+        <p:spPr>
+          <a:xfrm>
+            <a:off x="474603" y="1465142"/>
+            <a:ext cx="1811396" cy="369332"/>
+          </a:xfrm>
+          <a:prstGeom prst="rect">
+            <a:avLst/>
+          </a:prstGeom>
+          <a:noFill/>
+        </p:spPr>
+        <p:txBody>
+          <a:bodyPr wrap="square" rtlCol="0">
+            <a:spAutoFit/>
+          </a:bodyPr>
+          <a:lstStyle/>
+          <a:p>
+            <a:pPr algn="ctr"/>
+            <a:r>
+              <a:rPr kumimoji="1" lang="ja-JP" altLang="en-US" dirty="0" smtClean="0"/>
+              <a:t>背景は</a:t>
+            </a:r>
+            <a:r>
+              <a:rPr lang="en-US" altLang="ja-JP" b="1" dirty="0">
+                <a:solidFill>
+                  <a:srgbClr val="7030A0"/>
+                </a:solidFill>
+              </a:rPr>
+              <a:t>2D</a:t>
+            </a:r>
+            <a:endParaRPr lang="ja-JP" altLang="en-US" b="1" dirty="0">
+              <a:solidFill>
+                <a:srgbClr val="7030A0"/>
+              </a:solidFill>
+            </a:endParaRPr>
+          </a:p>
+        </p:txBody>
+      </p:sp>
+    </p:spTree>
+    <p:extLst>
+      <p:ext uri="{BB962C8B-B14F-4D97-AF65-F5344CB8AC3E}">
+        <p14:creationId xmlns:p14="http://schemas.microsoft.com/office/powerpoint/2010/main" val="3036785420"/>
+      </p:ext>
+    </p:extLst>
+  </p:cSld>
+  <p:clrMapOvr>
+    <a:masterClrMapping/>
+  </p:clrMapOvr>
+  <p:timing>
+    <p:tnLst>
+      <p:par>
+        <p:cTn id="1" dur="indefinite" restart="never" nodeType="tmRoot">
+          <p:childTnLst>
+            <p:seq concurrent="1" nextAc="seek">
+              <p:cTn id="2" dur="indefinite" nodeType="mainSeq">
+                <p:childTnLst>
+                  <p:par>
+                    <p:cTn id="3" fill="hold">
+                      <p:stCondLst>
+                        <p:cond delay="indefinite"/>
+                      </p:stCondLst>
+                      <p:childTnLst>
+                        <p:par>
+                          <p:cTn id="4" fill="hold">
+                            <p:stCondLst>
+                              <p:cond delay="0"/>
+                            </p:stCondLst>
+                            <p:childTnLst>
+                              <p:par>
+                                <p:cTn id="5" presetID="2" presetClass="exit" presetSubtype="6" fill="hold" grpId="0" nodeType="clickEffect">
+                                  <p:stCondLst>
+                                    <p:cond delay="0"/>
+                                  </p:stCondLst>
+                                  <p:childTnLst>
+                                    <p:anim calcmode="lin" valueType="num">
+                                      <p:cBhvr additive="base">
+                                        <p:cTn id="6" dur="500"/>
+                                        <p:tgtEl>
+                                          <p:spTgt spid="4"/>
+                                        </p:tgtEl>
+                                        <p:attrNameLst>
+                                          <p:attrName>ppt_x</p:attrName>
+                                        </p:attrNameLst>
+                                      </p:cBhvr>
+                                      <p:tavLst>
+                                        <p:tav tm="0">
+                                          <p:val>
+                                            <p:strVal val="ppt_x"/>
+                                          </p:val>
+                                        </p:tav>
+                                        <p:tav tm="100000">
+                                          <p:val>
+                                            <p:strVal val="1+ppt_w/2"/>
+                                          </p:val>
+                                        </p:tav>
+                                      </p:tavLst>
+                                    </p:anim>
+                                    <p:anim calcmode="lin" valueType="num">
+                                      <p:cBhvr additive="base">
+                                        <p:cTn id="7" dur="500"/>
+                                        <p:tgtEl>
+                                          <p:spTgt spid="4"/>
+                                        </p:tgtEl>
+                                        <p:attrNameLst>
+                                          <p:attrName>ppt_y</p:attrName>
+                                        </p:attrNameLst>
+                                      </p:cBhvr>
+                                      <p:tavLst>
+                                        <p:tav tm="0">
+                                          <p:val>
+                                            <p:strVal val="ppt_y"/>
+                                          </p:val>
+                                        </p:tav>
+                                        <p:tav tm="100000">
+                                          <p:val>
+                                            <p:strVal val="1+ppt_h/2"/>
+                                          </p:val>
+                                        </p:tav>
+                                      </p:tavLst>
+                                    </p:anim>
+                                    <p:set>
+                                      <p:cBhvr>
+                                        <p:cTn id="8" dur="1" fill="hold">
+                                          <p:stCondLst>
+                                            <p:cond delay="499"/>
+                                          </p:stCondLst>
+                                        </p:cTn>
+                                        <p:tgtEl>
+                                          <p:spTgt spid="4"/>
+                                        </p:tgtEl>
+                                        <p:attrNameLst>
+                                          <p:attrName>style.visibility</p:attrName>
+                                        </p:attrNameLst>
+                                      </p:cBhvr>
+                                      <p:to>
+                                        <p:strVal val="hidden"/>
+                                      </p:to>
+                                    </p:set>
+                                  </p:childTnLst>
+                                </p:cTn>
+                              </p:par>
+                              <p:par>
+                                <p:cTn id="9" presetID="2" presetClass="exit" presetSubtype="12" fill="hold" grpId="0" nodeType="withEffect">
+                                  <p:stCondLst>
+                                    <p:cond delay="250"/>
+                                  </p:stCondLst>
+                                  <p:childTnLst>
+                                    <p:anim calcmode="lin" valueType="num">
+                                      <p:cBhvr additive="base">
+                                        <p:cTn id="10" dur="1000"/>
+                                        <p:tgtEl>
+                                          <p:spTgt spid="6"/>
+                                        </p:tgtEl>
+                                        <p:attrNameLst>
+                                          <p:attrName>ppt_x</p:attrName>
+                                        </p:attrNameLst>
+                                      </p:cBhvr>
+                                      <p:tavLst>
+                                        <p:tav tm="0">
+                                          <p:val>
+                                            <p:strVal val="ppt_x"/>
+                                          </p:val>
+                                        </p:tav>
+                                        <p:tav tm="100000">
+                                          <p:val>
+                                            <p:strVal val="0-ppt_w/2"/>
+                                          </p:val>
+                                        </p:tav>
+                                      </p:tavLst>
+                                    </p:anim>
+                                    <p:anim calcmode="lin" valueType="num">
+                                      <p:cBhvr additive="base">
+                                        <p:cTn id="11" dur="1000"/>
+                                        <p:tgtEl>
+                                          <p:spTgt spid="6"/>
+                                        </p:tgtEl>
+                                        <p:attrNameLst>
+                                          <p:attrName>ppt_y</p:attrName>
+                                        </p:attrNameLst>
+                                      </p:cBhvr>
+                                      <p:tavLst>
+                                        <p:tav tm="0">
+                                          <p:val>
+                                            <p:strVal val="ppt_y"/>
+                                          </p:val>
+                                        </p:tav>
+                                        <p:tav tm="100000">
+                                          <p:val>
+                                            <p:strVal val="1+ppt_h/2"/>
+                                          </p:val>
+                                        </p:tav>
+                                      </p:tavLst>
+                                    </p:anim>
+                                    <p:set>
+                                      <p:cBhvr>
+                                        <p:cTn id="12" dur="1" fill="hold">
+                                          <p:stCondLst>
+                                            <p:cond delay="999"/>
+                                          </p:stCondLst>
+                                        </p:cTn>
+                                        <p:tgtEl>
+                                          <p:spTgt spid="6"/>
+                                        </p:tgtEl>
+                                        <p:attrNameLst>
+                                          <p:attrName>style.visibility</p:attrName>
+                                        </p:attrNameLst>
+                                      </p:cBhvr>
+                                      <p:to>
+                                        <p:strVal val="hidden"/>
+                                      </p:to>
+                                    </p:set>
+                                  </p:childTnLst>
+                                </p:cTn>
+                              </p:par>
+                            </p:childTnLst>
+                          </p:cTn>
+                        </p:par>
+                      </p:childTnLst>
+                    </p:cTn>
+                  </p:par>
+                </p:childTnLst>
+              </p:cTn>
+              <p:prevCondLst>
+                <p:cond evt="onPrev" delay="0">
+                  <p:tgtEl>
+                    <p:sldTgt/>
+                  </p:tgtEl>
+                </p:cond>
+              </p:prevCondLst>
+              <p:nextCondLst>
+                <p:cond evt="onNext" delay="0">
+                  <p:tgtEl>
+                    <p:sldTgt/>
+                  </p:tgtEl>
+                </p:cond>
+              </p:nextCondLst>
+            </p:seq>
+          </p:childTnLst>
+        </p:cTn>
+      </p:par>
+    </p:tnLst>
+    <p:bldLst>
+      <p:bldP spid="4" grpId="0" animBg="1"/>
+      <p:bldP spid="6" grpId="0" animBg="1"/>
+    </p:bldLst>
+  </p:timing>
+</p:sld>
+</file>
+
+<file path=ppt/slides/slide21.xml><?xml version="1.0" encoding="utf-8"?>
+<p:sld xmlns:a="http://schemas.openxmlformats.org/drawingml/2006/main" xmlns:r="http://schemas.openxmlformats.org/officeDocument/2006/relationships" xmlns:p="http://schemas.openxmlformats.org/presentationml/2006/main">
+  <p:cSld>
+    <p:spTree>
+      <p:nvGrpSpPr>
+        <p:cNvPr id="1" name=""/>
+        <p:cNvGrpSpPr/>
+        <p:nvPr/>
+      </p:nvGrpSpPr>
+      <p:grpSpPr>
+        <a:xfrm>
+          <a:off x="0" y="0"/>
+          <a:ext cx="0" cy="0"/>
+          <a:chOff x="0" y="0"/>
+          <a:chExt cx="0" cy="0"/>
+        </a:xfrm>
+      </p:grpSpPr>
+      <p:sp>
+        <p:nvSpPr>
+          <p:cNvPr id="2" name="タイトル 1"/>
+          <p:cNvSpPr>
+            <a:spLocks noGrp="1"/>
+          </p:cNvSpPr>
+          <p:nvPr>
+            <p:ph type="title"/>
+          </p:nvPr>
+        </p:nvSpPr>
+        <p:spPr>
+          <a:xfrm>
+            <a:off x="908538" y="2519241"/>
+            <a:ext cx="10515600" cy="1325563"/>
+          </a:xfrm>
+        </p:spPr>
+        <p:txBody>
+          <a:bodyPr>
+            <a:normAutofit/>
+          </a:bodyPr>
+          <a:lstStyle/>
+          <a:p>
+            <a:pPr algn="ctr"/>
+            <a:r>
+              <a:rPr kumimoji="1" lang="ja-JP" altLang="en-US" sz="7200" b="1" dirty="0" smtClean="0">
+                <a:latin typeface="BIZ UDP明朝 Medium" panose="02020500000000000000" pitchFamily="18" charset="-128"/>
+                <a:ea typeface="BIZ UDP明朝 Medium" panose="02020500000000000000" pitchFamily="18" charset="-128"/>
+              </a:rPr>
+              <a:t>タイトル画面の案</a:t>
+            </a:r>
+            <a:r>
+              <a:rPr kumimoji="1" lang="en-US" altLang="ja-JP" sz="7200" b="1" dirty="0" smtClean="0">
+                <a:latin typeface="BIZ UDP明朝 Medium" panose="02020500000000000000" pitchFamily="18" charset="-128"/>
+                <a:ea typeface="BIZ UDP明朝 Medium" panose="02020500000000000000" pitchFamily="18" charset="-128"/>
+              </a:rPr>
+              <a:t>2</a:t>
+            </a:r>
+            <a:endParaRPr kumimoji="1" lang="ja-JP" altLang="en-US" sz="7200" b="1" dirty="0">
+              <a:latin typeface="BIZ UDP明朝 Medium" panose="02020500000000000000" pitchFamily="18" charset="-128"/>
+              <a:ea typeface="BIZ UDP明朝 Medium" panose="02020500000000000000" pitchFamily="18" charset="-128"/>
+            </a:endParaRPr>
+          </a:p>
+        </p:txBody>
+      </p:sp>
+    </p:spTree>
+    <p:extLst>
+      <p:ext uri="{BB962C8B-B14F-4D97-AF65-F5344CB8AC3E}">
+        <p14:creationId xmlns:p14="http://schemas.microsoft.com/office/powerpoint/2010/main" val="2570079003"/>
+      </p:ext>
+    </p:extLst>
+  </p:cSld>
+  <p:clrMapOvr>
+    <a:masterClrMapping/>
+  </p:clrMapOvr>
+  <mc:AlternateContent xmlns:mc="http://schemas.openxmlformats.org/markup-compatibility/2006" xmlns:p14="http://schemas.microsoft.com/office/powerpoint/2010/main">
+    <mc:Choice Requires="p14">
+      <p:transition spd="slow" p14:dur="2000"/>
+    </mc:Choice>
+    <mc:Fallback xmlns="">
+      <p:transition spd="slow"/>
+    </mc:Fallback>
+  </mc:AlternateContent>
+  <p:timing>
+    <p:tnLst>
+      <p:par>
+        <p:cTn id="1" dur="indefinite" restart="never" nodeType="tmRoot"/>
+      </p:par>
+    </p:tnLst>
+  </p:timing>
+</p:sld>
+</file>
+
+<file path=ppt/slides/slide22.xml><?xml version="1.0" encoding="utf-8"?>
+<p:sld xmlns:a="http://schemas.openxmlformats.org/drawingml/2006/main" xmlns:r="http://schemas.openxmlformats.org/officeDocument/2006/relationships" xmlns:p="http://schemas.openxmlformats.org/presentationml/2006/main">
+  <p:cSld>
+    <p:spTree>
+      <p:nvGrpSpPr>
+        <p:cNvPr id="1" name=""/>
+        <p:cNvGrpSpPr/>
+        <p:nvPr/>
+      </p:nvGrpSpPr>
+      <p:grpSpPr>
+        <a:xfrm>
+          <a:off x="0" y="0"/>
+          <a:ext cx="0" cy="0"/>
+          <a:chOff x="0" y="0"/>
+          <a:chExt cx="0" cy="0"/>
+        </a:xfrm>
+      </p:grpSpPr>
+      <p:sp>
+        <p:nvSpPr>
+          <p:cNvPr id="33" name="楕円 32"/>
+          <p:cNvSpPr/>
+          <p:nvPr/>
+        </p:nvSpPr>
+        <p:spPr>
+          <a:xfrm>
+            <a:off x="-26378" y="1380206"/>
+            <a:ext cx="12441115" cy="5384011"/>
+          </a:xfrm>
+          <a:prstGeom prst="ellipse">
+            <a:avLst/>
+          </a:prstGeom>
+        </p:spPr>
+        <p:style>
+          <a:lnRef idx="1">
+            <a:schemeClr val="accent6"/>
+          </a:lnRef>
+          <a:fillRef idx="2">
+            <a:schemeClr val="accent6"/>
+          </a:fillRef>
+          <a:effectRef idx="1">
+            <a:schemeClr val="accent6"/>
+          </a:effectRef>
+          <a:fontRef idx="minor">
+            <a:schemeClr val="dk1"/>
+          </a:fontRef>
+        </p:style>
+        <p:txBody>
+          <a:bodyPr rtlCol="0" anchor="ctr"/>
+          <a:lstStyle/>
+          <a:p>
+            <a:pPr algn="ctr"/>
+            <a:endParaRPr kumimoji="1" lang="ja-JP" altLang="en-US"/>
+          </a:p>
+        </p:txBody>
+      </p:sp>
+      <p:sp>
+        <p:nvSpPr>
+          <p:cNvPr id="5" name="正方形/長方形 4"/>
+          <p:cNvSpPr/>
+          <p:nvPr/>
+        </p:nvSpPr>
+        <p:spPr>
+          <a:xfrm>
+            <a:off x="2514599" y="527539"/>
+            <a:ext cx="7587762" cy="2154115"/>
+          </a:xfrm>
+          <a:prstGeom prst="rect">
+            <a:avLst/>
+          </a:prstGeom>
+        </p:spPr>
+        <p:style>
+          <a:lnRef idx="2">
+            <a:schemeClr val="accent1">
+              <a:shade val="50000"/>
+            </a:schemeClr>
+          </a:lnRef>
+          <a:fillRef idx="1">
+            <a:schemeClr val="accent1"/>
+          </a:fillRef>
+          <a:effectRef idx="0">
+            <a:schemeClr val="accent1"/>
+          </a:effectRef>
+          <a:fontRef idx="minor">
+            <a:schemeClr val="lt1"/>
+          </a:fontRef>
+        </p:style>
+        <p:txBody>
+          <a:bodyPr rtlCol="0" anchor="ctr"/>
+          <a:lstStyle/>
+          <a:p>
+            <a:pPr algn="ctr"/>
+            <a:endParaRPr kumimoji="1" lang="ja-JP" altLang="en-US"/>
+          </a:p>
+        </p:txBody>
+      </p:sp>
+      <p:sp>
+        <p:nvSpPr>
+          <p:cNvPr id="7" name="右矢印 6"/>
+          <p:cNvSpPr/>
+          <p:nvPr/>
+        </p:nvSpPr>
+        <p:spPr>
+          <a:xfrm rot="5400000">
+            <a:off x="977768" y="5295142"/>
+            <a:ext cx="1582615" cy="851167"/>
+          </a:xfrm>
+          <a:prstGeom prst="rightArrow">
+            <a:avLst>
+              <a:gd name="adj1" fmla="val 50000"/>
+              <a:gd name="adj2" fmla="val 58366"/>
+            </a:avLst>
+          </a:prstGeom>
+        </p:spPr>
+        <p:style>
+          <a:lnRef idx="2">
+            <a:schemeClr val="accent1">
+              <a:shade val="50000"/>
+            </a:schemeClr>
+          </a:lnRef>
+          <a:fillRef idx="1">
+            <a:schemeClr val="accent1"/>
+          </a:fillRef>
+          <a:effectRef idx="0">
+            <a:schemeClr val="accent1"/>
+          </a:effectRef>
+          <a:fontRef idx="minor">
+            <a:schemeClr val="lt1"/>
+          </a:fontRef>
+        </p:style>
+        <p:txBody>
+          <a:bodyPr rtlCol="0" anchor="ctr"/>
+          <a:lstStyle/>
+          <a:p>
+            <a:pPr algn="ctr"/>
+            <a:endParaRPr kumimoji="1" lang="ja-JP" altLang="en-US"/>
+          </a:p>
+        </p:txBody>
+      </p:sp>
+      <p:sp>
+        <p:nvSpPr>
+          <p:cNvPr id="8" name="テキスト ボックス 7"/>
+          <p:cNvSpPr txBox="1"/>
+          <p:nvPr/>
+        </p:nvSpPr>
+        <p:spPr>
+          <a:xfrm>
+            <a:off x="808890" y="6394886"/>
+            <a:ext cx="2356340" cy="369332"/>
+          </a:xfrm>
+          <a:prstGeom prst="rect">
+            <a:avLst/>
+          </a:prstGeom>
+          <a:noFill/>
+        </p:spPr>
+        <p:txBody>
+          <a:bodyPr wrap="square" rtlCol="0">
+            <a:spAutoFit/>
+          </a:bodyPr>
+          <a:lstStyle/>
+          <a:p>
+            <a:r>
+              <a:rPr kumimoji="1" lang="ja-JP" altLang="en-US" dirty="0" smtClean="0"/>
+              <a:t>決定したら手前へ</a:t>
+            </a:r>
+            <a:endParaRPr kumimoji="1" lang="ja-JP" altLang="en-US" dirty="0"/>
+          </a:p>
+        </p:txBody>
+      </p:sp>
+      <p:sp>
+        <p:nvSpPr>
+          <p:cNvPr id="11" name="正方形/長方形 10"/>
+          <p:cNvSpPr/>
+          <p:nvPr/>
+        </p:nvSpPr>
+        <p:spPr>
+          <a:xfrm>
+            <a:off x="3165230" y="940777"/>
+            <a:ext cx="6057900" cy="1380392"/>
+          </a:xfrm>
+          <a:prstGeom prst="rect">
+            <a:avLst/>
+          </a:prstGeom>
+        </p:spPr>
+        <p:style>
+          <a:lnRef idx="2">
+            <a:schemeClr val="dk1"/>
+          </a:lnRef>
+          <a:fillRef idx="1">
+            <a:schemeClr val="lt1"/>
+          </a:fillRef>
+          <a:effectRef idx="0">
+            <a:schemeClr val="dk1"/>
+          </a:effectRef>
+          <a:fontRef idx="minor">
+            <a:schemeClr val="dk1"/>
+          </a:fontRef>
+        </p:style>
+        <p:txBody>
+          <a:bodyPr rtlCol="0" anchor="ctr"/>
+          <a:lstStyle/>
+          <a:p>
+            <a:pPr algn="ctr"/>
+            <a:r>
+              <a:rPr kumimoji="1" lang="ja-JP" altLang="en-US" sz="7200" b="1" dirty="0" smtClean="0">
+                <a:effectLst>
+                  <a:outerShdw blurRad="38100" dist="38100" dir="2700000" algn="tl">
+                    <a:srgbClr val="000000">
+                      <a:alpha val="43137"/>
+                    </a:srgbClr>
+                  </a:outerShdw>
+                </a:effectLst>
+              </a:rPr>
+              <a:t>タイトル</a:t>
+            </a:r>
+            <a:endParaRPr kumimoji="1" lang="ja-JP" altLang="en-US" sz="7200" b="1" dirty="0">
+              <a:effectLst>
+                <a:outerShdw blurRad="38100" dist="38100" dir="2700000" algn="tl">
+                  <a:srgbClr val="000000">
+                    <a:alpha val="43137"/>
+                  </a:srgbClr>
+                </a:outerShdw>
+              </a:effectLst>
+            </a:endParaRPr>
+          </a:p>
+        </p:txBody>
+      </p:sp>
+      <p:sp>
+        <p:nvSpPr>
+          <p:cNvPr id="13" name="右矢印 12"/>
+          <p:cNvSpPr/>
+          <p:nvPr/>
+        </p:nvSpPr>
+        <p:spPr>
+          <a:xfrm rot="5400000">
+            <a:off x="3502849" y="5356687"/>
+            <a:ext cx="1582615" cy="851167"/>
+          </a:xfrm>
+          <a:prstGeom prst="rightArrow">
+            <a:avLst>
+              <a:gd name="adj1" fmla="val 50000"/>
+              <a:gd name="adj2" fmla="val 58366"/>
+            </a:avLst>
+          </a:prstGeom>
+        </p:spPr>
+        <p:style>
+          <a:lnRef idx="2">
+            <a:schemeClr val="accent1">
+              <a:shade val="50000"/>
+            </a:schemeClr>
+          </a:lnRef>
+          <a:fillRef idx="1">
+            <a:schemeClr val="accent1"/>
+          </a:fillRef>
+          <a:effectRef idx="0">
+            <a:schemeClr val="accent1"/>
+          </a:effectRef>
+          <a:fontRef idx="minor">
+            <a:schemeClr val="lt1"/>
+          </a:fontRef>
+        </p:style>
+        <p:txBody>
+          <a:bodyPr rtlCol="0" anchor="ctr"/>
+          <a:lstStyle/>
+          <a:p>
+            <a:pPr algn="ctr"/>
+            <a:endParaRPr kumimoji="1" lang="ja-JP" altLang="en-US"/>
+          </a:p>
+        </p:txBody>
+      </p:sp>
+      <p:sp>
+        <p:nvSpPr>
+          <p:cNvPr id="14" name="テキスト ボックス 13"/>
+          <p:cNvSpPr txBox="1"/>
+          <p:nvPr/>
+        </p:nvSpPr>
+        <p:spPr>
+          <a:xfrm>
+            <a:off x="3333971" y="6456431"/>
+            <a:ext cx="2356340" cy="369332"/>
+          </a:xfrm>
+          <a:prstGeom prst="rect">
+            <a:avLst/>
+          </a:prstGeom>
+          <a:noFill/>
+        </p:spPr>
+        <p:txBody>
+          <a:bodyPr wrap="square" rtlCol="0">
+            <a:spAutoFit/>
+          </a:bodyPr>
+          <a:lstStyle/>
+          <a:p>
+            <a:r>
+              <a:rPr kumimoji="1" lang="ja-JP" altLang="en-US" dirty="0" smtClean="0"/>
+              <a:t>決定</a:t>
+            </a:r>
+            <a:r>
+              <a:rPr lang="ja-JP" altLang="en-US" dirty="0"/>
+              <a:t>したら手前へ</a:t>
+            </a:r>
+            <a:endParaRPr kumimoji="1" lang="ja-JP" altLang="en-US" dirty="0"/>
+          </a:p>
+        </p:txBody>
+      </p:sp>
+      <p:sp>
+        <p:nvSpPr>
+          <p:cNvPr id="16" name="右矢印 15"/>
+          <p:cNvSpPr/>
+          <p:nvPr/>
+        </p:nvSpPr>
+        <p:spPr>
+          <a:xfrm rot="5400000">
+            <a:off x="6998501" y="5388924"/>
+            <a:ext cx="1582615" cy="851167"/>
+          </a:xfrm>
+          <a:prstGeom prst="rightArrow">
+            <a:avLst>
+              <a:gd name="adj1" fmla="val 50000"/>
+              <a:gd name="adj2" fmla="val 58366"/>
+            </a:avLst>
+          </a:prstGeom>
+        </p:spPr>
+        <p:style>
+          <a:lnRef idx="2">
+            <a:schemeClr val="accent1">
+              <a:shade val="50000"/>
+            </a:schemeClr>
+          </a:lnRef>
+          <a:fillRef idx="1">
+            <a:schemeClr val="accent1"/>
+          </a:fillRef>
+          <a:effectRef idx="0">
+            <a:schemeClr val="accent1"/>
+          </a:effectRef>
+          <a:fontRef idx="minor">
+            <a:schemeClr val="lt1"/>
+          </a:fontRef>
+        </p:style>
+        <p:txBody>
+          <a:bodyPr rtlCol="0" anchor="ctr"/>
+          <a:lstStyle/>
+          <a:p>
+            <a:pPr algn="ctr"/>
+            <a:endParaRPr kumimoji="1" lang="ja-JP" altLang="en-US"/>
+          </a:p>
+        </p:txBody>
+      </p:sp>
+      <p:sp>
+        <p:nvSpPr>
+          <p:cNvPr id="17" name="テキスト ボックス 16"/>
+          <p:cNvSpPr txBox="1"/>
+          <p:nvPr/>
+        </p:nvSpPr>
+        <p:spPr>
+          <a:xfrm>
+            <a:off x="6829623" y="6488668"/>
+            <a:ext cx="2356340" cy="369332"/>
+          </a:xfrm>
+          <a:prstGeom prst="rect">
+            <a:avLst/>
+          </a:prstGeom>
+          <a:noFill/>
+        </p:spPr>
+        <p:txBody>
+          <a:bodyPr wrap="square" rtlCol="0">
+            <a:spAutoFit/>
+          </a:bodyPr>
+          <a:lstStyle/>
+          <a:p>
+            <a:r>
+              <a:rPr kumimoji="1" lang="ja-JP" altLang="en-US" dirty="0" smtClean="0"/>
+              <a:t>決定</a:t>
+            </a:r>
+            <a:r>
+              <a:rPr lang="ja-JP" altLang="en-US" dirty="0"/>
+              <a:t>したら手前へ</a:t>
+            </a:r>
+            <a:endParaRPr kumimoji="1" lang="ja-JP" altLang="en-US" dirty="0"/>
+          </a:p>
+        </p:txBody>
+      </p:sp>
+      <p:sp>
+        <p:nvSpPr>
+          <p:cNvPr id="19" name="右矢印 18"/>
+          <p:cNvSpPr/>
+          <p:nvPr/>
+        </p:nvSpPr>
+        <p:spPr>
+          <a:xfrm rot="5400000">
+            <a:off x="9781798" y="5388924"/>
+            <a:ext cx="1582615" cy="851167"/>
+          </a:xfrm>
+          <a:prstGeom prst="rightArrow">
+            <a:avLst>
+              <a:gd name="adj1" fmla="val 50000"/>
+              <a:gd name="adj2" fmla="val 58366"/>
+            </a:avLst>
+          </a:prstGeom>
+        </p:spPr>
+        <p:style>
+          <a:lnRef idx="2">
+            <a:schemeClr val="accent1">
+              <a:shade val="50000"/>
+            </a:schemeClr>
+          </a:lnRef>
+          <a:fillRef idx="1">
+            <a:schemeClr val="accent1"/>
+          </a:fillRef>
+          <a:effectRef idx="0">
+            <a:schemeClr val="accent1"/>
+          </a:effectRef>
+          <a:fontRef idx="minor">
+            <a:schemeClr val="lt1"/>
+          </a:fontRef>
+        </p:style>
+        <p:txBody>
+          <a:bodyPr rtlCol="0" anchor="ctr"/>
+          <a:lstStyle/>
+          <a:p>
+            <a:pPr algn="ctr"/>
+            <a:endParaRPr kumimoji="1" lang="ja-JP" altLang="en-US"/>
+          </a:p>
+        </p:txBody>
+      </p:sp>
+      <p:sp>
+        <p:nvSpPr>
+          <p:cNvPr id="20" name="テキスト ボックス 19"/>
+          <p:cNvSpPr txBox="1"/>
+          <p:nvPr/>
+        </p:nvSpPr>
+        <p:spPr>
+          <a:xfrm>
+            <a:off x="9612920" y="6488668"/>
+            <a:ext cx="2356340" cy="369332"/>
+          </a:xfrm>
+          <a:prstGeom prst="rect">
+            <a:avLst/>
+          </a:prstGeom>
+          <a:noFill/>
+        </p:spPr>
+        <p:txBody>
+          <a:bodyPr wrap="square" rtlCol="0">
+            <a:spAutoFit/>
+          </a:bodyPr>
+          <a:lstStyle/>
+          <a:p>
+            <a:r>
+              <a:rPr kumimoji="1" lang="ja-JP" altLang="en-US" dirty="0" smtClean="0"/>
+              <a:t>決定</a:t>
+            </a:r>
+            <a:r>
+              <a:rPr lang="ja-JP" altLang="en-US" dirty="0"/>
+              <a:t>したら手前へ</a:t>
+            </a:r>
+            <a:endParaRPr kumimoji="1" lang="ja-JP" altLang="en-US" dirty="0"/>
+          </a:p>
+        </p:txBody>
+      </p:sp>
+      <p:sp>
+        <p:nvSpPr>
+          <p:cNvPr id="24" name="正方形/長方形 23"/>
+          <p:cNvSpPr/>
+          <p:nvPr/>
+        </p:nvSpPr>
+        <p:spPr>
+          <a:xfrm>
+            <a:off x="218646" y="297331"/>
+            <a:ext cx="702436" cy="461665"/>
+          </a:xfrm>
+          <a:prstGeom prst="rect">
+            <a:avLst/>
+          </a:prstGeom>
+        </p:spPr>
+        <p:txBody>
+          <a:bodyPr wrap="none">
+            <a:spAutoFit/>
+          </a:bodyPr>
+          <a:lstStyle/>
+          <a:p>
+            <a:r>
+              <a:rPr lang="ja-JP" altLang="en-US" sz="2400" b="1" dirty="0" smtClean="0">
+                <a:latin typeface="BIZ UDP明朝 Medium" panose="02020500000000000000" pitchFamily="18" charset="-128"/>
+                <a:ea typeface="BIZ UDP明朝 Medium" panose="02020500000000000000" pitchFamily="18" charset="-128"/>
+              </a:rPr>
+              <a:t>案</a:t>
+            </a:r>
+            <a:r>
+              <a:rPr lang="en-US" altLang="ja-JP" sz="2400" b="1" dirty="0" smtClean="0">
+                <a:latin typeface="BIZ UDP明朝 Medium" panose="02020500000000000000" pitchFamily="18" charset="-128"/>
+                <a:ea typeface="BIZ UDP明朝 Medium" panose="02020500000000000000" pitchFamily="18" charset="-128"/>
+              </a:rPr>
+              <a:t>2</a:t>
+            </a:r>
+            <a:endParaRPr lang="ja-JP" altLang="en-US" sz="2400" dirty="0"/>
+          </a:p>
+        </p:txBody>
+      </p:sp>
+      <p:sp>
+        <p:nvSpPr>
+          <p:cNvPr id="3" name="テキスト ボックス 2"/>
+          <p:cNvSpPr txBox="1"/>
+          <p:nvPr/>
+        </p:nvSpPr>
+        <p:spPr>
+          <a:xfrm>
+            <a:off x="5152292" y="3736731"/>
+            <a:ext cx="1811396" cy="646331"/>
+          </a:xfrm>
+          <a:prstGeom prst="rect">
+            <a:avLst/>
+          </a:prstGeom>
+          <a:solidFill>
+            <a:schemeClr val="bg2"/>
+          </a:solidFill>
+        </p:spPr>
+        <p:txBody>
+          <a:bodyPr wrap="square" rtlCol="0">
+            <a:spAutoFit/>
+          </a:bodyPr>
+          <a:lstStyle/>
+          <a:p>
+            <a:r>
+              <a:rPr lang="ja-JP" altLang="en-US" dirty="0" smtClean="0"/>
+              <a:t>奥側から手前に</a:t>
+            </a:r>
+            <a:endParaRPr lang="en-US" altLang="ja-JP" dirty="0" smtClean="0"/>
+          </a:p>
+          <a:p>
+            <a:r>
+              <a:rPr kumimoji="1" lang="ja-JP" altLang="en-US" dirty="0"/>
+              <a:t>向かってくる</a:t>
+            </a:r>
+          </a:p>
+        </p:txBody>
+      </p:sp>
+      <p:sp>
+        <p:nvSpPr>
+          <p:cNvPr id="25" name="テキスト ボックス 24"/>
+          <p:cNvSpPr txBox="1"/>
+          <p:nvPr/>
+        </p:nvSpPr>
+        <p:spPr>
+          <a:xfrm>
+            <a:off x="2560905" y="897190"/>
+            <a:ext cx="604325" cy="461665"/>
+          </a:xfrm>
+          <a:prstGeom prst="rect">
+            <a:avLst/>
+          </a:prstGeom>
+          <a:solidFill>
+            <a:schemeClr val="bg1"/>
+          </a:solidFill>
+        </p:spPr>
+        <p:txBody>
+          <a:bodyPr wrap="square" rtlCol="0">
+            <a:spAutoFit/>
+          </a:bodyPr>
+          <a:lstStyle/>
+          <a:p>
+            <a:pPr algn="ctr"/>
+            <a:r>
+              <a:rPr kumimoji="1" lang="en-US" altLang="ja-JP" sz="2400" b="1" dirty="0" smtClean="0">
+                <a:solidFill>
+                  <a:srgbClr val="7030A0"/>
+                </a:solidFill>
+              </a:rPr>
+              <a:t>2D</a:t>
+            </a:r>
+            <a:endParaRPr kumimoji="1" lang="ja-JP" altLang="en-US" sz="2400" b="1" dirty="0">
+              <a:solidFill>
+                <a:srgbClr val="7030A0"/>
+              </a:solidFill>
+            </a:endParaRPr>
+          </a:p>
+        </p:txBody>
+      </p:sp>
+      <p:sp>
+        <p:nvSpPr>
+          <p:cNvPr id="26" name="テキスト ボックス 25"/>
+          <p:cNvSpPr txBox="1"/>
+          <p:nvPr/>
+        </p:nvSpPr>
+        <p:spPr>
+          <a:xfrm>
+            <a:off x="474603" y="2039798"/>
+            <a:ext cx="1811396" cy="369332"/>
+          </a:xfrm>
+          <a:prstGeom prst="rect">
+            <a:avLst/>
+          </a:prstGeom>
+          <a:solidFill>
+            <a:schemeClr val="bg1"/>
+          </a:solidFill>
+        </p:spPr>
+        <p:txBody>
+          <a:bodyPr wrap="square" rtlCol="0">
+            <a:spAutoFit/>
+          </a:bodyPr>
+          <a:lstStyle/>
+          <a:p>
+            <a:pPr algn="ctr"/>
+            <a:r>
+              <a:rPr kumimoji="1" lang="ja-JP" altLang="en-US" dirty="0" smtClean="0"/>
+              <a:t>背景は</a:t>
+            </a:r>
+            <a:r>
+              <a:rPr lang="en-US" altLang="ja-JP" b="1" dirty="0">
+                <a:solidFill>
+                  <a:srgbClr val="7030A0"/>
+                </a:solidFill>
+              </a:rPr>
+              <a:t>3D</a:t>
+            </a:r>
+            <a:endParaRPr lang="ja-JP" altLang="en-US" b="1" dirty="0">
+              <a:solidFill>
+                <a:srgbClr val="7030A0"/>
+              </a:solidFill>
+            </a:endParaRPr>
+          </a:p>
+        </p:txBody>
+      </p:sp>
+      <p:grpSp>
+        <p:nvGrpSpPr>
+          <p:cNvPr id="38" name="グループ化 37"/>
+          <p:cNvGrpSpPr/>
+          <p:nvPr/>
+        </p:nvGrpSpPr>
+        <p:grpSpPr>
+          <a:xfrm>
+            <a:off x="1174751" y="2672862"/>
+            <a:ext cx="1019908" cy="2286000"/>
+            <a:chOff x="1174751" y="2672862"/>
+            <a:chExt cx="1019908" cy="2286000"/>
+          </a:xfrm>
+        </p:grpSpPr>
+        <p:sp>
+          <p:nvSpPr>
+            <p:cNvPr id="4" name="正方形/長方形 3"/>
+            <p:cNvSpPr/>
+            <p:nvPr/>
+          </p:nvSpPr>
+          <p:spPr>
+            <a:xfrm rot="5400000">
+              <a:off x="541705" y="3305908"/>
+              <a:ext cx="2286000" cy="1019908"/>
+            </a:xfrm>
+            <a:prstGeom prst="rect">
+              <a:avLst/>
+            </a:prstGeom>
+          </p:spPr>
+          <p:style>
+            <a:lnRef idx="1">
+              <a:schemeClr val="dk1"/>
+            </a:lnRef>
+            <a:fillRef idx="2">
+              <a:schemeClr val="dk1"/>
+            </a:fillRef>
+            <a:effectRef idx="1">
+              <a:schemeClr val="dk1"/>
+            </a:effectRef>
+            <a:fontRef idx="minor">
+              <a:schemeClr val="dk1"/>
+            </a:fontRef>
+          </p:style>
+          <p:txBody>
+            <a:bodyPr rtlCol="0" anchor="ctr"/>
+            <a:lstStyle/>
+            <a:p>
+              <a:pPr algn="ctr"/>
+              <a:endParaRPr lang="ja-JP" altLang="en-US" sz="2400" b="1" dirty="0">
+                <a:ln>
+                  <a:solidFill>
+                    <a:schemeClr val="bg1"/>
+                  </a:solidFill>
+                </a:ln>
+                <a:solidFill>
+                  <a:srgbClr val="0070C0"/>
+                </a:solidFill>
+              </a:endParaRPr>
+            </a:p>
+          </p:txBody>
+        </p:sp>
+        <p:sp>
+          <p:nvSpPr>
+            <p:cNvPr id="2" name="正方形/長方形 1"/>
+            <p:cNvSpPr/>
+            <p:nvPr/>
+          </p:nvSpPr>
+          <p:spPr>
+            <a:xfrm>
+              <a:off x="1190609" y="2711660"/>
+              <a:ext cx="450280" cy="2246769"/>
+            </a:xfrm>
+            <a:prstGeom prst="rect">
+              <a:avLst/>
+            </a:prstGeom>
+          </p:spPr>
+          <p:txBody>
+            <a:bodyPr wrap="square">
+              <a:spAutoFit/>
+            </a:bodyPr>
+            <a:lstStyle/>
+            <a:p>
+              <a:pPr algn="ctr"/>
+              <a:r>
+                <a:rPr lang="ja-JP" altLang="en-US" sz="2000" b="1" dirty="0">
+                  <a:ln>
+                    <a:solidFill>
+                      <a:schemeClr val="bg1"/>
+                    </a:solidFill>
+                  </a:ln>
+                  <a:solidFill>
+                    <a:schemeClr val="bg1"/>
+                  </a:solidFill>
+                </a:rPr>
+                <a:t>車のモデル</a:t>
+              </a:r>
+              <a:r>
+                <a:rPr lang="ja-JP" altLang="en-US" sz="2000" b="1" dirty="0">
+                  <a:ln>
+                    <a:solidFill>
+                      <a:schemeClr val="bg1"/>
+                    </a:solidFill>
+                  </a:ln>
+                  <a:solidFill>
+                    <a:srgbClr val="0070C0"/>
+                  </a:solidFill>
+                </a:rPr>
+                <a:t>１</a:t>
+              </a:r>
+              <a:r>
+                <a:rPr lang="en-US" altLang="ja-JP" sz="2000" b="1" dirty="0">
+                  <a:ln>
+                    <a:solidFill>
+                      <a:schemeClr val="bg1"/>
+                    </a:solidFill>
+                  </a:ln>
+                  <a:solidFill>
+                    <a:srgbClr val="0070C0"/>
+                  </a:solidFill>
+                </a:rPr>
+                <a:t>P</a:t>
+              </a:r>
+              <a:endParaRPr lang="ja-JP" altLang="en-US" sz="2000" b="1" dirty="0">
+                <a:ln>
+                  <a:solidFill>
+                    <a:schemeClr val="bg1"/>
+                  </a:solidFill>
+                </a:ln>
+                <a:solidFill>
+                  <a:srgbClr val="0070C0"/>
+                </a:solidFill>
+              </a:endParaRPr>
+            </a:p>
+          </p:txBody>
+        </p:sp>
+        <p:sp>
+          <p:nvSpPr>
+            <p:cNvPr id="29" name="テキスト ボックス 28"/>
+            <p:cNvSpPr txBox="1"/>
+            <p:nvPr/>
+          </p:nvSpPr>
+          <p:spPr>
+            <a:xfrm>
+              <a:off x="1706162" y="2749078"/>
+              <a:ext cx="427336" cy="707886"/>
+            </a:xfrm>
+            <a:prstGeom prst="rect">
+              <a:avLst/>
+            </a:prstGeom>
+            <a:solidFill>
+              <a:schemeClr val="bg1"/>
+            </a:solidFill>
+          </p:spPr>
+          <p:txBody>
+            <a:bodyPr wrap="square" rtlCol="0">
+              <a:spAutoFit/>
+            </a:bodyPr>
+            <a:lstStyle/>
+            <a:p>
+              <a:pPr algn="ctr"/>
+              <a:r>
+                <a:rPr kumimoji="1" lang="en-US" altLang="ja-JP" sz="2000" b="1" dirty="0" smtClean="0">
+                  <a:solidFill>
+                    <a:srgbClr val="7030A0"/>
+                  </a:solidFill>
+                </a:rPr>
+                <a:t>3D</a:t>
+              </a:r>
+              <a:endParaRPr kumimoji="1" lang="ja-JP" altLang="en-US" sz="2000" b="1" dirty="0">
+                <a:solidFill>
+                  <a:srgbClr val="7030A0"/>
+                </a:solidFill>
+              </a:endParaRPr>
+            </a:p>
+          </p:txBody>
+        </p:sp>
+      </p:grpSp>
+      <p:grpSp>
+        <p:nvGrpSpPr>
+          <p:cNvPr id="39" name="グループ化 38"/>
+          <p:cNvGrpSpPr/>
+          <p:nvPr/>
+        </p:nvGrpSpPr>
+        <p:grpSpPr>
+          <a:xfrm>
+            <a:off x="3699832" y="2753228"/>
+            <a:ext cx="1019908" cy="2338753"/>
+            <a:chOff x="3699832" y="2753228"/>
+            <a:chExt cx="1019908" cy="2338753"/>
+          </a:xfrm>
+        </p:grpSpPr>
+        <p:sp>
+          <p:nvSpPr>
+            <p:cNvPr id="12" name="正方形/長方形 11"/>
+            <p:cNvSpPr/>
+            <p:nvPr/>
+          </p:nvSpPr>
+          <p:spPr>
+            <a:xfrm rot="5400000">
+              <a:off x="3066786" y="3386274"/>
+              <a:ext cx="2286000" cy="1019908"/>
+            </a:xfrm>
+            <a:prstGeom prst="rect">
+              <a:avLst/>
+            </a:prstGeom>
+          </p:spPr>
+          <p:style>
+            <a:lnRef idx="1">
+              <a:schemeClr val="dk1"/>
+            </a:lnRef>
+            <a:fillRef idx="2">
+              <a:schemeClr val="dk1"/>
+            </a:fillRef>
+            <a:effectRef idx="1">
+              <a:schemeClr val="dk1"/>
+            </a:effectRef>
+            <a:fontRef idx="minor">
+              <a:schemeClr val="dk1"/>
+            </a:fontRef>
+          </p:style>
+          <p:txBody>
+            <a:bodyPr rtlCol="0" anchor="ctr"/>
+            <a:lstStyle/>
+            <a:p>
+              <a:pPr algn="ctr"/>
+              <a:endParaRPr lang="ja-JP" altLang="en-US" sz="2400" b="1" dirty="0">
+                <a:ln>
+                  <a:solidFill>
+                    <a:schemeClr val="bg1"/>
+                  </a:solidFill>
+                </a:ln>
+                <a:solidFill>
+                  <a:srgbClr val="0070C0"/>
+                </a:solidFill>
+              </a:endParaRPr>
+            </a:p>
+          </p:txBody>
+        </p:sp>
+        <p:sp>
+          <p:nvSpPr>
+            <p:cNvPr id="21" name="正方形/長方形 20"/>
+            <p:cNvSpPr/>
+            <p:nvPr/>
+          </p:nvSpPr>
+          <p:spPr>
+            <a:xfrm>
+              <a:off x="4244210" y="2845212"/>
+              <a:ext cx="450280" cy="2246769"/>
+            </a:xfrm>
+            <a:prstGeom prst="rect">
+              <a:avLst/>
+            </a:prstGeom>
+          </p:spPr>
+          <p:txBody>
+            <a:bodyPr wrap="square">
+              <a:spAutoFit/>
+            </a:bodyPr>
+            <a:lstStyle/>
+            <a:p>
+              <a:pPr algn="ctr"/>
+              <a:r>
+                <a:rPr lang="ja-JP" altLang="en-US" sz="2000" b="1" dirty="0">
+                  <a:ln>
+                    <a:solidFill>
+                      <a:schemeClr val="bg1"/>
+                    </a:solidFill>
+                  </a:ln>
+                  <a:solidFill>
+                    <a:schemeClr val="bg1"/>
+                  </a:solidFill>
+                </a:rPr>
+                <a:t>車の</a:t>
+              </a:r>
+              <a:r>
+                <a:rPr lang="ja-JP" altLang="en-US" sz="2000" b="1" dirty="0" smtClean="0">
+                  <a:ln>
+                    <a:solidFill>
+                      <a:schemeClr val="bg1"/>
+                    </a:solidFill>
+                  </a:ln>
+                  <a:solidFill>
+                    <a:schemeClr val="bg1"/>
+                  </a:solidFill>
+                </a:rPr>
+                <a:t>モデル</a:t>
+              </a:r>
+              <a:r>
+                <a:rPr lang="en-US" altLang="ja-JP" sz="2000" b="1" dirty="0" smtClean="0">
+                  <a:ln>
+                    <a:solidFill>
+                      <a:schemeClr val="bg1"/>
+                    </a:solidFill>
+                  </a:ln>
+                  <a:solidFill>
+                    <a:srgbClr val="FF0000"/>
+                  </a:solidFill>
+                </a:rPr>
+                <a:t>2P</a:t>
+              </a:r>
+              <a:endParaRPr lang="ja-JP" altLang="en-US" sz="2000" b="1" dirty="0">
+                <a:ln>
+                  <a:solidFill>
+                    <a:schemeClr val="bg1"/>
+                  </a:solidFill>
+                </a:ln>
+                <a:solidFill>
+                  <a:srgbClr val="FF0000"/>
+                </a:solidFill>
+              </a:endParaRPr>
+            </a:p>
+          </p:txBody>
+        </p:sp>
+        <p:sp>
+          <p:nvSpPr>
+            <p:cNvPr id="30" name="テキスト ボックス 29"/>
+            <p:cNvSpPr txBox="1"/>
+            <p:nvPr/>
+          </p:nvSpPr>
+          <p:spPr>
+            <a:xfrm>
+              <a:off x="3743432" y="2909153"/>
+              <a:ext cx="427336" cy="707886"/>
+            </a:xfrm>
+            <a:prstGeom prst="rect">
+              <a:avLst/>
+            </a:prstGeom>
+            <a:solidFill>
+              <a:schemeClr val="bg1"/>
+            </a:solidFill>
+          </p:spPr>
+          <p:txBody>
+            <a:bodyPr wrap="square" rtlCol="0">
+              <a:spAutoFit/>
+            </a:bodyPr>
+            <a:lstStyle/>
+            <a:p>
+              <a:pPr algn="ctr"/>
+              <a:r>
+                <a:rPr kumimoji="1" lang="en-US" altLang="ja-JP" sz="2000" b="1" dirty="0" smtClean="0">
+                  <a:solidFill>
+                    <a:srgbClr val="7030A0"/>
+                  </a:solidFill>
+                </a:rPr>
+                <a:t>3D</a:t>
+              </a:r>
+              <a:endParaRPr kumimoji="1" lang="ja-JP" altLang="en-US" sz="2000" b="1" dirty="0">
+                <a:solidFill>
+                  <a:srgbClr val="7030A0"/>
+                </a:solidFill>
+              </a:endParaRPr>
+            </a:p>
+          </p:txBody>
+        </p:sp>
+      </p:grpSp>
+      <p:grpSp>
+        <p:nvGrpSpPr>
+          <p:cNvPr id="40" name="グループ化 39"/>
+          <p:cNvGrpSpPr/>
+          <p:nvPr/>
+        </p:nvGrpSpPr>
+        <p:grpSpPr>
+          <a:xfrm>
+            <a:off x="7195484" y="2766644"/>
+            <a:ext cx="1019908" cy="2286000"/>
+            <a:chOff x="7195484" y="2766644"/>
+            <a:chExt cx="1019908" cy="2286000"/>
+          </a:xfrm>
+        </p:grpSpPr>
+        <p:sp>
+          <p:nvSpPr>
+            <p:cNvPr id="15" name="正方形/長方形 14"/>
+            <p:cNvSpPr/>
+            <p:nvPr/>
+          </p:nvSpPr>
+          <p:spPr>
+            <a:xfrm rot="5400000">
+              <a:off x="6562438" y="3399690"/>
+              <a:ext cx="2286000" cy="1019908"/>
+            </a:xfrm>
+            <a:prstGeom prst="rect">
+              <a:avLst/>
+            </a:prstGeom>
+          </p:spPr>
+          <p:style>
+            <a:lnRef idx="1">
+              <a:schemeClr val="dk1"/>
+            </a:lnRef>
+            <a:fillRef idx="2">
+              <a:schemeClr val="dk1"/>
+            </a:fillRef>
+            <a:effectRef idx="1">
+              <a:schemeClr val="dk1"/>
+            </a:effectRef>
+            <a:fontRef idx="minor">
+              <a:schemeClr val="dk1"/>
+            </a:fontRef>
+          </p:style>
+          <p:txBody>
+            <a:bodyPr rtlCol="0" anchor="ctr"/>
+            <a:lstStyle/>
+            <a:p>
+              <a:pPr algn="ctr"/>
+              <a:endParaRPr lang="ja-JP" altLang="en-US" sz="2400" b="1" dirty="0">
+                <a:ln>
+                  <a:solidFill>
+                    <a:schemeClr val="bg1"/>
+                  </a:solidFill>
+                </a:ln>
+                <a:solidFill>
+                  <a:srgbClr val="0070C0"/>
+                </a:solidFill>
+              </a:endParaRPr>
+            </a:p>
+          </p:txBody>
+        </p:sp>
+        <p:sp>
+          <p:nvSpPr>
+            <p:cNvPr id="22" name="正方形/長方形 21"/>
+            <p:cNvSpPr/>
+            <p:nvPr/>
+          </p:nvSpPr>
+          <p:spPr>
+            <a:xfrm>
+              <a:off x="7704612" y="2805874"/>
+              <a:ext cx="450280" cy="2246769"/>
+            </a:xfrm>
+            <a:prstGeom prst="rect">
+              <a:avLst/>
+            </a:prstGeom>
+          </p:spPr>
+          <p:txBody>
+            <a:bodyPr wrap="square">
+              <a:spAutoFit/>
+            </a:bodyPr>
+            <a:lstStyle/>
+            <a:p>
+              <a:pPr algn="ctr"/>
+              <a:r>
+                <a:rPr lang="ja-JP" altLang="en-US" sz="2000" b="1" dirty="0">
+                  <a:ln>
+                    <a:solidFill>
+                      <a:schemeClr val="bg1"/>
+                    </a:solidFill>
+                  </a:ln>
+                  <a:solidFill>
+                    <a:schemeClr val="bg1"/>
+                  </a:solidFill>
+                </a:rPr>
+                <a:t>車の</a:t>
+              </a:r>
+              <a:r>
+                <a:rPr lang="ja-JP" altLang="en-US" sz="2000" b="1" dirty="0" smtClean="0">
+                  <a:ln>
+                    <a:solidFill>
+                      <a:schemeClr val="bg1"/>
+                    </a:solidFill>
+                  </a:ln>
+                  <a:solidFill>
+                    <a:schemeClr val="bg1"/>
+                  </a:solidFill>
+                </a:rPr>
+                <a:t>モデル</a:t>
+              </a:r>
+              <a:r>
+                <a:rPr lang="en-US" altLang="ja-JP" sz="2000" b="1" dirty="0" smtClean="0">
+                  <a:ln>
+                    <a:solidFill>
+                      <a:schemeClr val="bg1"/>
+                    </a:solidFill>
+                  </a:ln>
+                  <a:solidFill>
+                    <a:srgbClr val="00B050"/>
+                  </a:solidFill>
+                </a:rPr>
+                <a:t>3P</a:t>
+              </a:r>
+              <a:endParaRPr lang="ja-JP" altLang="en-US" sz="2000" b="1" dirty="0">
+                <a:ln>
+                  <a:solidFill>
+                    <a:schemeClr val="bg1"/>
+                  </a:solidFill>
+                </a:ln>
+                <a:solidFill>
+                  <a:srgbClr val="00B050"/>
+                </a:solidFill>
+              </a:endParaRPr>
+            </a:p>
+          </p:txBody>
+        </p:sp>
+        <p:sp>
+          <p:nvSpPr>
+            <p:cNvPr id="31" name="テキスト ボックス 30"/>
+            <p:cNvSpPr txBox="1"/>
+            <p:nvPr/>
+          </p:nvSpPr>
+          <p:spPr>
+            <a:xfrm>
+              <a:off x="7256449" y="2908568"/>
+              <a:ext cx="427336" cy="707886"/>
+            </a:xfrm>
+            <a:prstGeom prst="rect">
+              <a:avLst/>
+            </a:prstGeom>
+            <a:solidFill>
+              <a:schemeClr val="bg1"/>
+            </a:solidFill>
+          </p:spPr>
+          <p:txBody>
+            <a:bodyPr wrap="square" rtlCol="0">
+              <a:spAutoFit/>
+            </a:bodyPr>
+            <a:lstStyle/>
+            <a:p>
+              <a:pPr algn="ctr"/>
+              <a:r>
+                <a:rPr kumimoji="1" lang="en-US" altLang="ja-JP" sz="2000" b="1" dirty="0" smtClean="0">
+                  <a:solidFill>
+                    <a:srgbClr val="7030A0"/>
+                  </a:solidFill>
+                </a:rPr>
+                <a:t>3D</a:t>
+              </a:r>
+              <a:endParaRPr kumimoji="1" lang="ja-JP" altLang="en-US" sz="2000" b="1" dirty="0">
+                <a:solidFill>
+                  <a:srgbClr val="7030A0"/>
+                </a:solidFill>
+              </a:endParaRPr>
+            </a:p>
+          </p:txBody>
+        </p:sp>
+      </p:grpSp>
+      <p:grpSp>
+        <p:nvGrpSpPr>
+          <p:cNvPr id="41" name="グループ化 40"/>
+          <p:cNvGrpSpPr/>
+          <p:nvPr/>
+        </p:nvGrpSpPr>
+        <p:grpSpPr>
+          <a:xfrm>
+            <a:off x="9956838" y="2792772"/>
+            <a:ext cx="1019908" cy="2290645"/>
+            <a:chOff x="9956838" y="2792772"/>
+            <a:chExt cx="1019908" cy="2290645"/>
+          </a:xfrm>
+        </p:grpSpPr>
+        <p:sp>
+          <p:nvSpPr>
+            <p:cNvPr id="18" name="正方形/長方形 17"/>
+            <p:cNvSpPr/>
+            <p:nvPr/>
+          </p:nvSpPr>
+          <p:spPr>
+            <a:xfrm rot="5400000">
+              <a:off x="9323792" y="3425818"/>
+              <a:ext cx="2286000" cy="1019908"/>
+            </a:xfrm>
+            <a:prstGeom prst="rect">
+              <a:avLst/>
+            </a:prstGeom>
+          </p:spPr>
+          <p:style>
+            <a:lnRef idx="1">
+              <a:schemeClr val="dk1"/>
+            </a:lnRef>
+            <a:fillRef idx="2">
+              <a:schemeClr val="dk1"/>
+            </a:fillRef>
+            <a:effectRef idx="1">
+              <a:schemeClr val="dk1"/>
+            </a:effectRef>
+            <a:fontRef idx="minor">
+              <a:schemeClr val="dk1"/>
+            </a:fontRef>
+          </p:style>
+          <p:txBody>
+            <a:bodyPr rtlCol="0" anchor="ctr"/>
+            <a:lstStyle/>
+            <a:p>
+              <a:pPr algn="ctr"/>
+              <a:endParaRPr lang="ja-JP" altLang="en-US" sz="2400" b="1" dirty="0">
+                <a:ln>
+                  <a:solidFill>
+                    <a:schemeClr val="bg1"/>
+                  </a:solidFill>
+                </a:ln>
+                <a:solidFill>
+                  <a:srgbClr val="0070C0"/>
+                </a:solidFill>
+              </a:endParaRPr>
+            </a:p>
+          </p:txBody>
+        </p:sp>
+        <p:sp>
+          <p:nvSpPr>
+            <p:cNvPr id="23" name="正方形/長方形 22"/>
+            <p:cNvSpPr/>
+            <p:nvPr/>
+          </p:nvSpPr>
+          <p:spPr>
+            <a:xfrm>
+              <a:off x="10521366" y="2836648"/>
+              <a:ext cx="450280" cy="2246769"/>
+            </a:xfrm>
+            <a:prstGeom prst="rect">
+              <a:avLst/>
+            </a:prstGeom>
+          </p:spPr>
+          <p:txBody>
+            <a:bodyPr wrap="square">
+              <a:spAutoFit/>
+            </a:bodyPr>
+            <a:lstStyle/>
+            <a:p>
+              <a:pPr algn="ctr"/>
+              <a:r>
+                <a:rPr lang="ja-JP" altLang="en-US" sz="2000" b="1" dirty="0">
+                  <a:ln>
+                    <a:solidFill>
+                      <a:schemeClr val="bg1"/>
+                    </a:solidFill>
+                  </a:ln>
+                  <a:solidFill>
+                    <a:schemeClr val="bg1"/>
+                  </a:solidFill>
+                </a:rPr>
+                <a:t>車の</a:t>
+              </a:r>
+              <a:r>
+                <a:rPr lang="ja-JP" altLang="en-US" sz="2000" b="1" dirty="0" smtClean="0">
+                  <a:ln>
+                    <a:solidFill>
+                      <a:schemeClr val="bg1"/>
+                    </a:solidFill>
+                  </a:ln>
+                  <a:solidFill>
+                    <a:schemeClr val="bg1"/>
+                  </a:solidFill>
+                </a:rPr>
+                <a:t>モデル</a:t>
+              </a:r>
+              <a:r>
+                <a:rPr lang="en-US" altLang="ja-JP" sz="2000" b="1" dirty="0" smtClean="0">
+                  <a:ln>
+                    <a:solidFill>
+                      <a:schemeClr val="bg1"/>
+                    </a:solidFill>
+                  </a:ln>
+                  <a:solidFill>
+                    <a:schemeClr val="accent4"/>
+                  </a:solidFill>
+                </a:rPr>
+                <a:t>4P</a:t>
+              </a:r>
+              <a:endParaRPr lang="ja-JP" altLang="en-US" sz="2000" b="1" dirty="0">
+                <a:ln>
+                  <a:solidFill>
+                    <a:schemeClr val="bg1"/>
+                  </a:solidFill>
+                </a:ln>
+                <a:solidFill>
+                  <a:schemeClr val="accent4"/>
+                </a:solidFill>
+              </a:endParaRPr>
+            </a:p>
+          </p:txBody>
+        </p:sp>
+        <p:sp>
+          <p:nvSpPr>
+            <p:cNvPr id="32" name="テキスト ボックス 31"/>
+            <p:cNvSpPr txBox="1"/>
+            <p:nvPr/>
+          </p:nvSpPr>
+          <p:spPr>
+            <a:xfrm>
+              <a:off x="10036406" y="2890332"/>
+              <a:ext cx="427336" cy="707886"/>
+            </a:xfrm>
+            <a:prstGeom prst="rect">
+              <a:avLst/>
+            </a:prstGeom>
+            <a:solidFill>
+              <a:schemeClr val="bg1"/>
+            </a:solidFill>
+          </p:spPr>
+          <p:txBody>
+            <a:bodyPr wrap="square" rtlCol="0">
+              <a:spAutoFit/>
+            </a:bodyPr>
+            <a:lstStyle/>
+            <a:p>
+              <a:pPr algn="ctr"/>
+              <a:r>
+                <a:rPr kumimoji="1" lang="en-US" altLang="ja-JP" sz="2000" b="1" dirty="0" smtClean="0">
+                  <a:solidFill>
+                    <a:srgbClr val="7030A0"/>
+                  </a:solidFill>
+                </a:rPr>
+                <a:t>3D</a:t>
+              </a:r>
+              <a:endParaRPr kumimoji="1" lang="ja-JP" altLang="en-US" sz="2000" b="1" dirty="0">
+                <a:solidFill>
+                  <a:srgbClr val="7030A0"/>
+                </a:solidFill>
+              </a:endParaRPr>
+            </a:p>
+          </p:txBody>
+        </p:sp>
+      </p:grpSp>
+      <p:sp>
+        <p:nvSpPr>
+          <p:cNvPr id="34" name="正方形/長方形 33"/>
+          <p:cNvSpPr/>
+          <p:nvPr/>
+        </p:nvSpPr>
+        <p:spPr>
+          <a:xfrm>
+            <a:off x="1034800" y="292396"/>
+            <a:ext cx="1366080" cy="461665"/>
+          </a:xfrm>
+          <a:prstGeom prst="rect">
+            <a:avLst/>
+          </a:prstGeom>
+        </p:spPr>
+        <p:txBody>
+          <a:bodyPr wrap="none">
+            <a:spAutoFit/>
+          </a:bodyPr>
+          <a:lstStyle/>
+          <a:p>
+            <a:r>
+              <a:rPr lang="ja-JP" altLang="en-US" sz="2400" b="1" dirty="0" smtClean="0">
+                <a:latin typeface="BIZ UDP明朝 Medium" panose="02020500000000000000" pitchFamily="18" charset="-128"/>
+                <a:ea typeface="BIZ UDP明朝 Medium" panose="02020500000000000000" pitchFamily="18" charset="-128"/>
+              </a:rPr>
+              <a:t>正面から</a:t>
+            </a:r>
+            <a:endParaRPr lang="ja-JP" altLang="en-US" sz="2400" dirty="0"/>
+          </a:p>
+        </p:txBody>
+      </p:sp>
+    </p:spTree>
+    <p:extLst>
+      <p:ext uri="{BB962C8B-B14F-4D97-AF65-F5344CB8AC3E}">
+        <p14:creationId xmlns:p14="http://schemas.microsoft.com/office/powerpoint/2010/main" val="3034314274"/>
+      </p:ext>
+    </p:extLst>
+  </p:cSld>
+  <p:clrMapOvr>
+    <a:masterClrMapping/>
+  </p:clrMapOvr>
+  <p:timing>
+    <p:tnLst>
+      <p:par>
+        <p:cTn id="1" dur="indefinite" restart="never" nodeType="tmRoot">
+          <p:childTnLst>
+            <p:seq concurrent="1" nextAc="seek">
+              <p:cTn id="2" dur="indefinite" nodeType="mainSeq">
+                <p:childTnLst>
+                  <p:par>
+                    <p:cTn id="3" fill="hold">
+                      <p:stCondLst>
+                        <p:cond delay="indefinite"/>
+                      </p:stCondLst>
+                      <p:childTnLst>
+                        <p:par>
+                          <p:cTn id="4" fill="hold">
+                            <p:stCondLst>
+                              <p:cond delay="0"/>
+                            </p:stCondLst>
+                            <p:childTnLst>
+                              <p:par>
+                                <p:cTn id="5" presetID="2" presetClass="exit" presetSubtype="4" fill="hold" nodeType="clickEffect">
+                                  <p:stCondLst>
+                                    <p:cond delay="0"/>
+                                  </p:stCondLst>
+                                  <p:childTnLst>
+                                    <p:anim calcmode="lin" valueType="num">
+                                      <p:cBhvr additive="base">
+                                        <p:cTn id="6" dur="500"/>
+                                        <p:tgtEl>
+                                          <p:spTgt spid="38"/>
+                                        </p:tgtEl>
+                                        <p:attrNameLst>
+                                          <p:attrName>ppt_x</p:attrName>
+                                        </p:attrNameLst>
+                                      </p:cBhvr>
+                                      <p:tavLst>
+                                        <p:tav tm="0">
+                                          <p:val>
+                                            <p:strVal val="ppt_x"/>
+                                          </p:val>
+                                        </p:tav>
+                                        <p:tav tm="100000">
+                                          <p:val>
+                                            <p:strVal val="ppt_x"/>
+                                          </p:val>
+                                        </p:tav>
+                                      </p:tavLst>
+                                    </p:anim>
+                                    <p:anim calcmode="lin" valueType="num">
+                                      <p:cBhvr additive="base">
+                                        <p:cTn id="7" dur="500"/>
+                                        <p:tgtEl>
+                                          <p:spTgt spid="38"/>
+                                        </p:tgtEl>
+                                        <p:attrNameLst>
+                                          <p:attrName>ppt_y</p:attrName>
+                                        </p:attrNameLst>
+                                      </p:cBhvr>
+                                      <p:tavLst>
+                                        <p:tav tm="0">
+                                          <p:val>
+                                            <p:strVal val="ppt_y"/>
+                                          </p:val>
+                                        </p:tav>
+                                        <p:tav tm="100000">
+                                          <p:val>
+                                            <p:strVal val="1+ppt_h/2"/>
+                                          </p:val>
+                                        </p:tav>
+                                      </p:tavLst>
+                                    </p:anim>
+                                    <p:set>
+                                      <p:cBhvr>
+                                        <p:cTn id="8" dur="1" fill="hold">
+                                          <p:stCondLst>
+                                            <p:cond delay="499"/>
+                                          </p:stCondLst>
+                                        </p:cTn>
+                                        <p:tgtEl>
+                                          <p:spTgt spid="38"/>
+                                        </p:tgtEl>
+                                        <p:attrNameLst>
+                                          <p:attrName>style.visibility</p:attrName>
+                                        </p:attrNameLst>
+                                      </p:cBhvr>
+                                      <p:to>
+                                        <p:strVal val="hidden"/>
+                                      </p:to>
+                                    </p:set>
+                                  </p:childTnLst>
+                                </p:cTn>
+                              </p:par>
+                              <p:par>
+                                <p:cTn id="9" presetID="2" presetClass="exit" presetSubtype="4" fill="hold" nodeType="withEffect">
+                                  <p:stCondLst>
+                                    <p:cond delay="0"/>
+                                  </p:stCondLst>
+                                  <p:childTnLst>
+                                    <p:anim calcmode="lin" valueType="num">
+                                      <p:cBhvr additive="base">
+                                        <p:cTn id="10" dur="500"/>
+                                        <p:tgtEl>
+                                          <p:spTgt spid="39"/>
+                                        </p:tgtEl>
+                                        <p:attrNameLst>
+                                          <p:attrName>ppt_x</p:attrName>
+                                        </p:attrNameLst>
+                                      </p:cBhvr>
+                                      <p:tavLst>
+                                        <p:tav tm="0">
+                                          <p:val>
+                                            <p:strVal val="ppt_x"/>
+                                          </p:val>
+                                        </p:tav>
+                                        <p:tav tm="100000">
+                                          <p:val>
+                                            <p:strVal val="ppt_x"/>
+                                          </p:val>
+                                        </p:tav>
+                                      </p:tavLst>
+                                    </p:anim>
+                                    <p:anim calcmode="lin" valueType="num">
+                                      <p:cBhvr additive="base">
+                                        <p:cTn id="11" dur="500"/>
+                                        <p:tgtEl>
+                                          <p:spTgt spid="39"/>
+                                        </p:tgtEl>
+                                        <p:attrNameLst>
+                                          <p:attrName>ppt_y</p:attrName>
+                                        </p:attrNameLst>
+                                      </p:cBhvr>
+                                      <p:tavLst>
+                                        <p:tav tm="0">
+                                          <p:val>
+                                            <p:strVal val="ppt_y"/>
+                                          </p:val>
+                                        </p:tav>
+                                        <p:tav tm="100000">
+                                          <p:val>
+                                            <p:strVal val="1+ppt_h/2"/>
+                                          </p:val>
+                                        </p:tav>
+                                      </p:tavLst>
+                                    </p:anim>
+                                    <p:set>
+                                      <p:cBhvr>
+                                        <p:cTn id="12" dur="1" fill="hold">
+                                          <p:stCondLst>
+                                            <p:cond delay="499"/>
+                                          </p:stCondLst>
+                                        </p:cTn>
+                                        <p:tgtEl>
+                                          <p:spTgt spid="39"/>
+                                        </p:tgtEl>
+                                        <p:attrNameLst>
+                                          <p:attrName>style.visibility</p:attrName>
+                                        </p:attrNameLst>
+                                      </p:cBhvr>
+                                      <p:to>
+                                        <p:strVal val="hidden"/>
+                                      </p:to>
+                                    </p:set>
+                                  </p:childTnLst>
+                                </p:cTn>
+                              </p:par>
+                              <p:par>
+                                <p:cTn id="13" presetID="2" presetClass="exit" presetSubtype="4" fill="hold" nodeType="withEffect">
+                                  <p:stCondLst>
+                                    <p:cond delay="0"/>
+                                  </p:stCondLst>
+                                  <p:childTnLst>
+                                    <p:anim calcmode="lin" valueType="num">
+                                      <p:cBhvr additive="base">
+                                        <p:cTn id="14" dur="500"/>
+                                        <p:tgtEl>
+                                          <p:spTgt spid="40"/>
+                                        </p:tgtEl>
+                                        <p:attrNameLst>
+                                          <p:attrName>ppt_x</p:attrName>
+                                        </p:attrNameLst>
+                                      </p:cBhvr>
+                                      <p:tavLst>
+                                        <p:tav tm="0">
+                                          <p:val>
+                                            <p:strVal val="ppt_x"/>
+                                          </p:val>
+                                        </p:tav>
+                                        <p:tav tm="100000">
+                                          <p:val>
+                                            <p:strVal val="ppt_x"/>
+                                          </p:val>
+                                        </p:tav>
+                                      </p:tavLst>
+                                    </p:anim>
+                                    <p:anim calcmode="lin" valueType="num">
+                                      <p:cBhvr additive="base">
+                                        <p:cTn id="15" dur="500"/>
+                                        <p:tgtEl>
+                                          <p:spTgt spid="40"/>
+                                        </p:tgtEl>
+                                        <p:attrNameLst>
+                                          <p:attrName>ppt_y</p:attrName>
+                                        </p:attrNameLst>
+                                      </p:cBhvr>
+                                      <p:tavLst>
+                                        <p:tav tm="0">
+                                          <p:val>
+                                            <p:strVal val="ppt_y"/>
+                                          </p:val>
+                                        </p:tav>
+                                        <p:tav tm="100000">
+                                          <p:val>
+                                            <p:strVal val="1+ppt_h/2"/>
+                                          </p:val>
+                                        </p:tav>
+                                      </p:tavLst>
+                                    </p:anim>
+                                    <p:set>
+                                      <p:cBhvr>
+                                        <p:cTn id="16" dur="1" fill="hold">
+                                          <p:stCondLst>
+                                            <p:cond delay="499"/>
+                                          </p:stCondLst>
+                                        </p:cTn>
+                                        <p:tgtEl>
+                                          <p:spTgt spid="40"/>
+                                        </p:tgtEl>
+                                        <p:attrNameLst>
+                                          <p:attrName>style.visibility</p:attrName>
+                                        </p:attrNameLst>
+                                      </p:cBhvr>
+                                      <p:to>
+                                        <p:strVal val="hidden"/>
+                                      </p:to>
+                                    </p:set>
+                                  </p:childTnLst>
+                                </p:cTn>
+                              </p:par>
+                              <p:par>
+                                <p:cTn id="17" presetID="2" presetClass="exit" presetSubtype="4" fill="hold" nodeType="withEffect">
+                                  <p:stCondLst>
+                                    <p:cond delay="0"/>
+                                  </p:stCondLst>
+                                  <p:childTnLst>
+                                    <p:anim calcmode="lin" valueType="num">
+                                      <p:cBhvr additive="base">
+                                        <p:cTn id="18" dur="500"/>
+                                        <p:tgtEl>
+                                          <p:spTgt spid="41"/>
+                                        </p:tgtEl>
+                                        <p:attrNameLst>
+                                          <p:attrName>ppt_x</p:attrName>
+                                        </p:attrNameLst>
+                                      </p:cBhvr>
+                                      <p:tavLst>
+                                        <p:tav tm="0">
+                                          <p:val>
+                                            <p:strVal val="ppt_x"/>
+                                          </p:val>
+                                        </p:tav>
+                                        <p:tav tm="100000">
+                                          <p:val>
+                                            <p:strVal val="ppt_x"/>
+                                          </p:val>
+                                        </p:tav>
+                                      </p:tavLst>
+                                    </p:anim>
+                                    <p:anim calcmode="lin" valueType="num">
+                                      <p:cBhvr additive="base">
+                                        <p:cTn id="19" dur="500"/>
+                                        <p:tgtEl>
+                                          <p:spTgt spid="41"/>
+                                        </p:tgtEl>
+                                        <p:attrNameLst>
+                                          <p:attrName>ppt_y</p:attrName>
+                                        </p:attrNameLst>
+                                      </p:cBhvr>
+                                      <p:tavLst>
+                                        <p:tav tm="0">
+                                          <p:val>
+                                            <p:strVal val="ppt_y"/>
+                                          </p:val>
+                                        </p:tav>
+                                        <p:tav tm="100000">
+                                          <p:val>
+                                            <p:strVal val="1+ppt_h/2"/>
+                                          </p:val>
+                                        </p:tav>
+                                      </p:tavLst>
+                                    </p:anim>
+                                    <p:set>
+                                      <p:cBhvr>
+                                        <p:cTn id="20" dur="1" fill="hold">
+                                          <p:stCondLst>
+                                            <p:cond delay="499"/>
+                                          </p:stCondLst>
+                                        </p:cTn>
+                                        <p:tgtEl>
+                                          <p:spTgt spid="41"/>
+                                        </p:tgtEl>
+                                        <p:attrNameLst>
+                                          <p:attrName>style.visibility</p:attrName>
+                                        </p:attrNameLst>
+                                      </p:cBhvr>
+                                      <p:to>
+                                        <p:strVal val="hidden"/>
+                                      </p:to>
+                                    </p:set>
+                                  </p:childTnLst>
+                                </p:cTn>
+                              </p:par>
+                            </p:childTnLst>
+                          </p:cTn>
+                        </p:par>
+                      </p:childTnLst>
+                    </p:cTn>
+                  </p:par>
+                </p:childTnLst>
+              </p:cTn>
+              <p:prevCondLst>
+                <p:cond evt="onPrev" delay="0">
+                  <p:tgtEl>
+                    <p:sldTgt/>
+                  </p:tgtEl>
+                </p:cond>
+              </p:prevCondLst>
+              <p:nextCondLst>
+                <p:cond evt="onNext" delay="0">
+                  <p:tgtEl>
+                    <p:sldTgt/>
+                  </p:tgtEl>
+                </p:cond>
+              </p:nextCondLst>
+            </p:seq>
+          </p:childTnLst>
+        </p:cTn>
+      </p:par>
+    </p:tnLst>
+  </p:timing>
+</p:sld>
+</file>
+
+<file path=ppt/slides/slide23.xml><?xml version="1.0" encoding="utf-8"?>
+<p:sld xmlns:a="http://schemas.openxmlformats.org/drawingml/2006/main" xmlns:r="http://schemas.openxmlformats.org/officeDocument/2006/relationships" xmlns:p="http://schemas.openxmlformats.org/presentationml/2006/main">
+  <p:cSld>
+    <p:spTree>
+      <p:nvGrpSpPr>
+        <p:cNvPr id="1" name=""/>
+        <p:cNvGrpSpPr/>
+        <p:nvPr/>
+      </p:nvGrpSpPr>
+      <p:grpSpPr>
+        <a:xfrm>
+          <a:off x="0" y="0"/>
+          <a:ext cx="0" cy="0"/>
+          <a:chOff x="0" y="0"/>
+          <a:chExt cx="0" cy="0"/>
+        </a:xfrm>
+      </p:grpSpPr>
+      <p:sp>
+        <p:nvSpPr>
+          <p:cNvPr id="57" name="楕円 56"/>
+          <p:cNvSpPr/>
+          <p:nvPr/>
+        </p:nvSpPr>
+        <p:spPr>
+          <a:xfrm>
+            <a:off x="1223787" y="1292360"/>
+            <a:ext cx="9645162" cy="5765909"/>
+          </a:xfrm>
+          <a:prstGeom prst="ellipse">
+            <a:avLst/>
+          </a:prstGeom>
+        </p:spPr>
+        <p:style>
+          <a:lnRef idx="1">
+            <a:schemeClr val="accent6"/>
+          </a:lnRef>
+          <a:fillRef idx="2">
+            <a:schemeClr val="accent6"/>
+          </a:fillRef>
+          <a:effectRef idx="1">
+            <a:schemeClr val="accent6"/>
+          </a:effectRef>
+          <a:fontRef idx="minor">
+            <a:schemeClr val="dk1"/>
+          </a:fontRef>
+        </p:style>
+        <p:txBody>
+          <a:bodyPr rtlCol="0" anchor="ctr"/>
+          <a:lstStyle/>
+          <a:p>
+            <a:pPr algn="ctr"/>
+            <a:endParaRPr kumimoji="1" lang="ja-JP" altLang="en-US"/>
+          </a:p>
+        </p:txBody>
+      </p:sp>
+      <p:sp>
+        <p:nvSpPr>
+          <p:cNvPr id="24" name="正方形/長方形 23"/>
+          <p:cNvSpPr/>
+          <p:nvPr/>
+        </p:nvSpPr>
+        <p:spPr>
+          <a:xfrm>
+            <a:off x="218646" y="297331"/>
+            <a:ext cx="702436" cy="461665"/>
+          </a:xfrm>
+          <a:prstGeom prst="rect">
+            <a:avLst/>
+          </a:prstGeom>
+        </p:spPr>
+        <p:txBody>
+          <a:bodyPr wrap="none">
+            <a:spAutoFit/>
+          </a:bodyPr>
+          <a:lstStyle/>
+          <a:p>
+            <a:r>
+              <a:rPr lang="ja-JP" altLang="en-US" sz="2400" b="1" dirty="0" smtClean="0">
+                <a:latin typeface="BIZ UDP明朝 Medium" panose="02020500000000000000" pitchFamily="18" charset="-128"/>
+                <a:ea typeface="BIZ UDP明朝 Medium" panose="02020500000000000000" pitchFamily="18" charset="-128"/>
+              </a:rPr>
+              <a:t>案</a:t>
+            </a:r>
+            <a:r>
+              <a:rPr lang="en-US" altLang="ja-JP" sz="2400" b="1" dirty="0" smtClean="0">
+                <a:latin typeface="BIZ UDP明朝 Medium" panose="02020500000000000000" pitchFamily="18" charset="-128"/>
+                <a:ea typeface="BIZ UDP明朝 Medium" panose="02020500000000000000" pitchFamily="18" charset="-128"/>
+              </a:rPr>
+              <a:t>2</a:t>
+            </a:r>
+            <a:endParaRPr lang="ja-JP" altLang="en-US" sz="2400" dirty="0"/>
+          </a:p>
+        </p:txBody>
+      </p:sp>
+      <p:grpSp>
+        <p:nvGrpSpPr>
+          <p:cNvPr id="6" name="グループ化 5"/>
+          <p:cNvGrpSpPr/>
+          <p:nvPr/>
+        </p:nvGrpSpPr>
+        <p:grpSpPr>
+          <a:xfrm>
+            <a:off x="553414" y="1592619"/>
+            <a:ext cx="2286000" cy="855044"/>
+            <a:chOff x="553414" y="1592619"/>
+            <a:chExt cx="2286000" cy="855044"/>
+          </a:xfrm>
+        </p:grpSpPr>
+        <p:sp>
+          <p:nvSpPr>
+            <p:cNvPr id="4" name="正方形/長方形 3"/>
+            <p:cNvSpPr/>
+            <p:nvPr/>
+          </p:nvSpPr>
+          <p:spPr>
+            <a:xfrm>
+              <a:off x="553414" y="1592619"/>
+              <a:ext cx="2286000" cy="855044"/>
+            </a:xfrm>
+            <a:prstGeom prst="rect">
+              <a:avLst/>
+            </a:prstGeom>
+          </p:spPr>
+          <p:style>
+            <a:lnRef idx="1">
+              <a:schemeClr val="dk1"/>
+            </a:lnRef>
+            <a:fillRef idx="2">
+              <a:schemeClr val="dk1"/>
+            </a:fillRef>
+            <a:effectRef idx="1">
+              <a:schemeClr val="dk1"/>
+            </a:effectRef>
+            <a:fontRef idx="minor">
+              <a:schemeClr val="dk1"/>
+            </a:fontRef>
+          </p:style>
+          <p:txBody>
+            <a:bodyPr rtlCol="0" anchor="ctr"/>
+            <a:lstStyle/>
+            <a:p>
+              <a:pPr algn="ctr"/>
+              <a:endParaRPr lang="ja-JP" altLang="en-US" sz="2400" b="1" dirty="0">
+                <a:ln>
+                  <a:solidFill>
+                    <a:schemeClr val="bg1"/>
+                  </a:solidFill>
+                </a:ln>
+                <a:solidFill>
+                  <a:srgbClr val="0070C0"/>
+                </a:solidFill>
+              </a:endParaRPr>
+            </a:p>
+          </p:txBody>
+        </p:sp>
+        <p:sp>
+          <p:nvSpPr>
+            <p:cNvPr id="2" name="正方形/長方形 1"/>
+            <p:cNvSpPr/>
+            <p:nvPr/>
+          </p:nvSpPr>
+          <p:spPr>
+            <a:xfrm>
+              <a:off x="739084" y="2047553"/>
+              <a:ext cx="1914660" cy="400110"/>
+            </a:xfrm>
+            <a:prstGeom prst="rect">
+              <a:avLst/>
+            </a:prstGeom>
+          </p:spPr>
+          <p:txBody>
+            <a:bodyPr wrap="square">
+              <a:spAutoFit/>
+            </a:bodyPr>
+            <a:lstStyle/>
+            <a:p>
+              <a:pPr algn="ctr"/>
+              <a:r>
+                <a:rPr lang="ja-JP" altLang="en-US" sz="2000" b="1" dirty="0">
+                  <a:ln>
+                    <a:solidFill>
+                      <a:schemeClr val="bg1"/>
+                    </a:solidFill>
+                  </a:ln>
+                  <a:solidFill>
+                    <a:schemeClr val="bg1"/>
+                  </a:solidFill>
+                </a:rPr>
+                <a:t>車の</a:t>
+              </a:r>
+              <a:r>
+                <a:rPr lang="ja-JP" altLang="en-US" sz="2000" b="1" dirty="0" smtClean="0">
+                  <a:ln>
+                    <a:solidFill>
+                      <a:schemeClr val="bg1"/>
+                    </a:solidFill>
+                  </a:ln>
+                  <a:solidFill>
+                    <a:schemeClr val="bg1"/>
+                  </a:solidFill>
+                </a:rPr>
+                <a:t>モデル</a:t>
+              </a:r>
+              <a:r>
+                <a:rPr lang="ja-JP" altLang="en-US" sz="2000" b="1" dirty="0" smtClean="0">
+                  <a:ln>
+                    <a:solidFill>
+                      <a:schemeClr val="bg1"/>
+                    </a:solidFill>
+                  </a:ln>
+                  <a:solidFill>
+                    <a:schemeClr val="accent4"/>
+                  </a:solidFill>
+                </a:rPr>
+                <a:t>４</a:t>
+              </a:r>
+              <a:r>
+                <a:rPr lang="en-US" altLang="ja-JP" sz="2000" b="1" dirty="0" smtClean="0">
+                  <a:ln>
+                    <a:solidFill>
+                      <a:schemeClr val="bg1"/>
+                    </a:solidFill>
+                  </a:ln>
+                  <a:solidFill>
+                    <a:schemeClr val="accent4"/>
+                  </a:solidFill>
+                </a:rPr>
+                <a:t>P</a:t>
+              </a:r>
+              <a:endParaRPr lang="ja-JP" altLang="en-US" sz="2000" b="1" dirty="0">
+                <a:ln>
+                  <a:solidFill>
+                    <a:schemeClr val="bg1"/>
+                  </a:solidFill>
+                </a:ln>
+                <a:solidFill>
+                  <a:schemeClr val="accent4"/>
+                </a:solidFill>
+              </a:endParaRPr>
+            </a:p>
+          </p:txBody>
+        </p:sp>
+        <p:sp>
+          <p:nvSpPr>
+            <p:cNvPr id="29" name="テキスト ボックス 28"/>
+            <p:cNvSpPr txBox="1"/>
+            <p:nvPr/>
+          </p:nvSpPr>
+          <p:spPr>
+            <a:xfrm>
+              <a:off x="603476" y="1635420"/>
+              <a:ext cx="561597" cy="369332"/>
+            </a:xfrm>
+            <a:prstGeom prst="rect">
+              <a:avLst/>
+            </a:prstGeom>
+            <a:solidFill>
+              <a:schemeClr val="bg1"/>
+            </a:solidFill>
+          </p:spPr>
+          <p:txBody>
+            <a:bodyPr wrap="square" rtlCol="0">
+              <a:spAutoFit/>
+            </a:bodyPr>
+            <a:lstStyle/>
+            <a:p>
+              <a:pPr algn="ctr"/>
+              <a:r>
+                <a:rPr kumimoji="1" lang="en-US" altLang="ja-JP" b="1" dirty="0" smtClean="0">
+                  <a:solidFill>
+                    <a:srgbClr val="7030A0"/>
+                  </a:solidFill>
+                </a:rPr>
+                <a:t>3D</a:t>
+              </a:r>
+              <a:endParaRPr kumimoji="1" lang="ja-JP" altLang="en-US" b="1" dirty="0">
+                <a:solidFill>
+                  <a:srgbClr val="7030A0"/>
+                </a:solidFill>
+              </a:endParaRPr>
+            </a:p>
+          </p:txBody>
+        </p:sp>
+      </p:grpSp>
+      <p:sp>
+        <p:nvSpPr>
+          <p:cNvPr id="34" name="正方形/長方形 33"/>
+          <p:cNvSpPr/>
+          <p:nvPr/>
+        </p:nvSpPr>
+        <p:spPr>
+          <a:xfrm>
+            <a:off x="1034800" y="292396"/>
+            <a:ext cx="1058303" cy="461665"/>
+          </a:xfrm>
+          <a:prstGeom prst="rect">
+            <a:avLst/>
+          </a:prstGeom>
+        </p:spPr>
+        <p:txBody>
+          <a:bodyPr wrap="none">
+            <a:spAutoFit/>
+          </a:bodyPr>
+          <a:lstStyle/>
+          <a:p>
+            <a:r>
+              <a:rPr lang="ja-JP" altLang="en-US" sz="2400" b="1" dirty="0" smtClean="0">
+                <a:latin typeface="BIZ UDP明朝 Medium" panose="02020500000000000000" pitchFamily="18" charset="-128"/>
+                <a:ea typeface="BIZ UDP明朝 Medium" panose="02020500000000000000" pitchFamily="18" charset="-128"/>
+              </a:rPr>
+              <a:t>横から</a:t>
+            </a:r>
+            <a:endParaRPr lang="ja-JP" altLang="en-US" sz="2400" dirty="0"/>
+          </a:p>
+        </p:txBody>
+      </p:sp>
+      <p:grpSp>
+        <p:nvGrpSpPr>
+          <p:cNvPr id="9" name="グループ化 8"/>
+          <p:cNvGrpSpPr/>
+          <p:nvPr/>
+        </p:nvGrpSpPr>
+        <p:grpSpPr>
+          <a:xfrm>
+            <a:off x="553414" y="2773579"/>
+            <a:ext cx="2286000" cy="855044"/>
+            <a:chOff x="553414" y="2773579"/>
+            <a:chExt cx="2286000" cy="855044"/>
+          </a:xfrm>
+        </p:grpSpPr>
+        <p:sp>
+          <p:nvSpPr>
+            <p:cNvPr id="44" name="正方形/長方形 43"/>
+            <p:cNvSpPr/>
+            <p:nvPr/>
+          </p:nvSpPr>
+          <p:spPr>
+            <a:xfrm>
+              <a:off x="553414" y="2773579"/>
+              <a:ext cx="2286000" cy="855044"/>
+            </a:xfrm>
+            <a:prstGeom prst="rect">
+              <a:avLst/>
+            </a:prstGeom>
+          </p:spPr>
+          <p:style>
+            <a:lnRef idx="1">
+              <a:schemeClr val="dk1"/>
+            </a:lnRef>
+            <a:fillRef idx="2">
+              <a:schemeClr val="dk1"/>
+            </a:fillRef>
+            <a:effectRef idx="1">
+              <a:schemeClr val="dk1"/>
+            </a:effectRef>
+            <a:fontRef idx="minor">
+              <a:schemeClr val="dk1"/>
+            </a:fontRef>
+          </p:style>
+          <p:txBody>
+            <a:bodyPr rtlCol="0" anchor="ctr"/>
+            <a:lstStyle/>
+            <a:p>
+              <a:pPr algn="ctr"/>
+              <a:endParaRPr lang="ja-JP" altLang="en-US" sz="2400" b="1" dirty="0">
+                <a:ln>
+                  <a:solidFill>
+                    <a:schemeClr val="bg1"/>
+                  </a:solidFill>
+                </a:ln>
+                <a:solidFill>
+                  <a:srgbClr val="0070C0"/>
+                </a:solidFill>
+              </a:endParaRPr>
+            </a:p>
+          </p:txBody>
+        </p:sp>
+        <p:sp>
+          <p:nvSpPr>
+            <p:cNvPr id="45" name="正方形/長方形 44"/>
+            <p:cNvSpPr/>
+            <p:nvPr/>
+          </p:nvSpPr>
+          <p:spPr>
+            <a:xfrm>
+              <a:off x="739084" y="3228513"/>
+              <a:ext cx="1914660" cy="400110"/>
+            </a:xfrm>
+            <a:prstGeom prst="rect">
+              <a:avLst/>
+            </a:prstGeom>
+          </p:spPr>
+          <p:txBody>
+            <a:bodyPr wrap="square">
+              <a:spAutoFit/>
+            </a:bodyPr>
+            <a:lstStyle/>
+            <a:p>
+              <a:pPr algn="ctr"/>
+              <a:r>
+                <a:rPr lang="ja-JP" altLang="en-US" sz="2000" b="1" dirty="0">
+                  <a:ln>
+                    <a:solidFill>
+                      <a:schemeClr val="bg1"/>
+                    </a:solidFill>
+                  </a:ln>
+                  <a:solidFill>
+                    <a:schemeClr val="bg1"/>
+                  </a:solidFill>
+                </a:rPr>
+                <a:t>車の</a:t>
+              </a:r>
+              <a:r>
+                <a:rPr lang="ja-JP" altLang="en-US" sz="2000" b="1" dirty="0" smtClean="0">
+                  <a:ln>
+                    <a:solidFill>
+                      <a:schemeClr val="bg1"/>
+                    </a:solidFill>
+                  </a:ln>
+                  <a:solidFill>
+                    <a:schemeClr val="bg1"/>
+                  </a:solidFill>
+                </a:rPr>
+                <a:t>モデル</a:t>
+              </a:r>
+              <a:r>
+                <a:rPr lang="ja-JP" altLang="en-US" sz="2000" b="1" dirty="0" smtClean="0">
+                  <a:ln>
+                    <a:solidFill>
+                      <a:schemeClr val="bg1"/>
+                    </a:solidFill>
+                  </a:ln>
+                  <a:solidFill>
+                    <a:srgbClr val="00B050"/>
+                  </a:solidFill>
+                </a:rPr>
+                <a:t>３</a:t>
+              </a:r>
+              <a:r>
+                <a:rPr lang="en-US" altLang="ja-JP" sz="2000" b="1" dirty="0" smtClean="0">
+                  <a:ln>
+                    <a:solidFill>
+                      <a:schemeClr val="bg1"/>
+                    </a:solidFill>
+                  </a:ln>
+                  <a:solidFill>
+                    <a:srgbClr val="00B050"/>
+                  </a:solidFill>
+                </a:rPr>
+                <a:t>P</a:t>
+              </a:r>
+              <a:endParaRPr lang="ja-JP" altLang="en-US" sz="2000" b="1" dirty="0">
+                <a:ln>
+                  <a:solidFill>
+                    <a:schemeClr val="bg1"/>
+                  </a:solidFill>
+                </a:ln>
+                <a:solidFill>
+                  <a:srgbClr val="00B050"/>
+                </a:solidFill>
+              </a:endParaRPr>
+            </a:p>
+          </p:txBody>
+        </p:sp>
+        <p:sp>
+          <p:nvSpPr>
+            <p:cNvPr id="46" name="テキスト ボックス 45"/>
+            <p:cNvSpPr txBox="1"/>
+            <p:nvPr/>
+          </p:nvSpPr>
+          <p:spPr>
+            <a:xfrm>
+              <a:off x="603476" y="2816380"/>
+              <a:ext cx="561597" cy="369332"/>
+            </a:xfrm>
+            <a:prstGeom prst="rect">
+              <a:avLst/>
+            </a:prstGeom>
+            <a:solidFill>
+              <a:schemeClr val="bg1"/>
+            </a:solidFill>
+          </p:spPr>
+          <p:txBody>
+            <a:bodyPr wrap="square" rtlCol="0">
+              <a:spAutoFit/>
+            </a:bodyPr>
+            <a:lstStyle/>
+            <a:p>
+              <a:pPr algn="ctr"/>
+              <a:r>
+                <a:rPr kumimoji="1" lang="en-US" altLang="ja-JP" b="1" dirty="0" smtClean="0">
+                  <a:solidFill>
+                    <a:srgbClr val="7030A0"/>
+                  </a:solidFill>
+                </a:rPr>
+                <a:t>3D</a:t>
+              </a:r>
+              <a:endParaRPr kumimoji="1" lang="ja-JP" altLang="en-US" b="1" dirty="0">
+                <a:solidFill>
+                  <a:srgbClr val="7030A0"/>
+                </a:solidFill>
+              </a:endParaRPr>
+            </a:p>
+          </p:txBody>
+        </p:sp>
+      </p:grpSp>
+      <p:grpSp>
+        <p:nvGrpSpPr>
+          <p:cNvPr id="10" name="グループ化 9"/>
+          <p:cNvGrpSpPr/>
+          <p:nvPr/>
+        </p:nvGrpSpPr>
+        <p:grpSpPr>
+          <a:xfrm>
+            <a:off x="553414" y="4039395"/>
+            <a:ext cx="2286000" cy="855044"/>
+            <a:chOff x="553414" y="4039395"/>
+            <a:chExt cx="2286000" cy="855044"/>
+          </a:xfrm>
+        </p:grpSpPr>
+        <p:sp>
+          <p:nvSpPr>
+            <p:cNvPr id="47" name="正方形/長方形 46"/>
+            <p:cNvSpPr/>
+            <p:nvPr/>
+          </p:nvSpPr>
+          <p:spPr>
+            <a:xfrm>
+              <a:off x="553414" y="4039395"/>
+              <a:ext cx="2286000" cy="855044"/>
+            </a:xfrm>
+            <a:prstGeom prst="rect">
+              <a:avLst/>
+            </a:prstGeom>
+          </p:spPr>
+          <p:style>
+            <a:lnRef idx="1">
+              <a:schemeClr val="dk1"/>
+            </a:lnRef>
+            <a:fillRef idx="2">
+              <a:schemeClr val="dk1"/>
+            </a:fillRef>
+            <a:effectRef idx="1">
+              <a:schemeClr val="dk1"/>
+            </a:effectRef>
+            <a:fontRef idx="minor">
+              <a:schemeClr val="dk1"/>
+            </a:fontRef>
+          </p:style>
+          <p:txBody>
+            <a:bodyPr rtlCol="0" anchor="ctr"/>
+            <a:lstStyle/>
+            <a:p>
+              <a:pPr algn="ctr"/>
+              <a:endParaRPr lang="ja-JP" altLang="en-US" sz="2400" b="1" dirty="0">
+                <a:ln>
+                  <a:solidFill>
+                    <a:schemeClr val="bg1"/>
+                  </a:solidFill>
+                </a:ln>
+                <a:solidFill>
+                  <a:srgbClr val="0070C0"/>
+                </a:solidFill>
+              </a:endParaRPr>
+            </a:p>
+          </p:txBody>
+        </p:sp>
+        <p:sp>
+          <p:nvSpPr>
+            <p:cNvPr id="48" name="正方形/長方形 47"/>
+            <p:cNvSpPr/>
+            <p:nvPr/>
+          </p:nvSpPr>
+          <p:spPr>
+            <a:xfrm>
+              <a:off x="739084" y="4494329"/>
+              <a:ext cx="1914660" cy="400110"/>
+            </a:xfrm>
+            <a:prstGeom prst="rect">
+              <a:avLst/>
+            </a:prstGeom>
+          </p:spPr>
+          <p:txBody>
+            <a:bodyPr wrap="square">
+              <a:spAutoFit/>
+            </a:bodyPr>
+            <a:lstStyle/>
+            <a:p>
+              <a:pPr algn="ctr"/>
+              <a:r>
+                <a:rPr lang="ja-JP" altLang="en-US" sz="2000" b="1" dirty="0">
+                  <a:ln>
+                    <a:solidFill>
+                      <a:schemeClr val="bg1"/>
+                    </a:solidFill>
+                  </a:ln>
+                  <a:solidFill>
+                    <a:schemeClr val="bg1"/>
+                  </a:solidFill>
+                </a:rPr>
+                <a:t>車の</a:t>
+              </a:r>
+              <a:r>
+                <a:rPr lang="ja-JP" altLang="en-US" sz="2000" b="1" dirty="0" smtClean="0">
+                  <a:ln>
+                    <a:solidFill>
+                      <a:schemeClr val="bg1"/>
+                    </a:solidFill>
+                  </a:ln>
+                  <a:solidFill>
+                    <a:schemeClr val="bg1"/>
+                  </a:solidFill>
+                </a:rPr>
+                <a:t>モデル</a:t>
+              </a:r>
+              <a:r>
+                <a:rPr lang="ja-JP" altLang="en-US" sz="2000" b="1" dirty="0" smtClean="0">
+                  <a:ln>
+                    <a:solidFill>
+                      <a:schemeClr val="bg1"/>
+                    </a:solidFill>
+                  </a:ln>
+                  <a:solidFill>
+                    <a:srgbClr val="FF0000"/>
+                  </a:solidFill>
+                </a:rPr>
+                <a:t>２</a:t>
+              </a:r>
+              <a:r>
+                <a:rPr lang="en-US" altLang="ja-JP" sz="2000" b="1" dirty="0" smtClean="0">
+                  <a:ln>
+                    <a:solidFill>
+                      <a:schemeClr val="bg1"/>
+                    </a:solidFill>
+                  </a:ln>
+                  <a:solidFill>
+                    <a:srgbClr val="FF0000"/>
+                  </a:solidFill>
+                </a:rPr>
+                <a:t>P</a:t>
+              </a:r>
+              <a:endParaRPr lang="ja-JP" altLang="en-US" sz="2000" b="1" dirty="0">
+                <a:ln>
+                  <a:solidFill>
+                    <a:schemeClr val="bg1"/>
+                  </a:solidFill>
+                </a:ln>
+                <a:solidFill>
+                  <a:srgbClr val="FF0000"/>
+                </a:solidFill>
+              </a:endParaRPr>
+            </a:p>
+          </p:txBody>
+        </p:sp>
+        <p:sp>
+          <p:nvSpPr>
+            <p:cNvPr id="49" name="テキスト ボックス 48"/>
+            <p:cNvSpPr txBox="1"/>
+            <p:nvPr/>
+          </p:nvSpPr>
+          <p:spPr>
+            <a:xfrm>
+              <a:off x="603476" y="4082196"/>
+              <a:ext cx="561597" cy="369332"/>
+            </a:xfrm>
+            <a:prstGeom prst="rect">
+              <a:avLst/>
+            </a:prstGeom>
+            <a:solidFill>
+              <a:schemeClr val="bg1"/>
+            </a:solidFill>
+          </p:spPr>
+          <p:txBody>
+            <a:bodyPr wrap="square" rtlCol="0">
+              <a:spAutoFit/>
+            </a:bodyPr>
+            <a:lstStyle/>
+            <a:p>
+              <a:pPr algn="ctr"/>
+              <a:r>
+                <a:rPr kumimoji="1" lang="en-US" altLang="ja-JP" b="1" dirty="0" smtClean="0">
+                  <a:solidFill>
+                    <a:srgbClr val="7030A0"/>
+                  </a:solidFill>
+                </a:rPr>
+                <a:t>3D</a:t>
+              </a:r>
+              <a:endParaRPr kumimoji="1" lang="ja-JP" altLang="en-US" b="1" dirty="0">
+                <a:solidFill>
+                  <a:srgbClr val="7030A0"/>
+                </a:solidFill>
+              </a:endParaRPr>
+            </a:p>
+          </p:txBody>
+        </p:sp>
+      </p:grpSp>
+      <p:grpSp>
+        <p:nvGrpSpPr>
+          <p:cNvPr id="27" name="グループ化 26"/>
+          <p:cNvGrpSpPr/>
+          <p:nvPr/>
+        </p:nvGrpSpPr>
+        <p:grpSpPr>
+          <a:xfrm>
+            <a:off x="562066" y="5413720"/>
+            <a:ext cx="2286000" cy="855044"/>
+            <a:chOff x="562066" y="5413720"/>
+            <a:chExt cx="2286000" cy="855044"/>
+          </a:xfrm>
+        </p:grpSpPr>
+        <p:sp>
+          <p:nvSpPr>
+            <p:cNvPr id="50" name="正方形/長方形 49"/>
+            <p:cNvSpPr/>
+            <p:nvPr/>
+          </p:nvSpPr>
+          <p:spPr>
+            <a:xfrm>
+              <a:off x="562066" y="5413720"/>
+              <a:ext cx="2286000" cy="855044"/>
+            </a:xfrm>
+            <a:prstGeom prst="rect">
+              <a:avLst/>
+            </a:prstGeom>
+          </p:spPr>
+          <p:style>
+            <a:lnRef idx="1">
+              <a:schemeClr val="dk1"/>
+            </a:lnRef>
+            <a:fillRef idx="2">
+              <a:schemeClr val="dk1"/>
+            </a:fillRef>
+            <a:effectRef idx="1">
+              <a:schemeClr val="dk1"/>
+            </a:effectRef>
+            <a:fontRef idx="minor">
+              <a:schemeClr val="dk1"/>
+            </a:fontRef>
+          </p:style>
+          <p:txBody>
+            <a:bodyPr rtlCol="0" anchor="ctr"/>
+            <a:lstStyle/>
+            <a:p>
+              <a:pPr algn="ctr"/>
+              <a:endParaRPr lang="ja-JP" altLang="en-US" sz="2400" b="1" dirty="0">
+                <a:ln>
+                  <a:solidFill>
+                    <a:schemeClr val="bg1"/>
+                  </a:solidFill>
+                </a:ln>
+                <a:solidFill>
+                  <a:srgbClr val="0070C0"/>
+                </a:solidFill>
+              </a:endParaRPr>
+            </a:p>
+          </p:txBody>
+        </p:sp>
+        <p:sp>
+          <p:nvSpPr>
+            <p:cNvPr id="51" name="正方形/長方形 50"/>
+            <p:cNvSpPr/>
+            <p:nvPr/>
+          </p:nvSpPr>
+          <p:spPr>
+            <a:xfrm>
+              <a:off x="747736" y="5868654"/>
+              <a:ext cx="1914660" cy="400110"/>
+            </a:xfrm>
+            <a:prstGeom prst="rect">
+              <a:avLst/>
+            </a:prstGeom>
+          </p:spPr>
+          <p:txBody>
+            <a:bodyPr wrap="square">
+              <a:spAutoFit/>
+            </a:bodyPr>
+            <a:lstStyle/>
+            <a:p>
+              <a:pPr algn="ctr"/>
+              <a:r>
+                <a:rPr lang="ja-JP" altLang="en-US" sz="2000" b="1" dirty="0">
+                  <a:ln>
+                    <a:solidFill>
+                      <a:schemeClr val="bg1"/>
+                    </a:solidFill>
+                  </a:ln>
+                  <a:solidFill>
+                    <a:schemeClr val="bg1"/>
+                  </a:solidFill>
+                </a:rPr>
+                <a:t>車のモデル</a:t>
+              </a:r>
+              <a:r>
+                <a:rPr lang="ja-JP" altLang="en-US" sz="2000" b="1" dirty="0">
+                  <a:ln>
+                    <a:solidFill>
+                      <a:schemeClr val="bg1"/>
+                    </a:solidFill>
+                  </a:ln>
+                  <a:solidFill>
+                    <a:srgbClr val="0070C0"/>
+                  </a:solidFill>
+                </a:rPr>
+                <a:t>１</a:t>
+              </a:r>
+              <a:r>
+                <a:rPr lang="en-US" altLang="ja-JP" sz="2000" b="1" dirty="0">
+                  <a:ln>
+                    <a:solidFill>
+                      <a:schemeClr val="bg1"/>
+                    </a:solidFill>
+                  </a:ln>
+                  <a:solidFill>
+                    <a:srgbClr val="0070C0"/>
+                  </a:solidFill>
+                </a:rPr>
+                <a:t>P</a:t>
+              </a:r>
+              <a:endParaRPr lang="ja-JP" altLang="en-US" sz="2000" b="1" dirty="0">
+                <a:ln>
+                  <a:solidFill>
+                    <a:schemeClr val="bg1"/>
+                  </a:solidFill>
+                </a:ln>
+                <a:solidFill>
+                  <a:srgbClr val="0070C0"/>
+                </a:solidFill>
+              </a:endParaRPr>
+            </a:p>
+          </p:txBody>
+        </p:sp>
+        <p:sp>
+          <p:nvSpPr>
+            <p:cNvPr id="52" name="テキスト ボックス 51"/>
+            <p:cNvSpPr txBox="1"/>
+            <p:nvPr/>
+          </p:nvSpPr>
+          <p:spPr>
+            <a:xfrm>
+              <a:off x="612128" y="5456521"/>
+              <a:ext cx="561597" cy="369332"/>
+            </a:xfrm>
+            <a:prstGeom prst="rect">
+              <a:avLst/>
+            </a:prstGeom>
+            <a:solidFill>
+              <a:schemeClr val="bg1"/>
+            </a:solidFill>
+          </p:spPr>
+          <p:txBody>
+            <a:bodyPr wrap="square" rtlCol="0">
+              <a:spAutoFit/>
+            </a:bodyPr>
+            <a:lstStyle/>
+            <a:p>
+              <a:pPr algn="ctr"/>
+              <a:r>
+                <a:rPr kumimoji="1" lang="en-US" altLang="ja-JP" b="1" dirty="0" smtClean="0">
+                  <a:solidFill>
+                    <a:srgbClr val="7030A0"/>
+                  </a:solidFill>
+                </a:rPr>
+                <a:t>3D</a:t>
+              </a:r>
+              <a:endParaRPr kumimoji="1" lang="ja-JP" altLang="en-US" b="1" dirty="0">
+                <a:solidFill>
+                  <a:srgbClr val="7030A0"/>
+                </a:solidFill>
+              </a:endParaRPr>
+            </a:p>
+          </p:txBody>
+        </p:sp>
+      </p:grpSp>
+      <p:sp>
+        <p:nvSpPr>
+          <p:cNvPr id="53" name="右矢印 52"/>
+          <p:cNvSpPr/>
+          <p:nvPr/>
+        </p:nvSpPr>
+        <p:spPr>
+          <a:xfrm>
+            <a:off x="2721850" y="1728539"/>
+            <a:ext cx="2375612" cy="583203"/>
+          </a:xfrm>
+          <a:prstGeom prst="rightArrow">
+            <a:avLst>
+              <a:gd name="adj1" fmla="val 50000"/>
+              <a:gd name="adj2" fmla="val 116901"/>
+            </a:avLst>
+          </a:prstGeom>
+        </p:spPr>
+        <p:style>
+          <a:lnRef idx="2">
+            <a:schemeClr val="accent1">
+              <a:shade val="50000"/>
+            </a:schemeClr>
+          </a:lnRef>
+          <a:fillRef idx="1">
+            <a:schemeClr val="accent1"/>
+          </a:fillRef>
+          <a:effectRef idx="0">
+            <a:schemeClr val="accent1"/>
+          </a:effectRef>
+          <a:fontRef idx="minor">
+            <a:schemeClr val="lt1"/>
+          </a:fontRef>
+        </p:style>
+        <p:txBody>
+          <a:bodyPr rtlCol="0" anchor="ctr"/>
+          <a:lstStyle/>
+          <a:p>
+            <a:pPr algn="ctr"/>
+            <a:endParaRPr kumimoji="1" lang="ja-JP" altLang="en-US"/>
+          </a:p>
+        </p:txBody>
+      </p:sp>
+      <p:sp>
+        <p:nvSpPr>
+          <p:cNvPr id="54" name="右矢印 53"/>
+          <p:cNvSpPr/>
+          <p:nvPr/>
+        </p:nvSpPr>
+        <p:spPr>
+          <a:xfrm>
+            <a:off x="2721850" y="2936911"/>
+            <a:ext cx="2375612" cy="583203"/>
+          </a:xfrm>
+          <a:prstGeom prst="rightArrow">
+            <a:avLst>
+              <a:gd name="adj1" fmla="val 50000"/>
+              <a:gd name="adj2" fmla="val 116901"/>
+            </a:avLst>
+          </a:prstGeom>
+        </p:spPr>
+        <p:style>
+          <a:lnRef idx="2">
+            <a:schemeClr val="accent1">
+              <a:shade val="50000"/>
+            </a:schemeClr>
+          </a:lnRef>
+          <a:fillRef idx="1">
+            <a:schemeClr val="accent1"/>
+          </a:fillRef>
+          <a:effectRef idx="0">
+            <a:schemeClr val="accent1"/>
+          </a:effectRef>
+          <a:fontRef idx="minor">
+            <a:schemeClr val="lt1"/>
+          </a:fontRef>
+        </p:style>
+        <p:txBody>
+          <a:bodyPr rtlCol="0" anchor="ctr"/>
+          <a:lstStyle/>
+          <a:p>
+            <a:pPr algn="ctr"/>
+            <a:endParaRPr kumimoji="1" lang="ja-JP" altLang="en-US"/>
+          </a:p>
+        </p:txBody>
+      </p:sp>
+      <p:sp>
+        <p:nvSpPr>
+          <p:cNvPr id="55" name="右矢印 54"/>
+          <p:cNvSpPr/>
+          <p:nvPr/>
+        </p:nvSpPr>
+        <p:spPr>
+          <a:xfrm>
+            <a:off x="2705400" y="4175315"/>
+            <a:ext cx="2375612" cy="583203"/>
+          </a:xfrm>
+          <a:prstGeom prst="rightArrow">
+            <a:avLst>
+              <a:gd name="adj1" fmla="val 50000"/>
+              <a:gd name="adj2" fmla="val 116901"/>
+            </a:avLst>
+          </a:prstGeom>
+        </p:spPr>
+        <p:style>
+          <a:lnRef idx="2">
+            <a:schemeClr val="accent1">
+              <a:shade val="50000"/>
+            </a:schemeClr>
+          </a:lnRef>
+          <a:fillRef idx="1">
+            <a:schemeClr val="accent1"/>
+          </a:fillRef>
+          <a:effectRef idx="0">
+            <a:schemeClr val="accent1"/>
+          </a:effectRef>
+          <a:fontRef idx="minor">
+            <a:schemeClr val="lt1"/>
+          </a:fontRef>
+        </p:style>
+        <p:txBody>
+          <a:bodyPr rtlCol="0" anchor="ctr"/>
+          <a:lstStyle/>
+          <a:p>
+            <a:pPr algn="ctr"/>
+            <a:endParaRPr kumimoji="1" lang="ja-JP" altLang="en-US"/>
+          </a:p>
+        </p:txBody>
+      </p:sp>
+      <p:sp>
+        <p:nvSpPr>
+          <p:cNvPr id="56" name="右矢印 55"/>
+          <p:cNvSpPr/>
+          <p:nvPr/>
+        </p:nvSpPr>
+        <p:spPr>
+          <a:xfrm>
+            <a:off x="2738300" y="5522228"/>
+            <a:ext cx="2375612" cy="583203"/>
+          </a:xfrm>
+          <a:prstGeom prst="rightArrow">
+            <a:avLst>
+              <a:gd name="adj1" fmla="val 50000"/>
+              <a:gd name="adj2" fmla="val 116901"/>
+            </a:avLst>
+          </a:prstGeom>
+        </p:spPr>
+        <p:style>
+          <a:lnRef idx="2">
+            <a:schemeClr val="accent1">
+              <a:shade val="50000"/>
+            </a:schemeClr>
+          </a:lnRef>
+          <a:fillRef idx="1">
+            <a:schemeClr val="accent1"/>
+          </a:fillRef>
+          <a:effectRef idx="0">
+            <a:schemeClr val="accent1"/>
+          </a:effectRef>
+          <a:fontRef idx="minor">
+            <a:schemeClr val="lt1"/>
+          </a:fontRef>
+        </p:style>
+        <p:txBody>
+          <a:bodyPr rtlCol="0" anchor="ctr"/>
+          <a:lstStyle/>
+          <a:p>
+            <a:pPr algn="ctr"/>
+            <a:endParaRPr kumimoji="1" lang="ja-JP" altLang="en-US"/>
+          </a:p>
+        </p:txBody>
+      </p:sp>
+      <p:sp>
+        <p:nvSpPr>
+          <p:cNvPr id="58" name="テキスト ボックス 57"/>
+          <p:cNvSpPr txBox="1"/>
+          <p:nvPr/>
+        </p:nvSpPr>
+        <p:spPr>
+          <a:xfrm>
+            <a:off x="745473" y="1051741"/>
+            <a:ext cx="351218" cy="369332"/>
+          </a:xfrm>
+          <a:prstGeom prst="rect">
+            <a:avLst/>
+          </a:prstGeom>
+          <a:noFill/>
+        </p:spPr>
+        <p:txBody>
+          <a:bodyPr wrap="square" rtlCol="0">
+            <a:spAutoFit/>
+          </a:bodyPr>
+          <a:lstStyle/>
+          <a:p>
+            <a:r>
+              <a:rPr kumimoji="1" lang="ja-JP" altLang="en-US" dirty="0" smtClean="0"/>
+              <a:t>奥</a:t>
+            </a:r>
+            <a:endParaRPr kumimoji="1" lang="ja-JP" altLang="en-US" dirty="0"/>
+          </a:p>
+        </p:txBody>
+      </p:sp>
+      <p:sp>
+        <p:nvSpPr>
+          <p:cNvPr id="59" name="テキスト ボックス 58"/>
+          <p:cNvSpPr txBox="1"/>
+          <p:nvPr/>
+        </p:nvSpPr>
+        <p:spPr>
+          <a:xfrm>
+            <a:off x="11438344" y="1056079"/>
+            <a:ext cx="351218" cy="646331"/>
+          </a:xfrm>
+          <a:prstGeom prst="rect">
+            <a:avLst/>
+          </a:prstGeom>
+          <a:noFill/>
+        </p:spPr>
+        <p:txBody>
+          <a:bodyPr wrap="square" rtlCol="0">
+            <a:spAutoFit/>
+          </a:bodyPr>
+          <a:lstStyle/>
+          <a:p>
+            <a:r>
+              <a:rPr kumimoji="1" lang="ja-JP" altLang="en-US" dirty="0" smtClean="0"/>
+              <a:t>手前</a:t>
+            </a:r>
+            <a:endParaRPr kumimoji="1" lang="ja-JP" altLang="en-US" dirty="0"/>
+          </a:p>
+        </p:txBody>
+      </p:sp>
+    </p:spTree>
+    <p:extLst>
+      <p:ext uri="{BB962C8B-B14F-4D97-AF65-F5344CB8AC3E}">
+        <p14:creationId xmlns:p14="http://schemas.microsoft.com/office/powerpoint/2010/main" val="2824486741"/>
+      </p:ext>
+    </p:extLst>
+  </p:cSld>
+  <p:clrMapOvr>
+    <a:masterClrMapping/>
+  </p:clrMapOvr>
+  <p:timing>
+    <p:tnLst>
+      <p:par>
+        <p:cTn id="1" dur="indefinite" restart="never" nodeType="tmRoot">
+          <p:childTnLst>
+            <p:seq concurrent="1" nextAc="seek">
+              <p:cTn id="2" dur="indefinite" nodeType="mainSeq">
+                <p:childTnLst>
+                  <p:par>
+                    <p:cTn id="3" fill="hold">
+                      <p:stCondLst>
+                        <p:cond delay="indefinite"/>
+                      </p:stCondLst>
+                      <p:childTnLst>
+                        <p:par>
+                          <p:cTn id="4" fill="hold">
+                            <p:stCondLst>
+                              <p:cond delay="0"/>
+                            </p:stCondLst>
+                            <p:childTnLst>
+                              <p:par>
+                                <p:cTn id="5" presetID="37" presetClass="path" presetSubtype="0" accel="50000" decel="50000" fill="hold" nodeType="clickEffect">
+                                  <p:stCondLst>
+                                    <p:cond delay="0"/>
+                                  </p:stCondLst>
+                                  <p:childTnLst>
+                                    <p:animMotion origin="layout" path="M -2.70833E-6 -0.00023 L 0.18607 0.07107 C 0.22474 0.0875 0.28295 0.0963 0.34401 0.0963 C 0.41341 0.0963 0.46901 0.0875 0.50782 0.07107 C 0.56992 0.04723 0.63295 0.01806 0.65183 -0.21018 " pathEditMode="relative" rAng="0" ptsTypes="AAAAA">
+                                      <p:cBhvr>
+                                        <p:cTn id="6" dur="2000" fill="hold"/>
+                                        <p:tgtEl>
+                                          <p:spTgt spid="6"/>
+                                        </p:tgtEl>
+                                        <p:attrNameLst>
+                                          <p:attrName>ppt_x</p:attrName>
+                                          <p:attrName>ppt_y</p:attrName>
+                                        </p:attrNameLst>
+                                      </p:cBhvr>
+                                      <p:rCtr x="32591" y="-5671"/>
+                                    </p:animMotion>
+                                  </p:childTnLst>
+                                </p:cTn>
+                              </p:par>
+                              <p:par>
+                                <p:cTn id="7" presetID="37" presetClass="path" presetSubtype="0" accel="50000" decel="50000" fill="hold" nodeType="withEffect">
+                                  <p:stCondLst>
+                                    <p:cond delay="0"/>
+                                  </p:stCondLst>
+                                  <p:childTnLst>
+                                    <p:animMotion origin="layout" path="M -2.70833E-6 -0.00047 L 0.18646 0.03958 C 0.22552 0.04838 0.28425 0.05393 0.34519 0.05393 C 0.41537 0.05393 0.47136 0.04838 0.50977 0.03958 C 0.57227 0.02639 0.6767 -0.00764 0.67865 -0.19375 " pathEditMode="relative" rAng="0" ptsTypes="AAAAA">
+                                      <p:cBhvr>
+                                        <p:cTn id="8" dur="2000" fill="hold"/>
+                                        <p:tgtEl>
+                                          <p:spTgt spid="9"/>
+                                        </p:tgtEl>
+                                        <p:attrNameLst>
+                                          <p:attrName>ppt_x</p:attrName>
+                                          <p:attrName>ppt_y</p:attrName>
+                                        </p:attrNameLst>
+                                      </p:cBhvr>
+                                      <p:rCtr x="33932" y="-6944"/>
+                                    </p:animMotion>
+                                  </p:childTnLst>
+                                </p:cTn>
+                              </p:par>
+                              <p:par>
+                                <p:cTn id="9" presetID="37" presetClass="path" presetSubtype="0" accel="50000" decel="50000" fill="hold" nodeType="withEffect">
+                                  <p:stCondLst>
+                                    <p:cond delay="0"/>
+                                  </p:stCondLst>
+                                  <p:childTnLst>
+                                    <p:animMotion origin="layout" path="M -2.70833E-6 -0.0007 L 0.18581 0.03102 C 0.22513 0.03819 0.28216 0.04028 0.34427 0.04236 C 0.40651 0.04444 0.51992 0.05092 0.55834 0.04375 C 0.62045 0.03333 0.69662 -0.02824 0.70091 -0.15625 " pathEditMode="relative" rAng="0" ptsTypes="AAAAA">
+                                      <p:cBhvr>
+                                        <p:cTn id="10" dur="2000" fill="hold"/>
+                                        <p:tgtEl>
+                                          <p:spTgt spid="10"/>
+                                        </p:tgtEl>
+                                        <p:attrNameLst>
+                                          <p:attrName>ppt_x</p:attrName>
+                                          <p:attrName>ppt_y</p:attrName>
+                                        </p:attrNameLst>
+                                      </p:cBhvr>
+                                      <p:rCtr x="35039" y="-5394"/>
+                                    </p:animMotion>
+                                  </p:childTnLst>
+                                </p:cTn>
+                              </p:par>
+                              <p:par>
+                                <p:cTn id="11" presetID="37" presetClass="path" presetSubtype="0" accel="50000" decel="50000" fill="hold" nodeType="withEffect">
+                                  <p:stCondLst>
+                                    <p:cond delay="0"/>
+                                  </p:stCondLst>
+                                  <p:childTnLst>
+                                    <p:animMotion origin="layout" path="M -3.75E-6 -0.00023 L 0.19128 0.03495 C 0.23099 0.04306 0.29128 0.04792 0.35365 0.04792 C 0.42526 0.04792 0.48256 0.04306 0.5224 0.03495 C 0.5862 0.02315 0.71146 -0.02153 0.71537 -0.16366 " pathEditMode="relative" rAng="0" ptsTypes="AAAAA">
+                                      <p:cBhvr>
+                                        <p:cTn id="12" dur="2000" fill="hold"/>
+                                        <p:tgtEl>
+                                          <p:spTgt spid="27"/>
+                                        </p:tgtEl>
+                                        <p:attrNameLst>
+                                          <p:attrName>ppt_x</p:attrName>
+                                          <p:attrName>ppt_y</p:attrName>
+                                        </p:attrNameLst>
+                                      </p:cBhvr>
+                                      <p:rCtr x="35768" y="-5764"/>
+                                    </p:animMotion>
+                                  </p:childTnLst>
+                                </p:cTn>
+                              </p:par>
+                            </p:childTnLst>
+                          </p:cTn>
+                        </p:par>
+                      </p:childTnLst>
+                    </p:cTn>
+                  </p:par>
+                </p:childTnLst>
+              </p:cTn>
+              <p:prevCondLst>
+                <p:cond evt="onPrev" delay="0">
+                  <p:tgtEl>
+                    <p:sldTgt/>
+                  </p:tgtEl>
+                </p:cond>
+              </p:prevCondLst>
+              <p:nextCondLst>
+                <p:cond evt="onNext" delay="0">
+                  <p:tgtEl>
+                    <p:sldTgt/>
+                  </p:tgtEl>
+                </p:cond>
+              </p:nextCondLst>
+            </p:seq>
+          </p:childTnLst>
+        </p:cTn>
+      </p:par>
+    </p:tnLst>
+  </p:timing>
+</p:sld>
+</file>
+
+<file path=ppt/slides/slide24.xml><?xml version="1.0" encoding="utf-8"?>
+<p:sld xmlns:a="http://schemas.openxmlformats.org/drawingml/2006/main" xmlns:r="http://schemas.openxmlformats.org/officeDocument/2006/relationships" xmlns:p="http://schemas.openxmlformats.org/presentationml/2006/main">
+  <p:cSld>
+    <p:spTree>
+      <p:nvGrpSpPr>
+        <p:cNvPr id="1" name=""/>
+        <p:cNvGrpSpPr/>
+        <p:nvPr/>
+      </p:nvGrpSpPr>
+      <p:grpSpPr>
+        <a:xfrm>
+          <a:off x="0" y="0"/>
+          <a:ext cx="0" cy="0"/>
+          <a:chOff x="0" y="0"/>
+          <a:chExt cx="0" cy="0"/>
+        </a:xfrm>
+      </p:grpSpPr>
+      <p:sp>
+        <p:nvSpPr>
+          <p:cNvPr id="5" name="正方形/長方形 4"/>
+          <p:cNvSpPr/>
+          <p:nvPr/>
+        </p:nvSpPr>
+        <p:spPr>
+          <a:xfrm>
+            <a:off x="2514599" y="527539"/>
+            <a:ext cx="7587762" cy="2154115"/>
+          </a:xfrm>
+          <a:prstGeom prst="rect">
+            <a:avLst/>
+          </a:prstGeom>
+        </p:spPr>
+        <p:style>
+          <a:lnRef idx="2">
+            <a:schemeClr val="accent1">
+              <a:shade val="50000"/>
+            </a:schemeClr>
+          </a:lnRef>
+          <a:fillRef idx="1">
+            <a:schemeClr val="accent1"/>
+          </a:fillRef>
+          <a:effectRef idx="0">
+            <a:schemeClr val="accent1"/>
+          </a:effectRef>
+          <a:fontRef idx="minor">
+            <a:schemeClr val="lt1"/>
+          </a:fontRef>
+        </p:style>
+        <p:txBody>
+          <a:bodyPr rtlCol="0" anchor="ctr"/>
+          <a:lstStyle/>
+          <a:p>
+            <a:pPr algn="ctr"/>
+            <a:endParaRPr kumimoji="1" lang="ja-JP" altLang="en-US"/>
+          </a:p>
+        </p:txBody>
+      </p:sp>
+      <p:sp>
+        <p:nvSpPr>
+          <p:cNvPr id="11" name="正方形/長方形 10"/>
+          <p:cNvSpPr/>
+          <p:nvPr/>
+        </p:nvSpPr>
+        <p:spPr>
+          <a:xfrm>
+            <a:off x="3165230" y="940777"/>
+            <a:ext cx="6057900" cy="1380392"/>
+          </a:xfrm>
+          <a:prstGeom prst="rect">
+            <a:avLst/>
+          </a:prstGeom>
+        </p:spPr>
+        <p:style>
+          <a:lnRef idx="2">
+            <a:schemeClr val="dk1"/>
+          </a:lnRef>
+          <a:fillRef idx="1">
+            <a:schemeClr val="lt1"/>
+          </a:fillRef>
+          <a:effectRef idx="0">
+            <a:schemeClr val="dk1"/>
+          </a:effectRef>
+          <a:fontRef idx="minor">
+            <a:schemeClr val="dk1"/>
+          </a:fontRef>
+        </p:style>
+        <p:txBody>
+          <a:bodyPr rtlCol="0" anchor="ctr"/>
+          <a:lstStyle/>
+          <a:p>
+            <a:pPr algn="ctr"/>
+            <a:r>
+              <a:rPr kumimoji="1" lang="ja-JP" altLang="en-US" sz="7200" b="1" dirty="0" smtClean="0">
+                <a:effectLst>
+                  <a:outerShdw blurRad="38100" dist="38100" dir="2700000" algn="tl">
+                    <a:srgbClr val="000000">
+                      <a:alpha val="43137"/>
+                    </a:srgbClr>
+                  </a:outerShdw>
+                </a:effectLst>
+              </a:rPr>
+              <a:t>タイトル</a:t>
+            </a:r>
+            <a:endParaRPr kumimoji="1" lang="ja-JP" altLang="en-US" sz="7200" b="1" dirty="0">
+              <a:effectLst>
+                <a:outerShdw blurRad="38100" dist="38100" dir="2700000" algn="tl">
+                  <a:srgbClr val="000000">
+                    <a:alpha val="43137"/>
+                  </a:srgbClr>
+                </a:outerShdw>
+              </a:effectLst>
+            </a:endParaRPr>
+          </a:p>
+        </p:txBody>
+      </p:sp>
+      <p:sp>
+        <p:nvSpPr>
+          <p:cNvPr id="24" name="正方形/長方形 23"/>
+          <p:cNvSpPr/>
+          <p:nvPr/>
+        </p:nvSpPr>
+        <p:spPr>
+          <a:xfrm>
+            <a:off x="218646" y="297331"/>
+            <a:ext cx="702436" cy="461665"/>
+          </a:xfrm>
+          <a:prstGeom prst="rect">
+            <a:avLst/>
+          </a:prstGeom>
+        </p:spPr>
+        <p:txBody>
+          <a:bodyPr wrap="none">
+            <a:spAutoFit/>
+          </a:bodyPr>
+          <a:lstStyle/>
+          <a:p>
+            <a:r>
+              <a:rPr lang="ja-JP" altLang="en-US" sz="2400" b="1" dirty="0" smtClean="0">
+                <a:latin typeface="BIZ UDP明朝 Medium" panose="02020500000000000000" pitchFamily="18" charset="-128"/>
+                <a:ea typeface="BIZ UDP明朝 Medium" panose="02020500000000000000" pitchFamily="18" charset="-128"/>
+              </a:rPr>
+              <a:t>案</a:t>
+            </a:r>
+            <a:r>
+              <a:rPr lang="en-US" altLang="ja-JP" sz="2400" b="1" dirty="0" smtClean="0">
+                <a:latin typeface="BIZ UDP明朝 Medium" panose="02020500000000000000" pitchFamily="18" charset="-128"/>
+                <a:ea typeface="BIZ UDP明朝 Medium" panose="02020500000000000000" pitchFamily="18" charset="-128"/>
+              </a:rPr>
+              <a:t>2</a:t>
+            </a:r>
+            <a:endParaRPr lang="ja-JP" altLang="en-US" sz="2400" dirty="0"/>
+          </a:p>
+        </p:txBody>
+      </p:sp>
+      <p:sp>
+        <p:nvSpPr>
+          <p:cNvPr id="3" name="テキスト ボックス 2"/>
+          <p:cNvSpPr txBox="1"/>
+          <p:nvPr/>
+        </p:nvSpPr>
+        <p:spPr>
+          <a:xfrm>
+            <a:off x="4898623" y="5363307"/>
+            <a:ext cx="1811396" cy="646331"/>
+          </a:xfrm>
+          <a:prstGeom prst="rect">
+            <a:avLst/>
+          </a:prstGeom>
+          <a:solidFill>
+            <a:schemeClr val="bg2"/>
+          </a:solidFill>
+        </p:spPr>
+        <p:txBody>
+          <a:bodyPr wrap="square" rtlCol="0">
+            <a:spAutoFit/>
+          </a:bodyPr>
+          <a:lstStyle/>
+          <a:p>
+            <a:r>
+              <a:rPr kumimoji="1" lang="ja-JP" altLang="en-US" dirty="0" smtClean="0"/>
+              <a:t>タイトル側へと行き画面外へ</a:t>
+            </a:r>
+            <a:endParaRPr kumimoji="1" lang="ja-JP" altLang="en-US" dirty="0"/>
+          </a:p>
+        </p:txBody>
+      </p:sp>
+      <p:sp>
+        <p:nvSpPr>
+          <p:cNvPr id="25" name="テキスト ボックス 24"/>
+          <p:cNvSpPr txBox="1"/>
+          <p:nvPr/>
+        </p:nvSpPr>
+        <p:spPr>
+          <a:xfrm>
+            <a:off x="2560905" y="897190"/>
+            <a:ext cx="604325" cy="461665"/>
+          </a:xfrm>
+          <a:prstGeom prst="rect">
+            <a:avLst/>
+          </a:prstGeom>
+          <a:solidFill>
+            <a:schemeClr val="bg1"/>
+          </a:solidFill>
+        </p:spPr>
+        <p:txBody>
+          <a:bodyPr wrap="square" rtlCol="0">
+            <a:spAutoFit/>
+          </a:bodyPr>
+          <a:lstStyle/>
+          <a:p>
+            <a:pPr algn="ctr"/>
+            <a:r>
+              <a:rPr kumimoji="1" lang="en-US" altLang="ja-JP" sz="2400" b="1" dirty="0" smtClean="0">
+                <a:solidFill>
+                  <a:srgbClr val="7030A0"/>
+                </a:solidFill>
+              </a:rPr>
+              <a:t>2D</a:t>
+            </a:r>
+            <a:endParaRPr kumimoji="1" lang="ja-JP" altLang="en-US" sz="2400" b="1" dirty="0">
+              <a:solidFill>
+                <a:srgbClr val="7030A0"/>
+              </a:solidFill>
+            </a:endParaRPr>
+          </a:p>
+        </p:txBody>
+      </p:sp>
+      <p:sp>
+        <p:nvSpPr>
+          <p:cNvPr id="26" name="テキスト ボックス 25"/>
+          <p:cNvSpPr txBox="1"/>
+          <p:nvPr/>
+        </p:nvSpPr>
+        <p:spPr>
+          <a:xfrm>
+            <a:off x="474603" y="2039798"/>
+            <a:ext cx="1811396" cy="369332"/>
+          </a:xfrm>
+          <a:prstGeom prst="rect">
+            <a:avLst/>
+          </a:prstGeom>
+          <a:solidFill>
+            <a:schemeClr val="bg1"/>
+          </a:solidFill>
+        </p:spPr>
+        <p:txBody>
+          <a:bodyPr wrap="square" rtlCol="0">
+            <a:spAutoFit/>
+          </a:bodyPr>
+          <a:lstStyle/>
+          <a:p>
+            <a:pPr algn="ctr"/>
+            <a:r>
+              <a:rPr kumimoji="1" lang="ja-JP" altLang="en-US" dirty="0" smtClean="0"/>
+              <a:t>背景は</a:t>
+            </a:r>
+            <a:r>
+              <a:rPr lang="en-US" altLang="ja-JP" b="1" dirty="0">
+                <a:solidFill>
+                  <a:srgbClr val="7030A0"/>
+                </a:solidFill>
+              </a:rPr>
+              <a:t>3D</a:t>
+            </a:r>
+            <a:endParaRPr lang="ja-JP" altLang="en-US" b="1" dirty="0">
+              <a:solidFill>
+                <a:srgbClr val="7030A0"/>
+              </a:solidFill>
+            </a:endParaRPr>
+          </a:p>
+        </p:txBody>
+      </p:sp>
+      <p:grpSp>
+        <p:nvGrpSpPr>
+          <p:cNvPr id="6" name="グループ化 5"/>
+          <p:cNvGrpSpPr/>
+          <p:nvPr/>
+        </p:nvGrpSpPr>
+        <p:grpSpPr>
+          <a:xfrm>
+            <a:off x="921082" y="4299438"/>
+            <a:ext cx="1019908" cy="2286000"/>
+            <a:chOff x="921082" y="4299438"/>
+            <a:chExt cx="1019908" cy="2286000"/>
+          </a:xfrm>
+        </p:grpSpPr>
+        <p:sp>
+          <p:nvSpPr>
+            <p:cNvPr id="4" name="正方形/長方形 3"/>
+            <p:cNvSpPr/>
+            <p:nvPr/>
+          </p:nvSpPr>
+          <p:spPr>
+            <a:xfrm rot="5400000">
+              <a:off x="288036" y="4932484"/>
+              <a:ext cx="2286000" cy="1019908"/>
+            </a:xfrm>
+            <a:prstGeom prst="rect">
+              <a:avLst/>
+            </a:prstGeom>
+          </p:spPr>
+          <p:style>
+            <a:lnRef idx="1">
+              <a:schemeClr val="dk1"/>
+            </a:lnRef>
+            <a:fillRef idx="2">
+              <a:schemeClr val="dk1"/>
+            </a:fillRef>
+            <a:effectRef idx="1">
+              <a:schemeClr val="dk1"/>
+            </a:effectRef>
+            <a:fontRef idx="minor">
+              <a:schemeClr val="dk1"/>
+            </a:fontRef>
+          </p:style>
+          <p:txBody>
+            <a:bodyPr rtlCol="0" anchor="ctr"/>
+            <a:lstStyle/>
+            <a:p>
+              <a:pPr algn="ctr"/>
+              <a:endParaRPr lang="ja-JP" altLang="en-US" sz="2400" b="1" dirty="0">
+                <a:ln>
+                  <a:solidFill>
+                    <a:schemeClr val="bg1"/>
+                  </a:solidFill>
+                </a:ln>
+                <a:solidFill>
+                  <a:srgbClr val="0070C0"/>
+                </a:solidFill>
+              </a:endParaRPr>
+            </a:p>
+          </p:txBody>
+        </p:sp>
+        <p:sp>
+          <p:nvSpPr>
+            <p:cNvPr id="2" name="正方形/長方形 1"/>
+            <p:cNvSpPr/>
+            <p:nvPr/>
+          </p:nvSpPr>
+          <p:spPr>
+            <a:xfrm>
+              <a:off x="936940" y="4338236"/>
+              <a:ext cx="450280" cy="1938992"/>
+            </a:xfrm>
+            <a:prstGeom prst="rect">
+              <a:avLst/>
+            </a:prstGeom>
+          </p:spPr>
+          <p:txBody>
+            <a:bodyPr wrap="square">
+              <a:spAutoFit/>
+            </a:bodyPr>
+            <a:lstStyle/>
+            <a:p>
+              <a:pPr algn="ctr"/>
+              <a:r>
+                <a:rPr lang="ja-JP" altLang="en-US" sz="2000" b="1" dirty="0" smtClean="0">
+                  <a:ln>
+                    <a:solidFill>
+                      <a:schemeClr val="bg1"/>
+                    </a:solidFill>
+                  </a:ln>
+                  <a:solidFill>
+                    <a:schemeClr val="bg1"/>
+                  </a:solidFill>
+                </a:rPr>
+                <a:t>車</a:t>
+              </a:r>
+              <a:r>
+                <a:rPr lang="ja-JP" altLang="en-US" sz="2000" b="1" dirty="0" smtClean="0">
+                  <a:ln>
+                    <a:solidFill>
+                      <a:schemeClr val="bg1"/>
+                    </a:solidFill>
+                  </a:ln>
+                  <a:solidFill>
+                    <a:srgbClr val="0070C0"/>
+                  </a:solidFill>
+                </a:rPr>
+                <a:t>１</a:t>
+              </a:r>
+              <a:r>
+                <a:rPr lang="en-US" altLang="ja-JP" sz="2000" b="1" dirty="0" smtClean="0">
+                  <a:ln>
+                    <a:solidFill>
+                      <a:schemeClr val="bg1"/>
+                    </a:solidFill>
+                  </a:ln>
+                  <a:solidFill>
+                    <a:srgbClr val="0070C0"/>
+                  </a:solidFill>
+                </a:rPr>
+                <a:t>P</a:t>
+              </a:r>
+            </a:p>
+            <a:p>
+              <a:pPr algn="ctr"/>
+              <a:r>
+                <a:rPr lang="ja-JP" altLang="en-US" sz="2000" b="1" dirty="0" smtClean="0">
+                  <a:ln>
+                    <a:solidFill>
+                      <a:schemeClr val="bg1"/>
+                    </a:solidFill>
+                  </a:ln>
+                  <a:solidFill>
+                    <a:schemeClr val="bg1"/>
+                  </a:solidFill>
+                </a:rPr>
+                <a:t>の後ろ</a:t>
+              </a:r>
+              <a:endParaRPr lang="ja-JP" altLang="en-US" sz="2000" b="1" dirty="0">
+                <a:ln>
+                  <a:solidFill>
+                    <a:schemeClr val="bg1"/>
+                  </a:solidFill>
+                </a:ln>
+                <a:solidFill>
+                  <a:schemeClr val="bg1"/>
+                </a:solidFill>
+              </a:endParaRPr>
+            </a:p>
+          </p:txBody>
+        </p:sp>
+        <p:sp>
+          <p:nvSpPr>
+            <p:cNvPr id="29" name="テキスト ボックス 28"/>
+            <p:cNvSpPr txBox="1"/>
+            <p:nvPr/>
+          </p:nvSpPr>
+          <p:spPr>
+            <a:xfrm>
+              <a:off x="1452493" y="4375654"/>
+              <a:ext cx="427336" cy="707886"/>
+            </a:xfrm>
+            <a:prstGeom prst="rect">
+              <a:avLst/>
+            </a:prstGeom>
+            <a:solidFill>
+              <a:schemeClr val="bg1"/>
+            </a:solidFill>
+          </p:spPr>
+          <p:txBody>
+            <a:bodyPr wrap="square" rtlCol="0">
+              <a:spAutoFit/>
+            </a:bodyPr>
+            <a:lstStyle/>
+            <a:p>
+              <a:pPr algn="ctr"/>
+              <a:r>
+                <a:rPr kumimoji="1" lang="en-US" altLang="ja-JP" sz="2000" b="1" dirty="0" smtClean="0">
+                  <a:solidFill>
+                    <a:srgbClr val="7030A0"/>
+                  </a:solidFill>
+                </a:rPr>
+                <a:t>3D</a:t>
+              </a:r>
+              <a:endParaRPr kumimoji="1" lang="ja-JP" altLang="en-US" sz="2000" b="1" dirty="0">
+                <a:solidFill>
+                  <a:srgbClr val="7030A0"/>
+                </a:solidFill>
+              </a:endParaRPr>
+            </a:p>
+          </p:txBody>
+        </p:sp>
+      </p:grpSp>
+      <p:grpSp>
+        <p:nvGrpSpPr>
+          <p:cNvPr id="9" name="グループ化 8"/>
+          <p:cNvGrpSpPr/>
+          <p:nvPr/>
+        </p:nvGrpSpPr>
+        <p:grpSpPr>
+          <a:xfrm>
+            <a:off x="3446163" y="4360983"/>
+            <a:ext cx="1019908" cy="2286000"/>
+            <a:chOff x="3446163" y="4360983"/>
+            <a:chExt cx="1019908" cy="2286000"/>
+          </a:xfrm>
+        </p:grpSpPr>
+        <p:sp>
+          <p:nvSpPr>
+            <p:cNvPr id="12" name="正方形/長方形 11"/>
+            <p:cNvSpPr/>
+            <p:nvPr/>
+          </p:nvSpPr>
+          <p:spPr>
+            <a:xfrm rot="5400000">
+              <a:off x="2813117" y="4994029"/>
+              <a:ext cx="2286000" cy="1019908"/>
+            </a:xfrm>
+            <a:prstGeom prst="rect">
+              <a:avLst/>
+            </a:prstGeom>
+          </p:spPr>
+          <p:style>
+            <a:lnRef idx="1">
+              <a:schemeClr val="dk1"/>
+            </a:lnRef>
+            <a:fillRef idx="2">
+              <a:schemeClr val="dk1"/>
+            </a:fillRef>
+            <a:effectRef idx="1">
+              <a:schemeClr val="dk1"/>
+            </a:effectRef>
+            <a:fontRef idx="minor">
+              <a:schemeClr val="dk1"/>
+            </a:fontRef>
+          </p:style>
+          <p:txBody>
+            <a:bodyPr rtlCol="0" anchor="ctr"/>
+            <a:lstStyle/>
+            <a:p>
+              <a:pPr algn="ctr"/>
+              <a:endParaRPr lang="ja-JP" altLang="en-US" sz="2400" b="1" dirty="0">
+                <a:ln>
+                  <a:solidFill>
+                    <a:schemeClr val="bg1"/>
+                  </a:solidFill>
+                </a:ln>
+                <a:solidFill>
+                  <a:srgbClr val="0070C0"/>
+                </a:solidFill>
+              </a:endParaRPr>
+            </a:p>
+          </p:txBody>
+        </p:sp>
+        <p:sp>
+          <p:nvSpPr>
+            <p:cNvPr id="21" name="正方形/長方形 20"/>
+            <p:cNvSpPr/>
+            <p:nvPr/>
+          </p:nvSpPr>
+          <p:spPr>
+            <a:xfrm>
+              <a:off x="3990541" y="4452967"/>
+              <a:ext cx="450280" cy="1938992"/>
+            </a:xfrm>
+            <a:prstGeom prst="rect">
+              <a:avLst/>
+            </a:prstGeom>
+          </p:spPr>
+          <p:txBody>
+            <a:bodyPr wrap="square">
+              <a:spAutoFit/>
+            </a:bodyPr>
+            <a:lstStyle/>
+            <a:p>
+              <a:pPr algn="ctr"/>
+              <a:r>
+                <a:rPr lang="ja-JP" altLang="en-US" sz="2000" b="1" dirty="0" smtClean="0">
+                  <a:ln>
+                    <a:solidFill>
+                      <a:schemeClr val="bg1"/>
+                    </a:solidFill>
+                  </a:ln>
+                  <a:solidFill>
+                    <a:schemeClr val="bg1"/>
+                  </a:solidFill>
+                </a:rPr>
+                <a:t>車</a:t>
+              </a:r>
+              <a:r>
+                <a:rPr lang="en-US" altLang="ja-JP" sz="2000" b="1" dirty="0" smtClean="0">
+                  <a:ln>
+                    <a:solidFill>
+                      <a:schemeClr val="bg1"/>
+                    </a:solidFill>
+                  </a:ln>
+                  <a:solidFill>
+                    <a:srgbClr val="FF0000"/>
+                  </a:solidFill>
+                </a:rPr>
+                <a:t>2P</a:t>
+              </a:r>
+            </a:p>
+            <a:p>
+              <a:pPr algn="ctr"/>
+              <a:r>
+                <a:rPr lang="ja-JP" altLang="en-US" sz="2000" b="1" dirty="0">
+                  <a:ln>
+                    <a:solidFill>
+                      <a:schemeClr val="bg1"/>
+                    </a:solidFill>
+                  </a:ln>
+                  <a:solidFill>
+                    <a:schemeClr val="bg1"/>
+                  </a:solidFill>
+                </a:rPr>
+                <a:t>の後ろ</a:t>
+              </a:r>
+            </a:p>
+          </p:txBody>
+        </p:sp>
+        <p:sp>
+          <p:nvSpPr>
+            <p:cNvPr id="30" name="テキスト ボックス 29"/>
+            <p:cNvSpPr txBox="1"/>
+            <p:nvPr/>
+          </p:nvSpPr>
+          <p:spPr>
+            <a:xfrm>
+              <a:off x="3489763" y="4516908"/>
+              <a:ext cx="427336" cy="707886"/>
+            </a:xfrm>
+            <a:prstGeom prst="rect">
+              <a:avLst/>
+            </a:prstGeom>
+            <a:solidFill>
+              <a:schemeClr val="bg1"/>
+            </a:solidFill>
+          </p:spPr>
+          <p:txBody>
+            <a:bodyPr wrap="square" rtlCol="0">
+              <a:spAutoFit/>
+            </a:bodyPr>
+            <a:lstStyle/>
+            <a:p>
+              <a:pPr algn="ctr"/>
+              <a:r>
+                <a:rPr kumimoji="1" lang="en-US" altLang="ja-JP" sz="2000" b="1" dirty="0" smtClean="0">
+                  <a:solidFill>
+                    <a:srgbClr val="7030A0"/>
+                  </a:solidFill>
+                </a:rPr>
+                <a:t>3D</a:t>
+              </a:r>
+              <a:endParaRPr kumimoji="1" lang="ja-JP" altLang="en-US" sz="2000" b="1" dirty="0">
+                <a:solidFill>
+                  <a:srgbClr val="7030A0"/>
+                </a:solidFill>
+              </a:endParaRPr>
+            </a:p>
+          </p:txBody>
+        </p:sp>
+      </p:grpSp>
+      <p:grpSp>
+        <p:nvGrpSpPr>
+          <p:cNvPr id="10" name="グループ化 9"/>
+          <p:cNvGrpSpPr/>
+          <p:nvPr/>
+        </p:nvGrpSpPr>
+        <p:grpSpPr>
+          <a:xfrm>
+            <a:off x="6941815" y="4393220"/>
+            <a:ext cx="1019908" cy="2286000"/>
+            <a:chOff x="6941815" y="4393220"/>
+            <a:chExt cx="1019908" cy="2286000"/>
+          </a:xfrm>
+        </p:grpSpPr>
+        <p:sp>
+          <p:nvSpPr>
+            <p:cNvPr id="15" name="正方形/長方形 14"/>
+            <p:cNvSpPr/>
+            <p:nvPr/>
+          </p:nvSpPr>
+          <p:spPr>
+            <a:xfrm rot="5400000">
+              <a:off x="6308769" y="5026266"/>
+              <a:ext cx="2286000" cy="1019908"/>
+            </a:xfrm>
+            <a:prstGeom prst="rect">
+              <a:avLst/>
+            </a:prstGeom>
+          </p:spPr>
+          <p:style>
+            <a:lnRef idx="1">
+              <a:schemeClr val="dk1"/>
+            </a:lnRef>
+            <a:fillRef idx="2">
+              <a:schemeClr val="dk1"/>
+            </a:fillRef>
+            <a:effectRef idx="1">
+              <a:schemeClr val="dk1"/>
+            </a:effectRef>
+            <a:fontRef idx="minor">
+              <a:schemeClr val="dk1"/>
+            </a:fontRef>
+          </p:style>
+          <p:txBody>
+            <a:bodyPr rtlCol="0" anchor="ctr"/>
+            <a:lstStyle/>
+            <a:p>
+              <a:pPr algn="ctr"/>
+              <a:endParaRPr lang="ja-JP" altLang="en-US" sz="2400" b="1" dirty="0">
+                <a:ln>
+                  <a:solidFill>
+                    <a:schemeClr val="bg1"/>
+                  </a:solidFill>
+                </a:ln>
+                <a:solidFill>
+                  <a:srgbClr val="0070C0"/>
+                </a:solidFill>
+              </a:endParaRPr>
+            </a:p>
+          </p:txBody>
+        </p:sp>
+        <p:sp>
+          <p:nvSpPr>
+            <p:cNvPr id="22" name="正方形/長方形 21"/>
+            <p:cNvSpPr/>
+            <p:nvPr/>
+          </p:nvSpPr>
+          <p:spPr>
+            <a:xfrm>
+              <a:off x="7450943" y="4432450"/>
+              <a:ext cx="450280" cy="2246769"/>
+            </a:xfrm>
+            <a:prstGeom prst="rect">
+              <a:avLst/>
+            </a:prstGeom>
+          </p:spPr>
+          <p:txBody>
+            <a:bodyPr wrap="square">
+              <a:spAutoFit/>
+            </a:bodyPr>
+            <a:lstStyle/>
+            <a:p>
+              <a:pPr algn="ctr"/>
+              <a:r>
+                <a:rPr lang="ja-JP" altLang="en-US" sz="2000" b="1" dirty="0" smtClean="0">
+                  <a:ln>
+                    <a:solidFill>
+                      <a:schemeClr val="bg1"/>
+                    </a:solidFill>
+                  </a:ln>
+                  <a:solidFill>
+                    <a:schemeClr val="bg1"/>
+                  </a:solidFill>
+                </a:rPr>
+                <a:t>車</a:t>
+              </a:r>
+              <a:r>
+                <a:rPr lang="en-US" altLang="ja-JP" sz="2000" b="1" dirty="0" smtClean="0">
+                  <a:ln>
+                    <a:solidFill>
+                      <a:schemeClr val="bg1"/>
+                    </a:solidFill>
+                  </a:ln>
+                  <a:solidFill>
+                    <a:srgbClr val="00B050"/>
+                  </a:solidFill>
+                </a:rPr>
+                <a:t>3P</a:t>
+              </a:r>
+            </a:p>
+            <a:p>
+              <a:pPr algn="ctr"/>
+              <a:r>
+                <a:rPr lang="ja-JP" altLang="en-US" sz="2000" b="1" dirty="0">
+                  <a:ln>
+                    <a:solidFill>
+                      <a:schemeClr val="bg1"/>
+                    </a:solidFill>
+                  </a:ln>
+                  <a:solidFill>
+                    <a:schemeClr val="bg1"/>
+                  </a:solidFill>
+                </a:rPr>
+                <a:t>の後ろ</a:t>
+              </a:r>
+            </a:p>
+            <a:p>
+              <a:pPr algn="ctr"/>
+              <a:endParaRPr lang="ja-JP" altLang="en-US" sz="2000" b="1" dirty="0">
+                <a:ln>
+                  <a:solidFill>
+                    <a:schemeClr val="bg1"/>
+                  </a:solidFill>
+                </a:ln>
+                <a:solidFill>
+                  <a:srgbClr val="00B050"/>
+                </a:solidFill>
+              </a:endParaRPr>
+            </a:p>
+          </p:txBody>
+        </p:sp>
+        <p:sp>
+          <p:nvSpPr>
+            <p:cNvPr id="31" name="テキスト ボックス 30"/>
+            <p:cNvSpPr txBox="1"/>
+            <p:nvPr/>
+          </p:nvSpPr>
+          <p:spPr>
+            <a:xfrm>
+              <a:off x="7002780" y="4535144"/>
+              <a:ext cx="427336" cy="707886"/>
+            </a:xfrm>
+            <a:prstGeom prst="rect">
+              <a:avLst/>
+            </a:prstGeom>
+            <a:solidFill>
+              <a:schemeClr val="bg1"/>
+            </a:solidFill>
+          </p:spPr>
+          <p:txBody>
+            <a:bodyPr wrap="square" rtlCol="0">
+              <a:spAutoFit/>
+            </a:bodyPr>
+            <a:lstStyle/>
+            <a:p>
+              <a:pPr algn="ctr"/>
+              <a:r>
+                <a:rPr kumimoji="1" lang="en-US" altLang="ja-JP" sz="2000" b="1" dirty="0" smtClean="0">
+                  <a:solidFill>
+                    <a:srgbClr val="7030A0"/>
+                  </a:solidFill>
+                </a:rPr>
+                <a:t>3D</a:t>
+              </a:r>
+              <a:endParaRPr kumimoji="1" lang="ja-JP" altLang="en-US" sz="2000" b="1" dirty="0">
+                <a:solidFill>
+                  <a:srgbClr val="7030A0"/>
+                </a:solidFill>
+              </a:endParaRPr>
+            </a:p>
+          </p:txBody>
+        </p:sp>
+      </p:grpSp>
+      <p:grpSp>
+        <p:nvGrpSpPr>
+          <p:cNvPr id="27" name="グループ化 26"/>
+          <p:cNvGrpSpPr/>
+          <p:nvPr/>
+        </p:nvGrpSpPr>
+        <p:grpSpPr>
+          <a:xfrm>
+            <a:off x="9725112" y="4393220"/>
+            <a:ext cx="1019908" cy="2316773"/>
+            <a:chOff x="9725112" y="4393220"/>
+            <a:chExt cx="1019908" cy="2316773"/>
+          </a:xfrm>
+        </p:grpSpPr>
+        <p:sp>
+          <p:nvSpPr>
+            <p:cNvPr id="18" name="正方形/長方形 17"/>
+            <p:cNvSpPr/>
+            <p:nvPr/>
+          </p:nvSpPr>
+          <p:spPr>
+            <a:xfrm rot="5400000">
+              <a:off x="9092066" y="5026266"/>
+              <a:ext cx="2286000" cy="1019908"/>
+            </a:xfrm>
+            <a:prstGeom prst="rect">
+              <a:avLst/>
+            </a:prstGeom>
+          </p:spPr>
+          <p:style>
+            <a:lnRef idx="1">
+              <a:schemeClr val="dk1"/>
+            </a:lnRef>
+            <a:fillRef idx="2">
+              <a:schemeClr val="dk1"/>
+            </a:fillRef>
+            <a:effectRef idx="1">
+              <a:schemeClr val="dk1"/>
+            </a:effectRef>
+            <a:fontRef idx="minor">
+              <a:schemeClr val="dk1"/>
+            </a:fontRef>
+          </p:style>
+          <p:txBody>
+            <a:bodyPr rtlCol="0" anchor="ctr"/>
+            <a:lstStyle/>
+            <a:p>
+              <a:pPr algn="ctr"/>
+              <a:endParaRPr lang="ja-JP" altLang="en-US" sz="2400" b="1" dirty="0">
+                <a:ln>
+                  <a:solidFill>
+                    <a:schemeClr val="bg1"/>
+                  </a:solidFill>
+                </a:ln>
+                <a:solidFill>
+                  <a:srgbClr val="0070C0"/>
+                </a:solidFill>
+              </a:endParaRPr>
+            </a:p>
+          </p:txBody>
+        </p:sp>
+        <p:sp>
+          <p:nvSpPr>
+            <p:cNvPr id="23" name="正方形/長方形 22"/>
+            <p:cNvSpPr/>
+            <p:nvPr/>
+          </p:nvSpPr>
+          <p:spPr>
+            <a:xfrm>
+              <a:off x="10267697" y="4463224"/>
+              <a:ext cx="450280" cy="2246769"/>
+            </a:xfrm>
+            <a:prstGeom prst="rect">
+              <a:avLst/>
+            </a:prstGeom>
+          </p:spPr>
+          <p:txBody>
+            <a:bodyPr wrap="square">
+              <a:spAutoFit/>
+            </a:bodyPr>
+            <a:lstStyle/>
+            <a:p>
+              <a:pPr algn="ctr"/>
+              <a:r>
+                <a:rPr lang="ja-JP" altLang="en-US" sz="2000" b="1" dirty="0" smtClean="0">
+                  <a:ln>
+                    <a:solidFill>
+                      <a:schemeClr val="bg1"/>
+                    </a:solidFill>
+                  </a:ln>
+                  <a:solidFill>
+                    <a:schemeClr val="bg1"/>
+                  </a:solidFill>
+                </a:rPr>
+                <a:t>車</a:t>
+              </a:r>
+              <a:r>
+                <a:rPr lang="en-US" altLang="ja-JP" sz="2000" b="1" dirty="0" smtClean="0">
+                  <a:ln>
+                    <a:solidFill>
+                      <a:schemeClr val="bg1"/>
+                    </a:solidFill>
+                  </a:ln>
+                  <a:solidFill>
+                    <a:schemeClr val="accent4"/>
+                  </a:solidFill>
+                </a:rPr>
+                <a:t>4P</a:t>
+              </a:r>
+            </a:p>
+            <a:p>
+              <a:pPr algn="ctr"/>
+              <a:r>
+                <a:rPr lang="ja-JP" altLang="en-US" sz="2000" b="1" dirty="0">
+                  <a:ln>
+                    <a:solidFill>
+                      <a:schemeClr val="bg1"/>
+                    </a:solidFill>
+                  </a:ln>
+                  <a:solidFill>
+                    <a:schemeClr val="bg1"/>
+                  </a:solidFill>
+                </a:rPr>
+                <a:t>の後ろ</a:t>
+              </a:r>
+            </a:p>
+            <a:p>
+              <a:pPr algn="ctr"/>
+              <a:endParaRPr lang="ja-JP" altLang="en-US" sz="2000" b="1" dirty="0">
+                <a:ln>
+                  <a:solidFill>
+                    <a:schemeClr val="bg1"/>
+                  </a:solidFill>
+                </a:ln>
+                <a:solidFill>
+                  <a:schemeClr val="accent4"/>
+                </a:solidFill>
+              </a:endParaRPr>
+            </a:p>
+          </p:txBody>
+        </p:sp>
+        <p:sp>
+          <p:nvSpPr>
+            <p:cNvPr id="32" name="テキスト ボックス 31"/>
+            <p:cNvSpPr txBox="1"/>
+            <p:nvPr/>
+          </p:nvSpPr>
+          <p:spPr>
+            <a:xfrm>
+              <a:off x="9782737" y="4516908"/>
+              <a:ext cx="427336" cy="707886"/>
+            </a:xfrm>
+            <a:prstGeom prst="rect">
+              <a:avLst/>
+            </a:prstGeom>
+            <a:solidFill>
+              <a:schemeClr val="bg1"/>
+            </a:solidFill>
+          </p:spPr>
+          <p:txBody>
+            <a:bodyPr wrap="square" rtlCol="0">
+              <a:spAutoFit/>
+            </a:bodyPr>
+            <a:lstStyle/>
+            <a:p>
+              <a:pPr algn="ctr"/>
+              <a:r>
+                <a:rPr kumimoji="1" lang="en-US" altLang="ja-JP" sz="2000" b="1" dirty="0" smtClean="0">
+                  <a:solidFill>
+                    <a:srgbClr val="7030A0"/>
+                  </a:solidFill>
+                </a:rPr>
+                <a:t>3D</a:t>
+              </a:r>
+              <a:endParaRPr kumimoji="1" lang="ja-JP" altLang="en-US" sz="2000" b="1" dirty="0">
+                <a:solidFill>
+                  <a:srgbClr val="7030A0"/>
+                </a:solidFill>
+              </a:endParaRPr>
+            </a:p>
+          </p:txBody>
+        </p:sp>
+      </p:grpSp>
+      <p:sp>
+        <p:nvSpPr>
+          <p:cNvPr id="34" name="正方形/長方形 33"/>
+          <p:cNvSpPr/>
+          <p:nvPr/>
+        </p:nvSpPr>
+        <p:spPr>
+          <a:xfrm>
+            <a:off x="1034800" y="292396"/>
+            <a:ext cx="1579278" cy="461665"/>
+          </a:xfrm>
+          <a:prstGeom prst="rect">
+            <a:avLst/>
+          </a:prstGeom>
+        </p:spPr>
+        <p:txBody>
+          <a:bodyPr wrap="none">
+            <a:spAutoFit/>
+          </a:bodyPr>
+          <a:lstStyle/>
+          <a:p>
+            <a:r>
+              <a:rPr lang="ja-JP" altLang="en-US" sz="2400" b="1" dirty="0" smtClean="0">
+                <a:latin typeface="BIZ UDP明朝 Medium" panose="02020500000000000000" pitchFamily="18" charset="-128"/>
+                <a:ea typeface="BIZ UDP明朝 Medium" panose="02020500000000000000" pitchFamily="18" charset="-128"/>
+              </a:rPr>
+              <a:t>終わりごろ</a:t>
+            </a:r>
+            <a:endParaRPr lang="ja-JP" altLang="en-US" sz="2400" dirty="0"/>
+          </a:p>
+        </p:txBody>
+      </p:sp>
+      <p:sp>
+        <p:nvSpPr>
+          <p:cNvPr id="35" name="右矢印 34"/>
+          <p:cNvSpPr/>
+          <p:nvPr/>
+        </p:nvSpPr>
+        <p:spPr>
+          <a:xfrm rot="16200000">
+            <a:off x="611770" y="3176329"/>
+            <a:ext cx="1582615" cy="851167"/>
+          </a:xfrm>
+          <a:prstGeom prst="rightArrow">
+            <a:avLst>
+              <a:gd name="adj1" fmla="val 50000"/>
+              <a:gd name="adj2" fmla="val 58366"/>
+            </a:avLst>
+          </a:prstGeom>
+        </p:spPr>
+        <p:style>
+          <a:lnRef idx="2">
+            <a:schemeClr val="accent1">
+              <a:shade val="50000"/>
+            </a:schemeClr>
+          </a:lnRef>
+          <a:fillRef idx="1">
+            <a:schemeClr val="accent1"/>
+          </a:fillRef>
+          <a:effectRef idx="0">
+            <a:schemeClr val="accent1"/>
+          </a:effectRef>
+          <a:fontRef idx="minor">
+            <a:schemeClr val="lt1"/>
+          </a:fontRef>
+        </p:style>
+        <p:txBody>
+          <a:bodyPr rtlCol="0" anchor="ctr"/>
+          <a:lstStyle/>
+          <a:p>
+            <a:pPr algn="ctr"/>
+            <a:endParaRPr kumimoji="1" lang="ja-JP" altLang="en-US"/>
+          </a:p>
+        </p:txBody>
+      </p:sp>
+      <p:sp>
+        <p:nvSpPr>
+          <p:cNvPr id="36" name="右矢印 35"/>
+          <p:cNvSpPr/>
+          <p:nvPr/>
+        </p:nvSpPr>
+        <p:spPr>
+          <a:xfrm rot="16200000">
+            <a:off x="3164809" y="3203303"/>
+            <a:ext cx="1582615" cy="851167"/>
+          </a:xfrm>
+          <a:prstGeom prst="rightArrow">
+            <a:avLst>
+              <a:gd name="adj1" fmla="val 50000"/>
+              <a:gd name="adj2" fmla="val 58366"/>
+            </a:avLst>
+          </a:prstGeom>
+        </p:spPr>
+        <p:style>
+          <a:lnRef idx="2">
+            <a:schemeClr val="accent1">
+              <a:shade val="50000"/>
+            </a:schemeClr>
+          </a:lnRef>
+          <a:fillRef idx="1">
+            <a:schemeClr val="accent1"/>
+          </a:fillRef>
+          <a:effectRef idx="0">
+            <a:schemeClr val="accent1"/>
+          </a:effectRef>
+          <a:fontRef idx="minor">
+            <a:schemeClr val="lt1"/>
+          </a:fontRef>
+        </p:style>
+        <p:txBody>
+          <a:bodyPr rtlCol="0" anchor="ctr"/>
+          <a:lstStyle/>
+          <a:p>
+            <a:pPr algn="ctr"/>
+            <a:endParaRPr kumimoji="1" lang="ja-JP" altLang="en-US"/>
+          </a:p>
+        </p:txBody>
+      </p:sp>
+      <p:sp>
+        <p:nvSpPr>
+          <p:cNvPr id="37" name="右矢印 36"/>
+          <p:cNvSpPr/>
+          <p:nvPr/>
+        </p:nvSpPr>
+        <p:spPr>
+          <a:xfrm rot="16200000">
+            <a:off x="6607587" y="3189302"/>
+            <a:ext cx="1582615" cy="851167"/>
+          </a:xfrm>
+          <a:prstGeom prst="rightArrow">
+            <a:avLst>
+              <a:gd name="adj1" fmla="val 50000"/>
+              <a:gd name="adj2" fmla="val 58366"/>
+            </a:avLst>
+          </a:prstGeom>
+        </p:spPr>
+        <p:style>
+          <a:lnRef idx="2">
+            <a:schemeClr val="accent1">
+              <a:shade val="50000"/>
+            </a:schemeClr>
+          </a:lnRef>
+          <a:fillRef idx="1">
+            <a:schemeClr val="accent1"/>
+          </a:fillRef>
+          <a:effectRef idx="0">
+            <a:schemeClr val="accent1"/>
+          </a:effectRef>
+          <a:fontRef idx="minor">
+            <a:schemeClr val="lt1"/>
+          </a:fontRef>
+        </p:style>
+        <p:txBody>
+          <a:bodyPr rtlCol="0" anchor="ctr"/>
+          <a:lstStyle/>
+          <a:p>
+            <a:pPr algn="ctr"/>
+            <a:endParaRPr kumimoji="1" lang="ja-JP" altLang="en-US"/>
+          </a:p>
+        </p:txBody>
+      </p:sp>
+      <p:sp>
+        <p:nvSpPr>
+          <p:cNvPr id="38" name="右矢印 37"/>
+          <p:cNvSpPr/>
+          <p:nvPr/>
+        </p:nvSpPr>
+        <p:spPr>
+          <a:xfrm rot="16200000">
+            <a:off x="9476389" y="3269244"/>
+            <a:ext cx="1582615" cy="851167"/>
+          </a:xfrm>
+          <a:prstGeom prst="rightArrow">
+            <a:avLst>
+              <a:gd name="adj1" fmla="val 50000"/>
+              <a:gd name="adj2" fmla="val 58366"/>
+            </a:avLst>
+          </a:prstGeom>
+        </p:spPr>
+        <p:style>
+          <a:lnRef idx="2">
+            <a:schemeClr val="accent1">
+              <a:shade val="50000"/>
+            </a:schemeClr>
+          </a:lnRef>
+          <a:fillRef idx="1">
+            <a:schemeClr val="accent1"/>
+          </a:fillRef>
+          <a:effectRef idx="0">
+            <a:schemeClr val="accent1"/>
+          </a:effectRef>
+          <a:fontRef idx="minor">
+            <a:schemeClr val="lt1"/>
+          </a:fontRef>
+        </p:style>
+        <p:txBody>
+          <a:bodyPr rtlCol="0" anchor="ctr"/>
+          <a:lstStyle/>
+          <a:p>
+            <a:pPr algn="ctr"/>
+            <a:endParaRPr kumimoji="1" lang="ja-JP" altLang="en-US"/>
+          </a:p>
+        </p:txBody>
+      </p:sp>
+    </p:spTree>
+    <p:extLst>
+      <p:ext uri="{BB962C8B-B14F-4D97-AF65-F5344CB8AC3E}">
+        <p14:creationId xmlns:p14="http://schemas.microsoft.com/office/powerpoint/2010/main" val="2272778499"/>
+      </p:ext>
+    </p:extLst>
+  </p:cSld>
+  <p:clrMapOvr>
+    <a:masterClrMapping/>
+  </p:clrMapOvr>
+  <p:timing>
+    <p:tnLst>
+      <p:par>
+        <p:cTn id="1" dur="indefinite" restart="never" nodeType="tmRoot">
+          <p:childTnLst>
+            <p:seq concurrent="1" nextAc="seek">
+              <p:cTn id="2" dur="indefinite" nodeType="mainSeq">
+                <p:childTnLst>
+                  <p:par>
+                    <p:cTn id="3" fill="hold">
+                      <p:stCondLst>
+                        <p:cond delay="indefinite"/>
+                      </p:stCondLst>
+                      <p:childTnLst>
+                        <p:par>
+                          <p:cTn id="4" fill="hold">
+                            <p:stCondLst>
+                              <p:cond delay="0"/>
+                            </p:stCondLst>
+                            <p:childTnLst>
+                              <p:par>
+                                <p:cTn id="5" presetID="2" presetClass="exit" presetSubtype="1" fill="hold" nodeType="clickEffect">
+                                  <p:stCondLst>
+                                    <p:cond delay="0"/>
+                                  </p:stCondLst>
+                                  <p:childTnLst>
+                                    <p:anim calcmode="lin" valueType="num">
+                                      <p:cBhvr additive="base">
+                                        <p:cTn id="6" dur="500"/>
+                                        <p:tgtEl>
+                                          <p:spTgt spid="6"/>
+                                        </p:tgtEl>
+                                        <p:attrNameLst>
+                                          <p:attrName>ppt_x</p:attrName>
+                                        </p:attrNameLst>
+                                      </p:cBhvr>
+                                      <p:tavLst>
+                                        <p:tav tm="0">
+                                          <p:val>
+                                            <p:strVal val="ppt_x"/>
+                                          </p:val>
+                                        </p:tav>
+                                        <p:tav tm="100000">
+                                          <p:val>
+                                            <p:strVal val="ppt_x"/>
+                                          </p:val>
+                                        </p:tav>
+                                      </p:tavLst>
+                                    </p:anim>
+                                    <p:anim calcmode="lin" valueType="num">
+                                      <p:cBhvr additive="base">
+                                        <p:cTn id="7" dur="500"/>
+                                        <p:tgtEl>
+                                          <p:spTgt spid="6"/>
+                                        </p:tgtEl>
+                                        <p:attrNameLst>
+                                          <p:attrName>ppt_y</p:attrName>
+                                        </p:attrNameLst>
+                                      </p:cBhvr>
+                                      <p:tavLst>
+                                        <p:tav tm="0">
+                                          <p:val>
+                                            <p:strVal val="ppt_y"/>
+                                          </p:val>
+                                        </p:tav>
+                                        <p:tav tm="100000">
+                                          <p:val>
+                                            <p:strVal val="0-ppt_h/2"/>
+                                          </p:val>
+                                        </p:tav>
+                                      </p:tavLst>
+                                    </p:anim>
+                                    <p:set>
+                                      <p:cBhvr>
+                                        <p:cTn id="8" dur="1" fill="hold">
+                                          <p:stCondLst>
+                                            <p:cond delay="499"/>
+                                          </p:stCondLst>
+                                        </p:cTn>
+                                        <p:tgtEl>
+                                          <p:spTgt spid="6"/>
+                                        </p:tgtEl>
+                                        <p:attrNameLst>
+                                          <p:attrName>style.visibility</p:attrName>
+                                        </p:attrNameLst>
+                                      </p:cBhvr>
+                                      <p:to>
+                                        <p:strVal val="hidden"/>
+                                      </p:to>
+                                    </p:set>
+                                  </p:childTnLst>
+                                </p:cTn>
+                              </p:par>
+                              <p:par>
+                                <p:cTn id="9" presetID="2" presetClass="exit" presetSubtype="1" fill="hold" nodeType="withEffect">
+                                  <p:stCondLst>
+                                    <p:cond delay="0"/>
+                                  </p:stCondLst>
+                                  <p:childTnLst>
+                                    <p:anim calcmode="lin" valueType="num">
+                                      <p:cBhvr additive="base">
+                                        <p:cTn id="10" dur="500"/>
+                                        <p:tgtEl>
+                                          <p:spTgt spid="9"/>
+                                        </p:tgtEl>
+                                        <p:attrNameLst>
+                                          <p:attrName>ppt_x</p:attrName>
+                                        </p:attrNameLst>
+                                      </p:cBhvr>
+                                      <p:tavLst>
+                                        <p:tav tm="0">
+                                          <p:val>
+                                            <p:strVal val="ppt_x"/>
+                                          </p:val>
+                                        </p:tav>
+                                        <p:tav tm="100000">
+                                          <p:val>
+                                            <p:strVal val="ppt_x"/>
+                                          </p:val>
+                                        </p:tav>
+                                      </p:tavLst>
+                                    </p:anim>
+                                    <p:anim calcmode="lin" valueType="num">
+                                      <p:cBhvr additive="base">
+                                        <p:cTn id="11" dur="500"/>
+                                        <p:tgtEl>
+                                          <p:spTgt spid="9"/>
+                                        </p:tgtEl>
+                                        <p:attrNameLst>
+                                          <p:attrName>ppt_y</p:attrName>
+                                        </p:attrNameLst>
+                                      </p:cBhvr>
+                                      <p:tavLst>
+                                        <p:tav tm="0">
+                                          <p:val>
+                                            <p:strVal val="ppt_y"/>
+                                          </p:val>
+                                        </p:tav>
+                                        <p:tav tm="100000">
+                                          <p:val>
+                                            <p:strVal val="0-ppt_h/2"/>
+                                          </p:val>
+                                        </p:tav>
+                                      </p:tavLst>
+                                    </p:anim>
+                                    <p:set>
+                                      <p:cBhvr>
+                                        <p:cTn id="12" dur="1" fill="hold">
+                                          <p:stCondLst>
+                                            <p:cond delay="499"/>
+                                          </p:stCondLst>
+                                        </p:cTn>
+                                        <p:tgtEl>
+                                          <p:spTgt spid="9"/>
+                                        </p:tgtEl>
+                                        <p:attrNameLst>
+                                          <p:attrName>style.visibility</p:attrName>
+                                        </p:attrNameLst>
+                                      </p:cBhvr>
+                                      <p:to>
+                                        <p:strVal val="hidden"/>
+                                      </p:to>
+                                    </p:set>
+                                  </p:childTnLst>
+                                </p:cTn>
+                              </p:par>
+                              <p:par>
+                                <p:cTn id="13" presetID="2" presetClass="exit" presetSubtype="1" fill="hold" nodeType="withEffect">
+                                  <p:stCondLst>
+                                    <p:cond delay="0"/>
+                                  </p:stCondLst>
+                                  <p:childTnLst>
+                                    <p:anim calcmode="lin" valueType="num">
+                                      <p:cBhvr additive="base">
+                                        <p:cTn id="14" dur="500"/>
+                                        <p:tgtEl>
+                                          <p:spTgt spid="10"/>
+                                        </p:tgtEl>
+                                        <p:attrNameLst>
+                                          <p:attrName>ppt_x</p:attrName>
+                                        </p:attrNameLst>
+                                      </p:cBhvr>
+                                      <p:tavLst>
+                                        <p:tav tm="0">
+                                          <p:val>
+                                            <p:strVal val="ppt_x"/>
+                                          </p:val>
+                                        </p:tav>
+                                        <p:tav tm="100000">
+                                          <p:val>
+                                            <p:strVal val="ppt_x"/>
+                                          </p:val>
+                                        </p:tav>
+                                      </p:tavLst>
+                                    </p:anim>
+                                    <p:anim calcmode="lin" valueType="num">
+                                      <p:cBhvr additive="base">
+                                        <p:cTn id="15" dur="500"/>
+                                        <p:tgtEl>
+                                          <p:spTgt spid="10"/>
+                                        </p:tgtEl>
+                                        <p:attrNameLst>
+                                          <p:attrName>ppt_y</p:attrName>
+                                        </p:attrNameLst>
+                                      </p:cBhvr>
+                                      <p:tavLst>
+                                        <p:tav tm="0">
+                                          <p:val>
+                                            <p:strVal val="ppt_y"/>
+                                          </p:val>
+                                        </p:tav>
+                                        <p:tav tm="100000">
+                                          <p:val>
+                                            <p:strVal val="0-ppt_h/2"/>
+                                          </p:val>
+                                        </p:tav>
+                                      </p:tavLst>
+                                    </p:anim>
+                                    <p:set>
+                                      <p:cBhvr>
+                                        <p:cTn id="16" dur="1" fill="hold">
+                                          <p:stCondLst>
+                                            <p:cond delay="499"/>
+                                          </p:stCondLst>
+                                        </p:cTn>
+                                        <p:tgtEl>
+                                          <p:spTgt spid="10"/>
+                                        </p:tgtEl>
+                                        <p:attrNameLst>
+                                          <p:attrName>style.visibility</p:attrName>
+                                        </p:attrNameLst>
+                                      </p:cBhvr>
+                                      <p:to>
+                                        <p:strVal val="hidden"/>
+                                      </p:to>
+                                    </p:set>
+                                  </p:childTnLst>
+                                </p:cTn>
+                              </p:par>
+                              <p:par>
+                                <p:cTn id="17" presetID="2" presetClass="exit" presetSubtype="1" fill="hold" nodeType="withEffect">
+                                  <p:stCondLst>
+                                    <p:cond delay="0"/>
+                                  </p:stCondLst>
+                                  <p:childTnLst>
+                                    <p:anim calcmode="lin" valueType="num">
+                                      <p:cBhvr additive="base">
+                                        <p:cTn id="18" dur="500"/>
+                                        <p:tgtEl>
+                                          <p:spTgt spid="27"/>
+                                        </p:tgtEl>
+                                        <p:attrNameLst>
+                                          <p:attrName>ppt_x</p:attrName>
+                                        </p:attrNameLst>
+                                      </p:cBhvr>
+                                      <p:tavLst>
+                                        <p:tav tm="0">
+                                          <p:val>
+                                            <p:strVal val="ppt_x"/>
+                                          </p:val>
+                                        </p:tav>
+                                        <p:tav tm="100000">
+                                          <p:val>
+                                            <p:strVal val="ppt_x"/>
+                                          </p:val>
+                                        </p:tav>
+                                      </p:tavLst>
+                                    </p:anim>
+                                    <p:anim calcmode="lin" valueType="num">
+                                      <p:cBhvr additive="base">
+                                        <p:cTn id="19" dur="500"/>
+                                        <p:tgtEl>
+                                          <p:spTgt spid="27"/>
+                                        </p:tgtEl>
+                                        <p:attrNameLst>
+                                          <p:attrName>ppt_y</p:attrName>
+                                        </p:attrNameLst>
+                                      </p:cBhvr>
+                                      <p:tavLst>
+                                        <p:tav tm="0">
+                                          <p:val>
+                                            <p:strVal val="ppt_y"/>
+                                          </p:val>
+                                        </p:tav>
+                                        <p:tav tm="100000">
+                                          <p:val>
+                                            <p:strVal val="0-ppt_h/2"/>
+                                          </p:val>
+                                        </p:tav>
+                                      </p:tavLst>
+                                    </p:anim>
+                                    <p:set>
+                                      <p:cBhvr>
+                                        <p:cTn id="20" dur="1" fill="hold">
+                                          <p:stCondLst>
+                                            <p:cond delay="499"/>
+                                          </p:stCondLst>
+                                        </p:cTn>
+                                        <p:tgtEl>
+                                          <p:spTgt spid="27"/>
+                                        </p:tgtEl>
+                                        <p:attrNameLst>
+                                          <p:attrName>style.visibility</p:attrName>
+                                        </p:attrNameLst>
+                                      </p:cBhvr>
+                                      <p:to>
+                                        <p:strVal val="hidden"/>
+                                      </p:to>
+                                    </p:set>
+                                  </p:childTnLst>
+                                </p:cTn>
+                              </p:par>
+                              <p:par>
+                                <p:cTn id="21" presetID="1" presetClass="exit" presetSubtype="0" fill="hold" nodeType="withEffect">
+                                  <p:stCondLst>
+                                    <p:cond delay="150"/>
+                                  </p:stCondLst>
+                                  <p:childTnLst>
+                                    <p:set>
+                                      <p:cBhvr>
+                                        <p:cTn id="22" dur="1" fill="hold">
+                                          <p:stCondLst>
+                                            <p:cond delay="0"/>
+                                          </p:stCondLst>
+                                        </p:cTn>
+                                        <p:tgtEl>
+                                          <p:spTgt spid="6"/>
+                                        </p:tgtEl>
+                                        <p:attrNameLst>
+                                          <p:attrName>style.visibility</p:attrName>
+                                        </p:attrNameLst>
+                                      </p:cBhvr>
+                                      <p:to>
+                                        <p:strVal val="hidden"/>
+                                      </p:to>
+                                    </p:set>
+                                  </p:childTnLst>
+                                </p:cTn>
+                              </p:par>
+                              <p:par>
+                                <p:cTn id="23" presetID="1" presetClass="exit" presetSubtype="0" fill="hold" nodeType="withEffect">
+                                  <p:stCondLst>
+                                    <p:cond delay="150"/>
+                                  </p:stCondLst>
+                                  <p:childTnLst>
+                                    <p:set>
+                                      <p:cBhvr>
+                                        <p:cTn id="24" dur="1" fill="hold">
+                                          <p:stCondLst>
+                                            <p:cond delay="0"/>
+                                          </p:stCondLst>
+                                        </p:cTn>
+                                        <p:tgtEl>
+                                          <p:spTgt spid="9"/>
+                                        </p:tgtEl>
+                                        <p:attrNameLst>
+                                          <p:attrName>style.visibility</p:attrName>
+                                        </p:attrNameLst>
+                                      </p:cBhvr>
+                                      <p:to>
+                                        <p:strVal val="hidden"/>
+                                      </p:to>
+                                    </p:set>
+                                  </p:childTnLst>
+                                </p:cTn>
+                              </p:par>
+                              <p:par>
+                                <p:cTn id="25" presetID="1" presetClass="exit" presetSubtype="0" fill="hold" nodeType="withEffect">
+                                  <p:stCondLst>
+                                    <p:cond delay="150"/>
+                                  </p:stCondLst>
+                                  <p:childTnLst>
+                                    <p:set>
+                                      <p:cBhvr>
+                                        <p:cTn id="26" dur="1" fill="hold">
+                                          <p:stCondLst>
+                                            <p:cond delay="0"/>
+                                          </p:stCondLst>
+                                        </p:cTn>
+                                        <p:tgtEl>
+                                          <p:spTgt spid="10"/>
+                                        </p:tgtEl>
+                                        <p:attrNameLst>
+                                          <p:attrName>style.visibility</p:attrName>
+                                        </p:attrNameLst>
+                                      </p:cBhvr>
+                                      <p:to>
+                                        <p:strVal val="hidden"/>
+                                      </p:to>
+                                    </p:set>
+                                  </p:childTnLst>
+                                </p:cTn>
+                              </p:par>
+                              <p:par>
+                                <p:cTn id="27" presetID="1" presetClass="exit" presetSubtype="0" fill="hold" nodeType="withEffect">
+                                  <p:stCondLst>
+                                    <p:cond delay="150"/>
+                                  </p:stCondLst>
+                                  <p:childTnLst>
+                                    <p:set>
+                                      <p:cBhvr>
+                                        <p:cTn id="28" dur="1" fill="hold">
+                                          <p:stCondLst>
+                                            <p:cond delay="0"/>
+                                          </p:stCondLst>
+                                        </p:cTn>
+                                        <p:tgtEl>
+                                          <p:spTgt spid="27"/>
+                                        </p:tgtEl>
+                                        <p:attrNameLst>
+                                          <p:attrName>style.visibility</p:attrName>
+                                        </p:attrNameLst>
+                                      </p:cBhvr>
+                                      <p:to>
+                                        <p:strVal val="hidden"/>
+                                      </p:to>
+                                    </p:set>
+                                  </p:childTnLst>
+                                </p:cTn>
+                              </p:par>
+                            </p:childTnLst>
+                          </p:cTn>
+                        </p:par>
+                      </p:childTnLst>
+                    </p:cTn>
+                  </p:par>
+                </p:childTnLst>
+              </p:cTn>
+              <p:prevCondLst>
+                <p:cond evt="onPrev" delay="0">
+                  <p:tgtEl>
+                    <p:sldTgt/>
+                  </p:tgtEl>
+                </p:cond>
+              </p:prevCondLst>
+              <p:nextCondLst>
+                <p:cond evt="onNext" delay="0">
+                  <p:tgtEl>
+                    <p:sldTgt/>
+                  </p:tgtEl>
+                </p:cond>
+              </p:nextCondLst>
+            </p:seq>
+          </p:childTnLst>
+        </p:cTn>
+      </p:par>
+    </p:tnLst>
+  </p:timing>
+</p:sld>
+</file>
+
+<file path=ppt/slides/slide25.xml><?xml version="1.0" encoding="utf-8"?>
+<p:sld xmlns:a="http://schemas.openxmlformats.org/drawingml/2006/main" xmlns:r="http://schemas.openxmlformats.org/officeDocument/2006/relationships" xmlns:p="http://schemas.openxmlformats.org/presentationml/2006/main">
+  <p:cSld>
+    <p:spTree>
+      <p:nvGrpSpPr>
+        <p:cNvPr id="1" name=""/>
+        <p:cNvGrpSpPr/>
+        <p:nvPr/>
+      </p:nvGrpSpPr>
+      <p:grpSpPr>
+        <a:xfrm>
+          <a:off x="0" y="0"/>
+          <a:ext cx="0" cy="0"/>
+          <a:chOff x="0" y="0"/>
+          <a:chExt cx="0" cy="0"/>
+        </a:xfrm>
+      </p:grpSpPr>
+      <p:sp>
+        <p:nvSpPr>
+          <p:cNvPr id="2" name="タイトル 1"/>
+          <p:cNvSpPr>
+            <a:spLocks noGrp="1"/>
+          </p:cNvSpPr>
+          <p:nvPr>
+            <p:ph type="title"/>
+          </p:nvPr>
+        </p:nvSpPr>
+        <p:spPr>
+          <a:xfrm>
+            <a:off x="908538" y="2519241"/>
+            <a:ext cx="10515600" cy="1325563"/>
+          </a:xfrm>
+        </p:spPr>
+        <p:txBody>
+          <a:bodyPr>
+            <a:normAutofit/>
+          </a:bodyPr>
+          <a:lstStyle/>
+          <a:p>
+            <a:pPr algn="ctr"/>
+            <a:r>
+              <a:rPr kumimoji="1" lang="ja-JP" altLang="en-US" sz="7200" b="1" dirty="0" smtClean="0">
+                <a:latin typeface="BIZ UDP明朝 Medium" panose="02020500000000000000" pitchFamily="18" charset="-128"/>
+                <a:ea typeface="BIZ UDP明朝 Medium" panose="02020500000000000000" pitchFamily="18" charset="-128"/>
+              </a:rPr>
+              <a:t>タイトル画面の案３</a:t>
+            </a:r>
+            <a:endParaRPr kumimoji="1" lang="ja-JP" altLang="en-US" sz="7200" b="1" dirty="0">
+              <a:latin typeface="BIZ UDP明朝 Medium" panose="02020500000000000000" pitchFamily="18" charset="-128"/>
+              <a:ea typeface="BIZ UDP明朝 Medium" panose="02020500000000000000" pitchFamily="18" charset="-128"/>
+            </a:endParaRPr>
+          </a:p>
+        </p:txBody>
+      </p:sp>
+    </p:spTree>
+    <p:extLst>
+      <p:ext uri="{BB962C8B-B14F-4D97-AF65-F5344CB8AC3E}">
+        <p14:creationId xmlns:p14="http://schemas.microsoft.com/office/powerpoint/2010/main" val="2389113021"/>
+      </p:ext>
+    </p:extLst>
+  </p:cSld>
+  <p:clrMapOvr>
+    <a:masterClrMapping/>
+  </p:clrMapOvr>
+  <mc:AlternateContent xmlns:mc="http://schemas.openxmlformats.org/markup-compatibility/2006" xmlns:p14="http://schemas.microsoft.com/office/powerpoint/2010/main">
+    <mc:Choice Requires="p14">
+      <p:transition spd="slow" p14:dur="2000"/>
+    </mc:Choice>
+    <mc:Fallback xmlns="">
+      <p:transition spd="slow"/>
+    </mc:Fallback>
+  </mc:AlternateContent>
+  <p:timing>
+    <p:tnLst>
+      <p:par>
+        <p:cTn id="1" dur="indefinite" restart="never" nodeType="tmRoot"/>
+      </p:par>
+    </p:tnLst>
+  </p:timing>
+</p:sld>
+</file>
+
+<file path=ppt/slides/slide26.xml><?xml version="1.0" encoding="utf-8"?>
+<p:sld xmlns:a="http://schemas.openxmlformats.org/drawingml/2006/main" xmlns:r="http://schemas.openxmlformats.org/officeDocument/2006/relationships" xmlns:p="http://schemas.openxmlformats.org/presentationml/2006/main">
+  <p:cSld>
+    <p:spTree>
+      <p:nvGrpSpPr>
+        <p:cNvPr id="1" name=""/>
+        <p:cNvGrpSpPr/>
+        <p:nvPr/>
+      </p:nvGrpSpPr>
+      <p:grpSpPr>
+        <a:xfrm>
+          <a:off x="0" y="0"/>
+          <a:ext cx="0" cy="0"/>
+          <a:chOff x="0" y="0"/>
+          <a:chExt cx="0" cy="0"/>
+        </a:xfrm>
+      </p:grpSpPr>
+      <p:sp>
+        <p:nvSpPr>
+          <p:cNvPr id="5" name="正方形/長方形 4"/>
+          <p:cNvSpPr/>
+          <p:nvPr/>
+        </p:nvSpPr>
+        <p:spPr>
+          <a:xfrm>
+            <a:off x="624254" y="3516924"/>
+            <a:ext cx="2286000" cy="1019908"/>
+          </a:xfrm>
+          <a:prstGeom prst="rect">
+            <a:avLst/>
+          </a:prstGeom>
+        </p:spPr>
+        <p:style>
+          <a:lnRef idx="1">
+            <a:schemeClr val="dk1"/>
+          </a:lnRef>
+          <a:fillRef idx="2">
+            <a:schemeClr val="dk1"/>
+          </a:fillRef>
+          <a:effectRef idx="1">
+            <a:schemeClr val="dk1"/>
+          </a:effectRef>
+          <a:fontRef idx="minor">
+            <a:schemeClr val="dk1"/>
+          </a:fontRef>
+        </p:style>
+        <p:txBody>
+          <a:bodyPr rtlCol="0" anchor="ctr"/>
+          <a:lstStyle/>
+          <a:p>
+            <a:pPr algn="ctr"/>
+            <a:r>
+              <a:rPr lang="ja-JP" altLang="en-US" sz="2400" b="1" dirty="0">
+                <a:ln>
+                  <a:solidFill>
+                    <a:schemeClr val="bg1"/>
+                  </a:solidFill>
+                </a:ln>
+                <a:solidFill>
+                  <a:schemeClr val="bg1"/>
+                </a:solidFill>
+              </a:rPr>
+              <a:t>車のモデル</a:t>
+            </a:r>
+            <a:r>
+              <a:rPr lang="ja-JP" altLang="en-US" sz="2400" b="1" dirty="0">
+                <a:ln>
+                  <a:solidFill>
+                    <a:schemeClr val="bg1"/>
+                  </a:solidFill>
+                </a:ln>
+                <a:solidFill>
+                  <a:srgbClr val="0070C0"/>
+                </a:solidFill>
+              </a:rPr>
+              <a:t>１</a:t>
+            </a:r>
+            <a:r>
+              <a:rPr lang="en-US" altLang="ja-JP" sz="2400" b="1" dirty="0">
+                <a:ln>
+                  <a:solidFill>
+                    <a:schemeClr val="bg1"/>
+                  </a:solidFill>
+                </a:ln>
+                <a:solidFill>
+                  <a:srgbClr val="0070C0"/>
+                </a:solidFill>
+              </a:rPr>
+              <a:t>P</a:t>
+            </a:r>
+            <a:endParaRPr lang="ja-JP" altLang="en-US" sz="2400" b="1" dirty="0">
+              <a:ln>
+                <a:solidFill>
+                  <a:schemeClr val="bg1"/>
+                </a:solidFill>
+              </a:ln>
+              <a:solidFill>
+                <a:srgbClr val="0070C0"/>
+              </a:solidFill>
+            </a:endParaRPr>
+          </a:p>
+        </p:txBody>
+      </p:sp>
+      <p:sp>
+        <p:nvSpPr>
+          <p:cNvPr id="6" name="正方形/長方形 5"/>
+          <p:cNvSpPr/>
+          <p:nvPr/>
+        </p:nvSpPr>
+        <p:spPr>
+          <a:xfrm>
+            <a:off x="2435469" y="808893"/>
+            <a:ext cx="7587762" cy="2154115"/>
+          </a:xfrm>
+          <a:prstGeom prst="rect">
+            <a:avLst/>
+          </a:prstGeom>
+        </p:spPr>
+        <p:style>
+          <a:lnRef idx="2">
+            <a:schemeClr val="accent1">
+              <a:shade val="50000"/>
+            </a:schemeClr>
+          </a:lnRef>
+          <a:fillRef idx="1">
+            <a:schemeClr val="accent1"/>
+          </a:fillRef>
+          <a:effectRef idx="0">
+            <a:schemeClr val="accent1"/>
+          </a:effectRef>
+          <a:fontRef idx="minor">
+            <a:schemeClr val="lt1"/>
+          </a:fontRef>
+        </p:style>
+        <p:txBody>
+          <a:bodyPr rtlCol="0" anchor="ctr"/>
+          <a:lstStyle/>
+          <a:p>
+            <a:pPr algn="ctr"/>
+            <a:endParaRPr kumimoji="1" lang="ja-JP" altLang="en-US"/>
+          </a:p>
+        </p:txBody>
+      </p:sp>
+      <p:sp>
+        <p:nvSpPr>
+          <p:cNvPr id="7" name="正方形/長方形 6"/>
+          <p:cNvSpPr/>
+          <p:nvPr/>
+        </p:nvSpPr>
+        <p:spPr>
+          <a:xfrm>
+            <a:off x="9261231" y="5319349"/>
+            <a:ext cx="2286000" cy="1019908"/>
+          </a:xfrm>
+          <a:prstGeom prst="rect">
+            <a:avLst/>
+          </a:prstGeom>
+        </p:spPr>
+        <p:style>
+          <a:lnRef idx="1">
+            <a:schemeClr val="dk1"/>
+          </a:lnRef>
+          <a:fillRef idx="2">
+            <a:schemeClr val="dk1"/>
+          </a:fillRef>
+          <a:effectRef idx="1">
+            <a:schemeClr val="dk1"/>
+          </a:effectRef>
+          <a:fontRef idx="minor">
+            <a:schemeClr val="dk1"/>
+          </a:fontRef>
+        </p:style>
+        <p:txBody>
+          <a:bodyPr rtlCol="0" anchor="ctr"/>
+          <a:lstStyle/>
+          <a:p>
+            <a:pPr algn="ctr"/>
+            <a:r>
+              <a:rPr lang="ja-JP" altLang="en-US" sz="2400" b="1" dirty="0">
+                <a:ln>
+                  <a:solidFill>
+                    <a:schemeClr val="bg1"/>
+                  </a:solidFill>
+                </a:ln>
+                <a:solidFill>
+                  <a:schemeClr val="bg1"/>
+                </a:solidFill>
+              </a:rPr>
+              <a:t>車のモデル</a:t>
+            </a:r>
+            <a:r>
+              <a:rPr lang="en-US" altLang="ja-JP" sz="2400" b="1" dirty="0">
+                <a:ln>
+                  <a:solidFill>
+                    <a:schemeClr val="bg1"/>
+                  </a:solidFill>
+                </a:ln>
+                <a:solidFill>
+                  <a:srgbClr val="FF0000"/>
+                </a:solidFill>
+              </a:rPr>
+              <a:t>2P</a:t>
+            </a:r>
+            <a:endParaRPr lang="ja-JP" altLang="en-US" sz="2400" b="1" dirty="0">
+              <a:ln>
+                <a:solidFill>
+                  <a:schemeClr val="bg1"/>
+                </a:solidFill>
+              </a:ln>
+              <a:solidFill>
+                <a:srgbClr val="FF0000"/>
+              </a:solidFill>
+            </a:endParaRPr>
+          </a:p>
+        </p:txBody>
+      </p:sp>
+      <p:sp>
+        <p:nvSpPr>
+          <p:cNvPr id="2" name="右矢印 1"/>
+          <p:cNvSpPr/>
+          <p:nvPr/>
+        </p:nvSpPr>
+        <p:spPr>
+          <a:xfrm>
+            <a:off x="2831125" y="3402624"/>
+            <a:ext cx="3938954" cy="1248508"/>
+          </a:xfrm>
+          <a:prstGeom prst="rightArrow">
+            <a:avLst>
+              <a:gd name="adj1" fmla="val 50000"/>
+              <a:gd name="adj2" fmla="val 116901"/>
+            </a:avLst>
+          </a:prstGeom>
+        </p:spPr>
+        <p:style>
+          <a:lnRef idx="2">
+            <a:schemeClr val="accent1">
+              <a:shade val="50000"/>
+            </a:schemeClr>
+          </a:lnRef>
+          <a:fillRef idx="1">
+            <a:schemeClr val="accent1"/>
+          </a:fillRef>
+          <a:effectRef idx="0">
+            <a:schemeClr val="accent1"/>
+          </a:effectRef>
+          <a:fontRef idx="minor">
+            <a:schemeClr val="lt1"/>
+          </a:fontRef>
+        </p:style>
+        <p:txBody>
+          <a:bodyPr rtlCol="0" anchor="ctr"/>
+          <a:lstStyle/>
+          <a:p>
+            <a:pPr algn="ctr"/>
+            <a:endParaRPr kumimoji="1" lang="ja-JP" altLang="en-US"/>
+          </a:p>
+        </p:txBody>
+      </p:sp>
+      <p:sp>
+        <p:nvSpPr>
+          <p:cNvPr id="3" name="テキスト ボックス 2"/>
+          <p:cNvSpPr txBox="1"/>
+          <p:nvPr/>
+        </p:nvSpPr>
+        <p:spPr>
+          <a:xfrm>
+            <a:off x="2760783" y="4580766"/>
+            <a:ext cx="2356340" cy="369332"/>
+          </a:xfrm>
+          <a:prstGeom prst="rect">
+            <a:avLst/>
+          </a:prstGeom>
+          <a:noFill/>
+        </p:spPr>
+        <p:txBody>
+          <a:bodyPr wrap="square" rtlCol="0">
+            <a:spAutoFit/>
+          </a:bodyPr>
+          <a:lstStyle/>
+          <a:p>
+            <a:r>
+              <a:rPr kumimoji="1" lang="ja-JP" altLang="en-US" dirty="0" smtClean="0"/>
+              <a:t>決定したら画面外へ</a:t>
+            </a:r>
+            <a:endParaRPr kumimoji="1" lang="ja-JP" altLang="en-US" dirty="0"/>
+          </a:p>
+        </p:txBody>
+      </p:sp>
+      <p:sp>
+        <p:nvSpPr>
+          <p:cNvPr id="8" name="テキスト ボックス 7"/>
+          <p:cNvSpPr txBox="1"/>
+          <p:nvPr/>
+        </p:nvSpPr>
+        <p:spPr>
+          <a:xfrm>
+            <a:off x="7309336" y="6392096"/>
+            <a:ext cx="2356340" cy="369332"/>
+          </a:xfrm>
+          <a:prstGeom prst="rect">
+            <a:avLst/>
+          </a:prstGeom>
+          <a:noFill/>
+        </p:spPr>
+        <p:txBody>
+          <a:bodyPr wrap="square" rtlCol="0">
+            <a:spAutoFit/>
+          </a:bodyPr>
+          <a:lstStyle/>
+          <a:p>
+            <a:r>
+              <a:rPr kumimoji="1" lang="ja-JP" altLang="en-US" dirty="0" smtClean="0"/>
+              <a:t>決定したら画面外へ</a:t>
+            </a:r>
+            <a:endParaRPr kumimoji="1" lang="ja-JP" altLang="en-US" dirty="0"/>
+          </a:p>
+        </p:txBody>
+      </p:sp>
+      <p:sp>
+        <p:nvSpPr>
+          <p:cNvPr id="9" name="右矢印 8"/>
+          <p:cNvSpPr/>
+          <p:nvPr/>
+        </p:nvSpPr>
+        <p:spPr>
+          <a:xfrm rot="10800000">
+            <a:off x="5473213" y="5205049"/>
+            <a:ext cx="3938954" cy="1248508"/>
+          </a:xfrm>
+          <a:prstGeom prst="rightArrow">
+            <a:avLst>
+              <a:gd name="adj1" fmla="val 50000"/>
+              <a:gd name="adj2" fmla="val 116901"/>
+            </a:avLst>
+          </a:prstGeom>
+        </p:spPr>
+        <p:style>
+          <a:lnRef idx="2">
+            <a:schemeClr val="accent1">
+              <a:shade val="50000"/>
+            </a:schemeClr>
+          </a:lnRef>
+          <a:fillRef idx="1">
+            <a:schemeClr val="accent1"/>
+          </a:fillRef>
+          <a:effectRef idx="0">
+            <a:schemeClr val="accent1"/>
+          </a:effectRef>
+          <a:fontRef idx="minor">
+            <a:schemeClr val="lt1"/>
+          </a:fontRef>
+        </p:style>
+        <p:txBody>
+          <a:bodyPr rtlCol="0" anchor="ctr"/>
+          <a:lstStyle/>
+          <a:p>
+            <a:pPr algn="ctr"/>
+            <a:endParaRPr kumimoji="1" lang="ja-JP" altLang="en-US"/>
+          </a:p>
+        </p:txBody>
+      </p:sp>
+      <p:sp>
+        <p:nvSpPr>
+          <p:cNvPr id="10" name="正方形/長方形 9"/>
+          <p:cNvSpPr/>
+          <p:nvPr/>
+        </p:nvSpPr>
+        <p:spPr>
+          <a:xfrm>
+            <a:off x="3086100" y="1222131"/>
+            <a:ext cx="6057900" cy="1380392"/>
+          </a:xfrm>
+          <a:prstGeom prst="rect">
+            <a:avLst/>
+          </a:prstGeom>
+        </p:spPr>
+        <p:style>
+          <a:lnRef idx="2">
+            <a:schemeClr val="dk1"/>
+          </a:lnRef>
+          <a:fillRef idx="1">
+            <a:schemeClr val="lt1"/>
+          </a:fillRef>
+          <a:effectRef idx="0">
+            <a:schemeClr val="dk1"/>
+          </a:effectRef>
+          <a:fontRef idx="minor">
+            <a:schemeClr val="dk1"/>
+          </a:fontRef>
+        </p:style>
+        <p:txBody>
+          <a:bodyPr rtlCol="0" anchor="ctr"/>
+          <a:lstStyle/>
+          <a:p>
+            <a:pPr algn="ctr"/>
+            <a:r>
+              <a:rPr kumimoji="1" lang="ja-JP" altLang="en-US" sz="7200" b="1" dirty="0" smtClean="0">
+                <a:effectLst>
+                  <a:outerShdw blurRad="38100" dist="38100" dir="2700000" algn="tl">
+                    <a:srgbClr val="000000">
+                      <a:alpha val="43137"/>
+                    </a:srgbClr>
+                  </a:outerShdw>
+                </a:effectLst>
+              </a:rPr>
+              <a:t>タイトル</a:t>
+            </a:r>
+            <a:endParaRPr kumimoji="1" lang="ja-JP" altLang="en-US" sz="7200" b="1" dirty="0">
+              <a:effectLst>
+                <a:outerShdw blurRad="38100" dist="38100" dir="2700000" algn="tl">
+                  <a:srgbClr val="000000">
+                    <a:alpha val="43137"/>
+                  </a:srgbClr>
+                </a:outerShdw>
+              </a:effectLst>
+            </a:endParaRPr>
+          </a:p>
+        </p:txBody>
+      </p:sp>
+      <p:sp>
+        <p:nvSpPr>
+          <p:cNvPr id="11" name="正方形/長方形 10"/>
+          <p:cNvSpPr/>
+          <p:nvPr/>
+        </p:nvSpPr>
+        <p:spPr>
+          <a:xfrm>
+            <a:off x="271399" y="254949"/>
+            <a:ext cx="960519" cy="646331"/>
+          </a:xfrm>
+          <a:prstGeom prst="rect">
+            <a:avLst/>
+          </a:prstGeom>
+        </p:spPr>
+        <p:txBody>
+          <a:bodyPr wrap="none">
+            <a:spAutoFit/>
+          </a:bodyPr>
+          <a:lstStyle/>
+          <a:p>
+            <a:r>
+              <a:rPr lang="ja-JP" altLang="en-US" sz="3600" b="1" dirty="0" smtClean="0">
+                <a:latin typeface="BIZ UDP明朝 Medium" panose="02020500000000000000" pitchFamily="18" charset="-128"/>
+                <a:ea typeface="BIZ UDP明朝 Medium" panose="02020500000000000000" pitchFamily="18" charset="-128"/>
+              </a:rPr>
+              <a:t>案</a:t>
+            </a:r>
+            <a:r>
+              <a:rPr lang="en-US" altLang="ja-JP" sz="3600" b="1" dirty="0" smtClean="0">
+                <a:latin typeface="BIZ UDP明朝 Medium" panose="02020500000000000000" pitchFamily="18" charset="-128"/>
+                <a:ea typeface="BIZ UDP明朝 Medium" panose="02020500000000000000" pitchFamily="18" charset="-128"/>
+              </a:rPr>
+              <a:t>3</a:t>
+            </a:r>
+            <a:endParaRPr lang="ja-JP" altLang="en-US" sz="3600" dirty="0"/>
+          </a:p>
+        </p:txBody>
+      </p:sp>
+      <p:sp>
+        <p:nvSpPr>
+          <p:cNvPr id="12" name="テキスト ボックス 11"/>
+          <p:cNvSpPr txBox="1"/>
+          <p:nvPr/>
+        </p:nvSpPr>
+        <p:spPr>
+          <a:xfrm>
+            <a:off x="395473" y="2124565"/>
+            <a:ext cx="1811396" cy="369332"/>
+          </a:xfrm>
+          <a:prstGeom prst="rect">
+            <a:avLst/>
+          </a:prstGeom>
+          <a:noFill/>
+        </p:spPr>
+        <p:txBody>
+          <a:bodyPr wrap="square" rtlCol="0">
+            <a:spAutoFit/>
+          </a:bodyPr>
+          <a:lstStyle/>
+          <a:p>
+            <a:pPr algn="ctr"/>
+            <a:r>
+              <a:rPr kumimoji="1" lang="ja-JP" altLang="en-US" dirty="0" smtClean="0"/>
+              <a:t>背景は</a:t>
+            </a:r>
+            <a:r>
+              <a:rPr lang="en-US" altLang="ja-JP" b="1" dirty="0">
+                <a:solidFill>
+                  <a:srgbClr val="7030A0"/>
+                </a:solidFill>
+              </a:rPr>
+              <a:t>2D</a:t>
+            </a:r>
+            <a:endParaRPr lang="ja-JP" altLang="en-US" b="1" dirty="0">
+              <a:solidFill>
+                <a:srgbClr val="7030A0"/>
+              </a:solidFill>
+            </a:endParaRPr>
+          </a:p>
+        </p:txBody>
+      </p:sp>
+    </p:spTree>
+    <p:extLst>
+      <p:ext uri="{BB962C8B-B14F-4D97-AF65-F5344CB8AC3E}">
+        <p14:creationId xmlns:p14="http://schemas.microsoft.com/office/powerpoint/2010/main" val="4147327080"/>
+      </p:ext>
+    </p:extLst>
+  </p:cSld>
+  <p:clrMapOvr>
+    <a:masterClrMapping/>
+  </p:clrMapOvr>
+  <mc:AlternateContent xmlns:mc="http://schemas.openxmlformats.org/markup-compatibility/2006" xmlns:p14="http://schemas.microsoft.com/office/powerpoint/2010/main">
+    <mc:Choice Requires="p14">
+      <p:transition spd="slow" p14:dur="2000"/>
+    </mc:Choice>
+    <mc:Fallback xmlns="">
+      <p:transition spd="slow"/>
+    </mc:Fallback>
+  </mc:AlternateContent>
+  <p:timing>
+    <p:tnLst>
+      <p:par>
+        <p:cTn id="1" dur="indefinite" restart="never" nodeType="tmRoot">
+          <p:childTnLst>
+            <p:seq concurrent="1" nextAc="seek">
+              <p:cTn id="2" dur="indefinite" nodeType="mainSeq">
+                <p:childTnLst>
+                  <p:par>
+                    <p:cTn id="3" fill="hold">
+                      <p:stCondLst>
+                        <p:cond delay="indefinite"/>
+                      </p:stCondLst>
+                      <p:childTnLst>
+                        <p:par>
+                          <p:cTn id="4" fill="hold">
+                            <p:stCondLst>
+                              <p:cond delay="0"/>
+                            </p:stCondLst>
+                            <p:childTnLst>
+                              <p:par>
+                                <p:cTn id="5" presetID="2" presetClass="exit" presetSubtype="2" fill="hold" grpId="0" nodeType="clickEffect">
+                                  <p:stCondLst>
+                                    <p:cond delay="0"/>
+                                  </p:stCondLst>
+                                  <p:childTnLst>
+                                    <p:anim calcmode="lin" valueType="num">
+                                      <p:cBhvr additive="base">
+                                        <p:cTn id="6" dur="500"/>
+                                        <p:tgtEl>
+                                          <p:spTgt spid="5"/>
+                                        </p:tgtEl>
+                                        <p:attrNameLst>
+                                          <p:attrName>ppt_x</p:attrName>
+                                        </p:attrNameLst>
+                                      </p:cBhvr>
+                                      <p:tavLst>
+                                        <p:tav tm="0">
+                                          <p:val>
+                                            <p:strVal val="ppt_x"/>
+                                          </p:val>
+                                        </p:tav>
+                                        <p:tav tm="100000">
+                                          <p:val>
+                                            <p:strVal val="1+ppt_w/2"/>
+                                          </p:val>
+                                        </p:tav>
+                                      </p:tavLst>
+                                    </p:anim>
+                                    <p:anim calcmode="lin" valueType="num">
+                                      <p:cBhvr additive="base">
+                                        <p:cTn id="7" dur="500"/>
+                                        <p:tgtEl>
+                                          <p:spTgt spid="5"/>
+                                        </p:tgtEl>
+                                        <p:attrNameLst>
+                                          <p:attrName>ppt_y</p:attrName>
+                                        </p:attrNameLst>
+                                      </p:cBhvr>
+                                      <p:tavLst>
+                                        <p:tav tm="0">
+                                          <p:val>
+                                            <p:strVal val="ppt_y"/>
+                                          </p:val>
+                                        </p:tav>
+                                        <p:tav tm="100000">
+                                          <p:val>
+                                            <p:strVal val="ppt_y"/>
+                                          </p:val>
+                                        </p:tav>
+                                      </p:tavLst>
+                                    </p:anim>
+                                    <p:set>
+                                      <p:cBhvr>
+                                        <p:cTn id="8" dur="1" fill="hold">
+                                          <p:stCondLst>
+                                            <p:cond delay="499"/>
+                                          </p:stCondLst>
+                                        </p:cTn>
+                                        <p:tgtEl>
+                                          <p:spTgt spid="5"/>
+                                        </p:tgtEl>
+                                        <p:attrNameLst>
+                                          <p:attrName>style.visibility</p:attrName>
+                                        </p:attrNameLst>
+                                      </p:cBhvr>
+                                      <p:to>
+                                        <p:strVal val="hidden"/>
+                                      </p:to>
+                                    </p:set>
+                                  </p:childTnLst>
+                                </p:cTn>
+                              </p:par>
+                              <p:par>
+                                <p:cTn id="9" presetID="2" presetClass="exit" presetSubtype="8" fill="hold" grpId="0" nodeType="withEffect">
+                                  <p:stCondLst>
+                                    <p:cond delay="0"/>
+                                  </p:stCondLst>
+                                  <p:childTnLst>
+                                    <p:anim calcmode="lin" valueType="num">
+                                      <p:cBhvr additive="base">
+                                        <p:cTn id="10" dur="500"/>
+                                        <p:tgtEl>
+                                          <p:spTgt spid="7"/>
+                                        </p:tgtEl>
+                                        <p:attrNameLst>
+                                          <p:attrName>ppt_x</p:attrName>
+                                        </p:attrNameLst>
+                                      </p:cBhvr>
+                                      <p:tavLst>
+                                        <p:tav tm="0">
+                                          <p:val>
+                                            <p:strVal val="ppt_x"/>
+                                          </p:val>
+                                        </p:tav>
+                                        <p:tav tm="100000">
+                                          <p:val>
+                                            <p:strVal val="0-ppt_w/2"/>
+                                          </p:val>
+                                        </p:tav>
+                                      </p:tavLst>
+                                    </p:anim>
+                                    <p:anim calcmode="lin" valueType="num">
+                                      <p:cBhvr additive="base">
+                                        <p:cTn id="11" dur="500"/>
+                                        <p:tgtEl>
+                                          <p:spTgt spid="7"/>
+                                        </p:tgtEl>
+                                        <p:attrNameLst>
+                                          <p:attrName>ppt_y</p:attrName>
+                                        </p:attrNameLst>
+                                      </p:cBhvr>
+                                      <p:tavLst>
+                                        <p:tav tm="0">
+                                          <p:val>
+                                            <p:strVal val="ppt_y"/>
+                                          </p:val>
+                                        </p:tav>
+                                        <p:tav tm="100000">
+                                          <p:val>
+                                            <p:strVal val="ppt_y"/>
+                                          </p:val>
+                                        </p:tav>
+                                      </p:tavLst>
+                                    </p:anim>
+                                    <p:set>
+                                      <p:cBhvr>
+                                        <p:cTn id="12" dur="1" fill="hold">
+                                          <p:stCondLst>
+                                            <p:cond delay="499"/>
+                                          </p:stCondLst>
+                                        </p:cTn>
+                                        <p:tgtEl>
+                                          <p:spTgt spid="7"/>
+                                        </p:tgtEl>
+                                        <p:attrNameLst>
+                                          <p:attrName>style.visibility</p:attrName>
+                                        </p:attrNameLst>
+                                      </p:cBhvr>
+                                      <p:to>
+                                        <p:strVal val="hidden"/>
+                                      </p:to>
+                                    </p:set>
+                                  </p:childTnLst>
+                                </p:cTn>
+                              </p:par>
+                            </p:childTnLst>
+                          </p:cTn>
+                        </p:par>
+                      </p:childTnLst>
+                    </p:cTn>
+                  </p:par>
+                </p:childTnLst>
+              </p:cTn>
+              <p:prevCondLst>
+                <p:cond evt="onPrev" delay="0">
+                  <p:tgtEl>
+                    <p:sldTgt/>
+                  </p:tgtEl>
+                </p:cond>
+              </p:prevCondLst>
+              <p:nextCondLst>
+                <p:cond evt="onNext" delay="0">
+                  <p:tgtEl>
+                    <p:sldTgt/>
+                  </p:tgtEl>
+                </p:cond>
+              </p:nextCondLst>
+            </p:seq>
+          </p:childTnLst>
+        </p:cTn>
+      </p:par>
+    </p:tnLst>
+    <p:bldLst>
+      <p:bldP spid="5" grpId="0" animBg="1"/>
+      <p:bldP spid="7" grpId="0" animBg="1"/>
+    </p:bldLst>
   </p:timing>
 </p:sld>
 </file>
@@ -8702,7 +15431,7 @@
 </file>
 
 <file path=ppt/slides/slide4.xml><?xml version="1.0" encoding="utf-8"?>
-<p:sld xmlns:a="http://schemas.openxmlformats.org/drawingml/2006/main" xmlns:r="http://schemas.openxmlformats.org/officeDocument/2006/relationships" xmlns:p="http://schemas.openxmlformats.org/presentationml/2006/main">
+<p:sld xmlns:a="http://schemas.openxmlformats.org/drawingml/2006/main" xmlns:r="http://schemas.openxmlformats.org/officeDocument/2006/relationships" xmlns:p="http://schemas.openxmlformats.org/presentationml/2006/main" show="0">
   <p:cSld>
     <p:spTree>
       <p:nvGrpSpPr>
@@ -8825,6 +15554,14 @@
   <p:clrMapOvr>
     <a:masterClrMapping/>
   </p:clrMapOvr>
+  <mc:AlternateContent xmlns:mc="http://schemas.openxmlformats.org/markup-compatibility/2006" xmlns:p14="http://schemas.microsoft.com/office/powerpoint/2010/main">
+    <mc:Choice Requires="p14">
+      <p:transition spd="slow" p14:dur="2000"/>
+    </mc:Choice>
+    <mc:Fallback xmlns="">
+      <p:transition spd="slow"/>
+    </mc:Fallback>
+  </mc:AlternateContent>
   <p:timing>
     <p:tnLst>
       <p:par>
@@ -8836,7 +15573,7 @@
 </file>
 
 <file path=ppt/slides/slide5.xml><?xml version="1.0" encoding="utf-8"?>
-<p:sld xmlns:a="http://schemas.openxmlformats.org/drawingml/2006/main" xmlns:r="http://schemas.openxmlformats.org/officeDocument/2006/relationships" xmlns:p="http://schemas.openxmlformats.org/presentationml/2006/main">
+<p:sld xmlns:a="http://schemas.openxmlformats.org/drawingml/2006/main" xmlns:r="http://schemas.openxmlformats.org/officeDocument/2006/relationships" xmlns:p="http://schemas.openxmlformats.org/presentationml/2006/main" show="0">
   <p:cSld>
     <p:spTree>
       <p:nvGrpSpPr>
@@ -8899,6 +15636,14 @@
   <p:clrMapOvr>
     <a:masterClrMapping/>
   </p:clrMapOvr>
+  <mc:AlternateContent xmlns:mc="http://schemas.openxmlformats.org/markup-compatibility/2006" xmlns:p14="http://schemas.microsoft.com/office/powerpoint/2010/main">
+    <mc:Choice Requires="p14">
+      <p:transition spd="slow" p14:dur="2000"/>
+    </mc:Choice>
+    <mc:Fallback xmlns="">
+      <p:transition spd="slow"/>
+    </mc:Fallback>
+  </mc:AlternateContent>
   <p:timing>
     <p:tnLst>
       <p:par>
@@ -8910,7 +15655,7 @@
 </file>
 
 <file path=ppt/slides/slide6.xml><?xml version="1.0" encoding="utf-8"?>
-<p:sld xmlns:a="http://schemas.openxmlformats.org/drawingml/2006/main" xmlns:r="http://schemas.openxmlformats.org/officeDocument/2006/relationships" xmlns:p="http://schemas.openxmlformats.org/presentationml/2006/main">
+<p:sld xmlns:a="http://schemas.openxmlformats.org/drawingml/2006/main" xmlns:r="http://schemas.openxmlformats.org/officeDocument/2006/relationships" xmlns:p="http://schemas.openxmlformats.org/presentationml/2006/main" show="0">
   <p:cSld>
     <p:spTree>
       <p:nvGrpSpPr>
@@ -9189,6 +15934,14 @@
   <p:clrMapOvr>
     <a:masterClrMapping/>
   </p:clrMapOvr>
+  <mc:AlternateContent xmlns:mc="http://schemas.openxmlformats.org/markup-compatibility/2006" xmlns:p14="http://schemas.microsoft.com/office/powerpoint/2010/main">
+    <mc:Choice Requires="p14">
+      <p:transition spd="slow" p14:dur="2000"/>
+    </mc:Choice>
+    <mc:Fallback xmlns="">
+      <p:transition spd="slow"/>
+    </mc:Fallback>
+  </mc:AlternateContent>
   <p:timing>
     <p:tnLst>
       <p:par>
@@ -9266,7 +16019,7 @@
 </file>
 
 <file path=ppt/slides/slide7.xml><?xml version="1.0" encoding="utf-8"?>
-<p:sld xmlns:a="http://schemas.openxmlformats.org/drawingml/2006/main" xmlns:r="http://schemas.openxmlformats.org/officeDocument/2006/relationships" xmlns:p="http://schemas.openxmlformats.org/presentationml/2006/main">
+<p:sld xmlns:a="http://schemas.openxmlformats.org/drawingml/2006/main" xmlns:r="http://schemas.openxmlformats.org/officeDocument/2006/relationships" xmlns:p="http://schemas.openxmlformats.org/presentationml/2006/main" show="0">
   <p:cSld>
     <p:spTree>
       <p:nvGrpSpPr>
@@ -9329,6 +16082,14 @@
   <p:clrMapOvr>
     <a:masterClrMapping/>
   </p:clrMapOvr>
+  <mc:AlternateContent xmlns:mc="http://schemas.openxmlformats.org/markup-compatibility/2006" xmlns:p14="http://schemas.microsoft.com/office/powerpoint/2010/main">
+    <mc:Choice Requires="p14">
+      <p:transition spd="slow" p14:dur="2000"/>
+    </mc:Choice>
+    <mc:Fallback xmlns="">
+      <p:transition spd="slow"/>
+    </mc:Fallback>
+  </mc:AlternateContent>
   <p:timing>
     <p:tnLst>
       <p:par>
@@ -9340,7 +16101,7 @@
 </file>
 
 <file path=ppt/slides/slide8.xml><?xml version="1.0" encoding="utf-8"?>
-<p:sld xmlns:a="http://schemas.openxmlformats.org/drawingml/2006/main" xmlns:r="http://schemas.openxmlformats.org/officeDocument/2006/relationships" xmlns:p="http://schemas.openxmlformats.org/presentationml/2006/main">
+<p:sld xmlns:a="http://schemas.openxmlformats.org/drawingml/2006/main" xmlns:r="http://schemas.openxmlformats.org/officeDocument/2006/relationships" xmlns:p="http://schemas.openxmlformats.org/presentationml/2006/main" show="0">
   <p:cSld>
     <p:spTree>
       <p:nvGrpSpPr>
@@ -9668,6 +16429,14 @@
   <p:clrMapOvr>
     <a:masterClrMapping/>
   </p:clrMapOvr>
+  <mc:AlternateContent xmlns:mc="http://schemas.openxmlformats.org/markup-compatibility/2006" xmlns:p14="http://schemas.microsoft.com/office/powerpoint/2010/main">
+    <mc:Choice Requires="p14">
+      <p:transition spd="slow" p14:dur="2000"/>
+    </mc:Choice>
+    <mc:Fallback xmlns="">
+      <p:transition spd="slow"/>
+    </mc:Fallback>
+  </mc:AlternateContent>
   <p:timing>
     <p:tnLst>
       <p:par>
@@ -9759,7 +16528,7 @@
 </file>
 
 <file path=ppt/slides/slide9.xml><?xml version="1.0" encoding="utf-8"?>
-<p:sld xmlns:a="http://schemas.openxmlformats.org/drawingml/2006/main" xmlns:r="http://schemas.openxmlformats.org/officeDocument/2006/relationships" xmlns:p="http://schemas.openxmlformats.org/presentationml/2006/main">
+<p:sld xmlns:a="http://schemas.openxmlformats.org/drawingml/2006/main" xmlns:r="http://schemas.openxmlformats.org/officeDocument/2006/relationships" xmlns:p="http://schemas.openxmlformats.org/presentationml/2006/main" show="0">
   <p:cSld>
     <p:spTree>
       <p:nvGrpSpPr>
@@ -9822,6 +16591,14 @@
   <p:clrMapOvr>
     <a:masterClrMapping/>
   </p:clrMapOvr>
+  <mc:AlternateContent xmlns:mc="http://schemas.openxmlformats.org/markup-compatibility/2006" xmlns:p14="http://schemas.microsoft.com/office/powerpoint/2010/main">
+    <mc:Choice Requires="p14">
+      <p:transition spd="slow" p14:dur="2000"/>
+    </mc:Choice>
+    <mc:Fallback xmlns="">
+      <p:transition spd="slow"/>
+    </mc:Fallback>
+  </mc:AlternateContent>
   <p:timing>
     <p:tnLst>
       <p:par>

--- a/卒業制作_大元タイトル構成.pptx
+++ b/卒業制作_大元タイトル構成.pptx
@@ -8829,7 +8829,7 @@
 </file>
 
 <file path=ppt/slides/slide2.xml><?xml version="1.0" encoding="utf-8"?>
-<p:sld xmlns:a="http://schemas.openxmlformats.org/drawingml/2006/main" xmlns:r="http://schemas.openxmlformats.org/officeDocument/2006/relationships" xmlns:p="http://schemas.openxmlformats.org/presentationml/2006/main">
+<p:sld xmlns:a="http://schemas.openxmlformats.org/drawingml/2006/main" xmlns:r="http://schemas.openxmlformats.org/officeDocument/2006/relationships" xmlns:p="http://schemas.openxmlformats.org/presentationml/2006/main" show="0">
   <p:cSld>
     <p:spTree>
       <p:nvGrpSpPr>
@@ -8952,6 +8952,14 @@
   <p:clrMapOvr>
     <a:masterClrMapping/>
   </p:clrMapOvr>
+  <mc:AlternateContent xmlns:mc="http://schemas.openxmlformats.org/markup-compatibility/2006">
+    <mc:Choice xmlns:p14="http://schemas.microsoft.com/office/powerpoint/2010/main" Requires="p14">
+      <p:transition spd="slow" p14:dur="2000"/>
+    </mc:Choice>
+    <mc:Fallback>
+      <p:transition spd="slow"/>
+    </mc:Fallback>
+  </mc:AlternateContent>
   <p:timing>
     <p:tnLst>
       <p:par>

--- a/卒業制作_大元タイトル構成.pptx
+++ b/卒業制作_大元タイトル構成.pptx
@@ -27,10 +27,12 @@
     <p:sldId id="281" r:id="rId21"/>
     <p:sldId id="285" r:id="rId22"/>
     <p:sldId id="282" r:id="rId23"/>
-    <p:sldId id="287" r:id="rId24"/>
-    <p:sldId id="289" r:id="rId25"/>
-    <p:sldId id="290" r:id="rId26"/>
-    <p:sldId id="291" r:id="rId27"/>
+    <p:sldId id="292" r:id="rId24"/>
+    <p:sldId id="293" r:id="rId25"/>
+    <p:sldId id="287" r:id="rId26"/>
+    <p:sldId id="289" r:id="rId27"/>
+    <p:sldId id="290" r:id="rId28"/>
+    <p:sldId id="291" r:id="rId29"/>
   </p:sldIdLst>
   <p:sldSz cx="12192000" cy="6858000"/>
   <p:notesSz cx="6858000" cy="9144000"/>
@@ -8952,11 +8954,11 @@
   <p:clrMapOvr>
     <a:masterClrMapping/>
   </p:clrMapOvr>
-  <mc:AlternateContent xmlns:mc="http://schemas.openxmlformats.org/markup-compatibility/2006">
-    <mc:Choice xmlns:p14="http://schemas.microsoft.com/office/powerpoint/2010/main" Requires="p14">
+  <mc:AlternateContent xmlns:mc="http://schemas.openxmlformats.org/markup-compatibility/2006" xmlns:p14="http://schemas.microsoft.com/office/powerpoint/2010/main">
+    <mc:Choice Requires="p14">
       <p:transition spd="slow" p14:dur="2000"/>
     </mc:Choice>
-    <mc:Fallback>
+    <mc:Fallback xmlns="">
       <p:transition spd="slow"/>
     </mc:Fallback>
   </mc:AlternateContent>
@@ -11246,38 +11248,6 @@
           </p:txBody>
         </p:sp>
       </p:grpSp>
-      <p:sp>
-        <p:nvSpPr>
-          <p:cNvPr id="34" name="正方形/長方形 33"/>
-          <p:cNvSpPr/>
-          <p:nvPr/>
-        </p:nvSpPr>
-        <p:spPr>
-          <a:xfrm>
-            <a:off x="1034800" y="292396"/>
-            <a:ext cx="1366080" cy="461665"/>
-          </a:xfrm>
-          <a:prstGeom prst="rect">
-            <a:avLst/>
-          </a:prstGeom>
-        </p:spPr>
-        <p:txBody>
-          <a:bodyPr wrap="none">
-            <a:spAutoFit/>
-          </a:bodyPr>
-          <a:lstStyle/>
-          <a:p>
-            <a:r>
-              <a:rPr lang="ja-JP" altLang="en-US" sz="2400" b="1" dirty="0" smtClean="0">
-                <a:latin typeface="BIZ UDP明朝 Medium" panose="02020500000000000000" pitchFamily="18" charset="-128"/>
-                <a:ea typeface="BIZ UDP明朝 Medium" panose="02020500000000000000" pitchFamily="18" charset="-128"/>
-              </a:rPr>
-              <a:t>正面から</a:t>
-            </a:r>
-            <a:endParaRPr lang="ja-JP" altLang="en-US" sz="2400" dirty="0"/>
-          </a:p>
-        </p:txBody>
-      </p:sp>
     </p:spTree>
     <p:extLst>
       <p:ext uri="{BB962C8B-B14F-4D97-AF65-F5344CB8AC3E}">
@@ -11650,6 +11620,1876 @@
       </p:grpSpPr>
       <p:sp>
         <p:nvSpPr>
+          <p:cNvPr id="2" name="タイトル 1"/>
+          <p:cNvSpPr>
+            <a:spLocks noGrp="1"/>
+          </p:cNvSpPr>
+          <p:nvPr>
+            <p:ph type="title"/>
+          </p:nvPr>
+        </p:nvSpPr>
+        <p:spPr>
+          <a:xfrm>
+            <a:off x="908538" y="2519241"/>
+            <a:ext cx="10515600" cy="1325563"/>
+          </a:xfrm>
+        </p:spPr>
+        <p:txBody>
+          <a:bodyPr>
+            <a:normAutofit/>
+          </a:bodyPr>
+          <a:lstStyle/>
+          <a:p>
+            <a:pPr algn="ctr"/>
+            <a:r>
+              <a:rPr kumimoji="1" lang="ja-JP" altLang="en-US" sz="7200" b="1" dirty="0" smtClean="0">
+                <a:latin typeface="BIZ UDP明朝 Medium" panose="02020500000000000000" pitchFamily="18" charset="-128"/>
+                <a:ea typeface="BIZ UDP明朝 Medium" panose="02020500000000000000" pitchFamily="18" charset="-128"/>
+              </a:rPr>
+              <a:t>タイトル画面の</a:t>
+            </a:r>
+            <a:r>
+              <a:rPr kumimoji="1" lang="ja-JP" altLang="en-US" sz="7200" b="1" dirty="0" smtClean="0">
+                <a:latin typeface="BIZ UDP明朝 Medium" panose="02020500000000000000" pitchFamily="18" charset="-128"/>
+                <a:ea typeface="BIZ UDP明朝 Medium" panose="02020500000000000000" pitchFamily="18" charset="-128"/>
+              </a:rPr>
+              <a:t>案３</a:t>
+            </a:r>
+            <a:endParaRPr kumimoji="1" lang="ja-JP" altLang="en-US" sz="7200" b="1" dirty="0">
+              <a:latin typeface="BIZ UDP明朝 Medium" panose="02020500000000000000" pitchFamily="18" charset="-128"/>
+              <a:ea typeface="BIZ UDP明朝 Medium" panose="02020500000000000000" pitchFamily="18" charset="-128"/>
+            </a:endParaRPr>
+          </a:p>
+        </p:txBody>
+      </p:sp>
+      <p:sp>
+        <p:nvSpPr>
+          <p:cNvPr id="3" name="タイトル 1"/>
+          <p:cNvSpPr txBox="1">
+            <a:spLocks/>
+          </p:cNvSpPr>
+          <p:nvPr/>
+        </p:nvSpPr>
+        <p:spPr>
+          <a:xfrm>
+            <a:off x="846992" y="3480533"/>
+            <a:ext cx="10515600" cy="1325563"/>
+          </a:xfrm>
+          <a:prstGeom prst="rect">
+            <a:avLst/>
+          </a:prstGeom>
+        </p:spPr>
+        <p:txBody>
+          <a:bodyPr vert="horz" lIns="91440" tIns="45720" rIns="91440" bIns="45720" rtlCol="0" anchor="ctr">
+            <a:normAutofit/>
+          </a:bodyPr>
+          <a:lstStyle>
+            <a:lvl1pPr algn="l" defTabSz="914400" rtl="0" eaLnBrk="1" latinLnBrk="0" hangingPunct="1">
+              <a:lnSpc>
+                <a:spcPct val="90000"/>
+              </a:lnSpc>
+              <a:spcBef>
+                <a:spcPct val="0"/>
+              </a:spcBef>
+              <a:buNone/>
+              <a:defRPr kumimoji="1" sz="4400" kern="1200">
+                <a:solidFill>
+                  <a:schemeClr val="tx1"/>
+                </a:solidFill>
+                <a:latin typeface="+mj-lt"/>
+                <a:ea typeface="+mj-ea"/>
+                <a:cs typeface="+mj-cs"/>
+              </a:defRPr>
+            </a:lvl1pPr>
+          </a:lstStyle>
+          <a:p>
+            <a:pPr algn="ctr"/>
+            <a:r>
+              <a:rPr lang="ja-JP" altLang="en-US" sz="2800" dirty="0" smtClean="0">
+                <a:solidFill>
+                  <a:schemeClr val="tx1">
+                    <a:lumMod val="50000"/>
+                    <a:lumOff val="50000"/>
+                  </a:schemeClr>
+                </a:solidFill>
+                <a:latin typeface="BIZ UDP明朝 Medium" panose="02020500000000000000" pitchFamily="18" charset="-128"/>
+                <a:ea typeface="BIZ UDP明朝 Medium" panose="02020500000000000000" pitchFamily="18" charset="-128"/>
+              </a:rPr>
+              <a:t>タイトル画面の案２の派生</a:t>
+            </a:r>
+            <a:endParaRPr lang="ja-JP" altLang="en-US" sz="2800" dirty="0">
+              <a:solidFill>
+                <a:schemeClr val="tx1">
+                  <a:lumMod val="50000"/>
+                  <a:lumOff val="50000"/>
+                </a:schemeClr>
+              </a:solidFill>
+              <a:latin typeface="BIZ UDP明朝 Medium" panose="02020500000000000000" pitchFamily="18" charset="-128"/>
+              <a:ea typeface="BIZ UDP明朝 Medium" panose="02020500000000000000" pitchFamily="18" charset="-128"/>
+            </a:endParaRPr>
+          </a:p>
+        </p:txBody>
+      </p:sp>
+    </p:spTree>
+    <p:extLst>
+      <p:ext uri="{BB962C8B-B14F-4D97-AF65-F5344CB8AC3E}">
+        <p14:creationId xmlns:p14="http://schemas.microsoft.com/office/powerpoint/2010/main" val="747560051"/>
+      </p:ext>
+    </p:extLst>
+  </p:cSld>
+  <p:clrMapOvr>
+    <a:masterClrMapping/>
+  </p:clrMapOvr>
+  <mc:AlternateContent xmlns:mc="http://schemas.openxmlformats.org/markup-compatibility/2006" xmlns:p14="http://schemas.microsoft.com/office/powerpoint/2010/main">
+    <mc:Choice Requires="p14">
+      <p:transition spd="slow" p14:dur="2000"/>
+    </mc:Choice>
+    <mc:Fallback xmlns="">
+      <p:transition spd="slow"/>
+    </mc:Fallback>
+  </mc:AlternateContent>
+  <p:timing>
+    <p:tnLst>
+      <p:par>
+        <p:cTn id="1" dur="indefinite" restart="never" nodeType="tmRoot"/>
+      </p:par>
+    </p:tnLst>
+  </p:timing>
+</p:sld>
+</file>
+
+<file path=ppt/slides/slide24.xml><?xml version="1.0" encoding="utf-8"?>
+<p:sld xmlns:a="http://schemas.openxmlformats.org/drawingml/2006/main" xmlns:r="http://schemas.openxmlformats.org/officeDocument/2006/relationships" xmlns:p="http://schemas.openxmlformats.org/presentationml/2006/main">
+  <p:cSld>
+    <p:spTree>
+      <p:nvGrpSpPr>
+        <p:cNvPr id="1" name=""/>
+        <p:cNvGrpSpPr/>
+        <p:nvPr/>
+      </p:nvGrpSpPr>
+      <p:grpSpPr>
+        <a:xfrm>
+          <a:off x="0" y="0"/>
+          <a:ext cx="0" cy="0"/>
+          <a:chOff x="0" y="0"/>
+          <a:chExt cx="0" cy="0"/>
+        </a:xfrm>
+      </p:grpSpPr>
+      <p:sp>
+        <p:nvSpPr>
+          <p:cNvPr id="33" name="楕円 32"/>
+          <p:cNvSpPr/>
+          <p:nvPr/>
+        </p:nvSpPr>
+        <p:spPr>
+          <a:xfrm>
+            <a:off x="-26378" y="1380206"/>
+            <a:ext cx="12441115" cy="5384011"/>
+          </a:xfrm>
+          <a:prstGeom prst="ellipse">
+            <a:avLst/>
+          </a:prstGeom>
+        </p:spPr>
+        <p:style>
+          <a:lnRef idx="1">
+            <a:schemeClr val="accent6"/>
+          </a:lnRef>
+          <a:fillRef idx="2">
+            <a:schemeClr val="accent6"/>
+          </a:fillRef>
+          <a:effectRef idx="1">
+            <a:schemeClr val="accent6"/>
+          </a:effectRef>
+          <a:fontRef idx="minor">
+            <a:schemeClr val="dk1"/>
+          </a:fontRef>
+        </p:style>
+        <p:txBody>
+          <a:bodyPr rtlCol="0" anchor="ctr"/>
+          <a:lstStyle/>
+          <a:p>
+            <a:pPr algn="ctr"/>
+            <a:endParaRPr kumimoji="1" lang="ja-JP" altLang="en-US"/>
+          </a:p>
+        </p:txBody>
+      </p:sp>
+      <p:sp>
+        <p:nvSpPr>
+          <p:cNvPr id="5" name="正方形/長方形 4"/>
+          <p:cNvSpPr/>
+          <p:nvPr/>
+        </p:nvSpPr>
+        <p:spPr>
+          <a:xfrm>
+            <a:off x="2514599" y="527539"/>
+            <a:ext cx="7587762" cy="2154115"/>
+          </a:xfrm>
+          <a:prstGeom prst="rect">
+            <a:avLst/>
+          </a:prstGeom>
+        </p:spPr>
+        <p:style>
+          <a:lnRef idx="2">
+            <a:schemeClr val="accent1">
+              <a:shade val="50000"/>
+            </a:schemeClr>
+          </a:lnRef>
+          <a:fillRef idx="1">
+            <a:schemeClr val="accent1"/>
+          </a:fillRef>
+          <a:effectRef idx="0">
+            <a:schemeClr val="accent1"/>
+          </a:effectRef>
+          <a:fontRef idx="minor">
+            <a:schemeClr val="lt1"/>
+          </a:fontRef>
+        </p:style>
+        <p:txBody>
+          <a:bodyPr rtlCol="0" anchor="ctr"/>
+          <a:lstStyle/>
+          <a:p>
+            <a:pPr algn="ctr"/>
+            <a:endParaRPr kumimoji="1" lang="ja-JP" altLang="en-US"/>
+          </a:p>
+        </p:txBody>
+      </p:sp>
+      <p:sp>
+        <p:nvSpPr>
+          <p:cNvPr id="7" name="右矢印 6"/>
+          <p:cNvSpPr/>
+          <p:nvPr/>
+        </p:nvSpPr>
+        <p:spPr>
+          <a:xfrm rot="5400000">
+            <a:off x="977768" y="5295142"/>
+            <a:ext cx="1582615" cy="851167"/>
+          </a:xfrm>
+          <a:prstGeom prst="rightArrow">
+            <a:avLst>
+              <a:gd name="adj1" fmla="val 50000"/>
+              <a:gd name="adj2" fmla="val 58366"/>
+            </a:avLst>
+          </a:prstGeom>
+        </p:spPr>
+        <p:style>
+          <a:lnRef idx="2">
+            <a:schemeClr val="accent1">
+              <a:shade val="50000"/>
+            </a:schemeClr>
+          </a:lnRef>
+          <a:fillRef idx="1">
+            <a:schemeClr val="accent1"/>
+          </a:fillRef>
+          <a:effectRef idx="0">
+            <a:schemeClr val="accent1"/>
+          </a:effectRef>
+          <a:fontRef idx="minor">
+            <a:schemeClr val="lt1"/>
+          </a:fontRef>
+        </p:style>
+        <p:txBody>
+          <a:bodyPr rtlCol="0" anchor="ctr"/>
+          <a:lstStyle/>
+          <a:p>
+            <a:pPr algn="ctr"/>
+            <a:endParaRPr kumimoji="1" lang="ja-JP" altLang="en-US"/>
+          </a:p>
+        </p:txBody>
+      </p:sp>
+      <p:sp>
+        <p:nvSpPr>
+          <p:cNvPr id="8" name="テキスト ボックス 7"/>
+          <p:cNvSpPr txBox="1"/>
+          <p:nvPr/>
+        </p:nvSpPr>
+        <p:spPr>
+          <a:xfrm>
+            <a:off x="808890" y="6394886"/>
+            <a:ext cx="2356340" cy="369332"/>
+          </a:xfrm>
+          <a:prstGeom prst="rect">
+            <a:avLst/>
+          </a:prstGeom>
+          <a:noFill/>
+        </p:spPr>
+        <p:txBody>
+          <a:bodyPr wrap="square" rtlCol="0">
+            <a:spAutoFit/>
+          </a:bodyPr>
+          <a:lstStyle/>
+          <a:p>
+            <a:r>
+              <a:rPr kumimoji="1" lang="ja-JP" altLang="en-US" dirty="0" smtClean="0"/>
+              <a:t>決定したら手前へ</a:t>
+            </a:r>
+            <a:endParaRPr kumimoji="1" lang="ja-JP" altLang="en-US" dirty="0"/>
+          </a:p>
+        </p:txBody>
+      </p:sp>
+      <p:sp>
+        <p:nvSpPr>
+          <p:cNvPr id="11" name="正方形/長方形 10"/>
+          <p:cNvSpPr/>
+          <p:nvPr/>
+        </p:nvSpPr>
+        <p:spPr>
+          <a:xfrm>
+            <a:off x="3165230" y="940777"/>
+            <a:ext cx="6057900" cy="1380392"/>
+          </a:xfrm>
+          <a:prstGeom prst="rect">
+            <a:avLst/>
+          </a:prstGeom>
+        </p:spPr>
+        <p:style>
+          <a:lnRef idx="2">
+            <a:schemeClr val="dk1"/>
+          </a:lnRef>
+          <a:fillRef idx="1">
+            <a:schemeClr val="lt1"/>
+          </a:fillRef>
+          <a:effectRef idx="0">
+            <a:schemeClr val="dk1"/>
+          </a:effectRef>
+          <a:fontRef idx="minor">
+            <a:schemeClr val="dk1"/>
+          </a:fontRef>
+        </p:style>
+        <p:txBody>
+          <a:bodyPr rtlCol="0" anchor="ctr"/>
+          <a:lstStyle/>
+          <a:p>
+            <a:pPr algn="ctr"/>
+            <a:r>
+              <a:rPr kumimoji="1" lang="ja-JP" altLang="en-US" sz="7200" b="1" dirty="0" smtClean="0">
+                <a:effectLst>
+                  <a:outerShdw blurRad="38100" dist="38100" dir="2700000" algn="tl">
+                    <a:srgbClr val="000000">
+                      <a:alpha val="43137"/>
+                    </a:srgbClr>
+                  </a:outerShdw>
+                </a:effectLst>
+              </a:rPr>
+              <a:t>タイトル</a:t>
+            </a:r>
+            <a:endParaRPr kumimoji="1" lang="ja-JP" altLang="en-US" sz="7200" b="1" dirty="0">
+              <a:effectLst>
+                <a:outerShdw blurRad="38100" dist="38100" dir="2700000" algn="tl">
+                  <a:srgbClr val="000000">
+                    <a:alpha val="43137"/>
+                  </a:srgbClr>
+                </a:outerShdw>
+              </a:effectLst>
+            </a:endParaRPr>
+          </a:p>
+        </p:txBody>
+      </p:sp>
+      <p:sp>
+        <p:nvSpPr>
+          <p:cNvPr id="13" name="右矢印 12"/>
+          <p:cNvSpPr/>
+          <p:nvPr/>
+        </p:nvSpPr>
+        <p:spPr>
+          <a:xfrm rot="5400000">
+            <a:off x="3502849" y="5356687"/>
+            <a:ext cx="1582615" cy="851167"/>
+          </a:xfrm>
+          <a:prstGeom prst="rightArrow">
+            <a:avLst>
+              <a:gd name="adj1" fmla="val 50000"/>
+              <a:gd name="adj2" fmla="val 58366"/>
+            </a:avLst>
+          </a:prstGeom>
+        </p:spPr>
+        <p:style>
+          <a:lnRef idx="2">
+            <a:schemeClr val="accent1">
+              <a:shade val="50000"/>
+            </a:schemeClr>
+          </a:lnRef>
+          <a:fillRef idx="1">
+            <a:schemeClr val="accent1"/>
+          </a:fillRef>
+          <a:effectRef idx="0">
+            <a:schemeClr val="accent1"/>
+          </a:effectRef>
+          <a:fontRef idx="minor">
+            <a:schemeClr val="lt1"/>
+          </a:fontRef>
+        </p:style>
+        <p:txBody>
+          <a:bodyPr rtlCol="0" anchor="ctr"/>
+          <a:lstStyle/>
+          <a:p>
+            <a:pPr algn="ctr"/>
+            <a:endParaRPr kumimoji="1" lang="ja-JP" altLang="en-US"/>
+          </a:p>
+        </p:txBody>
+      </p:sp>
+      <p:sp>
+        <p:nvSpPr>
+          <p:cNvPr id="14" name="テキスト ボックス 13"/>
+          <p:cNvSpPr txBox="1"/>
+          <p:nvPr/>
+        </p:nvSpPr>
+        <p:spPr>
+          <a:xfrm>
+            <a:off x="3333971" y="6456431"/>
+            <a:ext cx="2356340" cy="369332"/>
+          </a:xfrm>
+          <a:prstGeom prst="rect">
+            <a:avLst/>
+          </a:prstGeom>
+          <a:noFill/>
+        </p:spPr>
+        <p:txBody>
+          <a:bodyPr wrap="square" rtlCol="0">
+            <a:spAutoFit/>
+          </a:bodyPr>
+          <a:lstStyle/>
+          <a:p>
+            <a:r>
+              <a:rPr kumimoji="1" lang="ja-JP" altLang="en-US" dirty="0" smtClean="0"/>
+              <a:t>決定</a:t>
+            </a:r>
+            <a:r>
+              <a:rPr lang="ja-JP" altLang="en-US" dirty="0"/>
+              <a:t>したら手前へ</a:t>
+            </a:r>
+            <a:endParaRPr kumimoji="1" lang="ja-JP" altLang="en-US" dirty="0"/>
+          </a:p>
+        </p:txBody>
+      </p:sp>
+      <p:sp>
+        <p:nvSpPr>
+          <p:cNvPr id="16" name="右矢印 15"/>
+          <p:cNvSpPr/>
+          <p:nvPr/>
+        </p:nvSpPr>
+        <p:spPr>
+          <a:xfrm rot="5400000">
+            <a:off x="6998501" y="5388924"/>
+            <a:ext cx="1582615" cy="851167"/>
+          </a:xfrm>
+          <a:prstGeom prst="rightArrow">
+            <a:avLst>
+              <a:gd name="adj1" fmla="val 50000"/>
+              <a:gd name="adj2" fmla="val 58366"/>
+            </a:avLst>
+          </a:prstGeom>
+        </p:spPr>
+        <p:style>
+          <a:lnRef idx="2">
+            <a:schemeClr val="accent1">
+              <a:shade val="50000"/>
+            </a:schemeClr>
+          </a:lnRef>
+          <a:fillRef idx="1">
+            <a:schemeClr val="accent1"/>
+          </a:fillRef>
+          <a:effectRef idx="0">
+            <a:schemeClr val="accent1"/>
+          </a:effectRef>
+          <a:fontRef idx="minor">
+            <a:schemeClr val="lt1"/>
+          </a:fontRef>
+        </p:style>
+        <p:txBody>
+          <a:bodyPr rtlCol="0" anchor="ctr"/>
+          <a:lstStyle/>
+          <a:p>
+            <a:pPr algn="ctr"/>
+            <a:endParaRPr kumimoji="1" lang="ja-JP" altLang="en-US"/>
+          </a:p>
+        </p:txBody>
+      </p:sp>
+      <p:sp>
+        <p:nvSpPr>
+          <p:cNvPr id="17" name="テキスト ボックス 16"/>
+          <p:cNvSpPr txBox="1"/>
+          <p:nvPr/>
+        </p:nvSpPr>
+        <p:spPr>
+          <a:xfrm>
+            <a:off x="6829623" y="6488668"/>
+            <a:ext cx="2356340" cy="369332"/>
+          </a:xfrm>
+          <a:prstGeom prst="rect">
+            <a:avLst/>
+          </a:prstGeom>
+          <a:noFill/>
+        </p:spPr>
+        <p:txBody>
+          <a:bodyPr wrap="square" rtlCol="0">
+            <a:spAutoFit/>
+          </a:bodyPr>
+          <a:lstStyle/>
+          <a:p>
+            <a:r>
+              <a:rPr kumimoji="1" lang="ja-JP" altLang="en-US" dirty="0" smtClean="0"/>
+              <a:t>決定</a:t>
+            </a:r>
+            <a:r>
+              <a:rPr lang="ja-JP" altLang="en-US" dirty="0"/>
+              <a:t>したら手前へ</a:t>
+            </a:r>
+            <a:endParaRPr kumimoji="1" lang="ja-JP" altLang="en-US" dirty="0"/>
+          </a:p>
+        </p:txBody>
+      </p:sp>
+      <p:sp>
+        <p:nvSpPr>
+          <p:cNvPr id="19" name="右矢印 18"/>
+          <p:cNvSpPr/>
+          <p:nvPr/>
+        </p:nvSpPr>
+        <p:spPr>
+          <a:xfrm rot="5400000">
+            <a:off x="9781798" y="5388924"/>
+            <a:ext cx="1582615" cy="851167"/>
+          </a:xfrm>
+          <a:prstGeom prst="rightArrow">
+            <a:avLst>
+              <a:gd name="adj1" fmla="val 50000"/>
+              <a:gd name="adj2" fmla="val 58366"/>
+            </a:avLst>
+          </a:prstGeom>
+        </p:spPr>
+        <p:style>
+          <a:lnRef idx="2">
+            <a:schemeClr val="accent1">
+              <a:shade val="50000"/>
+            </a:schemeClr>
+          </a:lnRef>
+          <a:fillRef idx="1">
+            <a:schemeClr val="accent1"/>
+          </a:fillRef>
+          <a:effectRef idx="0">
+            <a:schemeClr val="accent1"/>
+          </a:effectRef>
+          <a:fontRef idx="minor">
+            <a:schemeClr val="lt1"/>
+          </a:fontRef>
+        </p:style>
+        <p:txBody>
+          <a:bodyPr rtlCol="0" anchor="ctr"/>
+          <a:lstStyle/>
+          <a:p>
+            <a:pPr algn="ctr"/>
+            <a:endParaRPr kumimoji="1" lang="ja-JP" altLang="en-US"/>
+          </a:p>
+        </p:txBody>
+      </p:sp>
+      <p:sp>
+        <p:nvSpPr>
+          <p:cNvPr id="20" name="テキスト ボックス 19"/>
+          <p:cNvSpPr txBox="1"/>
+          <p:nvPr/>
+        </p:nvSpPr>
+        <p:spPr>
+          <a:xfrm>
+            <a:off x="9612920" y="6488668"/>
+            <a:ext cx="2356340" cy="369332"/>
+          </a:xfrm>
+          <a:prstGeom prst="rect">
+            <a:avLst/>
+          </a:prstGeom>
+          <a:noFill/>
+        </p:spPr>
+        <p:txBody>
+          <a:bodyPr wrap="square" rtlCol="0">
+            <a:spAutoFit/>
+          </a:bodyPr>
+          <a:lstStyle/>
+          <a:p>
+            <a:r>
+              <a:rPr kumimoji="1" lang="ja-JP" altLang="en-US" dirty="0" smtClean="0"/>
+              <a:t>決定</a:t>
+            </a:r>
+            <a:r>
+              <a:rPr lang="ja-JP" altLang="en-US" dirty="0"/>
+              <a:t>したら手前へ</a:t>
+            </a:r>
+            <a:endParaRPr kumimoji="1" lang="ja-JP" altLang="en-US" dirty="0"/>
+          </a:p>
+        </p:txBody>
+      </p:sp>
+      <p:sp>
+        <p:nvSpPr>
+          <p:cNvPr id="24" name="正方形/長方形 23"/>
+          <p:cNvSpPr/>
+          <p:nvPr/>
+        </p:nvSpPr>
+        <p:spPr>
+          <a:xfrm>
+            <a:off x="218646" y="297331"/>
+            <a:ext cx="702436" cy="461665"/>
+          </a:xfrm>
+          <a:prstGeom prst="rect">
+            <a:avLst/>
+          </a:prstGeom>
+        </p:spPr>
+        <p:txBody>
+          <a:bodyPr wrap="none">
+            <a:spAutoFit/>
+          </a:bodyPr>
+          <a:lstStyle/>
+          <a:p>
+            <a:r>
+              <a:rPr lang="ja-JP" altLang="en-US" sz="2400" b="1" dirty="0" smtClean="0">
+                <a:latin typeface="BIZ UDP明朝 Medium" panose="02020500000000000000" pitchFamily="18" charset="-128"/>
+                <a:ea typeface="BIZ UDP明朝 Medium" panose="02020500000000000000" pitchFamily="18" charset="-128"/>
+              </a:rPr>
+              <a:t>案</a:t>
+            </a:r>
+            <a:r>
+              <a:rPr lang="en-US" altLang="ja-JP" sz="2400" b="1" dirty="0" smtClean="0">
+                <a:latin typeface="BIZ UDP明朝 Medium" panose="02020500000000000000" pitchFamily="18" charset="-128"/>
+                <a:ea typeface="BIZ UDP明朝 Medium" panose="02020500000000000000" pitchFamily="18" charset="-128"/>
+              </a:rPr>
+              <a:t>2</a:t>
+            </a:r>
+            <a:endParaRPr lang="ja-JP" altLang="en-US" sz="2400" dirty="0"/>
+          </a:p>
+        </p:txBody>
+      </p:sp>
+      <p:sp>
+        <p:nvSpPr>
+          <p:cNvPr id="3" name="テキスト ボックス 2"/>
+          <p:cNvSpPr txBox="1"/>
+          <p:nvPr/>
+        </p:nvSpPr>
+        <p:spPr>
+          <a:xfrm>
+            <a:off x="5152292" y="3736731"/>
+            <a:ext cx="1811396" cy="646331"/>
+          </a:xfrm>
+          <a:prstGeom prst="rect">
+            <a:avLst/>
+          </a:prstGeom>
+          <a:solidFill>
+            <a:schemeClr val="bg2"/>
+          </a:solidFill>
+        </p:spPr>
+        <p:txBody>
+          <a:bodyPr wrap="square" rtlCol="0">
+            <a:spAutoFit/>
+          </a:bodyPr>
+          <a:lstStyle/>
+          <a:p>
+            <a:r>
+              <a:rPr lang="ja-JP" altLang="en-US" dirty="0" smtClean="0"/>
+              <a:t>奥側から手前に</a:t>
+            </a:r>
+            <a:endParaRPr lang="en-US" altLang="ja-JP" dirty="0" smtClean="0"/>
+          </a:p>
+          <a:p>
+            <a:r>
+              <a:rPr kumimoji="1" lang="ja-JP" altLang="en-US" dirty="0"/>
+              <a:t>向かってくる</a:t>
+            </a:r>
+          </a:p>
+        </p:txBody>
+      </p:sp>
+      <p:sp>
+        <p:nvSpPr>
+          <p:cNvPr id="25" name="テキスト ボックス 24"/>
+          <p:cNvSpPr txBox="1"/>
+          <p:nvPr/>
+        </p:nvSpPr>
+        <p:spPr>
+          <a:xfrm>
+            <a:off x="2560905" y="897190"/>
+            <a:ext cx="604325" cy="461665"/>
+          </a:xfrm>
+          <a:prstGeom prst="rect">
+            <a:avLst/>
+          </a:prstGeom>
+          <a:solidFill>
+            <a:schemeClr val="bg1"/>
+          </a:solidFill>
+        </p:spPr>
+        <p:txBody>
+          <a:bodyPr wrap="square" rtlCol="0">
+            <a:spAutoFit/>
+          </a:bodyPr>
+          <a:lstStyle/>
+          <a:p>
+            <a:pPr algn="ctr"/>
+            <a:r>
+              <a:rPr kumimoji="1" lang="en-US" altLang="ja-JP" sz="2400" b="1" dirty="0" smtClean="0">
+                <a:solidFill>
+                  <a:srgbClr val="7030A0"/>
+                </a:solidFill>
+              </a:rPr>
+              <a:t>2D</a:t>
+            </a:r>
+            <a:endParaRPr kumimoji="1" lang="ja-JP" altLang="en-US" sz="2400" b="1" dirty="0">
+              <a:solidFill>
+                <a:srgbClr val="7030A0"/>
+              </a:solidFill>
+            </a:endParaRPr>
+          </a:p>
+        </p:txBody>
+      </p:sp>
+      <p:sp>
+        <p:nvSpPr>
+          <p:cNvPr id="26" name="テキスト ボックス 25"/>
+          <p:cNvSpPr txBox="1"/>
+          <p:nvPr/>
+        </p:nvSpPr>
+        <p:spPr>
+          <a:xfrm>
+            <a:off x="474603" y="2039798"/>
+            <a:ext cx="1811396" cy="369332"/>
+          </a:xfrm>
+          <a:prstGeom prst="rect">
+            <a:avLst/>
+          </a:prstGeom>
+          <a:solidFill>
+            <a:schemeClr val="bg1"/>
+          </a:solidFill>
+        </p:spPr>
+        <p:txBody>
+          <a:bodyPr wrap="square" rtlCol="0">
+            <a:spAutoFit/>
+          </a:bodyPr>
+          <a:lstStyle/>
+          <a:p>
+            <a:pPr algn="ctr"/>
+            <a:r>
+              <a:rPr kumimoji="1" lang="ja-JP" altLang="en-US" dirty="0" smtClean="0"/>
+              <a:t>背景は</a:t>
+            </a:r>
+            <a:r>
+              <a:rPr lang="en-US" altLang="ja-JP" b="1" dirty="0">
+                <a:solidFill>
+                  <a:srgbClr val="7030A0"/>
+                </a:solidFill>
+              </a:rPr>
+              <a:t>3D</a:t>
+            </a:r>
+            <a:endParaRPr lang="ja-JP" altLang="en-US" b="1" dirty="0">
+              <a:solidFill>
+                <a:srgbClr val="7030A0"/>
+              </a:solidFill>
+            </a:endParaRPr>
+          </a:p>
+        </p:txBody>
+      </p:sp>
+      <p:grpSp>
+        <p:nvGrpSpPr>
+          <p:cNvPr id="38" name="グループ化 37"/>
+          <p:cNvGrpSpPr/>
+          <p:nvPr/>
+        </p:nvGrpSpPr>
+        <p:grpSpPr>
+          <a:xfrm>
+            <a:off x="1174751" y="2672862"/>
+            <a:ext cx="1019908" cy="2286000"/>
+            <a:chOff x="1174751" y="2672862"/>
+            <a:chExt cx="1019908" cy="2286000"/>
+          </a:xfrm>
+        </p:grpSpPr>
+        <p:sp>
+          <p:nvSpPr>
+            <p:cNvPr id="4" name="正方形/長方形 3"/>
+            <p:cNvSpPr/>
+            <p:nvPr/>
+          </p:nvSpPr>
+          <p:spPr>
+            <a:xfrm rot="5400000">
+              <a:off x="541705" y="3305908"/>
+              <a:ext cx="2286000" cy="1019908"/>
+            </a:xfrm>
+            <a:prstGeom prst="rect">
+              <a:avLst/>
+            </a:prstGeom>
+          </p:spPr>
+          <p:style>
+            <a:lnRef idx="1">
+              <a:schemeClr val="dk1"/>
+            </a:lnRef>
+            <a:fillRef idx="2">
+              <a:schemeClr val="dk1"/>
+            </a:fillRef>
+            <a:effectRef idx="1">
+              <a:schemeClr val="dk1"/>
+            </a:effectRef>
+            <a:fontRef idx="minor">
+              <a:schemeClr val="dk1"/>
+            </a:fontRef>
+          </p:style>
+          <p:txBody>
+            <a:bodyPr rtlCol="0" anchor="ctr"/>
+            <a:lstStyle/>
+            <a:p>
+              <a:pPr algn="ctr"/>
+              <a:endParaRPr lang="ja-JP" altLang="en-US" sz="2400" b="1" dirty="0">
+                <a:ln>
+                  <a:solidFill>
+                    <a:schemeClr val="bg1"/>
+                  </a:solidFill>
+                </a:ln>
+                <a:solidFill>
+                  <a:srgbClr val="0070C0"/>
+                </a:solidFill>
+              </a:endParaRPr>
+            </a:p>
+          </p:txBody>
+        </p:sp>
+        <p:sp>
+          <p:nvSpPr>
+            <p:cNvPr id="2" name="正方形/長方形 1"/>
+            <p:cNvSpPr/>
+            <p:nvPr/>
+          </p:nvSpPr>
+          <p:spPr>
+            <a:xfrm>
+              <a:off x="1190609" y="2711660"/>
+              <a:ext cx="450280" cy="2246769"/>
+            </a:xfrm>
+            <a:prstGeom prst="rect">
+              <a:avLst/>
+            </a:prstGeom>
+          </p:spPr>
+          <p:txBody>
+            <a:bodyPr wrap="square">
+              <a:spAutoFit/>
+            </a:bodyPr>
+            <a:lstStyle/>
+            <a:p>
+              <a:pPr algn="ctr"/>
+              <a:r>
+                <a:rPr lang="ja-JP" altLang="en-US" sz="2000" b="1" dirty="0">
+                  <a:ln>
+                    <a:solidFill>
+                      <a:schemeClr val="bg1"/>
+                    </a:solidFill>
+                  </a:ln>
+                  <a:solidFill>
+                    <a:schemeClr val="bg1"/>
+                  </a:solidFill>
+                </a:rPr>
+                <a:t>車のモデル</a:t>
+              </a:r>
+              <a:r>
+                <a:rPr lang="ja-JP" altLang="en-US" sz="2000" b="1" dirty="0">
+                  <a:ln>
+                    <a:solidFill>
+                      <a:schemeClr val="bg1"/>
+                    </a:solidFill>
+                  </a:ln>
+                  <a:solidFill>
+                    <a:srgbClr val="0070C0"/>
+                  </a:solidFill>
+                </a:rPr>
+                <a:t>１</a:t>
+              </a:r>
+              <a:r>
+                <a:rPr lang="en-US" altLang="ja-JP" sz="2000" b="1" dirty="0">
+                  <a:ln>
+                    <a:solidFill>
+                      <a:schemeClr val="bg1"/>
+                    </a:solidFill>
+                  </a:ln>
+                  <a:solidFill>
+                    <a:srgbClr val="0070C0"/>
+                  </a:solidFill>
+                </a:rPr>
+                <a:t>P</a:t>
+              </a:r>
+              <a:endParaRPr lang="ja-JP" altLang="en-US" sz="2000" b="1" dirty="0">
+                <a:ln>
+                  <a:solidFill>
+                    <a:schemeClr val="bg1"/>
+                  </a:solidFill>
+                </a:ln>
+                <a:solidFill>
+                  <a:srgbClr val="0070C0"/>
+                </a:solidFill>
+              </a:endParaRPr>
+            </a:p>
+          </p:txBody>
+        </p:sp>
+        <p:sp>
+          <p:nvSpPr>
+            <p:cNvPr id="29" name="テキスト ボックス 28"/>
+            <p:cNvSpPr txBox="1"/>
+            <p:nvPr/>
+          </p:nvSpPr>
+          <p:spPr>
+            <a:xfrm>
+              <a:off x="1706162" y="2749078"/>
+              <a:ext cx="427336" cy="707886"/>
+            </a:xfrm>
+            <a:prstGeom prst="rect">
+              <a:avLst/>
+            </a:prstGeom>
+            <a:solidFill>
+              <a:schemeClr val="bg1"/>
+            </a:solidFill>
+          </p:spPr>
+          <p:txBody>
+            <a:bodyPr wrap="square" rtlCol="0">
+              <a:spAutoFit/>
+            </a:bodyPr>
+            <a:lstStyle/>
+            <a:p>
+              <a:pPr algn="ctr"/>
+              <a:r>
+                <a:rPr kumimoji="1" lang="en-US" altLang="ja-JP" sz="2000" b="1" dirty="0" smtClean="0">
+                  <a:solidFill>
+                    <a:srgbClr val="7030A0"/>
+                  </a:solidFill>
+                </a:rPr>
+                <a:t>3D</a:t>
+              </a:r>
+              <a:endParaRPr kumimoji="1" lang="ja-JP" altLang="en-US" sz="2000" b="1" dirty="0">
+                <a:solidFill>
+                  <a:srgbClr val="7030A0"/>
+                </a:solidFill>
+              </a:endParaRPr>
+            </a:p>
+          </p:txBody>
+        </p:sp>
+      </p:grpSp>
+      <p:grpSp>
+        <p:nvGrpSpPr>
+          <p:cNvPr id="39" name="グループ化 38"/>
+          <p:cNvGrpSpPr/>
+          <p:nvPr/>
+        </p:nvGrpSpPr>
+        <p:grpSpPr>
+          <a:xfrm>
+            <a:off x="3699832" y="2753228"/>
+            <a:ext cx="1019908" cy="2338753"/>
+            <a:chOff x="3699832" y="2753228"/>
+            <a:chExt cx="1019908" cy="2338753"/>
+          </a:xfrm>
+        </p:grpSpPr>
+        <p:sp>
+          <p:nvSpPr>
+            <p:cNvPr id="12" name="正方形/長方形 11"/>
+            <p:cNvSpPr/>
+            <p:nvPr/>
+          </p:nvSpPr>
+          <p:spPr>
+            <a:xfrm rot="5400000">
+              <a:off x="3066786" y="3386274"/>
+              <a:ext cx="2286000" cy="1019908"/>
+            </a:xfrm>
+            <a:prstGeom prst="rect">
+              <a:avLst/>
+            </a:prstGeom>
+          </p:spPr>
+          <p:style>
+            <a:lnRef idx="1">
+              <a:schemeClr val="dk1"/>
+            </a:lnRef>
+            <a:fillRef idx="2">
+              <a:schemeClr val="dk1"/>
+            </a:fillRef>
+            <a:effectRef idx="1">
+              <a:schemeClr val="dk1"/>
+            </a:effectRef>
+            <a:fontRef idx="minor">
+              <a:schemeClr val="dk1"/>
+            </a:fontRef>
+          </p:style>
+          <p:txBody>
+            <a:bodyPr rtlCol="0" anchor="ctr"/>
+            <a:lstStyle/>
+            <a:p>
+              <a:pPr algn="ctr"/>
+              <a:endParaRPr lang="ja-JP" altLang="en-US" sz="2400" b="1" dirty="0">
+                <a:ln>
+                  <a:solidFill>
+                    <a:schemeClr val="bg1"/>
+                  </a:solidFill>
+                </a:ln>
+                <a:solidFill>
+                  <a:srgbClr val="0070C0"/>
+                </a:solidFill>
+              </a:endParaRPr>
+            </a:p>
+          </p:txBody>
+        </p:sp>
+        <p:sp>
+          <p:nvSpPr>
+            <p:cNvPr id="21" name="正方形/長方形 20"/>
+            <p:cNvSpPr/>
+            <p:nvPr/>
+          </p:nvSpPr>
+          <p:spPr>
+            <a:xfrm>
+              <a:off x="4244210" y="2845212"/>
+              <a:ext cx="450280" cy="2246769"/>
+            </a:xfrm>
+            <a:prstGeom prst="rect">
+              <a:avLst/>
+            </a:prstGeom>
+          </p:spPr>
+          <p:txBody>
+            <a:bodyPr wrap="square">
+              <a:spAutoFit/>
+            </a:bodyPr>
+            <a:lstStyle/>
+            <a:p>
+              <a:pPr algn="ctr"/>
+              <a:r>
+                <a:rPr lang="ja-JP" altLang="en-US" sz="2000" b="1" dirty="0">
+                  <a:ln>
+                    <a:solidFill>
+                      <a:schemeClr val="bg1"/>
+                    </a:solidFill>
+                  </a:ln>
+                  <a:solidFill>
+                    <a:schemeClr val="bg1"/>
+                  </a:solidFill>
+                </a:rPr>
+                <a:t>車の</a:t>
+              </a:r>
+              <a:r>
+                <a:rPr lang="ja-JP" altLang="en-US" sz="2000" b="1" dirty="0" smtClean="0">
+                  <a:ln>
+                    <a:solidFill>
+                      <a:schemeClr val="bg1"/>
+                    </a:solidFill>
+                  </a:ln>
+                  <a:solidFill>
+                    <a:schemeClr val="bg1"/>
+                  </a:solidFill>
+                </a:rPr>
+                <a:t>モデル</a:t>
+              </a:r>
+              <a:r>
+                <a:rPr lang="en-US" altLang="ja-JP" sz="2000" b="1" dirty="0" smtClean="0">
+                  <a:ln>
+                    <a:solidFill>
+                      <a:schemeClr val="bg1"/>
+                    </a:solidFill>
+                  </a:ln>
+                  <a:solidFill>
+                    <a:srgbClr val="FF0000"/>
+                  </a:solidFill>
+                </a:rPr>
+                <a:t>2P</a:t>
+              </a:r>
+              <a:endParaRPr lang="ja-JP" altLang="en-US" sz="2000" b="1" dirty="0">
+                <a:ln>
+                  <a:solidFill>
+                    <a:schemeClr val="bg1"/>
+                  </a:solidFill>
+                </a:ln>
+                <a:solidFill>
+                  <a:srgbClr val="FF0000"/>
+                </a:solidFill>
+              </a:endParaRPr>
+            </a:p>
+          </p:txBody>
+        </p:sp>
+        <p:sp>
+          <p:nvSpPr>
+            <p:cNvPr id="30" name="テキスト ボックス 29"/>
+            <p:cNvSpPr txBox="1"/>
+            <p:nvPr/>
+          </p:nvSpPr>
+          <p:spPr>
+            <a:xfrm>
+              <a:off x="3743432" y="2909153"/>
+              <a:ext cx="427336" cy="707886"/>
+            </a:xfrm>
+            <a:prstGeom prst="rect">
+              <a:avLst/>
+            </a:prstGeom>
+            <a:solidFill>
+              <a:schemeClr val="bg1"/>
+            </a:solidFill>
+          </p:spPr>
+          <p:txBody>
+            <a:bodyPr wrap="square" rtlCol="0">
+              <a:spAutoFit/>
+            </a:bodyPr>
+            <a:lstStyle/>
+            <a:p>
+              <a:pPr algn="ctr"/>
+              <a:r>
+                <a:rPr kumimoji="1" lang="en-US" altLang="ja-JP" sz="2000" b="1" dirty="0" smtClean="0">
+                  <a:solidFill>
+                    <a:srgbClr val="7030A0"/>
+                  </a:solidFill>
+                </a:rPr>
+                <a:t>3D</a:t>
+              </a:r>
+              <a:endParaRPr kumimoji="1" lang="ja-JP" altLang="en-US" sz="2000" b="1" dirty="0">
+                <a:solidFill>
+                  <a:srgbClr val="7030A0"/>
+                </a:solidFill>
+              </a:endParaRPr>
+            </a:p>
+          </p:txBody>
+        </p:sp>
+      </p:grpSp>
+      <p:grpSp>
+        <p:nvGrpSpPr>
+          <p:cNvPr id="40" name="グループ化 39"/>
+          <p:cNvGrpSpPr/>
+          <p:nvPr/>
+        </p:nvGrpSpPr>
+        <p:grpSpPr>
+          <a:xfrm>
+            <a:off x="7195484" y="2766644"/>
+            <a:ext cx="1019908" cy="2286000"/>
+            <a:chOff x="7195484" y="2766644"/>
+            <a:chExt cx="1019908" cy="2286000"/>
+          </a:xfrm>
+        </p:grpSpPr>
+        <p:sp>
+          <p:nvSpPr>
+            <p:cNvPr id="15" name="正方形/長方形 14"/>
+            <p:cNvSpPr/>
+            <p:nvPr/>
+          </p:nvSpPr>
+          <p:spPr>
+            <a:xfrm rot="5400000">
+              <a:off x="6562438" y="3399690"/>
+              <a:ext cx="2286000" cy="1019908"/>
+            </a:xfrm>
+            <a:prstGeom prst="rect">
+              <a:avLst/>
+            </a:prstGeom>
+          </p:spPr>
+          <p:style>
+            <a:lnRef idx="1">
+              <a:schemeClr val="dk1"/>
+            </a:lnRef>
+            <a:fillRef idx="2">
+              <a:schemeClr val="dk1"/>
+            </a:fillRef>
+            <a:effectRef idx="1">
+              <a:schemeClr val="dk1"/>
+            </a:effectRef>
+            <a:fontRef idx="minor">
+              <a:schemeClr val="dk1"/>
+            </a:fontRef>
+          </p:style>
+          <p:txBody>
+            <a:bodyPr rtlCol="0" anchor="ctr"/>
+            <a:lstStyle/>
+            <a:p>
+              <a:pPr algn="ctr"/>
+              <a:endParaRPr lang="ja-JP" altLang="en-US" sz="2400" b="1" dirty="0">
+                <a:ln>
+                  <a:solidFill>
+                    <a:schemeClr val="bg1"/>
+                  </a:solidFill>
+                </a:ln>
+                <a:solidFill>
+                  <a:srgbClr val="0070C0"/>
+                </a:solidFill>
+              </a:endParaRPr>
+            </a:p>
+          </p:txBody>
+        </p:sp>
+        <p:sp>
+          <p:nvSpPr>
+            <p:cNvPr id="22" name="正方形/長方形 21"/>
+            <p:cNvSpPr/>
+            <p:nvPr/>
+          </p:nvSpPr>
+          <p:spPr>
+            <a:xfrm>
+              <a:off x="7704612" y="2805874"/>
+              <a:ext cx="450280" cy="2246769"/>
+            </a:xfrm>
+            <a:prstGeom prst="rect">
+              <a:avLst/>
+            </a:prstGeom>
+          </p:spPr>
+          <p:txBody>
+            <a:bodyPr wrap="square">
+              <a:spAutoFit/>
+            </a:bodyPr>
+            <a:lstStyle/>
+            <a:p>
+              <a:pPr algn="ctr"/>
+              <a:r>
+                <a:rPr lang="ja-JP" altLang="en-US" sz="2000" b="1" dirty="0">
+                  <a:ln>
+                    <a:solidFill>
+                      <a:schemeClr val="bg1"/>
+                    </a:solidFill>
+                  </a:ln>
+                  <a:solidFill>
+                    <a:schemeClr val="bg1"/>
+                  </a:solidFill>
+                </a:rPr>
+                <a:t>車の</a:t>
+              </a:r>
+              <a:r>
+                <a:rPr lang="ja-JP" altLang="en-US" sz="2000" b="1" dirty="0" smtClean="0">
+                  <a:ln>
+                    <a:solidFill>
+                      <a:schemeClr val="bg1"/>
+                    </a:solidFill>
+                  </a:ln>
+                  <a:solidFill>
+                    <a:schemeClr val="bg1"/>
+                  </a:solidFill>
+                </a:rPr>
+                <a:t>モデル</a:t>
+              </a:r>
+              <a:r>
+                <a:rPr lang="en-US" altLang="ja-JP" sz="2000" b="1" dirty="0" smtClean="0">
+                  <a:ln>
+                    <a:solidFill>
+                      <a:schemeClr val="bg1"/>
+                    </a:solidFill>
+                  </a:ln>
+                  <a:solidFill>
+                    <a:srgbClr val="00B050"/>
+                  </a:solidFill>
+                </a:rPr>
+                <a:t>3P</a:t>
+              </a:r>
+              <a:endParaRPr lang="ja-JP" altLang="en-US" sz="2000" b="1" dirty="0">
+                <a:ln>
+                  <a:solidFill>
+                    <a:schemeClr val="bg1"/>
+                  </a:solidFill>
+                </a:ln>
+                <a:solidFill>
+                  <a:srgbClr val="00B050"/>
+                </a:solidFill>
+              </a:endParaRPr>
+            </a:p>
+          </p:txBody>
+        </p:sp>
+        <p:sp>
+          <p:nvSpPr>
+            <p:cNvPr id="31" name="テキスト ボックス 30"/>
+            <p:cNvSpPr txBox="1"/>
+            <p:nvPr/>
+          </p:nvSpPr>
+          <p:spPr>
+            <a:xfrm>
+              <a:off x="7256449" y="2908568"/>
+              <a:ext cx="427336" cy="707886"/>
+            </a:xfrm>
+            <a:prstGeom prst="rect">
+              <a:avLst/>
+            </a:prstGeom>
+            <a:solidFill>
+              <a:schemeClr val="bg1"/>
+            </a:solidFill>
+          </p:spPr>
+          <p:txBody>
+            <a:bodyPr wrap="square" rtlCol="0">
+              <a:spAutoFit/>
+            </a:bodyPr>
+            <a:lstStyle/>
+            <a:p>
+              <a:pPr algn="ctr"/>
+              <a:r>
+                <a:rPr kumimoji="1" lang="en-US" altLang="ja-JP" sz="2000" b="1" dirty="0" smtClean="0">
+                  <a:solidFill>
+                    <a:srgbClr val="7030A0"/>
+                  </a:solidFill>
+                </a:rPr>
+                <a:t>3D</a:t>
+              </a:r>
+              <a:endParaRPr kumimoji="1" lang="ja-JP" altLang="en-US" sz="2000" b="1" dirty="0">
+                <a:solidFill>
+                  <a:srgbClr val="7030A0"/>
+                </a:solidFill>
+              </a:endParaRPr>
+            </a:p>
+          </p:txBody>
+        </p:sp>
+      </p:grpSp>
+      <p:grpSp>
+        <p:nvGrpSpPr>
+          <p:cNvPr id="41" name="グループ化 40"/>
+          <p:cNvGrpSpPr/>
+          <p:nvPr/>
+        </p:nvGrpSpPr>
+        <p:grpSpPr>
+          <a:xfrm>
+            <a:off x="9956838" y="2792772"/>
+            <a:ext cx="1019908" cy="2290645"/>
+            <a:chOff x="9956838" y="2792772"/>
+            <a:chExt cx="1019908" cy="2290645"/>
+          </a:xfrm>
+        </p:grpSpPr>
+        <p:sp>
+          <p:nvSpPr>
+            <p:cNvPr id="18" name="正方形/長方形 17"/>
+            <p:cNvSpPr/>
+            <p:nvPr/>
+          </p:nvSpPr>
+          <p:spPr>
+            <a:xfrm rot="5400000">
+              <a:off x="9323792" y="3425818"/>
+              <a:ext cx="2286000" cy="1019908"/>
+            </a:xfrm>
+            <a:prstGeom prst="rect">
+              <a:avLst/>
+            </a:prstGeom>
+          </p:spPr>
+          <p:style>
+            <a:lnRef idx="1">
+              <a:schemeClr val="dk1"/>
+            </a:lnRef>
+            <a:fillRef idx="2">
+              <a:schemeClr val="dk1"/>
+            </a:fillRef>
+            <a:effectRef idx="1">
+              <a:schemeClr val="dk1"/>
+            </a:effectRef>
+            <a:fontRef idx="minor">
+              <a:schemeClr val="dk1"/>
+            </a:fontRef>
+          </p:style>
+          <p:txBody>
+            <a:bodyPr rtlCol="0" anchor="ctr"/>
+            <a:lstStyle/>
+            <a:p>
+              <a:pPr algn="ctr"/>
+              <a:endParaRPr lang="ja-JP" altLang="en-US" sz="2400" b="1" dirty="0">
+                <a:ln>
+                  <a:solidFill>
+                    <a:schemeClr val="bg1"/>
+                  </a:solidFill>
+                </a:ln>
+                <a:solidFill>
+                  <a:srgbClr val="0070C0"/>
+                </a:solidFill>
+              </a:endParaRPr>
+            </a:p>
+          </p:txBody>
+        </p:sp>
+        <p:sp>
+          <p:nvSpPr>
+            <p:cNvPr id="23" name="正方形/長方形 22"/>
+            <p:cNvSpPr/>
+            <p:nvPr/>
+          </p:nvSpPr>
+          <p:spPr>
+            <a:xfrm>
+              <a:off x="10521366" y="2836648"/>
+              <a:ext cx="450280" cy="2246769"/>
+            </a:xfrm>
+            <a:prstGeom prst="rect">
+              <a:avLst/>
+            </a:prstGeom>
+          </p:spPr>
+          <p:txBody>
+            <a:bodyPr wrap="square">
+              <a:spAutoFit/>
+            </a:bodyPr>
+            <a:lstStyle/>
+            <a:p>
+              <a:pPr algn="ctr"/>
+              <a:r>
+                <a:rPr lang="ja-JP" altLang="en-US" sz="2000" b="1" dirty="0">
+                  <a:ln>
+                    <a:solidFill>
+                      <a:schemeClr val="bg1"/>
+                    </a:solidFill>
+                  </a:ln>
+                  <a:solidFill>
+                    <a:schemeClr val="bg1"/>
+                  </a:solidFill>
+                </a:rPr>
+                <a:t>車の</a:t>
+              </a:r>
+              <a:r>
+                <a:rPr lang="ja-JP" altLang="en-US" sz="2000" b="1" dirty="0" smtClean="0">
+                  <a:ln>
+                    <a:solidFill>
+                      <a:schemeClr val="bg1"/>
+                    </a:solidFill>
+                  </a:ln>
+                  <a:solidFill>
+                    <a:schemeClr val="bg1"/>
+                  </a:solidFill>
+                </a:rPr>
+                <a:t>モデル</a:t>
+              </a:r>
+              <a:r>
+                <a:rPr lang="en-US" altLang="ja-JP" sz="2000" b="1" dirty="0" smtClean="0">
+                  <a:ln>
+                    <a:solidFill>
+                      <a:schemeClr val="bg1"/>
+                    </a:solidFill>
+                  </a:ln>
+                  <a:solidFill>
+                    <a:schemeClr val="accent4"/>
+                  </a:solidFill>
+                </a:rPr>
+                <a:t>4P</a:t>
+              </a:r>
+              <a:endParaRPr lang="ja-JP" altLang="en-US" sz="2000" b="1" dirty="0">
+                <a:ln>
+                  <a:solidFill>
+                    <a:schemeClr val="bg1"/>
+                  </a:solidFill>
+                </a:ln>
+                <a:solidFill>
+                  <a:schemeClr val="accent4"/>
+                </a:solidFill>
+              </a:endParaRPr>
+            </a:p>
+          </p:txBody>
+        </p:sp>
+        <p:sp>
+          <p:nvSpPr>
+            <p:cNvPr id="32" name="テキスト ボックス 31"/>
+            <p:cNvSpPr txBox="1"/>
+            <p:nvPr/>
+          </p:nvSpPr>
+          <p:spPr>
+            <a:xfrm>
+              <a:off x="10036406" y="2890332"/>
+              <a:ext cx="427336" cy="707886"/>
+            </a:xfrm>
+            <a:prstGeom prst="rect">
+              <a:avLst/>
+            </a:prstGeom>
+            <a:solidFill>
+              <a:schemeClr val="bg1"/>
+            </a:solidFill>
+          </p:spPr>
+          <p:txBody>
+            <a:bodyPr wrap="square" rtlCol="0">
+              <a:spAutoFit/>
+            </a:bodyPr>
+            <a:lstStyle/>
+            <a:p>
+              <a:pPr algn="ctr"/>
+              <a:r>
+                <a:rPr kumimoji="1" lang="en-US" altLang="ja-JP" sz="2000" b="1" dirty="0" smtClean="0">
+                  <a:solidFill>
+                    <a:srgbClr val="7030A0"/>
+                  </a:solidFill>
+                </a:rPr>
+                <a:t>3D</a:t>
+              </a:r>
+              <a:endParaRPr kumimoji="1" lang="ja-JP" altLang="en-US" sz="2000" b="1" dirty="0">
+                <a:solidFill>
+                  <a:srgbClr val="7030A0"/>
+                </a:solidFill>
+              </a:endParaRPr>
+            </a:p>
+          </p:txBody>
+        </p:sp>
+      </p:grpSp>
+      <p:sp>
+        <p:nvSpPr>
+          <p:cNvPr id="34" name="正方形/長方形 33"/>
+          <p:cNvSpPr/>
+          <p:nvPr/>
+        </p:nvSpPr>
+        <p:spPr>
+          <a:xfrm>
+            <a:off x="1034800" y="292396"/>
+            <a:ext cx="1366080" cy="461665"/>
+          </a:xfrm>
+          <a:prstGeom prst="rect">
+            <a:avLst/>
+          </a:prstGeom>
+        </p:spPr>
+        <p:txBody>
+          <a:bodyPr wrap="none">
+            <a:spAutoFit/>
+          </a:bodyPr>
+          <a:lstStyle/>
+          <a:p>
+            <a:r>
+              <a:rPr lang="ja-JP" altLang="en-US" sz="2400" b="1" dirty="0" smtClean="0">
+                <a:latin typeface="BIZ UDP明朝 Medium" panose="02020500000000000000" pitchFamily="18" charset="-128"/>
+                <a:ea typeface="BIZ UDP明朝 Medium" panose="02020500000000000000" pitchFamily="18" charset="-128"/>
+              </a:rPr>
+              <a:t>正面から</a:t>
+            </a:r>
+            <a:endParaRPr lang="ja-JP" altLang="en-US" sz="2400" dirty="0"/>
+          </a:p>
+        </p:txBody>
+      </p:sp>
+    </p:spTree>
+    <p:extLst>
+      <p:ext uri="{BB962C8B-B14F-4D97-AF65-F5344CB8AC3E}">
+        <p14:creationId xmlns:p14="http://schemas.microsoft.com/office/powerpoint/2010/main" val="4254661030"/>
+      </p:ext>
+    </p:extLst>
+  </p:cSld>
+  <p:clrMapOvr>
+    <a:masterClrMapping/>
+  </p:clrMapOvr>
+  <p:timing>
+    <p:tnLst>
+      <p:par>
+        <p:cTn id="1" dur="indefinite" restart="never" nodeType="tmRoot">
+          <p:childTnLst>
+            <p:seq concurrent="1" nextAc="seek">
+              <p:cTn id="2" dur="indefinite" nodeType="mainSeq">
+                <p:childTnLst>
+                  <p:par>
+                    <p:cTn id="3" fill="hold">
+                      <p:stCondLst>
+                        <p:cond delay="indefinite"/>
+                      </p:stCondLst>
+                      <p:childTnLst>
+                        <p:par>
+                          <p:cTn id="4" fill="hold">
+                            <p:stCondLst>
+                              <p:cond delay="0"/>
+                            </p:stCondLst>
+                            <p:childTnLst>
+                              <p:par>
+                                <p:cTn id="5" presetID="2" presetClass="exit" presetSubtype="4" fill="hold" nodeType="clickEffect">
+                                  <p:stCondLst>
+                                    <p:cond delay="0"/>
+                                  </p:stCondLst>
+                                  <p:childTnLst>
+                                    <p:anim calcmode="lin" valueType="num">
+                                      <p:cBhvr additive="base">
+                                        <p:cTn id="6" dur="500"/>
+                                        <p:tgtEl>
+                                          <p:spTgt spid="38"/>
+                                        </p:tgtEl>
+                                        <p:attrNameLst>
+                                          <p:attrName>ppt_x</p:attrName>
+                                        </p:attrNameLst>
+                                      </p:cBhvr>
+                                      <p:tavLst>
+                                        <p:tav tm="0">
+                                          <p:val>
+                                            <p:strVal val="ppt_x"/>
+                                          </p:val>
+                                        </p:tav>
+                                        <p:tav tm="100000">
+                                          <p:val>
+                                            <p:strVal val="ppt_x"/>
+                                          </p:val>
+                                        </p:tav>
+                                      </p:tavLst>
+                                    </p:anim>
+                                    <p:anim calcmode="lin" valueType="num">
+                                      <p:cBhvr additive="base">
+                                        <p:cTn id="7" dur="500"/>
+                                        <p:tgtEl>
+                                          <p:spTgt spid="38"/>
+                                        </p:tgtEl>
+                                        <p:attrNameLst>
+                                          <p:attrName>ppt_y</p:attrName>
+                                        </p:attrNameLst>
+                                      </p:cBhvr>
+                                      <p:tavLst>
+                                        <p:tav tm="0">
+                                          <p:val>
+                                            <p:strVal val="ppt_y"/>
+                                          </p:val>
+                                        </p:tav>
+                                        <p:tav tm="100000">
+                                          <p:val>
+                                            <p:strVal val="1+ppt_h/2"/>
+                                          </p:val>
+                                        </p:tav>
+                                      </p:tavLst>
+                                    </p:anim>
+                                    <p:set>
+                                      <p:cBhvr>
+                                        <p:cTn id="8" dur="1" fill="hold">
+                                          <p:stCondLst>
+                                            <p:cond delay="499"/>
+                                          </p:stCondLst>
+                                        </p:cTn>
+                                        <p:tgtEl>
+                                          <p:spTgt spid="38"/>
+                                        </p:tgtEl>
+                                        <p:attrNameLst>
+                                          <p:attrName>style.visibility</p:attrName>
+                                        </p:attrNameLst>
+                                      </p:cBhvr>
+                                      <p:to>
+                                        <p:strVal val="hidden"/>
+                                      </p:to>
+                                    </p:set>
+                                  </p:childTnLst>
+                                </p:cTn>
+                              </p:par>
+                              <p:par>
+                                <p:cTn id="9" presetID="2" presetClass="exit" presetSubtype="4" fill="hold" nodeType="withEffect">
+                                  <p:stCondLst>
+                                    <p:cond delay="0"/>
+                                  </p:stCondLst>
+                                  <p:childTnLst>
+                                    <p:anim calcmode="lin" valueType="num">
+                                      <p:cBhvr additive="base">
+                                        <p:cTn id="10" dur="500"/>
+                                        <p:tgtEl>
+                                          <p:spTgt spid="39"/>
+                                        </p:tgtEl>
+                                        <p:attrNameLst>
+                                          <p:attrName>ppt_x</p:attrName>
+                                        </p:attrNameLst>
+                                      </p:cBhvr>
+                                      <p:tavLst>
+                                        <p:tav tm="0">
+                                          <p:val>
+                                            <p:strVal val="ppt_x"/>
+                                          </p:val>
+                                        </p:tav>
+                                        <p:tav tm="100000">
+                                          <p:val>
+                                            <p:strVal val="ppt_x"/>
+                                          </p:val>
+                                        </p:tav>
+                                      </p:tavLst>
+                                    </p:anim>
+                                    <p:anim calcmode="lin" valueType="num">
+                                      <p:cBhvr additive="base">
+                                        <p:cTn id="11" dur="500"/>
+                                        <p:tgtEl>
+                                          <p:spTgt spid="39"/>
+                                        </p:tgtEl>
+                                        <p:attrNameLst>
+                                          <p:attrName>ppt_y</p:attrName>
+                                        </p:attrNameLst>
+                                      </p:cBhvr>
+                                      <p:tavLst>
+                                        <p:tav tm="0">
+                                          <p:val>
+                                            <p:strVal val="ppt_y"/>
+                                          </p:val>
+                                        </p:tav>
+                                        <p:tav tm="100000">
+                                          <p:val>
+                                            <p:strVal val="1+ppt_h/2"/>
+                                          </p:val>
+                                        </p:tav>
+                                      </p:tavLst>
+                                    </p:anim>
+                                    <p:set>
+                                      <p:cBhvr>
+                                        <p:cTn id="12" dur="1" fill="hold">
+                                          <p:stCondLst>
+                                            <p:cond delay="499"/>
+                                          </p:stCondLst>
+                                        </p:cTn>
+                                        <p:tgtEl>
+                                          <p:spTgt spid="39"/>
+                                        </p:tgtEl>
+                                        <p:attrNameLst>
+                                          <p:attrName>style.visibility</p:attrName>
+                                        </p:attrNameLst>
+                                      </p:cBhvr>
+                                      <p:to>
+                                        <p:strVal val="hidden"/>
+                                      </p:to>
+                                    </p:set>
+                                  </p:childTnLst>
+                                </p:cTn>
+                              </p:par>
+                              <p:par>
+                                <p:cTn id="13" presetID="2" presetClass="exit" presetSubtype="4" fill="hold" nodeType="withEffect">
+                                  <p:stCondLst>
+                                    <p:cond delay="0"/>
+                                  </p:stCondLst>
+                                  <p:childTnLst>
+                                    <p:anim calcmode="lin" valueType="num">
+                                      <p:cBhvr additive="base">
+                                        <p:cTn id="14" dur="500"/>
+                                        <p:tgtEl>
+                                          <p:spTgt spid="40"/>
+                                        </p:tgtEl>
+                                        <p:attrNameLst>
+                                          <p:attrName>ppt_x</p:attrName>
+                                        </p:attrNameLst>
+                                      </p:cBhvr>
+                                      <p:tavLst>
+                                        <p:tav tm="0">
+                                          <p:val>
+                                            <p:strVal val="ppt_x"/>
+                                          </p:val>
+                                        </p:tav>
+                                        <p:tav tm="100000">
+                                          <p:val>
+                                            <p:strVal val="ppt_x"/>
+                                          </p:val>
+                                        </p:tav>
+                                      </p:tavLst>
+                                    </p:anim>
+                                    <p:anim calcmode="lin" valueType="num">
+                                      <p:cBhvr additive="base">
+                                        <p:cTn id="15" dur="500"/>
+                                        <p:tgtEl>
+                                          <p:spTgt spid="40"/>
+                                        </p:tgtEl>
+                                        <p:attrNameLst>
+                                          <p:attrName>ppt_y</p:attrName>
+                                        </p:attrNameLst>
+                                      </p:cBhvr>
+                                      <p:tavLst>
+                                        <p:tav tm="0">
+                                          <p:val>
+                                            <p:strVal val="ppt_y"/>
+                                          </p:val>
+                                        </p:tav>
+                                        <p:tav tm="100000">
+                                          <p:val>
+                                            <p:strVal val="1+ppt_h/2"/>
+                                          </p:val>
+                                        </p:tav>
+                                      </p:tavLst>
+                                    </p:anim>
+                                    <p:set>
+                                      <p:cBhvr>
+                                        <p:cTn id="16" dur="1" fill="hold">
+                                          <p:stCondLst>
+                                            <p:cond delay="499"/>
+                                          </p:stCondLst>
+                                        </p:cTn>
+                                        <p:tgtEl>
+                                          <p:spTgt spid="40"/>
+                                        </p:tgtEl>
+                                        <p:attrNameLst>
+                                          <p:attrName>style.visibility</p:attrName>
+                                        </p:attrNameLst>
+                                      </p:cBhvr>
+                                      <p:to>
+                                        <p:strVal val="hidden"/>
+                                      </p:to>
+                                    </p:set>
+                                  </p:childTnLst>
+                                </p:cTn>
+                              </p:par>
+                              <p:par>
+                                <p:cTn id="17" presetID="2" presetClass="exit" presetSubtype="4" fill="hold" nodeType="withEffect">
+                                  <p:stCondLst>
+                                    <p:cond delay="0"/>
+                                  </p:stCondLst>
+                                  <p:childTnLst>
+                                    <p:anim calcmode="lin" valueType="num">
+                                      <p:cBhvr additive="base">
+                                        <p:cTn id="18" dur="500"/>
+                                        <p:tgtEl>
+                                          <p:spTgt spid="41"/>
+                                        </p:tgtEl>
+                                        <p:attrNameLst>
+                                          <p:attrName>ppt_x</p:attrName>
+                                        </p:attrNameLst>
+                                      </p:cBhvr>
+                                      <p:tavLst>
+                                        <p:tav tm="0">
+                                          <p:val>
+                                            <p:strVal val="ppt_x"/>
+                                          </p:val>
+                                        </p:tav>
+                                        <p:tav tm="100000">
+                                          <p:val>
+                                            <p:strVal val="ppt_x"/>
+                                          </p:val>
+                                        </p:tav>
+                                      </p:tavLst>
+                                    </p:anim>
+                                    <p:anim calcmode="lin" valueType="num">
+                                      <p:cBhvr additive="base">
+                                        <p:cTn id="19" dur="500"/>
+                                        <p:tgtEl>
+                                          <p:spTgt spid="41"/>
+                                        </p:tgtEl>
+                                        <p:attrNameLst>
+                                          <p:attrName>ppt_y</p:attrName>
+                                        </p:attrNameLst>
+                                      </p:cBhvr>
+                                      <p:tavLst>
+                                        <p:tav tm="0">
+                                          <p:val>
+                                            <p:strVal val="ppt_y"/>
+                                          </p:val>
+                                        </p:tav>
+                                        <p:tav tm="100000">
+                                          <p:val>
+                                            <p:strVal val="1+ppt_h/2"/>
+                                          </p:val>
+                                        </p:tav>
+                                      </p:tavLst>
+                                    </p:anim>
+                                    <p:set>
+                                      <p:cBhvr>
+                                        <p:cTn id="20" dur="1" fill="hold">
+                                          <p:stCondLst>
+                                            <p:cond delay="499"/>
+                                          </p:stCondLst>
+                                        </p:cTn>
+                                        <p:tgtEl>
+                                          <p:spTgt spid="41"/>
+                                        </p:tgtEl>
+                                        <p:attrNameLst>
+                                          <p:attrName>style.visibility</p:attrName>
+                                        </p:attrNameLst>
+                                      </p:cBhvr>
+                                      <p:to>
+                                        <p:strVal val="hidden"/>
+                                      </p:to>
+                                    </p:set>
+                                  </p:childTnLst>
+                                </p:cTn>
+                              </p:par>
+                            </p:childTnLst>
+                          </p:cTn>
+                        </p:par>
+                      </p:childTnLst>
+                    </p:cTn>
+                  </p:par>
+                </p:childTnLst>
+              </p:cTn>
+              <p:prevCondLst>
+                <p:cond evt="onPrev" delay="0">
+                  <p:tgtEl>
+                    <p:sldTgt/>
+                  </p:tgtEl>
+                </p:cond>
+              </p:prevCondLst>
+              <p:nextCondLst>
+                <p:cond evt="onNext" delay="0">
+                  <p:tgtEl>
+                    <p:sldTgt/>
+                  </p:tgtEl>
+                </p:cond>
+              </p:nextCondLst>
+            </p:seq>
+          </p:childTnLst>
+        </p:cTn>
+      </p:par>
+    </p:tnLst>
+  </p:timing>
+</p:sld>
+</file>
+
+<file path=ppt/slides/slide25.xml><?xml version="1.0" encoding="utf-8"?>
+<p:sld xmlns:a="http://schemas.openxmlformats.org/drawingml/2006/main" xmlns:r="http://schemas.openxmlformats.org/officeDocument/2006/relationships" xmlns:p="http://schemas.openxmlformats.org/presentationml/2006/main">
+  <p:cSld>
+    <p:spTree>
+      <p:nvGrpSpPr>
+        <p:cNvPr id="1" name=""/>
+        <p:cNvGrpSpPr/>
+        <p:nvPr/>
+      </p:nvGrpSpPr>
+      <p:grpSpPr>
+        <a:xfrm>
+          <a:off x="0" y="0"/>
+          <a:ext cx="0" cy="0"/>
+          <a:chOff x="0" y="0"/>
+          <a:chExt cx="0" cy="0"/>
+        </a:xfrm>
+      </p:grpSpPr>
+      <p:sp>
+        <p:nvSpPr>
           <p:cNvPr id="57" name="楕円 56"/>
           <p:cNvSpPr/>
           <p:nvPr/>
@@ -12885,7 +14725,7 @@
 </p:sld>
 </file>
 
-<file path=ppt/slides/slide24.xml><?xml version="1.0" encoding="utf-8"?>
+<file path=ppt/slides/slide26.xml><?xml version="1.0" encoding="utf-8"?>
 <p:sld xmlns:a="http://schemas.openxmlformats.org/drawingml/2006/main" xmlns:r="http://schemas.openxmlformats.org/officeDocument/2006/relationships" xmlns:p="http://schemas.openxmlformats.org/presentationml/2006/main">
   <p:cSld>
     <p:spTree>
@@ -14551,7 +16391,7 @@
 </p:sld>
 </file>
 
-<file path=ppt/slides/slide25.xml><?xml version="1.0" encoding="utf-8"?>
+<file path=ppt/slides/slide27.xml><?xml version="1.0" encoding="utf-8"?>
 <p:sld xmlns:a="http://schemas.openxmlformats.org/drawingml/2006/main" xmlns:r="http://schemas.openxmlformats.org/officeDocument/2006/relationships" xmlns:p="http://schemas.openxmlformats.org/presentationml/2006/main">
   <p:cSld>
     <p:spTree>
@@ -14596,7 +16436,14 @@
                 <a:latin typeface="BIZ UDP明朝 Medium" panose="02020500000000000000" pitchFamily="18" charset="-128"/>
                 <a:ea typeface="BIZ UDP明朝 Medium" panose="02020500000000000000" pitchFamily="18" charset="-128"/>
               </a:rPr>
-              <a:t>タイトル画面の案３</a:t>
+              <a:t>タイトル画面の</a:t>
+            </a:r>
+            <a:r>
+              <a:rPr kumimoji="1" lang="ja-JP" altLang="en-US" sz="7200" b="1" dirty="0" smtClean="0">
+                <a:latin typeface="BIZ UDP明朝 Medium" panose="02020500000000000000" pitchFamily="18" charset="-128"/>
+                <a:ea typeface="BIZ UDP明朝 Medium" panose="02020500000000000000" pitchFamily="18" charset="-128"/>
+              </a:rPr>
+              <a:t>案４</a:t>
             </a:r>
             <a:endParaRPr kumimoji="1" lang="ja-JP" altLang="en-US" sz="7200" b="1" dirty="0">
               <a:latin typeface="BIZ UDP明朝 Medium" panose="02020500000000000000" pitchFamily="18" charset="-128"/>
@@ -14633,7 +16480,7 @@
 </p:sld>
 </file>
 
-<file path=ppt/slides/slide26.xml><?xml version="1.0" encoding="utf-8"?>
+<file path=ppt/slides/slide28.xml><?xml version="1.0" encoding="utf-8"?>
 <p:sld xmlns:a="http://schemas.openxmlformats.org/drawingml/2006/main" xmlns:r="http://schemas.openxmlformats.org/officeDocument/2006/relationships" xmlns:p="http://schemas.openxmlformats.org/presentationml/2006/main">
   <p:cSld>
     <p:spTree>

--- a/卒業制作_大元タイトル構成.pptx
+++ b/卒業制作_大元タイトル構成.pptx
@@ -11646,14 +11646,7 @@
                 <a:latin typeface="BIZ UDP明朝 Medium" panose="02020500000000000000" pitchFamily="18" charset="-128"/>
                 <a:ea typeface="BIZ UDP明朝 Medium" panose="02020500000000000000" pitchFamily="18" charset="-128"/>
               </a:rPr>
-              <a:t>タイトル画面の</a:t>
-            </a:r>
-            <a:r>
-              <a:rPr kumimoji="1" lang="ja-JP" altLang="en-US" sz="7200" b="1" dirty="0" smtClean="0">
-                <a:latin typeface="BIZ UDP明朝 Medium" panose="02020500000000000000" pitchFamily="18" charset="-128"/>
-                <a:ea typeface="BIZ UDP明朝 Medium" panose="02020500000000000000" pitchFamily="18" charset="-128"/>
-              </a:rPr>
-              <a:t>案３</a:t>
+              <a:t>タイトル画面の案３</a:t>
             </a:r>
             <a:endParaRPr kumimoji="1" lang="ja-JP" altLang="en-US" sz="7200" b="1" dirty="0">
               <a:latin typeface="BIZ UDP明朝 Medium" panose="02020500000000000000" pitchFamily="18" charset="-128"/>
@@ -12248,7 +12241,7 @@
                 <a:latin typeface="BIZ UDP明朝 Medium" panose="02020500000000000000" pitchFamily="18" charset="-128"/>
                 <a:ea typeface="BIZ UDP明朝 Medium" panose="02020500000000000000" pitchFamily="18" charset="-128"/>
               </a:rPr>
-              <a:t>2</a:t>
+              <a:t>3</a:t>
             </a:r>
             <a:endParaRPr lang="ja-JP" altLang="en-US" sz="2400" dirty="0"/>
           </a:p>
@@ -13559,7 +13552,7 @@
                 <a:latin typeface="BIZ UDP明朝 Medium" panose="02020500000000000000" pitchFamily="18" charset="-128"/>
                 <a:ea typeface="BIZ UDP明朝 Medium" panose="02020500000000000000" pitchFamily="18" charset="-128"/>
               </a:rPr>
-              <a:t>2</a:t>
+              <a:t>3</a:t>
             </a:r>
             <a:endParaRPr lang="ja-JP" altLang="en-US" sz="2400" dirty="0"/>
           </a:p>
@@ -14873,7 +14866,7 @@
                 <a:latin typeface="BIZ UDP明朝 Medium" panose="02020500000000000000" pitchFamily="18" charset="-128"/>
                 <a:ea typeface="BIZ UDP明朝 Medium" panose="02020500000000000000" pitchFamily="18" charset="-128"/>
               </a:rPr>
-              <a:t>2</a:t>
+              <a:t>3</a:t>
             </a:r>
             <a:endParaRPr lang="ja-JP" altLang="en-US" sz="2400" dirty="0"/>
           </a:p>
@@ -16436,14 +16429,7 @@
                 <a:latin typeface="BIZ UDP明朝 Medium" panose="02020500000000000000" pitchFamily="18" charset="-128"/>
                 <a:ea typeface="BIZ UDP明朝 Medium" panose="02020500000000000000" pitchFamily="18" charset="-128"/>
               </a:rPr>
-              <a:t>タイトル画面の</a:t>
-            </a:r>
-            <a:r>
-              <a:rPr kumimoji="1" lang="ja-JP" altLang="en-US" sz="7200" b="1" dirty="0" smtClean="0">
-                <a:latin typeface="BIZ UDP明朝 Medium" panose="02020500000000000000" pitchFamily="18" charset="-128"/>
-                <a:ea typeface="BIZ UDP明朝 Medium" panose="02020500000000000000" pitchFamily="18" charset="-128"/>
-              </a:rPr>
-              <a:t>案４</a:t>
+              <a:t>タイトル画面の案４</a:t>
             </a:r>
             <a:endParaRPr kumimoji="1" lang="ja-JP" altLang="en-US" sz="7200" b="1" dirty="0">
               <a:latin typeface="BIZ UDP明朝 Medium" panose="02020500000000000000" pitchFamily="18" charset="-128"/>
@@ -16505,8 +16491,8 @@
         </p:nvSpPr>
         <p:spPr>
           <a:xfrm>
-            <a:off x="624254" y="3516924"/>
-            <a:ext cx="2286000" cy="1019908"/>
+            <a:off x="624254" y="3301554"/>
+            <a:ext cx="2286000" cy="1235278"/>
           </a:xfrm>
           <a:prstGeom prst="rect">
             <a:avLst/>
@@ -16532,7 +16518,7 @@
           <a:p>
             <a:pPr algn="ctr"/>
             <a:r>
-              <a:rPr lang="ja-JP" altLang="en-US" sz="2400" b="1" dirty="0">
+              <a:rPr lang="ja-JP" altLang="en-US" sz="2400" b="1" dirty="0" smtClean="0">
                 <a:ln>
                   <a:solidFill>
                     <a:schemeClr val="bg1"/>
@@ -16542,10 +16528,10 @@
                   <a:schemeClr val="bg1"/>
                 </a:solidFill>
               </a:rPr>
-              <a:t>車のモデル</a:t>
-            </a:r>
-            <a:r>
-              <a:rPr lang="ja-JP" altLang="en-US" sz="2400" b="1" dirty="0">
+              <a:t>車</a:t>
+            </a:r>
+            <a:r>
+              <a:rPr lang="ja-JP" altLang="en-US" sz="2400" b="1" dirty="0" smtClean="0">
                 <a:ln>
                   <a:solidFill>
                     <a:schemeClr val="bg1"/>
@@ -16658,7 +16644,7 @@
           <a:p>
             <a:pPr algn="ctr"/>
             <a:r>
-              <a:rPr lang="ja-JP" altLang="en-US" sz="2400" b="1" dirty="0">
+              <a:rPr lang="ja-JP" altLang="en-US" sz="2400" b="1" dirty="0" smtClean="0">
                 <a:ln>
                   <a:solidFill>
                     <a:schemeClr val="bg1"/>
@@ -16668,10 +16654,10 @@
                   <a:schemeClr val="bg1"/>
                 </a:solidFill>
               </a:rPr>
-              <a:t>車のモデル</a:t>
-            </a:r>
-            <a:r>
-              <a:rPr lang="en-US" altLang="ja-JP" sz="2400" b="1" dirty="0">
+              <a:t>車</a:t>
+            </a:r>
+            <a:r>
+              <a:rPr lang="en-US" altLang="ja-JP" sz="2400" b="1" dirty="0" smtClean="0">
                 <a:ln>
                   <a:solidFill>
                     <a:schemeClr val="bg1"/>
@@ -16933,7 +16919,7 @@
                 <a:latin typeface="BIZ UDP明朝 Medium" panose="02020500000000000000" pitchFamily="18" charset="-128"/>
                 <a:ea typeface="BIZ UDP明朝 Medium" panose="02020500000000000000" pitchFamily="18" charset="-128"/>
               </a:rPr>
-              <a:t>3</a:t>
+              <a:t>4</a:t>
             </a:r>
             <a:endParaRPr lang="ja-JP" altLang="en-US" sz="3600" dirty="0"/>
           </a:p>
@@ -16975,6 +16961,129 @@
               <a:t>2D</a:t>
             </a:r>
             <a:endParaRPr lang="ja-JP" altLang="en-US" b="1" dirty="0">
+              <a:solidFill>
+                <a:srgbClr val="7030A0"/>
+              </a:solidFill>
+            </a:endParaRPr>
+          </a:p>
+        </p:txBody>
+      </p:sp>
+      <p:sp>
+        <p:nvSpPr>
+          <p:cNvPr id="13" name="テキスト ボックス 12"/>
+          <p:cNvSpPr txBox="1"/>
+          <p:nvPr/>
+        </p:nvSpPr>
+        <p:spPr>
+          <a:xfrm>
+            <a:off x="2481775" y="1222131"/>
+            <a:ext cx="604325" cy="461665"/>
+          </a:xfrm>
+          <a:prstGeom prst="rect">
+            <a:avLst/>
+          </a:prstGeom>
+          <a:solidFill>
+            <a:schemeClr val="bg1"/>
+          </a:solidFill>
+        </p:spPr>
+        <p:txBody>
+          <a:bodyPr wrap="square" rtlCol="0">
+            <a:spAutoFit/>
+          </a:bodyPr>
+          <a:lstStyle/>
+          <a:p>
+            <a:pPr algn="ctr"/>
+            <a:r>
+              <a:rPr kumimoji="1" lang="en-US" altLang="ja-JP" sz="2400" b="1" dirty="0" smtClean="0">
+                <a:solidFill>
+                  <a:srgbClr val="7030A0"/>
+                </a:solidFill>
+              </a:rPr>
+              <a:t>2D</a:t>
+            </a:r>
+            <a:endParaRPr kumimoji="1" lang="ja-JP" altLang="en-US" sz="2400" b="1" dirty="0">
+              <a:solidFill>
+                <a:srgbClr val="7030A0"/>
+              </a:solidFill>
+            </a:endParaRPr>
+          </a:p>
+        </p:txBody>
+      </p:sp>
+      <p:sp>
+        <p:nvSpPr>
+          <p:cNvPr id="14" name="テキスト ボックス 13"/>
+          <p:cNvSpPr txBox="1"/>
+          <p:nvPr/>
+        </p:nvSpPr>
+        <p:spPr>
+          <a:xfrm>
+            <a:off x="696756" y="3435829"/>
+            <a:ext cx="535162" cy="369332"/>
+          </a:xfrm>
+          <a:prstGeom prst="rect">
+            <a:avLst/>
+          </a:prstGeom>
+          <a:solidFill>
+            <a:schemeClr val="bg1"/>
+          </a:solidFill>
+        </p:spPr>
+        <p:txBody>
+          <a:bodyPr wrap="square" rtlCol="0">
+            <a:spAutoFit/>
+          </a:bodyPr>
+          <a:lstStyle/>
+          <a:p>
+            <a:pPr algn="ctr"/>
+            <a:r>
+              <a:rPr kumimoji="1" lang="en-US" altLang="ja-JP" b="1" dirty="0" smtClean="0">
+                <a:solidFill>
+                  <a:srgbClr val="7030A0"/>
+                </a:solidFill>
+              </a:rPr>
+              <a:t>2D</a:t>
+            </a:r>
+            <a:endParaRPr kumimoji="1" lang="ja-JP" altLang="en-US" b="1" dirty="0">
+              <a:solidFill>
+                <a:srgbClr val="7030A0"/>
+              </a:solidFill>
+            </a:endParaRPr>
+          </a:p>
+        </p:txBody>
+      </p:sp>
+      <p:sp>
+        <p:nvSpPr>
+          <p:cNvPr id="15" name="テキスト ボックス 14"/>
+          <p:cNvSpPr txBox="1"/>
+          <p:nvPr/>
+        </p:nvSpPr>
+        <p:spPr>
+          <a:xfrm>
+            <a:off x="9398095" y="5429241"/>
+            <a:ext cx="535162" cy="369332"/>
+          </a:xfrm>
+          <a:prstGeom prst="rect">
+            <a:avLst/>
+          </a:prstGeom>
+          <a:solidFill>
+            <a:schemeClr val="bg1"/>
+          </a:solidFill>
+        </p:spPr>
+        <p:txBody>
+          <a:bodyPr wrap="square" rtlCol="0">
+            <a:spAutoFit/>
+          </a:bodyPr>
+          <a:lstStyle/>
+          <a:p>
+            <a:pPr algn="ctr"/>
+            <a:r>
+              <a:rPr kumimoji="1" lang="en-US" altLang="ja-JP" b="1" dirty="0" smtClean="0">
+                <a:solidFill>
+                  <a:srgbClr val="7030A0"/>
+                </a:solidFill>
+              </a:rPr>
+              <a:t>2D</a:t>
+            </a:r>
+            <a:endParaRPr kumimoji="1" lang="ja-JP" altLang="en-US" b="1" dirty="0">
               <a:solidFill>
                 <a:srgbClr val="7030A0"/>
               </a:solidFill>

--- a/卒業制作_大元タイトル構成.pptx
+++ b/卒業制作_大元タイトル構成.pptx
@@ -13483,16 +13483,16 @@
       </p:grpSpPr>
       <p:sp>
         <p:nvSpPr>
-          <p:cNvPr id="57" name="楕円 56"/>
+          <p:cNvPr id="5" name="正方形/長方形 4"/>
           <p:cNvSpPr/>
           <p:nvPr/>
         </p:nvSpPr>
         <p:spPr>
           <a:xfrm>
-            <a:off x="1223787" y="1292360"/>
-            <a:ext cx="9645162" cy="5765909"/>
-          </a:xfrm>
-          <a:prstGeom prst="ellipse">
+            <a:off x="480251" y="1701811"/>
+            <a:ext cx="10580472" cy="5015655"/>
+          </a:xfrm>
+          <a:prstGeom prst="rect">
             <a:avLst/>
           </a:prstGeom>
         </p:spPr>
@@ -13566,7 +13566,7 @@
         </p:nvGrpSpPr>
         <p:grpSpPr>
           <a:xfrm>
-            <a:off x="553414" y="1592619"/>
+            <a:off x="602172" y="1886956"/>
             <a:ext cx="2286000" cy="855044"/>
             <a:chOff x="553414" y="1592619"/>
             <a:chExt cx="2286000" cy="855044"/>
@@ -13788,7 +13788,7 @@
         </p:nvGrpSpPr>
         <p:grpSpPr>
           <a:xfrm>
-            <a:off x="553414" y="2773579"/>
+            <a:off x="602172" y="3067916"/>
             <a:ext cx="2286000" cy="855044"/>
             <a:chOff x="553414" y="2773579"/>
             <a:chExt cx="2286000" cy="855044"/>
@@ -13978,7 +13978,7 @@
         </p:nvGrpSpPr>
         <p:grpSpPr>
           <a:xfrm>
-            <a:off x="553414" y="4039395"/>
+            <a:off x="602172" y="4333732"/>
             <a:ext cx="2286000" cy="855044"/>
             <a:chOff x="553414" y="4039395"/>
             <a:chExt cx="2286000" cy="855044"/>
@@ -14168,7 +14168,7 @@
         </p:nvGrpSpPr>
         <p:grpSpPr>
           <a:xfrm>
-            <a:off x="562066" y="5413720"/>
+            <a:off x="610824" y="5708057"/>
             <a:ext cx="2286000" cy="855044"/>
             <a:chOff x="562066" y="5413720"/>
             <a:chExt cx="2286000" cy="855044"/>
@@ -14344,8 +14344,8 @@
           <p:nvPr/>
         </p:nvSpPr>
         <p:spPr>
-          <a:xfrm>
-            <a:off x="2721850" y="1728539"/>
+          <a:xfrm rot="21314503">
+            <a:off x="2757655" y="2027283"/>
             <a:ext cx="2375612" cy="583203"/>
           </a:xfrm>
           <a:prstGeom prst="rightArrow">
@@ -14387,8 +14387,8 @@
           <p:nvPr/>
         </p:nvSpPr>
         <p:spPr>
-          <a:xfrm>
-            <a:off x="2721850" y="2936911"/>
+          <a:xfrm rot="21314503">
+            <a:off x="2757655" y="3235655"/>
             <a:ext cx="2375612" cy="583203"/>
           </a:xfrm>
           <a:prstGeom prst="rightArrow">
@@ -14430,8 +14430,8 @@
           <p:nvPr/>
         </p:nvSpPr>
         <p:spPr>
-          <a:xfrm>
-            <a:off x="2705400" y="4175315"/>
+          <a:xfrm rot="21314503">
+            <a:off x="2741205" y="4474059"/>
             <a:ext cx="2375612" cy="583203"/>
           </a:xfrm>
           <a:prstGeom prst="rightArrow">
@@ -14473,8 +14473,8 @@
           <p:nvPr/>
         </p:nvSpPr>
         <p:spPr>
-          <a:xfrm>
-            <a:off x="2738300" y="5522228"/>
+          <a:xfrm rot="21314503">
+            <a:off x="2774105" y="5820972"/>
             <a:ext cx="2375612" cy="583203"/>
           </a:xfrm>
           <a:prstGeom prst="rightArrow">
@@ -14564,6 +14564,68 @@
             <a:r>
               <a:rPr kumimoji="1" lang="ja-JP" altLang="en-US" dirty="0" smtClean="0"/>
               <a:t>手前</a:t>
+            </a:r>
+            <a:endParaRPr kumimoji="1" lang="ja-JP" altLang="en-US" dirty="0"/>
+          </a:p>
+        </p:txBody>
+      </p:sp>
+      <p:sp>
+        <p:nvSpPr>
+          <p:cNvPr id="3" name="テキスト ボックス 2"/>
+          <p:cNvSpPr txBox="1"/>
+          <p:nvPr/>
+        </p:nvSpPr>
+        <p:spPr>
+          <a:xfrm>
+            <a:off x="7860322" y="523228"/>
+            <a:ext cx="2022231" cy="646331"/>
+          </a:xfrm>
+          <a:prstGeom prst="rect">
+            <a:avLst/>
+          </a:prstGeom>
+          <a:noFill/>
+        </p:spPr>
+        <p:txBody>
+          <a:bodyPr wrap="square" rtlCol="0">
+            <a:spAutoFit/>
+          </a:bodyPr>
+          <a:lstStyle/>
+          <a:p>
+            <a:r>
+              <a:rPr kumimoji="1" lang="ja-JP" altLang="en-US" dirty="0" smtClean="0"/>
+              <a:t>手前に行くにつれ上がっていく</a:t>
+            </a:r>
+            <a:endParaRPr kumimoji="1" lang="ja-JP" altLang="en-US" dirty="0"/>
+          </a:p>
+        </p:txBody>
+      </p:sp>
+      <p:sp>
+        <p:nvSpPr>
+          <p:cNvPr id="28" name="テキスト ボックス 27"/>
+          <p:cNvSpPr txBox="1"/>
+          <p:nvPr/>
+        </p:nvSpPr>
+        <p:spPr>
+          <a:xfrm>
+            <a:off x="6945923" y="1702290"/>
+            <a:ext cx="3442913" cy="369332"/>
+          </a:xfrm>
+          <a:prstGeom prst="rect">
+            <a:avLst/>
+          </a:prstGeom>
+          <a:solidFill>
+            <a:schemeClr val="bg1"/>
+          </a:solidFill>
+        </p:spPr>
+        <p:txBody>
+          <a:bodyPr wrap="square" rtlCol="0">
+            <a:spAutoFit/>
+          </a:bodyPr>
+          <a:lstStyle/>
+          <a:p>
+            <a:r>
+              <a:rPr kumimoji="1" lang="ja-JP" altLang="en-US" dirty="0" smtClean="0"/>
+              <a:t>レインボーロードみたいなもの</a:t>
             </a:r>
             <a:endParaRPr kumimoji="1" lang="ja-JP" altLang="en-US" dirty="0"/>
           </a:p>

--- a/卒業制作_大元タイトル構成.pptx
+++ b/卒業制作_大元タイトル構成.pptx
@@ -33,6 +33,11 @@
     <p:sldId id="289" r:id="rId27"/>
     <p:sldId id="290" r:id="rId28"/>
     <p:sldId id="291" r:id="rId29"/>
+    <p:sldId id="295" r:id="rId30"/>
+    <p:sldId id="294" r:id="rId31"/>
+    <p:sldId id="296" r:id="rId32"/>
+    <p:sldId id="298" r:id="rId33"/>
+    <p:sldId id="299" r:id="rId34"/>
   </p:sldIdLst>
   <p:sldSz cx="12192000" cy="6858000"/>
   <p:notesSz cx="6858000" cy="9144000"/>
@@ -8552,7 +8557,7 @@
 </file>
 
 <file path=ppt/slides/slide17.xml><?xml version="1.0" encoding="utf-8"?>
-<p:sld xmlns:a="http://schemas.openxmlformats.org/drawingml/2006/main" xmlns:r="http://schemas.openxmlformats.org/officeDocument/2006/relationships" xmlns:p="http://schemas.openxmlformats.org/presentationml/2006/main">
+<p:sld xmlns:a="http://schemas.openxmlformats.org/drawingml/2006/main" xmlns:r="http://schemas.openxmlformats.org/officeDocument/2006/relationships" xmlns:p="http://schemas.openxmlformats.org/presentationml/2006/main" show="0">
   <p:cSld>
     <p:spTree>
       <p:nvGrpSpPr>
@@ -8615,11 +8620,11 @@
   <p:clrMapOvr>
     <a:masterClrMapping/>
   </p:clrMapOvr>
-  <mc:AlternateContent xmlns:mc="http://schemas.openxmlformats.org/markup-compatibility/2006" xmlns:p14="http://schemas.microsoft.com/office/powerpoint/2010/main">
-    <mc:Choice Requires="p14">
+  <mc:AlternateContent xmlns:mc="http://schemas.openxmlformats.org/markup-compatibility/2006">
+    <mc:Choice xmlns:p14="http://schemas.microsoft.com/office/powerpoint/2010/main" Requires="p14">
       <p:transition spd="slow" p14:dur="2000"/>
     </mc:Choice>
-    <mc:Fallback xmlns="">
+    <mc:Fallback>
       <p:transition spd="slow"/>
     </mc:Fallback>
   </mc:AlternateContent>
@@ -8634,7 +8639,7 @@
 </file>
 
 <file path=ppt/slides/slide18.xml><?xml version="1.0" encoding="utf-8"?>
-<p:sld xmlns:a="http://schemas.openxmlformats.org/drawingml/2006/main" xmlns:r="http://schemas.openxmlformats.org/officeDocument/2006/relationships" xmlns:p="http://schemas.openxmlformats.org/presentationml/2006/main">
+<p:sld xmlns:a="http://schemas.openxmlformats.org/drawingml/2006/main" xmlns:r="http://schemas.openxmlformats.org/officeDocument/2006/relationships" xmlns:p="http://schemas.openxmlformats.org/presentationml/2006/main" show="0">
   <p:cSld>
     <p:spTree>
       <p:nvGrpSpPr>
@@ -8730,11 +8735,11 @@
   <p:clrMapOvr>
     <a:masterClrMapping/>
   </p:clrMapOvr>
-  <mc:AlternateContent xmlns:mc="http://schemas.openxmlformats.org/markup-compatibility/2006" xmlns:p14="http://schemas.microsoft.com/office/powerpoint/2010/main">
-    <mc:Choice Requires="p14">
+  <mc:AlternateContent xmlns:mc="http://schemas.openxmlformats.org/markup-compatibility/2006">
+    <mc:Choice xmlns:p14="http://schemas.microsoft.com/office/powerpoint/2010/main" Requires="p14">
       <p:transition spd="slow" p14:dur="2000"/>
     </mc:Choice>
-    <mc:Fallback xmlns="">
+    <mc:Fallback>
       <p:transition spd="slow"/>
     </mc:Fallback>
   </mc:AlternateContent>
@@ -8749,7 +8754,7 @@
 </file>
 
 <file path=ppt/slides/slide19.xml><?xml version="1.0" encoding="utf-8"?>
-<p:sld xmlns:a="http://schemas.openxmlformats.org/drawingml/2006/main" xmlns:r="http://schemas.openxmlformats.org/officeDocument/2006/relationships" xmlns:p="http://schemas.openxmlformats.org/presentationml/2006/main">
+<p:sld xmlns:a="http://schemas.openxmlformats.org/drawingml/2006/main" xmlns:r="http://schemas.openxmlformats.org/officeDocument/2006/relationships" xmlns:p="http://schemas.openxmlformats.org/presentationml/2006/main" show="0">
   <p:cSld>
     <p:spTree>
       <p:nvGrpSpPr>
@@ -8812,11 +8817,11 @@
   <p:clrMapOvr>
     <a:masterClrMapping/>
   </p:clrMapOvr>
-  <mc:AlternateContent xmlns:mc="http://schemas.openxmlformats.org/markup-compatibility/2006" xmlns:p14="http://schemas.microsoft.com/office/powerpoint/2010/main">
-    <mc:Choice Requires="p14">
+  <mc:AlternateContent xmlns:mc="http://schemas.openxmlformats.org/markup-compatibility/2006">
+    <mc:Choice xmlns:p14="http://schemas.microsoft.com/office/powerpoint/2010/main" Requires="p14">
       <p:transition spd="slow" p14:dur="2000"/>
     </mc:Choice>
-    <mc:Fallback xmlns="">
+    <mc:Fallback>
       <p:transition spd="slow"/>
     </mc:Fallback>
   </mc:AlternateContent>
@@ -8973,7 +8978,7 @@
 </file>
 
 <file path=ppt/slides/slide20.xml><?xml version="1.0" encoding="utf-8"?>
-<p:sld xmlns:a="http://schemas.openxmlformats.org/drawingml/2006/main" xmlns:r="http://schemas.openxmlformats.org/officeDocument/2006/relationships" xmlns:p="http://schemas.openxmlformats.org/presentationml/2006/main">
+<p:sld xmlns:a="http://schemas.openxmlformats.org/drawingml/2006/main" xmlns:r="http://schemas.openxmlformats.org/officeDocument/2006/relationships" xmlns:p="http://schemas.openxmlformats.org/presentationml/2006/main" show="0">
   <p:cSld>
     <p:spTree>
       <p:nvGrpSpPr>
@@ -9630,6 +9635,14 @@
   <p:clrMapOvr>
     <a:masterClrMapping/>
   </p:clrMapOvr>
+  <mc:AlternateContent xmlns:mc="http://schemas.openxmlformats.org/markup-compatibility/2006">
+    <mc:Choice xmlns:p14="http://schemas.microsoft.com/office/powerpoint/2010/main" Requires="p14">
+      <p:transition spd="slow" p14:dur="2000"/>
+    </mc:Choice>
+    <mc:Fallback>
+      <p:transition spd="slow"/>
+    </mc:Fallback>
+  </mc:AlternateContent>
   <p:timing>
     <p:tnLst>
       <p:par>
@@ -9832,7 +9845,7 @@
 </file>
 
 <file path=ppt/slides/slide21.xml><?xml version="1.0" encoding="utf-8"?>
-<p:sld xmlns:a="http://schemas.openxmlformats.org/drawingml/2006/main" xmlns:r="http://schemas.openxmlformats.org/officeDocument/2006/relationships" xmlns:p="http://schemas.openxmlformats.org/presentationml/2006/main">
+<p:sld xmlns:a="http://schemas.openxmlformats.org/drawingml/2006/main" xmlns:r="http://schemas.openxmlformats.org/officeDocument/2006/relationships" xmlns:p="http://schemas.openxmlformats.org/presentationml/2006/main" show="0">
   <p:cSld>
     <p:spTree>
       <p:nvGrpSpPr>
@@ -9902,11 +9915,11 @@
   <p:clrMapOvr>
     <a:masterClrMapping/>
   </p:clrMapOvr>
-  <mc:AlternateContent xmlns:mc="http://schemas.openxmlformats.org/markup-compatibility/2006" xmlns:p14="http://schemas.microsoft.com/office/powerpoint/2010/main">
-    <mc:Choice Requires="p14">
+  <mc:AlternateContent xmlns:mc="http://schemas.openxmlformats.org/markup-compatibility/2006">
+    <mc:Choice xmlns:p14="http://schemas.microsoft.com/office/powerpoint/2010/main" Requires="p14">
       <p:transition spd="slow" p14:dur="2000"/>
     </mc:Choice>
-    <mc:Fallback xmlns="">
+    <mc:Fallback>
       <p:transition spd="slow"/>
     </mc:Fallback>
   </mc:AlternateContent>
@@ -9921,7 +9934,7 @@
 </file>
 
 <file path=ppt/slides/slide22.xml><?xml version="1.0" encoding="utf-8"?>
-<p:sld xmlns:a="http://schemas.openxmlformats.org/drawingml/2006/main" xmlns:r="http://schemas.openxmlformats.org/officeDocument/2006/relationships" xmlns:p="http://schemas.openxmlformats.org/presentationml/2006/main">
+<p:sld xmlns:a="http://schemas.openxmlformats.org/drawingml/2006/main" xmlns:r="http://schemas.openxmlformats.org/officeDocument/2006/relationships" xmlns:p="http://schemas.openxmlformats.org/presentationml/2006/main" show="0">
   <p:cSld>
     <p:spTree>
       <p:nvGrpSpPr>
@@ -11258,6 +11271,14 @@
   <p:clrMapOvr>
     <a:masterClrMapping/>
   </p:clrMapOvr>
+  <mc:AlternateContent xmlns:mc="http://schemas.openxmlformats.org/markup-compatibility/2006">
+    <mc:Choice xmlns:p14="http://schemas.microsoft.com/office/powerpoint/2010/main" Requires="p14">
+      <p:transition spd="slow" p14:dur="2000"/>
+    </mc:Choice>
+    <mc:Fallback>
+      <p:transition spd="slow"/>
+    </mc:Fallback>
+  </mc:AlternateContent>
   <p:timing>
     <p:tnLst>
       <p:par>
@@ -11602,7 +11623,7 @@
 </file>
 
 <file path=ppt/slides/slide23.xml><?xml version="1.0" encoding="utf-8"?>
-<p:sld xmlns:a="http://schemas.openxmlformats.org/drawingml/2006/main" xmlns:r="http://schemas.openxmlformats.org/officeDocument/2006/relationships" xmlns:p="http://schemas.openxmlformats.org/presentationml/2006/main">
+<p:sld xmlns:a="http://schemas.openxmlformats.org/drawingml/2006/main" xmlns:r="http://schemas.openxmlformats.org/officeDocument/2006/relationships" xmlns:p="http://schemas.openxmlformats.org/presentationml/2006/main" show="0">
   <p:cSld>
     <p:spTree>
       <p:nvGrpSpPr>
@@ -11733,11 +11754,11 @@
   <p:clrMapOvr>
     <a:masterClrMapping/>
   </p:clrMapOvr>
-  <mc:AlternateContent xmlns:mc="http://schemas.openxmlformats.org/markup-compatibility/2006" xmlns:p14="http://schemas.microsoft.com/office/powerpoint/2010/main">
-    <mc:Choice Requires="p14">
+  <mc:AlternateContent xmlns:mc="http://schemas.openxmlformats.org/markup-compatibility/2006">
+    <mc:Choice xmlns:p14="http://schemas.microsoft.com/office/powerpoint/2010/main" Requires="p14">
       <p:transition spd="slow" p14:dur="2000"/>
     </mc:Choice>
-    <mc:Fallback xmlns="">
+    <mc:Fallback>
       <p:transition spd="slow"/>
     </mc:Fallback>
   </mc:AlternateContent>
@@ -11752,7 +11773,7 @@
 </file>
 
 <file path=ppt/slides/slide24.xml><?xml version="1.0" encoding="utf-8"?>
-<p:sld xmlns:a="http://schemas.openxmlformats.org/drawingml/2006/main" xmlns:r="http://schemas.openxmlformats.org/officeDocument/2006/relationships" xmlns:p="http://schemas.openxmlformats.org/presentationml/2006/main">
+<p:sld xmlns:a="http://schemas.openxmlformats.org/drawingml/2006/main" xmlns:r="http://schemas.openxmlformats.org/officeDocument/2006/relationships" xmlns:p="http://schemas.openxmlformats.org/presentationml/2006/main" show="0">
   <p:cSld>
     <p:spTree>
       <p:nvGrpSpPr>
@@ -13121,6 +13142,14 @@
   <p:clrMapOvr>
     <a:masterClrMapping/>
   </p:clrMapOvr>
+  <mc:AlternateContent xmlns:mc="http://schemas.openxmlformats.org/markup-compatibility/2006">
+    <mc:Choice xmlns:p14="http://schemas.microsoft.com/office/powerpoint/2010/main" Requires="p14">
+      <p:transition spd="slow" p14:dur="2000"/>
+    </mc:Choice>
+    <mc:Fallback>
+      <p:transition spd="slow"/>
+    </mc:Fallback>
+  </mc:AlternateContent>
   <p:timing>
     <p:tnLst>
       <p:par>
@@ -13465,7 +13494,7 @@
 </file>
 
 <file path=ppt/slides/slide25.xml><?xml version="1.0" encoding="utf-8"?>
-<p:sld xmlns:a="http://schemas.openxmlformats.org/drawingml/2006/main" xmlns:r="http://schemas.openxmlformats.org/officeDocument/2006/relationships" xmlns:p="http://schemas.openxmlformats.org/presentationml/2006/main">
+<p:sld xmlns:a="http://schemas.openxmlformats.org/drawingml/2006/main" xmlns:r="http://schemas.openxmlformats.org/officeDocument/2006/relationships" xmlns:p="http://schemas.openxmlformats.org/presentationml/2006/main" show="0">
   <p:cSld>
     <p:spTree>
       <p:nvGrpSpPr>
@@ -14641,6 +14670,14 @@
   <p:clrMapOvr>
     <a:masterClrMapping/>
   </p:clrMapOvr>
+  <mc:AlternateContent xmlns:mc="http://schemas.openxmlformats.org/markup-compatibility/2006">
+    <mc:Choice xmlns:p14="http://schemas.microsoft.com/office/powerpoint/2010/main" Requires="p14">
+      <p:transition spd="slow" p14:dur="2000"/>
+    </mc:Choice>
+    <mc:Fallback>
+      <p:transition spd="slow"/>
+    </mc:Fallback>
+  </mc:AlternateContent>
   <p:timing>
     <p:tnLst>
       <p:par>
@@ -14781,7 +14818,7 @@
 </file>
 
 <file path=ppt/slides/slide26.xml><?xml version="1.0" encoding="utf-8"?>
-<p:sld xmlns:a="http://schemas.openxmlformats.org/drawingml/2006/main" xmlns:r="http://schemas.openxmlformats.org/officeDocument/2006/relationships" xmlns:p="http://schemas.openxmlformats.org/presentationml/2006/main">
+<p:sld xmlns:a="http://schemas.openxmlformats.org/drawingml/2006/main" xmlns:r="http://schemas.openxmlformats.org/officeDocument/2006/relationships" xmlns:p="http://schemas.openxmlformats.org/presentationml/2006/main" show="0">
   <p:cSld>
     <p:spTree>
       <p:nvGrpSpPr>
@@ -15995,6 +16032,14 @@
   <p:clrMapOvr>
     <a:masterClrMapping/>
   </p:clrMapOvr>
+  <mc:AlternateContent xmlns:mc="http://schemas.openxmlformats.org/markup-compatibility/2006">
+    <mc:Choice xmlns:p14="http://schemas.microsoft.com/office/powerpoint/2010/main" Requires="p14">
+      <p:transition spd="slow" p14:dur="2000"/>
+    </mc:Choice>
+    <mc:Fallback>
+      <p:transition spd="slow"/>
+    </mc:Fallback>
+  </mc:AlternateContent>
   <p:timing>
     <p:tnLst>
       <p:par>
@@ -16447,7 +16492,7 @@
 </file>
 
 <file path=ppt/slides/slide27.xml><?xml version="1.0" encoding="utf-8"?>
-<p:sld xmlns:a="http://schemas.openxmlformats.org/drawingml/2006/main" xmlns:r="http://schemas.openxmlformats.org/officeDocument/2006/relationships" xmlns:p="http://schemas.openxmlformats.org/presentationml/2006/main">
+<p:sld xmlns:a="http://schemas.openxmlformats.org/drawingml/2006/main" xmlns:r="http://schemas.openxmlformats.org/officeDocument/2006/relationships" xmlns:p="http://schemas.openxmlformats.org/presentationml/2006/main" show="0">
   <p:cSld>
     <p:spTree>
       <p:nvGrpSpPr>
@@ -16510,11 +16555,11 @@
   <p:clrMapOvr>
     <a:masterClrMapping/>
   </p:clrMapOvr>
-  <mc:AlternateContent xmlns:mc="http://schemas.openxmlformats.org/markup-compatibility/2006" xmlns:p14="http://schemas.microsoft.com/office/powerpoint/2010/main">
-    <mc:Choice Requires="p14">
+  <mc:AlternateContent xmlns:mc="http://schemas.openxmlformats.org/markup-compatibility/2006">
+    <mc:Choice xmlns:p14="http://schemas.microsoft.com/office/powerpoint/2010/main" Requires="p14">
       <p:transition spd="slow" p14:dur="2000"/>
     </mc:Choice>
-    <mc:Fallback xmlns="">
+    <mc:Fallback>
       <p:transition spd="slow"/>
     </mc:Fallback>
   </mc:AlternateContent>
@@ -16529,7 +16574,7 @@
 </file>
 
 <file path=ppt/slides/slide28.xml><?xml version="1.0" encoding="utf-8"?>
-<p:sld xmlns:a="http://schemas.openxmlformats.org/drawingml/2006/main" xmlns:r="http://schemas.openxmlformats.org/officeDocument/2006/relationships" xmlns:p="http://schemas.openxmlformats.org/presentationml/2006/main">
+<p:sld xmlns:a="http://schemas.openxmlformats.org/drawingml/2006/main" xmlns:r="http://schemas.openxmlformats.org/officeDocument/2006/relationships" xmlns:p="http://schemas.openxmlformats.org/presentationml/2006/main" show="0">
   <p:cSld>
     <p:spTree>
       <p:nvGrpSpPr>
@@ -17163,11 +17208,11 @@
   <p:clrMapOvr>
     <a:masterClrMapping/>
   </p:clrMapOvr>
-  <mc:AlternateContent xmlns:mc="http://schemas.openxmlformats.org/markup-compatibility/2006" xmlns:p14="http://schemas.microsoft.com/office/powerpoint/2010/main">
-    <mc:Choice Requires="p14">
+  <mc:AlternateContent xmlns:mc="http://schemas.openxmlformats.org/markup-compatibility/2006">
+    <mc:Choice xmlns:p14="http://schemas.microsoft.com/office/powerpoint/2010/main" Requires="p14">
       <p:transition spd="slow" p14:dur="2000"/>
     </mc:Choice>
-    <mc:Fallback xmlns="">
+    <mc:Fallback>
       <p:transition spd="slow"/>
     </mc:Fallback>
   </mc:AlternateContent>
@@ -17372,6 +17417,156 @@
 </p:sld>
 </file>
 
+<file path=ppt/slides/slide29.xml><?xml version="1.0" encoding="utf-8"?>
+<p:sld xmlns:a="http://schemas.openxmlformats.org/drawingml/2006/main" xmlns:r="http://schemas.openxmlformats.org/officeDocument/2006/relationships" xmlns:p="http://schemas.openxmlformats.org/presentationml/2006/main">
+  <p:cSld>
+    <p:spTree>
+      <p:nvGrpSpPr>
+        <p:cNvPr id="1" name=""/>
+        <p:cNvGrpSpPr/>
+        <p:nvPr/>
+      </p:nvGrpSpPr>
+      <p:grpSpPr>
+        <a:xfrm>
+          <a:off x="0" y="0"/>
+          <a:ext cx="0" cy="0"/>
+          <a:chOff x="0" y="0"/>
+          <a:chExt cx="0" cy="0"/>
+        </a:xfrm>
+      </p:grpSpPr>
+      <p:sp>
+        <p:nvSpPr>
+          <p:cNvPr id="2" name="タイトル 1"/>
+          <p:cNvSpPr>
+            <a:spLocks noGrp="1"/>
+          </p:cNvSpPr>
+          <p:nvPr>
+            <p:ph type="title"/>
+          </p:nvPr>
+        </p:nvSpPr>
+        <p:spPr>
+          <a:xfrm>
+            <a:off x="934915" y="1411409"/>
+            <a:ext cx="10204939" cy="2562713"/>
+          </a:xfrm>
+        </p:spPr>
+        <p:txBody>
+          <a:bodyPr>
+            <a:normAutofit/>
+          </a:bodyPr>
+          <a:lstStyle/>
+          <a:p>
+            <a:pPr algn="ctr"/>
+            <a:r>
+              <a:rPr kumimoji="1" lang="ja-JP" altLang="en-US" sz="7200" b="1" dirty="0" smtClean="0">
+                <a:latin typeface="BIZ UDP明朝 Medium" panose="02020500000000000000" pitchFamily="18" charset="-128"/>
+                <a:ea typeface="BIZ UDP明朝 Medium" panose="02020500000000000000" pitchFamily="18" charset="-128"/>
+              </a:rPr>
+              <a:t>アンケートの結果</a:t>
+            </a:r>
+            <a:endParaRPr kumimoji="1" lang="ja-JP" altLang="en-US" sz="7200" b="1" dirty="0">
+              <a:latin typeface="BIZ UDP明朝 Medium" panose="02020500000000000000" pitchFamily="18" charset="-128"/>
+              <a:ea typeface="BIZ UDP明朝 Medium" panose="02020500000000000000" pitchFamily="18" charset="-128"/>
+            </a:endParaRPr>
+          </a:p>
+        </p:txBody>
+      </p:sp>
+      <p:sp>
+        <p:nvSpPr>
+          <p:cNvPr id="3" name="タイトル 1"/>
+          <p:cNvSpPr txBox="1">
+            <a:spLocks/>
+          </p:cNvSpPr>
+          <p:nvPr/>
+        </p:nvSpPr>
+        <p:spPr>
+          <a:xfrm>
+            <a:off x="3723542" y="3640014"/>
+            <a:ext cx="4627684" cy="668216"/>
+          </a:xfrm>
+          <a:prstGeom prst="rect">
+            <a:avLst/>
+          </a:prstGeom>
+        </p:spPr>
+        <p:txBody>
+          <a:bodyPr vert="horz" lIns="91440" tIns="45720" rIns="91440" bIns="45720" rtlCol="0" anchor="ctr">
+            <a:normAutofit/>
+          </a:bodyPr>
+          <a:lstStyle>
+            <a:lvl1pPr algn="l" defTabSz="914400" rtl="0" eaLnBrk="1" latinLnBrk="0" hangingPunct="1">
+              <a:lnSpc>
+                <a:spcPct val="90000"/>
+              </a:lnSpc>
+              <a:spcBef>
+                <a:spcPct val="0"/>
+              </a:spcBef>
+              <a:buNone/>
+              <a:defRPr kumimoji="1" sz="4400" kern="1200">
+                <a:solidFill>
+                  <a:schemeClr val="tx1"/>
+                </a:solidFill>
+                <a:latin typeface="+mj-lt"/>
+                <a:ea typeface="+mj-ea"/>
+                <a:cs typeface="+mj-cs"/>
+              </a:defRPr>
+            </a:lvl1pPr>
+          </a:lstStyle>
+          <a:p>
+            <a:pPr algn="ctr"/>
+            <a:r>
+              <a:rPr lang="ja-JP" altLang="en-US" sz="2800" dirty="0" smtClean="0">
+                <a:solidFill>
+                  <a:schemeClr val="tx1">
+                    <a:lumMod val="50000"/>
+                    <a:lumOff val="50000"/>
+                  </a:schemeClr>
+                </a:solidFill>
+                <a:latin typeface="BIZ UDP明朝 Medium" panose="02020500000000000000" pitchFamily="18" charset="-128"/>
+                <a:ea typeface="BIZ UDP明朝 Medium" panose="02020500000000000000" pitchFamily="18" charset="-128"/>
+              </a:rPr>
+              <a:t>案４を採用</a:t>
+            </a:r>
+            <a:endParaRPr lang="ja-JP" altLang="en-US" sz="2800" dirty="0">
+              <a:solidFill>
+                <a:schemeClr val="tx1">
+                  <a:lumMod val="50000"/>
+                  <a:lumOff val="50000"/>
+                </a:schemeClr>
+              </a:solidFill>
+              <a:latin typeface="BIZ UDP明朝 Medium" panose="02020500000000000000" pitchFamily="18" charset="-128"/>
+              <a:ea typeface="BIZ UDP明朝 Medium" panose="02020500000000000000" pitchFamily="18" charset="-128"/>
+            </a:endParaRPr>
+          </a:p>
+        </p:txBody>
+      </p:sp>
+    </p:spTree>
+    <p:extLst>
+      <p:ext uri="{BB962C8B-B14F-4D97-AF65-F5344CB8AC3E}">
+        <p14:creationId xmlns:p14="http://schemas.microsoft.com/office/powerpoint/2010/main" val="3601280801"/>
+      </p:ext>
+    </p:extLst>
+  </p:cSld>
+  <p:clrMapOvr>
+    <a:masterClrMapping/>
+  </p:clrMapOvr>
+  <mc:AlternateContent xmlns:mc="http://schemas.openxmlformats.org/markup-compatibility/2006">
+    <mc:Choice xmlns:p14="http://schemas.microsoft.com/office/powerpoint/2010/main" Requires="p14">
+      <p:transition spd="slow" p14:dur="2000"/>
+    </mc:Choice>
+    <mc:Fallback>
+      <p:transition spd="slow"/>
+    </mc:Fallback>
+  </mc:AlternateContent>
+  <p:timing>
+    <p:tnLst>
+      <p:par>
+        <p:cTn id="1" dur="indefinite" restart="never" nodeType="tmRoot"/>
+      </p:par>
+    </p:tnLst>
+  </p:timing>
+</p:sld>
+</file>
+
 <file path=ppt/slides/slide3.xml><?xml version="1.0" encoding="utf-8"?>
 <p:sld xmlns:a="http://schemas.openxmlformats.org/drawingml/2006/main" xmlns:r="http://schemas.openxmlformats.org/officeDocument/2006/relationships" xmlns:p="http://schemas.openxmlformats.org/presentationml/2006/main">
   <p:cSld>
@@ -17452,6 +17647,1959 @@
         <p:cTn id="1" dur="indefinite" restart="never" nodeType="tmRoot"/>
       </p:par>
     </p:tnLst>
+  </p:timing>
+</p:sld>
+</file>
+
+<file path=ppt/slides/slide30.xml><?xml version="1.0" encoding="utf-8"?>
+<p:sld xmlns:a="http://schemas.openxmlformats.org/drawingml/2006/main" xmlns:r="http://schemas.openxmlformats.org/officeDocument/2006/relationships" xmlns:p="http://schemas.openxmlformats.org/presentationml/2006/main">
+  <p:cSld>
+    <p:spTree>
+      <p:nvGrpSpPr>
+        <p:cNvPr id="1" name=""/>
+        <p:cNvGrpSpPr/>
+        <p:nvPr/>
+      </p:nvGrpSpPr>
+      <p:grpSpPr>
+        <a:xfrm>
+          <a:off x="0" y="0"/>
+          <a:ext cx="0" cy="0"/>
+          <a:chOff x="0" y="0"/>
+          <a:chExt cx="0" cy="0"/>
+        </a:xfrm>
+      </p:grpSpPr>
+      <p:sp>
+        <p:nvSpPr>
+          <p:cNvPr id="5" name="正方形/長方形 4"/>
+          <p:cNvSpPr/>
+          <p:nvPr/>
+        </p:nvSpPr>
+        <p:spPr>
+          <a:xfrm>
+            <a:off x="624254" y="3301554"/>
+            <a:ext cx="2286000" cy="1235278"/>
+          </a:xfrm>
+          <a:prstGeom prst="rect">
+            <a:avLst/>
+          </a:prstGeom>
+        </p:spPr>
+        <p:style>
+          <a:lnRef idx="1">
+            <a:schemeClr val="dk1"/>
+          </a:lnRef>
+          <a:fillRef idx="2">
+            <a:schemeClr val="dk1"/>
+          </a:fillRef>
+          <a:effectRef idx="1">
+            <a:schemeClr val="dk1"/>
+          </a:effectRef>
+          <a:fontRef idx="minor">
+            <a:schemeClr val="dk1"/>
+          </a:fontRef>
+        </p:style>
+        <p:txBody>
+          <a:bodyPr rtlCol="0" anchor="ctr"/>
+          <a:lstStyle/>
+          <a:p>
+            <a:pPr algn="ctr"/>
+            <a:r>
+              <a:rPr lang="ja-JP" altLang="en-US" sz="2400" b="1" dirty="0" smtClean="0">
+                <a:ln>
+                  <a:solidFill>
+                    <a:schemeClr val="bg1"/>
+                  </a:solidFill>
+                </a:ln>
+                <a:solidFill>
+                  <a:schemeClr val="bg1"/>
+                </a:solidFill>
+              </a:rPr>
+              <a:t>車</a:t>
+            </a:r>
+            <a:r>
+              <a:rPr lang="ja-JP" altLang="en-US" sz="2400" b="1" dirty="0" smtClean="0">
+                <a:ln>
+                  <a:solidFill>
+                    <a:schemeClr val="bg1"/>
+                  </a:solidFill>
+                </a:ln>
+                <a:solidFill>
+                  <a:srgbClr val="0070C0"/>
+                </a:solidFill>
+              </a:rPr>
+              <a:t>１</a:t>
+            </a:r>
+            <a:r>
+              <a:rPr lang="en-US" altLang="ja-JP" sz="2400" b="1" dirty="0">
+                <a:ln>
+                  <a:solidFill>
+                    <a:schemeClr val="bg1"/>
+                  </a:solidFill>
+                </a:ln>
+                <a:solidFill>
+                  <a:srgbClr val="0070C0"/>
+                </a:solidFill>
+              </a:rPr>
+              <a:t>P</a:t>
+            </a:r>
+            <a:endParaRPr lang="ja-JP" altLang="en-US" sz="2400" b="1" dirty="0">
+              <a:ln>
+                <a:solidFill>
+                  <a:schemeClr val="bg1"/>
+                </a:solidFill>
+              </a:ln>
+              <a:solidFill>
+                <a:srgbClr val="0070C0"/>
+              </a:solidFill>
+            </a:endParaRPr>
+          </a:p>
+        </p:txBody>
+      </p:sp>
+      <p:sp>
+        <p:nvSpPr>
+          <p:cNvPr id="6" name="正方形/長方形 5"/>
+          <p:cNvSpPr/>
+          <p:nvPr/>
+        </p:nvSpPr>
+        <p:spPr>
+          <a:xfrm>
+            <a:off x="2435469" y="808893"/>
+            <a:ext cx="7587762" cy="2154115"/>
+          </a:xfrm>
+          <a:prstGeom prst="rect">
+            <a:avLst/>
+          </a:prstGeom>
+        </p:spPr>
+        <p:style>
+          <a:lnRef idx="2">
+            <a:schemeClr val="accent1">
+              <a:shade val="50000"/>
+            </a:schemeClr>
+          </a:lnRef>
+          <a:fillRef idx="1">
+            <a:schemeClr val="accent1"/>
+          </a:fillRef>
+          <a:effectRef idx="0">
+            <a:schemeClr val="accent1"/>
+          </a:effectRef>
+          <a:fontRef idx="minor">
+            <a:schemeClr val="lt1"/>
+          </a:fontRef>
+        </p:style>
+        <p:txBody>
+          <a:bodyPr rtlCol="0" anchor="ctr"/>
+          <a:lstStyle/>
+          <a:p>
+            <a:pPr algn="ctr"/>
+            <a:endParaRPr kumimoji="1" lang="ja-JP" altLang="en-US"/>
+          </a:p>
+        </p:txBody>
+      </p:sp>
+      <p:sp>
+        <p:nvSpPr>
+          <p:cNvPr id="7" name="正方形/長方形 6"/>
+          <p:cNvSpPr/>
+          <p:nvPr/>
+        </p:nvSpPr>
+        <p:spPr>
+          <a:xfrm>
+            <a:off x="9261231" y="5319349"/>
+            <a:ext cx="2286000" cy="1019908"/>
+          </a:xfrm>
+          <a:prstGeom prst="rect">
+            <a:avLst/>
+          </a:prstGeom>
+        </p:spPr>
+        <p:style>
+          <a:lnRef idx="1">
+            <a:schemeClr val="dk1"/>
+          </a:lnRef>
+          <a:fillRef idx="2">
+            <a:schemeClr val="dk1"/>
+          </a:fillRef>
+          <a:effectRef idx="1">
+            <a:schemeClr val="dk1"/>
+          </a:effectRef>
+          <a:fontRef idx="minor">
+            <a:schemeClr val="dk1"/>
+          </a:fontRef>
+        </p:style>
+        <p:txBody>
+          <a:bodyPr rtlCol="0" anchor="ctr"/>
+          <a:lstStyle/>
+          <a:p>
+            <a:pPr algn="ctr"/>
+            <a:r>
+              <a:rPr lang="ja-JP" altLang="en-US" sz="2400" b="1" dirty="0" smtClean="0">
+                <a:ln>
+                  <a:solidFill>
+                    <a:schemeClr val="bg1"/>
+                  </a:solidFill>
+                </a:ln>
+                <a:solidFill>
+                  <a:schemeClr val="bg1"/>
+                </a:solidFill>
+              </a:rPr>
+              <a:t>車</a:t>
+            </a:r>
+            <a:r>
+              <a:rPr lang="en-US" altLang="ja-JP" sz="2400" b="1" dirty="0" smtClean="0">
+                <a:ln>
+                  <a:solidFill>
+                    <a:schemeClr val="bg1"/>
+                  </a:solidFill>
+                </a:ln>
+                <a:solidFill>
+                  <a:srgbClr val="FF0000"/>
+                </a:solidFill>
+              </a:rPr>
+              <a:t>2P</a:t>
+            </a:r>
+            <a:endParaRPr lang="ja-JP" altLang="en-US" sz="2400" b="1" dirty="0">
+              <a:ln>
+                <a:solidFill>
+                  <a:schemeClr val="bg1"/>
+                </a:solidFill>
+              </a:ln>
+              <a:solidFill>
+                <a:srgbClr val="FF0000"/>
+              </a:solidFill>
+            </a:endParaRPr>
+          </a:p>
+        </p:txBody>
+      </p:sp>
+      <p:sp>
+        <p:nvSpPr>
+          <p:cNvPr id="2" name="右矢印 1"/>
+          <p:cNvSpPr/>
+          <p:nvPr/>
+        </p:nvSpPr>
+        <p:spPr>
+          <a:xfrm>
+            <a:off x="2831125" y="3402624"/>
+            <a:ext cx="3938954" cy="1248508"/>
+          </a:xfrm>
+          <a:prstGeom prst="rightArrow">
+            <a:avLst>
+              <a:gd name="adj1" fmla="val 50000"/>
+              <a:gd name="adj2" fmla="val 116901"/>
+            </a:avLst>
+          </a:prstGeom>
+        </p:spPr>
+        <p:style>
+          <a:lnRef idx="2">
+            <a:schemeClr val="accent1">
+              <a:shade val="50000"/>
+            </a:schemeClr>
+          </a:lnRef>
+          <a:fillRef idx="1">
+            <a:schemeClr val="accent1"/>
+          </a:fillRef>
+          <a:effectRef idx="0">
+            <a:schemeClr val="accent1"/>
+          </a:effectRef>
+          <a:fontRef idx="minor">
+            <a:schemeClr val="lt1"/>
+          </a:fontRef>
+        </p:style>
+        <p:txBody>
+          <a:bodyPr rtlCol="0" anchor="ctr"/>
+          <a:lstStyle/>
+          <a:p>
+            <a:pPr algn="ctr"/>
+            <a:endParaRPr kumimoji="1" lang="ja-JP" altLang="en-US"/>
+          </a:p>
+        </p:txBody>
+      </p:sp>
+      <p:sp>
+        <p:nvSpPr>
+          <p:cNvPr id="3" name="テキスト ボックス 2"/>
+          <p:cNvSpPr txBox="1"/>
+          <p:nvPr/>
+        </p:nvSpPr>
+        <p:spPr>
+          <a:xfrm>
+            <a:off x="2760783" y="4580766"/>
+            <a:ext cx="2356340" cy="369332"/>
+          </a:xfrm>
+          <a:prstGeom prst="rect">
+            <a:avLst/>
+          </a:prstGeom>
+          <a:noFill/>
+        </p:spPr>
+        <p:txBody>
+          <a:bodyPr wrap="square" rtlCol="0">
+            <a:spAutoFit/>
+          </a:bodyPr>
+          <a:lstStyle/>
+          <a:p>
+            <a:r>
+              <a:rPr kumimoji="1" lang="ja-JP" altLang="en-US" dirty="0" smtClean="0"/>
+              <a:t>決定したら画面外へ</a:t>
+            </a:r>
+            <a:endParaRPr kumimoji="1" lang="ja-JP" altLang="en-US" dirty="0"/>
+          </a:p>
+        </p:txBody>
+      </p:sp>
+      <p:sp>
+        <p:nvSpPr>
+          <p:cNvPr id="8" name="テキスト ボックス 7"/>
+          <p:cNvSpPr txBox="1"/>
+          <p:nvPr/>
+        </p:nvSpPr>
+        <p:spPr>
+          <a:xfrm>
+            <a:off x="7309336" y="6392096"/>
+            <a:ext cx="2356340" cy="369332"/>
+          </a:xfrm>
+          <a:prstGeom prst="rect">
+            <a:avLst/>
+          </a:prstGeom>
+          <a:noFill/>
+        </p:spPr>
+        <p:txBody>
+          <a:bodyPr wrap="square" rtlCol="0">
+            <a:spAutoFit/>
+          </a:bodyPr>
+          <a:lstStyle/>
+          <a:p>
+            <a:r>
+              <a:rPr kumimoji="1" lang="ja-JP" altLang="en-US" dirty="0" smtClean="0"/>
+              <a:t>決定したら画面外へ</a:t>
+            </a:r>
+            <a:endParaRPr kumimoji="1" lang="ja-JP" altLang="en-US" dirty="0"/>
+          </a:p>
+        </p:txBody>
+      </p:sp>
+      <p:sp>
+        <p:nvSpPr>
+          <p:cNvPr id="9" name="右矢印 8"/>
+          <p:cNvSpPr/>
+          <p:nvPr/>
+        </p:nvSpPr>
+        <p:spPr>
+          <a:xfrm rot="10800000">
+            <a:off x="5473213" y="5205049"/>
+            <a:ext cx="3938954" cy="1248508"/>
+          </a:xfrm>
+          <a:prstGeom prst="rightArrow">
+            <a:avLst>
+              <a:gd name="adj1" fmla="val 50000"/>
+              <a:gd name="adj2" fmla="val 116901"/>
+            </a:avLst>
+          </a:prstGeom>
+        </p:spPr>
+        <p:style>
+          <a:lnRef idx="2">
+            <a:schemeClr val="accent1">
+              <a:shade val="50000"/>
+            </a:schemeClr>
+          </a:lnRef>
+          <a:fillRef idx="1">
+            <a:schemeClr val="accent1"/>
+          </a:fillRef>
+          <a:effectRef idx="0">
+            <a:schemeClr val="accent1"/>
+          </a:effectRef>
+          <a:fontRef idx="minor">
+            <a:schemeClr val="lt1"/>
+          </a:fontRef>
+        </p:style>
+        <p:txBody>
+          <a:bodyPr rtlCol="0" anchor="ctr"/>
+          <a:lstStyle/>
+          <a:p>
+            <a:pPr algn="ctr"/>
+            <a:endParaRPr kumimoji="1" lang="ja-JP" altLang="en-US"/>
+          </a:p>
+        </p:txBody>
+      </p:sp>
+      <p:sp>
+        <p:nvSpPr>
+          <p:cNvPr id="10" name="正方形/長方形 9"/>
+          <p:cNvSpPr/>
+          <p:nvPr/>
+        </p:nvSpPr>
+        <p:spPr>
+          <a:xfrm>
+            <a:off x="3086100" y="1222131"/>
+            <a:ext cx="6057900" cy="1380392"/>
+          </a:xfrm>
+          <a:prstGeom prst="rect">
+            <a:avLst/>
+          </a:prstGeom>
+          <a:solidFill>
+            <a:schemeClr val="bg1"/>
+          </a:solidFill>
+        </p:spPr>
+        <p:style>
+          <a:lnRef idx="2">
+            <a:schemeClr val="dk1"/>
+          </a:lnRef>
+          <a:fillRef idx="1">
+            <a:schemeClr val="lt1"/>
+          </a:fillRef>
+          <a:effectRef idx="0">
+            <a:schemeClr val="dk1"/>
+          </a:effectRef>
+          <a:fontRef idx="minor">
+            <a:schemeClr val="dk1"/>
+          </a:fontRef>
+        </p:style>
+        <p:txBody>
+          <a:bodyPr rtlCol="0" anchor="ctr"/>
+          <a:lstStyle/>
+          <a:p>
+            <a:pPr algn="ctr"/>
+            <a:r>
+              <a:rPr kumimoji="1" lang="ja-JP" altLang="en-US" sz="7200" b="1" dirty="0" smtClean="0">
+                <a:effectLst>
+                  <a:outerShdw blurRad="38100" dist="38100" dir="2700000" algn="tl">
+                    <a:srgbClr val="000000">
+                      <a:alpha val="43137"/>
+                    </a:srgbClr>
+                  </a:outerShdw>
+                </a:effectLst>
+              </a:rPr>
+              <a:t>タイトル</a:t>
+            </a:r>
+            <a:endParaRPr kumimoji="1" lang="ja-JP" altLang="en-US" sz="7200" b="1" dirty="0">
+              <a:effectLst>
+                <a:outerShdw blurRad="38100" dist="38100" dir="2700000" algn="tl">
+                  <a:srgbClr val="000000">
+                    <a:alpha val="43137"/>
+                  </a:srgbClr>
+                </a:outerShdw>
+              </a:effectLst>
+            </a:endParaRPr>
+          </a:p>
+        </p:txBody>
+      </p:sp>
+      <p:sp>
+        <p:nvSpPr>
+          <p:cNvPr id="12" name="テキスト ボックス 11"/>
+          <p:cNvSpPr txBox="1"/>
+          <p:nvPr/>
+        </p:nvSpPr>
+        <p:spPr>
+          <a:xfrm>
+            <a:off x="395473" y="2334826"/>
+            <a:ext cx="1811396" cy="369332"/>
+          </a:xfrm>
+          <a:prstGeom prst="rect">
+            <a:avLst/>
+          </a:prstGeom>
+          <a:noFill/>
+        </p:spPr>
+        <p:txBody>
+          <a:bodyPr wrap="square" rtlCol="0">
+            <a:spAutoFit/>
+          </a:bodyPr>
+          <a:lstStyle/>
+          <a:p>
+            <a:pPr algn="ctr"/>
+            <a:r>
+              <a:rPr kumimoji="1" lang="ja-JP" altLang="en-US" dirty="0" smtClean="0"/>
+              <a:t>背景は</a:t>
+            </a:r>
+            <a:r>
+              <a:rPr lang="en-US" altLang="ja-JP" b="1" dirty="0">
+                <a:solidFill>
+                  <a:srgbClr val="7030A0"/>
+                </a:solidFill>
+              </a:rPr>
+              <a:t>2D</a:t>
+            </a:r>
+            <a:endParaRPr lang="ja-JP" altLang="en-US" b="1" dirty="0">
+              <a:solidFill>
+                <a:srgbClr val="7030A0"/>
+              </a:solidFill>
+            </a:endParaRPr>
+          </a:p>
+        </p:txBody>
+      </p:sp>
+      <p:sp>
+        <p:nvSpPr>
+          <p:cNvPr id="13" name="テキスト ボックス 12"/>
+          <p:cNvSpPr txBox="1"/>
+          <p:nvPr/>
+        </p:nvSpPr>
+        <p:spPr>
+          <a:xfrm>
+            <a:off x="2481775" y="1222131"/>
+            <a:ext cx="604325" cy="461665"/>
+          </a:xfrm>
+          <a:prstGeom prst="rect">
+            <a:avLst/>
+          </a:prstGeom>
+          <a:solidFill>
+            <a:schemeClr val="bg1"/>
+          </a:solidFill>
+        </p:spPr>
+        <p:txBody>
+          <a:bodyPr wrap="square" rtlCol="0">
+            <a:spAutoFit/>
+          </a:bodyPr>
+          <a:lstStyle/>
+          <a:p>
+            <a:pPr algn="ctr"/>
+            <a:r>
+              <a:rPr kumimoji="1" lang="en-US" altLang="ja-JP" sz="2400" b="1" dirty="0" smtClean="0">
+                <a:solidFill>
+                  <a:srgbClr val="7030A0"/>
+                </a:solidFill>
+              </a:rPr>
+              <a:t>2D</a:t>
+            </a:r>
+            <a:endParaRPr kumimoji="1" lang="ja-JP" altLang="en-US" sz="2400" b="1" dirty="0">
+              <a:solidFill>
+                <a:srgbClr val="7030A0"/>
+              </a:solidFill>
+            </a:endParaRPr>
+          </a:p>
+        </p:txBody>
+      </p:sp>
+      <p:sp>
+        <p:nvSpPr>
+          <p:cNvPr id="14" name="テキスト ボックス 13"/>
+          <p:cNvSpPr txBox="1"/>
+          <p:nvPr/>
+        </p:nvSpPr>
+        <p:spPr>
+          <a:xfrm>
+            <a:off x="696756" y="3435829"/>
+            <a:ext cx="535162" cy="369332"/>
+          </a:xfrm>
+          <a:prstGeom prst="rect">
+            <a:avLst/>
+          </a:prstGeom>
+          <a:solidFill>
+            <a:schemeClr val="bg1"/>
+          </a:solidFill>
+        </p:spPr>
+        <p:txBody>
+          <a:bodyPr wrap="square" rtlCol="0">
+            <a:spAutoFit/>
+          </a:bodyPr>
+          <a:lstStyle/>
+          <a:p>
+            <a:pPr algn="ctr"/>
+            <a:r>
+              <a:rPr kumimoji="1" lang="en-US" altLang="ja-JP" b="1" dirty="0" smtClean="0">
+                <a:solidFill>
+                  <a:srgbClr val="7030A0"/>
+                </a:solidFill>
+              </a:rPr>
+              <a:t>2D</a:t>
+            </a:r>
+            <a:endParaRPr kumimoji="1" lang="ja-JP" altLang="en-US" b="1" dirty="0">
+              <a:solidFill>
+                <a:srgbClr val="7030A0"/>
+              </a:solidFill>
+            </a:endParaRPr>
+          </a:p>
+        </p:txBody>
+      </p:sp>
+      <p:sp>
+        <p:nvSpPr>
+          <p:cNvPr id="15" name="テキスト ボックス 14"/>
+          <p:cNvSpPr txBox="1"/>
+          <p:nvPr/>
+        </p:nvSpPr>
+        <p:spPr>
+          <a:xfrm>
+            <a:off x="9398095" y="5429241"/>
+            <a:ext cx="535162" cy="369332"/>
+          </a:xfrm>
+          <a:prstGeom prst="rect">
+            <a:avLst/>
+          </a:prstGeom>
+          <a:solidFill>
+            <a:schemeClr val="bg1"/>
+          </a:solidFill>
+        </p:spPr>
+        <p:txBody>
+          <a:bodyPr wrap="square" rtlCol="0">
+            <a:spAutoFit/>
+          </a:bodyPr>
+          <a:lstStyle/>
+          <a:p>
+            <a:pPr algn="ctr"/>
+            <a:r>
+              <a:rPr kumimoji="1" lang="en-US" altLang="ja-JP" b="1" dirty="0" smtClean="0">
+                <a:solidFill>
+                  <a:srgbClr val="7030A0"/>
+                </a:solidFill>
+              </a:rPr>
+              <a:t>2D</a:t>
+            </a:r>
+            <a:endParaRPr kumimoji="1" lang="ja-JP" altLang="en-US" b="1" dirty="0">
+              <a:solidFill>
+                <a:srgbClr val="7030A0"/>
+              </a:solidFill>
+            </a:endParaRPr>
+          </a:p>
+        </p:txBody>
+      </p:sp>
+    </p:spTree>
+    <p:extLst>
+      <p:ext uri="{BB962C8B-B14F-4D97-AF65-F5344CB8AC3E}">
+        <p14:creationId xmlns:p14="http://schemas.microsoft.com/office/powerpoint/2010/main" val="1691835811"/>
+      </p:ext>
+    </p:extLst>
+  </p:cSld>
+  <p:clrMapOvr>
+    <a:masterClrMapping/>
+  </p:clrMapOvr>
+  <mc:AlternateContent xmlns:mc="http://schemas.openxmlformats.org/markup-compatibility/2006">
+    <mc:Choice xmlns:p14="http://schemas.microsoft.com/office/powerpoint/2010/main" Requires="p14">
+      <p:transition spd="slow" p14:dur="2000"/>
+    </mc:Choice>
+    <mc:Fallback>
+      <p:transition spd="slow"/>
+    </mc:Fallback>
+  </mc:AlternateContent>
+  <p:timing>
+    <p:tnLst>
+      <p:par>
+        <p:cTn id="1" dur="indefinite" restart="never" nodeType="tmRoot">
+          <p:childTnLst>
+            <p:seq concurrent="1" nextAc="seek">
+              <p:cTn id="2" dur="indefinite" nodeType="mainSeq">
+                <p:childTnLst>
+                  <p:par>
+                    <p:cTn id="3" fill="hold">
+                      <p:stCondLst>
+                        <p:cond delay="indefinite"/>
+                      </p:stCondLst>
+                      <p:childTnLst>
+                        <p:par>
+                          <p:cTn id="4" fill="hold">
+                            <p:stCondLst>
+                              <p:cond delay="0"/>
+                            </p:stCondLst>
+                            <p:childTnLst>
+                              <p:par>
+                                <p:cTn id="5" presetID="2" presetClass="exit" presetSubtype="2" fill="hold" grpId="0" nodeType="clickEffect">
+                                  <p:stCondLst>
+                                    <p:cond delay="0"/>
+                                  </p:stCondLst>
+                                  <p:childTnLst>
+                                    <p:anim calcmode="lin" valueType="num">
+                                      <p:cBhvr additive="base">
+                                        <p:cTn id="6" dur="500"/>
+                                        <p:tgtEl>
+                                          <p:spTgt spid="5"/>
+                                        </p:tgtEl>
+                                        <p:attrNameLst>
+                                          <p:attrName>ppt_x</p:attrName>
+                                        </p:attrNameLst>
+                                      </p:cBhvr>
+                                      <p:tavLst>
+                                        <p:tav tm="0">
+                                          <p:val>
+                                            <p:strVal val="ppt_x"/>
+                                          </p:val>
+                                        </p:tav>
+                                        <p:tav tm="100000">
+                                          <p:val>
+                                            <p:strVal val="1+ppt_w/2"/>
+                                          </p:val>
+                                        </p:tav>
+                                      </p:tavLst>
+                                    </p:anim>
+                                    <p:anim calcmode="lin" valueType="num">
+                                      <p:cBhvr additive="base">
+                                        <p:cTn id="7" dur="500"/>
+                                        <p:tgtEl>
+                                          <p:spTgt spid="5"/>
+                                        </p:tgtEl>
+                                        <p:attrNameLst>
+                                          <p:attrName>ppt_y</p:attrName>
+                                        </p:attrNameLst>
+                                      </p:cBhvr>
+                                      <p:tavLst>
+                                        <p:tav tm="0">
+                                          <p:val>
+                                            <p:strVal val="ppt_y"/>
+                                          </p:val>
+                                        </p:tav>
+                                        <p:tav tm="100000">
+                                          <p:val>
+                                            <p:strVal val="ppt_y"/>
+                                          </p:val>
+                                        </p:tav>
+                                      </p:tavLst>
+                                    </p:anim>
+                                    <p:set>
+                                      <p:cBhvr>
+                                        <p:cTn id="8" dur="1" fill="hold">
+                                          <p:stCondLst>
+                                            <p:cond delay="499"/>
+                                          </p:stCondLst>
+                                        </p:cTn>
+                                        <p:tgtEl>
+                                          <p:spTgt spid="5"/>
+                                        </p:tgtEl>
+                                        <p:attrNameLst>
+                                          <p:attrName>style.visibility</p:attrName>
+                                        </p:attrNameLst>
+                                      </p:cBhvr>
+                                      <p:to>
+                                        <p:strVal val="hidden"/>
+                                      </p:to>
+                                    </p:set>
+                                  </p:childTnLst>
+                                </p:cTn>
+                              </p:par>
+                              <p:par>
+                                <p:cTn id="9" presetID="2" presetClass="exit" presetSubtype="8" fill="hold" grpId="0" nodeType="withEffect">
+                                  <p:stCondLst>
+                                    <p:cond delay="0"/>
+                                  </p:stCondLst>
+                                  <p:childTnLst>
+                                    <p:anim calcmode="lin" valueType="num">
+                                      <p:cBhvr additive="base">
+                                        <p:cTn id="10" dur="500"/>
+                                        <p:tgtEl>
+                                          <p:spTgt spid="7"/>
+                                        </p:tgtEl>
+                                        <p:attrNameLst>
+                                          <p:attrName>ppt_x</p:attrName>
+                                        </p:attrNameLst>
+                                      </p:cBhvr>
+                                      <p:tavLst>
+                                        <p:tav tm="0">
+                                          <p:val>
+                                            <p:strVal val="ppt_x"/>
+                                          </p:val>
+                                        </p:tav>
+                                        <p:tav tm="100000">
+                                          <p:val>
+                                            <p:strVal val="0-ppt_w/2"/>
+                                          </p:val>
+                                        </p:tav>
+                                      </p:tavLst>
+                                    </p:anim>
+                                    <p:anim calcmode="lin" valueType="num">
+                                      <p:cBhvr additive="base">
+                                        <p:cTn id="11" dur="500"/>
+                                        <p:tgtEl>
+                                          <p:spTgt spid="7"/>
+                                        </p:tgtEl>
+                                        <p:attrNameLst>
+                                          <p:attrName>ppt_y</p:attrName>
+                                        </p:attrNameLst>
+                                      </p:cBhvr>
+                                      <p:tavLst>
+                                        <p:tav tm="0">
+                                          <p:val>
+                                            <p:strVal val="ppt_y"/>
+                                          </p:val>
+                                        </p:tav>
+                                        <p:tav tm="100000">
+                                          <p:val>
+                                            <p:strVal val="ppt_y"/>
+                                          </p:val>
+                                        </p:tav>
+                                      </p:tavLst>
+                                    </p:anim>
+                                    <p:set>
+                                      <p:cBhvr>
+                                        <p:cTn id="12" dur="1" fill="hold">
+                                          <p:stCondLst>
+                                            <p:cond delay="499"/>
+                                          </p:stCondLst>
+                                        </p:cTn>
+                                        <p:tgtEl>
+                                          <p:spTgt spid="7"/>
+                                        </p:tgtEl>
+                                        <p:attrNameLst>
+                                          <p:attrName>style.visibility</p:attrName>
+                                        </p:attrNameLst>
+                                      </p:cBhvr>
+                                      <p:to>
+                                        <p:strVal val="hidden"/>
+                                      </p:to>
+                                    </p:set>
+                                  </p:childTnLst>
+                                </p:cTn>
+                              </p:par>
+                            </p:childTnLst>
+                          </p:cTn>
+                        </p:par>
+                      </p:childTnLst>
+                    </p:cTn>
+                  </p:par>
+                </p:childTnLst>
+              </p:cTn>
+              <p:prevCondLst>
+                <p:cond evt="onPrev" delay="0">
+                  <p:tgtEl>
+                    <p:sldTgt/>
+                  </p:tgtEl>
+                </p:cond>
+              </p:prevCondLst>
+              <p:nextCondLst>
+                <p:cond evt="onNext" delay="0">
+                  <p:tgtEl>
+                    <p:sldTgt/>
+                  </p:tgtEl>
+                </p:cond>
+              </p:nextCondLst>
+            </p:seq>
+          </p:childTnLst>
+        </p:cTn>
+      </p:par>
+    </p:tnLst>
+    <p:bldLst>
+      <p:bldP spid="5" grpId="0" animBg="1"/>
+      <p:bldP spid="7" grpId="0" animBg="1"/>
+    </p:bldLst>
+  </p:timing>
+</p:sld>
+</file>
+
+<file path=ppt/slides/slide31.xml><?xml version="1.0" encoding="utf-8"?>
+<p:sld xmlns:a="http://schemas.openxmlformats.org/drawingml/2006/main" xmlns:r="http://schemas.openxmlformats.org/officeDocument/2006/relationships" xmlns:p="http://schemas.openxmlformats.org/presentationml/2006/main">
+  <p:cSld>
+    <p:spTree>
+      <p:nvGrpSpPr>
+        <p:cNvPr id="1" name=""/>
+        <p:cNvGrpSpPr/>
+        <p:nvPr/>
+      </p:nvGrpSpPr>
+      <p:grpSpPr>
+        <a:xfrm>
+          <a:off x="0" y="0"/>
+          <a:ext cx="0" cy="0"/>
+          <a:chOff x="0" y="0"/>
+          <a:chExt cx="0" cy="0"/>
+        </a:xfrm>
+      </p:grpSpPr>
+      <p:sp>
+        <p:nvSpPr>
+          <p:cNvPr id="2" name="タイトル 1"/>
+          <p:cNvSpPr>
+            <a:spLocks noGrp="1"/>
+          </p:cNvSpPr>
+          <p:nvPr>
+            <p:ph type="title"/>
+          </p:nvPr>
+        </p:nvSpPr>
+        <p:spPr/>
+        <p:txBody>
+          <a:bodyPr/>
+          <a:lstStyle/>
+          <a:p>
+            <a:r>
+              <a:rPr kumimoji="1" lang="ja-JP" altLang="en-US" dirty="0" smtClean="0"/>
+              <a:t>タイトル</a:t>
+            </a:r>
+            <a:endParaRPr kumimoji="1" lang="ja-JP" altLang="en-US" dirty="0"/>
+          </a:p>
+        </p:txBody>
+      </p:sp>
+      <p:pic>
+        <p:nvPicPr>
+          <p:cNvPr id="4" name="図 3"/>
+          <p:cNvPicPr>
+            <a:picLocks noChangeAspect="1"/>
+          </p:cNvPicPr>
+          <p:nvPr/>
+        </p:nvPicPr>
+        <p:blipFill>
+          <a:blip r:embed="rId2">
+            <a:extLst>
+              <a:ext uri="{28A0092B-C50C-407E-A947-70E740481C1C}">
+                <a14:useLocalDpi xmlns:a14="http://schemas.microsoft.com/office/drawing/2010/main" val="0"/>
+              </a:ext>
+            </a:extLst>
+          </a:blip>
+          <a:stretch>
+            <a:fillRect/>
+          </a:stretch>
+        </p:blipFill>
+        <p:spPr>
+          <a:xfrm>
+            <a:off x="2733764" y="1953640"/>
+            <a:ext cx="6724471" cy="2950720"/>
+          </a:xfrm>
+          <a:prstGeom prst="rect">
+            <a:avLst/>
+          </a:prstGeom>
+        </p:spPr>
+      </p:pic>
+    </p:spTree>
+    <p:extLst>
+      <p:ext uri="{BB962C8B-B14F-4D97-AF65-F5344CB8AC3E}">
+        <p14:creationId xmlns:p14="http://schemas.microsoft.com/office/powerpoint/2010/main" val="2494553579"/>
+      </p:ext>
+    </p:extLst>
+  </p:cSld>
+  <p:clrMapOvr>
+    <a:masterClrMapping/>
+  </p:clrMapOvr>
+  <p:timing>
+    <p:tnLst>
+      <p:par>
+        <p:cTn id="1" dur="indefinite" restart="never" nodeType="tmRoot"/>
+      </p:par>
+    </p:tnLst>
+  </p:timing>
+</p:sld>
+</file>
+
+<file path=ppt/slides/slide32.xml><?xml version="1.0" encoding="utf-8"?>
+<p:sld xmlns:a="http://schemas.openxmlformats.org/drawingml/2006/main" xmlns:r="http://schemas.openxmlformats.org/officeDocument/2006/relationships" xmlns:p="http://schemas.openxmlformats.org/presentationml/2006/main">
+  <p:cSld>
+    <p:spTree>
+      <p:nvGrpSpPr>
+        <p:cNvPr id="1" name=""/>
+        <p:cNvGrpSpPr/>
+        <p:nvPr/>
+      </p:nvGrpSpPr>
+      <p:grpSpPr>
+        <a:xfrm>
+          <a:off x="0" y="0"/>
+          <a:ext cx="0" cy="0"/>
+          <a:chOff x="0" y="0"/>
+          <a:chExt cx="0" cy="0"/>
+        </a:xfrm>
+      </p:grpSpPr>
+      <p:pic>
+        <p:nvPicPr>
+          <p:cNvPr id="16" name="図 15"/>
+          <p:cNvPicPr>
+            <a:picLocks noChangeAspect="1"/>
+          </p:cNvPicPr>
+          <p:nvPr/>
+        </p:nvPicPr>
+        <p:blipFill rotWithShape="1">
+          <a:blip r:embed="rId2">
+            <a:extLst>
+              <a:ext uri="{28A0092B-C50C-407E-A947-70E740481C1C}">
+                <a14:useLocalDpi xmlns:a14="http://schemas.microsoft.com/office/drawing/2010/main" val="0"/>
+              </a:ext>
+            </a:extLst>
+          </a:blip>
+          <a:srcRect l="6952" t="10284" r="6674" b="22481"/>
+          <a:stretch/>
+        </p:blipFill>
+        <p:spPr>
+          <a:xfrm>
+            <a:off x="3297115" y="761058"/>
+            <a:ext cx="5688624" cy="1943100"/>
+          </a:xfrm>
+          <a:prstGeom prst="rect">
+            <a:avLst/>
+          </a:prstGeom>
+          <a:effectLst>
+            <a:outerShdw blurRad="38100" dist="25400" dir="2100000" sx="106000" sy="106000" algn="ctr" rotWithShape="0">
+              <a:srgbClr val="000000">
+                <a:alpha val="42000"/>
+              </a:srgbClr>
+            </a:outerShdw>
+          </a:effectLst>
+        </p:spPr>
+      </p:pic>
+      <p:sp>
+        <p:nvSpPr>
+          <p:cNvPr id="4" name="テキスト ボックス 3"/>
+          <p:cNvSpPr txBox="1"/>
+          <p:nvPr/>
+        </p:nvSpPr>
+        <p:spPr>
+          <a:xfrm>
+            <a:off x="4125791" y="5765522"/>
+            <a:ext cx="4031272" cy="769441"/>
+          </a:xfrm>
+          <a:prstGeom prst="rect">
+            <a:avLst/>
+          </a:prstGeom>
+          <a:noFill/>
+        </p:spPr>
+        <p:txBody>
+          <a:bodyPr wrap="square" rtlCol="0">
+            <a:spAutoFit/>
+          </a:bodyPr>
+          <a:lstStyle/>
+          <a:p>
+            <a:pPr algn="ctr"/>
+            <a:r>
+              <a:rPr kumimoji="1" lang="en-US" altLang="ja-JP" sz="4400" b="1" dirty="0" smtClean="0">
+                <a:ln>
+                  <a:solidFill>
+                    <a:schemeClr val="bg1">
+                      <a:lumMod val="75000"/>
+                    </a:schemeClr>
+                  </a:solidFill>
+                </a:ln>
+                <a:solidFill>
+                  <a:schemeClr val="tx2"/>
+                </a:solidFill>
+                <a:latin typeface="源界明朝" panose="02000900000000000000" pitchFamily="2" charset="-128"/>
+                <a:ea typeface="源界明朝" panose="02000900000000000000" pitchFamily="2" charset="-128"/>
+              </a:rPr>
+              <a:t>Please</a:t>
+            </a:r>
+            <a:r>
+              <a:rPr lang="ja-JP" altLang="en-US" sz="4400" b="1" dirty="0">
+                <a:ln>
+                  <a:solidFill>
+                    <a:schemeClr val="bg1">
+                      <a:lumMod val="75000"/>
+                    </a:schemeClr>
+                  </a:solidFill>
+                </a:ln>
+                <a:solidFill>
+                  <a:schemeClr val="tx2"/>
+                </a:solidFill>
+                <a:latin typeface="源界明朝" panose="02000900000000000000" pitchFamily="2" charset="-128"/>
+                <a:ea typeface="源界明朝" panose="02000900000000000000" pitchFamily="2" charset="-128"/>
+              </a:rPr>
+              <a:t> </a:t>
+            </a:r>
+            <a:r>
+              <a:rPr kumimoji="1" lang="en-US" altLang="ja-JP" sz="4400" b="1" dirty="0" smtClean="0">
+                <a:ln>
+                  <a:solidFill>
+                    <a:schemeClr val="bg1">
+                      <a:lumMod val="75000"/>
+                    </a:schemeClr>
+                  </a:solidFill>
+                </a:ln>
+                <a:solidFill>
+                  <a:schemeClr val="tx2"/>
+                </a:solidFill>
+                <a:latin typeface="源界明朝" panose="02000900000000000000" pitchFamily="2" charset="-128"/>
+                <a:ea typeface="源界明朝" panose="02000900000000000000" pitchFamily="2" charset="-128"/>
+              </a:rPr>
+              <a:t>NEXT</a:t>
+            </a:r>
+            <a:endParaRPr kumimoji="1" lang="ja-JP" altLang="en-US" sz="4400" b="1" dirty="0">
+              <a:ln>
+                <a:solidFill>
+                  <a:schemeClr val="bg1">
+                    <a:lumMod val="75000"/>
+                  </a:schemeClr>
+                </a:solidFill>
+              </a:ln>
+              <a:solidFill>
+                <a:schemeClr val="tx2"/>
+              </a:solidFill>
+              <a:latin typeface="源界明朝" panose="02000900000000000000" pitchFamily="2" charset="-128"/>
+              <a:ea typeface="源界明朝" panose="02000900000000000000" pitchFamily="2" charset="-128"/>
+            </a:endParaRPr>
+          </a:p>
+        </p:txBody>
+      </p:sp>
+      <p:sp>
+        <p:nvSpPr>
+          <p:cNvPr id="11" name="円形吹き出し 10"/>
+          <p:cNvSpPr/>
+          <p:nvPr/>
+        </p:nvSpPr>
+        <p:spPr>
+          <a:xfrm>
+            <a:off x="5187462" y="4176346"/>
+            <a:ext cx="2875084" cy="1301263"/>
+          </a:xfrm>
+          <a:prstGeom prst="wedgeEllipseCallout">
+            <a:avLst/>
+          </a:prstGeom>
+          <a:ln w="57150">
+            <a:solidFill>
+              <a:schemeClr val="tx1"/>
+            </a:solidFill>
+          </a:ln>
+        </p:spPr>
+        <p:style>
+          <a:lnRef idx="2">
+            <a:schemeClr val="dk1"/>
+          </a:lnRef>
+          <a:fillRef idx="1">
+            <a:schemeClr val="lt1"/>
+          </a:fillRef>
+          <a:effectRef idx="0">
+            <a:schemeClr val="dk1"/>
+          </a:effectRef>
+          <a:fontRef idx="minor">
+            <a:schemeClr val="dk1"/>
+          </a:fontRef>
+        </p:style>
+        <p:txBody>
+          <a:bodyPr rtlCol="0" anchor="ctr"/>
+          <a:lstStyle/>
+          <a:p>
+            <a:pPr algn="ctr"/>
+            <a:endParaRPr kumimoji="1" lang="ja-JP" altLang="en-US" dirty="0"/>
+          </a:p>
+        </p:txBody>
+      </p:sp>
+      <p:sp>
+        <p:nvSpPr>
+          <p:cNvPr id="19" name="テキスト ボックス 18"/>
+          <p:cNvSpPr txBox="1"/>
+          <p:nvPr/>
+        </p:nvSpPr>
+        <p:spPr>
+          <a:xfrm>
+            <a:off x="5187462" y="4596144"/>
+            <a:ext cx="2875084" cy="461665"/>
+          </a:xfrm>
+          <a:prstGeom prst="rect">
+            <a:avLst/>
+          </a:prstGeom>
+          <a:noFill/>
+        </p:spPr>
+        <p:txBody>
+          <a:bodyPr wrap="square" rtlCol="0">
+            <a:spAutoFit/>
+          </a:bodyPr>
+          <a:lstStyle/>
+          <a:p>
+            <a:pPr algn="ctr"/>
+            <a:r>
+              <a:rPr lang="ja-JP" altLang="en-US" sz="2400" b="1" dirty="0" smtClean="0"/>
+              <a:t>押されたら消える</a:t>
+            </a:r>
+            <a:endParaRPr kumimoji="1" lang="ja-JP" altLang="en-US" sz="2400" b="1" dirty="0"/>
+          </a:p>
+        </p:txBody>
+      </p:sp>
+    </p:spTree>
+    <p:extLst>
+      <p:ext uri="{BB962C8B-B14F-4D97-AF65-F5344CB8AC3E}">
+        <p14:creationId xmlns:p14="http://schemas.microsoft.com/office/powerpoint/2010/main" val="1045976095"/>
+      </p:ext>
+    </p:extLst>
+  </p:cSld>
+  <p:clrMapOvr>
+    <a:masterClrMapping/>
+  </p:clrMapOvr>
+  <mc:AlternateContent xmlns:mc="http://schemas.openxmlformats.org/markup-compatibility/2006">
+    <mc:Choice xmlns:p14="http://schemas.microsoft.com/office/powerpoint/2010/main" Requires="p14">
+      <p:transition spd="slow" p14:dur="2000"/>
+    </mc:Choice>
+    <mc:Fallback>
+      <p:transition spd="slow"/>
+    </mc:Fallback>
+  </mc:AlternateContent>
+  <p:timing>
+    <p:tnLst>
+      <p:par>
+        <p:cTn id="1" dur="indefinite" restart="never" nodeType="tmRoot"/>
+      </p:par>
+    </p:tnLst>
+  </p:timing>
+</p:sld>
+</file>
+
+<file path=ppt/slides/slide33.xml><?xml version="1.0" encoding="utf-8"?>
+<p:sld xmlns:a="http://schemas.openxmlformats.org/drawingml/2006/main" xmlns:r="http://schemas.openxmlformats.org/officeDocument/2006/relationships" xmlns:p="http://schemas.openxmlformats.org/presentationml/2006/main">
+  <p:cSld>
+    <p:spTree>
+      <p:nvGrpSpPr>
+        <p:cNvPr id="1" name=""/>
+        <p:cNvGrpSpPr/>
+        <p:nvPr/>
+      </p:nvGrpSpPr>
+      <p:grpSpPr>
+        <a:xfrm>
+          <a:off x="0" y="0"/>
+          <a:ext cx="0" cy="0"/>
+          <a:chOff x="0" y="0"/>
+          <a:chExt cx="0" cy="0"/>
+        </a:xfrm>
+      </p:grpSpPr>
+      <p:sp>
+        <p:nvSpPr>
+          <p:cNvPr id="5" name="正方形/長方形 4"/>
+          <p:cNvSpPr/>
+          <p:nvPr/>
+        </p:nvSpPr>
+        <p:spPr>
+          <a:xfrm>
+            <a:off x="0" y="3130331"/>
+            <a:ext cx="1949222" cy="943631"/>
+          </a:xfrm>
+          <a:prstGeom prst="rect">
+            <a:avLst/>
+          </a:prstGeom>
+        </p:spPr>
+        <p:style>
+          <a:lnRef idx="1">
+            <a:schemeClr val="dk1"/>
+          </a:lnRef>
+          <a:fillRef idx="2">
+            <a:schemeClr val="dk1"/>
+          </a:fillRef>
+          <a:effectRef idx="1">
+            <a:schemeClr val="dk1"/>
+          </a:effectRef>
+          <a:fontRef idx="minor">
+            <a:schemeClr val="dk1"/>
+          </a:fontRef>
+        </p:style>
+        <p:txBody>
+          <a:bodyPr rtlCol="0" anchor="ctr"/>
+          <a:lstStyle/>
+          <a:p>
+            <a:pPr algn="ctr"/>
+            <a:r>
+              <a:rPr lang="ja-JP" altLang="en-US" sz="2400" b="1" dirty="0" smtClean="0">
+                <a:ln>
+                  <a:solidFill>
+                    <a:schemeClr val="bg1"/>
+                  </a:solidFill>
+                </a:ln>
+                <a:solidFill>
+                  <a:schemeClr val="bg1"/>
+                </a:solidFill>
+              </a:rPr>
+              <a:t>車</a:t>
+            </a:r>
+            <a:r>
+              <a:rPr lang="ja-JP" altLang="en-US" sz="2400" b="1" dirty="0" smtClean="0">
+                <a:ln>
+                  <a:solidFill>
+                    <a:schemeClr val="bg1"/>
+                  </a:solidFill>
+                </a:ln>
+                <a:solidFill>
+                  <a:srgbClr val="0070C0"/>
+                </a:solidFill>
+              </a:rPr>
+              <a:t>１</a:t>
+            </a:r>
+            <a:r>
+              <a:rPr lang="en-US" altLang="ja-JP" sz="2400" b="1" dirty="0">
+                <a:ln>
+                  <a:solidFill>
+                    <a:schemeClr val="bg1"/>
+                  </a:solidFill>
+                </a:ln>
+                <a:solidFill>
+                  <a:srgbClr val="0070C0"/>
+                </a:solidFill>
+              </a:rPr>
+              <a:t>P</a:t>
+            </a:r>
+            <a:endParaRPr lang="ja-JP" altLang="en-US" sz="2400" b="1" dirty="0">
+              <a:ln>
+                <a:solidFill>
+                  <a:schemeClr val="bg1"/>
+                </a:solidFill>
+              </a:ln>
+              <a:solidFill>
+                <a:srgbClr val="0070C0"/>
+              </a:solidFill>
+            </a:endParaRPr>
+          </a:p>
+        </p:txBody>
+      </p:sp>
+      <p:sp>
+        <p:nvSpPr>
+          <p:cNvPr id="7" name="正方形/長方形 6"/>
+          <p:cNvSpPr/>
+          <p:nvPr/>
+        </p:nvSpPr>
+        <p:spPr>
+          <a:xfrm>
+            <a:off x="10454053" y="5132313"/>
+            <a:ext cx="1676400" cy="1006463"/>
+          </a:xfrm>
+          <a:prstGeom prst="rect">
+            <a:avLst/>
+          </a:prstGeom>
+        </p:spPr>
+        <p:style>
+          <a:lnRef idx="1">
+            <a:schemeClr val="dk1"/>
+          </a:lnRef>
+          <a:fillRef idx="2">
+            <a:schemeClr val="dk1"/>
+          </a:fillRef>
+          <a:effectRef idx="1">
+            <a:schemeClr val="dk1"/>
+          </a:effectRef>
+          <a:fontRef idx="minor">
+            <a:schemeClr val="dk1"/>
+          </a:fontRef>
+        </p:style>
+        <p:txBody>
+          <a:bodyPr rtlCol="0" anchor="ctr"/>
+          <a:lstStyle/>
+          <a:p>
+            <a:pPr algn="ctr"/>
+            <a:r>
+              <a:rPr lang="ja-JP" altLang="en-US" sz="2400" b="1" dirty="0" smtClean="0">
+                <a:ln>
+                  <a:solidFill>
+                    <a:schemeClr val="bg1"/>
+                  </a:solidFill>
+                </a:ln>
+                <a:solidFill>
+                  <a:schemeClr val="bg1"/>
+                </a:solidFill>
+              </a:rPr>
+              <a:t>車</a:t>
+            </a:r>
+            <a:r>
+              <a:rPr lang="en-US" altLang="ja-JP" sz="2400" b="1" dirty="0" smtClean="0">
+                <a:ln>
+                  <a:solidFill>
+                    <a:schemeClr val="bg1"/>
+                  </a:solidFill>
+                </a:ln>
+                <a:solidFill>
+                  <a:srgbClr val="FF0000"/>
+                </a:solidFill>
+              </a:rPr>
+              <a:t>2P</a:t>
+            </a:r>
+            <a:endParaRPr lang="ja-JP" altLang="en-US" sz="2400" b="1" dirty="0">
+              <a:ln>
+                <a:solidFill>
+                  <a:schemeClr val="bg1"/>
+                </a:solidFill>
+              </a:ln>
+              <a:solidFill>
+                <a:srgbClr val="FF0000"/>
+              </a:solidFill>
+            </a:endParaRPr>
+          </a:p>
+        </p:txBody>
+      </p:sp>
+      <p:sp>
+        <p:nvSpPr>
+          <p:cNvPr id="2" name="右矢印 1"/>
+          <p:cNvSpPr/>
+          <p:nvPr/>
+        </p:nvSpPr>
+        <p:spPr>
+          <a:xfrm>
+            <a:off x="1617785" y="3120225"/>
+            <a:ext cx="2989384" cy="953737"/>
+          </a:xfrm>
+          <a:prstGeom prst="rightArrow">
+            <a:avLst>
+              <a:gd name="adj1" fmla="val 50000"/>
+              <a:gd name="adj2" fmla="val 116901"/>
+            </a:avLst>
+          </a:prstGeom>
+        </p:spPr>
+        <p:style>
+          <a:lnRef idx="2">
+            <a:schemeClr val="accent1">
+              <a:shade val="50000"/>
+            </a:schemeClr>
+          </a:lnRef>
+          <a:fillRef idx="1">
+            <a:schemeClr val="accent1"/>
+          </a:fillRef>
+          <a:effectRef idx="0">
+            <a:schemeClr val="accent1"/>
+          </a:effectRef>
+          <a:fontRef idx="minor">
+            <a:schemeClr val="lt1"/>
+          </a:fontRef>
+        </p:style>
+        <p:txBody>
+          <a:bodyPr rtlCol="0" anchor="ctr"/>
+          <a:lstStyle/>
+          <a:p>
+            <a:pPr algn="ctr"/>
+            <a:endParaRPr kumimoji="1" lang="ja-JP" altLang="en-US"/>
+          </a:p>
+        </p:txBody>
+      </p:sp>
+      <p:sp>
+        <p:nvSpPr>
+          <p:cNvPr id="3" name="テキスト ボックス 2"/>
+          <p:cNvSpPr txBox="1"/>
+          <p:nvPr/>
+        </p:nvSpPr>
+        <p:spPr>
+          <a:xfrm>
+            <a:off x="2283330" y="4145477"/>
+            <a:ext cx="1172047" cy="373472"/>
+          </a:xfrm>
+          <a:prstGeom prst="rect">
+            <a:avLst/>
+          </a:prstGeom>
+          <a:noFill/>
+        </p:spPr>
+        <p:txBody>
+          <a:bodyPr wrap="square" rtlCol="0">
+            <a:spAutoFit/>
+          </a:bodyPr>
+          <a:lstStyle/>
+          <a:p>
+            <a:pPr algn="ctr"/>
+            <a:r>
+              <a:rPr kumimoji="1" lang="ja-JP" altLang="en-US" dirty="0" smtClean="0"/>
+              <a:t>画面外</a:t>
+            </a:r>
+            <a:r>
+              <a:rPr kumimoji="1" lang="ja-JP" altLang="en-US" dirty="0" smtClean="0"/>
+              <a:t>へ</a:t>
+            </a:r>
+            <a:endParaRPr kumimoji="1" lang="ja-JP" altLang="en-US" dirty="0"/>
+          </a:p>
+        </p:txBody>
+      </p:sp>
+      <p:sp>
+        <p:nvSpPr>
+          <p:cNvPr id="8" name="テキスト ボックス 7"/>
+          <p:cNvSpPr txBox="1"/>
+          <p:nvPr/>
+        </p:nvSpPr>
+        <p:spPr>
+          <a:xfrm>
+            <a:off x="9399227" y="6142590"/>
+            <a:ext cx="1125165" cy="369332"/>
+          </a:xfrm>
+          <a:prstGeom prst="rect">
+            <a:avLst/>
+          </a:prstGeom>
+          <a:noFill/>
+        </p:spPr>
+        <p:txBody>
+          <a:bodyPr wrap="square" rtlCol="0">
+            <a:spAutoFit/>
+          </a:bodyPr>
+          <a:lstStyle/>
+          <a:p>
+            <a:pPr algn="ctr"/>
+            <a:r>
+              <a:rPr kumimoji="1" lang="ja-JP" altLang="en-US" dirty="0" smtClean="0"/>
+              <a:t>画面外</a:t>
+            </a:r>
+            <a:r>
+              <a:rPr kumimoji="1" lang="ja-JP" altLang="en-US" dirty="0" smtClean="0"/>
+              <a:t>へ</a:t>
+            </a:r>
+            <a:endParaRPr kumimoji="1" lang="ja-JP" altLang="en-US" dirty="0"/>
+          </a:p>
+        </p:txBody>
+      </p:sp>
+      <p:sp>
+        <p:nvSpPr>
+          <p:cNvPr id="9" name="右矢印 8"/>
+          <p:cNvSpPr/>
+          <p:nvPr/>
+        </p:nvSpPr>
+        <p:spPr>
+          <a:xfrm rot="10800000">
+            <a:off x="8071337" y="5195928"/>
+            <a:ext cx="2613939" cy="879234"/>
+          </a:xfrm>
+          <a:prstGeom prst="rightArrow">
+            <a:avLst>
+              <a:gd name="adj1" fmla="val 50000"/>
+              <a:gd name="adj2" fmla="val 116901"/>
+            </a:avLst>
+          </a:prstGeom>
+        </p:spPr>
+        <p:style>
+          <a:lnRef idx="2">
+            <a:schemeClr val="accent1">
+              <a:shade val="50000"/>
+            </a:schemeClr>
+          </a:lnRef>
+          <a:fillRef idx="1">
+            <a:schemeClr val="accent1"/>
+          </a:fillRef>
+          <a:effectRef idx="0">
+            <a:schemeClr val="accent1"/>
+          </a:effectRef>
+          <a:fontRef idx="minor">
+            <a:schemeClr val="lt1"/>
+          </a:fontRef>
+        </p:style>
+        <p:txBody>
+          <a:bodyPr rtlCol="0" anchor="ctr"/>
+          <a:lstStyle/>
+          <a:p>
+            <a:pPr algn="ctr"/>
+            <a:endParaRPr kumimoji="1" lang="ja-JP" altLang="en-US"/>
+          </a:p>
+        </p:txBody>
+      </p:sp>
+      <p:sp>
+        <p:nvSpPr>
+          <p:cNvPr id="14" name="テキスト ボックス 13"/>
+          <p:cNvSpPr txBox="1"/>
+          <p:nvPr/>
+        </p:nvSpPr>
+        <p:spPr>
+          <a:xfrm>
+            <a:off x="72502" y="3264606"/>
+            <a:ext cx="456321" cy="646331"/>
+          </a:xfrm>
+          <a:prstGeom prst="rect">
+            <a:avLst/>
+          </a:prstGeom>
+          <a:solidFill>
+            <a:schemeClr val="bg1"/>
+          </a:solidFill>
+        </p:spPr>
+        <p:txBody>
+          <a:bodyPr wrap="square" rtlCol="0">
+            <a:spAutoFit/>
+          </a:bodyPr>
+          <a:lstStyle/>
+          <a:p>
+            <a:pPr algn="ctr"/>
+            <a:r>
+              <a:rPr kumimoji="1" lang="en-US" altLang="ja-JP" b="1" dirty="0" smtClean="0">
+                <a:solidFill>
+                  <a:srgbClr val="7030A0"/>
+                </a:solidFill>
+              </a:rPr>
+              <a:t>2D</a:t>
+            </a:r>
+            <a:endParaRPr kumimoji="1" lang="ja-JP" altLang="en-US" b="1" dirty="0">
+              <a:solidFill>
+                <a:srgbClr val="7030A0"/>
+              </a:solidFill>
+            </a:endParaRPr>
+          </a:p>
+        </p:txBody>
+      </p:sp>
+      <p:sp>
+        <p:nvSpPr>
+          <p:cNvPr id="15" name="テキスト ボックス 14"/>
+          <p:cNvSpPr txBox="1"/>
+          <p:nvPr/>
+        </p:nvSpPr>
+        <p:spPr>
+          <a:xfrm>
+            <a:off x="11684975" y="5195928"/>
+            <a:ext cx="445477" cy="646331"/>
+          </a:xfrm>
+          <a:prstGeom prst="rect">
+            <a:avLst/>
+          </a:prstGeom>
+          <a:solidFill>
+            <a:schemeClr val="bg1"/>
+          </a:solidFill>
+        </p:spPr>
+        <p:txBody>
+          <a:bodyPr wrap="square" rtlCol="0">
+            <a:spAutoFit/>
+          </a:bodyPr>
+          <a:lstStyle/>
+          <a:p>
+            <a:pPr algn="ctr"/>
+            <a:r>
+              <a:rPr kumimoji="1" lang="en-US" altLang="ja-JP" b="1" dirty="0" smtClean="0">
+                <a:solidFill>
+                  <a:srgbClr val="7030A0"/>
+                </a:solidFill>
+              </a:rPr>
+              <a:t>2D</a:t>
+            </a:r>
+            <a:endParaRPr kumimoji="1" lang="ja-JP" altLang="en-US" b="1" dirty="0">
+              <a:solidFill>
+                <a:srgbClr val="7030A0"/>
+              </a:solidFill>
+            </a:endParaRPr>
+          </a:p>
+        </p:txBody>
+      </p:sp>
+      <p:sp>
+        <p:nvSpPr>
+          <p:cNvPr id="12" name="テキスト ボックス 11"/>
+          <p:cNvSpPr txBox="1"/>
+          <p:nvPr/>
+        </p:nvSpPr>
+        <p:spPr>
+          <a:xfrm>
+            <a:off x="298938" y="231152"/>
+            <a:ext cx="1793631" cy="369332"/>
+          </a:xfrm>
+          <a:prstGeom prst="rect">
+            <a:avLst/>
+          </a:prstGeom>
+          <a:noFill/>
+        </p:spPr>
+        <p:txBody>
+          <a:bodyPr wrap="square" rtlCol="0">
+            <a:spAutoFit/>
+          </a:bodyPr>
+          <a:lstStyle/>
+          <a:p>
+            <a:pPr algn="ctr"/>
+            <a:r>
+              <a:rPr kumimoji="1" lang="en-US" altLang="ja-JP" b="1" dirty="0" smtClean="0">
+                <a:ln>
+                  <a:solidFill>
+                    <a:schemeClr val="bg1">
+                      <a:lumMod val="75000"/>
+                    </a:schemeClr>
+                  </a:solidFill>
+                </a:ln>
+                <a:solidFill>
+                  <a:schemeClr val="tx2"/>
+                </a:solidFill>
+                <a:latin typeface="源界明朝" panose="02000900000000000000" pitchFamily="2" charset="-128"/>
+                <a:ea typeface="源界明朝" panose="02000900000000000000" pitchFamily="2" charset="-128"/>
+              </a:rPr>
+              <a:t>Please</a:t>
+            </a:r>
+            <a:r>
+              <a:rPr lang="ja-JP" altLang="en-US" b="1" dirty="0">
+                <a:ln>
+                  <a:solidFill>
+                    <a:schemeClr val="bg1">
+                      <a:lumMod val="75000"/>
+                    </a:schemeClr>
+                  </a:solidFill>
+                </a:ln>
+                <a:solidFill>
+                  <a:schemeClr val="tx2"/>
+                </a:solidFill>
+                <a:latin typeface="源界明朝" panose="02000900000000000000" pitchFamily="2" charset="-128"/>
+                <a:ea typeface="源界明朝" panose="02000900000000000000" pitchFamily="2" charset="-128"/>
+              </a:rPr>
+              <a:t> </a:t>
+            </a:r>
+            <a:r>
+              <a:rPr kumimoji="1" lang="en-US" altLang="ja-JP" b="1" dirty="0" smtClean="0">
+                <a:ln>
+                  <a:solidFill>
+                    <a:schemeClr val="bg1">
+                      <a:lumMod val="75000"/>
+                    </a:schemeClr>
+                  </a:solidFill>
+                </a:ln>
+                <a:solidFill>
+                  <a:schemeClr val="tx2"/>
+                </a:solidFill>
+                <a:latin typeface="源界明朝" panose="02000900000000000000" pitchFamily="2" charset="-128"/>
+                <a:ea typeface="源界明朝" panose="02000900000000000000" pitchFamily="2" charset="-128"/>
+              </a:rPr>
+              <a:t>NEXT</a:t>
+            </a:r>
+            <a:endParaRPr kumimoji="1" lang="ja-JP" altLang="en-US" b="1" dirty="0">
+              <a:ln>
+                <a:solidFill>
+                  <a:schemeClr val="bg1">
+                    <a:lumMod val="75000"/>
+                  </a:schemeClr>
+                </a:solidFill>
+              </a:ln>
+              <a:solidFill>
+                <a:schemeClr val="tx2"/>
+              </a:solidFill>
+              <a:latin typeface="源界明朝" panose="02000900000000000000" pitchFamily="2" charset="-128"/>
+              <a:ea typeface="源界明朝" panose="02000900000000000000" pitchFamily="2" charset="-128"/>
+            </a:endParaRPr>
+          </a:p>
+        </p:txBody>
+      </p:sp>
+      <p:sp>
+        <p:nvSpPr>
+          <p:cNvPr id="13" name="テキスト ボックス 12"/>
+          <p:cNvSpPr txBox="1"/>
+          <p:nvPr/>
+        </p:nvSpPr>
+        <p:spPr>
+          <a:xfrm>
+            <a:off x="1902069" y="231152"/>
+            <a:ext cx="1793631" cy="369332"/>
+          </a:xfrm>
+          <a:prstGeom prst="rect">
+            <a:avLst/>
+          </a:prstGeom>
+          <a:noFill/>
+        </p:spPr>
+        <p:txBody>
+          <a:bodyPr wrap="square" rtlCol="0">
+            <a:spAutoFit/>
+          </a:bodyPr>
+          <a:lstStyle/>
+          <a:p>
+            <a:pPr algn="ctr"/>
+            <a:r>
+              <a:rPr lang="ja-JP" altLang="en-US" b="1" dirty="0" smtClean="0">
+                <a:ln>
+                  <a:solidFill>
+                    <a:schemeClr val="bg1">
+                      <a:lumMod val="75000"/>
+                    </a:schemeClr>
+                  </a:solidFill>
+                </a:ln>
+                <a:latin typeface="+mn-ea"/>
+              </a:rPr>
+              <a:t>が押されたとき</a:t>
+            </a:r>
+            <a:endParaRPr kumimoji="1" lang="ja-JP" altLang="en-US" b="1" dirty="0">
+              <a:ln>
+                <a:solidFill>
+                  <a:schemeClr val="bg1">
+                    <a:lumMod val="75000"/>
+                  </a:schemeClr>
+                </a:solidFill>
+              </a:ln>
+              <a:latin typeface="+mn-ea"/>
+            </a:endParaRPr>
+          </a:p>
+        </p:txBody>
+      </p:sp>
+      <p:pic>
+        <p:nvPicPr>
+          <p:cNvPr id="21" name="図 20"/>
+          <p:cNvPicPr>
+            <a:picLocks noChangeAspect="1"/>
+          </p:cNvPicPr>
+          <p:nvPr/>
+        </p:nvPicPr>
+        <p:blipFill rotWithShape="1">
+          <a:blip r:embed="rId2">
+            <a:extLst>
+              <a:ext uri="{28A0092B-C50C-407E-A947-70E740481C1C}">
+                <a14:useLocalDpi xmlns:a14="http://schemas.microsoft.com/office/drawing/2010/main" val="0"/>
+              </a:ext>
+            </a:extLst>
+          </a:blip>
+          <a:srcRect l="6952" t="10284" r="6674" b="22481"/>
+          <a:stretch/>
+        </p:blipFill>
+        <p:spPr>
+          <a:xfrm>
+            <a:off x="3297115" y="761058"/>
+            <a:ext cx="5688624" cy="1943100"/>
+          </a:xfrm>
+          <a:prstGeom prst="rect">
+            <a:avLst/>
+          </a:prstGeom>
+          <a:effectLst>
+            <a:outerShdw blurRad="38100" dist="25400" dir="2100000" sx="106000" sy="106000" algn="ctr" rotWithShape="0">
+              <a:srgbClr val="000000">
+                <a:alpha val="42000"/>
+              </a:srgbClr>
+            </a:outerShdw>
+          </a:effectLst>
+        </p:spPr>
+      </p:pic>
+    </p:spTree>
+    <p:extLst>
+      <p:ext uri="{BB962C8B-B14F-4D97-AF65-F5344CB8AC3E}">
+        <p14:creationId xmlns:p14="http://schemas.microsoft.com/office/powerpoint/2010/main" val="203402168"/>
+      </p:ext>
+    </p:extLst>
+  </p:cSld>
+  <p:clrMapOvr>
+    <a:masterClrMapping/>
+  </p:clrMapOvr>
+  <mc:AlternateContent xmlns:mc="http://schemas.openxmlformats.org/markup-compatibility/2006">
+    <mc:Choice xmlns:p14="http://schemas.microsoft.com/office/powerpoint/2010/main" Requires="p14">
+      <p:transition spd="slow" p14:dur="2000"/>
+    </mc:Choice>
+    <mc:Fallback>
+      <p:transition spd="slow"/>
+    </mc:Fallback>
+  </mc:AlternateContent>
+  <p:timing>
+    <p:tnLst>
+      <p:par>
+        <p:cTn id="1" dur="indefinite" restart="never" nodeType="tmRoot">
+          <p:childTnLst>
+            <p:seq concurrent="1" nextAc="seek">
+              <p:cTn id="2" dur="indefinite" nodeType="mainSeq">
+                <p:childTnLst>
+                  <p:par>
+                    <p:cTn id="3" fill="hold">
+                      <p:stCondLst>
+                        <p:cond delay="indefinite"/>
+                      </p:stCondLst>
+                      <p:childTnLst>
+                        <p:par>
+                          <p:cTn id="4" fill="hold">
+                            <p:stCondLst>
+                              <p:cond delay="0"/>
+                            </p:stCondLst>
+                            <p:childTnLst>
+                              <p:par>
+                                <p:cTn id="5" presetID="2" presetClass="exit" presetSubtype="2" fill="hold" grpId="0" nodeType="clickEffect">
+                                  <p:stCondLst>
+                                    <p:cond delay="0"/>
+                                  </p:stCondLst>
+                                  <p:childTnLst>
+                                    <p:anim calcmode="lin" valueType="num">
+                                      <p:cBhvr additive="base">
+                                        <p:cTn id="6" dur="500"/>
+                                        <p:tgtEl>
+                                          <p:spTgt spid="5"/>
+                                        </p:tgtEl>
+                                        <p:attrNameLst>
+                                          <p:attrName>ppt_x</p:attrName>
+                                        </p:attrNameLst>
+                                      </p:cBhvr>
+                                      <p:tavLst>
+                                        <p:tav tm="0">
+                                          <p:val>
+                                            <p:strVal val="ppt_x"/>
+                                          </p:val>
+                                        </p:tav>
+                                        <p:tav tm="100000">
+                                          <p:val>
+                                            <p:strVal val="1+ppt_w/2"/>
+                                          </p:val>
+                                        </p:tav>
+                                      </p:tavLst>
+                                    </p:anim>
+                                    <p:anim calcmode="lin" valueType="num">
+                                      <p:cBhvr additive="base">
+                                        <p:cTn id="7" dur="500"/>
+                                        <p:tgtEl>
+                                          <p:spTgt spid="5"/>
+                                        </p:tgtEl>
+                                        <p:attrNameLst>
+                                          <p:attrName>ppt_y</p:attrName>
+                                        </p:attrNameLst>
+                                      </p:cBhvr>
+                                      <p:tavLst>
+                                        <p:tav tm="0">
+                                          <p:val>
+                                            <p:strVal val="ppt_y"/>
+                                          </p:val>
+                                        </p:tav>
+                                        <p:tav tm="100000">
+                                          <p:val>
+                                            <p:strVal val="ppt_y"/>
+                                          </p:val>
+                                        </p:tav>
+                                      </p:tavLst>
+                                    </p:anim>
+                                    <p:set>
+                                      <p:cBhvr>
+                                        <p:cTn id="8" dur="1" fill="hold">
+                                          <p:stCondLst>
+                                            <p:cond delay="499"/>
+                                          </p:stCondLst>
+                                        </p:cTn>
+                                        <p:tgtEl>
+                                          <p:spTgt spid="5"/>
+                                        </p:tgtEl>
+                                        <p:attrNameLst>
+                                          <p:attrName>style.visibility</p:attrName>
+                                        </p:attrNameLst>
+                                      </p:cBhvr>
+                                      <p:to>
+                                        <p:strVal val="hidden"/>
+                                      </p:to>
+                                    </p:set>
+                                  </p:childTnLst>
+                                </p:cTn>
+                              </p:par>
+                              <p:par>
+                                <p:cTn id="9" presetID="2" presetClass="exit" presetSubtype="8" fill="hold" grpId="0" nodeType="withEffect">
+                                  <p:stCondLst>
+                                    <p:cond delay="0"/>
+                                  </p:stCondLst>
+                                  <p:childTnLst>
+                                    <p:anim calcmode="lin" valueType="num">
+                                      <p:cBhvr additive="base">
+                                        <p:cTn id="10" dur="500"/>
+                                        <p:tgtEl>
+                                          <p:spTgt spid="7"/>
+                                        </p:tgtEl>
+                                        <p:attrNameLst>
+                                          <p:attrName>ppt_x</p:attrName>
+                                        </p:attrNameLst>
+                                      </p:cBhvr>
+                                      <p:tavLst>
+                                        <p:tav tm="0">
+                                          <p:val>
+                                            <p:strVal val="ppt_x"/>
+                                          </p:val>
+                                        </p:tav>
+                                        <p:tav tm="100000">
+                                          <p:val>
+                                            <p:strVal val="0-ppt_w/2"/>
+                                          </p:val>
+                                        </p:tav>
+                                      </p:tavLst>
+                                    </p:anim>
+                                    <p:anim calcmode="lin" valueType="num">
+                                      <p:cBhvr additive="base">
+                                        <p:cTn id="11" dur="500"/>
+                                        <p:tgtEl>
+                                          <p:spTgt spid="7"/>
+                                        </p:tgtEl>
+                                        <p:attrNameLst>
+                                          <p:attrName>ppt_y</p:attrName>
+                                        </p:attrNameLst>
+                                      </p:cBhvr>
+                                      <p:tavLst>
+                                        <p:tav tm="0">
+                                          <p:val>
+                                            <p:strVal val="ppt_y"/>
+                                          </p:val>
+                                        </p:tav>
+                                        <p:tav tm="100000">
+                                          <p:val>
+                                            <p:strVal val="ppt_y"/>
+                                          </p:val>
+                                        </p:tav>
+                                      </p:tavLst>
+                                    </p:anim>
+                                    <p:set>
+                                      <p:cBhvr>
+                                        <p:cTn id="12" dur="1" fill="hold">
+                                          <p:stCondLst>
+                                            <p:cond delay="499"/>
+                                          </p:stCondLst>
+                                        </p:cTn>
+                                        <p:tgtEl>
+                                          <p:spTgt spid="7"/>
+                                        </p:tgtEl>
+                                        <p:attrNameLst>
+                                          <p:attrName>style.visibility</p:attrName>
+                                        </p:attrNameLst>
+                                      </p:cBhvr>
+                                      <p:to>
+                                        <p:strVal val="hidden"/>
+                                      </p:to>
+                                    </p:set>
+                                  </p:childTnLst>
+                                </p:cTn>
+                              </p:par>
+                            </p:childTnLst>
+                          </p:cTn>
+                        </p:par>
+                      </p:childTnLst>
+                    </p:cTn>
+                  </p:par>
+                </p:childTnLst>
+              </p:cTn>
+              <p:prevCondLst>
+                <p:cond evt="onPrev" delay="0">
+                  <p:tgtEl>
+                    <p:sldTgt/>
+                  </p:tgtEl>
+                </p:cond>
+              </p:prevCondLst>
+              <p:nextCondLst>
+                <p:cond evt="onNext" delay="0">
+                  <p:tgtEl>
+                    <p:sldTgt/>
+                  </p:tgtEl>
+                </p:cond>
+              </p:nextCondLst>
+            </p:seq>
+          </p:childTnLst>
+        </p:cTn>
+      </p:par>
+    </p:tnLst>
+    <p:bldLst>
+      <p:bldP spid="5" grpId="0" animBg="1"/>
+      <p:bldP spid="7" grpId="0" animBg="1"/>
+    </p:bldLst>
   </p:timing>
 </p:sld>
 </file>

--- a/卒業制作_大元タイトル構成.pptx
+++ b/卒業制作_大元タイトル構成.pptx
@@ -36,8 +36,9 @@
     <p:sldId id="295" r:id="rId30"/>
     <p:sldId id="294" r:id="rId31"/>
     <p:sldId id="296" r:id="rId32"/>
-    <p:sldId id="298" r:id="rId33"/>
-    <p:sldId id="299" r:id="rId34"/>
+    <p:sldId id="300" r:id="rId33"/>
+    <p:sldId id="298" r:id="rId34"/>
+    <p:sldId id="299" r:id="rId35"/>
   </p:sldIdLst>
   <p:sldSz cx="12192000" cy="6858000"/>
   <p:notesSz cx="6858000" cy="9144000"/>
@@ -275,7 +276,7 @@
           <a:p>
             <a:fld id="{9AE4982F-4AA6-4C8C-A812-7FB74D02BA8D}" type="datetimeFigureOut">
               <a:rPr kumimoji="1" lang="ja-JP" altLang="en-US" smtClean="0"/>
-              <a:t>2022/11/18</a:t>
+              <a:t>2022/11/21</a:t>
             </a:fld>
             <a:endParaRPr kumimoji="1" lang="ja-JP" altLang="en-US"/>
           </a:p>
@@ -477,7 +478,7 @@
           <a:p>
             <a:fld id="{9AE4982F-4AA6-4C8C-A812-7FB74D02BA8D}" type="datetimeFigureOut">
               <a:rPr kumimoji="1" lang="ja-JP" altLang="en-US" smtClean="0"/>
-              <a:t>2022/11/18</a:t>
+              <a:t>2022/11/21</a:t>
             </a:fld>
             <a:endParaRPr kumimoji="1" lang="ja-JP" altLang="en-US"/>
           </a:p>
@@ -689,7 +690,7 @@
           <a:p>
             <a:fld id="{9AE4982F-4AA6-4C8C-A812-7FB74D02BA8D}" type="datetimeFigureOut">
               <a:rPr kumimoji="1" lang="ja-JP" altLang="en-US" smtClean="0"/>
-              <a:t>2022/11/18</a:t>
+              <a:t>2022/11/21</a:t>
             </a:fld>
             <a:endParaRPr kumimoji="1" lang="ja-JP" altLang="en-US"/>
           </a:p>
@@ -891,7 +892,7 @@
           <a:p>
             <a:fld id="{9AE4982F-4AA6-4C8C-A812-7FB74D02BA8D}" type="datetimeFigureOut">
               <a:rPr kumimoji="1" lang="ja-JP" altLang="en-US" smtClean="0"/>
-              <a:t>2022/11/18</a:t>
+              <a:t>2022/11/21</a:t>
             </a:fld>
             <a:endParaRPr kumimoji="1" lang="ja-JP" altLang="en-US"/>
           </a:p>
@@ -1137,7 +1138,7 @@
           <a:p>
             <a:fld id="{9AE4982F-4AA6-4C8C-A812-7FB74D02BA8D}" type="datetimeFigureOut">
               <a:rPr kumimoji="1" lang="ja-JP" altLang="en-US" smtClean="0"/>
-              <a:t>2022/11/18</a:t>
+              <a:t>2022/11/21</a:t>
             </a:fld>
             <a:endParaRPr kumimoji="1" lang="ja-JP" altLang="en-US"/>
           </a:p>
@@ -1433,7 +1434,7 @@
           <a:p>
             <a:fld id="{9AE4982F-4AA6-4C8C-A812-7FB74D02BA8D}" type="datetimeFigureOut">
               <a:rPr kumimoji="1" lang="ja-JP" altLang="en-US" smtClean="0"/>
-              <a:t>2022/11/18</a:t>
+              <a:t>2022/11/21</a:t>
             </a:fld>
             <a:endParaRPr kumimoji="1" lang="ja-JP" altLang="en-US"/>
           </a:p>
@@ -1864,7 +1865,7 @@
           <a:p>
             <a:fld id="{9AE4982F-4AA6-4C8C-A812-7FB74D02BA8D}" type="datetimeFigureOut">
               <a:rPr kumimoji="1" lang="ja-JP" altLang="en-US" smtClean="0"/>
-              <a:t>2022/11/18</a:t>
+              <a:t>2022/11/21</a:t>
             </a:fld>
             <a:endParaRPr kumimoji="1" lang="ja-JP" altLang="en-US"/>
           </a:p>
@@ -1982,7 +1983,7 @@
           <a:p>
             <a:fld id="{9AE4982F-4AA6-4C8C-A812-7FB74D02BA8D}" type="datetimeFigureOut">
               <a:rPr kumimoji="1" lang="ja-JP" altLang="en-US" smtClean="0"/>
-              <a:t>2022/11/18</a:t>
+              <a:t>2022/11/21</a:t>
             </a:fld>
             <a:endParaRPr kumimoji="1" lang="ja-JP" altLang="en-US"/>
           </a:p>
@@ -2077,7 +2078,7 @@
           <a:p>
             <a:fld id="{9AE4982F-4AA6-4C8C-A812-7FB74D02BA8D}" type="datetimeFigureOut">
               <a:rPr kumimoji="1" lang="ja-JP" altLang="en-US" smtClean="0"/>
-              <a:t>2022/11/18</a:t>
+              <a:t>2022/11/21</a:t>
             </a:fld>
             <a:endParaRPr kumimoji="1" lang="ja-JP" altLang="en-US"/>
           </a:p>
@@ -2386,7 +2387,7 @@
           <a:p>
             <a:fld id="{9AE4982F-4AA6-4C8C-A812-7FB74D02BA8D}" type="datetimeFigureOut">
               <a:rPr kumimoji="1" lang="ja-JP" altLang="en-US" smtClean="0"/>
-              <a:t>2022/11/18</a:t>
+              <a:t>2022/11/21</a:t>
             </a:fld>
             <a:endParaRPr kumimoji="1" lang="ja-JP" altLang="en-US"/>
           </a:p>
@@ -2639,7 +2640,7 @@
           <a:p>
             <a:fld id="{9AE4982F-4AA6-4C8C-A812-7FB74D02BA8D}" type="datetimeFigureOut">
               <a:rPr kumimoji="1" lang="ja-JP" altLang="en-US" smtClean="0"/>
-              <a:t>2022/11/18</a:t>
+              <a:t>2022/11/21</a:t>
             </a:fld>
             <a:endParaRPr kumimoji="1" lang="ja-JP" altLang="en-US"/>
           </a:p>
@@ -2884,7 +2885,7 @@
           <a:p>
             <a:fld id="{9AE4982F-4AA6-4C8C-A812-7FB74D02BA8D}" type="datetimeFigureOut">
               <a:rPr kumimoji="1" lang="ja-JP" altLang="en-US" smtClean="0"/>
-              <a:t>2022/11/18</a:t>
+              <a:t>2022/11/21</a:t>
             </a:fld>
             <a:endParaRPr kumimoji="1" lang="ja-JP" altLang="en-US"/>
           </a:p>
@@ -8620,11 +8621,11 @@
   <p:clrMapOvr>
     <a:masterClrMapping/>
   </p:clrMapOvr>
-  <mc:AlternateContent xmlns:mc="http://schemas.openxmlformats.org/markup-compatibility/2006">
-    <mc:Choice xmlns:p14="http://schemas.microsoft.com/office/powerpoint/2010/main" Requires="p14">
+  <mc:AlternateContent xmlns:mc="http://schemas.openxmlformats.org/markup-compatibility/2006" xmlns:p14="http://schemas.microsoft.com/office/powerpoint/2010/main">
+    <mc:Choice Requires="p14">
       <p:transition spd="slow" p14:dur="2000"/>
     </mc:Choice>
-    <mc:Fallback>
+    <mc:Fallback xmlns="">
       <p:transition spd="slow"/>
     </mc:Fallback>
   </mc:AlternateContent>
@@ -8735,11 +8736,11 @@
   <p:clrMapOvr>
     <a:masterClrMapping/>
   </p:clrMapOvr>
-  <mc:AlternateContent xmlns:mc="http://schemas.openxmlformats.org/markup-compatibility/2006">
-    <mc:Choice xmlns:p14="http://schemas.microsoft.com/office/powerpoint/2010/main" Requires="p14">
+  <mc:AlternateContent xmlns:mc="http://schemas.openxmlformats.org/markup-compatibility/2006" xmlns:p14="http://schemas.microsoft.com/office/powerpoint/2010/main">
+    <mc:Choice Requires="p14">
       <p:transition spd="slow" p14:dur="2000"/>
     </mc:Choice>
-    <mc:Fallback>
+    <mc:Fallback xmlns="">
       <p:transition spd="slow"/>
     </mc:Fallback>
   </mc:AlternateContent>
@@ -8817,11 +8818,11 @@
   <p:clrMapOvr>
     <a:masterClrMapping/>
   </p:clrMapOvr>
-  <mc:AlternateContent xmlns:mc="http://schemas.openxmlformats.org/markup-compatibility/2006">
-    <mc:Choice xmlns:p14="http://schemas.microsoft.com/office/powerpoint/2010/main" Requires="p14">
+  <mc:AlternateContent xmlns:mc="http://schemas.openxmlformats.org/markup-compatibility/2006" xmlns:p14="http://schemas.microsoft.com/office/powerpoint/2010/main">
+    <mc:Choice Requires="p14">
       <p:transition spd="slow" p14:dur="2000"/>
     </mc:Choice>
-    <mc:Fallback>
+    <mc:Fallback xmlns="">
       <p:transition spd="slow"/>
     </mc:Fallback>
   </mc:AlternateContent>
@@ -9635,11 +9636,11 @@
   <p:clrMapOvr>
     <a:masterClrMapping/>
   </p:clrMapOvr>
-  <mc:AlternateContent xmlns:mc="http://schemas.openxmlformats.org/markup-compatibility/2006">
-    <mc:Choice xmlns:p14="http://schemas.microsoft.com/office/powerpoint/2010/main" Requires="p14">
+  <mc:AlternateContent xmlns:mc="http://schemas.openxmlformats.org/markup-compatibility/2006" xmlns:p14="http://schemas.microsoft.com/office/powerpoint/2010/main">
+    <mc:Choice Requires="p14">
       <p:transition spd="slow" p14:dur="2000"/>
     </mc:Choice>
-    <mc:Fallback>
+    <mc:Fallback xmlns="">
       <p:transition spd="slow"/>
     </mc:Fallback>
   </mc:AlternateContent>
@@ -9915,11 +9916,11 @@
   <p:clrMapOvr>
     <a:masterClrMapping/>
   </p:clrMapOvr>
-  <mc:AlternateContent xmlns:mc="http://schemas.openxmlformats.org/markup-compatibility/2006">
-    <mc:Choice xmlns:p14="http://schemas.microsoft.com/office/powerpoint/2010/main" Requires="p14">
+  <mc:AlternateContent xmlns:mc="http://schemas.openxmlformats.org/markup-compatibility/2006" xmlns:p14="http://schemas.microsoft.com/office/powerpoint/2010/main">
+    <mc:Choice Requires="p14">
       <p:transition spd="slow" p14:dur="2000"/>
     </mc:Choice>
-    <mc:Fallback>
+    <mc:Fallback xmlns="">
       <p:transition spd="slow"/>
     </mc:Fallback>
   </mc:AlternateContent>
@@ -11271,11 +11272,11 @@
   <p:clrMapOvr>
     <a:masterClrMapping/>
   </p:clrMapOvr>
-  <mc:AlternateContent xmlns:mc="http://schemas.openxmlformats.org/markup-compatibility/2006">
-    <mc:Choice xmlns:p14="http://schemas.microsoft.com/office/powerpoint/2010/main" Requires="p14">
+  <mc:AlternateContent xmlns:mc="http://schemas.openxmlformats.org/markup-compatibility/2006" xmlns:p14="http://schemas.microsoft.com/office/powerpoint/2010/main">
+    <mc:Choice Requires="p14">
       <p:transition spd="slow" p14:dur="2000"/>
     </mc:Choice>
-    <mc:Fallback>
+    <mc:Fallback xmlns="">
       <p:transition spd="slow"/>
     </mc:Fallback>
   </mc:AlternateContent>
@@ -11754,11 +11755,11 @@
   <p:clrMapOvr>
     <a:masterClrMapping/>
   </p:clrMapOvr>
-  <mc:AlternateContent xmlns:mc="http://schemas.openxmlformats.org/markup-compatibility/2006">
-    <mc:Choice xmlns:p14="http://schemas.microsoft.com/office/powerpoint/2010/main" Requires="p14">
+  <mc:AlternateContent xmlns:mc="http://schemas.openxmlformats.org/markup-compatibility/2006" xmlns:p14="http://schemas.microsoft.com/office/powerpoint/2010/main">
+    <mc:Choice Requires="p14">
       <p:transition spd="slow" p14:dur="2000"/>
     </mc:Choice>
-    <mc:Fallback>
+    <mc:Fallback xmlns="">
       <p:transition spd="slow"/>
     </mc:Fallback>
   </mc:AlternateContent>
@@ -13142,11 +13143,11 @@
   <p:clrMapOvr>
     <a:masterClrMapping/>
   </p:clrMapOvr>
-  <mc:AlternateContent xmlns:mc="http://schemas.openxmlformats.org/markup-compatibility/2006">
-    <mc:Choice xmlns:p14="http://schemas.microsoft.com/office/powerpoint/2010/main" Requires="p14">
+  <mc:AlternateContent xmlns:mc="http://schemas.openxmlformats.org/markup-compatibility/2006" xmlns:p14="http://schemas.microsoft.com/office/powerpoint/2010/main">
+    <mc:Choice Requires="p14">
       <p:transition spd="slow" p14:dur="2000"/>
     </mc:Choice>
-    <mc:Fallback>
+    <mc:Fallback xmlns="">
       <p:transition spd="slow"/>
     </mc:Fallback>
   </mc:AlternateContent>
@@ -14670,11 +14671,11 @@
   <p:clrMapOvr>
     <a:masterClrMapping/>
   </p:clrMapOvr>
-  <mc:AlternateContent xmlns:mc="http://schemas.openxmlformats.org/markup-compatibility/2006">
-    <mc:Choice xmlns:p14="http://schemas.microsoft.com/office/powerpoint/2010/main" Requires="p14">
+  <mc:AlternateContent xmlns:mc="http://schemas.openxmlformats.org/markup-compatibility/2006" xmlns:p14="http://schemas.microsoft.com/office/powerpoint/2010/main">
+    <mc:Choice Requires="p14">
       <p:transition spd="slow" p14:dur="2000"/>
     </mc:Choice>
-    <mc:Fallback>
+    <mc:Fallback xmlns="">
       <p:transition spd="slow"/>
     </mc:Fallback>
   </mc:AlternateContent>
@@ -16032,11 +16033,11 @@
   <p:clrMapOvr>
     <a:masterClrMapping/>
   </p:clrMapOvr>
-  <mc:AlternateContent xmlns:mc="http://schemas.openxmlformats.org/markup-compatibility/2006">
-    <mc:Choice xmlns:p14="http://schemas.microsoft.com/office/powerpoint/2010/main" Requires="p14">
+  <mc:AlternateContent xmlns:mc="http://schemas.openxmlformats.org/markup-compatibility/2006" xmlns:p14="http://schemas.microsoft.com/office/powerpoint/2010/main">
+    <mc:Choice Requires="p14">
       <p:transition spd="slow" p14:dur="2000"/>
     </mc:Choice>
-    <mc:Fallback>
+    <mc:Fallback xmlns="">
       <p:transition spd="slow"/>
     </mc:Fallback>
   </mc:AlternateContent>
@@ -16555,11 +16556,11 @@
   <p:clrMapOvr>
     <a:masterClrMapping/>
   </p:clrMapOvr>
-  <mc:AlternateContent xmlns:mc="http://schemas.openxmlformats.org/markup-compatibility/2006">
-    <mc:Choice xmlns:p14="http://schemas.microsoft.com/office/powerpoint/2010/main" Requires="p14">
+  <mc:AlternateContent xmlns:mc="http://schemas.openxmlformats.org/markup-compatibility/2006" xmlns:p14="http://schemas.microsoft.com/office/powerpoint/2010/main">
+    <mc:Choice Requires="p14">
       <p:transition spd="slow" p14:dur="2000"/>
     </mc:Choice>
-    <mc:Fallback>
+    <mc:Fallback xmlns="">
       <p:transition spd="slow"/>
     </mc:Fallback>
   </mc:AlternateContent>
@@ -17208,11 +17209,11 @@
   <p:clrMapOvr>
     <a:masterClrMapping/>
   </p:clrMapOvr>
-  <mc:AlternateContent xmlns:mc="http://schemas.openxmlformats.org/markup-compatibility/2006">
-    <mc:Choice xmlns:p14="http://schemas.microsoft.com/office/powerpoint/2010/main" Requires="p14">
+  <mc:AlternateContent xmlns:mc="http://schemas.openxmlformats.org/markup-compatibility/2006" xmlns:p14="http://schemas.microsoft.com/office/powerpoint/2010/main">
+    <mc:Choice Requires="p14">
       <p:transition spd="slow" p14:dur="2000"/>
     </mc:Choice>
-    <mc:Fallback>
+    <mc:Fallback xmlns="">
       <p:transition spd="slow"/>
     </mc:Fallback>
   </mc:AlternateContent>
@@ -17549,11 +17550,11 @@
   <p:clrMapOvr>
     <a:masterClrMapping/>
   </p:clrMapOvr>
-  <mc:AlternateContent xmlns:mc="http://schemas.openxmlformats.org/markup-compatibility/2006">
-    <mc:Choice xmlns:p14="http://schemas.microsoft.com/office/powerpoint/2010/main" Requires="p14">
+  <mc:AlternateContent xmlns:mc="http://schemas.openxmlformats.org/markup-compatibility/2006" xmlns:p14="http://schemas.microsoft.com/office/powerpoint/2010/main">
+    <mc:Choice Requires="p14">
       <p:transition spd="slow" p14:dur="2000"/>
     </mc:Choice>
-    <mc:Fallback>
+    <mc:Fallback xmlns="">
       <p:transition spd="slow"/>
     </mc:Fallback>
   </mc:AlternateContent>
@@ -18250,11 +18251,11 @@
   <p:clrMapOvr>
     <a:masterClrMapping/>
   </p:clrMapOvr>
-  <mc:AlternateContent xmlns:mc="http://schemas.openxmlformats.org/markup-compatibility/2006">
-    <mc:Choice xmlns:p14="http://schemas.microsoft.com/office/powerpoint/2010/main" Requires="p14">
+  <mc:AlternateContent xmlns:mc="http://schemas.openxmlformats.org/markup-compatibility/2006" xmlns:p14="http://schemas.microsoft.com/office/powerpoint/2010/main">
+    <mc:Choice Requires="p14">
       <p:transition spd="slow" p14:dur="2000"/>
     </mc:Choice>
-    <mc:Fallback>
+    <mc:Fallback xmlns="">
       <p:transition spd="slow"/>
     </mc:Fallback>
   </mc:AlternateContent>
@@ -18566,15 +18567,43 @@
           <a:chExt cx="0" cy="0"/>
         </a:xfrm>
       </p:grpSpPr>
+      <p:sp>
+        <p:nvSpPr>
+          <p:cNvPr id="4" name="タイトル 1"/>
+          <p:cNvSpPr>
+            <a:spLocks noGrp="1"/>
+          </p:cNvSpPr>
+          <p:nvPr>
+            <p:ph type="title"/>
+          </p:nvPr>
+        </p:nvSpPr>
+        <p:spPr>
+          <a:xfrm>
+            <a:off x="838200" y="365125"/>
+            <a:ext cx="10515600" cy="1325563"/>
+          </a:xfrm>
+        </p:spPr>
+        <p:txBody>
+          <a:bodyPr/>
+          <a:lstStyle/>
+          <a:p>
+            <a:r>
+              <a:rPr kumimoji="1" lang="ja-JP" altLang="en-US" dirty="0" smtClean="0"/>
+              <a:t>背景</a:t>
+            </a:r>
+            <a:endParaRPr kumimoji="1" lang="ja-JP" altLang="en-US" dirty="0"/>
+          </a:p>
+        </p:txBody>
+      </p:sp>
       <p:pic>
         <p:nvPicPr>
-          <p:cNvPr id="16" name="図 15"/>
+          <p:cNvPr id="1026" name="Picture 2" descr="草原 写真素材 [ 1527872 ] - フォトライブラリー photolibrary"/>
           <p:cNvPicPr>
-            <a:picLocks noChangeAspect="1"/>
+            <a:picLocks noChangeAspect="1" noChangeArrowheads="1"/>
           </p:cNvPicPr>
           <p:nvPr/>
         </p:nvPicPr>
-        <p:blipFill rotWithShape="1">
+        <p:blipFill>
           <a:blip r:embed="rId2">
             <a:extLst>
               <a:ext uri="{28A0092B-C50C-407E-A947-70E740481C1C}">
@@ -18582,146 +18611,55 @@
               </a:ext>
             </a:extLst>
           </a:blip>
-          <a:srcRect l="6952" t="10284" r="6674" b="22481"/>
-          <a:stretch/>
+          <a:srcRect/>
+          <a:stretch>
+            <a:fillRect/>
+          </a:stretch>
         </p:blipFill>
-        <p:spPr>
+        <p:spPr bwMode="auto">
           <a:xfrm>
-            <a:off x="3297115" y="761058"/>
-            <a:ext cx="5688624" cy="1943100"/>
-          </a:xfrm>
-          <a:prstGeom prst="rect">
-            <a:avLst/>
-          </a:prstGeom>
-          <a:effectLst>
-            <a:outerShdw blurRad="38100" dist="25400" dir="2100000" sx="106000" sy="106000" algn="ctr" rotWithShape="0">
-              <a:srgbClr val="000000">
-                <a:alpha val="42000"/>
-              </a:srgbClr>
-            </a:outerShdw>
-          </a:effectLst>
-        </p:spPr>
-      </p:pic>
-      <p:sp>
-        <p:nvSpPr>
-          <p:cNvPr id="4" name="テキスト ボックス 3"/>
-          <p:cNvSpPr txBox="1"/>
-          <p:nvPr/>
-        </p:nvSpPr>
-        <p:spPr>
-          <a:xfrm>
-            <a:off x="4125791" y="5765522"/>
-            <a:ext cx="4031272" cy="769441"/>
+            <a:off x="2170016" y="2083778"/>
+            <a:ext cx="9900139" cy="4466492"/>
           </a:xfrm>
           <a:prstGeom prst="rect">
             <a:avLst/>
           </a:prstGeom>
           <a:noFill/>
-        </p:spPr>
-        <p:txBody>
-          <a:bodyPr wrap="square" rtlCol="0">
-            <a:spAutoFit/>
-          </a:bodyPr>
-          <a:lstStyle/>
-          <a:p>
-            <a:pPr algn="ctr"/>
-            <a:r>
-              <a:rPr kumimoji="1" lang="en-US" altLang="ja-JP" sz="4400" b="1" dirty="0" smtClean="0">
-                <a:ln>
-                  <a:solidFill>
-                    <a:schemeClr val="bg1">
-                      <a:lumMod val="75000"/>
-                    </a:schemeClr>
-                  </a:solidFill>
-                </a:ln>
+          <a:extLst>
+            <a:ext uri="{909E8E84-426E-40DD-AFC4-6F175D3DCCD1}">
+              <a14:hiddenFill xmlns:a14="http://schemas.microsoft.com/office/drawing/2010/main">
                 <a:solidFill>
-                  <a:schemeClr val="tx2"/>
+                  <a:srgbClr val="FFFFFF"/>
                 </a:solidFill>
-                <a:latin typeface="源界明朝" panose="02000900000000000000" pitchFamily="2" charset="-128"/>
-                <a:ea typeface="源界明朝" panose="02000900000000000000" pitchFamily="2" charset="-128"/>
-              </a:rPr>
-              <a:t>Please</a:t>
-            </a:r>
-            <a:r>
-              <a:rPr lang="ja-JP" altLang="en-US" sz="4400" b="1" dirty="0">
-                <a:ln>
-                  <a:solidFill>
-                    <a:schemeClr val="bg1">
-                      <a:lumMod val="75000"/>
-                    </a:schemeClr>
-                  </a:solidFill>
-                </a:ln>
-                <a:solidFill>
-                  <a:schemeClr val="tx2"/>
-                </a:solidFill>
-                <a:latin typeface="源界明朝" panose="02000900000000000000" pitchFamily="2" charset="-128"/>
-                <a:ea typeface="源界明朝" panose="02000900000000000000" pitchFamily="2" charset="-128"/>
-              </a:rPr>
-              <a:t> </a:t>
-            </a:r>
-            <a:r>
-              <a:rPr kumimoji="1" lang="en-US" altLang="ja-JP" sz="4400" b="1" dirty="0" smtClean="0">
-                <a:ln>
-                  <a:solidFill>
-                    <a:schemeClr val="bg1">
-                      <a:lumMod val="75000"/>
-                    </a:schemeClr>
-                  </a:solidFill>
-                </a:ln>
-                <a:solidFill>
-                  <a:schemeClr val="tx2"/>
-                </a:solidFill>
-                <a:latin typeface="源界明朝" panose="02000900000000000000" pitchFamily="2" charset="-128"/>
-                <a:ea typeface="源界明朝" panose="02000900000000000000" pitchFamily="2" charset="-128"/>
-              </a:rPr>
-              <a:t>NEXT</a:t>
-            </a:r>
-            <a:endParaRPr kumimoji="1" lang="ja-JP" altLang="en-US" sz="4400" b="1" dirty="0">
-              <a:ln>
-                <a:solidFill>
-                  <a:schemeClr val="bg1">
-                    <a:lumMod val="75000"/>
-                  </a:schemeClr>
-                </a:solidFill>
-              </a:ln>
-              <a:solidFill>
-                <a:schemeClr val="tx2"/>
-              </a:solidFill>
-              <a:latin typeface="源界明朝" panose="02000900000000000000" pitchFamily="2" charset="-128"/>
-              <a:ea typeface="源界明朝" panose="02000900000000000000" pitchFamily="2" charset="-128"/>
-            </a:endParaRPr>
-          </a:p>
-        </p:txBody>
-      </p:sp>
-      <p:sp>
-        <p:nvSpPr>
-          <p:cNvPr id="11" name="円形吹き出し 10"/>
+              </a14:hiddenFill>
+            </a:ext>
+          </a:extLst>
+        </p:spPr>
+      </p:pic>
+      <p:sp>
+        <p:nvSpPr>
+          <p:cNvPr id="6" name="正方形/長方形 5"/>
           <p:cNvSpPr/>
           <p:nvPr/>
         </p:nvSpPr>
         <p:spPr>
           <a:xfrm>
-            <a:off x="5187462" y="4176346"/>
-            <a:ext cx="2875084" cy="1301263"/>
-          </a:xfrm>
-          <a:prstGeom prst="wedgeEllipseCallout">
+            <a:off x="2170016" y="2509705"/>
+            <a:ext cx="9900138" cy="1639298"/>
+          </a:xfrm>
+          <a:prstGeom prst="rect">
             <a:avLst/>
           </a:prstGeom>
-          <a:ln w="57150">
-            <a:solidFill>
-              <a:schemeClr val="tx1"/>
-            </a:solidFill>
-          </a:ln>
         </p:spPr>
         <p:style>
-          <a:lnRef idx="2">
-            <a:schemeClr val="dk1"/>
+          <a:lnRef idx="1">
+            <a:schemeClr val="accent3"/>
           </a:lnRef>
-          <a:fillRef idx="1">
-            <a:schemeClr val="lt1"/>
+          <a:fillRef idx="2">
+            <a:schemeClr val="accent3"/>
           </a:fillRef>
-          <a:effectRef idx="0">
-            <a:schemeClr val="dk1"/>
+          <a:effectRef idx="1">
+            <a:schemeClr val="accent3"/>
           </a:effectRef>
           <a:fontRef idx="minor">
             <a:schemeClr val="dk1"/>
@@ -18732,20 +18670,442 @@
           <a:lstStyle/>
           <a:p>
             <a:pPr algn="ctr"/>
-            <a:endParaRPr kumimoji="1" lang="ja-JP" altLang="en-US" dirty="0"/>
-          </a:p>
-        </p:txBody>
-      </p:sp>
-      <p:sp>
-        <p:nvSpPr>
-          <p:cNvPr id="19" name="テキスト ボックス 18"/>
+            <a:endParaRPr kumimoji="1" lang="ja-JP" altLang="en-US"/>
+          </a:p>
+        </p:txBody>
+      </p:sp>
+      <p:sp>
+        <p:nvSpPr>
+          <p:cNvPr id="7" name="正方形/長方形 6"/>
+          <p:cNvSpPr/>
+          <p:nvPr/>
+        </p:nvSpPr>
+        <p:spPr>
+          <a:xfrm>
+            <a:off x="2656525" y="3204299"/>
+            <a:ext cx="1477073" cy="511976"/>
+          </a:xfrm>
+          <a:prstGeom prst="rect">
+            <a:avLst/>
+          </a:prstGeom>
+          <a:solidFill>
+            <a:schemeClr val="bg1"/>
+          </a:solidFill>
+          <a:ln>
+            <a:solidFill>
+              <a:schemeClr val="bg1"/>
+            </a:solidFill>
+          </a:ln>
+        </p:spPr>
+        <p:style>
+          <a:lnRef idx="2">
+            <a:schemeClr val="accent1">
+              <a:shade val="50000"/>
+            </a:schemeClr>
+          </a:lnRef>
+          <a:fillRef idx="1">
+            <a:schemeClr val="accent1"/>
+          </a:fillRef>
+          <a:effectRef idx="0">
+            <a:schemeClr val="accent1"/>
+          </a:effectRef>
+          <a:fontRef idx="minor">
+            <a:schemeClr val="lt1"/>
+          </a:fontRef>
+        </p:style>
+        <p:txBody>
+          <a:bodyPr rtlCol="0" anchor="ctr"/>
+          <a:lstStyle/>
+          <a:p>
+            <a:pPr algn="ctr"/>
+            <a:endParaRPr kumimoji="1" lang="ja-JP" altLang="en-US"/>
+          </a:p>
+        </p:txBody>
+      </p:sp>
+      <p:sp>
+        <p:nvSpPr>
+          <p:cNvPr id="9" name="正方形/長方形 8"/>
+          <p:cNvSpPr/>
+          <p:nvPr/>
+        </p:nvSpPr>
+        <p:spPr>
+          <a:xfrm>
+            <a:off x="4998210" y="3204299"/>
+            <a:ext cx="1477073" cy="511976"/>
+          </a:xfrm>
+          <a:prstGeom prst="rect">
+            <a:avLst/>
+          </a:prstGeom>
+          <a:solidFill>
+            <a:schemeClr val="bg1"/>
+          </a:solidFill>
+          <a:ln>
+            <a:solidFill>
+              <a:schemeClr val="bg1"/>
+            </a:solidFill>
+          </a:ln>
+        </p:spPr>
+        <p:style>
+          <a:lnRef idx="2">
+            <a:schemeClr val="accent1">
+              <a:shade val="50000"/>
+            </a:schemeClr>
+          </a:lnRef>
+          <a:fillRef idx="1">
+            <a:schemeClr val="accent1"/>
+          </a:fillRef>
+          <a:effectRef idx="0">
+            <a:schemeClr val="accent1"/>
+          </a:effectRef>
+          <a:fontRef idx="minor">
+            <a:schemeClr val="lt1"/>
+          </a:fontRef>
+        </p:style>
+        <p:txBody>
+          <a:bodyPr rtlCol="0" anchor="ctr"/>
+          <a:lstStyle/>
+          <a:p>
+            <a:pPr algn="ctr"/>
+            <a:endParaRPr kumimoji="1" lang="ja-JP" altLang="en-US"/>
+          </a:p>
+        </p:txBody>
+      </p:sp>
+      <p:sp>
+        <p:nvSpPr>
+          <p:cNvPr id="10" name="正方形/長方形 9"/>
+          <p:cNvSpPr/>
+          <p:nvPr/>
+        </p:nvSpPr>
+        <p:spPr>
+          <a:xfrm>
+            <a:off x="7458607" y="3204299"/>
+            <a:ext cx="1477073" cy="511976"/>
+          </a:xfrm>
+          <a:prstGeom prst="rect">
+            <a:avLst/>
+          </a:prstGeom>
+          <a:solidFill>
+            <a:schemeClr val="bg1"/>
+          </a:solidFill>
+          <a:ln>
+            <a:solidFill>
+              <a:schemeClr val="bg1"/>
+            </a:solidFill>
+          </a:ln>
+        </p:spPr>
+        <p:style>
+          <a:lnRef idx="2">
+            <a:schemeClr val="accent1">
+              <a:shade val="50000"/>
+            </a:schemeClr>
+          </a:lnRef>
+          <a:fillRef idx="1">
+            <a:schemeClr val="accent1"/>
+          </a:fillRef>
+          <a:effectRef idx="0">
+            <a:schemeClr val="accent1"/>
+          </a:effectRef>
+          <a:fontRef idx="minor">
+            <a:schemeClr val="lt1"/>
+          </a:fontRef>
+        </p:style>
+        <p:txBody>
+          <a:bodyPr rtlCol="0" anchor="ctr"/>
+          <a:lstStyle/>
+          <a:p>
+            <a:pPr algn="ctr"/>
+            <a:endParaRPr kumimoji="1" lang="ja-JP" altLang="en-US"/>
+          </a:p>
+        </p:txBody>
+      </p:sp>
+      <p:sp>
+        <p:nvSpPr>
+          <p:cNvPr id="11" name="正方形/長方形 10"/>
+          <p:cNvSpPr/>
+          <p:nvPr/>
+        </p:nvSpPr>
+        <p:spPr>
+          <a:xfrm>
+            <a:off x="9919005" y="3221883"/>
+            <a:ext cx="1477073" cy="511976"/>
+          </a:xfrm>
+          <a:prstGeom prst="rect">
+            <a:avLst/>
+          </a:prstGeom>
+          <a:solidFill>
+            <a:schemeClr val="bg1"/>
+          </a:solidFill>
+          <a:ln>
+            <a:solidFill>
+              <a:schemeClr val="bg1"/>
+            </a:solidFill>
+          </a:ln>
+        </p:spPr>
+        <p:style>
+          <a:lnRef idx="2">
+            <a:schemeClr val="accent1">
+              <a:shade val="50000"/>
+            </a:schemeClr>
+          </a:lnRef>
+          <a:fillRef idx="1">
+            <a:schemeClr val="accent1"/>
+          </a:fillRef>
+          <a:effectRef idx="0">
+            <a:schemeClr val="accent1"/>
+          </a:effectRef>
+          <a:fontRef idx="minor">
+            <a:schemeClr val="lt1"/>
+          </a:fontRef>
+        </p:style>
+        <p:txBody>
+          <a:bodyPr rtlCol="0" anchor="ctr"/>
+          <a:lstStyle/>
+          <a:p>
+            <a:pPr algn="ctr"/>
+            <a:endParaRPr kumimoji="1" lang="ja-JP" altLang="en-US"/>
+          </a:p>
+        </p:txBody>
+      </p:sp>
+      <p:sp>
+        <p:nvSpPr>
+          <p:cNvPr id="12" name="正方形/長方形 11"/>
+          <p:cNvSpPr/>
+          <p:nvPr/>
+        </p:nvSpPr>
+        <p:spPr>
+          <a:xfrm>
+            <a:off x="2170015" y="4592515"/>
+            <a:ext cx="9900139" cy="1639298"/>
+          </a:xfrm>
+          <a:prstGeom prst="rect">
+            <a:avLst/>
+          </a:prstGeom>
+        </p:spPr>
+        <p:style>
+          <a:lnRef idx="1">
+            <a:schemeClr val="accent3"/>
+          </a:lnRef>
+          <a:fillRef idx="2">
+            <a:schemeClr val="accent3"/>
+          </a:fillRef>
+          <a:effectRef idx="1">
+            <a:schemeClr val="accent3"/>
+          </a:effectRef>
+          <a:fontRef idx="minor">
+            <a:schemeClr val="dk1"/>
+          </a:fontRef>
+        </p:style>
+        <p:txBody>
+          <a:bodyPr rtlCol="0" anchor="ctr"/>
+          <a:lstStyle/>
+          <a:p>
+            <a:pPr algn="ctr"/>
+            <a:endParaRPr kumimoji="1" lang="ja-JP" altLang="en-US"/>
+          </a:p>
+        </p:txBody>
+      </p:sp>
+      <p:sp>
+        <p:nvSpPr>
+          <p:cNvPr id="13" name="正方形/長方形 12"/>
+          <p:cNvSpPr/>
+          <p:nvPr/>
+        </p:nvSpPr>
+        <p:spPr>
+          <a:xfrm>
+            <a:off x="2656525" y="5287109"/>
+            <a:ext cx="1477073" cy="511976"/>
+          </a:xfrm>
+          <a:prstGeom prst="rect">
+            <a:avLst/>
+          </a:prstGeom>
+          <a:solidFill>
+            <a:schemeClr val="bg1"/>
+          </a:solidFill>
+          <a:ln>
+            <a:solidFill>
+              <a:schemeClr val="bg1"/>
+            </a:solidFill>
+          </a:ln>
+        </p:spPr>
+        <p:style>
+          <a:lnRef idx="2">
+            <a:schemeClr val="accent1">
+              <a:shade val="50000"/>
+            </a:schemeClr>
+          </a:lnRef>
+          <a:fillRef idx="1">
+            <a:schemeClr val="accent1"/>
+          </a:fillRef>
+          <a:effectRef idx="0">
+            <a:schemeClr val="accent1"/>
+          </a:effectRef>
+          <a:fontRef idx="minor">
+            <a:schemeClr val="lt1"/>
+          </a:fontRef>
+        </p:style>
+        <p:txBody>
+          <a:bodyPr rtlCol="0" anchor="ctr"/>
+          <a:lstStyle/>
+          <a:p>
+            <a:pPr algn="ctr"/>
+            <a:endParaRPr kumimoji="1" lang="ja-JP" altLang="en-US"/>
+          </a:p>
+        </p:txBody>
+      </p:sp>
+      <p:sp>
+        <p:nvSpPr>
+          <p:cNvPr id="14" name="正方形/長方形 13"/>
+          <p:cNvSpPr/>
+          <p:nvPr/>
+        </p:nvSpPr>
+        <p:spPr>
+          <a:xfrm>
+            <a:off x="4998210" y="5287109"/>
+            <a:ext cx="1477073" cy="511976"/>
+          </a:xfrm>
+          <a:prstGeom prst="rect">
+            <a:avLst/>
+          </a:prstGeom>
+          <a:solidFill>
+            <a:schemeClr val="bg1"/>
+          </a:solidFill>
+          <a:ln>
+            <a:solidFill>
+              <a:schemeClr val="bg1"/>
+            </a:solidFill>
+          </a:ln>
+        </p:spPr>
+        <p:style>
+          <a:lnRef idx="2">
+            <a:schemeClr val="accent1">
+              <a:shade val="50000"/>
+            </a:schemeClr>
+          </a:lnRef>
+          <a:fillRef idx="1">
+            <a:schemeClr val="accent1"/>
+          </a:fillRef>
+          <a:effectRef idx="0">
+            <a:schemeClr val="accent1"/>
+          </a:effectRef>
+          <a:fontRef idx="minor">
+            <a:schemeClr val="lt1"/>
+          </a:fontRef>
+        </p:style>
+        <p:txBody>
+          <a:bodyPr rtlCol="0" anchor="ctr"/>
+          <a:lstStyle/>
+          <a:p>
+            <a:pPr algn="ctr"/>
+            <a:endParaRPr kumimoji="1" lang="ja-JP" altLang="en-US"/>
+          </a:p>
+        </p:txBody>
+      </p:sp>
+      <p:sp>
+        <p:nvSpPr>
+          <p:cNvPr id="15" name="正方形/長方形 14"/>
+          <p:cNvSpPr/>
+          <p:nvPr/>
+        </p:nvSpPr>
+        <p:spPr>
+          <a:xfrm>
+            <a:off x="7458606" y="5287109"/>
+            <a:ext cx="1477073" cy="511976"/>
+          </a:xfrm>
+          <a:prstGeom prst="rect">
+            <a:avLst/>
+          </a:prstGeom>
+          <a:solidFill>
+            <a:schemeClr val="bg1"/>
+          </a:solidFill>
+          <a:ln>
+            <a:solidFill>
+              <a:schemeClr val="bg1"/>
+            </a:solidFill>
+          </a:ln>
+        </p:spPr>
+        <p:style>
+          <a:lnRef idx="2">
+            <a:schemeClr val="accent1">
+              <a:shade val="50000"/>
+            </a:schemeClr>
+          </a:lnRef>
+          <a:fillRef idx="1">
+            <a:schemeClr val="accent1"/>
+          </a:fillRef>
+          <a:effectRef idx="0">
+            <a:schemeClr val="accent1"/>
+          </a:effectRef>
+          <a:fontRef idx="minor">
+            <a:schemeClr val="lt1"/>
+          </a:fontRef>
+        </p:style>
+        <p:txBody>
+          <a:bodyPr rtlCol="0" anchor="ctr"/>
+          <a:lstStyle/>
+          <a:p>
+            <a:pPr algn="ctr"/>
+            <a:endParaRPr kumimoji="1" lang="ja-JP" altLang="en-US"/>
+          </a:p>
+        </p:txBody>
+      </p:sp>
+      <p:sp>
+        <p:nvSpPr>
+          <p:cNvPr id="16" name="正方形/長方形 15"/>
+          <p:cNvSpPr/>
+          <p:nvPr/>
+        </p:nvSpPr>
+        <p:spPr>
+          <a:xfrm>
+            <a:off x="9919002" y="5287109"/>
+            <a:ext cx="1477073" cy="511976"/>
+          </a:xfrm>
+          <a:prstGeom prst="rect">
+            <a:avLst/>
+          </a:prstGeom>
+          <a:solidFill>
+            <a:schemeClr val="bg1"/>
+          </a:solidFill>
+          <a:ln>
+            <a:solidFill>
+              <a:schemeClr val="bg1"/>
+            </a:solidFill>
+          </a:ln>
+        </p:spPr>
+        <p:style>
+          <a:lnRef idx="2">
+            <a:schemeClr val="accent1">
+              <a:shade val="50000"/>
+            </a:schemeClr>
+          </a:lnRef>
+          <a:fillRef idx="1">
+            <a:schemeClr val="accent1"/>
+          </a:fillRef>
+          <a:effectRef idx="0">
+            <a:schemeClr val="accent1"/>
+          </a:effectRef>
+          <a:fontRef idx="minor">
+            <a:schemeClr val="lt1"/>
+          </a:fontRef>
+        </p:style>
+        <p:txBody>
+          <a:bodyPr rtlCol="0" anchor="ctr"/>
+          <a:lstStyle/>
+          <a:p>
+            <a:pPr algn="ctr"/>
+            <a:endParaRPr kumimoji="1" lang="ja-JP" altLang="en-US"/>
+          </a:p>
+        </p:txBody>
+      </p:sp>
+      <p:sp>
+        <p:nvSpPr>
+          <p:cNvPr id="8" name="テキスト ボックス 7"/>
           <p:cNvSpPr txBox="1"/>
           <p:nvPr/>
         </p:nvSpPr>
         <p:spPr>
           <a:xfrm>
-            <a:off x="5187462" y="4596144"/>
-            <a:ext cx="2875084" cy="461665"/>
+            <a:off x="71585" y="2509705"/>
+            <a:ext cx="1916723" cy="646331"/>
           </a:xfrm>
           <a:prstGeom prst="rect">
             <a:avLst/>
@@ -18758,40 +19118,104 @@
           </a:bodyPr>
           <a:lstStyle/>
           <a:p>
+            <a:r>
+              <a:rPr kumimoji="1" lang="ja-JP" altLang="en-US" dirty="0" smtClean="0"/>
+              <a:t>草原の上に</a:t>
+            </a:r>
+            <a:endParaRPr kumimoji="1" lang="en-US" altLang="ja-JP" dirty="0" smtClean="0"/>
+          </a:p>
+          <a:p>
+            <a:r>
+              <a:rPr kumimoji="1" lang="ja-JP" altLang="en-US" dirty="0" smtClean="0"/>
+              <a:t>道路がある感じ</a:t>
+            </a:r>
+            <a:endParaRPr kumimoji="1" lang="ja-JP" altLang="en-US" dirty="0"/>
+          </a:p>
+        </p:txBody>
+      </p:sp>
+      <p:sp>
+        <p:nvSpPr>
+          <p:cNvPr id="17" name="1 つの角を切り取り 1 つの角を丸めた四角形 16"/>
+          <p:cNvSpPr/>
+          <p:nvPr/>
+        </p:nvSpPr>
+        <p:spPr>
+          <a:xfrm>
+            <a:off x="2170016" y="4149003"/>
+            <a:ext cx="9900139" cy="443512"/>
+          </a:xfrm>
+          <a:prstGeom prst="snipRoundRect">
+            <a:avLst/>
+          </a:prstGeom>
+          <a:solidFill>
+            <a:schemeClr val="accent4"/>
+          </a:solidFill>
+        </p:spPr>
+        <p:style>
+          <a:lnRef idx="2">
+            <a:schemeClr val="accent1">
+              <a:shade val="50000"/>
+            </a:schemeClr>
+          </a:lnRef>
+          <a:fillRef idx="1">
+            <a:schemeClr val="accent1"/>
+          </a:fillRef>
+          <a:effectRef idx="0">
+            <a:schemeClr val="accent1"/>
+          </a:effectRef>
+          <a:fontRef idx="minor">
+            <a:schemeClr val="lt1"/>
+          </a:fontRef>
+        </p:style>
+        <p:txBody>
+          <a:bodyPr rtlCol="0" anchor="ctr"/>
+          <a:lstStyle/>
+          <a:p>
             <a:pPr algn="ctr"/>
-            <a:r>
-              <a:rPr lang="ja-JP" altLang="en-US" sz="2400" b="1" dirty="0" smtClean="0"/>
-              <a:t>押されたら消える</a:t>
-            </a:r>
-            <a:endParaRPr kumimoji="1" lang="ja-JP" altLang="en-US" sz="2400" b="1" dirty="0"/>
+            <a:endParaRPr kumimoji="1" lang="ja-JP" altLang="en-US"/>
+          </a:p>
+        </p:txBody>
+      </p:sp>
+      <p:sp>
+        <p:nvSpPr>
+          <p:cNvPr id="18" name="テキスト ボックス 17"/>
+          <p:cNvSpPr txBox="1"/>
+          <p:nvPr/>
+        </p:nvSpPr>
+        <p:spPr>
+          <a:xfrm>
+            <a:off x="2584938" y="4149003"/>
+            <a:ext cx="2488224" cy="369332"/>
+          </a:xfrm>
+          <a:prstGeom prst="rect">
+            <a:avLst/>
+          </a:prstGeom>
+          <a:noFill/>
+        </p:spPr>
+        <p:txBody>
+          <a:bodyPr wrap="square" rtlCol="0">
+            <a:spAutoFit/>
+          </a:bodyPr>
+          <a:lstStyle/>
+          <a:p>
+            <a:r>
+              <a:rPr kumimoji="1" lang="ja-JP" altLang="en-US" dirty="0" smtClean="0"/>
+              <a:t>崖でも可</a:t>
+            </a:r>
+            <a:endParaRPr kumimoji="1" lang="ja-JP" altLang="en-US" dirty="0"/>
           </a:p>
         </p:txBody>
       </p:sp>
     </p:spTree>
     <p:extLst>
       <p:ext uri="{BB962C8B-B14F-4D97-AF65-F5344CB8AC3E}">
-        <p14:creationId xmlns:p14="http://schemas.microsoft.com/office/powerpoint/2010/main" val="1045976095"/>
+        <p14:creationId xmlns:p14="http://schemas.microsoft.com/office/powerpoint/2010/main" val="2941909448"/>
       </p:ext>
     </p:extLst>
   </p:cSld>
   <p:clrMapOvr>
     <a:masterClrMapping/>
   </p:clrMapOvr>
-  <mc:AlternateContent xmlns:mc="http://schemas.openxmlformats.org/markup-compatibility/2006">
-    <mc:Choice xmlns:p14="http://schemas.microsoft.com/office/powerpoint/2010/main" Requires="p14">
-      <p:transition spd="slow" p14:dur="2000"/>
-    </mc:Choice>
-    <mc:Fallback>
-      <p:transition spd="slow"/>
-    </mc:Fallback>
-  </mc:AlternateContent>
-  <p:timing>
-    <p:tnLst>
-      <p:par>
-        <p:cTn id="1" dur="indefinite" restart="never" nodeType="tmRoot"/>
-      </p:par>
-    </p:tnLst>
-  </p:timing>
 </p:sld>
 </file>
 
@@ -18812,6 +19236,303 @@
           <a:chExt cx="0" cy="0"/>
         </a:xfrm>
       </p:grpSpPr>
+      <p:pic>
+        <p:nvPicPr>
+          <p:cNvPr id="16" name="図 15"/>
+          <p:cNvPicPr>
+            <a:picLocks noChangeAspect="1"/>
+          </p:cNvPicPr>
+          <p:nvPr/>
+        </p:nvPicPr>
+        <p:blipFill rotWithShape="1">
+          <a:blip r:embed="rId2">
+            <a:extLst>
+              <a:ext uri="{28A0092B-C50C-407E-A947-70E740481C1C}">
+                <a14:useLocalDpi xmlns:a14="http://schemas.microsoft.com/office/drawing/2010/main" val="0"/>
+              </a:ext>
+            </a:extLst>
+          </a:blip>
+          <a:srcRect l="6952" t="10284" r="6674" b="22481"/>
+          <a:stretch/>
+        </p:blipFill>
+        <p:spPr>
+          <a:xfrm>
+            <a:off x="3297115" y="761058"/>
+            <a:ext cx="5688624" cy="1943100"/>
+          </a:xfrm>
+          <a:prstGeom prst="rect">
+            <a:avLst/>
+          </a:prstGeom>
+          <a:effectLst>
+            <a:outerShdw blurRad="38100" dist="25400" dir="2100000" sx="106000" sy="106000" algn="ctr" rotWithShape="0">
+              <a:srgbClr val="000000">
+                <a:alpha val="42000"/>
+              </a:srgbClr>
+            </a:outerShdw>
+          </a:effectLst>
+        </p:spPr>
+      </p:pic>
+      <p:sp>
+        <p:nvSpPr>
+          <p:cNvPr id="4" name="テキスト ボックス 3"/>
+          <p:cNvSpPr txBox="1"/>
+          <p:nvPr/>
+        </p:nvSpPr>
+        <p:spPr>
+          <a:xfrm>
+            <a:off x="4125791" y="5765522"/>
+            <a:ext cx="4031272" cy="769441"/>
+          </a:xfrm>
+          <a:prstGeom prst="rect">
+            <a:avLst/>
+          </a:prstGeom>
+          <a:noFill/>
+        </p:spPr>
+        <p:txBody>
+          <a:bodyPr wrap="square" rtlCol="0">
+            <a:spAutoFit/>
+          </a:bodyPr>
+          <a:lstStyle/>
+          <a:p>
+            <a:pPr algn="ctr"/>
+            <a:r>
+              <a:rPr kumimoji="1" lang="en-US" altLang="ja-JP" sz="4400" b="1" dirty="0" smtClean="0">
+                <a:ln>
+                  <a:solidFill>
+                    <a:schemeClr val="bg1">
+                      <a:lumMod val="75000"/>
+                    </a:schemeClr>
+                  </a:solidFill>
+                </a:ln>
+                <a:solidFill>
+                  <a:schemeClr val="tx2"/>
+                </a:solidFill>
+                <a:latin typeface="源界明朝" panose="02000900000000000000" pitchFamily="2" charset="-128"/>
+                <a:ea typeface="源界明朝" panose="02000900000000000000" pitchFamily="2" charset="-128"/>
+              </a:rPr>
+              <a:t>Please</a:t>
+            </a:r>
+            <a:r>
+              <a:rPr lang="ja-JP" altLang="en-US" sz="4400" b="1" dirty="0">
+                <a:ln>
+                  <a:solidFill>
+                    <a:schemeClr val="bg1">
+                      <a:lumMod val="75000"/>
+                    </a:schemeClr>
+                  </a:solidFill>
+                </a:ln>
+                <a:solidFill>
+                  <a:schemeClr val="tx2"/>
+                </a:solidFill>
+                <a:latin typeface="源界明朝" panose="02000900000000000000" pitchFamily="2" charset="-128"/>
+                <a:ea typeface="源界明朝" panose="02000900000000000000" pitchFamily="2" charset="-128"/>
+              </a:rPr>
+              <a:t> </a:t>
+            </a:r>
+            <a:r>
+              <a:rPr kumimoji="1" lang="en-US" altLang="ja-JP" sz="4400" b="1" dirty="0" smtClean="0">
+                <a:ln>
+                  <a:solidFill>
+                    <a:schemeClr val="bg1">
+                      <a:lumMod val="75000"/>
+                    </a:schemeClr>
+                  </a:solidFill>
+                </a:ln>
+                <a:solidFill>
+                  <a:schemeClr val="tx2"/>
+                </a:solidFill>
+                <a:latin typeface="源界明朝" panose="02000900000000000000" pitchFamily="2" charset="-128"/>
+                <a:ea typeface="源界明朝" panose="02000900000000000000" pitchFamily="2" charset="-128"/>
+              </a:rPr>
+              <a:t>NEXT</a:t>
+            </a:r>
+            <a:endParaRPr kumimoji="1" lang="ja-JP" altLang="en-US" sz="4400" b="1" dirty="0">
+              <a:ln>
+                <a:solidFill>
+                  <a:schemeClr val="bg1">
+                    <a:lumMod val="75000"/>
+                  </a:schemeClr>
+                </a:solidFill>
+              </a:ln>
+              <a:solidFill>
+                <a:schemeClr val="tx2"/>
+              </a:solidFill>
+              <a:latin typeface="源界明朝" panose="02000900000000000000" pitchFamily="2" charset="-128"/>
+              <a:ea typeface="源界明朝" panose="02000900000000000000" pitchFamily="2" charset="-128"/>
+            </a:endParaRPr>
+          </a:p>
+        </p:txBody>
+      </p:sp>
+      <p:sp>
+        <p:nvSpPr>
+          <p:cNvPr id="11" name="円形吹き出し 10"/>
+          <p:cNvSpPr/>
+          <p:nvPr/>
+        </p:nvSpPr>
+        <p:spPr>
+          <a:xfrm>
+            <a:off x="5187462" y="4176346"/>
+            <a:ext cx="2875084" cy="1301263"/>
+          </a:xfrm>
+          <a:prstGeom prst="wedgeEllipseCallout">
+            <a:avLst/>
+          </a:prstGeom>
+          <a:ln w="57150">
+            <a:solidFill>
+              <a:schemeClr val="tx1"/>
+            </a:solidFill>
+          </a:ln>
+        </p:spPr>
+        <p:style>
+          <a:lnRef idx="2">
+            <a:schemeClr val="dk1"/>
+          </a:lnRef>
+          <a:fillRef idx="1">
+            <a:schemeClr val="lt1"/>
+          </a:fillRef>
+          <a:effectRef idx="0">
+            <a:schemeClr val="dk1"/>
+          </a:effectRef>
+          <a:fontRef idx="minor">
+            <a:schemeClr val="dk1"/>
+          </a:fontRef>
+        </p:style>
+        <p:txBody>
+          <a:bodyPr rtlCol="0" anchor="ctr"/>
+          <a:lstStyle/>
+          <a:p>
+            <a:pPr algn="ctr"/>
+            <a:endParaRPr kumimoji="1" lang="ja-JP" altLang="en-US" dirty="0"/>
+          </a:p>
+        </p:txBody>
+      </p:sp>
+      <p:sp>
+        <p:nvSpPr>
+          <p:cNvPr id="19" name="テキスト ボックス 18"/>
+          <p:cNvSpPr txBox="1"/>
+          <p:nvPr/>
+        </p:nvSpPr>
+        <p:spPr>
+          <a:xfrm>
+            <a:off x="5187462" y="4596144"/>
+            <a:ext cx="2875084" cy="461665"/>
+          </a:xfrm>
+          <a:prstGeom prst="rect">
+            <a:avLst/>
+          </a:prstGeom>
+          <a:noFill/>
+        </p:spPr>
+        <p:txBody>
+          <a:bodyPr wrap="square" rtlCol="0">
+            <a:spAutoFit/>
+          </a:bodyPr>
+          <a:lstStyle/>
+          <a:p>
+            <a:pPr algn="ctr"/>
+            <a:r>
+              <a:rPr lang="ja-JP" altLang="en-US" sz="2400" b="1" dirty="0" smtClean="0"/>
+              <a:t>押されたら消える</a:t>
+            </a:r>
+            <a:endParaRPr kumimoji="1" lang="ja-JP" altLang="en-US" sz="2400" b="1" dirty="0"/>
+          </a:p>
+        </p:txBody>
+      </p:sp>
+      <p:sp>
+        <p:nvSpPr>
+          <p:cNvPr id="2" name="テキスト ボックス 1"/>
+          <p:cNvSpPr txBox="1"/>
+          <p:nvPr/>
+        </p:nvSpPr>
+        <p:spPr>
+          <a:xfrm>
+            <a:off x="395654" y="1609488"/>
+            <a:ext cx="2013439" cy="369332"/>
+          </a:xfrm>
+          <a:prstGeom prst="rect">
+            <a:avLst/>
+          </a:prstGeom>
+          <a:noFill/>
+        </p:spPr>
+        <p:txBody>
+          <a:bodyPr wrap="square" rtlCol="0">
+            <a:spAutoFit/>
+          </a:bodyPr>
+          <a:lstStyle/>
+          <a:p>
+            <a:pPr algn="ctr"/>
+            <a:r>
+              <a:rPr kumimoji="1" lang="ja-JP" altLang="en-US" dirty="0" smtClean="0"/>
+              <a:t>背景は</a:t>
+            </a:r>
+            <a:r>
+              <a:rPr kumimoji="1" lang="ja-JP" altLang="en-US" b="1" dirty="0" smtClean="0">
+                <a:solidFill>
+                  <a:srgbClr val="7030A0"/>
+                </a:solidFill>
+              </a:rPr>
+              <a:t>２</a:t>
+            </a:r>
+            <a:r>
+              <a:rPr kumimoji="1" lang="en-US" altLang="ja-JP" b="1" dirty="0" smtClean="0">
+                <a:solidFill>
+                  <a:srgbClr val="7030A0"/>
+                </a:solidFill>
+              </a:rPr>
+              <a:t>D</a:t>
+            </a:r>
+            <a:endParaRPr kumimoji="1" lang="ja-JP" altLang="en-US" b="1" dirty="0">
+              <a:solidFill>
+                <a:srgbClr val="7030A0"/>
+              </a:solidFill>
+            </a:endParaRPr>
+          </a:p>
+        </p:txBody>
+      </p:sp>
+    </p:spTree>
+    <p:extLst>
+      <p:ext uri="{BB962C8B-B14F-4D97-AF65-F5344CB8AC3E}">
+        <p14:creationId xmlns:p14="http://schemas.microsoft.com/office/powerpoint/2010/main" val="1045976095"/>
+      </p:ext>
+    </p:extLst>
+  </p:cSld>
+  <p:clrMapOvr>
+    <a:masterClrMapping/>
+  </p:clrMapOvr>
+  <mc:AlternateContent xmlns:mc="http://schemas.openxmlformats.org/markup-compatibility/2006" xmlns:p14="http://schemas.microsoft.com/office/powerpoint/2010/main">
+    <mc:Choice Requires="p14">
+      <p:transition spd="slow" p14:dur="2000"/>
+    </mc:Choice>
+    <mc:Fallback xmlns="">
+      <p:transition spd="slow"/>
+    </mc:Fallback>
+  </mc:AlternateContent>
+  <p:timing>
+    <p:tnLst>
+      <p:par>
+        <p:cTn id="1" dur="indefinite" restart="never" nodeType="tmRoot"/>
+      </p:par>
+    </p:tnLst>
+  </p:timing>
+</p:sld>
+</file>
+
+<file path=ppt/slides/slide34.xml><?xml version="1.0" encoding="utf-8"?>
+<p:sld xmlns:a="http://schemas.openxmlformats.org/drawingml/2006/main" xmlns:r="http://schemas.openxmlformats.org/officeDocument/2006/relationships" xmlns:p="http://schemas.openxmlformats.org/presentationml/2006/main">
+  <p:cSld>
+    <p:spTree>
+      <p:nvGrpSpPr>
+        <p:cNvPr id="1" name=""/>
+        <p:cNvGrpSpPr/>
+        <p:nvPr/>
+      </p:nvGrpSpPr>
+      <p:grpSpPr>
+        <a:xfrm>
+          <a:off x="0" y="0"/>
+          <a:ext cx="0" cy="0"/>
+          <a:chOff x="0" y="0"/>
+          <a:chExt cx="0" cy="0"/>
+        </a:xfrm>
+      </p:grpSpPr>
       <p:sp>
         <p:nvSpPr>
           <p:cNvPr id="5" name="正方形/長方形 4"/>
@@ -19039,11 +19760,7 @@
             <a:pPr algn="ctr"/>
             <a:r>
               <a:rPr kumimoji="1" lang="ja-JP" altLang="en-US" dirty="0" smtClean="0"/>
-              <a:t>画面外</a:t>
-            </a:r>
-            <a:r>
-              <a:rPr kumimoji="1" lang="ja-JP" altLang="en-US" dirty="0" smtClean="0"/>
-              <a:t>へ</a:t>
+              <a:t>画面外へ</a:t>
             </a:r>
             <a:endParaRPr kumimoji="1" lang="ja-JP" altLang="en-US" dirty="0"/>
           </a:p>
@@ -19074,11 +19791,7 @@
             <a:pPr algn="ctr"/>
             <a:r>
               <a:rPr kumimoji="1" lang="ja-JP" altLang="en-US" dirty="0" smtClean="0"/>
-              <a:t>画面外</a:t>
-            </a:r>
-            <a:r>
-              <a:rPr kumimoji="1" lang="ja-JP" altLang="en-US" dirty="0" smtClean="0"/>
-              <a:t>へ</a:t>
+              <a:t>画面外へ</a:t>
             </a:r>
             <a:endParaRPr kumimoji="1" lang="ja-JP" altLang="en-US" dirty="0"/>
           </a:p>
@@ -19395,11 +20108,11 @@
   <p:clrMapOvr>
     <a:masterClrMapping/>
   </p:clrMapOvr>
-  <mc:AlternateContent xmlns:mc="http://schemas.openxmlformats.org/markup-compatibility/2006">
-    <mc:Choice xmlns:p14="http://schemas.microsoft.com/office/powerpoint/2010/main" Requires="p14">
+  <mc:AlternateContent xmlns:mc="http://schemas.openxmlformats.org/markup-compatibility/2006" xmlns:p14="http://schemas.microsoft.com/office/powerpoint/2010/main">
+    <mc:Choice Requires="p14">
       <p:transition spd="slow" p14:dur="2000"/>
     </mc:Choice>
-    <mc:Fallback>
+    <mc:Fallback xmlns="">
       <p:transition spd="slow"/>
     </mc:Fallback>
   </mc:AlternateContent>

--- a/卒業制作_大元タイトル構成.pptx
+++ b/卒業制作_大元タイトル構成.pptx
@@ -39,6 +39,7 @@
     <p:sldId id="300" r:id="rId33"/>
     <p:sldId id="298" r:id="rId34"/>
     <p:sldId id="299" r:id="rId35"/>
+    <p:sldId id="301" r:id="rId36"/>
   </p:sldIdLst>
   <p:sldSz cx="12192000" cy="6858000"/>
   <p:notesSz cx="6858000" cy="9144000"/>
@@ -19533,395 +19534,491 @@
           <a:chExt cx="0" cy="0"/>
         </a:xfrm>
       </p:grpSpPr>
-      <p:sp>
-        <p:nvSpPr>
-          <p:cNvPr id="5" name="正方形/長方形 4"/>
-          <p:cNvSpPr/>
+      <p:grpSp>
+        <p:nvGrpSpPr>
+          <p:cNvPr id="11" name="グループ化 10"/>
+          <p:cNvGrpSpPr/>
           <p:nvPr/>
-        </p:nvSpPr>
-        <p:spPr>
+        </p:nvGrpSpPr>
+        <p:grpSpPr>
           <a:xfrm>
-            <a:off x="0" y="3130331"/>
-            <a:ext cx="1949222" cy="943631"/>
-          </a:xfrm>
-          <a:prstGeom prst="rect">
-            <a:avLst/>
-          </a:prstGeom>
-        </p:spPr>
-        <p:style>
-          <a:lnRef idx="1">
-            <a:schemeClr val="dk1"/>
-          </a:lnRef>
-          <a:fillRef idx="2">
-            <a:schemeClr val="dk1"/>
-          </a:fillRef>
-          <a:effectRef idx="1">
-            <a:schemeClr val="dk1"/>
-          </a:effectRef>
-          <a:fontRef idx="minor">
-            <a:schemeClr val="dk1"/>
-          </a:fontRef>
-        </p:style>
-        <p:txBody>
-          <a:bodyPr rtlCol="0" anchor="ctr"/>
-          <a:lstStyle/>
-          <a:p>
-            <a:pPr algn="ctr"/>
-            <a:r>
-              <a:rPr lang="ja-JP" altLang="en-US" sz="2400" b="1" dirty="0" smtClean="0">
-                <a:ln>
+            <a:off x="0" y="3113254"/>
+            <a:ext cx="4607169" cy="953737"/>
+            <a:chOff x="0" y="3120225"/>
+            <a:chExt cx="4607169" cy="953737"/>
+          </a:xfrm>
+        </p:grpSpPr>
+        <p:grpSp>
+          <p:nvGrpSpPr>
+            <p:cNvPr id="6" name="グループ化 5"/>
+            <p:cNvGrpSpPr/>
+            <p:nvPr/>
+          </p:nvGrpSpPr>
+          <p:grpSpPr>
+            <a:xfrm>
+              <a:off x="0" y="3120225"/>
+              <a:ext cx="4607169" cy="953737"/>
+              <a:chOff x="0" y="3120225"/>
+              <a:chExt cx="4607169" cy="953737"/>
+            </a:xfrm>
+          </p:grpSpPr>
+          <p:sp>
+            <p:nvSpPr>
+              <p:cNvPr id="5" name="正方形/長方形 4"/>
+              <p:cNvSpPr/>
+              <p:nvPr/>
+            </p:nvSpPr>
+            <p:spPr>
+              <a:xfrm>
+                <a:off x="0" y="3130331"/>
+                <a:ext cx="1949222" cy="943631"/>
+              </a:xfrm>
+              <a:prstGeom prst="rect">
+                <a:avLst/>
+              </a:prstGeom>
+            </p:spPr>
+            <p:style>
+              <a:lnRef idx="1">
+                <a:schemeClr val="dk1"/>
+              </a:lnRef>
+              <a:fillRef idx="2">
+                <a:schemeClr val="dk1"/>
+              </a:fillRef>
+              <a:effectRef idx="1">
+                <a:schemeClr val="dk1"/>
+              </a:effectRef>
+              <a:fontRef idx="minor">
+                <a:schemeClr val="dk1"/>
+              </a:fontRef>
+            </p:style>
+            <p:txBody>
+              <a:bodyPr rtlCol="0" anchor="ctr"/>
+              <a:lstStyle/>
+              <a:p>
+                <a:pPr algn="ctr"/>
+                <a:r>
+                  <a:rPr lang="ja-JP" altLang="en-US" sz="2400" b="1" dirty="0" smtClean="0">
+                    <a:ln>
+                      <a:solidFill>
+                        <a:schemeClr val="bg1"/>
+                      </a:solidFill>
+                    </a:ln>
+                    <a:solidFill>
+                      <a:schemeClr val="bg1"/>
+                    </a:solidFill>
+                  </a:rPr>
+                  <a:t>車</a:t>
+                </a:r>
+                <a:r>
+                  <a:rPr lang="ja-JP" altLang="en-US" sz="2400" b="1" dirty="0" smtClean="0">
+                    <a:ln>
+                      <a:solidFill>
+                        <a:schemeClr val="bg1"/>
+                      </a:solidFill>
+                    </a:ln>
+                    <a:solidFill>
+                      <a:srgbClr val="0070C0"/>
+                    </a:solidFill>
+                  </a:rPr>
+                  <a:t>１</a:t>
+                </a:r>
+                <a:r>
+                  <a:rPr lang="en-US" altLang="ja-JP" sz="2400" b="1" dirty="0">
+                    <a:ln>
+                      <a:solidFill>
+                        <a:schemeClr val="bg1"/>
+                      </a:solidFill>
+                    </a:ln>
+                    <a:solidFill>
+                      <a:srgbClr val="0070C0"/>
+                    </a:solidFill>
+                  </a:rPr>
+                  <a:t>P</a:t>
+                </a:r>
+                <a:endParaRPr lang="ja-JP" altLang="en-US" sz="2400" b="1" dirty="0">
+                  <a:ln>
+                    <a:solidFill>
+                      <a:schemeClr val="bg1"/>
+                    </a:solidFill>
+                  </a:ln>
+                  <a:solidFill>
+                    <a:srgbClr val="0070C0"/>
+                  </a:solidFill>
+                </a:endParaRPr>
+              </a:p>
+            </p:txBody>
+          </p:sp>
+          <p:sp>
+            <p:nvSpPr>
+              <p:cNvPr id="2" name="右矢印 1"/>
+              <p:cNvSpPr/>
+              <p:nvPr/>
+            </p:nvSpPr>
+            <p:spPr>
+              <a:xfrm>
+                <a:off x="1617785" y="3120225"/>
+                <a:ext cx="2989384" cy="953737"/>
+              </a:xfrm>
+              <a:prstGeom prst="rightArrow">
+                <a:avLst>
+                  <a:gd name="adj1" fmla="val 50000"/>
+                  <a:gd name="adj2" fmla="val 116901"/>
+                </a:avLst>
+              </a:prstGeom>
+            </p:spPr>
+            <p:style>
+              <a:lnRef idx="2">
+                <a:schemeClr val="accent1">
+                  <a:shade val="50000"/>
+                </a:schemeClr>
+              </a:lnRef>
+              <a:fillRef idx="1">
+                <a:schemeClr val="accent1"/>
+              </a:fillRef>
+              <a:effectRef idx="0">
+                <a:schemeClr val="accent1"/>
+              </a:effectRef>
+              <a:fontRef idx="minor">
+                <a:schemeClr val="lt1"/>
+              </a:fontRef>
+            </p:style>
+            <p:txBody>
+              <a:bodyPr rtlCol="0" anchor="ctr"/>
+              <a:lstStyle/>
+              <a:p>
+                <a:pPr algn="ctr"/>
+                <a:endParaRPr kumimoji="1" lang="ja-JP" altLang="en-US"/>
+              </a:p>
+            </p:txBody>
+          </p:sp>
+          <p:sp>
+            <p:nvSpPr>
+              <p:cNvPr id="3" name="テキスト ボックス 2"/>
+              <p:cNvSpPr txBox="1"/>
+              <p:nvPr/>
+            </p:nvSpPr>
+            <p:spPr>
+              <a:xfrm>
+                <a:off x="1985581" y="3365863"/>
+                <a:ext cx="1868251" cy="461665"/>
+              </a:xfrm>
+              <a:prstGeom prst="rect">
+                <a:avLst/>
+              </a:prstGeom>
+              <a:noFill/>
+            </p:spPr>
+            <p:txBody>
+              <a:bodyPr wrap="square" rtlCol="0">
+                <a:spAutoFit/>
+              </a:bodyPr>
+              <a:lstStyle/>
+              <a:p>
+                <a:pPr algn="ctr"/>
+                <a:r>
+                  <a:rPr kumimoji="1" lang="ja-JP" altLang="en-US" sz="2400" b="1" dirty="0" smtClean="0">
+                    <a:ln w="3175">
+                      <a:solidFill>
+                        <a:srgbClr val="FF0000"/>
+                      </a:solidFill>
+                    </a:ln>
+                    <a:solidFill>
+                      <a:schemeClr val="bg1"/>
+                    </a:solidFill>
+                  </a:rPr>
+                  <a:t>画面外へ</a:t>
+                </a:r>
+                <a:endParaRPr kumimoji="1" lang="ja-JP" altLang="en-US" sz="2400" b="1" dirty="0">
+                  <a:ln w="3175">
+                    <a:solidFill>
+                      <a:srgbClr val="FF0000"/>
+                    </a:solidFill>
+                  </a:ln>
                   <a:solidFill>
                     <a:schemeClr val="bg1"/>
                   </a:solidFill>
-                </a:ln>
+                </a:endParaRPr>
+              </a:p>
+            </p:txBody>
+          </p:sp>
+        </p:grpSp>
+        <p:sp>
+          <p:nvSpPr>
+            <p:cNvPr id="14" name="テキスト ボックス 13"/>
+            <p:cNvSpPr txBox="1"/>
+            <p:nvPr/>
+          </p:nvSpPr>
+          <p:spPr>
+            <a:xfrm>
+              <a:off x="72502" y="3264606"/>
+              <a:ext cx="456321" cy="646331"/>
+            </a:xfrm>
+            <a:prstGeom prst="rect">
+              <a:avLst/>
+            </a:prstGeom>
+            <a:solidFill>
+              <a:schemeClr val="bg1"/>
+            </a:solidFill>
+          </p:spPr>
+          <p:txBody>
+            <a:bodyPr wrap="square" rtlCol="0">
+              <a:spAutoFit/>
+            </a:bodyPr>
+            <a:lstStyle/>
+            <a:p>
+              <a:pPr algn="ctr"/>
+              <a:r>
+                <a:rPr kumimoji="1" lang="en-US" altLang="ja-JP" b="1" dirty="0" smtClean="0">
+                  <a:solidFill>
+                    <a:srgbClr val="7030A0"/>
+                  </a:solidFill>
+                </a:rPr>
+                <a:t>2D</a:t>
+              </a:r>
+              <a:endParaRPr kumimoji="1" lang="ja-JP" altLang="en-US" b="1" dirty="0">
                 <a:solidFill>
-                  <a:schemeClr val="bg1"/>
+                  <a:srgbClr val="7030A0"/>
                 </a:solidFill>
-              </a:rPr>
-              <a:t>車</a:t>
-            </a:r>
-            <a:r>
-              <a:rPr lang="ja-JP" altLang="en-US" sz="2400" b="1" dirty="0" smtClean="0">
-                <a:ln>
+              </a:endParaRPr>
+            </a:p>
+          </p:txBody>
+        </p:sp>
+      </p:grpSp>
+      <p:grpSp>
+        <p:nvGrpSpPr>
+          <p:cNvPr id="1024" name="グループ化 1023"/>
+          <p:cNvGrpSpPr/>
+          <p:nvPr/>
+        </p:nvGrpSpPr>
+        <p:grpSpPr>
+          <a:xfrm>
+            <a:off x="8062547" y="5141106"/>
+            <a:ext cx="4059116" cy="1006463"/>
+            <a:chOff x="8071337" y="5132313"/>
+            <a:chExt cx="4059116" cy="1006463"/>
+          </a:xfrm>
+        </p:grpSpPr>
+        <p:grpSp>
+          <p:nvGrpSpPr>
+            <p:cNvPr id="10" name="グループ化 9"/>
+            <p:cNvGrpSpPr/>
+            <p:nvPr/>
+          </p:nvGrpSpPr>
+          <p:grpSpPr>
+            <a:xfrm>
+              <a:off x="8071337" y="5132313"/>
+              <a:ext cx="4059116" cy="1006463"/>
+              <a:chOff x="8071337" y="5132313"/>
+              <a:chExt cx="4059116" cy="1006463"/>
+            </a:xfrm>
+          </p:grpSpPr>
+          <p:sp>
+            <p:nvSpPr>
+              <p:cNvPr id="7" name="正方形/長方形 6"/>
+              <p:cNvSpPr/>
+              <p:nvPr/>
+            </p:nvSpPr>
+            <p:spPr>
+              <a:xfrm>
+                <a:off x="10454053" y="5132313"/>
+                <a:ext cx="1676400" cy="1006463"/>
+              </a:xfrm>
+              <a:prstGeom prst="rect">
+                <a:avLst/>
+              </a:prstGeom>
+            </p:spPr>
+            <p:style>
+              <a:lnRef idx="1">
+                <a:schemeClr val="dk1"/>
+              </a:lnRef>
+              <a:fillRef idx="2">
+                <a:schemeClr val="dk1"/>
+              </a:fillRef>
+              <a:effectRef idx="1">
+                <a:schemeClr val="dk1"/>
+              </a:effectRef>
+              <a:fontRef idx="minor">
+                <a:schemeClr val="dk1"/>
+              </a:fontRef>
+            </p:style>
+            <p:txBody>
+              <a:bodyPr rtlCol="0" anchor="ctr"/>
+              <a:lstStyle/>
+              <a:p>
+                <a:pPr algn="ctr"/>
+                <a:r>
+                  <a:rPr lang="ja-JP" altLang="en-US" sz="2400" b="1" dirty="0" smtClean="0">
+                    <a:ln>
+                      <a:solidFill>
+                        <a:schemeClr val="bg1"/>
+                      </a:solidFill>
+                    </a:ln>
+                    <a:solidFill>
+                      <a:schemeClr val="bg1"/>
+                    </a:solidFill>
+                  </a:rPr>
+                  <a:t>車</a:t>
+                </a:r>
+                <a:r>
+                  <a:rPr lang="en-US" altLang="ja-JP" sz="2400" b="1" dirty="0" smtClean="0">
+                    <a:ln>
+                      <a:solidFill>
+                        <a:schemeClr val="bg1"/>
+                      </a:solidFill>
+                    </a:ln>
+                    <a:solidFill>
+                      <a:srgbClr val="FF0000"/>
+                    </a:solidFill>
+                  </a:rPr>
+                  <a:t>2P</a:t>
+                </a:r>
+                <a:endParaRPr lang="ja-JP" altLang="en-US" sz="2400" b="1" dirty="0">
+                  <a:ln>
+                    <a:solidFill>
+                      <a:schemeClr val="bg1"/>
+                    </a:solidFill>
+                  </a:ln>
+                  <a:solidFill>
+                    <a:srgbClr val="FF0000"/>
+                  </a:solidFill>
+                </a:endParaRPr>
+              </a:p>
+            </p:txBody>
+          </p:sp>
+          <p:sp>
+            <p:nvSpPr>
+              <p:cNvPr id="9" name="右矢印 8"/>
+              <p:cNvSpPr/>
+              <p:nvPr/>
+            </p:nvSpPr>
+            <p:spPr>
+              <a:xfrm rot="10800000">
+                <a:off x="8071337" y="5195928"/>
+                <a:ext cx="2613939" cy="879234"/>
+              </a:xfrm>
+              <a:prstGeom prst="rightArrow">
+                <a:avLst>
+                  <a:gd name="adj1" fmla="val 50000"/>
+                  <a:gd name="adj2" fmla="val 116901"/>
+                </a:avLst>
+              </a:prstGeom>
+            </p:spPr>
+            <p:style>
+              <a:lnRef idx="2">
+                <a:schemeClr val="accent1">
+                  <a:shade val="50000"/>
+                </a:schemeClr>
+              </a:lnRef>
+              <a:fillRef idx="1">
+                <a:schemeClr val="accent1"/>
+              </a:fillRef>
+              <a:effectRef idx="0">
+                <a:schemeClr val="accent1"/>
+              </a:effectRef>
+              <a:fontRef idx="minor">
+                <a:schemeClr val="lt1"/>
+              </a:fontRef>
+            </p:style>
+            <p:txBody>
+              <a:bodyPr rtlCol="0" anchor="ctr"/>
+              <a:lstStyle/>
+              <a:p>
+                <a:pPr algn="ctr"/>
+                <a:endParaRPr kumimoji="1" lang="ja-JP" altLang="en-US"/>
+              </a:p>
+            </p:txBody>
+          </p:sp>
+          <p:sp>
+            <p:nvSpPr>
+              <p:cNvPr id="8" name="テキスト ボックス 7"/>
+              <p:cNvSpPr txBox="1"/>
+              <p:nvPr/>
+            </p:nvSpPr>
+            <p:spPr>
+              <a:xfrm>
+                <a:off x="9277888" y="5467780"/>
+                <a:ext cx="1407388" cy="461665"/>
+              </a:xfrm>
+              <a:prstGeom prst="rect">
+                <a:avLst/>
+              </a:prstGeom>
+              <a:noFill/>
+            </p:spPr>
+            <p:txBody>
+              <a:bodyPr wrap="square" rtlCol="0">
+                <a:spAutoFit/>
+              </a:bodyPr>
+              <a:lstStyle/>
+              <a:p>
+                <a:pPr algn="ctr"/>
+                <a:r>
+                  <a:rPr kumimoji="1" lang="ja-JP" altLang="en-US" sz="2400" b="1" dirty="0" smtClean="0">
+                    <a:ln w="3175">
+                      <a:solidFill>
+                        <a:srgbClr val="FF0000"/>
+                      </a:solidFill>
+                    </a:ln>
+                    <a:solidFill>
+                      <a:schemeClr val="bg1"/>
+                    </a:solidFill>
+                  </a:rPr>
+                  <a:t>画面外へ</a:t>
+                </a:r>
+                <a:endParaRPr kumimoji="1" lang="ja-JP" altLang="en-US" sz="2400" b="1" dirty="0">
+                  <a:ln w="3175">
+                    <a:solidFill>
+                      <a:srgbClr val="FF0000"/>
+                    </a:solidFill>
+                  </a:ln>
                   <a:solidFill>
                     <a:schemeClr val="bg1"/>
                   </a:solidFill>
-                </a:ln>
-                <a:solidFill>
-                  <a:srgbClr val="0070C0"/>
-                </a:solidFill>
-              </a:rPr>
-              <a:t>１</a:t>
-            </a:r>
-            <a:r>
-              <a:rPr lang="en-US" altLang="ja-JP" sz="2400" b="1" dirty="0">
-                <a:ln>
+                </a:endParaRPr>
+              </a:p>
+            </p:txBody>
+          </p:sp>
+        </p:grpSp>
+        <p:sp>
+          <p:nvSpPr>
+            <p:cNvPr id="15" name="テキスト ボックス 14"/>
+            <p:cNvSpPr txBox="1"/>
+            <p:nvPr/>
+          </p:nvSpPr>
+          <p:spPr>
+            <a:xfrm>
+              <a:off x="11684975" y="5195928"/>
+              <a:ext cx="445477" cy="646331"/>
+            </a:xfrm>
+            <a:prstGeom prst="rect">
+              <a:avLst/>
+            </a:prstGeom>
+            <a:solidFill>
+              <a:schemeClr val="bg1"/>
+            </a:solidFill>
+          </p:spPr>
+          <p:txBody>
+            <a:bodyPr wrap="square" rtlCol="0">
+              <a:spAutoFit/>
+            </a:bodyPr>
+            <a:lstStyle/>
+            <a:p>
+              <a:pPr algn="ctr"/>
+              <a:r>
+                <a:rPr kumimoji="1" lang="en-US" altLang="ja-JP" b="1" dirty="0" smtClean="0">
                   <a:solidFill>
-                    <a:schemeClr val="bg1"/>
+                    <a:srgbClr val="7030A0"/>
                   </a:solidFill>
-                </a:ln>
-                <a:solidFill>
-                  <a:srgbClr val="0070C0"/>
-                </a:solidFill>
-              </a:rPr>
-              <a:t>P</a:t>
-            </a:r>
-            <a:endParaRPr lang="ja-JP" altLang="en-US" sz="2400" b="1" dirty="0">
-              <a:ln>
-                <a:solidFill>
-                  <a:schemeClr val="bg1"/>
-                </a:solidFill>
-              </a:ln>
-              <a:solidFill>
-                <a:srgbClr val="0070C0"/>
-              </a:solidFill>
-            </a:endParaRPr>
-          </a:p>
-        </p:txBody>
-      </p:sp>
-      <p:sp>
-        <p:nvSpPr>
-          <p:cNvPr id="7" name="正方形/長方形 6"/>
-          <p:cNvSpPr/>
-          <p:nvPr/>
-        </p:nvSpPr>
-        <p:spPr>
-          <a:xfrm>
-            <a:off x="10454053" y="5132313"/>
-            <a:ext cx="1676400" cy="1006463"/>
-          </a:xfrm>
-          <a:prstGeom prst="rect">
-            <a:avLst/>
-          </a:prstGeom>
-        </p:spPr>
-        <p:style>
-          <a:lnRef idx="1">
-            <a:schemeClr val="dk1"/>
-          </a:lnRef>
-          <a:fillRef idx="2">
-            <a:schemeClr val="dk1"/>
-          </a:fillRef>
-          <a:effectRef idx="1">
-            <a:schemeClr val="dk1"/>
-          </a:effectRef>
-          <a:fontRef idx="minor">
-            <a:schemeClr val="dk1"/>
-          </a:fontRef>
-        </p:style>
-        <p:txBody>
-          <a:bodyPr rtlCol="0" anchor="ctr"/>
-          <a:lstStyle/>
-          <a:p>
-            <a:pPr algn="ctr"/>
-            <a:r>
-              <a:rPr lang="ja-JP" altLang="en-US" sz="2400" b="1" dirty="0" smtClean="0">
-                <a:ln>
-                  <a:solidFill>
-                    <a:schemeClr val="bg1"/>
-                  </a:solidFill>
-                </a:ln>
-                <a:solidFill>
-                  <a:schemeClr val="bg1"/>
-                </a:solidFill>
-              </a:rPr>
-              <a:t>車</a:t>
-            </a:r>
-            <a:r>
-              <a:rPr lang="en-US" altLang="ja-JP" sz="2400" b="1" dirty="0" smtClean="0">
-                <a:ln>
-                  <a:solidFill>
-                    <a:schemeClr val="bg1"/>
-                  </a:solidFill>
-                </a:ln>
-                <a:solidFill>
-                  <a:srgbClr val="FF0000"/>
-                </a:solidFill>
-              </a:rPr>
-              <a:t>2P</a:t>
-            </a:r>
-            <a:endParaRPr lang="ja-JP" altLang="en-US" sz="2400" b="1" dirty="0">
-              <a:ln>
-                <a:solidFill>
-                  <a:schemeClr val="bg1"/>
-                </a:solidFill>
-              </a:ln>
-              <a:solidFill>
-                <a:srgbClr val="FF0000"/>
-              </a:solidFill>
-            </a:endParaRPr>
-          </a:p>
-        </p:txBody>
-      </p:sp>
-      <p:sp>
-        <p:nvSpPr>
-          <p:cNvPr id="2" name="右矢印 1"/>
-          <p:cNvSpPr/>
-          <p:nvPr/>
-        </p:nvSpPr>
-        <p:spPr>
-          <a:xfrm>
-            <a:off x="1617785" y="3120225"/>
-            <a:ext cx="2989384" cy="953737"/>
-          </a:xfrm>
-          <a:prstGeom prst="rightArrow">
-            <a:avLst>
-              <a:gd name="adj1" fmla="val 50000"/>
-              <a:gd name="adj2" fmla="val 116901"/>
-            </a:avLst>
-          </a:prstGeom>
-        </p:spPr>
-        <p:style>
-          <a:lnRef idx="2">
-            <a:schemeClr val="accent1">
-              <a:shade val="50000"/>
-            </a:schemeClr>
-          </a:lnRef>
-          <a:fillRef idx="1">
-            <a:schemeClr val="accent1"/>
-          </a:fillRef>
-          <a:effectRef idx="0">
-            <a:schemeClr val="accent1"/>
-          </a:effectRef>
-          <a:fontRef idx="minor">
-            <a:schemeClr val="lt1"/>
-          </a:fontRef>
-        </p:style>
-        <p:txBody>
-          <a:bodyPr rtlCol="0" anchor="ctr"/>
-          <a:lstStyle/>
-          <a:p>
-            <a:pPr algn="ctr"/>
-            <a:endParaRPr kumimoji="1" lang="ja-JP" altLang="en-US"/>
-          </a:p>
-        </p:txBody>
-      </p:sp>
-      <p:sp>
-        <p:nvSpPr>
-          <p:cNvPr id="3" name="テキスト ボックス 2"/>
-          <p:cNvSpPr txBox="1"/>
-          <p:nvPr/>
-        </p:nvSpPr>
-        <p:spPr>
-          <a:xfrm>
-            <a:off x="2283330" y="4145477"/>
-            <a:ext cx="1172047" cy="373472"/>
-          </a:xfrm>
-          <a:prstGeom prst="rect">
-            <a:avLst/>
-          </a:prstGeom>
-          <a:noFill/>
-        </p:spPr>
-        <p:txBody>
-          <a:bodyPr wrap="square" rtlCol="0">
-            <a:spAutoFit/>
-          </a:bodyPr>
-          <a:lstStyle/>
-          <a:p>
-            <a:pPr algn="ctr"/>
-            <a:r>
-              <a:rPr kumimoji="1" lang="ja-JP" altLang="en-US" dirty="0" smtClean="0"/>
-              <a:t>画面外へ</a:t>
-            </a:r>
-            <a:endParaRPr kumimoji="1" lang="ja-JP" altLang="en-US" dirty="0"/>
-          </a:p>
-        </p:txBody>
-      </p:sp>
-      <p:sp>
-        <p:nvSpPr>
-          <p:cNvPr id="8" name="テキスト ボックス 7"/>
-          <p:cNvSpPr txBox="1"/>
-          <p:nvPr/>
-        </p:nvSpPr>
-        <p:spPr>
-          <a:xfrm>
-            <a:off x="9399227" y="6142590"/>
-            <a:ext cx="1125165" cy="369332"/>
-          </a:xfrm>
-          <a:prstGeom prst="rect">
-            <a:avLst/>
-          </a:prstGeom>
-          <a:noFill/>
-        </p:spPr>
-        <p:txBody>
-          <a:bodyPr wrap="square" rtlCol="0">
-            <a:spAutoFit/>
-          </a:bodyPr>
-          <a:lstStyle/>
-          <a:p>
-            <a:pPr algn="ctr"/>
-            <a:r>
-              <a:rPr kumimoji="1" lang="ja-JP" altLang="en-US" dirty="0" smtClean="0"/>
-              <a:t>画面外へ</a:t>
-            </a:r>
-            <a:endParaRPr kumimoji="1" lang="ja-JP" altLang="en-US" dirty="0"/>
-          </a:p>
-        </p:txBody>
-      </p:sp>
-      <p:sp>
-        <p:nvSpPr>
-          <p:cNvPr id="9" name="右矢印 8"/>
-          <p:cNvSpPr/>
-          <p:nvPr/>
-        </p:nvSpPr>
-        <p:spPr>
-          <a:xfrm rot="10800000">
-            <a:off x="8071337" y="5195928"/>
-            <a:ext cx="2613939" cy="879234"/>
-          </a:xfrm>
-          <a:prstGeom prst="rightArrow">
-            <a:avLst>
-              <a:gd name="adj1" fmla="val 50000"/>
-              <a:gd name="adj2" fmla="val 116901"/>
-            </a:avLst>
-          </a:prstGeom>
-        </p:spPr>
-        <p:style>
-          <a:lnRef idx="2">
-            <a:schemeClr val="accent1">
-              <a:shade val="50000"/>
-            </a:schemeClr>
-          </a:lnRef>
-          <a:fillRef idx="1">
-            <a:schemeClr val="accent1"/>
-          </a:fillRef>
-          <a:effectRef idx="0">
-            <a:schemeClr val="accent1"/>
-          </a:effectRef>
-          <a:fontRef idx="minor">
-            <a:schemeClr val="lt1"/>
-          </a:fontRef>
-        </p:style>
-        <p:txBody>
-          <a:bodyPr rtlCol="0" anchor="ctr"/>
-          <a:lstStyle/>
-          <a:p>
-            <a:pPr algn="ctr"/>
-            <a:endParaRPr kumimoji="1" lang="ja-JP" altLang="en-US"/>
-          </a:p>
-        </p:txBody>
-      </p:sp>
-      <p:sp>
-        <p:nvSpPr>
-          <p:cNvPr id="14" name="テキスト ボックス 13"/>
-          <p:cNvSpPr txBox="1"/>
-          <p:nvPr/>
-        </p:nvSpPr>
-        <p:spPr>
-          <a:xfrm>
-            <a:off x="72502" y="3264606"/>
-            <a:ext cx="456321" cy="646331"/>
-          </a:xfrm>
-          <a:prstGeom prst="rect">
-            <a:avLst/>
-          </a:prstGeom>
-          <a:solidFill>
-            <a:schemeClr val="bg1"/>
-          </a:solidFill>
-        </p:spPr>
-        <p:txBody>
-          <a:bodyPr wrap="square" rtlCol="0">
-            <a:spAutoFit/>
-          </a:bodyPr>
-          <a:lstStyle/>
-          <a:p>
-            <a:pPr algn="ctr"/>
-            <a:r>
-              <a:rPr kumimoji="1" lang="en-US" altLang="ja-JP" b="1" dirty="0" smtClean="0">
+                </a:rPr>
+                <a:t>2D</a:t>
+              </a:r>
+              <a:endParaRPr kumimoji="1" lang="ja-JP" altLang="en-US" b="1" dirty="0">
                 <a:solidFill>
                   <a:srgbClr val="7030A0"/>
                 </a:solidFill>
-              </a:rPr>
-              <a:t>2D</a:t>
-            </a:r>
-            <a:endParaRPr kumimoji="1" lang="ja-JP" altLang="en-US" b="1" dirty="0">
-              <a:solidFill>
-                <a:srgbClr val="7030A0"/>
-              </a:solidFill>
-            </a:endParaRPr>
-          </a:p>
-        </p:txBody>
-      </p:sp>
-      <p:sp>
-        <p:nvSpPr>
-          <p:cNvPr id="15" name="テキスト ボックス 14"/>
-          <p:cNvSpPr txBox="1"/>
-          <p:nvPr/>
-        </p:nvSpPr>
-        <p:spPr>
-          <a:xfrm>
-            <a:off x="11684975" y="5195928"/>
-            <a:ext cx="445477" cy="646331"/>
-          </a:xfrm>
-          <a:prstGeom prst="rect">
-            <a:avLst/>
-          </a:prstGeom>
-          <a:solidFill>
-            <a:schemeClr val="bg1"/>
-          </a:solidFill>
-        </p:spPr>
-        <p:txBody>
-          <a:bodyPr wrap="square" rtlCol="0">
-            <a:spAutoFit/>
-          </a:bodyPr>
-          <a:lstStyle/>
-          <a:p>
-            <a:pPr algn="ctr"/>
-            <a:r>
-              <a:rPr kumimoji="1" lang="en-US" altLang="ja-JP" b="1" dirty="0" smtClean="0">
-                <a:solidFill>
-                  <a:srgbClr val="7030A0"/>
-                </a:solidFill>
-              </a:rPr>
-              <a:t>2D</a:t>
-            </a:r>
-            <a:endParaRPr kumimoji="1" lang="ja-JP" altLang="en-US" b="1" dirty="0">
-              <a:solidFill>
-                <a:srgbClr val="7030A0"/>
-              </a:solidFill>
-            </a:endParaRPr>
-          </a:p>
-        </p:txBody>
-      </p:sp>
+              </a:endParaRPr>
+            </a:p>
+          </p:txBody>
+        </p:sp>
+      </p:grpSp>
       <p:sp>
         <p:nvSpPr>
           <p:cNvPr id="12" name="テキスト ボックス 11"/>
@@ -20102,6 +20199,1309 @@
     <p:extLst>
       <p:ext uri="{BB962C8B-B14F-4D97-AF65-F5344CB8AC3E}">
         <p14:creationId xmlns:p14="http://schemas.microsoft.com/office/powerpoint/2010/main" val="203402168"/>
+      </p:ext>
+    </p:extLst>
+  </p:cSld>
+  <p:clrMapOvr>
+    <a:masterClrMapping/>
+  </p:clrMapOvr>
+  <mc:AlternateContent xmlns:mc="http://schemas.openxmlformats.org/markup-compatibility/2006" xmlns:p14="http://schemas.microsoft.com/office/powerpoint/2010/main">
+    <mc:Choice Requires="p14">
+      <p:transition spd="slow" p14:dur="2000"/>
+    </mc:Choice>
+    <mc:Fallback xmlns="">
+      <p:transition spd="slow"/>
+    </mc:Fallback>
+  </mc:AlternateContent>
+  <p:timing>
+    <p:tnLst>
+      <p:par>
+        <p:cTn id="1" dur="indefinite" restart="never" nodeType="tmRoot"/>
+      </p:par>
+    </p:tnLst>
+  </p:timing>
+</p:sld>
+</file>
+
+<file path=ppt/slides/slide35.xml><?xml version="1.0" encoding="utf-8"?>
+<p:sld xmlns:a="http://schemas.openxmlformats.org/drawingml/2006/main" xmlns:r="http://schemas.openxmlformats.org/officeDocument/2006/relationships" xmlns:p="http://schemas.openxmlformats.org/presentationml/2006/main">
+  <p:cSld>
+    <p:spTree>
+      <p:nvGrpSpPr>
+        <p:cNvPr id="1" name=""/>
+        <p:cNvGrpSpPr/>
+        <p:nvPr/>
+      </p:nvGrpSpPr>
+      <p:grpSpPr>
+        <a:xfrm>
+          <a:off x="0" y="0"/>
+          <a:ext cx="0" cy="0"/>
+          <a:chOff x="0" y="0"/>
+          <a:chExt cx="0" cy="0"/>
+        </a:xfrm>
+      </p:grpSpPr>
+      <p:pic>
+        <p:nvPicPr>
+          <p:cNvPr id="16" name="Picture 2" descr="草原 写真素材 [ 1527872 ] - フォトライブラリー photolibrary"/>
+          <p:cNvPicPr>
+            <a:picLocks noChangeAspect="1" noChangeArrowheads="1"/>
+          </p:cNvPicPr>
+          <p:nvPr/>
+        </p:nvPicPr>
+        <p:blipFill>
+          <a:blip r:embed="rId2">
+            <a:extLst>
+              <a:ext uri="{28A0092B-C50C-407E-A947-70E740481C1C}">
+                <a14:useLocalDpi xmlns:a14="http://schemas.microsoft.com/office/drawing/2010/main" val="0"/>
+              </a:ext>
+            </a:extLst>
+          </a:blip>
+          <a:srcRect/>
+          <a:stretch>
+            <a:fillRect/>
+          </a:stretch>
+        </p:blipFill>
+        <p:spPr bwMode="auto">
+          <a:xfrm>
+            <a:off x="1" y="2285703"/>
+            <a:ext cx="12192000" cy="4466492"/>
+          </a:xfrm>
+          <a:prstGeom prst="rect">
+            <a:avLst/>
+          </a:prstGeom>
+          <a:noFill/>
+          <a:extLst>
+            <a:ext uri="{909E8E84-426E-40DD-AFC4-6F175D3DCCD1}">
+              <a14:hiddenFill xmlns:a14="http://schemas.microsoft.com/office/drawing/2010/main">
+                <a:solidFill>
+                  <a:srgbClr val="FFFFFF"/>
+                </a:solidFill>
+              </a14:hiddenFill>
+            </a:ext>
+          </a:extLst>
+        </p:spPr>
+      </p:pic>
+      <p:sp>
+        <p:nvSpPr>
+          <p:cNvPr id="17" name="正方形/長方形 16"/>
+          <p:cNvSpPr/>
+          <p:nvPr/>
+        </p:nvSpPr>
+        <p:spPr>
+          <a:xfrm>
+            <a:off x="0" y="2711630"/>
+            <a:ext cx="12191999" cy="1639298"/>
+          </a:xfrm>
+          <a:prstGeom prst="rect">
+            <a:avLst/>
+          </a:prstGeom>
+        </p:spPr>
+        <p:style>
+          <a:lnRef idx="1">
+            <a:schemeClr val="accent3"/>
+          </a:lnRef>
+          <a:fillRef idx="2">
+            <a:schemeClr val="accent3"/>
+          </a:fillRef>
+          <a:effectRef idx="1">
+            <a:schemeClr val="accent3"/>
+          </a:effectRef>
+          <a:fontRef idx="minor">
+            <a:schemeClr val="dk1"/>
+          </a:fontRef>
+        </p:style>
+        <p:txBody>
+          <a:bodyPr rtlCol="0" anchor="ctr"/>
+          <a:lstStyle/>
+          <a:p>
+            <a:pPr algn="ctr"/>
+            <a:endParaRPr kumimoji="1" lang="ja-JP" altLang="en-US"/>
+          </a:p>
+        </p:txBody>
+      </p:sp>
+      <p:sp>
+        <p:nvSpPr>
+          <p:cNvPr id="18" name="正方形/長方形 17"/>
+          <p:cNvSpPr/>
+          <p:nvPr/>
+        </p:nvSpPr>
+        <p:spPr>
+          <a:xfrm>
+            <a:off x="2778370" y="3406224"/>
+            <a:ext cx="1477073" cy="511976"/>
+          </a:xfrm>
+          <a:prstGeom prst="rect">
+            <a:avLst/>
+          </a:prstGeom>
+          <a:solidFill>
+            <a:schemeClr val="bg1"/>
+          </a:solidFill>
+          <a:ln>
+            <a:solidFill>
+              <a:schemeClr val="bg1"/>
+            </a:solidFill>
+          </a:ln>
+        </p:spPr>
+        <p:style>
+          <a:lnRef idx="2">
+            <a:schemeClr val="accent1">
+              <a:shade val="50000"/>
+            </a:schemeClr>
+          </a:lnRef>
+          <a:fillRef idx="1">
+            <a:schemeClr val="accent1"/>
+          </a:fillRef>
+          <a:effectRef idx="0">
+            <a:schemeClr val="accent1"/>
+          </a:effectRef>
+          <a:fontRef idx="minor">
+            <a:schemeClr val="lt1"/>
+          </a:fontRef>
+        </p:style>
+        <p:txBody>
+          <a:bodyPr rtlCol="0" anchor="ctr"/>
+          <a:lstStyle/>
+          <a:p>
+            <a:pPr algn="ctr"/>
+            <a:endParaRPr kumimoji="1" lang="ja-JP" altLang="en-US"/>
+          </a:p>
+        </p:txBody>
+      </p:sp>
+      <p:sp>
+        <p:nvSpPr>
+          <p:cNvPr id="19" name="正方形/長方形 18"/>
+          <p:cNvSpPr/>
+          <p:nvPr/>
+        </p:nvSpPr>
+        <p:spPr>
+          <a:xfrm>
+            <a:off x="5120055" y="3406224"/>
+            <a:ext cx="1477073" cy="511976"/>
+          </a:xfrm>
+          <a:prstGeom prst="rect">
+            <a:avLst/>
+          </a:prstGeom>
+          <a:solidFill>
+            <a:schemeClr val="bg1"/>
+          </a:solidFill>
+          <a:ln>
+            <a:solidFill>
+              <a:schemeClr val="bg1"/>
+            </a:solidFill>
+          </a:ln>
+        </p:spPr>
+        <p:style>
+          <a:lnRef idx="2">
+            <a:schemeClr val="accent1">
+              <a:shade val="50000"/>
+            </a:schemeClr>
+          </a:lnRef>
+          <a:fillRef idx="1">
+            <a:schemeClr val="accent1"/>
+          </a:fillRef>
+          <a:effectRef idx="0">
+            <a:schemeClr val="accent1"/>
+          </a:effectRef>
+          <a:fontRef idx="minor">
+            <a:schemeClr val="lt1"/>
+          </a:fontRef>
+        </p:style>
+        <p:txBody>
+          <a:bodyPr rtlCol="0" anchor="ctr"/>
+          <a:lstStyle/>
+          <a:p>
+            <a:pPr algn="ctr"/>
+            <a:endParaRPr kumimoji="1" lang="ja-JP" altLang="en-US"/>
+          </a:p>
+        </p:txBody>
+      </p:sp>
+      <p:sp>
+        <p:nvSpPr>
+          <p:cNvPr id="20" name="正方形/長方形 19"/>
+          <p:cNvSpPr/>
+          <p:nvPr/>
+        </p:nvSpPr>
+        <p:spPr>
+          <a:xfrm>
+            <a:off x="7580452" y="3406224"/>
+            <a:ext cx="1477073" cy="511976"/>
+          </a:xfrm>
+          <a:prstGeom prst="rect">
+            <a:avLst/>
+          </a:prstGeom>
+          <a:solidFill>
+            <a:schemeClr val="bg1"/>
+          </a:solidFill>
+          <a:ln>
+            <a:solidFill>
+              <a:schemeClr val="bg1"/>
+            </a:solidFill>
+          </a:ln>
+        </p:spPr>
+        <p:style>
+          <a:lnRef idx="2">
+            <a:schemeClr val="accent1">
+              <a:shade val="50000"/>
+            </a:schemeClr>
+          </a:lnRef>
+          <a:fillRef idx="1">
+            <a:schemeClr val="accent1"/>
+          </a:fillRef>
+          <a:effectRef idx="0">
+            <a:schemeClr val="accent1"/>
+          </a:effectRef>
+          <a:fontRef idx="minor">
+            <a:schemeClr val="lt1"/>
+          </a:fontRef>
+        </p:style>
+        <p:txBody>
+          <a:bodyPr rtlCol="0" anchor="ctr"/>
+          <a:lstStyle/>
+          <a:p>
+            <a:pPr algn="ctr"/>
+            <a:endParaRPr kumimoji="1" lang="ja-JP" altLang="en-US"/>
+          </a:p>
+        </p:txBody>
+      </p:sp>
+      <p:sp>
+        <p:nvSpPr>
+          <p:cNvPr id="22" name="正方形/長方形 21"/>
+          <p:cNvSpPr/>
+          <p:nvPr/>
+        </p:nvSpPr>
+        <p:spPr>
+          <a:xfrm>
+            <a:off x="10040850" y="3423808"/>
+            <a:ext cx="1477073" cy="511976"/>
+          </a:xfrm>
+          <a:prstGeom prst="rect">
+            <a:avLst/>
+          </a:prstGeom>
+          <a:solidFill>
+            <a:schemeClr val="bg1"/>
+          </a:solidFill>
+          <a:ln>
+            <a:solidFill>
+              <a:schemeClr val="bg1"/>
+            </a:solidFill>
+          </a:ln>
+        </p:spPr>
+        <p:style>
+          <a:lnRef idx="2">
+            <a:schemeClr val="accent1">
+              <a:shade val="50000"/>
+            </a:schemeClr>
+          </a:lnRef>
+          <a:fillRef idx="1">
+            <a:schemeClr val="accent1"/>
+          </a:fillRef>
+          <a:effectRef idx="0">
+            <a:schemeClr val="accent1"/>
+          </a:effectRef>
+          <a:fontRef idx="minor">
+            <a:schemeClr val="lt1"/>
+          </a:fontRef>
+        </p:style>
+        <p:txBody>
+          <a:bodyPr rtlCol="0" anchor="ctr"/>
+          <a:lstStyle/>
+          <a:p>
+            <a:pPr algn="ctr"/>
+            <a:endParaRPr kumimoji="1" lang="ja-JP" altLang="en-US"/>
+          </a:p>
+        </p:txBody>
+      </p:sp>
+      <p:sp>
+        <p:nvSpPr>
+          <p:cNvPr id="23" name="正方形/長方形 22"/>
+          <p:cNvSpPr/>
+          <p:nvPr/>
+        </p:nvSpPr>
+        <p:spPr>
+          <a:xfrm>
+            <a:off x="0" y="4794440"/>
+            <a:ext cx="12191999" cy="1639298"/>
+          </a:xfrm>
+          <a:prstGeom prst="rect">
+            <a:avLst/>
+          </a:prstGeom>
+        </p:spPr>
+        <p:style>
+          <a:lnRef idx="1">
+            <a:schemeClr val="accent3"/>
+          </a:lnRef>
+          <a:fillRef idx="2">
+            <a:schemeClr val="accent3"/>
+          </a:fillRef>
+          <a:effectRef idx="1">
+            <a:schemeClr val="accent3"/>
+          </a:effectRef>
+          <a:fontRef idx="minor">
+            <a:schemeClr val="dk1"/>
+          </a:fontRef>
+        </p:style>
+        <p:txBody>
+          <a:bodyPr rtlCol="0" anchor="ctr"/>
+          <a:lstStyle/>
+          <a:p>
+            <a:pPr algn="ctr"/>
+            <a:endParaRPr kumimoji="1" lang="ja-JP" altLang="en-US"/>
+          </a:p>
+        </p:txBody>
+      </p:sp>
+      <p:sp>
+        <p:nvSpPr>
+          <p:cNvPr id="24" name="正方形/長方形 23"/>
+          <p:cNvSpPr/>
+          <p:nvPr/>
+        </p:nvSpPr>
+        <p:spPr>
+          <a:xfrm>
+            <a:off x="2778370" y="5489034"/>
+            <a:ext cx="1477073" cy="511976"/>
+          </a:xfrm>
+          <a:prstGeom prst="rect">
+            <a:avLst/>
+          </a:prstGeom>
+          <a:solidFill>
+            <a:schemeClr val="bg1"/>
+          </a:solidFill>
+          <a:ln>
+            <a:solidFill>
+              <a:schemeClr val="bg1"/>
+            </a:solidFill>
+          </a:ln>
+        </p:spPr>
+        <p:style>
+          <a:lnRef idx="2">
+            <a:schemeClr val="accent1">
+              <a:shade val="50000"/>
+            </a:schemeClr>
+          </a:lnRef>
+          <a:fillRef idx="1">
+            <a:schemeClr val="accent1"/>
+          </a:fillRef>
+          <a:effectRef idx="0">
+            <a:schemeClr val="accent1"/>
+          </a:effectRef>
+          <a:fontRef idx="minor">
+            <a:schemeClr val="lt1"/>
+          </a:fontRef>
+        </p:style>
+        <p:txBody>
+          <a:bodyPr rtlCol="0" anchor="ctr"/>
+          <a:lstStyle/>
+          <a:p>
+            <a:pPr algn="ctr"/>
+            <a:endParaRPr kumimoji="1" lang="ja-JP" altLang="en-US"/>
+          </a:p>
+        </p:txBody>
+      </p:sp>
+      <p:sp>
+        <p:nvSpPr>
+          <p:cNvPr id="25" name="正方形/長方形 24"/>
+          <p:cNvSpPr/>
+          <p:nvPr/>
+        </p:nvSpPr>
+        <p:spPr>
+          <a:xfrm>
+            <a:off x="5120055" y="5489034"/>
+            <a:ext cx="1477073" cy="511976"/>
+          </a:xfrm>
+          <a:prstGeom prst="rect">
+            <a:avLst/>
+          </a:prstGeom>
+          <a:solidFill>
+            <a:schemeClr val="bg1"/>
+          </a:solidFill>
+          <a:ln>
+            <a:solidFill>
+              <a:schemeClr val="bg1"/>
+            </a:solidFill>
+          </a:ln>
+        </p:spPr>
+        <p:style>
+          <a:lnRef idx="2">
+            <a:schemeClr val="accent1">
+              <a:shade val="50000"/>
+            </a:schemeClr>
+          </a:lnRef>
+          <a:fillRef idx="1">
+            <a:schemeClr val="accent1"/>
+          </a:fillRef>
+          <a:effectRef idx="0">
+            <a:schemeClr val="accent1"/>
+          </a:effectRef>
+          <a:fontRef idx="minor">
+            <a:schemeClr val="lt1"/>
+          </a:fontRef>
+        </p:style>
+        <p:txBody>
+          <a:bodyPr rtlCol="0" anchor="ctr"/>
+          <a:lstStyle/>
+          <a:p>
+            <a:pPr algn="ctr"/>
+            <a:endParaRPr kumimoji="1" lang="ja-JP" altLang="en-US"/>
+          </a:p>
+        </p:txBody>
+      </p:sp>
+      <p:sp>
+        <p:nvSpPr>
+          <p:cNvPr id="26" name="正方形/長方形 25"/>
+          <p:cNvSpPr/>
+          <p:nvPr/>
+        </p:nvSpPr>
+        <p:spPr>
+          <a:xfrm>
+            <a:off x="7580451" y="5489034"/>
+            <a:ext cx="1477073" cy="511976"/>
+          </a:xfrm>
+          <a:prstGeom prst="rect">
+            <a:avLst/>
+          </a:prstGeom>
+          <a:solidFill>
+            <a:schemeClr val="bg1"/>
+          </a:solidFill>
+          <a:ln>
+            <a:solidFill>
+              <a:schemeClr val="bg1"/>
+            </a:solidFill>
+          </a:ln>
+        </p:spPr>
+        <p:style>
+          <a:lnRef idx="2">
+            <a:schemeClr val="accent1">
+              <a:shade val="50000"/>
+            </a:schemeClr>
+          </a:lnRef>
+          <a:fillRef idx="1">
+            <a:schemeClr val="accent1"/>
+          </a:fillRef>
+          <a:effectRef idx="0">
+            <a:schemeClr val="accent1"/>
+          </a:effectRef>
+          <a:fontRef idx="minor">
+            <a:schemeClr val="lt1"/>
+          </a:fontRef>
+        </p:style>
+        <p:txBody>
+          <a:bodyPr rtlCol="0" anchor="ctr"/>
+          <a:lstStyle/>
+          <a:p>
+            <a:pPr algn="ctr"/>
+            <a:endParaRPr kumimoji="1" lang="ja-JP" altLang="en-US"/>
+          </a:p>
+        </p:txBody>
+      </p:sp>
+      <p:sp>
+        <p:nvSpPr>
+          <p:cNvPr id="27" name="正方形/長方形 26"/>
+          <p:cNvSpPr/>
+          <p:nvPr/>
+        </p:nvSpPr>
+        <p:spPr>
+          <a:xfrm>
+            <a:off x="10040847" y="5489034"/>
+            <a:ext cx="1477073" cy="511976"/>
+          </a:xfrm>
+          <a:prstGeom prst="rect">
+            <a:avLst/>
+          </a:prstGeom>
+          <a:solidFill>
+            <a:schemeClr val="bg1"/>
+          </a:solidFill>
+          <a:ln>
+            <a:solidFill>
+              <a:schemeClr val="bg1"/>
+            </a:solidFill>
+          </a:ln>
+        </p:spPr>
+        <p:style>
+          <a:lnRef idx="2">
+            <a:schemeClr val="accent1">
+              <a:shade val="50000"/>
+            </a:schemeClr>
+          </a:lnRef>
+          <a:fillRef idx="1">
+            <a:schemeClr val="accent1"/>
+          </a:fillRef>
+          <a:effectRef idx="0">
+            <a:schemeClr val="accent1"/>
+          </a:effectRef>
+          <a:fontRef idx="minor">
+            <a:schemeClr val="lt1"/>
+          </a:fontRef>
+        </p:style>
+        <p:txBody>
+          <a:bodyPr rtlCol="0" anchor="ctr"/>
+          <a:lstStyle/>
+          <a:p>
+            <a:pPr algn="ctr"/>
+            <a:endParaRPr kumimoji="1" lang="ja-JP" altLang="en-US"/>
+          </a:p>
+        </p:txBody>
+      </p:sp>
+      <p:sp>
+        <p:nvSpPr>
+          <p:cNvPr id="5" name="正方形/長方形 4"/>
+          <p:cNvSpPr/>
+          <p:nvPr/>
+        </p:nvSpPr>
+        <p:spPr>
+          <a:xfrm>
+            <a:off x="0" y="3130331"/>
+            <a:ext cx="1949222" cy="943631"/>
+          </a:xfrm>
+          <a:prstGeom prst="rect">
+            <a:avLst/>
+          </a:prstGeom>
+        </p:spPr>
+        <p:style>
+          <a:lnRef idx="1">
+            <a:schemeClr val="dk1"/>
+          </a:lnRef>
+          <a:fillRef idx="2">
+            <a:schemeClr val="dk1"/>
+          </a:fillRef>
+          <a:effectRef idx="1">
+            <a:schemeClr val="dk1"/>
+          </a:effectRef>
+          <a:fontRef idx="minor">
+            <a:schemeClr val="dk1"/>
+          </a:fontRef>
+        </p:style>
+        <p:txBody>
+          <a:bodyPr rtlCol="0" anchor="ctr"/>
+          <a:lstStyle/>
+          <a:p>
+            <a:pPr algn="ctr"/>
+            <a:r>
+              <a:rPr lang="ja-JP" altLang="en-US" sz="2400" b="1" dirty="0" smtClean="0">
+                <a:ln>
+                  <a:solidFill>
+                    <a:schemeClr val="bg1"/>
+                  </a:solidFill>
+                </a:ln>
+                <a:solidFill>
+                  <a:schemeClr val="bg1"/>
+                </a:solidFill>
+              </a:rPr>
+              <a:t>車</a:t>
+            </a:r>
+            <a:r>
+              <a:rPr lang="ja-JP" altLang="en-US" sz="2400" b="1" dirty="0" smtClean="0">
+                <a:ln>
+                  <a:solidFill>
+                    <a:schemeClr val="bg1"/>
+                  </a:solidFill>
+                </a:ln>
+                <a:solidFill>
+                  <a:srgbClr val="0070C0"/>
+                </a:solidFill>
+              </a:rPr>
+              <a:t>１</a:t>
+            </a:r>
+            <a:r>
+              <a:rPr lang="en-US" altLang="ja-JP" sz="2400" b="1" dirty="0">
+                <a:ln>
+                  <a:solidFill>
+                    <a:schemeClr val="bg1"/>
+                  </a:solidFill>
+                </a:ln>
+                <a:solidFill>
+                  <a:srgbClr val="0070C0"/>
+                </a:solidFill>
+              </a:rPr>
+              <a:t>P</a:t>
+            </a:r>
+            <a:endParaRPr lang="ja-JP" altLang="en-US" sz="2400" b="1" dirty="0">
+              <a:ln>
+                <a:solidFill>
+                  <a:schemeClr val="bg1"/>
+                </a:solidFill>
+              </a:ln>
+              <a:solidFill>
+                <a:srgbClr val="0070C0"/>
+              </a:solidFill>
+            </a:endParaRPr>
+          </a:p>
+        </p:txBody>
+      </p:sp>
+      <p:sp>
+        <p:nvSpPr>
+          <p:cNvPr id="7" name="正方形/長方形 6"/>
+          <p:cNvSpPr/>
+          <p:nvPr/>
+        </p:nvSpPr>
+        <p:spPr>
+          <a:xfrm>
+            <a:off x="10454053" y="5132313"/>
+            <a:ext cx="1676400" cy="1006463"/>
+          </a:xfrm>
+          <a:prstGeom prst="rect">
+            <a:avLst/>
+          </a:prstGeom>
+        </p:spPr>
+        <p:style>
+          <a:lnRef idx="1">
+            <a:schemeClr val="dk1"/>
+          </a:lnRef>
+          <a:fillRef idx="2">
+            <a:schemeClr val="dk1"/>
+          </a:fillRef>
+          <a:effectRef idx="1">
+            <a:schemeClr val="dk1"/>
+          </a:effectRef>
+          <a:fontRef idx="minor">
+            <a:schemeClr val="dk1"/>
+          </a:fontRef>
+        </p:style>
+        <p:txBody>
+          <a:bodyPr rtlCol="0" anchor="ctr"/>
+          <a:lstStyle/>
+          <a:p>
+            <a:pPr algn="ctr"/>
+            <a:r>
+              <a:rPr lang="ja-JP" altLang="en-US" sz="2400" b="1" dirty="0" smtClean="0">
+                <a:ln>
+                  <a:solidFill>
+                    <a:schemeClr val="bg1"/>
+                  </a:solidFill>
+                </a:ln>
+                <a:solidFill>
+                  <a:schemeClr val="bg1"/>
+                </a:solidFill>
+              </a:rPr>
+              <a:t>車</a:t>
+            </a:r>
+            <a:r>
+              <a:rPr lang="en-US" altLang="ja-JP" sz="2400" b="1" dirty="0" smtClean="0">
+                <a:ln>
+                  <a:solidFill>
+                    <a:schemeClr val="bg1"/>
+                  </a:solidFill>
+                </a:ln>
+                <a:solidFill>
+                  <a:srgbClr val="FF0000"/>
+                </a:solidFill>
+              </a:rPr>
+              <a:t>2P</a:t>
+            </a:r>
+            <a:endParaRPr lang="ja-JP" altLang="en-US" sz="2400" b="1" dirty="0">
+              <a:ln>
+                <a:solidFill>
+                  <a:schemeClr val="bg1"/>
+                </a:solidFill>
+              </a:ln>
+              <a:solidFill>
+                <a:srgbClr val="FF0000"/>
+              </a:solidFill>
+            </a:endParaRPr>
+          </a:p>
+        </p:txBody>
+      </p:sp>
+      <p:sp>
+        <p:nvSpPr>
+          <p:cNvPr id="2" name="右矢印 1"/>
+          <p:cNvSpPr/>
+          <p:nvPr/>
+        </p:nvSpPr>
+        <p:spPr>
+          <a:xfrm>
+            <a:off x="1617785" y="3120225"/>
+            <a:ext cx="2989384" cy="953737"/>
+          </a:xfrm>
+          <a:prstGeom prst="rightArrow">
+            <a:avLst>
+              <a:gd name="adj1" fmla="val 50000"/>
+              <a:gd name="adj2" fmla="val 116901"/>
+            </a:avLst>
+          </a:prstGeom>
+        </p:spPr>
+        <p:style>
+          <a:lnRef idx="2">
+            <a:schemeClr val="accent1">
+              <a:shade val="50000"/>
+            </a:schemeClr>
+          </a:lnRef>
+          <a:fillRef idx="1">
+            <a:schemeClr val="accent1"/>
+          </a:fillRef>
+          <a:effectRef idx="0">
+            <a:schemeClr val="accent1"/>
+          </a:effectRef>
+          <a:fontRef idx="minor">
+            <a:schemeClr val="lt1"/>
+          </a:fontRef>
+        </p:style>
+        <p:txBody>
+          <a:bodyPr rtlCol="0" anchor="ctr"/>
+          <a:lstStyle/>
+          <a:p>
+            <a:pPr algn="ctr"/>
+            <a:endParaRPr kumimoji="1" lang="ja-JP" altLang="en-US"/>
+          </a:p>
+        </p:txBody>
+      </p:sp>
+      <p:sp>
+        <p:nvSpPr>
+          <p:cNvPr id="3" name="テキスト ボックス 2"/>
+          <p:cNvSpPr txBox="1"/>
+          <p:nvPr/>
+        </p:nvSpPr>
+        <p:spPr>
+          <a:xfrm>
+            <a:off x="1985581" y="3365863"/>
+            <a:ext cx="1868251" cy="461665"/>
+          </a:xfrm>
+          <a:prstGeom prst="rect">
+            <a:avLst/>
+          </a:prstGeom>
+          <a:noFill/>
+        </p:spPr>
+        <p:txBody>
+          <a:bodyPr wrap="square" rtlCol="0">
+            <a:spAutoFit/>
+          </a:bodyPr>
+          <a:lstStyle/>
+          <a:p>
+            <a:pPr algn="ctr"/>
+            <a:r>
+              <a:rPr kumimoji="1" lang="ja-JP" altLang="en-US" sz="2400" b="1" dirty="0" smtClean="0">
+                <a:ln w="3175">
+                  <a:solidFill>
+                    <a:srgbClr val="FF0000"/>
+                  </a:solidFill>
+                </a:ln>
+                <a:solidFill>
+                  <a:schemeClr val="bg1"/>
+                </a:solidFill>
+              </a:rPr>
+              <a:t>画面外へ</a:t>
+            </a:r>
+            <a:endParaRPr kumimoji="1" lang="ja-JP" altLang="en-US" sz="2400" b="1" dirty="0">
+              <a:ln w="3175">
+                <a:solidFill>
+                  <a:srgbClr val="FF0000"/>
+                </a:solidFill>
+              </a:ln>
+              <a:solidFill>
+                <a:schemeClr val="bg1"/>
+              </a:solidFill>
+            </a:endParaRPr>
+          </a:p>
+        </p:txBody>
+      </p:sp>
+      <p:sp>
+        <p:nvSpPr>
+          <p:cNvPr id="9" name="右矢印 8"/>
+          <p:cNvSpPr/>
+          <p:nvPr/>
+        </p:nvSpPr>
+        <p:spPr>
+          <a:xfrm rot="10800000">
+            <a:off x="8071337" y="5195928"/>
+            <a:ext cx="2613939" cy="879234"/>
+          </a:xfrm>
+          <a:prstGeom prst="rightArrow">
+            <a:avLst>
+              <a:gd name="adj1" fmla="val 50000"/>
+              <a:gd name="adj2" fmla="val 116901"/>
+            </a:avLst>
+          </a:prstGeom>
+        </p:spPr>
+        <p:style>
+          <a:lnRef idx="2">
+            <a:schemeClr val="accent1">
+              <a:shade val="50000"/>
+            </a:schemeClr>
+          </a:lnRef>
+          <a:fillRef idx="1">
+            <a:schemeClr val="accent1"/>
+          </a:fillRef>
+          <a:effectRef idx="0">
+            <a:schemeClr val="accent1"/>
+          </a:effectRef>
+          <a:fontRef idx="minor">
+            <a:schemeClr val="lt1"/>
+          </a:fontRef>
+        </p:style>
+        <p:txBody>
+          <a:bodyPr rtlCol="0" anchor="ctr"/>
+          <a:lstStyle/>
+          <a:p>
+            <a:pPr algn="ctr"/>
+            <a:endParaRPr kumimoji="1" lang="ja-JP" altLang="en-US"/>
+          </a:p>
+        </p:txBody>
+      </p:sp>
+      <p:sp>
+        <p:nvSpPr>
+          <p:cNvPr id="8" name="テキスト ボックス 7"/>
+          <p:cNvSpPr txBox="1"/>
+          <p:nvPr/>
+        </p:nvSpPr>
+        <p:spPr>
+          <a:xfrm>
+            <a:off x="9277888" y="5467780"/>
+            <a:ext cx="1407388" cy="461665"/>
+          </a:xfrm>
+          <a:prstGeom prst="rect">
+            <a:avLst/>
+          </a:prstGeom>
+          <a:noFill/>
+        </p:spPr>
+        <p:txBody>
+          <a:bodyPr wrap="square" rtlCol="0">
+            <a:spAutoFit/>
+          </a:bodyPr>
+          <a:lstStyle/>
+          <a:p>
+            <a:pPr algn="ctr"/>
+            <a:r>
+              <a:rPr kumimoji="1" lang="ja-JP" altLang="en-US" sz="2400" b="1" dirty="0" smtClean="0">
+                <a:ln w="3175">
+                  <a:solidFill>
+                    <a:srgbClr val="FF0000"/>
+                  </a:solidFill>
+                </a:ln>
+                <a:solidFill>
+                  <a:schemeClr val="bg1"/>
+                </a:solidFill>
+              </a:rPr>
+              <a:t>画面外へ</a:t>
+            </a:r>
+            <a:endParaRPr kumimoji="1" lang="ja-JP" altLang="en-US" sz="2400" b="1" dirty="0">
+              <a:ln w="3175">
+                <a:solidFill>
+                  <a:srgbClr val="FF0000"/>
+                </a:solidFill>
+              </a:ln>
+              <a:solidFill>
+                <a:schemeClr val="bg1"/>
+              </a:solidFill>
+            </a:endParaRPr>
+          </a:p>
+        </p:txBody>
+      </p:sp>
+      <p:sp>
+        <p:nvSpPr>
+          <p:cNvPr id="14" name="テキスト ボックス 13"/>
+          <p:cNvSpPr txBox="1"/>
+          <p:nvPr/>
+        </p:nvSpPr>
+        <p:spPr>
+          <a:xfrm>
+            <a:off x="72502" y="3264606"/>
+            <a:ext cx="456321" cy="646331"/>
+          </a:xfrm>
+          <a:prstGeom prst="rect">
+            <a:avLst/>
+          </a:prstGeom>
+          <a:solidFill>
+            <a:schemeClr val="bg1"/>
+          </a:solidFill>
+        </p:spPr>
+        <p:txBody>
+          <a:bodyPr wrap="square" rtlCol="0">
+            <a:spAutoFit/>
+          </a:bodyPr>
+          <a:lstStyle/>
+          <a:p>
+            <a:pPr algn="ctr"/>
+            <a:r>
+              <a:rPr kumimoji="1" lang="en-US" altLang="ja-JP" b="1" dirty="0" smtClean="0">
+                <a:solidFill>
+                  <a:srgbClr val="7030A0"/>
+                </a:solidFill>
+              </a:rPr>
+              <a:t>2D</a:t>
+            </a:r>
+            <a:endParaRPr kumimoji="1" lang="ja-JP" altLang="en-US" b="1" dirty="0">
+              <a:solidFill>
+                <a:srgbClr val="7030A0"/>
+              </a:solidFill>
+            </a:endParaRPr>
+          </a:p>
+        </p:txBody>
+      </p:sp>
+      <p:sp>
+        <p:nvSpPr>
+          <p:cNvPr id="15" name="テキスト ボックス 14"/>
+          <p:cNvSpPr txBox="1"/>
+          <p:nvPr/>
+        </p:nvSpPr>
+        <p:spPr>
+          <a:xfrm>
+            <a:off x="11684975" y="5195928"/>
+            <a:ext cx="445477" cy="646331"/>
+          </a:xfrm>
+          <a:prstGeom prst="rect">
+            <a:avLst/>
+          </a:prstGeom>
+          <a:solidFill>
+            <a:schemeClr val="bg1"/>
+          </a:solidFill>
+        </p:spPr>
+        <p:txBody>
+          <a:bodyPr wrap="square" rtlCol="0">
+            <a:spAutoFit/>
+          </a:bodyPr>
+          <a:lstStyle/>
+          <a:p>
+            <a:pPr algn="ctr"/>
+            <a:r>
+              <a:rPr kumimoji="1" lang="en-US" altLang="ja-JP" b="1" dirty="0" smtClean="0">
+                <a:solidFill>
+                  <a:srgbClr val="7030A0"/>
+                </a:solidFill>
+              </a:rPr>
+              <a:t>2D</a:t>
+            </a:r>
+            <a:endParaRPr kumimoji="1" lang="ja-JP" altLang="en-US" b="1" dirty="0">
+              <a:solidFill>
+                <a:srgbClr val="7030A0"/>
+              </a:solidFill>
+            </a:endParaRPr>
+          </a:p>
+        </p:txBody>
+      </p:sp>
+      <p:sp>
+        <p:nvSpPr>
+          <p:cNvPr id="12" name="テキスト ボックス 11"/>
+          <p:cNvSpPr txBox="1"/>
+          <p:nvPr/>
+        </p:nvSpPr>
+        <p:spPr>
+          <a:xfrm>
+            <a:off x="298938" y="231152"/>
+            <a:ext cx="1793631" cy="369332"/>
+          </a:xfrm>
+          <a:prstGeom prst="rect">
+            <a:avLst/>
+          </a:prstGeom>
+          <a:noFill/>
+        </p:spPr>
+        <p:txBody>
+          <a:bodyPr wrap="square" rtlCol="0">
+            <a:spAutoFit/>
+          </a:bodyPr>
+          <a:lstStyle/>
+          <a:p>
+            <a:pPr algn="ctr"/>
+            <a:r>
+              <a:rPr kumimoji="1" lang="en-US" altLang="ja-JP" b="1" dirty="0" smtClean="0">
+                <a:ln>
+                  <a:solidFill>
+                    <a:schemeClr val="bg1">
+                      <a:lumMod val="75000"/>
+                    </a:schemeClr>
+                  </a:solidFill>
+                </a:ln>
+                <a:solidFill>
+                  <a:schemeClr val="tx2"/>
+                </a:solidFill>
+                <a:latin typeface="源界明朝" panose="02000900000000000000" pitchFamily="2" charset="-128"/>
+                <a:ea typeface="源界明朝" panose="02000900000000000000" pitchFamily="2" charset="-128"/>
+              </a:rPr>
+              <a:t>Please</a:t>
+            </a:r>
+            <a:r>
+              <a:rPr lang="ja-JP" altLang="en-US" b="1" dirty="0">
+                <a:ln>
+                  <a:solidFill>
+                    <a:schemeClr val="bg1">
+                      <a:lumMod val="75000"/>
+                    </a:schemeClr>
+                  </a:solidFill>
+                </a:ln>
+                <a:solidFill>
+                  <a:schemeClr val="tx2"/>
+                </a:solidFill>
+                <a:latin typeface="源界明朝" panose="02000900000000000000" pitchFamily="2" charset="-128"/>
+                <a:ea typeface="源界明朝" panose="02000900000000000000" pitchFamily="2" charset="-128"/>
+              </a:rPr>
+              <a:t> </a:t>
+            </a:r>
+            <a:r>
+              <a:rPr kumimoji="1" lang="en-US" altLang="ja-JP" b="1" dirty="0" smtClean="0">
+                <a:ln>
+                  <a:solidFill>
+                    <a:schemeClr val="bg1">
+                      <a:lumMod val="75000"/>
+                    </a:schemeClr>
+                  </a:solidFill>
+                </a:ln>
+                <a:solidFill>
+                  <a:schemeClr val="tx2"/>
+                </a:solidFill>
+                <a:latin typeface="源界明朝" panose="02000900000000000000" pitchFamily="2" charset="-128"/>
+                <a:ea typeface="源界明朝" panose="02000900000000000000" pitchFamily="2" charset="-128"/>
+              </a:rPr>
+              <a:t>NEXT</a:t>
+            </a:r>
+            <a:endParaRPr kumimoji="1" lang="ja-JP" altLang="en-US" b="1" dirty="0">
+              <a:ln>
+                <a:solidFill>
+                  <a:schemeClr val="bg1">
+                    <a:lumMod val="75000"/>
+                  </a:schemeClr>
+                </a:solidFill>
+              </a:ln>
+              <a:solidFill>
+                <a:schemeClr val="tx2"/>
+              </a:solidFill>
+              <a:latin typeface="源界明朝" panose="02000900000000000000" pitchFamily="2" charset="-128"/>
+              <a:ea typeface="源界明朝" panose="02000900000000000000" pitchFamily="2" charset="-128"/>
+            </a:endParaRPr>
+          </a:p>
+        </p:txBody>
+      </p:sp>
+      <p:sp>
+        <p:nvSpPr>
+          <p:cNvPr id="13" name="テキスト ボックス 12"/>
+          <p:cNvSpPr txBox="1"/>
+          <p:nvPr/>
+        </p:nvSpPr>
+        <p:spPr>
+          <a:xfrm>
+            <a:off x="1902069" y="231152"/>
+            <a:ext cx="2705100" cy="369332"/>
+          </a:xfrm>
+          <a:prstGeom prst="rect">
+            <a:avLst/>
+          </a:prstGeom>
+          <a:noFill/>
+        </p:spPr>
+        <p:txBody>
+          <a:bodyPr wrap="square" rtlCol="0">
+            <a:spAutoFit/>
+          </a:bodyPr>
+          <a:lstStyle/>
+          <a:p>
+            <a:pPr algn="ctr"/>
+            <a:r>
+              <a:rPr lang="ja-JP" altLang="en-US" b="1" dirty="0" smtClean="0">
+                <a:ln>
+                  <a:solidFill>
+                    <a:schemeClr val="bg1">
+                      <a:lumMod val="75000"/>
+                    </a:schemeClr>
+                  </a:solidFill>
+                </a:ln>
+                <a:latin typeface="+mn-ea"/>
+              </a:rPr>
+              <a:t>が押されたとき</a:t>
+            </a:r>
+            <a:r>
+              <a:rPr lang="en-US" altLang="ja-JP" b="1" dirty="0" smtClean="0">
+                <a:ln>
+                  <a:solidFill>
+                    <a:schemeClr val="bg1">
+                      <a:lumMod val="75000"/>
+                    </a:schemeClr>
+                  </a:solidFill>
+                </a:ln>
+                <a:latin typeface="+mn-ea"/>
+              </a:rPr>
+              <a:t>(</a:t>
+            </a:r>
+            <a:r>
+              <a:rPr lang="ja-JP" altLang="en-US" b="1" dirty="0" smtClean="0">
+                <a:ln>
+                  <a:solidFill>
+                    <a:schemeClr val="bg1">
+                      <a:lumMod val="75000"/>
+                    </a:schemeClr>
+                  </a:solidFill>
+                </a:ln>
+                <a:latin typeface="+mn-ea"/>
+              </a:rPr>
+              <a:t>全体図</a:t>
+            </a:r>
+            <a:r>
+              <a:rPr lang="en-US" altLang="ja-JP" b="1" dirty="0" smtClean="0">
+                <a:ln>
+                  <a:solidFill>
+                    <a:schemeClr val="bg1">
+                      <a:lumMod val="75000"/>
+                    </a:schemeClr>
+                  </a:solidFill>
+                </a:ln>
+                <a:latin typeface="+mn-ea"/>
+              </a:rPr>
+              <a:t>)</a:t>
+            </a:r>
+            <a:endParaRPr kumimoji="1" lang="ja-JP" altLang="en-US" b="1" dirty="0">
+              <a:ln>
+                <a:solidFill>
+                  <a:schemeClr val="bg1">
+                    <a:lumMod val="75000"/>
+                  </a:schemeClr>
+                </a:solidFill>
+              </a:ln>
+              <a:latin typeface="+mn-ea"/>
+            </a:endParaRPr>
+          </a:p>
+        </p:txBody>
+      </p:sp>
+      <p:pic>
+        <p:nvPicPr>
+          <p:cNvPr id="21" name="図 20"/>
+          <p:cNvPicPr>
+            <a:picLocks noChangeAspect="1"/>
+          </p:cNvPicPr>
+          <p:nvPr/>
+        </p:nvPicPr>
+        <p:blipFill rotWithShape="1">
+          <a:blip r:embed="rId3">
+            <a:extLst>
+              <a:ext uri="{28A0092B-C50C-407E-A947-70E740481C1C}">
+                <a14:useLocalDpi xmlns:a14="http://schemas.microsoft.com/office/drawing/2010/main" val="0"/>
+              </a:ext>
+            </a:extLst>
+          </a:blip>
+          <a:srcRect l="6952" t="10284" r="6674" b="22481"/>
+          <a:stretch/>
+        </p:blipFill>
+        <p:spPr>
+          <a:xfrm>
+            <a:off x="3297115" y="761058"/>
+            <a:ext cx="5688624" cy="1943100"/>
+          </a:xfrm>
+          <a:prstGeom prst="rect">
+            <a:avLst/>
+          </a:prstGeom>
+          <a:effectLst>
+            <a:outerShdw blurRad="38100" dist="25400" dir="2100000" sx="106000" sy="106000" algn="ctr" rotWithShape="0">
+              <a:srgbClr val="000000">
+                <a:alpha val="42000"/>
+              </a:srgbClr>
+            </a:outerShdw>
+          </a:effectLst>
+        </p:spPr>
+      </p:pic>
+      <p:sp>
+        <p:nvSpPr>
+          <p:cNvPr id="30" name="正方形/長方形 29"/>
+          <p:cNvSpPr/>
+          <p:nvPr/>
+        </p:nvSpPr>
+        <p:spPr>
+          <a:xfrm>
+            <a:off x="298938" y="5489034"/>
+            <a:ext cx="1477073" cy="511976"/>
+          </a:xfrm>
+          <a:prstGeom prst="rect">
+            <a:avLst/>
+          </a:prstGeom>
+          <a:solidFill>
+            <a:schemeClr val="bg1"/>
+          </a:solidFill>
+          <a:ln>
+            <a:solidFill>
+              <a:schemeClr val="bg1"/>
+            </a:solidFill>
+          </a:ln>
+        </p:spPr>
+        <p:style>
+          <a:lnRef idx="2">
+            <a:schemeClr val="accent1">
+              <a:shade val="50000"/>
+            </a:schemeClr>
+          </a:lnRef>
+          <a:fillRef idx="1">
+            <a:schemeClr val="accent1"/>
+          </a:fillRef>
+          <a:effectRef idx="0">
+            <a:schemeClr val="accent1"/>
+          </a:effectRef>
+          <a:fontRef idx="minor">
+            <a:schemeClr val="lt1"/>
+          </a:fontRef>
+        </p:style>
+        <p:txBody>
+          <a:bodyPr rtlCol="0" anchor="ctr"/>
+          <a:lstStyle/>
+          <a:p>
+            <a:pPr algn="ctr"/>
+            <a:endParaRPr kumimoji="1" lang="ja-JP" altLang="en-US"/>
+          </a:p>
+        </p:txBody>
+      </p:sp>
+      <p:sp>
+        <p:nvSpPr>
+          <p:cNvPr id="4" name="正方形/長方形 3"/>
+          <p:cNvSpPr/>
+          <p:nvPr/>
+        </p:nvSpPr>
+        <p:spPr>
+          <a:xfrm>
+            <a:off x="298938" y="1046285"/>
+            <a:ext cx="3235570" cy="940777"/>
+          </a:xfrm>
+          <a:prstGeom prst="rect">
+            <a:avLst/>
+          </a:prstGeom>
+          <a:solidFill>
+            <a:srgbClr val="00B0F0"/>
+          </a:solidFill>
+        </p:spPr>
+        <p:style>
+          <a:lnRef idx="1">
+            <a:schemeClr val="accent1"/>
+          </a:lnRef>
+          <a:fillRef idx="2">
+            <a:schemeClr val="accent1"/>
+          </a:fillRef>
+          <a:effectRef idx="1">
+            <a:schemeClr val="accent1"/>
+          </a:effectRef>
+          <a:fontRef idx="minor">
+            <a:schemeClr val="dk1"/>
+          </a:fontRef>
+        </p:style>
+        <p:txBody>
+          <a:bodyPr rtlCol="0" anchor="ctr"/>
+          <a:lstStyle/>
+          <a:p>
+            <a:pPr algn="ctr"/>
+            <a:r>
+              <a:rPr kumimoji="1" lang="ja-JP" altLang="en-US" b="1" dirty="0" smtClean="0">
+                <a:solidFill>
+                  <a:schemeClr val="bg1"/>
+                </a:solidFill>
+              </a:rPr>
+              <a:t>空間があったら</a:t>
+            </a:r>
+            <a:endParaRPr kumimoji="1" lang="en-US" altLang="ja-JP" b="1" dirty="0" smtClean="0">
+              <a:solidFill>
+                <a:schemeClr val="bg1"/>
+              </a:solidFill>
+            </a:endParaRPr>
+          </a:p>
+          <a:p>
+            <a:pPr algn="ctr"/>
+            <a:r>
+              <a:rPr kumimoji="1" lang="ja-JP" altLang="en-US" b="1" dirty="0" smtClean="0">
+                <a:solidFill>
+                  <a:schemeClr val="bg1"/>
+                </a:solidFill>
+              </a:rPr>
+              <a:t>空の背景を入れてもいい</a:t>
+            </a:r>
+            <a:endParaRPr kumimoji="1" lang="ja-JP" altLang="en-US" b="1" dirty="0">
+              <a:solidFill>
+                <a:schemeClr val="bg1"/>
+              </a:solidFill>
+            </a:endParaRPr>
+          </a:p>
+        </p:txBody>
+      </p:sp>
+    </p:spTree>
+    <p:extLst>
+      <p:ext uri="{BB962C8B-B14F-4D97-AF65-F5344CB8AC3E}">
+        <p14:creationId xmlns:p14="http://schemas.microsoft.com/office/powerpoint/2010/main" val="3064700119"/>
       </p:ext>
     </p:extLst>
   </p:cSld>

--- a/卒業制作_大元タイトル構成.pptx
+++ b/卒業制作_大元タイトル構成.pptx
@@ -277,7 +277,7 @@
           <a:p>
             <a:fld id="{9AE4982F-4AA6-4C8C-A812-7FB74D02BA8D}" type="datetimeFigureOut">
               <a:rPr kumimoji="1" lang="ja-JP" altLang="en-US" smtClean="0"/>
-              <a:t>2022/11/21</a:t>
+              <a:t>2022/11/24</a:t>
             </a:fld>
             <a:endParaRPr kumimoji="1" lang="ja-JP" altLang="en-US"/>
           </a:p>
@@ -479,7 +479,7 @@
           <a:p>
             <a:fld id="{9AE4982F-4AA6-4C8C-A812-7FB74D02BA8D}" type="datetimeFigureOut">
               <a:rPr kumimoji="1" lang="ja-JP" altLang="en-US" smtClean="0"/>
-              <a:t>2022/11/21</a:t>
+              <a:t>2022/11/24</a:t>
             </a:fld>
             <a:endParaRPr kumimoji="1" lang="ja-JP" altLang="en-US"/>
           </a:p>
@@ -691,7 +691,7 @@
           <a:p>
             <a:fld id="{9AE4982F-4AA6-4C8C-A812-7FB74D02BA8D}" type="datetimeFigureOut">
               <a:rPr kumimoji="1" lang="ja-JP" altLang="en-US" smtClean="0"/>
-              <a:t>2022/11/21</a:t>
+              <a:t>2022/11/24</a:t>
             </a:fld>
             <a:endParaRPr kumimoji="1" lang="ja-JP" altLang="en-US"/>
           </a:p>
@@ -893,7 +893,7 @@
           <a:p>
             <a:fld id="{9AE4982F-4AA6-4C8C-A812-7FB74D02BA8D}" type="datetimeFigureOut">
               <a:rPr kumimoji="1" lang="ja-JP" altLang="en-US" smtClean="0"/>
-              <a:t>2022/11/21</a:t>
+              <a:t>2022/11/24</a:t>
             </a:fld>
             <a:endParaRPr kumimoji="1" lang="ja-JP" altLang="en-US"/>
           </a:p>
@@ -1139,7 +1139,7 @@
           <a:p>
             <a:fld id="{9AE4982F-4AA6-4C8C-A812-7FB74D02BA8D}" type="datetimeFigureOut">
               <a:rPr kumimoji="1" lang="ja-JP" altLang="en-US" smtClean="0"/>
-              <a:t>2022/11/21</a:t>
+              <a:t>2022/11/24</a:t>
             </a:fld>
             <a:endParaRPr kumimoji="1" lang="ja-JP" altLang="en-US"/>
           </a:p>
@@ -1435,7 +1435,7 @@
           <a:p>
             <a:fld id="{9AE4982F-4AA6-4C8C-A812-7FB74D02BA8D}" type="datetimeFigureOut">
               <a:rPr kumimoji="1" lang="ja-JP" altLang="en-US" smtClean="0"/>
-              <a:t>2022/11/21</a:t>
+              <a:t>2022/11/24</a:t>
             </a:fld>
             <a:endParaRPr kumimoji="1" lang="ja-JP" altLang="en-US"/>
           </a:p>
@@ -1866,7 +1866,7 @@
           <a:p>
             <a:fld id="{9AE4982F-4AA6-4C8C-A812-7FB74D02BA8D}" type="datetimeFigureOut">
               <a:rPr kumimoji="1" lang="ja-JP" altLang="en-US" smtClean="0"/>
-              <a:t>2022/11/21</a:t>
+              <a:t>2022/11/24</a:t>
             </a:fld>
             <a:endParaRPr kumimoji="1" lang="ja-JP" altLang="en-US"/>
           </a:p>
@@ -1984,7 +1984,7 @@
           <a:p>
             <a:fld id="{9AE4982F-4AA6-4C8C-A812-7FB74D02BA8D}" type="datetimeFigureOut">
               <a:rPr kumimoji="1" lang="ja-JP" altLang="en-US" smtClean="0"/>
-              <a:t>2022/11/21</a:t>
+              <a:t>2022/11/24</a:t>
             </a:fld>
             <a:endParaRPr kumimoji="1" lang="ja-JP" altLang="en-US"/>
           </a:p>
@@ -2079,7 +2079,7 @@
           <a:p>
             <a:fld id="{9AE4982F-4AA6-4C8C-A812-7FB74D02BA8D}" type="datetimeFigureOut">
               <a:rPr kumimoji="1" lang="ja-JP" altLang="en-US" smtClean="0"/>
-              <a:t>2022/11/21</a:t>
+              <a:t>2022/11/24</a:t>
             </a:fld>
             <a:endParaRPr kumimoji="1" lang="ja-JP" altLang="en-US"/>
           </a:p>
@@ -2388,7 +2388,7 @@
           <a:p>
             <a:fld id="{9AE4982F-4AA6-4C8C-A812-7FB74D02BA8D}" type="datetimeFigureOut">
               <a:rPr kumimoji="1" lang="ja-JP" altLang="en-US" smtClean="0"/>
-              <a:t>2022/11/21</a:t>
+              <a:t>2022/11/24</a:t>
             </a:fld>
             <a:endParaRPr kumimoji="1" lang="ja-JP" altLang="en-US"/>
           </a:p>
@@ -2641,7 +2641,7 @@
           <a:p>
             <a:fld id="{9AE4982F-4AA6-4C8C-A812-7FB74D02BA8D}" type="datetimeFigureOut">
               <a:rPr kumimoji="1" lang="ja-JP" altLang="en-US" smtClean="0"/>
-              <a:t>2022/11/21</a:t>
+              <a:t>2022/11/24</a:t>
             </a:fld>
             <a:endParaRPr kumimoji="1" lang="ja-JP" altLang="en-US"/>
           </a:p>
@@ -2886,7 +2886,7 @@
           <a:p>
             <a:fld id="{9AE4982F-4AA6-4C8C-A812-7FB74D02BA8D}" type="datetimeFigureOut">
               <a:rPr kumimoji="1" lang="ja-JP" altLang="en-US" smtClean="0"/>
-              <a:t>2022/11/21</a:t>
+              <a:t>2022/11/24</a:t>
             </a:fld>
             <a:endParaRPr kumimoji="1" lang="ja-JP" altLang="en-US"/>
           </a:p>

--- a/卒業制作_大元タイトル構成.pptx
+++ b/卒業制作_大元タイトル構成.pptx
@@ -38,8 +38,15 @@
     <p:sldId id="296" r:id="rId32"/>
     <p:sldId id="300" r:id="rId33"/>
     <p:sldId id="298" r:id="rId34"/>
-    <p:sldId id="299" r:id="rId35"/>
-    <p:sldId id="301" r:id="rId36"/>
+    <p:sldId id="304" r:id="rId35"/>
+    <p:sldId id="303" r:id="rId36"/>
+    <p:sldId id="306" r:id="rId37"/>
+    <p:sldId id="307" r:id="rId38"/>
+    <p:sldId id="308" r:id="rId39"/>
+    <p:sldId id="309" r:id="rId40"/>
+    <p:sldId id="310" r:id="rId41"/>
+    <p:sldId id="299" r:id="rId42"/>
+    <p:sldId id="301" r:id="rId43"/>
   </p:sldIdLst>
   <p:sldSz cx="12192000" cy="6858000"/>
   <p:notesSz cx="6858000" cy="9144000"/>
@@ -277,7 +284,7 @@
           <a:p>
             <a:fld id="{9AE4982F-4AA6-4C8C-A812-7FB74D02BA8D}" type="datetimeFigureOut">
               <a:rPr kumimoji="1" lang="ja-JP" altLang="en-US" smtClean="0"/>
-              <a:t>2022/11/24</a:t>
+              <a:t>2022/11/25</a:t>
             </a:fld>
             <a:endParaRPr kumimoji="1" lang="ja-JP" altLang="en-US"/>
           </a:p>
@@ -479,7 +486,7 @@
           <a:p>
             <a:fld id="{9AE4982F-4AA6-4C8C-A812-7FB74D02BA8D}" type="datetimeFigureOut">
               <a:rPr kumimoji="1" lang="ja-JP" altLang="en-US" smtClean="0"/>
-              <a:t>2022/11/24</a:t>
+              <a:t>2022/11/25</a:t>
             </a:fld>
             <a:endParaRPr kumimoji="1" lang="ja-JP" altLang="en-US"/>
           </a:p>
@@ -691,7 +698,7 @@
           <a:p>
             <a:fld id="{9AE4982F-4AA6-4C8C-A812-7FB74D02BA8D}" type="datetimeFigureOut">
               <a:rPr kumimoji="1" lang="ja-JP" altLang="en-US" smtClean="0"/>
-              <a:t>2022/11/24</a:t>
+              <a:t>2022/11/25</a:t>
             </a:fld>
             <a:endParaRPr kumimoji="1" lang="ja-JP" altLang="en-US"/>
           </a:p>
@@ -893,7 +900,7 @@
           <a:p>
             <a:fld id="{9AE4982F-4AA6-4C8C-A812-7FB74D02BA8D}" type="datetimeFigureOut">
               <a:rPr kumimoji="1" lang="ja-JP" altLang="en-US" smtClean="0"/>
-              <a:t>2022/11/24</a:t>
+              <a:t>2022/11/25</a:t>
             </a:fld>
             <a:endParaRPr kumimoji="1" lang="ja-JP" altLang="en-US"/>
           </a:p>
@@ -1139,7 +1146,7 @@
           <a:p>
             <a:fld id="{9AE4982F-4AA6-4C8C-A812-7FB74D02BA8D}" type="datetimeFigureOut">
               <a:rPr kumimoji="1" lang="ja-JP" altLang="en-US" smtClean="0"/>
-              <a:t>2022/11/24</a:t>
+              <a:t>2022/11/25</a:t>
             </a:fld>
             <a:endParaRPr kumimoji="1" lang="ja-JP" altLang="en-US"/>
           </a:p>
@@ -1435,7 +1442,7 @@
           <a:p>
             <a:fld id="{9AE4982F-4AA6-4C8C-A812-7FB74D02BA8D}" type="datetimeFigureOut">
               <a:rPr kumimoji="1" lang="ja-JP" altLang="en-US" smtClean="0"/>
-              <a:t>2022/11/24</a:t>
+              <a:t>2022/11/25</a:t>
             </a:fld>
             <a:endParaRPr kumimoji="1" lang="ja-JP" altLang="en-US"/>
           </a:p>
@@ -1866,7 +1873,7 @@
           <a:p>
             <a:fld id="{9AE4982F-4AA6-4C8C-A812-7FB74D02BA8D}" type="datetimeFigureOut">
               <a:rPr kumimoji="1" lang="ja-JP" altLang="en-US" smtClean="0"/>
-              <a:t>2022/11/24</a:t>
+              <a:t>2022/11/25</a:t>
             </a:fld>
             <a:endParaRPr kumimoji="1" lang="ja-JP" altLang="en-US"/>
           </a:p>
@@ -1984,7 +1991,7 @@
           <a:p>
             <a:fld id="{9AE4982F-4AA6-4C8C-A812-7FB74D02BA8D}" type="datetimeFigureOut">
               <a:rPr kumimoji="1" lang="ja-JP" altLang="en-US" smtClean="0"/>
-              <a:t>2022/11/24</a:t>
+              <a:t>2022/11/25</a:t>
             </a:fld>
             <a:endParaRPr kumimoji="1" lang="ja-JP" altLang="en-US"/>
           </a:p>
@@ -2079,7 +2086,7 @@
           <a:p>
             <a:fld id="{9AE4982F-4AA6-4C8C-A812-7FB74D02BA8D}" type="datetimeFigureOut">
               <a:rPr kumimoji="1" lang="ja-JP" altLang="en-US" smtClean="0"/>
-              <a:t>2022/11/24</a:t>
+              <a:t>2022/11/25</a:t>
             </a:fld>
             <a:endParaRPr kumimoji="1" lang="ja-JP" altLang="en-US"/>
           </a:p>
@@ -2388,7 +2395,7 @@
           <a:p>
             <a:fld id="{9AE4982F-4AA6-4C8C-A812-7FB74D02BA8D}" type="datetimeFigureOut">
               <a:rPr kumimoji="1" lang="ja-JP" altLang="en-US" smtClean="0"/>
-              <a:t>2022/11/24</a:t>
+              <a:t>2022/11/25</a:t>
             </a:fld>
             <a:endParaRPr kumimoji="1" lang="ja-JP" altLang="en-US"/>
           </a:p>
@@ -2641,7 +2648,7 @@
           <a:p>
             <a:fld id="{9AE4982F-4AA6-4C8C-A812-7FB74D02BA8D}" type="datetimeFigureOut">
               <a:rPr kumimoji="1" lang="ja-JP" altLang="en-US" smtClean="0"/>
-              <a:t>2022/11/24</a:t>
+              <a:t>2022/11/25</a:t>
             </a:fld>
             <a:endParaRPr kumimoji="1" lang="ja-JP" altLang="en-US"/>
           </a:p>
@@ -2886,7 +2893,7 @@
           <a:p>
             <a:fld id="{9AE4982F-4AA6-4C8C-A812-7FB74D02BA8D}" type="datetimeFigureOut">
               <a:rPr kumimoji="1" lang="ja-JP" altLang="en-US" smtClean="0"/>
-              <a:t>2022/11/24</a:t>
+              <a:t>2022/11/25</a:t>
             </a:fld>
             <a:endParaRPr kumimoji="1" lang="ja-JP" altLang="en-US"/>
           </a:p>
@@ -18552,7 +18559,7 @@
 </file>
 
 <file path=ppt/slides/slide32.xml><?xml version="1.0" encoding="utf-8"?>
-<p:sld xmlns:a="http://schemas.openxmlformats.org/drawingml/2006/main" xmlns:r="http://schemas.openxmlformats.org/officeDocument/2006/relationships" xmlns:p="http://schemas.openxmlformats.org/presentationml/2006/main">
+<p:sld xmlns:a="http://schemas.openxmlformats.org/drawingml/2006/main" xmlns:r="http://schemas.openxmlformats.org/officeDocument/2006/relationships" xmlns:p="http://schemas.openxmlformats.org/presentationml/2006/main" show="0">
   <p:cSld>
     <p:spTree>
       <p:nvGrpSpPr>
@@ -19217,6 +19224,14 @@
   <p:clrMapOvr>
     <a:masterClrMapping/>
   </p:clrMapOvr>
+  <mc:AlternateContent xmlns:mc="http://schemas.openxmlformats.org/markup-compatibility/2006" xmlns:p14="http://schemas.microsoft.com/office/powerpoint/2010/main">
+    <mc:Choice Requires="p14">
+      <p:transition spd="slow" p14:dur="2000"/>
+    </mc:Choice>
+    <mc:Fallback xmlns="">
+      <p:transition spd="slow"/>
+    </mc:Fallback>
+  </mc:AlternateContent>
 </p:sld>
 </file>
 
@@ -19239,6 +19254,30 @@
       </p:grpSpPr>
       <p:pic>
         <p:nvPicPr>
+          <p:cNvPr id="3" name="図 2"/>
+          <p:cNvPicPr>
+            <a:picLocks noChangeAspect="1"/>
+          </p:cNvPicPr>
+          <p:nvPr/>
+        </p:nvPicPr>
+        <p:blipFill>
+          <a:blip r:embed="rId2"/>
+          <a:stretch>
+            <a:fillRect/>
+          </a:stretch>
+        </p:blipFill>
+        <p:spPr>
+          <a:xfrm>
+            <a:off x="0" y="0"/>
+            <a:ext cx="12192000" cy="6885000"/>
+          </a:xfrm>
+          <a:prstGeom prst="rect">
+            <a:avLst/>
+          </a:prstGeom>
+        </p:spPr>
+      </p:pic>
+      <p:pic>
+        <p:nvPicPr>
           <p:cNvPr id="16" name="図 15"/>
           <p:cNvPicPr>
             <a:picLocks noChangeAspect="1"/>
@@ -19246,7 +19285,7 @@
           <p:nvPr/>
         </p:nvPicPr>
         <p:blipFill rotWithShape="1">
-          <a:blip r:embed="rId2">
+          <a:blip r:embed="rId3">
             <a:extLst>
               <a:ext uri="{28A0092B-C50C-407E-A947-70E740481C1C}">
                 <a14:useLocalDpi xmlns:a14="http://schemas.microsoft.com/office/drawing/2010/main" val="0"/>
@@ -19273,97 +19312,6 @@
           </a:effectLst>
         </p:spPr>
       </p:pic>
-      <p:sp>
-        <p:nvSpPr>
-          <p:cNvPr id="4" name="テキスト ボックス 3"/>
-          <p:cNvSpPr txBox="1"/>
-          <p:nvPr/>
-        </p:nvSpPr>
-        <p:spPr>
-          <a:xfrm>
-            <a:off x="4125791" y="5765522"/>
-            <a:ext cx="4031272" cy="769441"/>
-          </a:xfrm>
-          <a:prstGeom prst="rect">
-            <a:avLst/>
-          </a:prstGeom>
-          <a:noFill/>
-        </p:spPr>
-        <p:txBody>
-          <a:bodyPr wrap="square" rtlCol="0">
-            <a:spAutoFit/>
-          </a:bodyPr>
-          <a:lstStyle/>
-          <a:p>
-            <a:pPr algn="ctr"/>
-            <a:r>
-              <a:rPr kumimoji="1" lang="en-US" altLang="ja-JP" sz="4400" b="1" dirty="0" smtClean="0">
-                <a:ln>
-                  <a:solidFill>
-                    <a:schemeClr val="bg1">
-                      <a:lumMod val="75000"/>
-                    </a:schemeClr>
-                  </a:solidFill>
-                </a:ln>
-                <a:solidFill>
-                  <a:schemeClr val="tx2"/>
-                </a:solidFill>
-                <a:latin typeface="源界明朝" panose="02000900000000000000" pitchFamily="2" charset="-128"/>
-                <a:ea typeface="源界明朝" panose="02000900000000000000" pitchFamily="2" charset="-128"/>
-              </a:rPr>
-              <a:t>Please</a:t>
-            </a:r>
-            <a:r>
-              <a:rPr lang="ja-JP" altLang="en-US" sz="4400" b="1" dirty="0">
-                <a:ln>
-                  <a:solidFill>
-                    <a:schemeClr val="bg1">
-                      <a:lumMod val="75000"/>
-                    </a:schemeClr>
-                  </a:solidFill>
-                </a:ln>
-                <a:solidFill>
-                  <a:schemeClr val="tx2"/>
-                </a:solidFill>
-                <a:latin typeface="源界明朝" panose="02000900000000000000" pitchFamily="2" charset="-128"/>
-                <a:ea typeface="源界明朝" panose="02000900000000000000" pitchFamily="2" charset="-128"/>
-              </a:rPr>
-              <a:t> </a:t>
-            </a:r>
-            <a:r>
-              <a:rPr kumimoji="1" lang="en-US" altLang="ja-JP" sz="4400" b="1" dirty="0" smtClean="0">
-                <a:ln>
-                  <a:solidFill>
-                    <a:schemeClr val="bg1">
-                      <a:lumMod val="75000"/>
-                    </a:schemeClr>
-                  </a:solidFill>
-                </a:ln>
-                <a:solidFill>
-                  <a:schemeClr val="tx2"/>
-                </a:solidFill>
-                <a:latin typeface="源界明朝" panose="02000900000000000000" pitchFamily="2" charset="-128"/>
-                <a:ea typeface="源界明朝" panose="02000900000000000000" pitchFamily="2" charset="-128"/>
-              </a:rPr>
-              <a:t>NEXT</a:t>
-            </a:r>
-            <a:endParaRPr kumimoji="1" lang="ja-JP" altLang="en-US" sz="4400" b="1" dirty="0">
-              <a:ln>
-                <a:solidFill>
-                  <a:schemeClr val="bg1">
-                    <a:lumMod val="75000"/>
-                  </a:schemeClr>
-                </a:solidFill>
-              </a:ln>
-              <a:solidFill>
-                <a:schemeClr val="tx2"/>
-              </a:solidFill>
-              <a:latin typeface="源界明朝" panose="02000900000000000000" pitchFamily="2" charset="-128"/>
-              <a:ea typeface="源界明朝" panose="02000900000000000000" pitchFamily="2" charset="-128"/>
-            </a:endParaRPr>
-          </a:p>
-        </p:txBody>
-      </p:sp>
       <p:sp>
         <p:nvSpPr>
           <p:cNvPr id="11" name="円形吹き出し 10"/>
@@ -19438,22 +19386,65 @@
           </a:p>
         </p:txBody>
       </p:sp>
-      <p:sp>
-        <p:nvSpPr>
-          <p:cNvPr id="2" name="テキスト ボックス 1"/>
-          <p:cNvSpPr txBox="1"/>
-          <p:nvPr/>
-        </p:nvSpPr>
-        <p:spPr>
-          <a:xfrm>
-            <a:off x="395654" y="1609488"/>
-            <a:ext cx="2013439" cy="369332"/>
+      <p:pic>
+        <p:nvPicPr>
+          <p:cNvPr id="5" name="図 4"/>
+          <p:cNvPicPr>
+            <a:picLocks noChangeAspect="1"/>
+          </p:cNvPicPr>
+          <p:nvPr/>
+        </p:nvPicPr>
+        <p:blipFill>
+          <a:blip r:embed="rId4" cstate="print">
+            <a:extLst>
+              <a:ext uri="{28A0092B-C50C-407E-A947-70E740481C1C}">
+                <a14:useLocalDpi xmlns:a14="http://schemas.microsoft.com/office/drawing/2010/main" val="0"/>
+              </a:ext>
+            </a:extLst>
+          </a:blip>
+          <a:stretch>
+            <a:fillRect/>
+          </a:stretch>
+        </p:blipFill>
+        <p:spPr>
+          <a:xfrm>
+            <a:off x="3627320" y="5378216"/>
+            <a:ext cx="4937360" cy="1038381"/>
           </a:xfrm>
           <a:prstGeom prst="rect">
             <a:avLst/>
           </a:prstGeom>
-          <a:noFill/>
-        </p:spPr>
+        </p:spPr>
+      </p:pic>
+      <p:sp>
+        <p:nvSpPr>
+          <p:cNvPr id="9" name="テキスト ボックス 8"/>
+          <p:cNvSpPr txBox="1"/>
+          <p:nvPr/>
+        </p:nvSpPr>
+        <p:spPr>
+          <a:xfrm>
+            <a:off x="395473" y="2334826"/>
+            <a:ext cx="1811396" cy="369332"/>
+          </a:xfrm>
+          <a:prstGeom prst="rect">
+            <a:avLst/>
+          </a:prstGeom>
+        </p:spPr>
+        <p:style>
+          <a:lnRef idx="2">
+            <a:schemeClr val="dk1"/>
+          </a:lnRef>
+          <a:fillRef idx="1">
+            <a:schemeClr val="lt1"/>
+          </a:fillRef>
+          <a:effectRef idx="0">
+            <a:schemeClr val="dk1"/>
+          </a:effectRef>
+          <a:fontRef idx="minor">
+            <a:schemeClr val="dk1"/>
+          </a:fontRef>
+        </p:style>
         <p:txBody>
           <a:bodyPr wrap="square" rtlCol="0">
             <a:spAutoFit/>
@@ -19466,24 +19457,24 @@
               <a:t>背景は</a:t>
             </a:r>
             <a:r>
-              <a:rPr kumimoji="1" lang="ja-JP" altLang="en-US" b="1" dirty="0" smtClean="0">
+              <a:rPr lang="ja-JP" altLang="en-US" b="1" dirty="0" smtClean="0">
                 <a:solidFill>
-                  <a:srgbClr val="7030A0"/>
+                  <a:srgbClr val="FF00FF"/>
                 </a:solidFill>
               </a:rPr>
-              <a:t>２</a:t>
-            </a:r>
-            <a:r>
-              <a:rPr kumimoji="1" lang="en-US" altLang="ja-JP" b="1" dirty="0" smtClean="0">
+              <a:t>３</a:t>
+            </a:r>
+            <a:r>
+              <a:rPr lang="en-US" altLang="ja-JP" b="1" dirty="0" smtClean="0">
                 <a:solidFill>
-                  <a:srgbClr val="7030A0"/>
+                  <a:srgbClr val="FF00FF"/>
                 </a:solidFill>
               </a:rPr>
               <a:t>D</a:t>
             </a:r>
-            <a:endParaRPr kumimoji="1" lang="ja-JP" altLang="en-US" b="1" dirty="0">
+            <a:endParaRPr lang="ja-JP" altLang="en-US" b="1" dirty="0">
               <a:solidFill>
-                <a:srgbClr val="7030A0"/>
+                <a:srgbClr val="FF00FF"/>
               </a:solidFill>
             </a:endParaRPr>
           </a:p>
@@ -19519,6 +19510,2934 @@
 
 <file path=ppt/slides/slide34.xml><?xml version="1.0" encoding="utf-8"?>
 <p:sld xmlns:a="http://schemas.openxmlformats.org/drawingml/2006/main" xmlns:r="http://schemas.openxmlformats.org/officeDocument/2006/relationships" xmlns:p="http://schemas.openxmlformats.org/presentationml/2006/main">
+  <p:cSld>
+    <p:spTree>
+      <p:nvGrpSpPr>
+        <p:cNvPr id="1" name=""/>
+        <p:cNvGrpSpPr/>
+        <p:nvPr/>
+      </p:nvGrpSpPr>
+      <p:grpSpPr>
+        <a:xfrm>
+          <a:off x="0" y="0"/>
+          <a:ext cx="0" cy="0"/>
+          <a:chOff x="0" y="0"/>
+          <a:chExt cx="0" cy="0"/>
+        </a:xfrm>
+      </p:grpSpPr>
+      <p:sp>
+        <p:nvSpPr>
+          <p:cNvPr id="2" name="タイトル 1"/>
+          <p:cNvSpPr>
+            <a:spLocks noGrp="1"/>
+          </p:cNvSpPr>
+          <p:nvPr>
+            <p:ph type="title"/>
+          </p:nvPr>
+        </p:nvSpPr>
+        <p:spPr/>
+        <p:txBody>
+          <a:bodyPr/>
+          <a:lstStyle/>
+          <a:p>
+            <a:r>
+              <a:rPr kumimoji="1" lang="ja-JP" altLang="en-US" dirty="0" smtClean="0"/>
+              <a:t>カメラの動き</a:t>
+            </a:r>
+            <a:endParaRPr kumimoji="1" lang="ja-JP" altLang="en-US" dirty="0"/>
+          </a:p>
+        </p:txBody>
+      </p:sp>
+      <p:pic>
+        <p:nvPicPr>
+          <p:cNvPr id="8" name="図 7"/>
+          <p:cNvPicPr>
+            <a:picLocks noChangeAspect="1"/>
+          </p:cNvPicPr>
+          <p:nvPr/>
+        </p:nvPicPr>
+        <p:blipFill rotWithShape="1">
+          <a:blip r:embed="rId2"/>
+          <a:srcRect l="9298" t="21520" r="10789" b="20761"/>
+          <a:stretch/>
+        </p:blipFill>
+        <p:spPr>
+          <a:xfrm>
+            <a:off x="8625254" y="2283625"/>
+            <a:ext cx="1644161" cy="1187550"/>
+          </a:xfrm>
+          <a:prstGeom prst="rect">
+            <a:avLst/>
+          </a:prstGeom>
+        </p:spPr>
+      </p:pic>
+      <p:sp>
+        <p:nvSpPr>
+          <p:cNvPr id="9" name="左矢印 8"/>
+          <p:cNvSpPr/>
+          <p:nvPr/>
+        </p:nvSpPr>
+        <p:spPr>
+          <a:xfrm>
+            <a:off x="6919546" y="2283625"/>
+            <a:ext cx="1547446" cy="1213338"/>
+          </a:xfrm>
+          <a:prstGeom prst="leftArrow">
+            <a:avLst/>
+          </a:prstGeom>
+        </p:spPr>
+        <p:style>
+          <a:lnRef idx="2">
+            <a:schemeClr val="accent1">
+              <a:shade val="50000"/>
+            </a:schemeClr>
+          </a:lnRef>
+          <a:fillRef idx="1">
+            <a:schemeClr val="accent1"/>
+          </a:fillRef>
+          <a:effectRef idx="0">
+            <a:schemeClr val="accent1"/>
+          </a:effectRef>
+          <a:fontRef idx="minor">
+            <a:schemeClr val="lt1"/>
+          </a:fontRef>
+        </p:style>
+        <p:txBody>
+          <a:bodyPr rtlCol="0" anchor="ctr"/>
+          <a:lstStyle/>
+          <a:p>
+            <a:pPr algn="ctr"/>
+            <a:endParaRPr kumimoji="1" lang="ja-JP" altLang="en-US"/>
+          </a:p>
+        </p:txBody>
+      </p:sp>
+      <p:sp>
+        <p:nvSpPr>
+          <p:cNvPr id="10" name="角丸四角形 9"/>
+          <p:cNvSpPr/>
+          <p:nvPr/>
+        </p:nvSpPr>
+        <p:spPr>
+          <a:xfrm>
+            <a:off x="1969477" y="2283625"/>
+            <a:ext cx="3209193" cy="1415561"/>
+          </a:xfrm>
+          <a:prstGeom prst="roundRect">
+            <a:avLst/>
+          </a:prstGeom>
+        </p:spPr>
+        <p:style>
+          <a:lnRef idx="2">
+            <a:schemeClr val="dk1">
+              <a:shade val="50000"/>
+            </a:schemeClr>
+          </a:lnRef>
+          <a:fillRef idx="1">
+            <a:schemeClr val="dk1"/>
+          </a:fillRef>
+          <a:effectRef idx="0">
+            <a:schemeClr val="dk1"/>
+          </a:effectRef>
+          <a:fontRef idx="minor">
+            <a:schemeClr val="lt1"/>
+          </a:fontRef>
+        </p:style>
+        <p:txBody>
+          <a:bodyPr rtlCol="0" anchor="ctr"/>
+          <a:lstStyle/>
+          <a:p>
+            <a:pPr algn="ctr"/>
+            <a:r>
+              <a:rPr kumimoji="1" lang="ja-JP" altLang="en-US" sz="3600" b="1" dirty="0" smtClean="0"/>
+              <a:t>タイトル</a:t>
+            </a:r>
+            <a:endParaRPr kumimoji="1" lang="ja-JP" altLang="en-US" sz="3600" b="1" dirty="0"/>
+          </a:p>
+        </p:txBody>
+      </p:sp>
+      <p:sp>
+        <p:nvSpPr>
+          <p:cNvPr id="11" name="角丸四角形 10"/>
+          <p:cNvSpPr/>
+          <p:nvPr/>
+        </p:nvSpPr>
+        <p:spPr>
+          <a:xfrm>
+            <a:off x="559777" y="2186910"/>
+            <a:ext cx="1078524" cy="3659975"/>
+          </a:xfrm>
+          <a:prstGeom prst="roundRect">
+            <a:avLst/>
+          </a:prstGeom>
+        </p:spPr>
+        <p:style>
+          <a:lnRef idx="2">
+            <a:schemeClr val="accent1">
+              <a:shade val="50000"/>
+            </a:schemeClr>
+          </a:lnRef>
+          <a:fillRef idx="1">
+            <a:schemeClr val="accent1"/>
+          </a:fillRef>
+          <a:effectRef idx="0">
+            <a:schemeClr val="accent1"/>
+          </a:effectRef>
+          <a:fontRef idx="minor">
+            <a:schemeClr val="lt1"/>
+          </a:fontRef>
+        </p:style>
+        <p:txBody>
+          <a:bodyPr rtlCol="0" anchor="ctr"/>
+          <a:lstStyle/>
+          <a:p>
+            <a:pPr algn="ctr"/>
+            <a:r>
+              <a:rPr kumimoji="1" lang="ja-JP" altLang="en-US" sz="3600" b="1" dirty="0" smtClean="0"/>
+              <a:t>背景</a:t>
+            </a:r>
+            <a:endParaRPr kumimoji="1" lang="ja-JP" altLang="en-US" sz="3600" b="1" dirty="0"/>
+          </a:p>
+        </p:txBody>
+      </p:sp>
+      <p:sp>
+        <p:nvSpPr>
+          <p:cNvPr id="12" name="正方形/長方形 11"/>
+          <p:cNvSpPr/>
+          <p:nvPr/>
+        </p:nvSpPr>
+        <p:spPr>
+          <a:xfrm>
+            <a:off x="1019908" y="5917223"/>
+            <a:ext cx="5715000" cy="580292"/>
+          </a:xfrm>
+          <a:prstGeom prst="rect">
+            <a:avLst/>
+          </a:prstGeom>
+          <a:gradFill>
+            <a:gsLst>
+              <a:gs pos="0">
+                <a:srgbClr val="00B050"/>
+              </a:gs>
+              <a:gs pos="78000">
+                <a:schemeClr val="accent2">
+                  <a:lumMod val="40000"/>
+                  <a:lumOff val="60000"/>
+                </a:schemeClr>
+              </a:gs>
+              <a:gs pos="73000">
+                <a:srgbClr val="DAC8A2"/>
+              </a:gs>
+              <a:gs pos="62000">
+                <a:srgbClr val="A9C28F"/>
+              </a:gs>
+              <a:gs pos="85000">
+                <a:schemeClr val="accent2">
+                  <a:lumMod val="60000"/>
+                  <a:lumOff val="40000"/>
+                </a:schemeClr>
+              </a:gs>
+              <a:gs pos="100000">
+                <a:schemeClr val="accent2">
+                  <a:lumMod val="75000"/>
+                </a:schemeClr>
+              </a:gs>
+            </a:gsLst>
+            <a:lin ang="5400000" scaled="1"/>
+          </a:gradFill>
+        </p:spPr>
+        <p:style>
+          <a:lnRef idx="2">
+            <a:schemeClr val="accent6">
+              <a:shade val="50000"/>
+            </a:schemeClr>
+          </a:lnRef>
+          <a:fillRef idx="1">
+            <a:schemeClr val="accent6"/>
+          </a:fillRef>
+          <a:effectRef idx="0">
+            <a:schemeClr val="accent6"/>
+          </a:effectRef>
+          <a:fontRef idx="minor">
+            <a:schemeClr val="lt1"/>
+          </a:fontRef>
+        </p:style>
+        <p:txBody>
+          <a:bodyPr rtlCol="0" anchor="ctr"/>
+          <a:lstStyle/>
+          <a:p>
+            <a:pPr algn="ctr"/>
+            <a:r>
+              <a:rPr kumimoji="1" lang="ja-JP" altLang="en-US" sz="2400" b="1" dirty="0" smtClean="0">
+                <a:solidFill>
+                  <a:schemeClr val="accent2"/>
+                </a:solidFill>
+              </a:rPr>
+              <a:t>地面</a:t>
+            </a:r>
+            <a:endParaRPr kumimoji="1" lang="ja-JP" altLang="en-US" sz="2400" b="1" dirty="0">
+              <a:solidFill>
+                <a:schemeClr val="accent2"/>
+              </a:solidFill>
+            </a:endParaRPr>
+          </a:p>
+        </p:txBody>
+      </p:sp>
+    </p:spTree>
+    <p:extLst>
+      <p:ext uri="{BB962C8B-B14F-4D97-AF65-F5344CB8AC3E}">
+        <p14:creationId xmlns:p14="http://schemas.microsoft.com/office/powerpoint/2010/main" val="11225864"/>
+      </p:ext>
+    </p:extLst>
+  </p:cSld>
+  <p:clrMapOvr>
+    <a:masterClrMapping/>
+  </p:clrMapOvr>
+</p:sld>
+</file>
+
+<file path=ppt/slides/slide35.xml><?xml version="1.0" encoding="utf-8"?>
+<p:sld xmlns:a="http://schemas.openxmlformats.org/drawingml/2006/main" xmlns:r="http://schemas.openxmlformats.org/officeDocument/2006/relationships" xmlns:p="http://schemas.openxmlformats.org/presentationml/2006/main">
+  <p:cSld>
+    <p:spTree>
+      <p:nvGrpSpPr>
+        <p:cNvPr id="1" name=""/>
+        <p:cNvGrpSpPr/>
+        <p:nvPr/>
+      </p:nvGrpSpPr>
+      <p:grpSpPr>
+        <a:xfrm>
+          <a:off x="0" y="0"/>
+          <a:ext cx="0" cy="0"/>
+          <a:chOff x="0" y="0"/>
+          <a:chExt cx="0" cy="0"/>
+        </a:xfrm>
+      </p:grpSpPr>
+      <p:pic>
+        <p:nvPicPr>
+          <p:cNvPr id="3" name="図 2"/>
+          <p:cNvPicPr>
+            <a:picLocks noChangeAspect="1"/>
+          </p:cNvPicPr>
+          <p:nvPr/>
+        </p:nvPicPr>
+        <p:blipFill>
+          <a:blip r:embed="rId2"/>
+          <a:stretch>
+            <a:fillRect/>
+          </a:stretch>
+        </p:blipFill>
+        <p:spPr>
+          <a:xfrm>
+            <a:off x="0" y="0"/>
+            <a:ext cx="12192000" cy="6858000"/>
+          </a:xfrm>
+          <a:prstGeom prst="rect">
+            <a:avLst/>
+          </a:prstGeom>
+        </p:spPr>
+      </p:pic>
+      <p:pic>
+        <p:nvPicPr>
+          <p:cNvPr id="16" name="図 15"/>
+          <p:cNvPicPr>
+            <a:picLocks noChangeAspect="1"/>
+          </p:cNvPicPr>
+          <p:nvPr/>
+        </p:nvPicPr>
+        <p:blipFill rotWithShape="1">
+          <a:blip r:embed="rId3">
+            <a:extLst>
+              <a:ext uri="{28A0092B-C50C-407E-A947-70E740481C1C}">
+                <a14:useLocalDpi xmlns:a14="http://schemas.microsoft.com/office/drawing/2010/main" val="0"/>
+              </a:ext>
+            </a:extLst>
+          </a:blip>
+          <a:srcRect l="6952" t="10284" r="6674" b="22481"/>
+          <a:stretch/>
+        </p:blipFill>
+        <p:spPr>
+          <a:xfrm>
+            <a:off x="3297115" y="761058"/>
+            <a:ext cx="5688624" cy="1943100"/>
+          </a:xfrm>
+          <a:prstGeom prst="rect">
+            <a:avLst/>
+          </a:prstGeom>
+          <a:effectLst>
+            <a:outerShdw blurRad="38100" dist="25400" dir="2100000" sx="106000" sy="106000" algn="ctr" rotWithShape="0">
+              <a:srgbClr val="000000">
+                <a:alpha val="42000"/>
+              </a:srgbClr>
+            </a:outerShdw>
+          </a:effectLst>
+        </p:spPr>
+      </p:pic>
+      <p:sp>
+        <p:nvSpPr>
+          <p:cNvPr id="9" name="テキスト ボックス 8"/>
+          <p:cNvSpPr txBox="1"/>
+          <p:nvPr/>
+        </p:nvSpPr>
+        <p:spPr>
+          <a:xfrm>
+            <a:off x="90854" y="1547942"/>
+            <a:ext cx="1811396" cy="369332"/>
+          </a:xfrm>
+          <a:prstGeom prst="rect">
+            <a:avLst/>
+          </a:prstGeom>
+        </p:spPr>
+        <p:style>
+          <a:lnRef idx="2">
+            <a:schemeClr val="dk1"/>
+          </a:lnRef>
+          <a:fillRef idx="1">
+            <a:schemeClr val="lt1"/>
+          </a:fillRef>
+          <a:effectRef idx="0">
+            <a:schemeClr val="dk1"/>
+          </a:effectRef>
+          <a:fontRef idx="minor">
+            <a:schemeClr val="dk1"/>
+          </a:fontRef>
+        </p:style>
+        <p:txBody>
+          <a:bodyPr wrap="square" rtlCol="0">
+            <a:spAutoFit/>
+          </a:bodyPr>
+          <a:lstStyle/>
+          <a:p>
+            <a:pPr algn="ctr"/>
+            <a:r>
+              <a:rPr kumimoji="1" lang="ja-JP" altLang="en-US" dirty="0" smtClean="0"/>
+              <a:t>背景は</a:t>
+            </a:r>
+            <a:r>
+              <a:rPr lang="ja-JP" altLang="en-US" b="1" dirty="0" smtClean="0">
+                <a:solidFill>
+                  <a:srgbClr val="FF00FF"/>
+                </a:solidFill>
+              </a:rPr>
+              <a:t>３</a:t>
+            </a:r>
+            <a:r>
+              <a:rPr lang="en-US" altLang="ja-JP" b="1" dirty="0" smtClean="0">
+                <a:solidFill>
+                  <a:srgbClr val="FF00FF"/>
+                </a:solidFill>
+              </a:rPr>
+              <a:t>D</a:t>
+            </a:r>
+            <a:endParaRPr lang="ja-JP" altLang="en-US" b="1" dirty="0">
+              <a:solidFill>
+                <a:srgbClr val="FF00FF"/>
+              </a:solidFill>
+            </a:endParaRPr>
+          </a:p>
+        </p:txBody>
+      </p:sp>
+      <p:sp>
+        <p:nvSpPr>
+          <p:cNvPr id="2" name="上矢印 1"/>
+          <p:cNvSpPr/>
+          <p:nvPr/>
+        </p:nvSpPr>
+        <p:spPr>
+          <a:xfrm>
+            <a:off x="5029201" y="-151405"/>
+            <a:ext cx="1696915" cy="1063869"/>
+          </a:xfrm>
+          <a:prstGeom prst="upArrow">
+            <a:avLst/>
+          </a:prstGeom>
+        </p:spPr>
+        <p:style>
+          <a:lnRef idx="1">
+            <a:schemeClr val="accent4"/>
+          </a:lnRef>
+          <a:fillRef idx="2">
+            <a:schemeClr val="accent4"/>
+          </a:fillRef>
+          <a:effectRef idx="1">
+            <a:schemeClr val="accent4"/>
+          </a:effectRef>
+          <a:fontRef idx="minor">
+            <a:schemeClr val="dk1"/>
+          </a:fontRef>
+        </p:style>
+        <p:txBody>
+          <a:bodyPr rtlCol="0" anchor="ctr"/>
+          <a:lstStyle/>
+          <a:p>
+            <a:pPr algn="ctr"/>
+            <a:endParaRPr kumimoji="1" lang="ja-JP" altLang="en-US"/>
+          </a:p>
+        </p:txBody>
+      </p:sp>
+      <p:sp>
+        <p:nvSpPr>
+          <p:cNvPr id="4" name="二等辺三角形 3"/>
+          <p:cNvSpPr/>
+          <p:nvPr/>
+        </p:nvSpPr>
+        <p:spPr>
+          <a:xfrm rot="4035689">
+            <a:off x="3768503" y="-134711"/>
+            <a:ext cx="486869" cy="1171123"/>
+          </a:xfrm>
+          <a:prstGeom prst="triangle">
+            <a:avLst>
+              <a:gd name="adj" fmla="val 92217"/>
+            </a:avLst>
+          </a:prstGeom>
+          <a:solidFill>
+            <a:schemeClr val="bg1"/>
+          </a:solidFill>
+          <a:ln>
+            <a:noFill/>
+          </a:ln>
+        </p:spPr>
+        <p:style>
+          <a:lnRef idx="2">
+            <a:schemeClr val="accent1">
+              <a:shade val="50000"/>
+            </a:schemeClr>
+          </a:lnRef>
+          <a:fillRef idx="1">
+            <a:schemeClr val="accent1"/>
+          </a:fillRef>
+          <a:effectRef idx="0">
+            <a:schemeClr val="accent1"/>
+          </a:effectRef>
+          <a:fontRef idx="minor">
+            <a:schemeClr val="lt1"/>
+          </a:fontRef>
+        </p:style>
+        <p:txBody>
+          <a:bodyPr rtlCol="0" anchor="ctr"/>
+          <a:lstStyle/>
+          <a:p>
+            <a:pPr algn="ctr"/>
+            <a:endParaRPr kumimoji="1" lang="ja-JP" altLang="en-US"/>
+          </a:p>
+        </p:txBody>
+      </p:sp>
+      <p:sp>
+        <p:nvSpPr>
+          <p:cNvPr id="6" name="楕円 5"/>
+          <p:cNvSpPr/>
+          <p:nvPr/>
+        </p:nvSpPr>
+        <p:spPr>
+          <a:xfrm>
+            <a:off x="2032843" y="261749"/>
+            <a:ext cx="1734899" cy="1286193"/>
+          </a:xfrm>
+          <a:prstGeom prst="ellipse">
+            <a:avLst/>
+          </a:prstGeom>
+          <a:solidFill>
+            <a:schemeClr val="bg1"/>
+          </a:solidFill>
+          <a:ln>
+            <a:noFill/>
+          </a:ln>
+        </p:spPr>
+        <p:style>
+          <a:lnRef idx="2">
+            <a:schemeClr val="accent1">
+              <a:shade val="50000"/>
+            </a:schemeClr>
+          </a:lnRef>
+          <a:fillRef idx="1">
+            <a:schemeClr val="accent1"/>
+          </a:fillRef>
+          <a:effectRef idx="0">
+            <a:schemeClr val="accent1"/>
+          </a:effectRef>
+          <a:fontRef idx="minor">
+            <a:schemeClr val="lt1"/>
+          </a:fontRef>
+        </p:style>
+        <p:txBody>
+          <a:bodyPr rtlCol="0" anchor="ctr"/>
+          <a:lstStyle/>
+          <a:p>
+            <a:pPr algn="ctr"/>
+            <a:endParaRPr kumimoji="1" lang="ja-JP" altLang="en-US"/>
+          </a:p>
+        </p:txBody>
+      </p:sp>
+      <p:sp>
+        <p:nvSpPr>
+          <p:cNvPr id="7" name="テキスト ボックス 6"/>
+          <p:cNvSpPr txBox="1"/>
+          <p:nvPr/>
+        </p:nvSpPr>
+        <p:spPr>
+          <a:xfrm>
+            <a:off x="2110516" y="578446"/>
+            <a:ext cx="1579551" cy="646331"/>
+          </a:xfrm>
+          <a:prstGeom prst="rect">
+            <a:avLst/>
+          </a:prstGeom>
+          <a:noFill/>
+        </p:spPr>
+        <p:txBody>
+          <a:bodyPr wrap="square" rtlCol="0">
+            <a:spAutoFit/>
+          </a:bodyPr>
+          <a:lstStyle/>
+          <a:p>
+            <a:pPr algn="ctr"/>
+            <a:r>
+              <a:rPr kumimoji="1" lang="ja-JP" altLang="en-US" b="1" dirty="0" smtClean="0"/>
+              <a:t>上に上がって消えていく</a:t>
+            </a:r>
+            <a:endParaRPr kumimoji="1" lang="ja-JP" altLang="en-US" b="1" dirty="0"/>
+          </a:p>
+        </p:txBody>
+      </p:sp>
+      <p:pic>
+        <p:nvPicPr>
+          <p:cNvPr id="1026" name="Picture 2" descr="芝の管理はどうするの？抑えておきたい基本のお手入れ | お庭から始まる豊かなグリーンライフ「庭サポ」"/>
+          <p:cNvPicPr>
+            <a:picLocks noChangeAspect="1" noChangeArrowheads="1"/>
+          </p:cNvPicPr>
+          <p:nvPr/>
+        </p:nvPicPr>
+        <p:blipFill>
+          <a:blip r:embed="rId4">
+            <a:extLst>
+              <a:ext uri="{28A0092B-C50C-407E-A947-70E740481C1C}">
+                <a14:useLocalDpi xmlns:a14="http://schemas.microsoft.com/office/drawing/2010/main" val="0"/>
+              </a:ext>
+            </a:extLst>
+          </a:blip>
+          <a:srcRect/>
+          <a:stretch>
+            <a:fillRect/>
+          </a:stretch>
+        </p:blipFill>
+        <p:spPr bwMode="auto">
+          <a:xfrm>
+            <a:off x="0" y="6761284"/>
+            <a:ext cx="12192000" cy="96715"/>
+          </a:xfrm>
+          <a:prstGeom prst="rect">
+            <a:avLst/>
+          </a:prstGeom>
+          <a:noFill/>
+          <a:extLst>
+            <a:ext uri="{909E8E84-426E-40DD-AFC4-6F175D3DCCD1}">
+              <a14:hiddenFill xmlns:a14="http://schemas.microsoft.com/office/drawing/2010/main">
+                <a:solidFill>
+                  <a:srgbClr val="FFFFFF"/>
+                </a:solidFill>
+              </a14:hiddenFill>
+            </a:ext>
+          </a:extLst>
+        </p:spPr>
+      </p:pic>
+    </p:spTree>
+    <p:extLst>
+      <p:ext uri="{BB962C8B-B14F-4D97-AF65-F5344CB8AC3E}">
+        <p14:creationId xmlns:p14="http://schemas.microsoft.com/office/powerpoint/2010/main" val="3876984372"/>
+      </p:ext>
+    </p:extLst>
+  </p:cSld>
+  <p:clrMapOvr>
+    <a:masterClrMapping/>
+  </p:clrMapOvr>
+  <mc:AlternateContent xmlns:mc="http://schemas.openxmlformats.org/markup-compatibility/2006" xmlns:p14="http://schemas.microsoft.com/office/powerpoint/2010/main">
+    <mc:Choice Requires="p14">
+      <p:transition spd="slow" p14:dur="2000"/>
+    </mc:Choice>
+    <mc:Fallback xmlns="">
+      <p:transition spd="slow"/>
+    </mc:Fallback>
+  </mc:AlternateContent>
+  <p:timing>
+    <p:tnLst>
+      <p:par>
+        <p:cTn id="1" dur="indefinite" restart="never" nodeType="tmRoot"/>
+      </p:par>
+    </p:tnLst>
+  </p:timing>
+</p:sld>
+</file>
+
+<file path=ppt/slides/slide36.xml><?xml version="1.0" encoding="utf-8"?>
+<p:sld xmlns:a="http://schemas.openxmlformats.org/drawingml/2006/main" xmlns:r="http://schemas.openxmlformats.org/officeDocument/2006/relationships" xmlns:p="http://schemas.openxmlformats.org/presentationml/2006/main">
+  <p:cSld>
+    <p:spTree>
+      <p:nvGrpSpPr>
+        <p:cNvPr id="1" name=""/>
+        <p:cNvGrpSpPr/>
+        <p:nvPr/>
+      </p:nvGrpSpPr>
+      <p:grpSpPr>
+        <a:xfrm>
+          <a:off x="0" y="0"/>
+          <a:ext cx="0" cy="0"/>
+          <a:chOff x="0" y="0"/>
+          <a:chExt cx="0" cy="0"/>
+        </a:xfrm>
+      </p:grpSpPr>
+      <p:sp>
+        <p:nvSpPr>
+          <p:cNvPr id="2" name="タイトル 1"/>
+          <p:cNvSpPr>
+            <a:spLocks noGrp="1"/>
+          </p:cNvSpPr>
+          <p:nvPr>
+            <p:ph type="title"/>
+          </p:nvPr>
+        </p:nvSpPr>
+        <p:spPr/>
+        <p:txBody>
+          <a:bodyPr/>
+          <a:lstStyle/>
+          <a:p>
+            <a:r>
+              <a:rPr kumimoji="1" lang="ja-JP" altLang="en-US" dirty="0" smtClean="0"/>
+              <a:t>カメラの動き</a:t>
+            </a:r>
+            <a:endParaRPr kumimoji="1" lang="ja-JP" altLang="en-US" dirty="0"/>
+          </a:p>
+        </p:txBody>
+      </p:sp>
+      <p:pic>
+        <p:nvPicPr>
+          <p:cNvPr id="8" name="図 7"/>
+          <p:cNvPicPr>
+            <a:picLocks noChangeAspect="1"/>
+          </p:cNvPicPr>
+          <p:nvPr/>
+        </p:nvPicPr>
+        <p:blipFill rotWithShape="1">
+          <a:blip r:embed="rId2"/>
+          <a:srcRect l="9298" t="21520" r="10789" b="20761"/>
+          <a:stretch/>
+        </p:blipFill>
+        <p:spPr>
+          <a:xfrm>
+            <a:off x="8625254" y="2283625"/>
+            <a:ext cx="1644161" cy="1187550"/>
+          </a:xfrm>
+          <a:prstGeom prst="rect">
+            <a:avLst/>
+          </a:prstGeom>
+        </p:spPr>
+      </p:pic>
+      <p:sp>
+        <p:nvSpPr>
+          <p:cNvPr id="9" name="左矢印 8"/>
+          <p:cNvSpPr/>
+          <p:nvPr/>
+        </p:nvSpPr>
+        <p:spPr>
+          <a:xfrm rot="20183171">
+            <a:off x="6994421" y="2934843"/>
+            <a:ext cx="1547446" cy="1213338"/>
+          </a:xfrm>
+          <a:prstGeom prst="leftArrow">
+            <a:avLst/>
+          </a:prstGeom>
+        </p:spPr>
+        <p:style>
+          <a:lnRef idx="2">
+            <a:schemeClr val="accent1">
+              <a:shade val="50000"/>
+            </a:schemeClr>
+          </a:lnRef>
+          <a:fillRef idx="1">
+            <a:schemeClr val="accent1"/>
+          </a:fillRef>
+          <a:effectRef idx="0">
+            <a:schemeClr val="accent1"/>
+          </a:effectRef>
+          <a:fontRef idx="minor">
+            <a:schemeClr val="lt1"/>
+          </a:fontRef>
+        </p:style>
+        <p:txBody>
+          <a:bodyPr rtlCol="0" anchor="ctr"/>
+          <a:lstStyle/>
+          <a:p>
+            <a:pPr algn="ctr"/>
+            <a:endParaRPr kumimoji="1" lang="ja-JP" altLang="en-US"/>
+          </a:p>
+        </p:txBody>
+      </p:sp>
+      <p:sp>
+        <p:nvSpPr>
+          <p:cNvPr id="10" name="角丸四角形 9"/>
+          <p:cNvSpPr/>
+          <p:nvPr/>
+        </p:nvSpPr>
+        <p:spPr>
+          <a:xfrm>
+            <a:off x="1969477" y="2283625"/>
+            <a:ext cx="3209193" cy="1415561"/>
+          </a:xfrm>
+          <a:prstGeom prst="roundRect">
+            <a:avLst/>
+          </a:prstGeom>
+        </p:spPr>
+        <p:style>
+          <a:lnRef idx="2">
+            <a:schemeClr val="dk1">
+              <a:shade val="50000"/>
+            </a:schemeClr>
+          </a:lnRef>
+          <a:fillRef idx="1">
+            <a:schemeClr val="dk1"/>
+          </a:fillRef>
+          <a:effectRef idx="0">
+            <a:schemeClr val="dk1"/>
+          </a:effectRef>
+          <a:fontRef idx="minor">
+            <a:schemeClr val="lt1"/>
+          </a:fontRef>
+        </p:style>
+        <p:txBody>
+          <a:bodyPr rtlCol="0" anchor="ctr"/>
+          <a:lstStyle/>
+          <a:p>
+            <a:pPr algn="ctr"/>
+            <a:r>
+              <a:rPr kumimoji="1" lang="ja-JP" altLang="en-US" sz="3600" b="1" dirty="0" smtClean="0"/>
+              <a:t>タイトル</a:t>
+            </a:r>
+            <a:endParaRPr kumimoji="1" lang="ja-JP" altLang="en-US" sz="3600" b="1" dirty="0"/>
+          </a:p>
+        </p:txBody>
+      </p:sp>
+      <p:sp>
+        <p:nvSpPr>
+          <p:cNvPr id="11" name="角丸四角形 10"/>
+          <p:cNvSpPr/>
+          <p:nvPr/>
+        </p:nvSpPr>
+        <p:spPr>
+          <a:xfrm>
+            <a:off x="559777" y="2186910"/>
+            <a:ext cx="1078524" cy="3659975"/>
+          </a:xfrm>
+          <a:prstGeom prst="roundRect">
+            <a:avLst/>
+          </a:prstGeom>
+        </p:spPr>
+        <p:style>
+          <a:lnRef idx="2">
+            <a:schemeClr val="accent1">
+              <a:shade val="50000"/>
+            </a:schemeClr>
+          </a:lnRef>
+          <a:fillRef idx="1">
+            <a:schemeClr val="accent1"/>
+          </a:fillRef>
+          <a:effectRef idx="0">
+            <a:schemeClr val="accent1"/>
+          </a:effectRef>
+          <a:fontRef idx="minor">
+            <a:schemeClr val="lt1"/>
+          </a:fontRef>
+        </p:style>
+        <p:txBody>
+          <a:bodyPr rtlCol="0" anchor="ctr"/>
+          <a:lstStyle/>
+          <a:p>
+            <a:pPr algn="ctr"/>
+            <a:r>
+              <a:rPr kumimoji="1" lang="ja-JP" altLang="en-US" sz="3600" b="1" dirty="0" smtClean="0"/>
+              <a:t>背景</a:t>
+            </a:r>
+            <a:endParaRPr kumimoji="1" lang="ja-JP" altLang="en-US" sz="3600" b="1" dirty="0"/>
+          </a:p>
+        </p:txBody>
+      </p:sp>
+      <p:sp>
+        <p:nvSpPr>
+          <p:cNvPr id="12" name="正方形/長方形 11"/>
+          <p:cNvSpPr/>
+          <p:nvPr/>
+        </p:nvSpPr>
+        <p:spPr>
+          <a:xfrm>
+            <a:off x="1019908" y="5917223"/>
+            <a:ext cx="5715000" cy="580292"/>
+          </a:xfrm>
+          <a:prstGeom prst="rect">
+            <a:avLst/>
+          </a:prstGeom>
+          <a:gradFill>
+            <a:gsLst>
+              <a:gs pos="0">
+                <a:srgbClr val="00B050"/>
+              </a:gs>
+              <a:gs pos="78000">
+                <a:schemeClr val="accent2">
+                  <a:lumMod val="40000"/>
+                  <a:lumOff val="60000"/>
+                </a:schemeClr>
+              </a:gs>
+              <a:gs pos="73000">
+                <a:srgbClr val="DAC8A2"/>
+              </a:gs>
+              <a:gs pos="62000">
+                <a:srgbClr val="A9C28F"/>
+              </a:gs>
+              <a:gs pos="85000">
+                <a:schemeClr val="accent2">
+                  <a:lumMod val="60000"/>
+                  <a:lumOff val="40000"/>
+                </a:schemeClr>
+              </a:gs>
+              <a:gs pos="100000">
+                <a:schemeClr val="accent2">
+                  <a:lumMod val="75000"/>
+                </a:schemeClr>
+              </a:gs>
+            </a:gsLst>
+            <a:lin ang="5400000" scaled="1"/>
+          </a:gradFill>
+        </p:spPr>
+        <p:style>
+          <a:lnRef idx="2">
+            <a:schemeClr val="accent6">
+              <a:shade val="50000"/>
+            </a:schemeClr>
+          </a:lnRef>
+          <a:fillRef idx="1">
+            <a:schemeClr val="accent6"/>
+          </a:fillRef>
+          <a:effectRef idx="0">
+            <a:schemeClr val="accent6"/>
+          </a:effectRef>
+          <a:fontRef idx="minor">
+            <a:schemeClr val="lt1"/>
+          </a:fontRef>
+        </p:style>
+        <p:txBody>
+          <a:bodyPr rtlCol="0" anchor="ctr"/>
+          <a:lstStyle/>
+          <a:p>
+            <a:pPr algn="ctr"/>
+            <a:r>
+              <a:rPr kumimoji="1" lang="ja-JP" altLang="en-US" sz="2400" b="1" dirty="0" smtClean="0">
+                <a:solidFill>
+                  <a:schemeClr val="accent2"/>
+                </a:solidFill>
+              </a:rPr>
+              <a:t>地面</a:t>
+            </a:r>
+            <a:endParaRPr kumimoji="1" lang="ja-JP" altLang="en-US" sz="2400" b="1" dirty="0">
+              <a:solidFill>
+                <a:schemeClr val="accent2"/>
+              </a:solidFill>
+            </a:endParaRPr>
+          </a:p>
+        </p:txBody>
+      </p:sp>
+    </p:spTree>
+    <p:extLst>
+      <p:ext uri="{BB962C8B-B14F-4D97-AF65-F5344CB8AC3E}">
+        <p14:creationId xmlns:p14="http://schemas.microsoft.com/office/powerpoint/2010/main" val="3638218245"/>
+      </p:ext>
+    </p:extLst>
+  </p:cSld>
+  <p:clrMapOvr>
+    <a:masterClrMapping/>
+  </p:clrMapOvr>
+</p:sld>
+</file>
+
+<file path=ppt/slides/slide37.xml><?xml version="1.0" encoding="utf-8"?>
+<p:sld xmlns:a="http://schemas.openxmlformats.org/drawingml/2006/main" xmlns:r="http://schemas.openxmlformats.org/officeDocument/2006/relationships" xmlns:p="http://schemas.openxmlformats.org/presentationml/2006/main">
+  <p:cSld>
+    <p:spTree>
+      <p:nvGrpSpPr>
+        <p:cNvPr id="1" name=""/>
+        <p:cNvGrpSpPr/>
+        <p:nvPr/>
+      </p:nvGrpSpPr>
+      <p:grpSpPr>
+        <a:xfrm>
+          <a:off x="0" y="0"/>
+          <a:ext cx="0" cy="0"/>
+          <a:chOff x="0" y="0"/>
+          <a:chExt cx="0" cy="0"/>
+        </a:xfrm>
+      </p:grpSpPr>
+      <p:pic>
+        <p:nvPicPr>
+          <p:cNvPr id="3" name="図 2"/>
+          <p:cNvPicPr>
+            <a:picLocks noChangeAspect="1"/>
+          </p:cNvPicPr>
+          <p:nvPr/>
+        </p:nvPicPr>
+        <p:blipFill>
+          <a:blip r:embed="rId2"/>
+          <a:stretch>
+            <a:fillRect/>
+          </a:stretch>
+        </p:blipFill>
+        <p:spPr>
+          <a:xfrm>
+            <a:off x="0" y="0"/>
+            <a:ext cx="12192000" cy="6858000"/>
+          </a:xfrm>
+          <a:prstGeom prst="rect">
+            <a:avLst/>
+          </a:prstGeom>
+        </p:spPr>
+      </p:pic>
+      <p:pic>
+        <p:nvPicPr>
+          <p:cNvPr id="1026" name="Picture 2" descr="芝の管理はどうするの？抑えておきたい基本のお手入れ | お庭から始まる豊かなグリーンライフ「庭サポ」"/>
+          <p:cNvPicPr>
+            <a:picLocks noChangeAspect="1" noChangeArrowheads="1"/>
+          </p:cNvPicPr>
+          <p:nvPr/>
+        </p:nvPicPr>
+        <p:blipFill>
+          <a:blip r:embed="rId3">
+            <a:extLst>
+              <a:ext uri="{28A0092B-C50C-407E-A947-70E740481C1C}">
+                <a14:useLocalDpi xmlns:a14="http://schemas.microsoft.com/office/drawing/2010/main" val="0"/>
+              </a:ext>
+            </a:extLst>
+          </a:blip>
+          <a:srcRect/>
+          <a:stretch>
+            <a:fillRect/>
+          </a:stretch>
+        </p:blipFill>
+        <p:spPr bwMode="auto">
+          <a:xfrm>
+            <a:off x="0" y="5222631"/>
+            <a:ext cx="12192000" cy="1635369"/>
+          </a:xfrm>
+          <a:prstGeom prst="rect">
+            <a:avLst/>
+          </a:prstGeom>
+          <a:noFill/>
+          <a:extLst>
+            <a:ext uri="{909E8E84-426E-40DD-AFC4-6F175D3DCCD1}">
+              <a14:hiddenFill xmlns:a14="http://schemas.microsoft.com/office/drawing/2010/main">
+                <a:solidFill>
+                  <a:srgbClr val="FFFFFF"/>
+                </a:solidFill>
+              </a14:hiddenFill>
+            </a:ext>
+          </a:extLst>
+        </p:spPr>
+      </p:pic>
+      <p:sp>
+        <p:nvSpPr>
+          <p:cNvPr id="5" name="正方形/長方形 4"/>
+          <p:cNvSpPr/>
+          <p:nvPr/>
+        </p:nvSpPr>
+        <p:spPr>
+          <a:xfrm>
+            <a:off x="571501" y="4176341"/>
+            <a:ext cx="2145323" cy="1116623"/>
+          </a:xfrm>
+          <a:prstGeom prst="rect">
+            <a:avLst/>
+          </a:prstGeom>
+        </p:spPr>
+        <p:style>
+          <a:lnRef idx="2">
+            <a:schemeClr val="accent5">
+              <a:shade val="50000"/>
+            </a:schemeClr>
+          </a:lnRef>
+          <a:fillRef idx="1">
+            <a:schemeClr val="accent5"/>
+          </a:fillRef>
+          <a:effectRef idx="0">
+            <a:schemeClr val="accent5"/>
+          </a:effectRef>
+          <a:fontRef idx="minor">
+            <a:schemeClr val="lt1"/>
+          </a:fontRef>
+        </p:style>
+        <p:txBody>
+          <a:bodyPr rtlCol="0" anchor="ctr"/>
+          <a:lstStyle/>
+          <a:p>
+            <a:pPr algn="ctr"/>
+            <a:r>
+              <a:rPr kumimoji="1" lang="ja-JP" altLang="en-US" sz="6600" b="1" dirty="0" smtClean="0">
+                <a:ln>
+                  <a:solidFill>
+                    <a:sysClr val="windowText" lastClr="000000"/>
+                  </a:solidFill>
+                </a:ln>
+              </a:rPr>
+              <a:t>１</a:t>
+            </a:r>
+            <a:r>
+              <a:rPr kumimoji="1" lang="en-US" altLang="ja-JP" sz="6600" b="1" dirty="0" smtClean="0">
+                <a:ln>
+                  <a:solidFill>
+                    <a:sysClr val="windowText" lastClr="000000"/>
+                  </a:solidFill>
+                </a:ln>
+              </a:rPr>
+              <a:t>P</a:t>
+            </a:r>
+            <a:endParaRPr kumimoji="1" lang="ja-JP" altLang="en-US" sz="6600" b="1" dirty="0">
+              <a:ln>
+                <a:solidFill>
+                  <a:sysClr val="windowText" lastClr="000000"/>
+                </a:solidFill>
+              </a:ln>
+            </a:endParaRPr>
+          </a:p>
+        </p:txBody>
+      </p:sp>
+      <p:sp>
+        <p:nvSpPr>
+          <p:cNvPr id="11" name="正方形/長方形 10"/>
+          <p:cNvSpPr/>
+          <p:nvPr/>
+        </p:nvSpPr>
+        <p:spPr>
+          <a:xfrm>
+            <a:off x="3730870" y="4176341"/>
+            <a:ext cx="2145323" cy="1116623"/>
+          </a:xfrm>
+          <a:prstGeom prst="rect">
+            <a:avLst/>
+          </a:prstGeom>
+          <a:solidFill>
+            <a:srgbClr val="FF0000"/>
+          </a:solidFill>
+        </p:spPr>
+        <p:style>
+          <a:lnRef idx="2">
+            <a:schemeClr val="accent1">
+              <a:shade val="50000"/>
+            </a:schemeClr>
+          </a:lnRef>
+          <a:fillRef idx="1">
+            <a:schemeClr val="accent1"/>
+          </a:fillRef>
+          <a:effectRef idx="0">
+            <a:schemeClr val="accent1"/>
+          </a:effectRef>
+          <a:fontRef idx="minor">
+            <a:schemeClr val="lt1"/>
+          </a:fontRef>
+        </p:style>
+        <p:txBody>
+          <a:bodyPr rtlCol="0" anchor="ctr"/>
+          <a:lstStyle/>
+          <a:p>
+            <a:pPr algn="ctr"/>
+            <a:r>
+              <a:rPr kumimoji="1" lang="ja-JP" altLang="en-US" sz="6600" b="1" dirty="0" smtClean="0">
+                <a:ln>
+                  <a:solidFill>
+                    <a:sysClr val="windowText" lastClr="000000"/>
+                  </a:solidFill>
+                </a:ln>
+              </a:rPr>
+              <a:t>２</a:t>
+            </a:r>
+            <a:r>
+              <a:rPr kumimoji="1" lang="en-US" altLang="ja-JP" sz="6600" b="1" dirty="0" smtClean="0">
+                <a:ln>
+                  <a:solidFill>
+                    <a:sysClr val="windowText" lastClr="000000"/>
+                  </a:solidFill>
+                </a:ln>
+              </a:rPr>
+              <a:t>P</a:t>
+            </a:r>
+            <a:endParaRPr kumimoji="1" lang="ja-JP" altLang="en-US" sz="6600" b="1" dirty="0">
+              <a:ln>
+                <a:solidFill>
+                  <a:sysClr val="windowText" lastClr="000000"/>
+                </a:solidFill>
+              </a:ln>
+            </a:endParaRPr>
+          </a:p>
+        </p:txBody>
+      </p:sp>
+      <p:sp>
+        <p:nvSpPr>
+          <p:cNvPr id="12" name="正方形/長方形 11"/>
+          <p:cNvSpPr/>
+          <p:nvPr/>
+        </p:nvSpPr>
+        <p:spPr>
+          <a:xfrm>
+            <a:off x="6676293" y="4176341"/>
+            <a:ext cx="2145323" cy="1116623"/>
+          </a:xfrm>
+          <a:prstGeom prst="rect">
+            <a:avLst/>
+          </a:prstGeom>
+          <a:solidFill>
+            <a:srgbClr val="92D050"/>
+          </a:solidFill>
+        </p:spPr>
+        <p:style>
+          <a:lnRef idx="2">
+            <a:schemeClr val="accent1">
+              <a:shade val="50000"/>
+            </a:schemeClr>
+          </a:lnRef>
+          <a:fillRef idx="1">
+            <a:schemeClr val="accent1"/>
+          </a:fillRef>
+          <a:effectRef idx="0">
+            <a:schemeClr val="accent1"/>
+          </a:effectRef>
+          <a:fontRef idx="minor">
+            <a:schemeClr val="lt1"/>
+          </a:fontRef>
+        </p:style>
+        <p:txBody>
+          <a:bodyPr rtlCol="0" anchor="ctr"/>
+          <a:lstStyle/>
+          <a:p>
+            <a:pPr algn="ctr"/>
+            <a:r>
+              <a:rPr kumimoji="1" lang="ja-JP" altLang="en-US" sz="6600" b="1" dirty="0" smtClean="0">
+                <a:ln>
+                  <a:solidFill>
+                    <a:sysClr val="windowText" lastClr="000000"/>
+                  </a:solidFill>
+                </a:ln>
+              </a:rPr>
+              <a:t>３</a:t>
+            </a:r>
+            <a:r>
+              <a:rPr kumimoji="1" lang="en-US" altLang="ja-JP" sz="6600" b="1" dirty="0" smtClean="0">
+                <a:ln>
+                  <a:solidFill>
+                    <a:sysClr val="windowText" lastClr="000000"/>
+                  </a:solidFill>
+                </a:ln>
+              </a:rPr>
+              <a:t>P</a:t>
+            </a:r>
+            <a:endParaRPr kumimoji="1" lang="ja-JP" altLang="en-US" sz="6600" b="1" dirty="0">
+              <a:ln>
+                <a:solidFill>
+                  <a:sysClr val="windowText" lastClr="000000"/>
+                </a:solidFill>
+              </a:ln>
+            </a:endParaRPr>
+          </a:p>
+        </p:txBody>
+      </p:sp>
+      <p:sp>
+        <p:nvSpPr>
+          <p:cNvPr id="13" name="正方形/長方形 12"/>
+          <p:cNvSpPr/>
+          <p:nvPr/>
+        </p:nvSpPr>
+        <p:spPr>
+          <a:xfrm>
+            <a:off x="9457593" y="4176341"/>
+            <a:ext cx="2145323" cy="1116623"/>
+          </a:xfrm>
+          <a:prstGeom prst="rect">
+            <a:avLst/>
+          </a:prstGeom>
+          <a:solidFill>
+            <a:schemeClr val="accent4">
+              <a:lumMod val="60000"/>
+              <a:lumOff val="40000"/>
+            </a:schemeClr>
+          </a:solidFill>
+        </p:spPr>
+        <p:style>
+          <a:lnRef idx="2">
+            <a:schemeClr val="accent1">
+              <a:shade val="50000"/>
+            </a:schemeClr>
+          </a:lnRef>
+          <a:fillRef idx="1">
+            <a:schemeClr val="accent1"/>
+          </a:fillRef>
+          <a:effectRef idx="0">
+            <a:schemeClr val="accent1"/>
+          </a:effectRef>
+          <a:fontRef idx="minor">
+            <a:schemeClr val="lt1"/>
+          </a:fontRef>
+        </p:style>
+        <p:txBody>
+          <a:bodyPr rtlCol="0" anchor="ctr"/>
+          <a:lstStyle/>
+          <a:p>
+            <a:pPr algn="ctr"/>
+            <a:r>
+              <a:rPr kumimoji="1" lang="ja-JP" altLang="en-US" sz="6600" b="1" dirty="0" smtClean="0">
+                <a:ln>
+                  <a:solidFill>
+                    <a:sysClr val="windowText" lastClr="000000"/>
+                  </a:solidFill>
+                </a:ln>
+              </a:rPr>
+              <a:t>４</a:t>
+            </a:r>
+            <a:r>
+              <a:rPr kumimoji="1" lang="en-US" altLang="ja-JP" sz="6600" b="1" dirty="0" smtClean="0">
+                <a:ln>
+                  <a:solidFill>
+                    <a:sysClr val="windowText" lastClr="000000"/>
+                  </a:solidFill>
+                </a:ln>
+              </a:rPr>
+              <a:t>P</a:t>
+            </a:r>
+            <a:endParaRPr kumimoji="1" lang="ja-JP" altLang="en-US" sz="6600" b="1" dirty="0">
+              <a:ln>
+                <a:solidFill>
+                  <a:sysClr val="windowText" lastClr="000000"/>
+                </a:solidFill>
+              </a:ln>
+            </a:endParaRPr>
+          </a:p>
+        </p:txBody>
+      </p:sp>
+      <p:sp>
+        <p:nvSpPr>
+          <p:cNvPr id="8" name="下矢印 7"/>
+          <p:cNvSpPr/>
+          <p:nvPr/>
+        </p:nvSpPr>
+        <p:spPr>
+          <a:xfrm>
+            <a:off x="1052145" y="5438036"/>
+            <a:ext cx="1107831" cy="931985"/>
+          </a:xfrm>
+          <a:prstGeom prst="downArrow">
+            <a:avLst/>
+          </a:prstGeom>
+        </p:spPr>
+        <p:style>
+          <a:lnRef idx="2">
+            <a:schemeClr val="accent5">
+              <a:shade val="50000"/>
+            </a:schemeClr>
+          </a:lnRef>
+          <a:fillRef idx="1">
+            <a:schemeClr val="accent5"/>
+          </a:fillRef>
+          <a:effectRef idx="0">
+            <a:schemeClr val="accent5"/>
+          </a:effectRef>
+          <a:fontRef idx="minor">
+            <a:schemeClr val="lt1"/>
+          </a:fontRef>
+        </p:style>
+        <p:txBody>
+          <a:bodyPr rtlCol="0" anchor="ctr"/>
+          <a:lstStyle/>
+          <a:p>
+            <a:pPr algn="ctr"/>
+            <a:endParaRPr kumimoji="1" lang="ja-JP" altLang="en-US"/>
+          </a:p>
+        </p:txBody>
+      </p:sp>
+      <p:sp>
+        <p:nvSpPr>
+          <p:cNvPr id="15" name="下矢印 14"/>
+          <p:cNvSpPr/>
+          <p:nvPr/>
+        </p:nvSpPr>
+        <p:spPr>
+          <a:xfrm>
+            <a:off x="4106007" y="5438036"/>
+            <a:ext cx="1107831" cy="931985"/>
+          </a:xfrm>
+          <a:prstGeom prst="downArrow">
+            <a:avLst/>
+          </a:prstGeom>
+          <a:solidFill>
+            <a:srgbClr val="FF0000"/>
+          </a:solidFill>
+        </p:spPr>
+        <p:style>
+          <a:lnRef idx="2">
+            <a:schemeClr val="accent5">
+              <a:shade val="50000"/>
+            </a:schemeClr>
+          </a:lnRef>
+          <a:fillRef idx="1">
+            <a:schemeClr val="accent5"/>
+          </a:fillRef>
+          <a:effectRef idx="0">
+            <a:schemeClr val="accent5"/>
+          </a:effectRef>
+          <a:fontRef idx="minor">
+            <a:schemeClr val="lt1"/>
+          </a:fontRef>
+        </p:style>
+        <p:txBody>
+          <a:bodyPr rtlCol="0" anchor="ctr"/>
+          <a:lstStyle/>
+          <a:p>
+            <a:pPr algn="ctr"/>
+            <a:endParaRPr kumimoji="1" lang="ja-JP" altLang="en-US"/>
+          </a:p>
+        </p:txBody>
+      </p:sp>
+      <p:sp>
+        <p:nvSpPr>
+          <p:cNvPr id="17" name="下矢印 16"/>
+          <p:cNvSpPr/>
+          <p:nvPr/>
+        </p:nvSpPr>
+        <p:spPr>
+          <a:xfrm>
+            <a:off x="7154008" y="5490786"/>
+            <a:ext cx="1107831" cy="931985"/>
+          </a:xfrm>
+          <a:prstGeom prst="downArrow">
+            <a:avLst/>
+          </a:prstGeom>
+          <a:solidFill>
+            <a:schemeClr val="accent6">
+              <a:lumMod val="20000"/>
+              <a:lumOff val="80000"/>
+            </a:schemeClr>
+          </a:solidFill>
+        </p:spPr>
+        <p:style>
+          <a:lnRef idx="2">
+            <a:schemeClr val="accent5">
+              <a:shade val="50000"/>
+            </a:schemeClr>
+          </a:lnRef>
+          <a:fillRef idx="1">
+            <a:schemeClr val="accent5"/>
+          </a:fillRef>
+          <a:effectRef idx="0">
+            <a:schemeClr val="accent5"/>
+          </a:effectRef>
+          <a:fontRef idx="minor">
+            <a:schemeClr val="lt1"/>
+          </a:fontRef>
+        </p:style>
+        <p:txBody>
+          <a:bodyPr rtlCol="0" anchor="ctr"/>
+          <a:lstStyle/>
+          <a:p>
+            <a:pPr algn="ctr"/>
+            <a:endParaRPr kumimoji="1" lang="ja-JP" altLang="en-US"/>
+          </a:p>
+        </p:txBody>
+      </p:sp>
+      <p:sp>
+        <p:nvSpPr>
+          <p:cNvPr id="18" name="下矢印 17"/>
+          <p:cNvSpPr/>
+          <p:nvPr/>
+        </p:nvSpPr>
+        <p:spPr>
+          <a:xfrm>
+            <a:off x="10032024" y="5490785"/>
+            <a:ext cx="1107831" cy="931985"/>
+          </a:xfrm>
+          <a:prstGeom prst="downArrow">
+            <a:avLst/>
+          </a:prstGeom>
+          <a:solidFill>
+            <a:schemeClr val="accent4">
+              <a:lumMod val="40000"/>
+              <a:lumOff val="60000"/>
+            </a:schemeClr>
+          </a:solidFill>
+        </p:spPr>
+        <p:style>
+          <a:lnRef idx="2">
+            <a:schemeClr val="accent5">
+              <a:shade val="50000"/>
+            </a:schemeClr>
+          </a:lnRef>
+          <a:fillRef idx="1">
+            <a:schemeClr val="accent5"/>
+          </a:fillRef>
+          <a:effectRef idx="0">
+            <a:schemeClr val="accent5"/>
+          </a:effectRef>
+          <a:fontRef idx="minor">
+            <a:schemeClr val="lt1"/>
+          </a:fontRef>
+        </p:style>
+        <p:txBody>
+          <a:bodyPr rtlCol="0" anchor="ctr"/>
+          <a:lstStyle/>
+          <a:p>
+            <a:pPr algn="ctr"/>
+            <a:endParaRPr kumimoji="1" lang="ja-JP" altLang="en-US"/>
+          </a:p>
+        </p:txBody>
+      </p:sp>
+      <p:sp>
+        <p:nvSpPr>
+          <p:cNvPr id="19" name="テキスト ボックス 18"/>
+          <p:cNvSpPr txBox="1"/>
+          <p:nvPr/>
+        </p:nvSpPr>
+        <p:spPr>
+          <a:xfrm>
+            <a:off x="1019907" y="6429344"/>
+            <a:ext cx="1248509" cy="369332"/>
+          </a:xfrm>
+          <a:prstGeom prst="rect">
+            <a:avLst/>
+          </a:prstGeom>
+          <a:solidFill>
+            <a:schemeClr val="bg1"/>
+          </a:solidFill>
+        </p:spPr>
+        <p:txBody>
+          <a:bodyPr wrap="square" rtlCol="0">
+            <a:spAutoFit/>
+          </a:bodyPr>
+          <a:lstStyle/>
+          <a:p>
+            <a:pPr algn="ctr"/>
+            <a:r>
+              <a:rPr kumimoji="1" lang="ja-JP" altLang="en-US" b="1" dirty="0" smtClean="0"/>
+              <a:t>画面外へ</a:t>
+            </a:r>
+            <a:endParaRPr kumimoji="1" lang="ja-JP" altLang="en-US" b="1" dirty="0"/>
+          </a:p>
+        </p:txBody>
+      </p:sp>
+      <p:sp>
+        <p:nvSpPr>
+          <p:cNvPr id="20" name="テキスト ボックス 19"/>
+          <p:cNvSpPr txBox="1"/>
+          <p:nvPr/>
+        </p:nvSpPr>
+        <p:spPr>
+          <a:xfrm>
+            <a:off x="3979982" y="6422770"/>
+            <a:ext cx="1248509" cy="369332"/>
+          </a:xfrm>
+          <a:prstGeom prst="rect">
+            <a:avLst/>
+          </a:prstGeom>
+          <a:solidFill>
+            <a:schemeClr val="bg1"/>
+          </a:solidFill>
+        </p:spPr>
+        <p:txBody>
+          <a:bodyPr wrap="square" rtlCol="0">
+            <a:spAutoFit/>
+          </a:bodyPr>
+          <a:lstStyle/>
+          <a:p>
+            <a:pPr algn="ctr"/>
+            <a:r>
+              <a:rPr kumimoji="1" lang="ja-JP" altLang="en-US" b="1" dirty="0" smtClean="0"/>
+              <a:t>画面外へ</a:t>
+            </a:r>
+            <a:endParaRPr kumimoji="1" lang="ja-JP" altLang="en-US" b="1" dirty="0"/>
+          </a:p>
+        </p:txBody>
+      </p:sp>
+      <p:sp>
+        <p:nvSpPr>
+          <p:cNvPr id="21" name="テキスト ボックス 20"/>
+          <p:cNvSpPr txBox="1"/>
+          <p:nvPr/>
+        </p:nvSpPr>
+        <p:spPr>
+          <a:xfrm>
+            <a:off x="7124699" y="6424965"/>
+            <a:ext cx="1248509" cy="369332"/>
+          </a:xfrm>
+          <a:prstGeom prst="rect">
+            <a:avLst/>
+          </a:prstGeom>
+          <a:solidFill>
+            <a:schemeClr val="bg1"/>
+          </a:solidFill>
+        </p:spPr>
+        <p:txBody>
+          <a:bodyPr wrap="square" rtlCol="0">
+            <a:spAutoFit/>
+          </a:bodyPr>
+          <a:lstStyle/>
+          <a:p>
+            <a:pPr algn="ctr"/>
+            <a:r>
+              <a:rPr kumimoji="1" lang="ja-JP" altLang="en-US" b="1" dirty="0" smtClean="0"/>
+              <a:t>画面外へ</a:t>
+            </a:r>
+            <a:endParaRPr kumimoji="1" lang="ja-JP" altLang="en-US" b="1" dirty="0"/>
+          </a:p>
+        </p:txBody>
+      </p:sp>
+      <p:sp>
+        <p:nvSpPr>
+          <p:cNvPr id="22" name="テキスト ボックス 21"/>
+          <p:cNvSpPr txBox="1"/>
+          <p:nvPr/>
+        </p:nvSpPr>
+        <p:spPr>
+          <a:xfrm>
+            <a:off x="10032024" y="6429344"/>
+            <a:ext cx="1248509" cy="369332"/>
+          </a:xfrm>
+          <a:prstGeom prst="rect">
+            <a:avLst/>
+          </a:prstGeom>
+          <a:solidFill>
+            <a:schemeClr val="bg1"/>
+          </a:solidFill>
+        </p:spPr>
+        <p:txBody>
+          <a:bodyPr wrap="square" rtlCol="0">
+            <a:spAutoFit/>
+          </a:bodyPr>
+          <a:lstStyle/>
+          <a:p>
+            <a:pPr algn="ctr"/>
+            <a:r>
+              <a:rPr kumimoji="1" lang="ja-JP" altLang="en-US" b="1" dirty="0" smtClean="0"/>
+              <a:t>画面外へ</a:t>
+            </a:r>
+            <a:endParaRPr kumimoji="1" lang="ja-JP" altLang="en-US" b="1" dirty="0"/>
+          </a:p>
+        </p:txBody>
+      </p:sp>
+    </p:spTree>
+    <p:extLst>
+      <p:ext uri="{BB962C8B-B14F-4D97-AF65-F5344CB8AC3E}">
+        <p14:creationId xmlns:p14="http://schemas.microsoft.com/office/powerpoint/2010/main" val="1884571452"/>
+      </p:ext>
+    </p:extLst>
+  </p:cSld>
+  <p:clrMapOvr>
+    <a:masterClrMapping/>
+  </p:clrMapOvr>
+  <mc:AlternateContent xmlns:mc="http://schemas.openxmlformats.org/markup-compatibility/2006" xmlns:p14="http://schemas.microsoft.com/office/powerpoint/2010/main">
+    <mc:Choice Requires="p14">
+      <p:transition spd="slow" p14:dur="2000"/>
+    </mc:Choice>
+    <mc:Fallback xmlns="">
+      <p:transition spd="slow"/>
+    </mc:Fallback>
+  </mc:AlternateContent>
+  <p:timing>
+    <p:tnLst>
+      <p:par>
+        <p:cTn id="1" dur="indefinite" restart="never" nodeType="tmRoot"/>
+      </p:par>
+    </p:tnLst>
+  </p:timing>
+</p:sld>
+</file>
+
+<file path=ppt/slides/slide38.xml><?xml version="1.0" encoding="utf-8"?>
+<p:sld xmlns:a="http://schemas.openxmlformats.org/drawingml/2006/main" xmlns:r="http://schemas.openxmlformats.org/officeDocument/2006/relationships" xmlns:p="http://schemas.openxmlformats.org/presentationml/2006/main">
+  <p:cSld>
+    <p:spTree>
+      <p:nvGrpSpPr>
+        <p:cNvPr id="1" name=""/>
+        <p:cNvGrpSpPr/>
+        <p:nvPr/>
+      </p:nvGrpSpPr>
+      <p:grpSpPr>
+        <a:xfrm>
+          <a:off x="0" y="0"/>
+          <a:ext cx="0" cy="0"/>
+          <a:chOff x="0" y="0"/>
+          <a:chExt cx="0" cy="0"/>
+        </a:xfrm>
+      </p:grpSpPr>
+      <p:sp>
+        <p:nvSpPr>
+          <p:cNvPr id="2" name="タイトル 1"/>
+          <p:cNvSpPr>
+            <a:spLocks noGrp="1"/>
+          </p:cNvSpPr>
+          <p:nvPr>
+            <p:ph type="title"/>
+          </p:nvPr>
+        </p:nvSpPr>
+        <p:spPr/>
+        <p:txBody>
+          <a:bodyPr/>
+          <a:lstStyle/>
+          <a:p>
+            <a:r>
+              <a:rPr kumimoji="1" lang="ja-JP" altLang="en-US" dirty="0" smtClean="0"/>
+              <a:t>カメラの動き</a:t>
+            </a:r>
+            <a:endParaRPr kumimoji="1" lang="ja-JP" altLang="en-US" dirty="0"/>
+          </a:p>
+        </p:txBody>
+      </p:sp>
+      <p:pic>
+        <p:nvPicPr>
+          <p:cNvPr id="8" name="図 7"/>
+          <p:cNvPicPr>
+            <a:picLocks noChangeAspect="1"/>
+          </p:cNvPicPr>
+          <p:nvPr/>
+        </p:nvPicPr>
+        <p:blipFill rotWithShape="1">
+          <a:blip r:embed="rId2"/>
+          <a:srcRect l="9298" t="21520" r="10789" b="20761"/>
+          <a:stretch/>
+        </p:blipFill>
+        <p:spPr>
+          <a:xfrm>
+            <a:off x="8625254" y="2283625"/>
+            <a:ext cx="1644161" cy="1187550"/>
+          </a:xfrm>
+          <a:prstGeom prst="rect">
+            <a:avLst/>
+          </a:prstGeom>
+        </p:spPr>
+      </p:pic>
+      <p:sp>
+        <p:nvSpPr>
+          <p:cNvPr id="9" name="左矢印 8"/>
+          <p:cNvSpPr/>
+          <p:nvPr/>
+        </p:nvSpPr>
+        <p:spPr>
+          <a:xfrm rot="20183171">
+            <a:off x="6994421" y="2934843"/>
+            <a:ext cx="1547446" cy="1213338"/>
+          </a:xfrm>
+          <a:prstGeom prst="leftArrow">
+            <a:avLst/>
+          </a:prstGeom>
+        </p:spPr>
+        <p:style>
+          <a:lnRef idx="2">
+            <a:schemeClr val="accent1">
+              <a:shade val="50000"/>
+            </a:schemeClr>
+          </a:lnRef>
+          <a:fillRef idx="1">
+            <a:schemeClr val="accent1"/>
+          </a:fillRef>
+          <a:effectRef idx="0">
+            <a:schemeClr val="accent1"/>
+          </a:effectRef>
+          <a:fontRef idx="minor">
+            <a:schemeClr val="lt1"/>
+          </a:fontRef>
+        </p:style>
+        <p:txBody>
+          <a:bodyPr rtlCol="0" anchor="ctr"/>
+          <a:lstStyle/>
+          <a:p>
+            <a:pPr algn="ctr"/>
+            <a:endParaRPr kumimoji="1" lang="ja-JP" altLang="en-US"/>
+          </a:p>
+        </p:txBody>
+      </p:sp>
+      <p:sp>
+        <p:nvSpPr>
+          <p:cNvPr id="10" name="角丸四角形 9"/>
+          <p:cNvSpPr/>
+          <p:nvPr/>
+        </p:nvSpPr>
+        <p:spPr>
+          <a:xfrm>
+            <a:off x="1969477" y="2283625"/>
+            <a:ext cx="3209193" cy="1415561"/>
+          </a:xfrm>
+          <a:prstGeom prst="roundRect">
+            <a:avLst/>
+          </a:prstGeom>
+        </p:spPr>
+        <p:style>
+          <a:lnRef idx="2">
+            <a:schemeClr val="dk1">
+              <a:shade val="50000"/>
+            </a:schemeClr>
+          </a:lnRef>
+          <a:fillRef idx="1">
+            <a:schemeClr val="dk1"/>
+          </a:fillRef>
+          <a:effectRef idx="0">
+            <a:schemeClr val="dk1"/>
+          </a:effectRef>
+          <a:fontRef idx="minor">
+            <a:schemeClr val="lt1"/>
+          </a:fontRef>
+        </p:style>
+        <p:txBody>
+          <a:bodyPr rtlCol="0" anchor="ctr"/>
+          <a:lstStyle/>
+          <a:p>
+            <a:pPr algn="ctr"/>
+            <a:r>
+              <a:rPr kumimoji="1" lang="ja-JP" altLang="en-US" sz="3600" b="1" dirty="0" smtClean="0"/>
+              <a:t>タイトル</a:t>
+            </a:r>
+            <a:endParaRPr kumimoji="1" lang="ja-JP" altLang="en-US" sz="3600" b="1" dirty="0"/>
+          </a:p>
+        </p:txBody>
+      </p:sp>
+      <p:sp>
+        <p:nvSpPr>
+          <p:cNvPr id="11" name="角丸四角形 10"/>
+          <p:cNvSpPr/>
+          <p:nvPr/>
+        </p:nvSpPr>
+        <p:spPr>
+          <a:xfrm>
+            <a:off x="559777" y="2186910"/>
+            <a:ext cx="1078524" cy="3659975"/>
+          </a:xfrm>
+          <a:prstGeom prst="roundRect">
+            <a:avLst/>
+          </a:prstGeom>
+        </p:spPr>
+        <p:style>
+          <a:lnRef idx="2">
+            <a:schemeClr val="accent1">
+              <a:shade val="50000"/>
+            </a:schemeClr>
+          </a:lnRef>
+          <a:fillRef idx="1">
+            <a:schemeClr val="accent1"/>
+          </a:fillRef>
+          <a:effectRef idx="0">
+            <a:schemeClr val="accent1"/>
+          </a:effectRef>
+          <a:fontRef idx="minor">
+            <a:schemeClr val="lt1"/>
+          </a:fontRef>
+        </p:style>
+        <p:txBody>
+          <a:bodyPr rtlCol="0" anchor="ctr"/>
+          <a:lstStyle/>
+          <a:p>
+            <a:pPr algn="ctr"/>
+            <a:r>
+              <a:rPr kumimoji="1" lang="ja-JP" altLang="en-US" sz="3600" b="1" dirty="0" smtClean="0"/>
+              <a:t>背景</a:t>
+            </a:r>
+            <a:endParaRPr kumimoji="1" lang="ja-JP" altLang="en-US" sz="3600" b="1" dirty="0"/>
+          </a:p>
+        </p:txBody>
+      </p:sp>
+      <p:sp>
+        <p:nvSpPr>
+          <p:cNvPr id="12" name="正方形/長方形 11"/>
+          <p:cNvSpPr/>
+          <p:nvPr/>
+        </p:nvSpPr>
+        <p:spPr>
+          <a:xfrm>
+            <a:off x="1019908" y="5917223"/>
+            <a:ext cx="5715000" cy="580292"/>
+          </a:xfrm>
+          <a:prstGeom prst="rect">
+            <a:avLst/>
+          </a:prstGeom>
+          <a:gradFill>
+            <a:gsLst>
+              <a:gs pos="0">
+                <a:srgbClr val="00B050"/>
+              </a:gs>
+              <a:gs pos="78000">
+                <a:schemeClr val="accent2">
+                  <a:lumMod val="40000"/>
+                  <a:lumOff val="60000"/>
+                </a:schemeClr>
+              </a:gs>
+              <a:gs pos="73000">
+                <a:srgbClr val="DAC8A2"/>
+              </a:gs>
+              <a:gs pos="62000">
+                <a:srgbClr val="A9C28F"/>
+              </a:gs>
+              <a:gs pos="85000">
+                <a:schemeClr val="accent2">
+                  <a:lumMod val="60000"/>
+                  <a:lumOff val="40000"/>
+                </a:schemeClr>
+              </a:gs>
+              <a:gs pos="100000">
+                <a:schemeClr val="accent2">
+                  <a:lumMod val="75000"/>
+                </a:schemeClr>
+              </a:gs>
+            </a:gsLst>
+            <a:lin ang="5400000" scaled="1"/>
+          </a:gradFill>
+        </p:spPr>
+        <p:style>
+          <a:lnRef idx="2">
+            <a:schemeClr val="accent6">
+              <a:shade val="50000"/>
+            </a:schemeClr>
+          </a:lnRef>
+          <a:fillRef idx="1">
+            <a:schemeClr val="accent6"/>
+          </a:fillRef>
+          <a:effectRef idx="0">
+            <a:schemeClr val="accent6"/>
+          </a:effectRef>
+          <a:fontRef idx="minor">
+            <a:schemeClr val="lt1"/>
+          </a:fontRef>
+        </p:style>
+        <p:txBody>
+          <a:bodyPr rtlCol="0" anchor="ctr"/>
+          <a:lstStyle/>
+          <a:p>
+            <a:pPr algn="ctr"/>
+            <a:r>
+              <a:rPr kumimoji="1" lang="ja-JP" altLang="en-US" sz="2400" b="1" dirty="0" smtClean="0">
+                <a:solidFill>
+                  <a:schemeClr val="accent2"/>
+                </a:solidFill>
+              </a:rPr>
+              <a:t>地面</a:t>
+            </a:r>
+            <a:endParaRPr kumimoji="1" lang="ja-JP" altLang="en-US" sz="2400" b="1" dirty="0">
+              <a:solidFill>
+                <a:schemeClr val="accent2"/>
+              </a:solidFill>
+            </a:endParaRPr>
+          </a:p>
+        </p:txBody>
+      </p:sp>
+      <p:sp>
+        <p:nvSpPr>
+          <p:cNvPr id="3" name="正方形/長方形 2"/>
+          <p:cNvSpPr/>
+          <p:nvPr/>
+        </p:nvSpPr>
+        <p:spPr>
+          <a:xfrm>
+            <a:off x="2605066" y="5451230"/>
+            <a:ext cx="1081454" cy="580292"/>
+          </a:xfrm>
+          <a:prstGeom prst="rect">
+            <a:avLst/>
+          </a:prstGeom>
+          <a:ln>
+            <a:solidFill>
+              <a:schemeClr val="tx1"/>
+            </a:solidFill>
+          </a:ln>
+        </p:spPr>
+        <p:style>
+          <a:lnRef idx="3">
+            <a:schemeClr val="lt1"/>
+          </a:lnRef>
+          <a:fillRef idx="1">
+            <a:schemeClr val="accent4"/>
+          </a:fillRef>
+          <a:effectRef idx="1">
+            <a:schemeClr val="accent4"/>
+          </a:effectRef>
+          <a:fontRef idx="minor">
+            <a:schemeClr val="lt1"/>
+          </a:fontRef>
+        </p:style>
+        <p:txBody>
+          <a:bodyPr rtlCol="0" anchor="ctr"/>
+          <a:lstStyle/>
+          <a:p>
+            <a:pPr algn="ctr"/>
+            <a:r>
+              <a:rPr kumimoji="1" lang="ja-JP" altLang="en-US" sz="2400" b="1" dirty="0" smtClean="0">
+                <a:solidFill>
+                  <a:sysClr val="windowText" lastClr="000000"/>
+                </a:solidFill>
+              </a:rPr>
+              <a:t>車</a:t>
+            </a:r>
+            <a:endParaRPr kumimoji="1" lang="ja-JP" altLang="en-US" sz="2400" b="1" dirty="0">
+              <a:solidFill>
+                <a:sysClr val="windowText" lastClr="000000"/>
+              </a:solidFill>
+            </a:endParaRPr>
+          </a:p>
+        </p:txBody>
+      </p:sp>
+    </p:spTree>
+    <p:extLst>
+      <p:ext uri="{BB962C8B-B14F-4D97-AF65-F5344CB8AC3E}">
+        <p14:creationId xmlns:p14="http://schemas.microsoft.com/office/powerpoint/2010/main" val="1996236154"/>
+      </p:ext>
+    </p:extLst>
+  </p:cSld>
+  <p:clrMapOvr>
+    <a:masterClrMapping/>
+  </p:clrMapOvr>
+</p:sld>
+</file>
+
+<file path=ppt/slides/slide39.xml><?xml version="1.0" encoding="utf-8"?>
+<p:sld xmlns:a="http://schemas.openxmlformats.org/drawingml/2006/main" xmlns:r="http://schemas.openxmlformats.org/officeDocument/2006/relationships" xmlns:p="http://schemas.openxmlformats.org/presentationml/2006/main">
+  <p:cSld>
+    <p:spTree>
+      <p:nvGrpSpPr>
+        <p:cNvPr id="1" name=""/>
+        <p:cNvGrpSpPr/>
+        <p:nvPr/>
+      </p:nvGrpSpPr>
+      <p:grpSpPr>
+        <a:xfrm>
+          <a:off x="0" y="0"/>
+          <a:ext cx="0" cy="0"/>
+          <a:chOff x="0" y="0"/>
+          <a:chExt cx="0" cy="0"/>
+        </a:xfrm>
+      </p:grpSpPr>
+      <p:pic>
+        <p:nvPicPr>
+          <p:cNvPr id="3" name="図 2"/>
+          <p:cNvPicPr>
+            <a:picLocks noChangeAspect="1"/>
+          </p:cNvPicPr>
+          <p:nvPr/>
+        </p:nvPicPr>
+        <p:blipFill>
+          <a:blip r:embed="rId2"/>
+          <a:stretch>
+            <a:fillRect/>
+          </a:stretch>
+        </p:blipFill>
+        <p:spPr>
+          <a:xfrm>
+            <a:off x="0" y="0"/>
+            <a:ext cx="12192000" cy="4719483"/>
+          </a:xfrm>
+          <a:prstGeom prst="rect">
+            <a:avLst/>
+          </a:prstGeom>
+        </p:spPr>
+      </p:pic>
+      <p:pic>
+        <p:nvPicPr>
+          <p:cNvPr id="1026" name="Picture 2" descr="芝の管理はどうするの？抑えておきたい基本のお手入れ | お庭から始まる豊かなグリーンライフ「庭サポ」"/>
+          <p:cNvPicPr>
+            <a:picLocks noChangeAspect="1" noChangeArrowheads="1"/>
+          </p:cNvPicPr>
+          <p:nvPr/>
+        </p:nvPicPr>
+        <p:blipFill>
+          <a:blip r:embed="rId3">
+            <a:extLst>
+              <a:ext uri="{28A0092B-C50C-407E-A947-70E740481C1C}">
+                <a14:useLocalDpi xmlns:a14="http://schemas.microsoft.com/office/drawing/2010/main" val="0"/>
+              </a:ext>
+            </a:extLst>
+          </a:blip>
+          <a:srcRect/>
+          <a:stretch>
+            <a:fillRect/>
+          </a:stretch>
+        </p:blipFill>
+        <p:spPr bwMode="auto">
+          <a:xfrm>
+            <a:off x="0" y="3639020"/>
+            <a:ext cx="12192000" cy="1125415"/>
+          </a:xfrm>
+          <a:prstGeom prst="rect">
+            <a:avLst/>
+          </a:prstGeom>
+          <a:noFill/>
+          <a:extLst>
+            <a:ext uri="{909E8E84-426E-40DD-AFC4-6F175D3DCCD1}">
+              <a14:hiddenFill xmlns:a14="http://schemas.microsoft.com/office/drawing/2010/main">
+                <a:solidFill>
+                  <a:srgbClr val="FFFFFF"/>
+                </a:solidFill>
+              </a14:hiddenFill>
+            </a:ext>
+          </a:extLst>
+        </p:spPr>
+      </p:pic>
+      <p:sp>
+        <p:nvSpPr>
+          <p:cNvPr id="4" name="正方形/長方形 3"/>
+          <p:cNvSpPr/>
+          <p:nvPr/>
+        </p:nvSpPr>
+        <p:spPr>
+          <a:xfrm>
+            <a:off x="0" y="4764435"/>
+            <a:ext cx="12191999" cy="2093565"/>
+          </a:xfrm>
+          <a:prstGeom prst="rect">
+            <a:avLst/>
+          </a:prstGeom>
+          <a:solidFill>
+            <a:schemeClr val="tx1"/>
+          </a:solidFill>
+        </p:spPr>
+        <p:style>
+          <a:lnRef idx="2">
+            <a:schemeClr val="accent1">
+              <a:shade val="50000"/>
+            </a:schemeClr>
+          </a:lnRef>
+          <a:fillRef idx="1">
+            <a:schemeClr val="accent1"/>
+          </a:fillRef>
+          <a:effectRef idx="0">
+            <a:schemeClr val="accent1"/>
+          </a:effectRef>
+          <a:fontRef idx="minor">
+            <a:schemeClr val="lt1"/>
+          </a:fontRef>
+        </p:style>
+        <p:txBody>
+          <a:bodyPr rtlCol="0" anchor="ctr"/>
+          <a:lstStyle/>
+          <a:p>
+            <a:pPr algn="ctr"/>
+            <a:endParaRPr kumimoji="1" lang="ja-JP" altLang="en-US"/>
+          </a:p>
+        </p:txBody>
+      </p:sp>
+      <p:sp>
+        <p:nvSpPr>
+          <p:cNvPr id="5" name="正方形/長方形 4"/>
+          <p:cNvSpPr/>
+          <p:nvPr/>
+        </p:nvSpPr>
+        <p:spPr>
+          <a:xfrm>
+            <a:off x="685800" y="5515187"/>
+            <a:ext cx="2145323" cy="1116623"/>
+          </a:xfrm>
+          <a:prstGeom prst="rect">
+            <a:avLst/>
+          </a:prstGeom>
+        </p:spPr>
+        <p:style>
+          <a:lnRef idx="2">
+            <a:schemeClr val="accent5">
+              <a:shade val="50000"/>
+            </a:schemeClr>
+          </a:lnRef>
+          <a:fillRef idx="1">
+            <a:schemeClr val="accent5"/>
+          </a:fillRef>
+          <a:effectRef idx="0">
+            <a:schemeClr val="accent5"/>
+          </a:effectRef>
+          <a:fontRef idx="minor">
+            <a:schemeClr val="lt1"/>
+          </a:fontRef>
+        </p:style>
+        <p:txBody>
+          <a:bodyPr rtlCol="0" anchor="ctr"/>
+          <a:lstStyle/>
+          <a:p>
+            <a:pPr algn="ctr"/>
+            <a:r>
+              <a:rPr kumimoji="1" lang="ja-JP" altLang="en-US" sz="6600" b="1" dirty="0" smtClean="0">
+                <a:ln>
+                  <a:solidFill>
+                    <a:sysClr val="windowText" lastClr="000000"/>
+                  </a:solidFill>
+                </a:ln>
+              </a:rPr>
+              <a:t>１</a:t>
+            </a:r>
+            <a:r>
+              <a:rPr kumimoji="1" lang="en-US" altLang="ja-JP" sz="6600" b="1" dirty="0" smtClean="0">
+                <a:ln>
+                  <a:solidFill>
+                    <a:sysClr val="windowText" lastClr="000000"/>
+                  </a:solidFill>
+                </a:ln>
+              </a:rPr>
+              <a:t>P</a:t>
+            </a:r>
+            <a:endParaRPr kumimoji="1" lang="ja-JP" altLang="en-US" sz="6600" b="1" dirty="0">
+              <a:ln>
+                <a:solidFill>
+                  <a:sysClr val="windowText" lastClr="000000"/>
+                </a:solidFill>
+              </a:ln>
+            </a:endParaRPr>
+          </a:p>
+        </p:txBody>
+      </p:sp>
+      <p:sp>
+        <p:nvSpPr>
+          <p:cNvPr id="11" name="正方形/長方形 10"/>
+          <p:cNvSpPr/>
+          <p:nvPr/>
+        </p:nvSpPr>
+        <p:spPr>
+          <a:xfrm>
+            <a:off x="3845169" y="5515187"/>
+            <a:ext cx="2145323" cy="1116623"/>
+          </a:xfrm>
+          <a:prstGeom prst="rect">
+            <a:avLst/>
+          </a:prstGeom>
+          <a:solidFill>
+            <a:srgbClr val="FF0000"/>
+          </a:solidFill>
+        </p:spPr>
+        <p:style>
+          <a:lnRef idx="2">
+            <a:schemeClr val="accent1">
+              <a:shade val="50000"/>
+            </a:schemeClr>
+          </a:lnRef>
+          <a:fillRef idx="1">
+            <a:schemeClr val="accent1"/>
+          </a:fillRef>
+          <a:effectRef idx="0">
+            <a:schemeClr val="accent1"/>
+          </a:effectRef>
+          <a:fontRef idx="minor">
+            <a:schemeClr val="lt1"/>
+          </a:fontRef>
+        </p:style>
+        <p:txBody>
+          <a:bodyPr rtlCol="0" anchor="ctr"/>
+          <a:lstStyle/>
+          <a:p>
+            <a:pPr algn="ctr"/>
+            <a:r>
+              <a:rPr kumimoji="1" lang="ja-JP" altLang="en-US" sz="6600" b="1" dirty="0" smtClean="0">
+                <a:ln>
+                  <a:solidFill>
+                    <a:sysClr val="windowText" lastClr="000000"/>
+                  </a:solidFill>
+                </a:ln>
+              </a:rPr>
+              <a:t>２</a:t>
+            </a:r>
+            <a:r>
+              <a:rPr kumimoji="1" lang="en-US" altLang="ja-JP" sz="6600" b="1" dirty="0" smtClean="0">
+                <a:ln>
+                  <a:solidFill>
+                    <a:sysClr val="windowText" lastClr="000000"/>
+                  </a:solidFill>
+                </a:ln>
+              </a:rPr>
+              <a:t>P</a:t>
+            </a:r>
+            <a:endParaRPr kumimoji="1" lang="ja-JP" altLang="en-US" sz="6600" b="1" dirty="0">
+              <a:ln>
+                <a:solidFill>
+                  <a:sysClr val="windowText" lastClr="000000"/>
+                </a:solidFill>
+              </a:ln>
+            </a:endParaRPr>
+          </a:p>
+        </p:txBody>
+      </p:sp>
+      <p:sp>
+        <p:nvSpPr>
+          <p:cNvPr id="12" name="正方形/長方形 11"/>
+          <p:cNvSpPr/>
+          <p:nvPr/>
+        </p:nvSpPr>
+        <p:spPr>
+          <a:xfrm>
+            <a:off x="6790592" y="5515187"/>
+            <a:ext cx="2145323" cy="1116623"/>
+          </a:xfrm>
+          <a:prstGeom prst="rect">
+            <a:avLst/>
+          </a:prstGeom>
+          <a:solidFill>
+            <a:srgbClr val="92D050"/>
+          </a:solidFill>
+        </p:spPr>
+        <p:style>
+          <a:lnRef idx="2">
+            <a:schemeClr val="accent1">
+              <a:shade val="50000"/>
+            </a:schemeClr>
+          </a:lnRef>
+          <a:fillRef idx="1">
+            <a:schemeClr val="accent1"/>
+          </a:fillRef>
+          <a:effectRef idx="0">
+            <a:schemeClr val="accent1"/>
+          </a:effectRef>
+          <a:fontRef idx="minor">
+            <a:schemeClr val="lt1"/>
+          </a:fontRef>
+        </p:style>
+        <p:txBody>
+          <a:bodyPr rtlCol="0" anchor="ctr"/>
+          <a:lstStyle/>
+          <a:p>
+            <a:pPr algn="ctr"/>
+            <a:r>
+              <a:rPr kumimoji="1" lang="ja-JP" altLang="en-US" sz="6600" b="1" dirty="0" smtClean="0">
+                <a:ln>
+                  <a:solidFill>
+                    <a:sysClr val="windowText" lastClr="000000"/>
+                  </a:solidFill>
+                </a:ln>
+              </a:rPr>
+              <a:t>３</a:t>
+            </a:r>
+            <a:r>
+              <a:rPr kumimoji="1" lang="en-US" altLang="ja-JP" sz="6600" b="1" dirty="0" smtClean="0">
+                <a:ln>
+                  <a:solidFill>
+                    <a:sysClr val="windowText" lastClr="000000"/>
+                  </a:solidFill>
+                </a:ln>
+              </a:rPr>
+              <a:t>P</a:t>
+            </a:r>
+            <a:endParaRPr kumimoji="1" lang="ja-JP" altLang="en-US" sz="6600" b="1" dirty="0">
+              <a:ln>
+                <a:solidFill>
+                  <a:sysClr val="windowText" lastClr="000000"/>
+                </a:solidFill>
+              </a:ln>
+            </a:endParaRPr>
+          </a:p>
+        </p:txBody>
+      </p:sp>
+      <p:sp>
+        <p:nvSpPr>
+          <p:cNvPr id="13" name="正方形/長方形 12"/>
+          <p:cNvSpPr/>
+          <p:nvPr/>
+        </p:nvSpPr>
+        <p:spPr>
+          <a:xfrm>
+            <a:off x="9571892" y="5515187"/>
+            <a:ext cx="2145323" cy="1116623"/>
+          </a:xfrm>
+          <a:prstGeom prst="rect">
+            <a:avLst/>
+          </a:prstGeom>
+          <a:solidFill>
+            <a:schemeClr val="accent4">
+              <a:lumMod val="60000"/>
+              <a:lumOff val="40000"/>
+            </a:schemeClr>
+          </a:solidFill>
+        </p:spPr>
+        <p:style>
+          <a:lnRef idx="2">
+            <a:schemeClr val="accent1">
+              <a:shade val="50000"/>
+            </a:schemeClr>
+          </a:lnRef>
+          <a:fillRef idx="1">
+            <a:schemeClr val="accent1"/>
+          </a:fillRef>
+          <a:effectRef idx="0">
+            <a:schemeClr val="accent1"/>
+          </a:effectRef>
+          <a:fontRef idx="minor">
+            <a:schemeClr val="lt1"/>
+          </a:fontRef>
+        </p:style>
+        <p:txBody>
+          <a:bodyPr rtlCol="0" anchor="ctr"/>
+          <a:lstStyle/>
+          <a:p>
+            <a:pPr algn="ctr"/>
+            <a:r>
+              <a:rPr kumimoji="1" lang="ja-JP" altLang="en-US" sz="6600" b="1" dirty="0" smtClean="0">
+                <a:ln>
+                  <a:solidFill>
+                    <a:sysClr val="windowText" lastClr="000000"/>
+                  </a:solidFill>
+                </a:ln>
+              </a:rPr>
+              <a:t>４</a:t>
+            </a:r>
+            <a:r>
+              <a:rPr kumimoji="1" lang="en-US" altLang="ja-JP" sz="6600" b="1" dirty="0" smtClean="0">
+                <a:ln>
+                  <a:solidFill>
+                    <a:sysClr val="windowText" lastClr="000000"/>
+                  </a:solidFill>
+                </a:ln>
+              </a:rPr>
+              <a:t>P</a:t>
+            </a:r>
+            <a:endParaRPr kumimoji="1" lang="ja-JP" altLang="en-US" sz="6600" b="1" dirty="0">
+              <a:ln>
+                <a:solidFill>
+                  <a:sysClr val="windowText" lastClr="000000"/>
+                </a:solidFill>
+              </a:ln>
+            </a:endParaRPr>
+          </a:p>
+        </p:txBody>
+      </p:sp>
+      <p:sp>
+        <p:nvSpPr>
+          <p:cNvPr id="2" name="テキスト ボックス 1"/>
+          <p:cNvSpPr txBox="1"/>
+          <p:nvPr/>
+        </p:nvSpPr>
+        <p:spPr>
+          <a:xfrm>
+            <a:off x="0" y="4842148"/>
+            <a:ext cx="1688122" cy="646331"/>
+          </a:xfrm>
+          <a:prstGeom prst="rect">
+            <a:avLst/>
+          </a:prstGeom>
+          <a:solidFill>
+            <a:schemeClr val="bg1"/>
+          </a:solidFill>
+        </p:spPr>
+        <p:txBody>
+          <a:bodyPr wrap="square" rtlCol="0">
+            <a:spAutoFit/>
+          </a:bodyPr>
+          <a:lstStyle/>
+          <a:p>
+            <a:pPr algn="ctr"/>
+            <a:r>
+              <a:rPr kumimoji="1" lang="ja-JP" altLang="en-US" sz="3600" b="1" dirty="0" smtClean="0"/>
+              <a:t>画面外</a:t>
+            </a:r>
+            <a:endParaRPr kumimoji="1" lang="ja-JP" altLang="en-US" sz="3600" b="1" dirty="0"/>
+          </a:p>
+        </p:txBody>
+      </p:sp>
+    </p:spTree>
+    <p:extLst>
+      <p:ext uri="{BB962C8B-B14F-4D97-AF65-F5344CB8AC3E}">
+        <p14:creationId xmlns:p14="http://schemas.microsoft.com/office/powerpoint/2010/main" val="2759547723"/>
+      </p:ext>
+    </p:extLst>
+  </p:cSld>
+  <p:clrMapOvr>
+    <a:masterClrMapping/>
+  </p:clrMapOvr>
+  <mc:AlternateContent xmlns:mc="http://schemas.openxmlformats.org/markup-compatibility/2006" xmlns:p14="http://schemas.microsoft.com/office/powerpoint/2010/main">
+    <mc:Choice Requires="p14">
+      <p:transition spd="slow" p14:dur="2000"/>
+    </mc:Choice>
+    <mc:Fallback xmlns="">
+      <p:transition spd="slow"/>
+    </mc:Fallback>
+  </mc:AlternateContent>
+  <p:timing>
+    <p:tnLst>
+      <p:par>
+        <p:cTn id="1" dur="indefinite" restart="never" nodeType="tmRoot"/>
+      </p:par>
+    </p:tnLst>
+  </p:timing>
+</p:sld>
+</file>
+
+<file path=ppt/slides/slide4.xml><?xml version="1.0" encoding="utf-8"?>
+<p:sld xmlns:a="http://schemas.openxmlformats.org/drawingml/2006/main" xmlns:r="http://schemas.openxmlformats.org/officeDocument/2006/relationships" xmlns:p="http://schemas.openxmlformats.org/presentationml/2006/main" show="0">
+  <p:cSld>
+    <p:spTree>
+      <p:nvGrpSpPr>
+        <p:cNvPr id="1" name=""/>
+        <p:cNvGrpSpPr/>
+        <p:nvPr/>
+      </p:nvGrpSpPr>
+      <p:grpSpPr>
+        <a:xfrm>
+          <a:off x="0" y="0"/>
+          <a:ext cx="0" cy="0"/>
+          <a:chOff x="0" y="0"/>
+          <a:chExt cx="0" cy="0"/>
+        </a:xfrm>
+      </p:grpSpPr>
+      <p:sp>
+        <p:nvSpPr>
+          <p:cNvPr id="2" name="タイトル 1"/>
+          <p:cNvSpPr>
+            <a:spLocks noGrp="1"/>
+          </p:cNvSpPr>
+          <p:nvPr>
+            <p:ph type="title"/>
+          </p:nvPr>
+        </p:nvSpPr>
+        <p:spPr>
+          <a:xfrm>
+            <a:off x="908538" y="2519241"/>
+            <a:ext cx="10515600" cy="1325563"/>
+          </a:xfrm>
+        </p:spPr>
+        <p:txBody>
+          <a:bodyPr>
+            <a:normAutofit/>
+          </a:bodyPr>
+          <a:lstStyle/>
+          <a:p>
+            <a:pPr algn="ctr"/>
+            <a:r>
+              <a:rPr kumimoji="1" lang="ja-JP" altLang="en-US" sz="8800" b="1" dirty="0" smtClean="0"/>
+              <a:t>タイトル画面の案</a:t>
+            </a:r>
+            <a:endParaRPr kumimoji="1" lang="ja-JP" altLang="en-US" sz="8800" b="1" dirty="0"/>
+          </a:p>
+        </p:txBody>
+      </p:sp>
+      <p:sp>
+        <p:nvSpPr>
+          <p:cNvPr id="3" name="テキスト ボックス 2"/>
+          <p:cNvSpPr txBox="1"/>
+          <p:nvPr/>
+        </p:nvSpPr>
+        <p:spPr>
+          <a:xfrm>
+            <a:off x="3253154" y="3844804"/>
+            <a:ext cx="5512777" cy="369332"/>
+          </a:xfrm>
+          <a:prstGeom prst="rect">
+            <a:avLst/>
+          </a:prstGeom>
+          <a:noFill/>
+        </p:spPr>
+        <p:txBody>
+          <a:bodyPr wrap="square" rtlCol="0">
+            <a:spAutoFit/>
+          </a:bodyPr>
+          <a:lstStyle/>
+          <a:p>
+            <a:pPr algn="ctr"/>
+            <a:r>
+              <a:rPr kumimoji="1" lang="ja-JP" altLang="en-US" dirty="0" smtClean="0"/>
+              <a:t>案５</a:t>
+            </a:r>
+            <a:r>
+              <a:rPr lang="ja-JP" altLang="en-US" dirty="0" smtClean="0"/>
+              <a:t>まであるよ</a:t>
+            </a:r>
+            <a:endParaRPr kumimoji="1" lang="ja-JP" altLang="en-US" dirty="0"/>
+          </a:p>
+        </p:txBody>
+      </p:sp>
+      <p:sp>
+        <p:nvSpPr>
+          <p:cNvPr id="4" name="テキスト ボックス 3"/>
+          <p:cNvSpPr txBox="1"/>
+          <p:nvPr/>
+        </p:nvSpPr>
+        <p:spPr>
+          <a:xfrm>
+            <a:off x="3253153" y="4331311"/>
+            <a:ext cx="5512777" cy="369332"/>
+          </a:xfrm>
+          <a:prstGeom prst="rect">
+            <a:avLst/>
+          </a:prstGeom>
+          <a:noFill/>
+        </p:spPr>
+        <p:txBody>
+          <a:bodyPr wrap="square" rtlCol="0">
+            <a:spAutoFit/>
+          </a:bodyPr>
+          <a:lstStyle/>
+          <a:p>
+            <a:pPr algn="ctr"/>
+            <a:r>
+              <a:rPr kumimoji="1" lang="ja-JP" altLang="en-US" dirty="0" smtClean="0"/>
+              <a:t>なんとなくの流れ</a:t>
+            </a:r>
+            <a:endParaRPr kumimoji="1" lang="ja-JP" altLang="en-US" dirty="0"/>
+          </a:p>
+        </p:txBody>
+      </p:sp>
+    </p:spTree>
+    <p:extLst>
+      <p:ext uri="{BB962C8B-B14F-4D97-AF65-F5344CB8AC3E}">
+        <p14:creationId xmlns:p14="http://schemas.microsoft.com/office/powerpoint/2010/main" val="2129242908"/>
+      </p:ext>
+    </p:extLst>
+  </p:cSld>
+  <p:clrMapOvr>
+    <a:masterClrMapping/>
+  </p:clrMapOvr>
+  <mc:AlternateContent xmlns:mc="http://schemas.openxmlformats.org/markup-compatibility/2006" xmlns:p14="http://schemas.microsoft.com/office/powerpoint/2010/main">
+    <mc:Choice Requires="p14">
+      <p:transition spd="slow" p14:dur="2000"/>
+    </mc:Choice>
+    <mc:Fallback xmlns="">
+      <p:transition spd="slow"/>
+    </mc:Fallback>
+  </mc:AlternateContent>
+  <p:timing>
+    <p:tnLst>
+      <p:par>
+        <p:cTn id="1" dur="indefinite" restart="never" nodeType="tmRoot"/>
+      </p:par>
+    </p:tnLst>
+  </p:timing>
+</p:sld>
+</file>
+
+<file path=ppt/slides/slide40.xml><?xml version="1.0" encoding="utf-8"?>
+<p:sld xmlns:a="http://schemas.openxmlformats.org/drawingml/2006/main" xmlns:r="http://schemas.openxmlformats.org/officeDocument/2006/relationships" xmlns:p="http://schemas.openxmlformats.org/presentationml/2006/main">
+  <p:cSld>
+    <p:spTree>
+      <p:nvGrpSpPr>
+        <p:cNvPr id="1" name=""/>
+        <p:cNvGrpSpPr/>
+        <p:nvPr/>
+      </p:nvGrpSpPr>
+      <p:grpSpPr>
+        <a:xfrm>
+          <a:off x="0" y="0"/>
+          <a:ext cx="0" cy="0"/>
+          <a:chOff x="0" y="0"/>
+          <a:chExt cx="0" cy="0"/>
+        </a:xfrm>
+      </p:grpSpPr>
+      <p:sp>
+        <p:nvSpPr>
+          <p:cNvPr id="2" name="タイトル 1"/>
+          <p:cNvSpPr>
+            <a:spLocks noGrp="1"/>
+          </p:cNvSpPr>
+          <p:nvPr>
+            <p:ph type="title"/>
+          </p:nvPr>
+        </p:nvSpPr>
+        <p:spPr/>
+        <p:txBody>
+          <a:bodyPr/>
+          <a:lstStyle/>
+          <a:p>
+            <a:r>
+              <a:rPr kumimoji="1" lang="ja-JP" altLang="en-US" dirty="0" smtClean="0"/>
+              <a:t>カメラの動き</a:t>
+            </a:r>
+            <a:endParaRPr kumimoji="1" lang="ja-JP" altLang="en-US" dirty="0"/>
+          </a:p>
+        </p:txBody>
+      </p:sp>
+      <p:pic>
+        <p:nvPicPr>
+          <p:cNvPr id="8" name="図 7"/>
+          <p:cNvPicPr>
+            <a:picLocks noChangeAspect="1"/>
+          </p:cNvPicPr>
+          <p:nvPr/>
+        </p:nvPicPr>
+        <p:blipFill rotWithShape="1">
+          <a:blip r:embed="rId2"/>
+          <a:srcRect l="9298" t="21520" r="10789" b="20761"/>
+          <a:stretch/>
+        </p:blipFill>
+        <p:spPr>
+          <a:xfrm>
+            <a:off x="8625254" y="2283625"/>
+            <a:ext cx="1644161" cy="1187550"/>
+          </a:xfrm>
+          <a:prstGeom prst="rect">
+            <a:avLst/>
+          </a:prstGeom>
+        </p:spPr>
+      </p:pic>
+      <p:sp>
+        <p:nvSpPr>
+          <p:cNvPr id="9" name="左矢印 8"/>
+          <p:cNvSpPr/>
+          <p:nvPr/>
+        </p:nvSpPr>
+        <p:spPr>
+          <a:xfrm rot="20183171">
+            <a:off x="6994421" y="2934843"/>
+            <a:ext cx="1547446" cy="1213338"/>
+          </a:xfrm>
+          <a:prstGeom prst="leftArrow">
+            <a:avLst/>
+          </a:prstGeom>
+        </p:spPr>
+        <p:style>
+          <a:lnRef idx="2">
+            <a:schemeClr val="accent1">
+              <a:shade val="50000"/>
+            </a:schemeClr>
+          </a:lnRef>
+          <a:fillRef idx="1">
+            <a:schemeClr val="accent1"/>
+          </a:fillRef>
+          <a:effectRef idx="0">
+            <a:schemeClr val="accent1"/>
+          </a:effectRef>
+          <a:fontRef idx="minor">
+            <a:schemeClr val="lt1"/>
+          </a:fontRef>
+        </p:style>
+        <p:txBody>
+          <a:bodyPr rtlCol="0" anchor="ctr"/>
+          <a:lstStyle/>
+          <a:p>
+            <a:pPr algn="ctr"/>
+            <a:endParaRPr kumimoji="1" lang="ja-JP" altLang="en-US"/>
+          </a:p>
+        </p:txBody>
+      </p:sp>
+      <p:sp>
+        <p:nvSpPr>
+          <p:cNvPr id="10" name="角丸四角形 9"/>
+          <p:cNvSpPr/>
+          <p:nvPr/>
+        </p:nvSpPr>
+        <p:spPr>
+          <a:xfrm>
+            <a:off x="1969477" y="2283625"/>
+            <a:ext cx="3209193" cy="1415561"/>
+          </a:xfrm>
+          <a:prstGeom prst="roundRect">
+            <a:avLst/>
+          </a:prstGeom>
+        </p:spPr>
+        <p:style>
+          <a:lnRef idx="2">
+            <a:schemeClr val="dk1">
+              <a:shade val="50000"/>
+            </a:schemeClr>
+          </a:lnRef>
+          <a:fillRef idx="1">
+            <a:schemeClr val="dk1"/>
+          </a:fillRef>
+          <a:effectRef idx="0">
+            <a:schemeClr val="dk1"/>
+          </a:effectRef>
+          <a:fontRef idx="minor">
+            <a:schemeClr val="lt1"/>
+          </a:fontRef>
+        </p:style>
+        <p:txBody>
+          <a:bodyPr rtlCol="0" anchor="ctr"/>
+          <a:lstStyle/>
+          <a:p>
+            <a:pPr algn="ctr"/>
+            <a:r>
+              <a:rPr kumimoji="1" lang="ja-JP" altLang="en-US" sz="3600" b="1" dirty="0" smtClean="0"/>
+              <a:t>タイトル</a:t>
+            </a:r>
+            <a:endParaRPr kumimoji="1" lang="ja-JP" altLang="en-US" sz="3600" b="1" dirty="0"/>
+          </a:p>
+        </p:txBody>
+      </p:sp>
+      <p:sp>
+        <p:nvSpPr>
+          <p:cNvPr id="11" name="角丸四角形 10"/>
+          <p:cNvSpPr/>
+          <p:nvPr/>
+        </p:nvSpPr>
+        <p:spPr>
+          <a:xfrm>
+            <a:off x="559777" y="2186910"/>
+            <a:ext cx="1078524" cy="3659975"/>
+          </a:xfrm>
+          <a:prstGeom prst="roundRect">
+            <a:avLst/>
+          </a:prstGeom>
+        </p:spPr>
+        <p:style>
+          <a:lnRef idx="2">
+            <a:schemeClr val="accent1">
+              <a:shade val="50000"/>
+            </a:schemeClr>
+          </a:lnRef>
+          <a:fillRef idx="1">
+            <a:schemeClr val="accent1"/>
+          </a:fillRef>
+          <a:effectRef idx="0">
+            <a:schemeClr val="accent1"/>
+          </a:effectRef>
+          <a:fontRef idx="minor">
+            <a:schemeClr val="lt1"/>
+          </a:fontRef>
+        </p:style>
+        <p:txBody>
+          <a:bodyPr rtlCol="0" anchor="ctr"/>
+          <a:lstStyle/>
+          <a:p>
+            <a:pPr algn="ctr"/>
+            <a:r>
+              <a:rPr kumimoji="1" lang="ja-JP" altLang="en-US" sz="3600" b="1" dirty="0" smtClean="0"/>
+              <a:t>背景</a:t>
+            </a:r>
+            <a:endParaRPr kumimoji="1" lang="ja-JP" altLang="en-US" sz="3600" b="1" dirty="0"/>
+          </a:p>
+        </p:txBody>
+      </p:sp>
+      <p:sp>
+        <p:nvSpPr>
+          <p:cNvPr id="12" name="正方形/長方形 11"/>
+          <p:cNvSpPr/>
+          <p:nvPr/>
+        </p:nvSpPr>
+        <p:spPr>
+          <a:xfrm>
+            <a:off x="1019908" y="5917223"/>
+            <a:ext cx="5715000" cy="580292"/>
+          </a:xfrm>
+          <a:prstGeom prst="rect">
+            <a:avLst/>
+          </a:prstGeom>
+          <a:gradFill>
+            <a:gsLst>
+              <a:gs pos="0">
+                <a:srgbClr val="00B050"/>
+              </a:gs>
+              <a:gs pos="78000">
+                <a:schemeClr val="accent2">
+                  <a:lumMod val="40000"/>
+                  <a:lumOff val="60000"/>
+                </a:schemeClr>
+              </a:gs>
+              <a:gs pos="73000">
+                <a:srgbClr val="DAC8A2"/>
+              </a:gs>
+              <a:gs pos="62000">
+                <a:srgbClr val="A9C28F"/>
+              </a:gs>
+              <a:gs pos="85000">
+                <a:schemeClr val="accent2">
+                  <a:lumMod val="60000"/>
+                  <a:lumOff val="40000"/>
+                </a:schemeClr>
+              </a:gs>
+              <a:gs pos="100000">
+                <a:schemeClr val="accent2">
+                  <a:lumMod val="75000"/>
+                </a:schemeClr>
+              </a:gs>
+            </a:gsLst>
+            <a:lin ang="5400000" scaled="1"/>
+          </a:gradFill>
+        </p:spPr>
+        <p:style>
+          <a:lnRef idx="2">
+            <a:schemeClr val="accent6">
+              <a:shade val="50000"/>
+            </a:schemeClr>
+          </a:lnRef>
+          <a:fillRef idx="1">
+            <a:schemeClr val="accent6"/>
+          </a:fillRef>
+          <a:effectRef idx="0">
+            <a:schemeClr val="accent6"/>
+          </a:effectRef>
+          <a:fontRef idx="minor">
+            <a:schemeClr val="lt1"/>
+          </a:fontRef>
+        </p:style>
+        <p:txBody>
+          <a:bodyPr rtlCol="0" anchor="ctr"/>
+          <a:lstStyle/>
+          <a:p>
+            <a:pPr algn="ctr"/>
+            <a:r>
+              <a:rPr kumimoji="1" lang="ja-JP" altLang="en-US" sz="2400" b="1" dirty="0" smtClean="0">
+                <a:solidFill>
+                  <a:schemeClr val="accent2"/>
+                </a:solidFill>
+              </a:rPr>
+              <a:t>地面</a:t>
+            </a:r>
+            <a:endParaRPr kumimoji="1" lang="ja-JP" altLang="en-US" sz="2400" b="1" dirty="0">
+              <a:solidFill>
+                <a:schemeClr val="accent2"/>
+              </a:solidFill>
+            </a:endParaRPr>
+          </a:p>
+        </p:txBody>
+      </p:sp>
+      <p:sp>
+        <p:nvSpPr>
+          <p:cNvPr id="3" name="正方形/長方形 2"/>
+          <p:cNvSpPr/>
+          <p:nvPr/>
+        </p:nvSpPr>
+        <p:spPr>
+          <a:xfrm>
+            <a:off x="5734740" y="5392336"/>
+            <a:ext cx="1081454" cy="580292"/>
+          </a:xfrm>
+          <a:prstGeom prst="rect">
+            <a:avLst/>
+          </a:prstGeom>
+          <a:ln>
+            <a:solidFill>
+              <a:schemeClr val="tx1"/>
+            </a:solidFill>
+          </a:ln>
+        </p:spPr>
+        <p:style>
+          <a:lnRef idx="3">
+            <a:schemeClr val="lt1"/>
+          </a:lnRef>
+          <a:fillRef idx="1">
+            <a:schemeClr val="accent4"/>
+          </a:fillRef>
+          <a:effectRef idx="1">
+            <a:schemeClr val="accent4"/>
+          </a:effectRef>
+          <a:fontRef idx="minor">
+            <a:schemeClr val="lt1"/>
+          </a:fontRef>
+        </p:style>
+        <p:txBody>
+          <a:bodyPr rtlCol="0" anchor="ctr"/>
+          <a:lstStyle/>
+          <a:p>
+            <a:pPr algn="ctr"/>
+            <a:r>
+              <a:rPr kumimoji="1" lang="ja-JP" altLang="en-US" sz="2400" b="1" dirty="0" smtClean="0">
+                <a:solidFill>
+                  <a:sysClr val="windowText" lastClr="000000"/>
+                </a:solidFill>
+              </a:rPr>
+              <a:t>車</a:t>
+            </a:r>
+            <a:endParaRPr kumimoji="1" lang="ja-JP" altLang="en-US" sz="2400" b="1" dirty="0">
+              <a:solidFill>
+                <a:sysClr val="windowText" lastClr="000000"/>
+              </a:solidFill>
+            </a:endParaRPr>
+          </a:p>
+        </p:txBody>
+      </p:sp>
+    </p:spTree>
+    <p:extLst>
+      <p:ext uri="{BB962C8B-B14F-4D97-AF65-F5344CB8AC3E}">
+        <p14:creationId xmlns:p14="http://schemas.microsoft.com/office/powerpoint/2010/main" val="590360389"/>
+      </p:ext>
+    </p:extLst>
+  </p:cSld>
+  <p:clrMapOvr>
+    <a:masterClrMapping/>
+  </p:clrMapOvr>
+</p:sld>
+</file>
+
+<file path=ppt/slides/slide41.xml><?xml version="1.0" encoding="utf-8"?>
+<p:sld xmlns:a="http://schemas.openxmlformats.org/drawingml/2006/main" xmlns:r="http://schemas.openxmlformats.org/officeDocument/2006/relationships" xmlns:p="http://schemas.openxmlformats.org/presentationml/2006/main" show="0">
   <p:cSld>
     <p:spTree>
       <p:nvGrpSpPr>
@@ -20223,8 +23142,8 @@
 </p:sld>
 </file>
 
-<file path=ppt/slides/slide35.xml><?xml version="1.0" encoding="utf-8"?>
-<p:sld xmlns:a="http://schemas.openxmlformats.org/drawingml/2006/main" xmlns:r="http://schemas.openxmlformats.org/officeDocument/2006/relationships" xmlns:p="http://schemas.openxmlformats.org/presentationml/2006/main">
+<file path=ppt/slides/slide42.xml><?xml version="1.0" encoding="utf-8"?>
+<p:sld xmlns:a="http://schemas.openxmlformats.org/drawingml/2006/main" xmlns:r="http://schemas.openxmlformats.org/officeDocument/2006/relationships" xmlns:p="http://schemas.openxmlformats.org/presentationml/2006/main" show="0">
   <p:cSld>
     <p:spTree>
       <p:nvGrpSpPr>
@@ -21713,148 +24632,6 @@
       <p:bldP spid="5" grpId="0" animBg="1"/>
       <p:bldP spid="7" grpId="0" animBg="1"/>
     </p:bldLst>
-  </p:timing>
-</p:sld>
-</file>
-
-<file path=ppt/slides/slide4.xml><?xml version="1.0" encoding="utf-8"?>
-<p:sld xmlns:a="http://schemas.openxmlformats.org/drawingml/2006/main" xmlns:r="http://schemas.openxmlformats.org/officeDocument/2006/relationships" xmlns:p="http://schemas.openxmlformats.org/presentationml/2006/main" show="0">
-  <p:cSld>
-    <p:spTree>
-      <p:nvGrpSpPr>
-        <p:cNvPr id="1" name=""/>
-        <p:cNvGrpSpPr/>
-        <p:nvPr/>
-      </p:nvGrpSpPr>
-      <p:grpSpPr>
-        <a:xfrm>
-          <a:off x="0" y="0"/>
-          <a:ext cx="0" cy="0"/>
-          <a:chOff x="0" y="0"/>
-          <a:chExt cx="0" cy="0"/>
-        </a:xfrm>
-      </p:grpSpPr>
-      <p:sp>
-        <p:nvSpPr>
-          <p:cNvPr id="2" name="タイトル 1"/>
-          <p:cNvSpPr>
-            <a:spLocks noGrp="1"/>
-          </p:cNvSpPr>
-          <p:nvPr>
-            <p:ph type="title"/>
-          </p:nvPr>
-        </p:nvSpPr>
-        <p:spPr>
-          <a:xfrm>
-            <a:off x="908538" y="2519241"/>
-            <a:ext cx="10515600" cy="1325563"/>
-          </a:xfrm>
-        </p:spPr>
-        <p:txBody>
-          <a:bodyPr>
-            <a:normAutofit/>
-          </a:bodyPr>
-          <a:lstStyle/>
-          <a:p>
-            <a:pPr algn="ctr"/>
-            <a:r>
-              <a:rPr kumimoji="1" lang="ja-JP" altLang="en-US" sz="8800" b="1" dirty="0" smtClean="0"/>
-              <a:t>タイトル画面の案</a:t>
-            </a:r>
-            <a:endParaRPr kumimoji="1" lang="ja-JP" altLang="en-US" sz="8800" b="1" dirty="0"/>
-          </a:p>
-        </p:txBody>
-      </p:sp>
-      <p:sp>
-        <p:nvSpPr>
-          <p:cNvPr id="3" name="テキスト ボックス 2"/>
-          <p:cNvSpPr txBox="1"/>
-          <p:nvPr/>
-        </p:nvSpPr>
-        <p:spPr>
-          <a:xfrm>
-            <a:off x="3253154" y="3844804"/>
-            <a:ext cx="5512777" cy="369332"/>
-          </a:xfrm>
-          <a:prstGeom prst="rect">
-            <a:avLst/>
-          </a:prstGeom>
-          <a:noFill/>
-        </p:spPr>
-        <p:txBody>
-          <a:bodyPr wrap="square" rtlCol="0">
-            <a:spAutoFit/>
-          </a:bodyPr>
-          <a:lstStyle/>
-          <a:p>
-            <a:pPr algn="ctr"/>
-            <a:r>
-              <a:rPr kumimoji="1" lang="ja-JP" altLang="en-US" dirty="0" smtClean="0"/>
-              <a:t>案５</a:t>
-            </a:r>
-            <a:r>
-              <a:rPr lang="ja-JP" altLang="en-US" dirty="0" smtClean="0"/>
-              <a:t>まであるよ</a:t>
-            </a:r>
-            <a:endParaRPr kumimoji="1" lang="ja-JP" altLang="en-US" dirty="0"/>
-          </a:p>
-        </p:txBody>
-      </p:sp>
-      <p:sp>
-        <p:nvSpPr>
-          <p:cNvPr id="4" name="テキスト ボックス 3"/>
-          <p:cNvSpPr txBox="1"/>
-          <p:nvPr/>
-        </p:nvSpPr>
-        <p:spPr>
-          <a:xfrm>
-            <a:off x="3253153" y="4331311"/>
-            <a:ext cx="5512777" cy="369332"/>
-          </a:xfrm>
-          <a:prstGeom prst="rect">
-            <a:avLst/>
-          </a:prstGeom>
-          <a:noFill/>
-        </p:spPr>
-        <p:txBody>
-          <a:bodyPr wrap="square" rtlCol="0">
-            <a:spAutoFit/>
-          </a:bodyPr>
-          <a:lstStyle/>
-          <a:p>
-            <a:pPr algn="ctr"/>
-            <a:r>
-              <a:rPr kumimoji="1" lang="ja-JP" altLang="en-US" dirty="0" smtClean="0"/>
-              <a:t>なんとなくの流れ</a:t>
-            </a:r>
-            <a:endParaRPr kumimoji="1" lang="ja-JP" altLang="en-US" dirty="0"/>
-          </a:p>
-        </p:txBody>
-      </p:sp>
-    </p:spTree>
-    <p:extLst>
-      <p:ext uri="{BB962C8B-B14F-4D97-AF65-F5344CB8AC3E}">
-        <p14:creationId xmlns:p14="http://schemas.microsoft.com/office/powerpoint/2010/main" val="2129242908"/>
-      </p:ext>
-    </p:extLst>
-  </p:cSld>
-  <p:clrMapOvr>
-    <a:masterClrMapping/>
-  </p:clrMapOvr>
-  <mc:AlternateContent xmlns:mc="http://schemas.openxmlformats.org/markup-compatibility/2006" xmlns:p14="http://schemas.microsoft.com/office/powerpoint/2010/main">
-    <mc:Choice Requires="p14">
-      <p:transition spd="slow" p14:dur="2000"/>
-    </mc:Choice>
-    <mc:Fallback xmlns="">
-      <p:transition spd="slow"/>
-    </mc:Fallback>
-  </mc:AlternateContent>
-  <p:timing>
-    <p:tnLst>
-      <p:par>
-        <p:cTn id="1" dur="indefinite" restart="never" nodeType="tmRoot"/>
-      </p:par>
-    </p:tnLst>
   </p:timing>
 </p:sld>
 </file>

--- a/卒業制作_大元タイトル構成.pptx
+++ b/卒業制作_大元タイトル構成.pptx
@@ -19836,6 +19836,49 @@
           </a:prstGeom>
         </p:spPr>
       </p:pic>
+      <p:sp>
+        <p:nvSpPr>
+          <p:cNvPr id="2" name="上矢印 1"/>
+          <p:cNvSpPr/>
+          <p:nvPr/>
+        </p:nvSpPr>
+        <p:spPr>
+          <a:xfrm>
+            <a:off x="5234754" y="60554"/>
+            <a:ext cx="1351201" cy="901700"/>
+          </a:xfrm>
+          <a:prstGeom prst="upArrow">
+            <a:avLst/>
+          </a:prstGeom>
+          <a:ln w="76200">
+            <a:solidFill>
+              <a:srgbClr val="CC00FF"/>
+            </a:solidFill>
+          </a:ln>
+        </p:spPr>
+        <p:style>
+          <a:lnRef idx="1">
+            <a:schemeClr val="accent4"/>
+          </a:lnRef>
+          <a:fillRef idx="2">
+            <a:schemeClr val="accent4"/>
+          </a:fillRef>
+          <a:effectRef idx="1">
+            <a:schemeClr val="accent4"/>
+          </a:effectRef>
+          <a:fontRef idx="minor">
+            <a:schemeClr val="dk1"/>
+          </a:fontRef>
+        </p:style>
+        <p:txBody>
+          <a:bodyPr rtlCol="0" anchor="ctr"/>
+          <a:lstStyle/>
+          <a:p>
+            <a:pPr algn="ctr"/>
+            <a:endParaRPr kumimoji="1" lang="ja-JP" altLang="en-US"/>
+          </a:p>
+        </p:txBody>
+      </p:sp>
       <p:pic>
         <p:nvPicPr>
           <p:cNvPr id="16" name="図 15"/>
@@ -19933,44 +19976,6 @@
                 <a:srgbClr val="FF00FF"/>
               </a:solidFill>
             </a:endParaRPr>
-          </a:p>
-        </p:txBody>
-      </p:sp>
-      <p:sp>
-        <p:nvSpPr>
-          <p:cNvPr id="2" name="上矢印 1"/>
-          <p:cNvSpPr/>
-          <p:nvPr/>
-        </p:nvSpPr>
-        <p:spPr>
-          <a:xfrm>
-            <a:off x="5029201" y="-151405"/>
-            <a:ext cx="1696915" cy="1063869"/>
-          </a:xfrm>
-          <a:prstGeom prst="upArrow">
-            <a:avLst/>
-          </a:prstGeom>
-        </p:spPr>
-        <p:style>
-          <a:lnRef idx="1">
-            <a:schemeClr val="accent4"/>
-          </a:lnRef>
-          <a:fillRef idx="2">
-            <a:schemeClr val="accent4"/>
-          </a:fillRef>
-          <a:effectRef idx="1">
-            <a:schemeClr val="accent4"/>
-          </a:effectRef>
-          <a:fontRef idx="minor">
-            <a:schemeClr val="dk1"/>
-          </a:fontRef>
-        </p:style>
-        <p:txBody>
-          <a:bodyPr rtlCol="0" anchor="ctr"/>
-          <a:lstStyle/>
-          <a:p>
-            <a:pPr algn="ctr"/>
-            <a:endParaRPr kumimoji="1" lang="ja-JP" altLang="en-US"/>
           </a:p>
         </p:txBody>
       </p:sp>
@@ -20122,7 +20127,7 @@
         </p:blipFill>
         <p:spPr bwMode="auto">
           <a:xfrm>
-            <a:off x="0" y="6761284"/>
+            <a:off x="0" y="6761285"/>
             <a:ext cx="12192000" cy="96715"/>
           </a:xfrm>
           <a:prstGeom prst="rect">

--- a/卒業制作_大元タイトル構成.pptx
+++ b/卒業制作_大元タイトル構成.pptx
@@ -19232,6 +19232,13 @@
       <p:transition spd="slow"/>
     </mc:Fallback>
   </mc:AlternateContent>
+  <p:timing>
+    <p:tnLst>
+      <p:par>
+        <p:cTn id="1" dur="indefinite" restart="never" nodeType="tmRoot"/>
+      </p:par>
+    </p:tnLst>
+  </p:timing>
 </p:sld>
 </file>
 
@@ -19792,6 +19799,13 @@
   <p:clrMapOvr>
     <a:masterClrMapping/>
   </p:clrMapOvr>
+  <p:timing>
+    <p:tnLst>
+      <p:par>
+        <p:cTn id="1" dur="indefinite" restart="never" nodeType="tmRoot"/>
+      </p:par>
+    </p:tnLst>
+  </p:timing>
 </p:sld>
 </file>
 
@@ -19852,7 +19866,7 @@
           </a:prstGeom>
           <a:ln w="76200">
             <a:solidFill>
-              <a:srgbClr val="CC00FF"/>
+              <a:srgbClr val="FFC000"/>
             </a:solidFill>
           </a:ln>
         </p:spPr>

--- a/卒業制作_大元タイトル構成.pptx
+++ b/卒業制作_大元タイトル構成.pptx
@@ -44,7 +44,7 @@
     <p:sldId id="307" r:id="rId38"/>
     <p:sldId id="308" r:id="rId39"/>
     <p:sldId id="309" r:id="rId40"/>
-    <p:sldId id="310" r:id="rId41"/>
+    <p:sldId id="311" r:id="rId41"/>
     <p:sldId id="299" r:id="rId42"/>
     <p:sldId id="301" r:id="rId43"/>
   </p:sldIdLst>
@@ -20242,7 +20242,7 @@
         </p:blipFill>
         <p:spPr>
           <a:xfrm>
-            <a:off x="8625254" y="2283625"/>
+            <a:off x="8721367" y="2991405"/>
             <a:ext cx="1644161" cy="1187550"/>
           </a:xfrm>
           <a:prstGeom prst="rect">
@@ -20257,8 +20257,8 @@
           <p:nvPr/>
         </p:nvSpPr>
         <p:spPr>
-          <a:xfrm rot="20183171">
-            <a:off x="6994421" y="2934843"/>
+          <a:xfrm>
+            <a:off x="7003386" y="3016168"/>
             <a:ext cx="1547446" cy="1213338"/>
           </a:xfrm>
           <a:prstGeom prst="leftArrow">
@@ -21222,7 +21222,7 @@
         </p:blipFill>
         <p:spPr>
           <a:xfrm>
-            <a:off x="8625254" y="2283625"/>
+            <a:off x="8880231" y="4263680"/>
             <a:ext cx="1644161" cy="1187550"/>
           </a:xfrm>
           <a:prstGeom prst="rect">
@@ -21237,8 +21237,8 @@
           <p:nvPr/>
         </p:nvSpPr>
         <p:spPr>
-          <a:xfrm rot="20183171">
-            <a:off x="6994421" y="2934843"/>
+          <a:xfrm>
+            <a:off x="7038383" y="4369176"/>
             <a:ext cx="1547446" cy="1213338"/>
           </a:xfrm>
           <a:prstGeom prst="leftArrow">
@@ -22168,7 +22168,7 @@
         </p:blipFill>
         <p:spPr>
           <a:xfrm>
-            <a:off x="8625254" y="2283625"/>
+            <a:off x="8880231" y="4263680"/>
             <a:ext cx="1644161" cy="1187550"/>
           </a:xfrm>
           <a:prstGeom prst="rect">
@@ -22183,8 +22183,8 @@
           <p:nvPr/>
         </p:nvSpPr>
         <p:spPr>
-          <a:xfrm rot="20183171">
-            <a:off x="6994421" y="2934843"/>
+          <a:xfrm>
+            <a:off x="7038383" y="4369176"/>
             <a:ext cx="1547446" cy="1213338"/>
           </a:xfrm>
           <a:prstGeom prst="leftArrow">
@@ -22395,7 +22395,7 @@
         </p:nvSpPr>
         <p:spPr>
           <a:xfrm>
-            <a:off x="5734740" y="5392336"/>
+            <a:off x="6096000" y="5362706"/>
             <a:ext cx="1081454" cy="580292"/>
           </a:xfrm>
           <a:prstGeom prst="rect">
@@ -22445,7 +22445,7 @@
     </p:spTree>
     <p:extLst>
       <p:ext uri="{BB962C8B-B14F-4D97-AF65-F5344CB8AC3E}">
-        <p14:creationId xmlns:p14="http://schemas.microsoft.com/office/powerpoint/2010/main" val="590360389"/>
+        <p14:creationId xmlns:p14="http://schemas.microsoft.com/office/powerpoint/2010/main" val="3716793309"/>
       </p:ext>
     </p:extLst>
   </p:cSld>

--- a/卒業制作_大元タイトル構成.pptx
+++ b/卒業制作_大元タイトル構成.pptx
@@ -37,16 +37,26 @@
     <p:sldId id="294" r:id="rId31"/>
     <p:sldId id="296" r:id="rId32"/>
     <p:sldId id="300" r:id="rId33"/>
-    <p:sldId id="298" r:id="rId34"/>
-    <p:sldId id="304" r:id="rId35"/>
-    <p:sldId id="303" r:id="rId36"/>
-    <p:sldId id="306" r:id="rId37"/>
-    <p:sldId id="307" r:id="rId38"/>
-    <p:sldId id="308" r:id="rId39"/>
-    <p:sldId id="309" r:id="rId40"/>
-    <p:sldId id="311" r:id="rId41"/>
-    <p:sldId id="299" r:id="rId42"/>
-    <p:sldId id="301" r:id="rId43"/>
+    <p:sldId id="312" r:id="rId34"/>
+    <p:sldId id="298" r:id="rId35"/>
+    <p:sldId id="315" r:id="rId36"/>
+    <p:sldId id="316" r:id="rId37"/>
+    <p:sldId id="322" r:id="rId38"/>
+    <p:sldId id="317" r:id="rId39"/>
+    <p:sldId id="323" r:id="rId40"/>
+    <p:sldId id="319" r:id="rId41"/>
+    <p:sldId id="324" r:id="rId42"/>
+    <p:sldId id="325" r:id="rId43"/>
+    <p:sldId id="321" r:id="rId44"/>
+    <p:sldId id="304" r:id="rId45"/>
+    <p:sldId id="303" r:id="rId46"/>
+    <p:sldId id="306" r:id="rId47"/>
+    <p:sldId id="307" r:id="rId48"/>
+    <p:sldId id="308" r:id="rId49"/>
+    <p:sldId id="309" r:id="rId50"/>
+    <p:sldId id="311" r:id="rId51"/>
+    <p:sldId id="299" r:id="rId52"/>
+    <p:sldId id="301" r:id="rId53"/>
   </p:sldIdLst>
   <p:sldSz cx="12192000" cy="6858000"/>
   <p:notesSz cx="6858000" cy="9144000"/>
@@ -19299,13 +19309,13 @@
               </a:ext>
             </a:extLst>
           </a:blip>
-          <a:srcRect l="6952" t="10284" r="6674" b="22481"/>
+          <a:srcRect l="18967" t="10285" r="64746" b="51248"/>
           <a:stretch/>
         </p:blipFill>
         <p:spPr>
           <a:xfrm>
-            <a:off x="3297115" y="761058"/>
-            <a:ext cx="5688624" cy="1943100"/>
+            <a:off x="2734227" y="521379"/>
+            <a:ext cx="3499520" cy="3626894"/>
           </a:xfrm>
           <a:prstGeom prst="rect">
             <a:avLst/>
@@ -19321,23 +19331,18 @@
       </p:pic>
       <p:sp>
         <p:nvSpPr>
-          <p:cNvPr id="11" name="円形吹き出し 10"/>
-          <p:cNvSpPr/>
-          <p:nvPr/>
-        </p:nvSpPr>
-        <p:spPr>
-          <a:xfrm>
-            <a:off x="5187462" y="4176346"/>
-            <a:ext cx="2875084" cy="1301263"/>
-          </a:xfrm>
-          <a:prstGeom prst="wedgeEllipseCallout">
+          <p:cNvPr id="9" name="テキスト ボックス 8"/>
+          <p:cNvSpPr txBox="1"/>
+          <p:nvPr/>
+        </p:nvSpPr>
+        <p:spPr>
+          <a:xfrm>
+            <a:off x="395473" y="2334826"/>
+            <a:ext cx="1811396" cy="369332"/>
+          </a:xfrm>
+          <a:prstGeom prst="rect">
             <a:avLst/>
           </a:prstGeom>
-          <a:ln w="57150">
-            <a:solidFill>
-              <a:schemeClr val="tx1"/>
-            </a:solidFill>
-          </a:ln>
         </p:spPr>
         <p:style>
           <a:lnRef idx="2">
@@ -19354,105 +19359,6 @@
           </a:fontRef>
         </p:style>
         <p:txBody>
-          <a:bodyPr rtlCol="0" anchor="ctr"/>
-          <a:lstStyle/>
-          <a:p>
-            <a:pPr algn="ctr"/>
-            <a:endParaRPr kumimoji="1" lang="ja-JP" altLang="en-US" dirty="0"/>
-          </a:p>
-        </p:txBody>
-      </p:sp>
-      <p:sp>
-        <p:nvSpPr>
-          <p:cNvPr id="19" name="テキスト ボックス 18"/>
-          <p:cNvSpPr txBox="1"/>
-          <p:nvPr/>
-        </p:nvSpPr>
-        <p:spPr>
-          <a:xfrm>
-            <a:off x="5187462" y="4596144"/>
-            <a:ext cx="2875084" cy="461665"/>
-          </a:xfrm>
-          <a:prstGeom prst="rect">
-            <a:avLst/>
-          </a:prstGeom>
-          <a:noFill/>
-        </p:spPr>
-        <p:txBody>
-          <a:bodyPr wrap="square" rtlCol="0">
-            <a:spAutoFit/>
-          </a:bodyPr>
-          <a:lstStyle/>
-          <a:p>
-            <a:pPr algn="ctr"/>
-            <a:r>
-              <a:rPr lang="ja-JP" altLang="en-US" sz="2400" b="1" dirty="0" smtClean="0"/>
-              <a:t>押されたら消える</a:t>
-            </a:r>
-            <a:endParaRPr kumimoji="1" lang="ja-JP" altLang="en-US" sz="2400" b="1" dirty="0"/>
-          </a:p>
-        </p:txBody>
-      </p:sp>
-      <p:pic>
-        <p:nvPicPr>
-          <p:cNvPr id="5" name="図 4"/>
-          <p:cNvPicPr>
-            <a:picLocks noChangeAspect="1"/>
-          </p:cNvPicPr>
-          <p:nvPr/>
-        </p:nvPicPr>
-        <p:blipFill>
-          <a:blip r:embed="rId4" cstate="print">
-            <a:extLst>
-              <a:ext uri="{28A0092B-C50C-407E-A947-70E740481C1C}">
-                <a14:useLocalDpi xmlns:a14="http://schemas.microsoft.com/office/drawing/2010/main" val="0"/>
-              </a:ext>
-            </a:extLst>
-          </a:blip>
-          <a:stretch>
-            <a:fillRect/>
-          </a:stretch>
-        </p:blipFill>
-        <p:spPr>
-          <a:xfrm>
-            <a:off x="3627320" y="5378216"/>
-            <a:ext cx="4937360" cy="1038381"/>
-          </a:xfrm>
-          <a:prstGeom prst="rect">
-            <a:avLst/>
-          </a:prstGeom>
-        </p:spPr>
-      </p:pic>
-      <p:sp>
-        <p:nvSpPr>
-          <p:cNvPr id="9" name="テキスト ボックス 8"/>
-          <p:cNvSpPr txBox="1"/>
-          <p:nvPr/>
-        </p:nvSpPr>
-        <p:spPr>
-          <a:xfrm>
-            <a:off x="395473" y="2334826"/>
-            <a:ext cx="1811396" cy="369332"/>
-          </a:xfrm>
-          <a:prstGeom prst="rect">
-            <a:avLst/>
-          </a:prstGeom>
-        </p:spPr>
-        <p:style>
-          <a:lnRef idx="2">
-            <a:schemeClr val="dk1"/>
-          </a:lnRef>
-          <a:fillRef idx="1">
-            <a:schemeClr val="lt1"/>
-          </a:fillRef>
-          <a:effectRef idx="0">
-            <a:schemeClr val="dk1"/>
-          </a:effectRef>
-          <a:fontRef idx="minor">
-            <a:schemeClr val="dk1"/>
-          </a:fontRef>
-        </p:style>
-        <p:txBody>
           <a:bodyPr wrap="square" rtlCol="0">
             <a:spAutoFit/>
           </a:bodyPr>
@@ -19490,7 +19396,7 @@
     </p:spTree>
     <p:extLst>
       <p:ext uri="{BB962C8B-B14F-4D97-AF65-F5344CB8AC3E}">
-        <p14:creationId xmlns:p14="http://schemas.microsoft.com/office/powerpoint/2010/main" val="1045976095"/>
+        <p14:creationId xmlns:p14="http://schemas.microsoft.com/office/powerpoint/2010/main" val="659449242"/>
       </p:ext>
     </p:extLst>
   </p:cSld>
@@ -19532,258 +19438,125 @@
           <a:chExt cx="0" cy="0"/>
         </a:xfrm>
       </p:grpSpPr>
-      <p:sp>
-        <p:nvSpPr>
-          <p:cNvPr id="2" name="タイトル 1"/>
-          <p:cNvSpPr>
-            <a:spLocks noGrp="1"/>
-          </p:cNvSpPr>
-          <p:nvPr>
-            <p:ph type="title"/>
-          </p:nvPr>
-        </p:nvSpPr>
-        <p:spPr/>
-        <p:txBody>
-          <a:bodyPr/>
-          <a:lstStyle/>
-          <a:p>
-            <a:r>
-              <a:rPr kumimoji="1" lang="ja-JP" altLang="en-US" dirty="0" smtClean="0"/>
-              <a:t>カメラの動き</a:t>
-            </a:r>
-            <a:endParaRPr kumimoji="1" lang="ja-JP" altLang="en-US" dirty="0"/>
-          </a:p>
-        </p:txBody>
-      </p:sp>
       <p:pic>
         <p:nvPicPr>
-          <p:cNvPr id="8" name="図 7"/>
+          <p:cNvPr id="3" name="図 2"/>
           <p:cNvPicPr>
             <a:picLocks noChangeAspect="1"/>
           </p:cNvPicPr>
           <p:nvPr/>
         </p:nvPicPr>
+        <p:blipFill>
+          <a:blip r:embed="rId2"/>
+          <a:stretch>
+            <a:fillRect/>
+          </a:stretch>
+        </p:blipFill>
+        <p:spPr>
+          <a:xfrm>
+            <a:off x="0" y="0"/>
+            <a:ext cx="12192000" cy="6885000"/>
+          </a:xfrm>
+          <a:prstGeom prst="rect">
+            <a:avLst/>
+          </a:prstGeom>
+        </p:spPr>
+      </p:pic>
+      <p:pic>
+        <p:nvPicPr>
+          <p:cNvPr id="16" name="図 15"/>
+          <p:cNvPicPr>
+            <a:picLocks noChangeAspect="1"/>
+          </p:cNvPicPr>
+          <p:nvPr/>
+        </p:nvPicPr>
         <p:blipFill rotWithShape="1">
-          <a:blip r:embed="rId2"/>
-          <a:srcRect l="9298" t="21520" r="10789" b="20761"/>
+          <a:blip r:embed="rId3">
+            <a:extLst>
+              <a:ext uri="{28A0092B-C50C-407E-A947-70E740481C1C}">
+                <a14:useLocalDpi xmlns:a14="http://schemas.microsoft.com/office/drawing/2010/main" val="0"/>
+              </a:ext>
+            </a:extLst>
+          </a:blip>
+          <a:srcRect l="18833" t="10284" r="65013" b="51553"/>
           <a:stretch/>
         </p:blipFill>
         <p:spPr>
           <a:xfrm>
-            <a:off x="8625254" y="2283625"/>
-            <a:ext cx="1644161" cy="1187550"/>
+            <a:off x="4079631" y="761058"/>
+            <a:ext cx="1063869" cy="1102911"/>
           </a:xfrm>
           <a:prstGeom prst="rect">
             <a:avLst/>
           </a:prstGeom>
+          <a:effectLst>
+            <a:outerShdw blurRad="38100" dist="25400" dir="2100000" sx="106000" sy="106000" algn="ctr" rotWithShape="0">
+              <a:srgbClr val="000000">
+                <a:alpha val="42000"/>
+              </a:srgbClr>
+            </a:outerShdw>
+          </a:effectLst>
         </p:spPr>
       </p:pic>
       <p:sp>
         <p:nvSpPr>
-          <p:cNvPr id="9" name="左矢印 8"/>
-          <p:cNvSpPr/>
-          <p:nvPr/>
-        </p:nvSpPr>
-        <p:spPr>
-          <a:xfrm>
-            <a:off x="6919546" y="2283625"/>
-            <a:ext cx="1547446" cy="1213338"/>
-          </a:xfrm>
-          <a:prstGeom prst="leftArrow">
+          <p:cNvPr id="9" name="テキスト ボックス 8"/>
+          <p:cNvSpPr txBox="1"/>
+          <p:nvPr/>
+        </p:nvSpPr>
+        <p:spPr>
+          <a:xfrm>
+            <a:off x="395473" y="2334826"/>
+            <a:ext cx="1811396" cy="369332"/>
+          </a:xfrm>
+          <a:prstGeom prst="rect">
             <a:avLst/>
           </a:prstGeom>
         </p:spPr>
         <p:style>
           <a:lnRef idx="2">
-            <a:schemeClr val="accent1">
-              <a:shade val="50000"/>
-            </a:schemeClr>
+            <a:schemeClr val="dk1"/>
           </a:lnRef>
           <a:fillRef idx="1">
-            <a:schemeClr val="accent1"/>
-          </a:fillRef>
-          <a:effectRef idx="0">
-            <a:schemeClr val="accent1"/>
-          </a:effectRef>
-          <a:fontRef idx="minor">
             <a:schemeClr val="lt1"/>
-          </a:fontRef>
-        </p:style>
-        <p:txBody>
-          <a:bodyPr rtlCol="0" anchor="ctr"/>
-          <a:lstStyle/>
-          <a:p>
-            <a:pPr algn="ctr"/>
-            <a:endParaRPr kumimoji="1" lang="ja-JP" altLang="en-US"/>
-          </a:p>
-        </p:txBody>
-      </p:sp>
-      <p:sp>
-        <p:nvSpPr>
-          <p:cNvPr id="10" name="角丸四角形 9"/>
-          <p:cNvSpPr/>
-          <p:nvPr/>
-        </p:nvSpPr>
-        <p:spPr>
-          <a:xfrm>
-            <a:off x="1969477" y="2283625"/>
-            <a:ext cx="3209193" cy="1415561"/>
-          </a:xfrm>
-          <a:prstGeom prst="roundRect">
-            <a:avLst/>
-          </a:prstGeom>
-        </p:spPr>
-        <p:style>
-          <a:lnRef idx="2">
-            <a:schemeClr val="dk1">
-              <a:shade val="50000"/>
-            </a:schemeClr>
-          </a:lnRef>
-          <a:fillRef idx="1">
-            <a:schemeClr val="dk1"/>
           </a:fillRef>
           <a:effectRef idx="0">
             <a:schemeClr val="dk1"/>
           </a:effectRef>
           <a:fontRef idx="minor">
-            <a:schemeClr val="lt1"/>
+            <a:schemeClr val="dk1"/>
           </a:fontRef>
         </p:style>
         <p:txBody>
-          <a:bodyPr rtlCol="0" anchor="ctr"/>
+          <a:bodyPr wrap="square" rtlCol="0">
+            <a:spAutoFit/>
+          </a:bodyPr>
           <a:lstStyle/>
           <a:p>
             <a:pPr algn="ctr"/>
             <a:r>
-              <a:rPr kumimoji="1" lang="ja-JP" altLang="en-US" sz="3600" b="1" dirty="0" smtClean="0"/>
-              <a:t>タイトル</a:t>
-            </a:r>
-            <a:endParaRPr kumimoji="1" lang="ja-JP" altLang="en-US" sz="3600" b="1" dirty="0"/>
-          </a:p>
-        </p:txBody>
-      </p:sp>
-      <p:sp>
-        <p:nvSpPr>
-          <p:cNvPr id="11" name="角丸四角形 10"/>
-          <p:cNvSpPr/>
-          <p:nvPr/>
-        </p:nvSpPr>
-        <p:spPr>
-          <a:xfrm>
-            <a:off x="559777" y="2186910"/>
-            <a:ext cx="1078524" cy="3659975"/>
-          </a:xfrm>
-          <a:prstGeom prst="roundRect">
-            <a:avLst/>
-          </a:prstGeom>
-        </p:spPr>
-        <p:style>
-          <a:lnRef idx="2">
-            <a:schemeClr val="accent1">
-              <a:shade val="50000"/>
-            </a:schemeClr>
-          </a:lnRef>
-          <a:fillRef idx="1">
-            <a:schemeClr val="accent1"/>
-          </a:fillRef>
-          <a:effectRef idx="0">
-            <a:schemeClr val="accent1"/>
-          </a:effectRef>
-          <a:fontRef idx="minor">
-            <a:schemeClr val="lt1"/>
-          </a:fontRef>
-        </p:style>
-        <p:txBody>
-          <a:bodyPr rtlCol="0" anchor="ctr"/>
-          <a:lstStyle/>
-          <a:p>
-            <a:pPr algn="ctr"/>
-            <a:r>
-              <a:rPr kumimoji="1" lang="ja-JP" altLang="en-US" sz="3600" b="1" dirty="0" smtClean="0"/>
-              <a:t>背景</a:t>
-            </a:r>
-            <a:endParaRPr kumimoji="1" lang="ja-JP" altLang="en-US" sz="3600" b="1" dirty="0"/>
-          </a:p>
-        </p:txBody>
-      </p:sp>
-      <p:sp>
-        <p:nvSpPr>
-          <p:cNvPr id="12" name="正方形/長方形 11"/>
-          <p:cNvSpPr/>
-          <p:nvPr/>
-        </p:nvSpPr>
-        <p:spPr>
-          <a:xfrm>
-            <a:off x="1019908" y="5917223"/>
-            <a:ext cx="5715000" cy="580292"/>
-          </a:xfrm>
-          <a:prstGeom prst="rect">
-            <a:avLst/>
-          </a:prstGeom>
-          <a:gradFill>
-            <a:gsLst>
-              <a:gs pos="0">
-                <a:srgbClr val="00B050"/>
-              </a:gs>
-              <a:gs pos="78000">
-                <a:schemeClr val="accent2">
-                  <a:lumMod val="40000"/>
-                  <a:lumOff val="60000"/>
-                </a:schemeClr>
-              </a:gs>
-              <a:gs pos="73000">
-                <a:srgbClr val="DAC8A2"/>
-              </a:gs>
-              <a:gs pos="62000">
-                <a:srgbClr val="A9C28F"/>
-              </a:gs>
-              <a:gs pos="85000">
-                <a:schemeClr val="accent2">
-                  <a:lumMod val="60000"/>
-                  <a:lumOff val="40000"/>
-                </a:schemeClr>
-              </a:gs>
-              <a:gs pos="100000">
-                <a:schemeClr val="accent2">
-                  <a:lumMod val="75000"/>
-                </a:schemeClr>
-              </a:gs>
-            </a:gsLst>
-            <a:lin ang="5400000" scaled="1"/>
-          </a:gradFill>
-        </p:spPr>
-        <p:style>
-          <a:lnRef idx="2">
-            <a:schemeClr val="accent6">
-              <a:shade val="50000"/>
-            </a:schemeClr>
-          </a:lnRef>
-          <a:fillRef idx="1">
-            <a:schemeClr val="accent6"/>
-          </a:fillRef>
-          <a:effectRef idx="0">
-            <a:schemeClr val="accent6"/>
-          </a:effectRef>
-          <a:fontRef idx="minor">
-            <a:schemeClr val="lt1"/>
-          </a:fontRef>
-        </p:style>
-        <p:txBody>
-          <a:bodyPr rtlCol="0" anchor="ctr"/>
-          <a:lstStyle/>
-          <a:p>
-            <a:pPr algn="ctr"/>
-            <a:r>
-              <a:rPr kumimoji="1" lang="ja-JP" altLang="en-US" sz="2400" b="1" dirty="0" smtClean="0">
+              <a:rPr kumimoji="1" lang="ja-JP" altLang="en-US" dirty="0" smtClean="0"/>
+              <a:t>背景は</a:t>
+            </a:r>
+            <a:r>
+              <a:rPr lang="ja-JP" altLang="en-US" b="1" dirty="0" smtClean="0">
                 <a:solidFill>
-                  <a:schemeClr val="accent2"/>
+                  <a:srgbClr val="FF00FF"/>
                 </a:solidFill>
               </a:rPr>
-              <a:t>地面</a:t>
-            </a:r>
-            <a:endParaRPr kumimoji="1" lang="ja-JP" altLang="en-US" sz="2400" b="1" dirty="0">
+              <a:t>３</a:t>
+            </a:r>
+            <a:r>
+              <a:rPr lang="en-US" altLang="ja-JP" b="1" dirty="0" smtClean="0">
+                <a:solidFill>
+                  <a:srgbClr val="FF00FF"/>
+                </a:solidFill>
+              </a:rPr>
+              <a:t>D</a:t>
+            </a:r>
+            <a:endParaRPr lang="ja-JP" altLang="en-US" b="1" dirty="0">
               <a:solidFill>
-                <a:schemeClr val="accent2"/>
+                <a:srgbClr val="FF00FF"/>
               </a:solidFill>
             </a:endParaRPr>
           </a:p>
@@ -19792,13 +19565,21 @@
     </p:spTree>
     <p:extLst>
       <p:ext uri="{BB962C8B-B14F-4D97-AF65-F5344CB8AC3E}">
-        <p14:creationId xmlns:p14="http://schemas.microsoft.com/office/powerpoint/2010/main" val="11225864"/>
+        <p14:creationId xmlns:p14="http://schemas.microsoft.com/office/powerpoint/2010/main" val="1045976095"/>
       </p:ext>
     </p:extLst>
   </p:cSld>
   <p:clrMapOvr>
     <a:masterClrMapping/>
   </p:clrMapOvr>
+  <mc:AlternateContent xmlns:mc="http://schemas.openxmlformats.org/markup-compatibility/2006" xmlns:p14="http://schemas.microsoft.com/office/powerpoint/2010/main">
+    <mc:Choice Requires="p14">
+      <p:transition spd="slow" p14:dur="2000"/>
+    </mc:Choice>
+    <mc:Fallback xmlns="">
+      <p:transition spd="slow"/>
+    </mc:Fallback>
+  </mc:AlternateContent>
   <p:timing>
     <p:tnLst>
       <p:par>
@@ -19843,56 +19624,13 @@
         <p:spPr>
           <a:xfrm>
             <a:off x="0" y="0"/>
-            <a:ext cx="12192000" cy="6858000"/>
+            <a:ext cx="12192000" cy="6885000"/>
           </a:xfrm>
           <a:prstGeom prst="rect">
             <a:avLst/>
           </a:prstGeom>
         </p:spPr>
       </p:pic>
-      <p:sp>
-        <p:nvSpPr>
-          <p:cNvPr id="2" name="上矢印 1"/>
-          <p:cNvSpPr/>
-          <p:nvPr/>
-        </p:nvSpPr>
-        <p:spPr>
-          <a:xfrm>
-            <a:off x="5234754" y="60554"/>
-            <a:ext cx="1351201" cy="901700"/>
-          </a:xfrm>
-          <a:prstGeom prst="upArrow">
-            <a:avLst/>
-          </a:prstGeom>
-          <a:ln w="76200">
-            <a:solidFill>
-              <a:srgbClr val="FFC000"/>
-            </a:solidFill>
-          </a:ln>
-        </p:spPr>
-        <p:style>
-          <a:lnRef idx="1">
-            <a:schemeClr val="accent4"/>
-          </a:lnRef>
-          <a:fillRef idx="2">
-            <a:schemeClr val="accent4"/>
-          </a:fillRef>
-          <a:effectRef idx="1">
-            <a:schemeClr val="accent4"/>
-          </a:effectRef>
-          <a:fontRef idx="minor">
-            <a:schemeClr val="dk1"/>
-          </a:fontRef>
-        </p:style>
-        <p:txBody>
-          <a:bodyPr rtlCol="0" anchor="ctr"/>
-          <a:lstStyle/>
-          <a:p>
-            <a:pPr algn="ctr"/>
-            <a:endParaRPr kumimoji="1" lang="ja-JP" altLang="en-US"/>
-          </a:p>
-        </p:txBody>
-      </p:sp>
       <p:pic>
         <p:nvPicPr>
           <p:cNvPr id="16" name="図 15"/>
@@ -19909,13 +19647,13 @@
               </a:ext>
             </a:extLst>
           </a:blip>
-          <a:srcRect l="6952" t="10284" r="6674" b="22481"/>
+          <a:srcRect l="18833" t="10284" r="65013" b="51553"/>
           <a:stretch/>
         </p:blipFill>
         <p:spPr>
           <a:xfrm>
-            <a:off x="3297115" y="761058"/>
-            <a:ext cx="5688624" cy="1943100"/>
+            <a:off x="4079631" y="761058"/>
+            <a:ext cx="1063869" cy="1102911"/>
           </a:xfrm>
           <a:prstGeom prst="rect">
             <a:avLst/>
@@ -19937,7 +19675,7 @@
         </p:nvSpPr>
         <p:spPr>
           <a:xfrm>
-            <a:off x="90854" y="1547942"/>
+            <a:off x="395473" y="2334826"/>
             <a:ext cx="1811396" cy="369332"/>
           </a:xfrm>
           <a:prstGeom prst="rect">
@@ -19993,176 +19731,46 @@
           </a:p>
         </p:txBody>
       </p:sp>
-      <p:sp>
-        <p:nvSpPr>
-          <p:cNvPr id="4" name="二等辺三角形 3"/>
-          <p:cNvSpPr/>
-          <p:nvPr/>
-        </p:nvSpPr>
-        <p:spPr>
-          <a:xfrm rot="4035689">
-            <a:off x="3768503" y="-134711"/>
-            <a:ext cx="486869" cy="1171123"/>
-          </a:xfrm>
-          <a:prstGeom prst="triangle">
-            <a:avLst>
-              <a:gd name="adj" fmla="val 92217"/>
-            </a:avLst>
-          </a:prstGeom>
-          <a:solidFill>
-            <a:schemeClr val="bg1"/>
-          </a:solidFill>
-          <a:ln>
-            <a:noFill/>
-          </a:ln>
-        </p:spPr>
-        <p:style>
-          <a:lnRef idx="2">
-            <a:schemeClr val="accent1">
-              <a:shade val="50000"/>
-            </a:schemeClr>
-          </a:lnRef>
-          <a:fillRef idx="1">
-            <a:schemeClr val="accent1"/>
-          </a:fillRef>
-          <a:effectRef idx="0">
-            <a:schemeClr val="accent1"/>
-          </a:effectRef>
-          <a:fontRef idx="minor">
-            <a:schemeClr val="lt1"/>
-          </a:fontRef>
-        </p:style>
-        <p:txBody>
-          <a:bodyPr rtlCol="0" anchor="ctr"/>
-          <a:lstStyle/>
-          <a:p>
-            <a:pPr algn="ctr"/>
-            <a:endParaRPr kumimoji="1" lang="ja-JP" altLang="en-US"/>
-          </a:p>
-        </p:txBody>
-      </p:sp>
-      <p:sp>
-        <p:nvSpPr>
-          <p:cNvPr id="6" name="楕円 5"/>
-          <p:cNvSpPr/>
-          <p:nvPr/>
-        </p:nvSpPr>
-        <p:spPr>
-          <a:xfrm>
-            <a:off x="2032843" y="261749"/>
-            <a:ext cx="1734899" cy="1286193"/>
-          </a:xfrm>
-          <a:prstGeom prst="ellipse">
-            <a:avLst/>
-          </a:prstGeom>
-          <a:solidFill>
-            <a:schemeClr val="bg1"/>
-          </a:solidFill>
-          <a:ln>
-            <a:noFill/>
-          </a:ln>
-        </p:spPr>
-        <p:style>
-          <a:lnRef idx="2">
-            <a:schemeClr val="accent1">
-              <a:shade val="50000"/>
-            </a:schemeClr>
-          </a:lnRef>
-          <a:fillRef idx="1">
-            <a:schemeClr val="accent1"/>
-          </a:fillRef>
-          <a:effectRef idx="0">
-            <a:schemeClr val="accent1"/>
-          </a:effectRef>
-          <a:fontRef idx="minor">
-            <a:schemeClr val="lt1"/>
-          </a:fontRef>
-        </p:style>
-        <p:txBody>
-          <a:bodyPr rtlCol="0" anchor="ctr"/>
-          <a:lstStyle/>
-          <a:p>
-            <a:pPr algn="ctr"/>
-            <a:endParaRPr kumimoji="1" lang="ja-JP" altLang="en-US"/>
-          </a:p>
-        </p:txBody>
-      </p:sp>
-      <p:sp>
-        <p:nvSpPr>
-          <p:cNvPr id="7" name="テキスト ボックス 6"/>
-          <p:cNvSpPr txBox="1"/>
-          <p:nvPr/>
-        </p:nvSpPr>
-        <p:spPr>
-          <a:xfrm>
-            <a:off x="2110516" y="578446"/>
-            <a:ext cx="1579551" cy="646331"/>
-          </a:xfrm>
-          <a:prstGeom prst="rect">
-            <a:avLst/>
-          </a:prstGeom>
-          <a:noFill/>
-        </p:spPr>
-        <p:txBody>
-          <a:bodyPr wrap="square" rtlCol="0">
-            <a:spAutoFit/>
-          </a:bodyPr>
-          <a:lstStyle/>
-          <a:p>
-            <a:pPr algn="ctr"/>
-            <a:r>
-              <a:rPr kumimoji="1" lang="ja-JP" altLang="en-US" b="1" dirty="0" smtClean="0"/>
-              <a:t>上に上がって消えていく</a:t>
-            </a:r>
-            <a:endParaRPr kumimoji="1" lang="ja-JP" altLang="en-US" b="1" dirty="0"/>
-          </a:p>
-        </p:txBody>
-      </p:sp>
       <p:pic>
         <p:nvPicPr>
-          <p:cNvPr id="1026" name="Picture 2" descr="芝の管理はどうするの？抑えておきたい基本のお手入れ | お庭から始まる豊かなグリーンライフ「庭サポ」"/>
+          <p:cNvPr id="5" name="図 4"/>
           <p:cNvPicPr>
-            <a:picLocks noChangeAspect="1" noChangeArrowheads="1"/>
+            <a:picLocks noChangeAspect="1"/>
           </p:cNvPicPr>
           <p:nvPr/>
         </p:nvPicPr>
-        <p:blipFill>
-          <a:blip r:embed="rId4">
+        <p:blipFill rotWithShape="1">
+          <a:blip r:embed="rId3">
             <a:extLst>
               <a:ext uri="{28A0092B-C50C-407E-A947-70E740481C1C}">
                 <a14:useLocalDpi xmlns:a14="http://schemas.microsoft.com/office/drawing/2010/main" val="0"/>
               </a:ext>
             </a:extLst>
           </a:blip>
-          <a:srcRect/>
-          <a:stretch>
-            <a:fillRect/>
-          </a:stretch>
+          <a:srcRect l="34586" t="10284" r="50328" b="50944"/>
+          <a:stretch/>
         </p:blipFill>
-        <p:spPr bwMode="auto">
-          <a:xfrm>
-            <a:off x="0" y="6761285"/>
-            <a:ext cx="12192000" cy="96715"/>
+        <p:spPr>
+          <a:xfrm>
+            <a:off x="4369776" y="761058"/>
+            <a:ext cx="2576146" cy="2905357"/>
           </a:xfrm>
           <a:prstGeom prst="rect">
             <a:avLst/>
           </a:prstGeom>
-          <a:noFill/>
-          <a:extLst>
-            <a:ext uri="{909E8E84-426E-40DD-AFC4-6F175D3DCCD1}">
-              <a14:hiddenFill xmlns:a14="http://schemas.microsoft.com/office/drawing/2010/main">
-                <a:solidFill>
-                  <a:srgbClr val="FFFFFF"/>
-                </a:solidFill>
-              </a14:hiddenFill>
-            </a:ext>
-          </a:extLst>
+          <a:effectLst>
+            <a:outerShdw blurRad="38100" dist="25400" dir="2100000" sx="106000" sy="106000" algn="ctr" rotWithShape="0">
+              <a:srgbClr val="000000">
+                <a:alpha val="42000"/>
+              </a:srgbClr>
+            </a:outerShdw>
+          </a:effectLst>
         </p:spPr>
       </p:pic>
     </p:spTree>
     <p:extLst>
       <p:ext uri="{BB962C8B-B14F-4D97-AF65-F5344CB8AC3E}">
-        <p14:creationId xmlns:p14="http://schemas.microsoft.com/office/powerpoint/2010/main" val="3876984372"/>
+        <p14:creationId xmlns:p14="http://schemas.microsoft.com/office/powerpoint/2010/main" val="993093097"/>
       </p:ext>
     </p:extLst>
   </p:cSld>
@@ -20204,258 +19812,125 @@
           <a:chExt cx="0" cy="0"/>
         </a:xfrm>
       </p:grpSpPr>
-      <p:sp>
-        <p:nvSpPr>
-          <p:cNvPr id="2" name="タイトル 1"/>
-          <p:cNvSpPr>
-            <a:spLocks noGrp="1"/>
-          </p:cNvSpPr>
-          <p:nvPr>
-            <p:ph type="title"/>
-          </p:nvPr>
-        </p:nvSpPr>
-        <p:spPr/>
-        <p:txBody>
-          <a:bodyPr/>
-          <a:lstStyle/>
-          <a:p>
-            <a:r>
-              <a:rPr kumimoji="1" lang="ja-JP" altLang="en-US" dirty="0" smtClean="0"/>
-              <a:t>カメラの動き</a:t>
-            </a:r>
-            <a:endParaRPr kumimoji="1" lang="ja-JP" altLang="en-US" dirty="0"/>
-          </a:p>
-        </p:txBody>
-      </p:sp>
       <p:pic>
         <p:nvPicPr>
-          <p:cNvPr id="8" name="図 7"/>
+          <p:cNvPr id="3" name="図 2"/>
           <p:cNvPicPr>
             <a:picLocks noChangeAspect="1"/>
           </p:cNvPicPr>
           <p:nvPr/>
         </p:nvPicPr>
+        <p:blipFill>
+          <a:blip r:embed="rId2"/>
+          <a:stretch>
+            <a:fillRect/>
+          </a:stretch>
+        </p:blipFill>
+        <p:spPr>
+          <a:xfrm>
+            <a:off x="0" y="0"/>
+            <a:ext cx="12192000" cy="6885000"/>
+          </a:xfrm>
+          <a:prstGeom prst="rect">
+            <a:avLst/>
+          </a:prstGeom>
+        </p:spPr>
+      </p:pic>
+      <p:pic>
+        <p:nvPicPr>
+          <p:cNvPr id="16" name="図 15"/>
+          <p:cNvPicPr>
+            <a:picLocks noChangeAspect="1"/>
+          </p:cNvPicPr>
+          <p:nvPr/>
+        </p:nvPicPr>
         <p:blipFill rotWithShape="1">
-          <a:blip r:embed="rId2"/>
-          <a:srcRect l="9298" t="21520" r="10789" b="20761"/>
+          <a:blip r:embed="rId3">
+            <a:extLst>
+              <a:ext uri="{28A0092B-C50C-407E-A947-70E740481C1C}">
+                <a14:useLocalDpi xmlns:a14="http://schemas.microsoft.com/office/drawing/2010/main" val="0"/>
+              </a:ext>
+            </a:extLst>
+          </a:blip>
+          <a:srcRect l="18432" t="10284" r="49794" b="50640"/>
           <a:stretch/>
         </p:blipFill>
         <p:spPr>
           <a:xfrm>
-            <a:off x="8721367" y="2991405"/>
-            <a:ext cx="1644161" cy="1187550"/>
+            <a:off x="4053253" y="761058"/>
+            <a:ext cx="2092569" cy="1129288"/>
           </a:xfrm>
           <a:prstGeom prst="rect">
             <a:avLst/>
           </a:prstGeom>
+          <a:effectLst>
+            <a:outerShdw blurRad="38100" dist="25400" dir="2100000" sx="106000" sy="106000" algn="ctr" rotWithShape="0">
+              <a:srgbClr val="000000">
+                <a:alpha val="42000"/>
+              </a:srgbClr>
+            </a:outerShdw>
+          </a:effectLst>
         </p:spPr>
       </p:pic>
       <p:sp>
         <p:nvSpPr>
-          <p:cNvPr id="9" name="左矢印 8"/>
-          <p:cNvSpPr/>
-          <p:nvPr/>
-        </p:nvSpPr>
-        <p:spPr>
-          <a:xfrm>
-            <a:off x="7003386" y="3016168"/>
-            <a:ext cx="1547446" cy="1213338"/>
-          </a:xfrm>
-          <a:prstGeom prst="leftArrow">
+          <p:cNvPr id="9" name="テキスト ボックス 8"/>
+          <p:cNvSpPr txBox="1"/>
+          <p:nvPr/>
+        </p:nvSpPr>
+        <p:spPr>
+          <a:xfrm>
+            <a:off x="395473" y="2334826"/>
+            <a:ext cx="1811396" cy="369332"/>
+          </a:xfrm>
+          <a:prstGeom prst="rect">
             <a:avLst/>
           </a:prstGeom>
         </p:spPr>
         <p:style>
           <a:lnRef idx="2">
-            <a:schemeClr val="accent1">
-              <a:shade val="50000"/>
-            </a:schemeClr>
+            <a:schemeClr val="dk1"/>
           </a:lnRef>
           <a:fillRef idx="1">
-            <a:schemeClr val="accent1"/>
-          </a:fillRef>
-          <a:effectRef idx="0">
-            <a:schemeClr val="accent1"/>
-          </a:effectRef>
-          <a:fontRef idx="minor">
             <a:schemeClr val="lt1"/>
-          </a:fontRef>
-        </p:style>
-        <p:txBody>
-          <a:bodyPr rtlCol="0" anchor="ctr"/>
-          <a:lstStyle/>
-          <a:p>
-            <a:pPr algn="ctr"/>
-            <a:endParaRPr kumimoji="1" lang="ja-JP" altLang="en-US"/>
-          </a:p>
-        </p:txBody>
-      </p:sp>
-      <p:sp>
-        <p:nvSpPr>
-          <p:cNvPr id="10" name="角丸四角形 9"/>
-          <p:cNvSpPr/>
-          <p:nvPr/>
-        </p:nvSpPr>
-        <p:spPr>
-          <a:xfrm>
-            <a:off x="1969477" y="2283625"/>
-            <a:ext cx="3209193" cy="1415561"/>
-          </a:xfrm>
-          <a:prstGeom prst="roundRect">
-            <a:avLst/>
-          </a:prstGeom>
-        </p:spPr>
-        <p:style>
-          <a:lnRef idx="2">
-            <a:schemeClr val="dk1">
-              <a:shade val="50000"/>
-            </a:schemeClr>
-          </a:lnRef>
-          <a:fillRef idx="1">
-            <a:schemeClr val="dk1"/>
           </a:fillRef>
           <a:effectRef idx="0">
             <a:schemeClr val="dk1"/>
           </a:effectRef>
           <a:fontRef idx="minor">
-            <a:schemeClr val="lt1"/>
+            <a:schemeClr val="dk1"/>
           </a:fontRef>
         </p:style>
         <p:txBody>
-          <a:bodyPr rtlCol="0" anchor="ctr"/>
+          <a:bodyPr wrap="square" rtlCol="0">
+            <a:spAutoFit/>
+          </a:bodyPr>
           <a:lstStyle/>
           <a:p>
             <a:pPr algn="ctr"/>
             <a:r>
-              <a:rPr kumimoji="1" lang="ja-JP" altLang="en-US" sz="3600" b="1" dirty="0" smtClean="0"/>
-              <a:t>タイトル</a:t>
-            </a:r>
-            <a:endParaRPr kumimoji="1" lang="ja-JP" altLang="en-US" sz="3600" b="1" dirty="0"/>
-          </a:p>
-        </p:txBody>
-      </p:sp>
-      <p:sp>
-        <p:nvSpPr>
-          <p:cNvPr id="11" name="角丸四角形 10"/>
-          <p:cNvSpPr/>
-          <p:nvPr/>
-        </p:nvSpPr>
-        <p:spPr>
-          <a:xfrm>
-            <a:off x="559777" y="2186910"/>
-            <a:ext cx="1078524" cy="3659975"/>
-          </a:xfrm>
-          <a:prstGeom prst="roundRect">
-            <a:avLst/>
-          </a:prstGeom>
-        </p:spPr>
-        <p:style>
-          <a:lnRef idx="2">
-            <a:schemeClr val="accent1">
-              <a:shade val="50000"/>
-            </a:schemeClr>
-          </a:lnRef>
-          <a:fillRef idx="1">
-            <a:schemeClr val="accent1"/>
-          </a:fillRef>
-          <a:effectRef idx="0">
-            <a:schemeClr val="accent1"/>
-          </a:effectRef>
-          <a:fontRef idx="minor">
-            <a:schemeClr val="lt1"/>
-          </a:fontRef>
-        </p:style>
-        <p:txBody>
-          <a:bodyPr rtlCol="0" anchor="ctr"/>
-          <a:lstStyle/>
-          <a:p>
-            <a:pPr algn="ctr"/>
-            <a:r>
-              <a:rPr kumimoji="1" lang="ja-JP" altLang="en-US" sz="3600" b="1" dirty="0" smtClean="0"/>
-              <a:t>背景</a:t>
-            </a:r>
-            <a:endParaRPr kumimoji="1" lang="ja-JP" altLang="en-US" sz="3600" b="1" dirty="0"/>
-          </a:p>
-        </p:txBody>
-      </p:sp>
-      <p:sp>
-        <p:nvSpPr>
-          <p:cNvPr id="12" name="正方形/長方形 11"/>
-          <p:cNvSpPr/>
-          <p:nvPr/>
-        </p:nvSpPr>
-        <p:spPr>
-          <a:xfrm>
-            <a:off x="1019908" y="5917223"/>
-            <a:ext cx="5715000" cy="580292"/>
-          </a:xfrm>
-          <a:prstGeom prst="rect">
-            <a:avLst/>
-          </a:prstGeom>
-          <a:gradFill>
-            <a:gsLst>
-              <a:gs pos="0">
-                <a:srgbClr val="00B050"/>
-              </a:gs>
-              <a:gs pos="78000">
-                <a:schemeClr val="accent2">
-                  <a:lumMod val="40000"/>
-                  <a:lumOff val="60000"/>
-                </a:schemeClr>
-              </a:gs>
-              <a:gs pos="73000">
-                <a:srgbClr val="DAC8A2"/>
-              </a:gs>
-              <a:gs pos="62000">
-                <a:srgbClr val="A9C28F"/>
-              </a:gs>
-              <a:gs pos="85000">
-                <a:schemeClr val="accent2">
-                  <a:lumMod val="60000"/>
-                  <a:lumOff val="40000"/>
-                </a:schemeClr>
-              </a:gs>
-              <a:gs pos="100000">
-                <a:schemeClr val="accent2">
-                  <a:lumMod val="75000"/>
-                </a:schemeClr>
-              </a:gs>
-            </a:gsLst>
-            <a:lin ang="5400000" scaled="1"/>
-          </a:gradFill>
-        </p:spPr>
-        <p:style>
-          <a:lnRef idx="2">
-            <a:schemeClr val="accent6">
-              <a:shade val="50000"/>
-            </a:schemeClr>
-          </a:lnRef>
-          <a:fillRef idx="1">
-            <a:schemeClr val="accent6"/>
-          </a:fillRef>
-          <a:effectRef idx="0">
-            <a:schemeClr val="accent6"/>
-          </a:effectRef>
-          <a:fontRef idx="minor">
-            <a:schemeClr val="lt1"/>
-          </a:fontRef>
-        </p:style>
-        <p:txBody>
-          <a:bodyPr rtlCol="0" anchor="ctr"/>
-          <a:lstStyle/>
-          <a:p>
-            <a:pPr algn="ctr"/>
-            <a:r>
-              <a:rPr kumimoji="1" lang="ja-JP" altLang="en-US" sz="2400" b="1" dirty="0" smtClean="0">
+              <a:rPr kumimoji="1" lang="ja-JP" altLang="en-US" dirty="0" smtClean="0"/>
+              <a:t>背景は</a:t>
+            </a:r>
+            <a:r>
+              <a:rPr lang="ja-JP" altLang="en-US" b="1" dirty="0" smtClean="0">
                 <a:solidFill>
-                  <a:schemeClr val="accent2"/>
+                  <a:srgbClr val="FF00FF"/>
                 </a:solidFill>
               </a:rPr>
-              <a:t>地面</a:t>
-            </a:r>
-            <a:endParaRPr kumimoji="1" lang="ja-JP" altLang="en-US" sz="2400" b="1" dirty="0">
+              <a:t>３</a:t>
+            </a:r>
+            <a:r>
+              <a:rPr lang="en-US" altLang="ja-JP" b="1" dirty="0" smtClean="0">
+                <a:solidFill>
+                  <a:srgbClr val="FF00FF"/>
+                </a:solidFill>
+              </a:rPr>
+              <a:t>D</a:t>
+            </a:r>
+            <a:endParaRPr lang="ja-JP" altLang="en-US" b="1" dirty="0">
               <a:solidFill>
-                <a:schemeClr val="accent2"/>
+                <a:srgbClr val="FF00FF"/>
               </a:solidFill>
             </a:endParaRPr>
           </a:p>
@@ -20464,13 +19939,28 @@
     </p:spTree>
     <p:extLst>
       <p:ext uri="{BB962C8B-B14F-4D97-AF65-F5344CB8AC3E}">
-        <p14:creationId xmlns:p14="http://schemas.microsoft.com/office/powerpoint/2010/main" val="3638218245"/>
+        <p14:creationId xmlns:p14="http://schemas.microsoft.com/office/powerpoint/2010/main" val="2038938798"/>
       </p:ext>
     </p:extLst>
   </p:cSld>
   <p:clrMapOvr>
     <a:masterClrMapping/>
   </p:clrMapOvr>
+  <mc:AlternateContent xmlns:mc="http://schemas.openxmlformats.org/markup-compatibility/2006" xmlns:p14="http://schemas.microsoft.com/office/powerpoint/2010/main">
+    <mc:Choice Requires="p14">
+      <p:transition spd="slow" p14:dur="2000"/>
+    </mc:Choice>
+    <mc:Fallback xmlns="">
+      <p:transition spd="slow"/>
+    </mc:Fallback>
+  </mc:AlternateContent>
+  <p:timing>
+    <p:tnLst>
+      <p:par>
+        <p:cTn id="1" dur="indefinite" restart="never" nodeType="tmRoot"/>
+      </p:par>
+    </p:tnLst>
+  </p:timing>
 </p:sld>
 </file>
 
@@ -20508,7 +19998,7 @@
         <p:spPr>
           <a:xfrm>
             <a:off x="0" y="0"/>
-            <a:ext cx="12192000" cy="6858000"/>
+            <a:ext cx="12192000" cy="6885000"/>
           </a:xfrm>
           <a:prstGeom prst="rect">
             <a:avLst/>
@@ -20517,13 +20007,13 @@
       </p:pic>
       <p:pic>
         <p:nvPicPr>
-          <p:cNvPr id="1026" name="Picture 2" descr="芝の管理はどうするの？抑えておきたい基本のお手入れ | お庭から始まる豊かなグリーンライフ「庭サポ」"/>
+          <p:cNvPr id="16" name="図 15"/>
           <p:cNvPicPr>
-            <a:picLocks noChangeAspect="1" noChangeArrowheads="1"/>
+            <a:picLocks noChangeAspect="1"/>
           </p:cNvPicPr>
           <p:nvPr/>
         </p:nvPicPr>
-        <p:blipFill>
+        <p:blipFill rotWithShape="1">
           <a:blip r:embed="rId3">
             <a:extLst>
               <a:ext uri="{28A0092B-C50C-407E-A947-70E740481C1C}">
@@ -20531,41 +20021,36 @@
               </a:ext>
             </a:extLst>
           </a:blip>
-          <a:srcRect/>
-          <a:stretch>
-            <a:fillRect/>
-          </a:stretch>
+          <a:srcRect l="18432" t="10284" r="49794" b="50640"/>
+          <a:stretch/>
         </p:blipFill>
-        <p:spPr bwMode="auto">
-          <a:xfrm>
-            <a:off x="0" y="5222631"/>
-            <a:ext cx="12192000" cy="1635369"/>
+        <p:spPr>
+          <a:xfrm>
+            <a:off x="4053253" y="761058"/>
+            <a:ext cx="2092569" cy="1129288"/>
           </a:xfrm>
           <a:prstGeom prst="rect">
             <a:avLst/>
           </a:prstGeom>
-          <a:noFill/>
-          <a:extLst>
-            <a:ext uri="{909E8E84-426E-40DD-AFC4-6F175D3DCCD1}">
-              <a14:hiddenFill xmlns:a14="http://schemas.microsoft.com/office/drawing/2010/main">
-                <a:solidFill>
-                  <a:srgbClr val="FFFFFF"/>
-                </a:solidFill>
-              </a14:hiddenFill>
-            </a:ext>
-          </a:extLst>
+          <a:effectLst>
+            <a:outerShdw blurRad="38100" dist="25400" dir="2100000" sx="106000" sy="106000" algn="ctr" rotWithShape="0">
+              <a:srgbClr val="000000">
+                <a:alpha val="42000"/>
+              </a:srgbClr>
+            </a:outerShdw>
+          </a:effectLst>
         </p:spPr>
       </p:pic>
       <p:sp>
         <p:nvSpPr>
-          <p:cNvPr id="5" name="正方形/長方形 4"/>
-          <p:cNvSpPr/>
-          <p:nvPr/>
-        </p:nvSpPr>
-        <p:spPr>
-          <a:xfrm>
-            <a:off x="571501" y="4176341"/>
-            <a:ext cx="2145323" cy="1116623"/>
+          <p:cNvPr id="9" name="テキスト ボックス 8"/>
+          <p:cNvSpPr txBox="1"/>
+          <p:nvPr/>
+        </p:nvSpPr>
+        <p:spPr>
+          <a:xfrm>
+            <a:off x="395473" y="2334826"/>
+            <a:ext cx="1811396" cy="369332"/>
           </a:xfrm>
           <a:prstGeom prst="rect">
             <a:avLst/>
@@ -20573,458 +20058,18 @@
         </p:spPr>
         <p:style>
           <a:lnRef idx="2">
-            <a:schemeClr val="accent5">
-              <a:shade val="50000"/>
-            </a:schemeClr>
+            <a:schemeClr val="dk1"/>
           </a:lnRef>
           <a:fillRef idx="1">
-            <a:schemeClr val="accent5"/>
+            <a:schemeClr val="lt1"/>
           </a:fillRef>
           <a:effectRef idx="0">
-            <a:schemeClr val="accent5"/>
+            <a:schemeClr val="dk1"/>
           </a:effectRef>
           <a:fontRef idx="minor">
-            <a:schemeClr val="lt1"/>
+            <a:schemeClr val="dk1"/>
           </a:fontRef>
         </p:style>
-        <p:txBody>
-          <a:bodyPr rtlCol="0" anchor="ctr"/>
-          <a:lstStyle/>
-          <a:p>
-            <a:pPr algn="ctr"/>
-            <a:r>
-              <a:rPr kumimoji="1" lang="ja-JP" altLang="en-US" sz="6600" b="1" dirty="0" smtClean="0">
-                <a:ln>
-                  <a:solidFill>
-                    <a:sysClr val="windowText" lastClr="000000"/>
-                  </a:solidFill>
-                </a:ln>
-              </a:rPr>
-              <a:t>１</a:t>
-            </a:r>
-            <a:r>
-              <a:rPr kumimoji="1" lang="en-US" altLang="ja-JP" sz="6600" b="1" dirty="0" smtClean="0">
-                <a:ln>
-                  <a:solidFill>
-                    <a:sysClr val="windowText" lastClr="000000"/>
-                  </a:solidFill>
-                </a:ln>
-              </a:rPr>
-              <a:t>P</a:t>
-            </a:r>
-            <a:endParaRPr kumimoji="1" lang="ja-JP" altLang="en-US" sz="6600" b="1" dirty="0">
-              <a:ln>
-                <a:solidFill>
-                  <a:sysClr val="windowText" lastClr="000000"/>
-                </a:solidFill>
-              </a:ln>
-            </a:endParaRPr>
-          </a:p>
-        </p:txBody>
-      </p:sp>
-      <p:sp>
-        <p:nvSpPr>
-          <p:cNvPr id="11" name="正方形/長方形 10"/>
-          <p:cNvSpPr/>
-          <p:nvPr/>
-        </p:nvSpPr>
-        <p:spPr>
-          <a:xfrm>
-            <a:off x="3730870" y="4176341"/>
-            <a:ext cx="2145323" cy="1116623"/>
-          </a:xfrm>
-          <a:prstGeom prst="rect">
-            <a:avLst/>
-          </a:prstGeom>
-          <a:solidFill>
-            <a:srgbClr val="FF0000"/>
-          </a:solidFill>
-        </p:spPr>
-        <p:style>
-          <a:lnRef idx="2">
-            <a:schemeClr val="accent1">
-              <a:shade val="50000"/>
-            </a:schemeClr>
-          </a:lnRef>
-          <a:fillRef idx="1">
-            <a:schemeClr val="accent1"/>
-          </a:fillRef>
-          <a:effectRef idx="0">
-            <a:schemeClr val="accent1"/>
-          </a:effectRef>
-          <a:fontRef idx="minor">
-            <a:schemeClr val="lt1"/>
-          </a:fontRef>
-        </p:style>
-        <p:txBody>
-          <a:bodyPr rtlCol="0" anchor="ctr"/>
-          <a:lstStyle/>
-          <a:p>
-            <a:pPr algn="ctr"/>
-            <a:r>
-              <a:rPr kumimoji="1" lang="ja-JP" altLang="en-US" sz="6600" b="1" dirty="0" smtClean="0">
-                <a:ln>
-                  <a:solidFill>
-                    <a:sysClr val="windowText" lastClr="000000"/>
-                  </a:solidFill>
-                </a:ln>
-              </a:rPr>
-              <a:t>２</a:t>
-            </a:r>
-            <a:r>
-              <a:rPr kumimoji="1" lang="en-US" altLang="ja-JP" sz="6600" b="1" dirty="0" smtClean="0">
-                <a:ln>
-                  <a:solidFill>
-                    <a:sysClr val="windowText" lastClr="000000"/>
-                  </a:solidFill>
-                </a:ln>
-              </a:rPr>
-              <a:t>P</a:t>
-            </a:r>
-            <a:endParaRPr kumimoji="1" lang="ja-JP" altLang="en-US" sz="6600" b="1" dirty="0">
-              <a:ln>
-                <a:solidFill>
-                  <a:sysClr val="windowText" lastClr="000000"/>
-                </a:solidFill>
-              </a:ln>
-            </a:endParaRPr>
-          </a:p>
-        </p:txBody>
-      </p:sp>
-      <p:sp>
-        <p:nvSpPr>
-          <p:cNvPr id="12" name="正方形/長方形 11"/>
-          <p:cNvSpPr/>
-          <p:nvPr/>
-        </p:nvSpPr>
-        <p:spPr>
-          <a:xfrm>
-            <a:off x="6676293" y="4176341"/>
-            <a:ext cx="2145323" cy="1116623"/>
-          </a:xfrm>
-          <a:prstGeom prst="rect">
-            <a:avLst/>
-          </a:prstGeom>
-          <a:solidFill>
-            <a:srgbClr val="92D050"/>
-          </a:solidFill>
-        </p:spPr>
-        <p:style>
-          <a:lnRef idx="2">
-            <a:schemeClr val="accent1">
-              <a:shade val="50000"/>
-            </a:schemeClr>
-          </a:lnRef>
-          <a:fillRef idx="1">
-            <a:schemeClr val="accent1"/>
-          </a:fillRef>
-          <a:effectRef idx="0">
-            <a:schemeClr val="accent1"/>
-          </a:effectRef>
-          <a:fontRef idx="minor">
-            <a:schemeClr val="lt1"/>
-          </a:fontRef>
-        </p:style>
-        <p:txBody>
-          <a:bodyPr rtlCol="0" anchor="ctr"/>
-          <a:lstStyle/>
-          <a:p>
-            <a:pPr algn="ctr"/>
-            <a:r>
-              <a:rPr kumimoji="1" lang="ja-JP" altLang="en-US" sz="6600" b="1" dirty="0" smtClean="0">
-                <a:ln>
-                  <a:solidFill>
-                    <a:sysClr val="windowText" lastClr="000000"/>
-                  </a:solidFill>
-                </a:ln>
-              </a:rPr>
-              <a:t>３</a:t>
-            </a:r>
-            <a:r>
-              <a:rPr kumimoji="1" lang="en-US" altLang="ja-JP" sz="6600" b="1" dirty="0" smtClean="0">
-                <a:ln>
-                  <a:solidFill>
-                    <a:sysClr val="windowText" lastClr="000000"/>
-                  </a:solidFill>
-                </a:ln>
-              </a:rPr>
-              <a:t>P</a:t>
-            </a:r>
-            <a:endParaRPr kumimoji="1" lang="ja-JP" altLang="en-US" sz="6600" b="1" dirty="0">
-              <a:ln>
-                <a:solidFill>
-                  <a:sysClr val="windowText" lastClr="000000"/>
-                </a:solidFill>
-              </a:ln>
-            </a:endParaRPr>
-          </a:p>
-        </p:txBody>
-      </p:sp>
-      <p:sp>
-        <p:nvSpPr>
-          <p:cNvPr id="13" name="正方形/長方形 12"/>
-          <p:cNvSpPr/>
-          <p:nvPr/>
-        </p:nvSpPr>
-        <p:spPr>
-          <a:xfrm>
-            <a:off x="9457593" y="4176341"/>
-            <a:ext cx="2145323" cy="1116623"/>
-          </a:xfrm>
-          <a:prstGeom prst="rect">
-            <a:avLst/>
-          </a:prstGeom>
-          <a:solidFill>
-            <a:schemeClr val="accent4">
-              <a:lumMod val="60000"/>
-              <a:lumOff val="40000"/>
-            </a:schemeClr>
-          </a:solidFill>
-        </p:spPr>
-        <p:style>
-          <a:lnRef idx="2">
-            <a:schemeClr val="accent1">
-              <a:shade val="50000"/>
-            </a:schemeClr>
-          </a:lnRef>
-          <a:fillRef idx="1">
-            <a:schemeClr val="accent1"/>
-          </a:fillRef>
-          <a:effectRef idx="0">
-            <a:schemeClr val="accent1"/>
-          </a:effectRef>
-          <a:fontRef idx="minor">
-            <a:schemeClr val="lt1"/>
-          </a:fontRef>
-        </p:style>
-        <p:txBody>
-          <a:bodyPr rtlCol="0" anchor="ctr"/>
-          <a:lstStyle/>
-          <a:p>
-            <a:pPr algn="ctr"/>
-            <a:r>
-              <a:rPr kumimoji="1" lang="ja-JP" altLang="en-US" sz="6600" b="1" dirty="0" smtClean="0">
-                <a:ln>
-                  <a:solidFill>
-                    <a:sysClr val="windowText" lastClr="000000"/>
-                  </a:solidFill>
-                </a:ln>
-              </a:rPr>
-              <a:t>４</a:t>
-            </a:r>
-            <a:r>
-              <a:rPr kumimoji="1" lang="en-US" altLang="ja-JP" sz="6600" b="1" dirty="0" smtClean="0">
-                <a:ln>
-                  <a:solidFill>
-                    <a:sysClr val="windowText" lastClr="000000"/>
-                  </a:solidFill>
-                </a:ln>
-              </a:rPr>
-              <a:t>P</a:t>
-            </a:r>
-            <a:endParaRPr kumimoji="1" lang="ja-JP" altLang="en-US" sz="6600" b="1" dirty="0">
-              <a:ln>
-                <a:solidFill>
-                  <a:sysClr val="windowText" lastClr="000000"/>
-                </a:solidFill>
-              </a:ln>
-            </a:endParaRPr>
-          </a:p>
-        </p:txBody>
-      </p:sp>
-      <p:sp>
-        <p:nvSpPr>
-          <p:cNvPr id="8" name="下矢印 7"/>
-          <p:cNvSpPr/>
-          <p:nvPr/>
-        </p:nvSpPr>
-        <p:spPr>
-          <a:xfrm>
-            <a:off x="1052145" y="5438036"/>
-            <a:ext cx="1107831" cy="931985"/>
-          </a:xfrm>
-          <a:prstGeom prst="downArrow">
-            <a:avLst/>
-          </a:prstGeom>
-        </p:spPr>
-        <p:style>
-          <a:lnRef idx="2">
-            <a:schemeClr val="accent5">
-              <a:shade val="50000"/>
-            </a:schemeClr>
-          </a:lnRef>
-          <a:fillRef idx="1">
-            <a:schemeClr val="accent5"/>
-          </a:fillRef>
-          <a:effectRef idx="0">
-            <a:schemeClr val="accent5"/>
-          </a:effectRef>
-          <a:fontRef idx="minor">
-            <a:schemeClr val="lt1"/>
-          </a:fontRef>
-        </p:style>
-        <p:txBody>
-          <a:bodyPr rtlCol="0" anchor="ctr"/>
-          <a:lstStyle/>
-          <a:p>
-            <a:pPr algn="ctr"/>
-            <a:endParaRPr kumimoji="1" lang="ja-JP" altLang="en-US"/>
-          </a:p>
-        </p:txBody>
-      </p:sp>
-      <p:sp>
-        <p:nvSpPr>
-          <p:cNvPr id="15" name="下矢印 14"/>
-          <p:cNvSpPr/>
-          <p:nvPr/>
-        </p:nvSpPr>
-        <p:spPr>
-          <a:xfrm>
-            <a:off x="4106007" y="5438036"/>
-            <a:ext cx="1107831" cy="931985"/>
-          </a:xfrm>
-          <a:prstGeom prst="downArrow">
-            <a:avLst/>
-          </a:prstGeom>
-          <a:solidFill>
-            <a:srgbClr val="FF0000"/>
-          </a:solidFill>
-        </p:spPr>
-        <p:style>
-          <a:lnRef idx="2">
-            <a:schemeClr val="accent5">
-              <a:shade val="50000"/>
-            </a:schemeClr>
-          </a:lnRef>
-          <a:fillRef idx="1">
-            <a:schemeClr val="accent5"/>
-          </a:fillRef>
-          <a:effectRef idx="0">
-            <a:schemeClr val="accent5"/>
-          </a:effectRef>
-          <a:fontRef idx="minor">
-            <a:schemeClr val="lt1"/>
-          </a:fontRef>
-        </p:style>
-        <p:txBody>
-          <a:bodyPr rtlCol="0" anchor="ctr"/>
-          <a:lstStyle/>
-          <a:p>
-            <a:pPr algn="ctr"/>
-            <a:endParaRPr kumimoji="1" lang="ja-JP" altLang="en-US"/>
-          </a:p>
-        </p:txBody>
-      </p:sp>
-      <p:sp>
-        <p:nvSpPr>
-          <p:cNvPr id="17" name="下矢印 16"/>
-          <p:cNvSpPr/>
-          <p:nvPr/>
-        </p:nvSpPr>
-        <p:spPr>
-          <a:xfrm>
-            <a:off x="7154008" y="5490786"/>
-            <a:ext cx="1107831" cy="931985"/>
-          </a:xfrm>
-          <a:prstGeom prst="downArrow">
-            <a:avLst/>
-          </a:prstGeom>
-          <a:solidFill>
-            <a:schemeClr val="accent6">
-              <a:lumMod val="20000"/>
-              <a:lumOff val="80000"/>
-            </a:schemeClr>
-          </a:solidFill>
-        </p:spPr>
-        <p:style>
-          <a:lnRef idx="2">
-            <a:schemeClr val="accent5">
-              <a:shade val="50000"/>
-            </a:schemeClr>
-          </a:lnRef>
-          <a:fillRef idx="1">
-            <a:schemeClr val="accent5"/>
-          </a:fillRef>
-          <a:effectRef idx="0">
-            <a:schemeClr val="accent5"/>
-          </a:effectRef>
-          <a:fontRef idx="minor">
-            <a:schemeClr val="lt1"/>
-          </a:fontRef>
-        </p:style>
-        <p:txBody>
-          <a:bodyPr rtlCol="0" anchor="ctr"/>
-          <a:lstStyle/>
-          <a:p>
-            <a:pPr algn="ctr"/>
-            <a:endParaRPr kumimoji="1" lang="ja-JP" altLang="en-US"/>
-          </a:p>
-        </p:txBody>
-      </p:sp>
-      <p:sp>
-        <p:nvSpPr>
-          <p:cNvPr id="18" name="下矢印 17"/>
-          <p:cNvSpPr/>
-          <p:nvPr/>
-        </p:nvSpPr>
-        <p:spPr>
-          <a:xfrm>
-            <a:off x="10032024" y="5490785"/>
-            <a:ext cx="1107831" cy="931985"/>
-          </a:xfrm>
-          <a:prstGeom prst="downArrow">
-            <a:avLst/>
-          </a:prstGeom>
-          <a:solidFill>
-            <a:schemeClr val="accent4">
-              <a:lumMod val="40000"/>
-              <a:lumOff val="60000"/>
-            </a:schemeClr>
-          </a:solidFill>
-        </p:spPr>
-        <p:style>
-          <a:lnRef idx="2">
-            <a:schemeClr val="accent5">
-              <a:shade val="50000"/>
-            </a:schemeClr>
-          </a:lnRef>
-          <a:fillRef idx="1">
-            <a:schemeClr val="accent5"/>
-          </a:fillRef>
-          <a:effectRef idx="0">
-            <a:schemeClr val="accent5"/>
-          </a:effectRef>
-          <a:fontRef idx="minor">
-            <a:schemeClr val="lt1"/>
-          </a:fontRef>
-        </p:style>
-        <p:txBody>
-          <a:bodyPr rtlCol="0" anchor="ctr"/>
-          <a:lstStyle/>
-          <a:p>
-            <a:pPr algn="ctr"/>
-            <a:endParaRPr kumimoji="1" lang="ja-JP" altLang="en-US"/>
-          </a:p>
-        </p:txBody>
-      </p:sp>
-      <p:sp>
-        <p:nvSpPr>
-          <p:cNvPr id="19" name="テキスト ボックス 18"/>
-          <p:cNvSpPr txBox="1"/>
-          <p:nvPr/>
-        </p:nvSpPr>
-        <p:spPr>
-          <a:xfrm>
-            <a:off x="1019907" y="6429344"/>
-            <a:ext cx="1248509" cy="369332"/>
-          </a:xfrm>
-          <a:prstGeom prst="rect">
-            <a:avLst/>
-          </a:prstGeom>
-          <a:solidFill>
-            <a:schemeClr val="bg1"/>
-          </a:solidFill>
-        </p:spPr>
         <p:txBody>
           <a:bodyPr wrap="square" rtlCol="0">
             <a:spAutoFit/>
@@ -21033,116 +20078,73 @@
           <a:p>
             <a:pPr algn="ctr"/>
             <a:r>
-              <a:rPr kumimoji="1" lang="ja-JP" altLang="en-US" b="1" dirty="0" smtClean="0"/>
-              <a:t>画面外へ</a:t>
-            </a:r>
-            <a:endParaRPr kumimoji="1" lang="ja-JP" altLang="en-US" b="1" dirty="0"/>
-          </a:p>
-        </p:txBody>
-      </p:sp>
-      <p:sp>
-        <p:nvSpPr>
-          <p:cNvPr id="20" name="テキスト ボックス 19"/>
-          <p:cNvSpPr txBox="1"/>
-          <p:nvPr/>
-        </p:nvSpPr>
-        <p:spPr>
-          <a:xfrm>
-            <a:off x="3979982" y="6422770"/>
-            <a:ext cx="1248509" cy="369332"/>
+              <a:rPr kumimoji="1" lang="ja-JP" altLang="en-US" dirty="0" smtClean="0"/>
+              <a:t>背景は</a:t>
+            </a:r>
+            <a:r>
+              <a:rPr lang="ja-JP" altLang="en-US" b="1" dirty="0" smtClean="0">
+                <a:solidFill>
+                  <a:srgbClr val="FF00FF"/>
+                </a:solidFill>
+              </a:rPr>
+              <a:t>３</a:t>
+            </a:r>
+            <a:r>
+              <a:rPr lang="en-US" altLang="ja-JP" b="1" dirty="0" smtClean="0">
+                <a:solidFill>
+                  <a:srgbClr val="FF00FF"/>
+                </a:solidFill>
+              </a:rPr>
+              <a:t>D</a:t>
+            </a:r>
+            <a:endParaRPr lang="ja-JP" altLang="en-US" b="1" dirty="0">
+              <a:solidFill>
+                <a:srgbClr val="FF00FF"/>
+              </a:solidFill>
+            </a:endParaRPr>
+          </a:p>
+        </p:txBody>
+      </p:sp>
+      <p:pic>
+        <p:nvPicPr>
+          <p:cNvPr id="5" name="図 4"/>
+          <p:cNvPicPr>
+            <a:picLocks noChangeAspect="1"/>
+          </p:cNvPicPr>
+          <p:nvPr/>
+        </p:nvPicPr>
+        <p:blipFill rotWithShape="1">
+          <a:blip r:embed="rId3">
+            <a:extLst>
+              <a:ext uri="{28A0092B-C50C-407E-A947-70E740481C1C}">
+                <a14:useLocalDpi xmlns:a14="http://schemas.microsoft.com/office/drawing/2010/main" val="0"/>
+              </a:ext>
+            </a:extLst>
+          </a:blip>
+          <a:srcRect l="49270" t="10284" r="34576" b="52162"/>
+          <a:stretch/>
+        </p:blipFill>
+        <p:spPr>
+          <a:xfrm>
+            <a:off x="6031522" y="499225"/>
+            <a:ext cx="2727232" cy="2782242"/>
           </a:xfrm>
           <a:prstGeom prst="rect">
             <a:avLst/>
           </a:prstGeom>
-          <a:solidFill>
-            <a:schemeClr val="bg1"/>
-          </a:solidFill>
-        </p:spPr>
-        <p:txBody>
-          <a:bodyPr wrap="square" rtlCol="0">
-            <a:spAutoFit/>
-          </a:bodyPr>
-          <a:lstStyle/>
-          <a:p>
-            <a:pPr algn="ctr"/>
-            <a:r>
-              <a:rPr kumimoji="1" lang="ja-JP" altLang="en-US" b="1" dirty="0" smtClean="0"/>
-              <a:t>画面外へ</a:t>
-            </a:r>
-            <a:endParaRPr kumimoji="1" lang="ja-JP" altLang="en-US" b="1" dirty="0"/>
-          </a:p>
-        </p:txBody>
-      </p:sp>
-      <p:sp>
-        <p:nvSpPr>
-          <p:cNvPr id="21" name="テキスト ボックス 20"/>
-          <p:cNvSpPr txBox="1"/>
-          <p:nvPr/>
-        </p:nvSpPr>
-        <p:spPr>
-          <a:xfrm>
-            <a:off x="7124699" y="6424965"/>
-            <a:ext cx="1248509" cy="369332"/>
-          </a:xfrm>
-          <a:prstGeom prst="rect">
-            <a:avLst/>
-          </a:prstGeom>
-          <a:solidFill>
-            <a:schemeClr val="bg1"/>
-          </a:solidFill>
-        </p:spPr>
-        <p:txBody>
-          <a:bodyPr wrap="square" rtlCol="0">
-            <a:spAutoFit/>
-          </a:bodyPr>
-          <a:lstStyle/>
-          <a:p>
-            <a:pPr algn="ctr"/>
-            <a:r>
-              <a:rPr kumimoji="1" lang="ja-JP" altLang="en-US" b="1" dirty="0" smtClean="0"/>
-              <a:t>画面外へ</a:t>
-            </a:r>
-            <a:endParaRPr kumimoji="1" lang="ja-JP" altLang="en-US" b="1" dirty="0"/>
-          </a:p>
-        </p:txBody>
-      </p:sp>
-      <p:sp>
-        <p:nvSpPr>
-          <p:cNvPr id="22" name="テキスト ボックス 21"/>
-          <p:cNvSpPr txBox="1"/>
-          <p:nvPr/>
-        </p:nvSpPr>
-        <p:spPr>
-          <a:xfrm>
-            <a:off x="10032024" y="6429344"/>
-            <a:ext cx="1248509" cy="369332"/>
-          </a:xfrm>
-          <a:prstGeom prst="rect">
-            <a:avLst/>
-          </a:prstGeom>
-          <a:solidFill>
-            <a:schemeClr val="bg1"/>
-          </a:solidFill>
-        </p:spPr>
-        <p:txBody>
-          <a:bodyPr wrap="square" rtlCol="0">
-            <a:spAutoFit/>
-          </a:bodyPr>
-          <a:lstStyle/>
-          <a:p>
-            <a:pPr algn="ctr"/>
-            <a:r>
-              <a:rPr kumimoji="1" lang="ja-JP" altLang="en-US" b="1" dirty="0" smtClean="0"/>
-              <a:t>画面外へ</a:t>
-            </a:r>
-            <a:endParaRPr kumimoji="1" lang="ja-JP" altLang="en-US" b="1" dirty="0"/>
-          </a:p>
-        </p:txBody>
-      </p:sp>
+          <a:effectLst>
+            <a:outerShdw blurRad="38100" dist="25400" dir="2100000" sx="106000" sy="106000" algn="ctr" rotWithShape="0">
+              <a:srgbClr val="000000">
+                <a:alpha val="42000"/>
+              </a:srgbClr>
+            </a:outerShdw>
+          </a:effectLst>
+        </p:spPr>
+      </p:pic>
     </p:spTree>
     <p:extLst>
       <p:ext uri="{BB962C8B-B14F-4D97-AF65-F5344CB8AC3E}">
-        <p14:creationId xmlns:p14="http://schemas.microsoft.com/office/powerpoint/2010/main" val="1884571452"/>
+        <p14:creationId xmlns:p14="http://schemas.microsoft.com/office/powerpoint/2010/main" val="3607434142"/>
       </p:ext>
     </p:extLst>
   </p:cSld>
@@ -21184,313 +20186,125 @@
           <a:chExt cx="0" cy="0"/>
         </a:xfrm>
       </p:grpSpPr>
-      <p:sp>
-        <p:nvSpPr>
-          <p:cNvPr id="2" name="タイトル 1"/>
-          <p:cNvSpPr>
-            <a:spLocks noGrp="1"/>
-          </p:cNvSpPr>
-          <p:nvPr>
-            <p:ph type="title"/>
-          </p:nvPr>
-        </p:nvSpPr>
-        <p:spPr/>
-        <p:txBody>
-          <a:bodyPr/>
-          <a:lstStyle/>
-          <a:p>
-            <a:r>
-              <a:rPr kumimoji="1" lang="ja-JP" altLang="en-US" dirty="0" smtClean="0"/>
-              <a:t>カメラの動き</a:t>
-            </a:r>
-            <a:endParaRPr kumimoji="1" lang="ja-JP" altLang="en-US" dirty="0"/>
-          </a:p>
-        </p:txBody>
-      </p:sp>
       <p:pic>
         <p:nvPicPr>
-          <p:cNvPr id="8" name="図 7"/>
+          <p:cNvPr id="3" name="図 2"/>
           <p:cNvPicPr>
             <a:picLocks noChangeAspect="1"/>
           </p:cNvPicPr>
           <p:nvPr/>
         </p:nvPicPr>
+        <p:blipFill>
+          <a:blip r:embed="rId2"/>
+          <a:stretch>
+            <a:fillRect/>
+          </a:stretch>
+        </p:blipFill>
+        <p:spPr>
+          <a:xfrm>
+            <a:off x="0" y="0"/>
+            <a:ext cx="12192000" cy="6885000"/>
+          </a:xfrm>
+          <a:prstGeom prst="rect">
+            <a:avLst/>
+          </a:prstGeom>
+        </p:spPr>
+      </p:pic>
+      <p:pic>
+        <p:nvPicPr>
+          <p:cNvPr id="16" name="図 15"/>
+          <p:cNvPicPr>
+            <a:picLocks noChangeAspect="1"/>
+          </p:cNvPicPr>
+          <p:nvPr/>
+        </p:nvPicPr>
         <p:blipFill rotWithShape="1">
-          <a:blip r:embed="rId2"/>
-          <a:srcRect l="9298" t="21520" r="10789" b="20761"/>
+          <a:blip r:embed="rId3">
+            <a:extLst>
+              <a:ext uri="{28A0092B-C50C-407E-A947-70E740481C1C}">
+                <a14:useLocalDpi xmlns:a14="http://schemas.microsoft.com/office/drawing/2010/main" val="0"/>
+              </a:ext>
+            </a:extLst>
+          </a:blip>
+          <a:srcRect l="18566" t="10284" r="34709" b="49423"/>
           <a:stretch/>
         </p:blipFill>
         <p:spPr>
           <a:xfrm>
-            <a:off x="8880231" y="4263680"/>
-            <a:ext cx="1644161" cy="1187550"/>
+            <a:off x="4062046" y="761058"/>
+            <a:ext cx="3077308" cy="1164457"/>
           </a:xfrm>
           <a:prstGeom prst="rect">
             <a:avLst/>
           </a:prstGeom>
+          <a:effectLst>
+            <a:outerShdw blurRad="38100" dist="25400" dir="2100000" sx="106000" sy="106000" algn="ctr" rotWithShape="0">
+              <a:srgbClr val="000000">
+                <a:alpha val="42000"/>
+              </a:srgbClr>
+            </a:outerShdw>
+          </a:effectLst>
         </p:spPr>
       </p:pic>
       <p:sp>
         <p:nvSpPr>
-          <p:cNvPr id="9" name="左矢印 8"/>
-          <p:cNvSpPr/>
-          <p:nvPr/>
-        </p:nvSpPr>
-        <p:spPr>
-          <a:xfrm>
-            <a:off x="7038383" y="4369176"/>
-            <a:ext cx="1547446" cy="1213338"/>
-          </a:xfrm>
-          <a:prstGeom prst="leftArrow">
+          <p:cNvPr id="9" name="テキスト ボックス 8"/>
+          <p:cNvSpPr txBox="1"/>
+          <p:nvPr/>
+        </p:nvSpPr>
+        <p:spPr>
+          <a:xfrm>
+            <a:off x="395473" y="2334826"/>
+            <a:ext cx="1811396" cy="369332"/>
+          </a:xfrm>
+          <a:prstGeom prst="rect">
             <a:avLst/>
           </a:prstGeom>
         </p:spPr>
         <p:style>
           <a:lnRef idx="2">
-            <a:schemeClr val="accent1">
-              <a:shade val="50000"/>
-            </a:schemeClr>
+            <a:schemeClr val="dk1"/>
           </a:lnRef>
           <a:fillRef idx="1">
-            <a:schemeClr val="accent1"/>
-          </a:fillRef>
-          <a:effectRef idx="0">
-            <a:schemeClr val="accent1"/>
-          </a:effectRef>
-          <a:fontRef idx="minor">
             <a:schemeClr val="lt1"/>
-          </a:fontRef>
-        </p:style>
-        <p:txBody>
-          <a:bodyPr rtlCol="0" anchor="ctr"/>
-          <a:lstStyle/>
-          <a:p>
-            <a:pPr algn="ctr"/>
-            <a:endParaRPr kumimoji="1" lang="ja-JP" altLang="en-US"/>
-          </a:p>
-        </p:txBody>
-      </p:sp>
-      <p:sp>
-        <p:nvSpPr>
-          <p:cNvPr id="10" name="角丸四角形 9"/>
-          <p:cNvSpPr/>
-          <p:nvPr/>
-        </p:nvSpPr>
-        <p:spPr>
-          <a:xfrm>
-            <a:off x="1969477" y="2283625"/>
-            <a:ext cx="3209193" cy="1415561"/>
-          </a:xfrm>
-          <a:prstGeom prst="roundRect">
-            <a:avLst/>
-          </a:prstGeom>
-        </p:spPr>
-        <p:style>
-          <a:lnRef idx="2">
-            <a:schemeClr val="dk1">
-              <a:shade val="50000"/>
-            </a:schemeClr>
-          </a:lnRef>
-          <a:fillRef idx="1">
-            <a:schemeClr val="dk1"/>
           </a:fillRef>
           <a:effectRef idx="0">
             <a:schemeClr val="dk1"/>
           </a:effectRef>
           <a:fontRef idx="minor">
-            <a:schemeClr val="lt1"/>
+            <a:schemeClr val="dk1"/>
           </a:fontRef>
         </p:style>
         <p:txBody>
-          <a:bodyPr rtlCol="0" anchor="ctr"/>
+          <a:bodyPr wrap="square" rtlCol="0">
+            <a:spAutoFit/>
+          </a:bodyPr>
           <a:lstStyle/>
           <a:p>
             <a:pPr algn="ctr"/>
             <a:r>
-              <a:rPr kumimoji="1" lang="ja-JP" altLang="en-US" sz="3600" b="1" dirty="0" smtClean="0"/>
-              <a:t>タイトル</a:t>
-            </a:r>
-            <a:endParaRPr kumimoji="1" lang="ja-JP" altLang="en-US" sz="3600" b="1" dirty="0"/>
-          </a:p>
-        </p:txBody>
-      </p:sp>
-      <p:sp>
-        <p:nvSpPr>
-          <p:cNvPr id="11" name="角丸四角形 10"/>
-          <p:cNvSpPr/>
-          <p:nvPr/>
-        </p:nvSpPr>
-        <p:spPr>
-          <a:xfrm>
-            <a:off x="559777" y="2186910"/>
-            <a:ext cx="1078524" cy="3659975"/>
-          </a:xfrm>
-          <a:prstGeom prst="roundRect">
-            <a:avLst/>
-          </a:prstGeom>
-        </p:spPr>
-        <p:style>
-          <a:lnRef idx="2">
-            <a:schemeClr val="accent1">
-              <a:shade val="50000"/>
-            </a:schemeClr>
-          </a:lnRef>
-          <a:fillRef idx="1">
-            <a:schemeClr val="accent1"/>
-          </a:fillRef>
-          <a:effectRef idx="0">
-            <a:schemeClr val="accent1"/>
-          </a:effectRef>
-          <a:fontRef idx="minor">
-            <a:schemeClr val="lt1"/>
-          </a:fontRef>
-        </p:style>
-        <p:txBody>
-          <a:bodyPr rtlCol="0" anchor="ctr"/>
-          <a:lstStyle/>
-          <a:p>
-            <a:pPr algn="ctr"/>
-            <a:r>
-              <a:rPr kumimoji="1" lang="ja-JP" altLang="en-US" sz="3600" b="1" dirty="0" smtClean="0"/>
-              <a:t>背景</a:t>
-            </a:r>
-            <a:endParaRPr kumimoji="1" lang="ja-JP" altLang="en-US" sz="3600" b="1" dirty="0"/>
-          </a:p>
-        </p:txBody>
-      </p:sp>
-      <p:sp>
-        <p:nvSpPr>
-          <p:cNvPr id="12" name="正方形/長方形 11"/>
-          <p:cNvSpPr/>
-          <p:nvPr/>
-        </p:nvSpPr>
-        <p:spPr>
-          <a:xfrm>
-            <a:off x="1019908" y="5917223"/>
-            <a:ext cx="5715000" cy="580292"/>
-          </a:xfrm>
-          <a:prstGeom prst="rect">
-            <a:avLst/>
-          </a:prstGeom>
-          <a:gradFill>
-            <a:gsLst>
-              <a:gs pos="0">
-                <a:srgbClr val="00B050"/>
-              </a:gs>
-              <a:gs pos="78000">
-                <a:schemeClr val="accent2">
-                  <a:lumMod val="40000"/>
-                  <a:lumOff val="60000"/>
-                </a:schemeClr>
-              </a:gs>
-              <a:gs pos="73000">
-                <a:srgbClr val="DAC8A2"/>
-              </a:gs>
-              <a:gs pos="62000">
-                <a:srgbClr val="A9C28F"/>
-              </a:gs>
-              <a:gs pos="85000">
-                <a:schemeClr val="accent2">
-                  <a:lumMod val="60000"/>
-                  <a:lumOff val="40000"/>
-                </a:schemeClr>
-              </a:gs>
-              <a:gs pos="100000">
-                <a:schemeClr val="accent2">
-                  <a:lumMod val="75000"/>
-                </a:schemeClr>
-              </a:gs>
-            </a:gsLst>
-            <a:lin ang="5400000" scaled="1"/>
-          </a:gradFill>
-        </p:spPr>
-        <p:style>
-          <a:lnRef idx="2">
-            <a:schemeClr val="accent6">
-              <a:shade val="50000"/>
-            </a:schemeClr>
-          </a:lnRef>
-          <a:fillRef idx="1">
-            <a:schemeClr val="accent6"/>
-          </a:fillRef>
-          <a:effectRef idx="0">
-            <a:schemeClr val="accent6"/>
-          </a:effectRef>
-          <a:fontRef idx="minor">
-            <a:schemeClr val="lt1"/>
-          </a:fontRef>
-        </p:style>
-        <p:txBody>
-          <a:bodyPr rtlCol="0" anchor="ctr"/>
-          <a:lstStyle/>
-          <a:p>
-            <a:pPr algn="ctr"/>
-            <a:r>
-              <a:rPr kumimoji="1" lang="ja-JP" altLang="en-US" sz="2400" b="1" dirty="0" smtClean="0">
+              <a:rPr kumimoji="1" lang="ja-JP" altLang="en-US" dirty="0" smtClean="0"/>
+              <a:t>背景は</a:t>
+            </a:r>
+            <a:r>
+              <a:rPr lang="ja-JP" altLang="en-US" b="1" dirty="0" smtClean="0">
                 <a:solidFill>
-                  <a:schemeClr val="accent2"/>
+                  <a:srgbClr val="FF00FF"/>
                 </a:solidFill>
               </a:rPr>
-              <a:t>地面</a:t>
-            </a:r>
-            <a:endParaRPr kumimoji="1" lang="ja-JP" altLang="en-US" sz="2400" b="1" dirty="0">
-              <a:solidFill>
-                <a:schemeClr val="accent2"/>
-              </a:solidFill>
-            </a:endParaRPr>
-          </a:p>
-        </p:txBody>
-      </p:sp>
-      <p:sp>
-        <p:nvSpPr>
-          <p:cNvPr id="3" name="正方形/長方形 2"/>
-          <p:cNvSpPr/>
-          <p:nvPr/>
-        </p:nvSpPr>
-        <p:spPr>
-          <a:xfrm>
-            <a:off x="2605066" y="5451230"/>
-            <a:ext cx="1081454" cy="580292"/>
-          </a:xfrm>
-          <a:prstGeom prst="rect">
-            <a:avLst/>
-          </a:prstGeom>
-          <a:ln>
-            <a:solidFill>
-              <a:schemeClr val="tx1"/>
-            </a:solidFill>
-          </a:ln>
-        </p:spPr>
-        <p:style>
-          <a:lnRef idx="3">
-            <a:schemeClr val="lt1"/>
-          </a:lnRef>
-          <a:fillRef idx="1">
-            <a:schemeClr val="accent4"/>
-          </a:fillRef>
-          <a:effectRef idx="1">
-            <a:schemeClr val="accent4"/>
-          </a:effectRef>
-          <a:fontRef idx="minor">
-            <a:schemeClr val="lt1"/>
-          </a:fontRef>
-        </p:style>
-        <p:txBody>
-          <a:bodyPr rtlCol="0" anchor="ctr"/>
-          <a:lstStyle/>
-          <a:p>
-            <a:pPr algn="ctr"/>
-            <a:r>
-              <a:rPr kumimoji="1" lang="ja-JP" altLang="en-US" sz="2400" b="1" dirty="0" smtClean="0">
+              <a:t>３</a:t>
+            </a:r>
+            <a:r>
+              <a:rPr lang="en-US" altLang="ja-JP" b="1" dirty="0" smtClean="0">
                 <a:solidFill>
-                  <a:sysClr val="windowText" lastClr="000000"/>
+                  <a:srgbClr val="FF00FF"/>
                 </a:solidFill>
               </a:rPr>
-              <a:t>車</a:t>
-            </a:r>
-            <a:endParaRPr kumimoji="1" lang="ja-JP" altLang="en-US" sz="2400" b="1" dirty="0">
+              <a:t>D</a:t>
+            </a:r>
+            <a:endParaRPr lang="ja-JP" altLang="en-US" b="1" dirty="0">
               <a:solidFill>
-                <a:sysClr val="windowText" lastClr="000000"/>
+                <a:srgbClr val="FF00FF"/>
               </a:solidFill>
             </a:endParaRPr>
           </a:p>
@@ -21499,13 +20313,28 @@
     </p:spTree>
     <p:extLst>
       <p:ext uri="{BB962C8B-B14F-4D97-AF65-F5344CB8AC3E}">
-        <p14:creationId xmlns:p14="http://schemas.microsoft.com/office/powerpoint/2010/main" val="1996236154"/>
+        <p14:creationId xmlns:p14="http://schemas.microsoft.com/office/powerpoint/2010/main" val="358990836"/>
       </p:ext>
     </p:extLst>
   </p:cSld>
   <p:clrMapOvr>
     <a:masterClrMapping/>
   </p:clrMapOvr>
+  <mc:AlternateContent xmlns:mc="http://schemas.openxmlformats.org/markup-compatibility/2006" xmlns:p14="http://schemas.microsoft.com/office/powerpoint/2010/main">
+    <mc:Choice Requires="p14">
+      <p:transition spd="slow" p14:dur="2000"/>
+    </mc:Choice>
+    <mc:Fallback xmlns="">
+      <p:transition spd="slow"/>
+    </mc:Fallback>
+  </mc:AlternateContent>
+  <p:timing>
+    <p:tnLst>
+      <p:par>
+        <p:cTn id="1" dur="indefinite" restart="never" nodeType="tmRoot"/>
+      </p:par>
+    </p:tnLst>
+  </p:timing>
 </p:sld>
 </file>
 
@@ -21543,7 +20372,7 @@
         <p:spPr>
           <a:xfrm>
             <a:off x="0" y="0"/>
-            <a:ext cx="12192000" cy="4719483"/>
+            <a:ext cx="12192000" cy="6885000"/>
           </a:xfrm>
           <a:prstGeom prst="rect">
             <a:avLst/>
@@ -21552,13 +20381,13 @@
       </p:pic>
       <p:pic>
         <p:nvPicPr>
-          <p:cNvPr id="1026" name="Picture 2" descr="芝の管理はどうするの？抑えておきたい基本のお手入れ | お庭から始まる豊かなグリーンライフ「庭サポ」"/>
+          <p:cNvPr id="16" name="図 15"/>
           <p:cNvPicPr>
-            <a:picLocks noChangeAspect="1" noChangeArrowheads="1"/>
+            <a:picLocks noChangeAspect="1"/>
           </p:cNvPicPr>
           <p:nvPr/>
         </p:nvPicPr>
-        <p:blipFill>
+        <p:blipFill rotWithShape="1">
           <a:blip r:embed="rId3">
             <a:extLst>
               <a:ext uri="{28A0092B-C50C-407E-A947-70E740481C1C}">
@@ -21566,368 +20395,55 @@
               </a:ext>
             </a:extLst>
           </a:blip>
-          <a:srcRect/>
-          <a:stretch>
-            <a:fillRect/>
-          </a:stretch>
+          <a:srcRect l="18566" t="10284" r="34709" b="49423"/>
+          <a:stretch/>
         </p:blipFill>
-        <p:spPr bwMode="auto">
-          <a:xfrm>
-            <a:off x="0" y="3639020"/>
-            <a:ext cx="12192000" cy="1125415"/>
+        <p:spPr>
+          <a:xfrm>
+            <a:off x="4062046" y="761058"/>
+            <a:ext cx="3077308" cy="1164457"/>
           </a:xfrm>
           <a:prstGeom prst="rect">
             <a:avLst/>
           </a:prstGeom>
-          <a:noFill/>
-          <a:extLst>
-            <a:ext uri="{909E8E84-426E-40DD-AFC4-6F175D3DCCD1}">
-              <a14:hiddenFill xmlns:a14="http://schemas.microsoft.com/office/drawing/2010/main">
-                <a:solidFill>
-                  <a:srgbClr val="FFFFFF"/>
-                </a:solidFill>
-              </a14:hiddenFill>
-            </a:ext>
-          </a:extLst>
+          <a:effectLst>
+            <a:outerShdw blurRad="38100" dist="25400" dir="2100000" sx="106000" sy="106000" algn="ctr" rotWithShape="0">
+              <a:srgbClr val="000000">
+                <a:alpha val="42000"/>
+              </a:srgbClr>
+            </a:outerShdw>
+          </a:effectLst>
         </p:spPr>
       </p:pic>
       <p:sp>
         <p:nvSpPr>
-          <p:cNvPr id="4" name="正方形/長方形 3"/>
-          <p:cNvSpPr/>
-          <p:nvPr/>
-        </p:nvSpPr>
-        <p:spPr>
-          <a:xfrm>
-            <a:off x="0" y="4764435"/>
-            <a:ext cx="12191999" cy="2093565"/>
+          <p:cNvPr id="9" name="テキスト ボックス 8"/>
+          <p:cNvSpPr txBox="1"/>
+          <p:nvPr/>
+        </p:nvSpPr>
+        <p:spPr>
+          <a:xfrm>
+            <a:off x="395473" y="2334826"/>
+            <a:ext cx="1811396" cy="369332"/>
           </a:xfrm>
           <a:prstGeom prst="rect">
             <a:avLst/>
           </a:prstGeom>
-          <a:solidFill>
-            <a:schemeClr val="tx1"/>
-          </a:solidFill>
         </p:spPr>
         <p:style>
           <a:lnRef idx="2">
-            <a:schemeClr val="accent1">
-              <a:shade val="50000"/>
-            </a:schemeClr>
+            <a:schemeClr val="dk1"/>
           </a:lnRef>
           <a:fillRef idx="1">
-            <a:schemeClr val="accent1"/>
+            <a:schemeClr val="lt1"/>
           </a:fillRef>
           <a:effectRef idx="0">
-            <a:schemeClr val="accent1"/>
+            <a:schemeClr val="dk1"/>
           </a:effectRef>
           <a:fontRef idx="minor">
-            <a:schemeClr val="lt1"/>
+            <a:schemeClr val="dk1"/>
           </a:fontRef>
         </p:style>
-        <p:txBody>
-          <a:bodyPr rtlCol="0" anchor="ctr"/>
-          <a:lstStyle/>
-          <a:p>
-            <a:pPr algn="ctr"/>
-            <a:endParaRPr kumimoji="1" lang="ja-JP" altLang="en-US"/>
-          </a:p>
-        </p:txBody>
-      </p:sp>
-      <p:sp>
-        <p:nvSpPr>
-          <p:cNvPr id="5" name="正方形/長方形 4"/>
-          <p:cNvSpPr/>
-          <p:nvPr/>
-        </p:nvSpPr>
-        <p:spPr>
-          <a:xfrm>
-            <a:off x="685800" y="5515187"/>
-            <a:ext cx="2145323" cy="1116623"/>
-          </a:xfrm>
-          <a:prstGeom prst="rect">
-            <a:avLst/>
-          </a:prstGeom>
-        </p:spPr>
-        <p:style>
-          <a:lnRef idx="2">
-            <a:schemeClr val="accent5">
-              <a:shade val="50000"/>
-            </a:schemeClr>
-          </a:lnRef>
-          <a:fillRef idx="1">
-            <a:schemeClr val="accent5"/>
-          </a:fillRef>
-          <a:effectRef idx="0">
-            <a:schemeClr val="accent5"/>
-          </a:effectRef>
-          <a:fontRef idx="minor">
-            <a:schemeClr val="lt1"/>
-          </a:fontRef>
-        </p:style>
-        <p:txBody>
-          <a:bodyPr rtlCol="0" anchor="ctr"/>
-          <a:lstStyle/>
-          <a:p>
-            <a:pPr algn="ctr"/>
-            <a:r>
-              <a:rPr kumimoji="1" lang="ja-JP" altLang="en-US" sz="6600" b="1" dirty="0" smtClean="0">
-                <a:ln>
-                  <a:solidFill>
-                    <a:sysClr val="windowText" lastClr="000000"/>
-                  </a:solidFill>
-                </a:ln>
-              </a:rPr>
-              <a:t>１</a:t>
-            </a:r>
-            <a:r>
-              <a:rPr kumimoji="1" lang="en-US" altLang="ja-JP" sz="6600" b="1" dirty="0" smtClean="0">
-                <a:ln>
-                  <a:solidFill>
-                    <a:sysClr val="windowText" lastClr="000000"/>
-                  </a:solidFill>
-                </a:ln>
-              </a:rPr>
-              <a:t>P</a:t>
-            </a:r>
-            <a:endParaRPr kumimoji="1" lang="ja-JP" altLang="en-US" sz="6600" b="1" dirty="0">
-              <a:ln>
-                <a:solidFill>
-                  <a:sysClr val="windowText" lastClr="000000"/>
-                </a:solidFill>
-              </a:ln>
-            </a:endParaRPr>
-          </a:p>
-        </p:txBody>
-      </p:sp>
-      <p:sp>
-        <p:nvSpPr>
-          <p:cNvPr id="11" name="正方形/長方形 10"/>
-          <p:cNvSpPr/>
-          <p:nvPr/>
-        </p:nvSpPr>
-        <p:spPr>
-          <a:xfrm>
-            <a:off x="3845169" y="5515187"/>
-            <a:ext cx="2145323" cy="1116623"/>
-          </a:xfrm>
-          <a:prstGeom prst="rect">
-            <a:avLst/>
-          </a:prstGeom>
-          <a:solidFill>
-            <a:srgbClr val="FF0000"/>
-          </a:solidFill>
-        </p:spPr>
-        <p:style>
-          <a:lnRef idx="2">
-            <a:schemeClr val="accent1">
-              <a:shade val="50000"/>
-            </a:schemeClr>
-          </a:lnRef>
-          <a:fillRef idx="1">
-            <a:schemeClr val="accent1"/>
-          </a:fillRef>
-          <a:effectRef idx="0">
-            <a:schemeClr val="accent1"/>
-          </a:effectRef>
-          <a:fontRef idx="minor">
-            <a:schemeClr val="lt1"/>
-          </a:fontRef>
-        </p:style>
-        <p:txBody>
-          <a:bodyPr rtlCol="0" anchor="ctr"/>
-          <a:lstStyle/>
-          <a:p>
-            <a:pPr algn="ctr"/>
-            <a:r>
-              <a:rPr kumimoji="1" lang="ja-JP" altLang="en-US" sz="6600" b="1" dirty="0" smtClean="0">
-                <a:ln>
-                  <a:solidFill>
-                    <a:sysClr val="windowText" lastClr="000000"/>
-                  </a:solidFill>
-                </a:ln>
-              </a:rPr>
-              <a:t>２</a:t>
-            </a:r>
-            <a:r>
-              <a:rPr kumimoji="1" lang="en-US" altLang="ja-JP" sz="6600" b="1" dirty="0" smtClean="0">
-                <a:ln>
-                  <a:solidFill>
-                    <a:sysClr val="windowText" lastClr="000000"/>
-                  </a:solidFill>
-                </a:ln>
-              </a:rPr>
-              <a:t>P</a:t>
-            </a:r>
-            <a:endParaRPr kumimoji="1" lang="ja-JP" altLang="en-US" sz="6600" b="1" dirty="0">
-              <a:ln>
-                <a:solidFill>
-                  <a:sysClr val="windowText" lastClr="000000"/>
-                </a:solidFill>
-              </a:ln>
-            </a:endParaRPr>
-          </a:p>
-        </p:txBody>
-      </p:sp>
-      <p:sp>
-        <p:nvSpPr>
-          <p:cNvPr id="12" name="正方形/長方形 11"/>
-          <p:cNvSpPr/>
-          <p:nvPr/>
-        </p:nvSpPr>
-        <p:spPr>
-          <a:xfrm>
-            <a:off x="6790592" y="5515187"/>
-            <a:ext cx="2145323" cy="1116623"/>
-          </a:xfrm>
-          <a:prstGeom prst="rect">
-            <a:avLst/>
-          </a:prstGeom>
-          <a:solidFill>
-            <a:srgbClr val="92D050"/>
-          </a:solidFill>
-        </p:spPr>
-        <p:style>
-          <a:lnRef idx="2">
-            <a:schemeClr val="accent1">
-              <a:shade val="50000"/>
-            </a:schemeClr>
-          </a:lnRef>
-          <a:fillRef idx="1">
-            <a:schemeClr val="accent1"/>
-          </a:fillRef>
-          <a:effectRef idx="0">
-            <a:schemeClr val="accent1"/>
-          </a:effectRef>
-          <a:fontRef idx="minor">
-            <a:schemeClr val="lt1"/>
-          </a:fontRef>
-        </p:style>
-        <p:txBody>
-          <a:bodyPr rtlCol="0" anchor="ctr"/>
-          <a:lstStyle/>
-          <a:p>
-            <a:pPr algn="ctr"/>
-            <a:r>
-              <a:rPr kumimoji="1" lang="ja-JP" altLang="en-US" sz="6600" b="1" dirty="0" smtClean="0">
-                <a:ln>
-                  <a:solidFill>
-                    <a:sysClr val="windowText" lastClr="000000"/>
-                  </a:solidFill>
-                </a:ln>
-              </a:rPr>
-              <a:t>３</a:t>
-            </a:r>
-            <a:r>
-              <a:rPr kumimoji="1" lang="en-US" altLang="ja-JP" sz="6600" b="1" dirty="0" smtClean="0">
-                <a:ln>
-                  <a:solidFill>
-                    <a:sysClr val="windowText" lastClr="000000"/>
-                  </a:solidFill>
-                </a:ln>
-              </a:rPr>
-              <a:t>P</a:t>
-            </a:r>
-            <a:endParaRPr kumimoji="1" lang="ja-JP" altLang="en-US" sz="6600" b="1" dirty="0">
-              <a:ln>
-                <a:solidFill>
-                  <a:sysClr val="windowText" lastClr="000000"/>
-                </a:solidFill>
-              </a:ln>
-            </a:endParaRPr>
-          </a:p>
-        </p:txBody>
-      </p:sp>
-      <p:sp>
-        <p:nvSpPr>
-          <p:cNvPr id="13" name="正方形/長方形 12"/>
-          <p:cNvSpPr/>
-          <p:nvPr/>
-        </p:nvSpPr>
-        <p:spPr>
-          <a:xfrm>
-            <a:off x="9571892" y="5515187"/>
-            <a:ext cx="2145323" cy="1116623"/>
-          </a:xfrm>
-          <a:prstGeom prst="rect">
-            <a:avLst/>
-          </a:prstGeom>
-          <a:solidFill>
-            <a:schemeClr val="accent4">
-              <a:lumMod val="60000"/>
-              <a:lumOff val="40000"/>
-            </a:schemeClr>
-          </a:solidFill>
-        </p:spPr>
-        <p:style>
-          <a:lnRef idx="2">
-            <a:schemeClr val="accent1">
-              <a:shade val="50000"/>
-            </a:schemeClr>
-          </a:lnRef>
-          <a:fillRef idx="1">
-            <a:schemeClr val="accent1"/>
-          </a:fillRef>
-          <a:effectRef idx="0">
-            <a:schemeClr val="accent1"/>
-          </a:effectRef>
-          <a:fontRef idx="minor">
-            <a:schemeClr val="lt1"/>
-          </a:fontRef>
-        </p:style>
-        <p:txBody>
-          <a:bodyPr rtlCol="0" anchor="ctr"/>
-          <a:lstStyle/>
-          <a:p>
-            <a:pPr algn="ctr"/>
-            <a:r>
-              <a:rPr kumimoji="1" lang="ja-JP" altLang="en-US" sz="6600" b="1" dirty="0" smtClean="0">
-                <a:ln>
-                  <a:solidFill>
-                    <a:sysClr val="windowText" lastClr="000000"/>
-                  </a:solidFill>
-                </a:ln>
-              </a:rPr>
-              <a:t>４</a:t>
-            </a:r>
-            <a:r>
-              <a:rPr kumimoji="1" lang="en-US" altLang="ja-JP" sz="6600" b="1" dirty="0" smtClean="0">
-                <a:ln>
-                  <a:solidFill>
-                    <a:sysClr val="windowText" lastClr="000000"/>
-                  </a:solidFill>
-                </a:ln>
-              </a:rPr>
-              <a:t>P</a:t>
-            </a:r>
-            <a:endParaRPr kumimoji="1" lang="ja-JP" altLang="en-US" sz="6600" b="1" dirty="0">
-              <a:ln>
-                <a:solidFill>
-                  <a:sysClr val="windowText" lastClr="000000"/>
-                </a:solidFill>
-              </a:ln>
-            </a:endParaRPr>
-          </a:p>
-        </p:txBody>
-      </p:sp>
-      <p:sp>
-        <p:nvSpPr>
-          <p:cNvPr id="2" name="テキスト ボックス 1"/>
-          <p:cNvSpPr txBox="1"/>
-          <p:nvPr/>
-        </p:nvSpPr>
-        <p:spPr>
-          <a:xfrm>
-            <a:off x="0" y="4842148"/>
-            <a:ext cx="1688122" cy="646331"/>
-          </a:xfrm>
-          <a:prstGeom prst="rect">
-            <a:avLst/>
-          </a:prstGeom>
-          <a:solidFill>
-            <a:schemeClr val="bg1"/>
-          </a:solidFill>
-        </p:spPr>
         <p:txBody>
           <a:bodyPr wrap="square" rtlCol="0">
             <a:spAutoFit/>
@@ -21936,17 +20452,73 @@
           <a:p>
             <a:pPr algn="ctr"/>
             <a:r>
-              <a:rPr kumimoji="1" lang="ja-JP" altLang="en-US" sz="3600" b="1" dirty="0" smtClean="0"/>
-              <a:t>画面外</a:t>
-            </a:r>
-            <a:endParaRPr kumimoji="1" lang="ja-JP" altLang="en-US" sz="3600" b="1" dirty="0"/>
-          </a:p>
-        </p:txBody>
-      </p:sp>
+              <a:rPr kumimoji="1" lang="ja-JP" altLang="en-US" dirty="0" smtClean="0"/>
+              <a:t>背景は</a:t>
+            </a:r>
+            <a:r>
+              <a:rPr lang="ja-JP" altLang="en-US" b="1" dirty="0" smtClean="0">
+                <a:solidFill>
+                  <a:srgbClr val="FF00FF"/>
+                </a:solidFill>
+              </a:rPr>
+              <a:t>３</a:t>
+            </a:r>
+            <a:r>
+              <a:rPr lang="en-US" altLang="ja-JP" b="1" dirty="0" smtClean="0">
+                <a:solidFill>
+                  <a:srgbClr val="FF00FF"/>
+                </a:solidFill>
+              </a:rPr>
+              <a:t>D</a:t>
+            </a:r>
+            <a:endParaRPr lang="ja-JP" altLang="en-US" b="1" dirty="0">
+              <a:solidFill>
+                <a:srgbClr val="FF00FF"/>
+              </a:solidFill>
+            </a:endParaRPr>
+          </a:p>
+        </p:txBody>
+      </p:sp>
+      <p:pic>
+        <p:nvPicPr>
+          <p:cNvPr id="5" name="図 4"/>
+          <p:cNvPicPr>
+            <a:picLocks noChangeAspect="1"/>
+          </p:cNvPicPr>
+          <p:nvPr/>
+        </p:nvPicPr>
+        <p:blipFill rotWithShape="1">
+          <a:blip r:embed="rId3">
+            <a:extLst>
+              <a:ext uri="{28A0092B-C50C-407E-A947-70E740481C1C}">
+                <a14:useLocalDpi xmlns:a14="http://schemas.microsoft.com/office/drawing/2010/main" val="0"/>
+              </a:ext>
+            </a:extLst>
+          </a:blip>
+          <a:srcRect l="65024" t="10285" r="19623" b="53378"/>
+          <a:stretch/>
+        </p:blipFill>
+        <p:spPr>
+          <a:xfrm>
+            <a:off x="7121770" y="761058"/>
+            <a:ext cx="2593730" cy="2693879"/>
+          </a:xfrm>
+          <a:prstGeom prst="rect">
+            <a:avLst/>
+          </a:prstGeom>
+          <a:effectLst>
+            <a:outerShdw blurRad="38100" dist="25400" dir="2100000" sx="106000" sy="106000" algn="ctr" rotWithShape="0">
+              <a:srgbClr val="000000">
+                <a:alpha val="42000"/>
+              </a:srgbClr>
+            </a:outerShdw>
+          </a:effectLst>
+        </p:spPr>
+      </p:pic>
     </p:spTree>
     <p:extLst>
       <p:ext uri="{BB962C8B-B14F-4D97-AF65-F5344CB8AC3E}">
-        <p14:creationId xmlns:p14="http://schemas.microsoft.com/office/powerpoint/2010/main" val="2759547723"/>
+        <p14:creationId xmlns:p14="http://schemas.microsoft.com/office/powerpoint/2010/main" val="713724824"/>
       </p:ext>
     </p:extLst>
   </p:cSld>
@@ -22130,6 +20702,822 @@
           <a:chExt cx="0" cy="0"/>
         </a:xfrm>
       </p:grpSpPr>
+      <p:pic>
+        <p:nvPicPr>
+          <p:cNvPr id="3" name="図 2"/>
+          <p:cNvPicPr>
+            <a:picLocks noChangeAspect="1"/>
+          </p:cNvPicPr>
+          <p:nvPr/>
+        </p:nvPicPr>
+        <p:blipFill>
+          <a:blip r:embed="rId2"/>
+          <a:stretch>
+            <a:fillRect/>
+          </a:stretch>
+        </p:blipFill>
+        <p:spPr>
+          <a:xfrm>
+            <a:off x="0" y="0"/>
+            <a:ext cx="12192000" cy="6885000"/>
+          </a:xfrm>
+          <a:prstGeom prst="rect">
+            <a:avLst/>
+          </a:prstGeom>
+        </p:spPr>
+      </p:pic>
+      <p:pic>
+        <p:nvPicPr>
+          <p:cNvPr id="16" name="図 15"/>
+          <p:cNvPicPr>
+            <a:picLocks noChangeAspect="1"/>
+          </p:cNvPicPr>
+          <p:nvPr/>
+        </p:nvPicPr>
+        <p:blipFill rotWithShape="1">
+          <a:blip r:embed="rId3">
+            <a:extLst>
+              <a:ext uri="{28A0092B-C50C-407E-A947-70E740481C1C}">
+                <a14:useLocalDpi xmlns:a14="http://schemas.microsoft.com/office/drawing/2010/main" val="0"/>
+              </a:ext>
+            </a:extLst>
+          </a:blip>
+          <a:srcRect l="17899" t="10285" r="18689" b="54899"/>
+          <a:stretch/>
+        </p:blipFill>
+        <p:spPr>
+          <a:xfrm>
+            <a:off x="4018084" y="761058"/>
+            <a:ext cx="4176347" cy="1006196"/>
+          </a:xfrm>
+          <a:prstGeom prst="rect">
+            <a:avLst/>
+          </a:prstGeom>
+          <a:effectLst>
+            <a:outerShdw blurRad="38100" dist="25400" dir="2100000" sx="106000" sy="106000" algn="ctr" rotWithShape="0">
+              <a:srgbClr val="000000">
+                <a:alpha val="42000"/>
+              </a:srgbClr>
+            </a:outerShdw>
+          </a:effectLst>
+        </p:spPr>
+      </p:pic>
+      <p:sp>
+        <p:nvSpPr>
+          <p:cNvPr id="9" name="テキスト ボックス 8"/>
+          <p:cNvSpPr txBox="1"/>
+          <p:nvPr/>
+        </p:nvSpPr>
+        <p:spPr>
+          <a:xfrm>
+            <a:off x="395473" y="2334826"/>
+            <a:ext cx="1811396" cy="369332"/>
+          </a:xfrm>
+          <a:prstGeom prst="rect">
+            <a:avLst/>
+          </a:prstGeom>
+        </p:spPr>
+        <p:style>
+          <a:lnRef idx="2">
+            <a:schemeClr val="dk1"/>
+          </a:lnRef>
+          <a:fillRef idx="1">
+            <a:schemeClr val="lt1"/>
+          </a:fillRef>
+          <a:effectRef idx="0">
+            <a:schemeClr val="dk1"/>
+          </a:effectRef>
+          <a:fontRef idx="minor">
+            <a:schemeClr val="dk1"/>
+          </a:fontRef>
+        </p:style>
+        <p:txBody>
+          <a:bodyPr wrap="square" rtlCol="0">
+            <a:spAutoFit/>
+          </a:bodyPr>
+          <a:lstStyle/>
+          <a:p>
+            <a:pPr algn="ctr"/>
+            <a:r>
+              <a:rPr kumimoji="1" lang="ja-JP" altLang="en-US" dirty="0" smtClean="0"/>
+              <a:t>背景は</a:t>
+            </a:r>
+            <a:r>
+              <a:rPr lang="ja-JP" altLang="en-US" b="1" dirty="0" smtClean="0">
+                <a:solidFill>
+                  <a:srgbClr val="FF00FF"/>
+                </a:solidFill>
+              </a:rPr>
+              <a:t>３</a:t>
+            </a:r>
+            <a:r>
+              <a:rPr lang="en-US" altLang="ja-JP" b="1" dirty="0" smtClean="0">
+                <a:solidFill>
+                  <a:srgbClr val="FF00FF"/>
+                </a:solidFill>
+              </a:rPr>
+              <a:t>D</a:t>
+            </a:r>
+            <a:endParaRPr lang="ja-JP" altLang="en-US" b="1" dirty="0">
+              <a:solidFill>
+                <a:srgbClr val="FF00FF"/>
+              </a:solidFill>
+            </a:endParaRPr>
+          </a:p>
+        </p:txBody>
+      </p:sp>
+    </p:spTree>
+    <p:extLst>
+      <p:ext uri="{BB962C8B-B14F-4D97-AF65-F5344CB8AC3E}">
+        <p14:creationId xmlns:p14="http://schemas.microsoft.com/office/powerpoint/2010/main" val="1080508017"/>
+      </p:ext>
+    </p:extLst>
+  </p:cSld>
+  <p:clrMapOvr>
+    <a:masterClrMapping/>
+  </p:clrMapOvr>
+  <mc:AlternateContent xmlns:mc="http://schemas.openxmlformats.org/markup-compatibility/2006" xmlns:p14="http://schemas.microsoft.com/office/powerpoint/2010/main">
+    <mc:Choice Requires="p14">
+      <p:transition spd="slow" p14:dur="2000"/>
+    </mc:Choice>
+    <mc:Fallback xmlns="">
+      <p:transition spd="slow"/>
+    </mc:Fallback>
+  </mc:AlternateContent>
+  <p:timing>
+    <p:tnLst>
+      <p:par>
+        <p:cTn id="1" dur="indefinite" restart="never" nodeType="tmRoot"/>
+      </p:par>
+    </p:tnLst>
+  </p:timing>
+</p:sld>
+</file>
+
+<file path=ppt/slides/slide41.xml><?xml version="1.0" encoding="utf-8"?>
+<p:sld xmlns:a="http://schemas.openxmlformats.org/drawingml/2006/main" xmlns:r="http://schemas.openxmlformats.org/officeDocument/2006/relationships" xmlns:p="http://schemas.openxmlformats.org/presentationml/2006/main">
+  <p:cSld>
+    <p:spTree>
+      <p:nvGrpSpPr>
+        <p:cNvPr id="1" name=""/>
+        <p:cNvGrpSpPr/>
+        <p:nvPr/>
+      </p:nvGrpSpPr>
+      <p:grpSpPr>
+        <a:xfrm>
+          <a:off x="0" y="0"/>
+          <a:ext cx="0" cy="0"/>
+          <a:chOff x="0" y="0"/>
+          <a:chExt cx="0" cy="0"/>
+        </a:xfrm>
+      </p:grpSpPr>
+      <p:pic>
+        <p:nvPicPr>
+          <p:cNvPr id="3" name="図 2"/>
+          <p:cNvPicPr>
+            <a:picLocks noChangeAspect="1"/>
+          </p:cNvPicPr>
+          <p:nvPr/>
+        </p:nvPicPr>
+        <p:blipFill>
+          <a:blip r:embed="rId2"/>
+          <a:stretch>
+            <a:fillRect/>
+          </a:stretch>
+        </p:blipFill>
+        <p:spPr>
+          <a:xfrm>
+            <a:off x="0" y="0"/>
+            <a:ext cx="12192000" cy="6885000"/>
+          </a:xfrm>
+          <a:prstGeom prst="rect">
+            <a:avLst/>
+          </a:prstGeom>
+        </p:spPr>
+      </p:pic>
+      <p:pic>
+        <p:nvPicPr>
+          <p:cNvPr id="16" name="図 15"/>
+          <p:cNvPicPr>
+            <a:picLocks noChangeAspect="1"/>
+          </p:cNvPicPr>
+          <p:nvPr/>
+        </p:nvPicPr>
+        <p:blipFill rotWithShape="1">
+          <a:blip r:embed="rId3">
+            <a:extLst>
+              <a:ext uri="{28A0092B-C50C-407E-A947-70E740481C1C}">
+                <a14:useLocalDpi xmlns:a14="http://schemas.microsoft.com/office/drawing/2010/main" val="0"/>
+              </a:ext>
+            </a:extLst>
+          </a:blip>
+          <a:srcRect l="17899" t="10285" r="18689" b="54899"/>
+          <a:stretch/>
+        </p:blipFill>
+        <p:spPr>
+          <a:xfrm>
+            <a:off x="4018084" y="761058"/>
+            <a:ext cx="4176347" cy="1006196"/>
+          </a:xfrm>
+          <a:prstGeom prst="rect">
+            <a:avLst/>
+          </a:prstGeom>
+          <a:effectLst>
+            <a:outerShdw blurRad="38100" dist="25400" dir="2100000" sx="106000" sy="106000" algn="ctr" rotWithShape="0">
+              <a:srgbClr val="000000">
+                <a:alpha val="42000"/>
+              </a:srgbClr>
+            </a:outerShdw>
+          </a:effectLst>
+        </p:spPr>
+      </p:pic>
+      <p:sp>
+        <p:nvSpPr>
+          <p:cNvPr id="9" name="テキスト ボックス 8"/>
+          <p:cNvSpPr txBox="1"/>
+          <p:nvPr/>
+        </p:nvSpPr>
+        <p:spPr>
+          <a:xfrm>
+            <a:off x="395473" y="2334826"/>
+            <a:ext cx="1811396" cy="369332"/>
+          </a:xfrm>
+          <a:prstGeom prst="rect">
+            <a:avLst/>
+          </a:prstGeom>
+        </p:spPr>
+        <p:style>
+          <a:lnRef idx="2">
+            <a:schemeClr val="dk1"/>
+          </a:lnRef>
+          <a:fillRef idx="1">
+            <a:schemeClr val="lt1"/>
+          </a:fillRef>
+          <a:effectRef idx="0">
+            <a:schemeClr val="dk1"/>
+          </a:effectRef>
+          <a:fontRef idx="minor">
+            <a:schemeClr val="dk1"/>
+          </a:fontRef>
+        </p:style>
+        <p:txBody>
+          <a:bodyPr wrap="square" rtlCol="0">
+            <a:spAutoFit/>
+          </a:bodyPr>
+          <a:lstStyle/>
+          <a:p>
+            <a:pPr algn="ctr"/>
+            <a:r>
+              <a:rPr kumimoji="1" lang="ja-JP" altLang="en-US" dirty="0" smtClean="0"/>
+              <a:t>背景は</a:t>
+            </a:r>
+            <a:r>
+              <a:rPr lang="ja-JP" altLang="en-US" b="1" dirty="0" smtClean="0">
+                <a:solidFill>
+                  <a:srgbClr val="FF00FF"/>
+                </a:solidFill>
+              </a:rPr>
+              <a:t>３</a:t>
+            </a:r>
+            <a:r>
+              <a:rPr lang="en-US" altLang="ja-JP" b="1" dirty="0" smtClean="0">
+                <a:solidFill>
+                  <a:srgbClr val="FF00FF"/>
+                </a:solidFill>
+              </a:rPr>
+              <a:t>D</a:t>
+            </a:r>
+            <a:endParaRPr lang="ja-JP" altLang="en-US" b="1" dirty="0">
+              <a:solidFill>
+                <a:srgbClr val="FF00FF"/>
+              </a:solidFill>
+            </a:endParaRPr>
+          </a:p>
+        </p:txBody>
+      </p:sp>
+      <p:pic>
+        <p:nvPicPr>
+          <p:cNvPr id="5" name="図 4"/>
+          <p:cNvPicPr>
+            <a:picLocks noChangeAspect="1"/>
+          </p:cNvPicPr>
+          <p:nvPr/>
+        </p:nvPicPr>
+        <p:blipFill rotWithShape="1">
+          <a:blip r:embed="rId3">
+            <a:extLst>
+              <a:ext uri="{28A0092B-C50C-407E-A947-70E740481C1C}">
+                <a14:useLocalDpi xmlns:a14="http://schemas.microsoft.com/office/drawing/2010/main" val="0"/>
+              </a:ext>
+            </a:extLst>
+          </a:blip>
+          <a:srcRect l="6952" t="52706" r="6674" b="22481"/>
+          <a:stretch/>
+        </p:blipFill>
+        <p:spPr>
+          <a:xfrm>
+            <a:off x="1389184" y="3235569"/>
+            <a:ext cx="9625244" cy="1213338"/>
+          </a:xfrm>
+          <a:prstGeom prst="rect">
+            <a:avLst/>
+          </a:prstGeom>
+          <a:effectLst>
+            <a:outerShdw blurRad="38100" dist="25400" dir="2100000" sx="106000" sy="106000" algn="ctr" rotWithShape="0">
+              <a:srgbClr val="000000">
+                <a:alpha val="42000"/>
+              </a:srgbClr>
+            </a:outerShdw>
+          </a:effectLst>
+        </p:spPr>
+      </p:pic>
+    </p:spTree>
+    <p:extLst>
+      <p:ext uri="{BB962C8B-B14F-4D97-AF65-F5344CB8AC3E}">
+        <p14:creationId xmlns:p14="http://schemas.microsoft.com/office/powerpoint/2010/main" val="3009693754"/>
+      </p:ext>
+    </p:extLst>
+  </p:cSld>
+  <p:clrMapOvr>
+    <a:masterClrMapping/>
+  </p:clrMapOvr>
+  <mc:AlternateContent xmlns:mc="http://schemas.openxmlformats.org/markup-compatibility/2006" xmlns:p14="http://schemas.microsoft.com/office/powerpoint/2010/main">
+    <mc:Choice Requires="p14">
+      <p:transition spd="slow" p14:dur="2000"/>
+    </mc:Choice>
+    <mc:Fallback xmlns="">
+      <p:transition spd="slow"/>
+    </mc:Fallback>
+  </mc:AlternateContent>
+  <p:timing>
+    <p:tnLst>
+      <p:par>
+        <p:cTn id="1" dur="indefinite" restart="never" nodeType="tmRoot"/>
+      </p:par>
+    </p:tnLst>
+  </p:timing>
+</p:sld>
+</file>
+
+<file path=ppt/slides/slide42.xml><?xml version="1.0" encoding="utf-8"?>
+<p:sld xmlns:a="http://schemas.openxmlformats.org/drawingml/2006/main" xmlns:r="http://schemas.openxmlformats.org/officeDocument/2006/relationships" xmlns:p="http://schemas.openxmlformats.org/presentationml/2006/main">
+  <p:cSld>
+    <p:spTree>
+      <p:nvGrpSpPr>
+        <p:cNvPr id="1" name=""/>
+        <p:cNvGrpSpPr/>
+        <p:nvPr/>
+      </p:nvGrpSpPr>
+      <p:grpSpPr>
+        <a:xfrm>
+          <a:off x="0" y="0"/>
+          <a:ext cx="0" cy="0"/>
+          <a:chOff x="0" y="0"/>
+          <a:chExt cx="0" cy="0"/>
+        </a:xfrm>
+      </p:grpSpPr>
+      <p:pic>
+        <p:nvPicPr>
+          <p:cNvPr id="3" name="図 2"/>
+          <p:cNvPicPr>
+            <a:picLocks noChangeAspect="1"/>
+          </p:cNvPicPr>
+          <p:nvPr/>
+        </p:nvPicPr>
+        <p:blipFill>
+          <a:blip r:embed="rId2"/>
+          <a:stretch>
+            <a:fillRect/>
+          </a:stretch>
+        </p:blipFill>
+        <p:spPr>
+          <a:xfrm>
+            <a:off x="0" y="0"/>
+            <a:ext cx="12192000" cy="6885000"/>
+          </a:xfrm>
+          <a:prstGeom prst="rect">
+            <a:avLst/>
+          </a:prstGeom>
+        </p:spPr>
+      </p:pic>
+      <p:pic>
+        <p:nvPicPr>
+          <p:cNvPr id="16" name="図 15"/>
+          <p:cNvPicPr>
+            <a:picLocks noChangeAspect="1"/>
+          </p:cNvPicPr>
+          <p:nvPr/>
+        </p:nvPicPr>
+        <p:blipFill rotWithShape="1">
+          <a:blip r:embed="rId3">
+            <a:extLst>
+              <a:ext uri="{28A0092B-C50C-407E-A947-70E740481C1C}">
+                <a14:useLocalDpi xmlns:a14="http://schemas.microsoft.com/office/drawing/2010/main" val="0"/>
+              </a:ext>
+            </a:extLst>
+          </a:blip>
+          <a:srcRect l="6952" t="10284" r="6674" b="22481"/>
+          <a:stretch/>
+        </p:blipFill>
+        <p:spPr>
+          <a:xfrm>
+            <a:off x="3297115" y="761058"/>
+            <a:ext cx="5688624" cy="1943100"/>
+          </a:xfrm>
+          <a:prstGeom prst="rect">
+            <a:avLst/>
+          </a:prstGeom>
+          <a:effectLst>
+            <a:outerShdw blurRad="38100" dist="25400" dir="2100000" sx="106000" sy="106000" algn="ctr" rotWithShape="0">
+              <a:srgbClr val="000000">
+                <a:alpha val="42000"/>
+              </a:srgbClr>
+            </a:outerShdw>
+          </a:effectLst>
+        </p:spPr>
+      </p:pic>
+      <p:sp>
+        <p:nvSpPr>
+          <p:cNvPr id="9" name="テキスト ボックス 8"/>
+          <p:cNvSpPr txBox="1"/>
+          <p:nvPr/>
+        </p:nvSpPr>
+        <p:spPr>
+          <a:xfrm>
+            <a:off x="395473" y="2334826"/>
+            <a:ext cx="1811396" cy="369332"/>
+          </a:xfrm>
+          <a:prstGeom prst="rect">
+            <a:avLst/>
+          </a:prstGeom>
+        </p:spPr>
+        <p:style>
+          <a:lnRef idx="2">
+            <a:schemeClr val="dk1"/>
+          </a:lnRef>
+          <a:fillRef idx="1">
+            <a:schemeClr val="lt1"/>
+          </a:fillRef>
+          <a:effectRef idx="0">
+            <a:schemeClr val="dk1"/>
+          </a:effectRef>
+          <a:fontRef idx="minor">
+            <a:schemeClr val="dk1"/>
+          </a:fontRef>
+        </p:style>
+        <p:txBody>
+          <a:bodyPr wrap="square" rtlCol="0">
+            <a:spAutoFit/>
+          </a:bodyPr>
+          <a:lstStyle/>
+          <a:p>
+            <a:pPr algn="ctr"/>
+            <a:r>
+              <a:rPr kumimoji="1" lang="ja-JP" altLang="en-US" dirty="0" smtClean="0"/>
+              <a:t>背景は</a:t>
+            </a:r>
+            <a:r>
+              <a:rPr lang="ja-JP" altLang="en-US" b="1" dirty="0" smtClean="0">
+                <a:solidFill>
+                  <a:srgbClr val="FF00FF"/>
+                </a:solidFill>
+              </a:rPr>
+              <a:t>３</a:t>
+            </a:r>
+            <a:r>
+              <a:rPr lang="en-US" altLang="ja-JP" b="1" dirty="0" smtClean="0">
+                <a:solidFill>
+                  <a:srgbClr val="FF00FF"/>
+                </a:solidFill>
+              </a:rPr>
+              <a:t>D</a:t>
+            </a:r>
+            <a:endParaRPr lang="ja-JP" altLang="en-US" b="1" dirty="0">
+              <a:solidFill>
+                <a:srgbClr val="FF00FF"/>
+              </a:solidFill>
+            </a:endParaRPr>
+          </a:p>
+        </p:txBody>
+      </p:sp>
+    </p:spTree>
+    <p:extLst>
+      <p:ext uri="{BB962C8B-B14F-4D97-AF65-F5344CB8AC3E}">
+        <p14:creationId xmlns:p14="http://schemas.microsoft.com/office/powerpoint/2010/main" val="1975566705"/>
+      </p:ext>
+    </p:extLst>
+  </p:cSld>
+  <p:clrMapOvr>
+    <a:masterClrMapping/>
+  </p:clrMapOvr>
+  <mc:AlternateContent xmlns:mc="http://schemas.openxmlformats.org/markup-compatibility/2006" xmlns:p14="http://schemas.microsoft.com/office/powerpoint/2010/main">
+    <mc:Choice Requires="p14">
+      <p:transition spd="slow" p14:dur="2000"/>
+    </mc:Choice>
+    <mc:Fallback xmlns="">
+      <p:transition spd="slow"/>
+    </mc:Fallback>
+  </mc:AlternateContent>
+  <p:timing>
+    <p:tnLst>
+      <p:par>
+        <p:cTn id="1" dur="indefinite" restart="never" nodeType="tmRoot"/>
+      </p:par>
+    </p:tnLst>
+  </p:timing>
+</p:sld>
+</file>
+
+<file path=ppt/slides/slide43.xml><?xml version="1.0" encoding="utf-8"?>
+<p:sld xmlns:a="http://schemas.openxmlformats.org/drawingml/2006/main" xmlns:r="http://schemas.openxmlformats.org/officeDocument/2006/relationships" xmlns:p="http://schemas.openxmlformats.org/presentationml/2006/main">
+  <p:cSld>
+    <p:spTree>
+      <p:nvGrpSpPr>
+        <p:cNvPr id="1" name=""/>
+        <p:cNvGrpSpPr/>
+        <p:nvPr/>
+      </p:nvGrpSpPr>
+      <p:grpSpPr>
+        <a:xfrm>
+          <a:off x="0" y="0"/>
+          <a:ext cx="0" cy="0"/>
+          <a:chOff x="0" y="0"/>
+          <a:chExt cx="0" cy="0"/>
+        </a:xfrm>
+      </p:grpSpPr>
+      <p:pic>
+        <p:nvPicPr>
+          <p:cNvPr id="3" name="図 2"/>
+          <p:cNvPicPr>
+            <a:picLocks noChangeAspect="1"/>
+          </p:cNvPicPr>
+          <p:nvPr/>
+        </p:nvPicPr>
+        <p:blipFill>
+          <a:blip r:embed="rId2"/>
+          <a:stretch>
+            <a:fillRect/>
+          </a:stretch>
+        </p:blipFill>
+        <p:spPr>
+          <a:xfrm>
+            <a:off x="0" y="0"/>
+            <a:ext cx="12192000" cy="6885000"/>
+          </a:xfrm>
+          <a:prstGeom prst="rect">
+            <a:avLst/>
+          </a:prstGeom>
+        </p:spPr>
+      </p:pic>
+      <p:pic>
+        <p:nvPicPr>
+          <p:cNvPr id="16" name="図 15"/>
+          <p:cNvPicPr>
+            <a:picLocks noChangeAspect="1"/>
+          </p:cNvPicPr>
+          <p:nvPr/>
+        </p:nvPicPr>
+        <p:blipFill rotWithShape="1">
+          <a:blip r:embed="rId3">
+            <a:extLst>
+              <a:ext uri="{28A0092B-C50C-407E-A947-70E740481C1C}">
+                <a14:useLocalDpi xmlns:a14="http://schemas.microsoft.com/office/drawing/2010/main" val="0"/>
+              </a:ext>
+            </a:extLst>
+          </a:blip>
+          <a:srcRect l="6952" t="10284" r="6674" b="22481"/>
+          <a:stretch/>
+        </p:blipFill>
+        <p:spPr>
+          <a:xfrm>
+            <a:off x="3297115" y="761058"/>
+            <a:ext cx="5688624" cy="1943100"/>
+          </a:xfrm>
+          <a:prstGeom prst="rect">
+            <a:avLst/>
+          </a:prstGeom>
+          <a:effectLst>
+            <a:outerShdw blurRad="38100" dist="25400" dir="2100000" sx="106000" sy="106000" algn="ctr" rotWithShape="0">
+              <a:srgbClr val="000000">
+                <a:alpha val="42000"/>
+              </a:srgbClr>
+            </a:outerShdw>
+          </a:effectLst>
+        </p:spPr>
+      </p:pic>
+      <p:sp>
+        <p:nvSpPr>
+          <p:cNvPr id="11" name="円形吹き出し 10"/>
+          <p:cNvSpPr/>
+          <p:nvPr/>
+        </p:nvSpPr>
+        <p:spPr>
+          <a:xfrm>
+            <a:off x="5187462" y="4176346"/>
+            <a:ext cx="2875084" cy="1301263"/>
+          </a:xfrm>
+          <a:prstGeom prst="wedgeEllipseCallout">
+            <a:avLst/>
+          </a:prstGeom>
+          <a:ln w="57150">
+            <a:solidFill>
+              <a:schemeClr val="tx1"/>
+            </a:solidFill>
+          </a:ln>
+        </p:spPr>
+        <p:style>
+          <a:lnRef idx="2">
+            <a:schemeClr val="dk1"/>
+          </a:lnRef>
+          <a:fillRef idx="1">
+            <a:schemeClr val="lt1"/>
+          </a:fillRef>
+          <a:effectRef idx="0">
+            <a:schemeClr val="dk1"/>
+          </a:effectRef>
+          <a:fontRef idx="minor">
+            <a:schemeClr val="dk1"/>
+          </a:fontRef>
+        </p:style>
+        <p:txBody>
+          <a:bodyPr rtlCol="0" anchor="ctr"/>
+          <a:lstStyle/>
+          <a:p>
+            <a:pPr algn="ctr"/>
+            <a:endParaRPr kumimoji="1" lang="ja-JP" altLang="en-US" dirty="0"/>
+          </a:p>
+        </p:txBody>
+      </p:sp>
+      <p:sp>
+        <p:nvSpPr>
+          <p:cNvPr id="19" name="テキスト ボックス 18"/>
+          <p:cNvSpPr txBox="1"/>
+          <p:nvPr/>
+        </p:nvSpPr>
+        <p:spPr>
+          <a:xfrm>
+            <a:off x="5187462" y="4596144"/>
+            <a:ext cx="2875084" cy="461665"/>
+          </a:xfrm>
+          <a:prstGeom prst="rect">
+            <a:avLst/>
+          </a:prstGeom>
+          <a:noFill/>
+        </p:spPr>
+        <p:txBody>
+          <a:bodyPr wrap="square" rtlCol="0">
+            <a:spAutoFit/>
+          </a:bodyPr>
+          <a:lstStyle/>
+          <a:p>
+            <a:pPr algn="ctr"/>
+            <a:r>
+              <a:rPr lang="ja-JP" altLang="en-US" sz="2400" b="1" dirty="0" smtClean="0"/>
+              <a:t>押されたら消える</a:t>
+            </a:r>
+            <a:endParaRPr kumimoji="1" lang="ja-JP" altLang="en-US" sz="2400" b="1" dirty="0"/>
+          </a:p>
+        </p:txBody>
+      </p:sp>
+      <p:pic>
+        <p:nvPicPr>
+          <p:cNvPr id="5" name="図 4"/>
+          <p:cNvPicPr>
+            <a:picLocks noChangeAspect="1"/>
+          </p:cNvPicPr>
+          <p:nvPr/>
+        </p:nvPicPr>
+        <p:blipFill>
+          <a:blip r:embed="rId4" cstate="print">
+            <a:extLst>
+              <a:ext uri="{28A0092B-C50C-407E-A947-70E740481C1C}">
+                <a14:useLocalDpi xmlns:a14="http://schemas.microsoft.com/office/drawing/2010/main" val="0"/>
+              </a:ext>
+            </a:extLst>
+          </a:blip>
+          <a:stretch>
+            <a:fillRect/>
+          </a:stretch>
+        </p:blipFill>
+        <p:spPr>
+          <a:xfrm>
+            <a:off x="3627320" y="5378216"/>
+            <a:ext cx="4937360" cy="1038381"/>
+          </a:xfrm>
+          <a:prstGeom prst="rect">
+            <a:avLst/>
+          </a:prstGeom>
+        </p:spPr>
+      </p:pic>
+      <p:sp>
+        <p:nvSpPr>
+          <p:cNvPr id="9" name="テキスト ボックス 8"/>
+          <p:cNvSpPr txBox="1"/>
+          <p:nvPr/>
+        </p:nvSpPr>
+        <p:spPr>
+          <a:xfrm>
+            <a:off x="395473" y="2334826"/>
+            <a:ext cx="1811396" cy="369332"/>
+          </a:xfrm>
+          <a:prstGeom prst="rect">
+            <a:avLst/>
+          </a:prstGeom>
+        </p:spPr>
+        <p:style>
+          <a:lnRef idx="2">
+            <a:schemeClr val="dk1"/>
+          </a:lnRef>
+          <a:fillRef idx="1">
+            <a:schemeClr val="lt1"/>
+          </a:fillRef>
+          <a:effectRef idx="0">
+            <a:schemeClr val="dk1"/>
+          </a:effectRef>
+          <a:fontRef idx="minor">
+            <a:schemeClr val="dk1"/>
+          </a:fontRef>
+        </p:style>
+        <p:txBody>
+          <a:bodyPr wrap="square" rtlCol="0">
+            <a:spAutoFit/>
+          </a:bodyPr>
+          <a:lstStyle/>
+          <a:p>
+            <a:pPr algn="ctr"/>
+            <a:r>
+              <a:rPr kumimoji="1" lang="ja-JP" altLang="en-US" dirty="0" smtClean="0"/>
+              <a:t>背景は</a:t>
+            </a:r>
+            <a:r>
+              <a:rPr lang="ja-JP" altLang="en-US" b="1" dirty="0" smtClean="0">
+                <a:solidFill>
+                  <a:srgbClr val="FF00FF"/>
+                </a:solidFill>
+              </a:rPr>
+              <a:t>３</a:t>
+            </a:r>
+            <a:r>
+              <a:rPr lang="en-US" altLang="ja-JP" b="1" dirty="0" smtClean="0">
+                <a:solidFill>
+                  <a:srgbClr val="FF00FF"/>
+                </a:solidFill>
+              </a:rPr>
+              <a:t>D</a:t>
+            </a:r>
+            <a:endParaRPr lang="ja-JP" altLang="en-US" b="1" dirty="0">
+              <a:solidFill>
+                <a:srgbClr val="FF00FF"/>
+              </a:solidFill>
+            </a:endParaRPr>
+          </a:p>
+        </p:txBody>
+      </p:sp>
+    </p:spTree>
+    <p:extLst>
+      <p:ext uri="{BB962C8B-B14F-4D97-AF65-F5344CB8AC3E}">
+        <p14:creationId xmlns:p14="http://schemas.microsoft.com/office/powerpoint/2010/main" val="306876612"/>
+      </p:ext>
+    </p:extLst>
+  </p:cSld>
+  <p:clrMapOvr>
+    <a:masterClrMapping/>
+  </p:clrMapOvr>
+  <mc:AlternateContent xmlns:mc="http://schemas.openxmlformats.org/markup-compatibility/2006" xmlns:p14="http://schemas.microsoft.com/office/powerpoint/2010/main">
+    <mc:Choice Requires="p14">
+      <p:transition spd="slow" p14:dur="2000"/>
+    </mc:Choice>
+    <mc:Fallback xmlns="">
+      <p:transition spd="slow"/>
+    </mc:Fallback>
+  </mc:AlternateContent>
+  <p:timing>
+    <p:tnLst>
+      <p:par>
+        <p:cTn id="1" dur="indefinite" restart="never" nodeType="tmRoot"/>
+      </p:par>
+    </p:tnLst>
+  </p:timing>
+</p:sld>
+</file>
+
+<file path=ppt/slides/slide44.xml><?xml version="1.0" encoding="utf-8"?>
+<p:sld xmlns:a="http://schemas.openxmlformats.org/drawingml/2006/main" xmlns:r="http://schemas.openxmlformats.org/officeDocument/2006/relationships" xmlns:p="http://schemas.openxmlformats.org/presentationml/2006/main">
+  <p:cSld>
+    <p:spTree>
+      <p:nvGrpSpPr>
+        <p:cNvPr id="1" name=""/>
+        <p:cNvGrpSpPr/>
+        <p:nvPr/>
+      </p:nvGrpSpPr>
+      <p:grpSpPr>
+        <a:xfrm>
+          <a:off x="0" y="0"/>
+          <a:ext cx="0" cy="0"/>
+          <a:chOff x="0" y="0"/>
+          <a:chExt cx="0" cy="0"/>
+        </a:xfrm>
+      </p:grpSpPr>
       <p:sp>
         <p:nvSpPr>
           <p:cNvPr id="2" name="タイトル 1"/>
@@ -22168,7 +21556,7 @@
         </p:blipFill>
         <p:spPr>
           <a:xfrm>
-            <a:off x="8880231" y="4263680"/>
+            <a:off x="8625254" y="2283625"/>
             <a:ext cx="1644161" cy="1187550"/>
           </a:xfrm>
           <a:prstGeom prst="rect">
@@ -22184,7 +21572,7 @@
         </p:nvSpPr>
         <p:spPr>
           <a:xfrm>
-            <a:off x="7038383" y="4369176"/>
+            <a:off x="6919546" y="2283625"/>
             <a:ext cx="1547446" cy="1213338"/>
           </a:xfrm>
           <a:prstGeom prst="leftArrow">
@@ -22387,6 +21775,1658 @@
           </a:p>
         </p:txBody>
       </p:sp>
+    </p:spTree>
+    <p:extLst>
+      <p:ext uri="{BB962C8B-B14F-4D97-AF65-F5344CB8AC3E}">
+        <p14:creationId xmlns:p14="http://schemas.microsoft.com/office/powerpoint/2010/main" val="11225864"/>
+      </p:ext>
+    </p:extLst>
+  </p:cSld>
+  <p:clrMapOvr>
+    <a:masterClrMapping/>
+  </p:clrMapOvr>
+  <p:timing>
+    <p:tnLst>
+      <p:par>
+        <p:cTn id="1" dur="indefinite" restart="never" nodeType="tmRoot"/>
+      </p:par>
+    </p:tnLst>
+  </p:timing>
+</p:sld>
+</file>
+
+<file path=ppt/slides/slide45.xml><?xml version="1.0" encoding="utf-8"?>
+<p:sld xmlns:a="http://schemas.openxmlformats.org/drawingml/2006/main" xmlns:r="http://schemas.openxmlformats.org/officeDocument/2006/relationships" xmlns:p="http://schemas.openxmlformats.org/presentationml/2006/main">
+  <p:cSld>
+    <p:spTree>
+      <p:nvGrpSpPr>
+        <p:cNvPr id="1" name=""/>
+        <p:cNvGrpSpPr/>
+        <p:nvPr/>
+      </p:nvGrpSpPr>
+      <p:grpSpPr>
+        <a:xfrm>
+          <a:off x="0" y="0"/>
+          <a:ext cx="0" cy="0"/>
+          <a:chOff x="0" y="0"/>
+          <a:chExt cx="0" cy="0"/>
+        </a:xfrm>
+      </p:grpSpPr>
+      <p:pic>
+        <p:nvPicPr>
+          <p:cNvPr id="3" name="図 2"/>
+          <p:cNvPicPr>
+            <a:picLocks noChangeAspect="1"/>
+          </p:cNvPicPr>
+          <p:nvPr/>
+        </p:nvPicPr>
+        <p:blipFill>
+          <a:blip r:embed="rId2"/>
+          <a:stretch>
+            <a:fillRect/>
+          </a:stretch>
+        </p:blipFill>
+        <p:spPr>
+          <a:xfrm>
+            <a:off x="0" y="0"/>
+            <a:ext cx="12192000" cy="6858000"/>
+          </a:xfrm>
+          <a:prstGeom prst="rect">
+            <a:avLst/>
+          </a:prstGeom>
+        </p:spPr>
+      </p:pic>
+      <p:sp>
+        <p:nvSpPr>
+          <p:cNvPr id="2" name="上矢印 1"/>
+          <p:cNvSpPr/>
+          <p:nvPr/>
+        </p:nvSpPr>
+        <p:spPr>
+          <a:xfrm>
+            <a:off x="5234754" y="60554"/>
+            <a:ext cx="1351201" cy="901700"/>
+          </a:xfrm>
+          <a:prstGeom prst="upArrow">
+            <a:avLst/>
+          </a:prstGeom>
+          <a:ln w="76200">
+            <a:solidFill>
+              <a:srgbClr val="FFC000"/>
+            </a:solidFill>
+          </a:ln>
+        </p:spPr>
+        <p:style>
+          <a:lnRef idx="1">
+            <a:schemeClr val="accent4"/>
+          </a:lnRef>
+          <a:fillRef idx="2">
+            <a:schemeClr val="accent4"/>
+          </a:fillRef>
+          <a:effectRef idx="1">
+            <a:schemeClr val="accent4"/>
+          </a:effectRef>
+          <a:fontRef idx="minor">
+            <a:schemeClr val="dk1"/>
+          </a:fontRef>
+        </p:style>
+        <p:txBody>
+          <a:bodyPr rtlCol="0" anchor="ctr"/>
+          <a:lstStyle/>
+          <a:p>
+            <a:pPr algn="ctr"/>
+            <a:endParaRPr kumimoji="1" lang="ja-JP" altLang="en-US"/>
+          </a:p>
+        </p:txBody>
+      </p:sp>
+      <p:pic>
+        <p:nvPicPr>
+          <p:cNvPr id="16" name="図 15"/>
+          <p:cNvPicPr>
+            <a:picLocks noChangeAspect="1"/>
+          </p:cNvPicPr>
+          <p:nvPr/>
+        </p:nvPicPr>
+        <p:blipFill rotWithShape="1">
+          <a:blip r:embed="rId3">
+            <a:extLst>
+              <a:ext uri="{28A0092B-C50C-407E-A947-70E740481C1C}">
+                <a14:useLocalDpi xmlns:a14="http://schemas.microsoft.com/office/drawing/2010/main" val="0"/>
+              </a:ext>
+            </a:extLst>
+          </a:blip>
+          <a:srcRect l="6952" t="10284" r="6674" b="22481"/>
+          <a:stretch/>
+        </p:blipFill>
+        <p:spPr>
+          <a:xfrm>
+            <a:off x="3297115" y="761058"/>
+            <a:ext cx="5688624" cy="1943100"/>
+          </a:xfrm>
+          <a:prstGeom prst="rect">
+            <a:avLst/>
+          </a:prstGeom>
+          <a:effectLst>
+            <a:outerShdw blurRad="38100" dist="25400" dir="2100000" sx="106000" sy="106000" algn="ctr" rotWithShape="0">
+              <a:srgbClr val="000000">
+                <a:alpha val="42000"/>
+              </a:srgbClr>
+            </a:outerShdw>
+          </a:effectLst>
+        </p:spPr>
+      </p:pic>
+      <p:sp>
+        <p:nvSpPr>
+          <p:cNvPr id="9" name="テキスト ボックス 8"/>
+          <p:cNvSpPr txBox="1"/>
+          <p:nvPr/>
+        </p:nvSpPr>
+        <p:spPr>
+          <a:xfrm>
+            <a:off x="90854" y="1547942"/>
+            <a:ext cx="1811396" cy="369332"/>
+          </a:xfrm>
+          <a:prstGeom prst="rect">
+            <a:avLst/>
+          </a:prstGeom>
+        </p:spPr>
+        <p:style>
+          <a:lnRef idx="2">
+            <a:schemeClr val="dk1"/>
+          </a:lnRef>
+          <a:fillRef idx="1">
+            <a:schemeClr val="lt1"/>
+          </a:fillRef>
+          <a:effectRef idx="0">
+            <a:schemeClr val="dk1"/>
+          </a:effectRef>
+          <a:fontRef idx="minor">
+            <a:schemeClr val="dk1"/>
+          </a:fontRef>
+        </p:style>
+        <p:txBody>
+          <a:bodyPr wrap="square" rtlCol="0">
+            <a:spAutoFit/>
+          </a:bodyPr>
+          <a:lstStyle/>
+          <a:p>
+            <a:pPr algn="ctr"/>
+            <a:r>
+              <a:rPr kumimoji="1" lang="ja-JP" altLang="en-US" dirty="0" smtClean="0"/>
+              <a:t>背景は</a:t>
+            </a:r>
+            <a:r>
+              <a:rPr lang="ja-JP" altLang="en-US" b="1" dirty="0" smtClean="0">
+                <a:solidFill>
+                  <a:srgbClr val="FF00FF"/>
+                </a:solidFill>
+              </a:rPr>
+              <a:t>３</a:t>
+            </a:r>
+            <a:r>
+              <a:rPr lang="en-US" altLang="ja-JP" b="1" dirty="0" smtClean="0">
+                <a:solidFill>
+                  <a:srgbClr val="FF00FF"/>
+                </a:solidFill>
+              </a:rPr>
+              <a:t>D</a:t>
+            </a:r>
+            <a:endParaRPr lang="ja-JP" altLang="en-US" b="1" dirty="0">
+              <a:solidFill>
+                <a:srgbClr val="FF00FF"/>
+              </a:solidFill>
+            </a:endParaRPr>
+          </a:p>
+        </p:txBody>
+      </p:sp>
+      <p:sp>
+        <p:nvSpPr>
+          <p:cNvPr id="4" name="二等辺三角形 3"/>
+          <p:cNvSpPr/>
+          <p:nvPr/>
+        </p:nvSpPr>
+        <p:spPr>
+          <a:xfrm rot="4035689">
+            <a:off x="3768503" y="-134711"/>
+            <a:ext cx="486869" cy="1171123"/>
+          </a:xfrm>
+          <a:prstGeom prst="triangle">
+            <a:avLst>
+              <a:gd name="adj" fmla="val 92217"/>
+            </a:avLst>
+          </a:prstGeom>
+          <a:solidFill>
+            <a:schemeClr val="bg1"/>
+          </a:solidFill>
+          <a:ln>
+            <a:noFill/>
+          </a:ln>
+        </p:spPr>
+        <p:style>
+          <a:lnRef idx="2">
+            <a:schemeClr val="accent1">
+              <a:shade val="50000"/>
+            </a:schemeClr>
+          </a:lnRef>
+          <a:fillRef idx="1">
+            <a:schemeClr val="accent1"/>
+          </a:fillRef>
+          <a:effectRef idx="0">
+            <a:schemeClr val="accent1"/>
+          </a:effectRef>
+          <a:fontRef idx="minor">
+            <a:schemeClr val="lt1"/>
+          </a:fontRef>
+        </p:style>
+        <p:txBody>
+          <a:bodyPr rtlCol="0" anchor="ctr"/>
+          <a:lstStyle/>
+          <a:p>
+            <a:pPr algn="ctr"/>
+            <a:endParaRPr kumimoji="1" lang="ja-JP" altLang="en-US"/>
+          </a:p>
+        </p:txBody>
+      </p:sp>
+      <p:sp>
+        <p:nvSpPr>
+          <p:cNvPr id="6" name="楕円 5"/>
+          <p:cNvSpPr/>
+          <p:nvPr/>
+        </p:nvSpPr>
+        <p:spPr>
+          <a:xfrm>
+            <a:off x="2032843" y="261749"/>
+            <a:ext cx="1734899" cy="1286193"/>
+          </a:xfrm>
+          <a:prstGeom prst="ellipse">
+            <a:avLst/>
+          </a:prstGeom>
+          <a:solidFill>
+            <a:schemeClr val="bg1"/>
+          </a:solidFill>
+          <a:ln>
+            <a:noFill/>
+          </a:ln>
+        </p:spPr>
+        <p:style>
+          <a:lnRef idx="2">
+            <a:schemeClr val="accent1">
+              <a:shade val="50000"/>
+            </a:schemeClr>
+          </a:lnRef>
+          <a:fillRef idx="1">
+            <a:schemeClr val="accent1"/>
+          </a:fillRef>
+          <a:effectRef idx="0">
+            <a:schemeClr val="accent1"/>
+          </a:effectRef>
+          <a:fontRef idx="minor">
+            <a:schemeClr val="lt1"/>
+          </a:fontRef>
+        </p:style>
+        <p:txBody>
+          <a:bodyPr rtlCol="0" anchor="ctr"/>
+          <a:lstStyle/>
+          <a:p>
+            <a:pPr algn="ctr"/>
+            <a:endParaRPr kumimoji="1" lang="ja-JP" altLang="en-US"/>
+          </a:p>
+        </p:txBody>
+      </p:sp>
+      <p:sp>
+        <p:nvSpPr>
+          <p:cNvPr id="7" name="テキスト ボックス 6"/>
+          <p:cNvSpPr txBox="1"/>
+          <p:nvPr/>
+        </p:nvSpPr>
+        <p:spPr>
+          <a:xfrm>
+            <a:off x="2110516" y="578446"/>
+            <a:ext cx="1579551" cy="646331"/>
+          </a:xfrm>
+          <a:prstGeom prst="rect">
+            <a:avLst/>
+          </a:prstGeom>
+          <a:noFill/>
+        </p:spPr>
+        <p:txBody>
+          <a:bodyPr wrap="square" rtlCol="0">
+            <a:spAutoFit/>
+          </a:bodyPr>
+          <a:lstStyle/>
+          <a:p>
+            <a:pPr algn="ctr"/>
+            <a:r>
+              <a:rPr kumimoji="1" lang="ja-JP" altLang="en-US" b="1" dirty="0" smtClean="0"/>
+              <a:t>上に上がって消えていく</a:t>
+            </a:r>
+            <a:endParaRPr kumimoji="1" lang="ja-JP" altLang="en-US" b="1" dirty="0"/>
+          </a:p>
+        </p:txBody>
+      </p:sp>
+      <p:pic>
+        <p:nvPicPr>
+          <p:cNvPr id="1026" name="Picture 2" descr="芝の管理はどうするの？抑えておきたい基本のお手入れ | お庭から始まる豊かなグリーンライフ「庭サポ」"/>
+          <p:cNvPicPr>
+            <a:picLocks noChangeAspect="1" noChangeArrowheads="1"/>
+          </p:cNvPicPr>
+          <p:nvPr/>
+        </p:nvPicPr>
+        <p:blipFill>
+          <a:blip r:embed="rId4">
+            <a:extLst>
+              <a:ext uri="{28A0092B-C50C-407E-A947-70E740481C1C}">
+                <a14:useLocalDpi xmlns:a14="http://schemas.microsoft.com/office/drawing/2010/main" val="0"/>
+              </a:ext>
+            </a:extLst>
+          </a:blip>
+          <a:srcRect/>
+          <a:stretch>
+            <a:fillRect/>
+          </a:stretch>
+        </p:blipFill>
+        <p:spPr bwMode="auto">
+          <a:xfrm>
+            <a:off x="0" y="6761285"/>
+            <a:ext cx="12192000" cy="96715"/>
+          </a:xfrm>
+          <a:prstGeom prst="rect">
+            <a:avLst/>
+          </a:prstGeom>
+          <a:noFill/>
+          <a:extLst>
+            <a:ext uri="{909E8E84-426E-40DD-AFC4-6F175D3DCCD1}">
+              <a14:hiddenFill xmlns:a14="http://schemas.microsoft.com/office/drawing/2010/main">
+                <a:solidFill>
+                  <a:srgbClr val="FFFFFF"/>
+                </a:solidFill>
+              </a14:hiddenFill>
+            </a:ext>
+          </a:extLst>
+        </p:spPr>
+      </p:pic>
+    </p:spTree>
+    <p:extLst>
+      <p:ext uri="{BB962C8B-B14F-4D97-AF65-F5344CB8AC3E}">
+        <p14:creationId xmlns:p14="http://schemas.microsoft.com/office/powerpoint/2010/main" val="3876984372"/>
+      </p:ext>
+    </p:extLst>
+  </p:cSld>
+  <p:clrMapOvr>
+    <a:masterClrMapping/>
+  </p:clrMapOvr>
+  <mc:AlternateContent xmlns:mc="http://schemas.openxmlformats.org/markup-compatibility/2006" xmlns:p14="http://schemas.microsoft.com/office/powerpoint/2010/main">
+    <mc:Choice Requires="p14">
+      <p:transition spd="slow" p14:dur="2000"/>
+    </mc:Choice>
+    <mc:Fallback xmlns="">
+      <p:transition spd="slow"/>
+    </mc:Fallback>
+  </mc:AlternateContent>
+  <p:timing>
+    <p:tnLst>
+      <p:par>
+        <p:cTn id="1" dur="indefinite" restart="never" nodeType="tmRoot"/>
+      </p:par>
+    </p:tnLst>
+  </p:timing>
+</p:sld>
+</file>
+
+<file path=ppt/slides/slide46.xml><?xml version="1.0" encoding="utf-8"?>
+<p:sld xmlns:a="http://schemas.openxmlformats.org/drawingml/2006/main" xmlns:r="http://schemas.openxmlformats.org/officeDocument/2006/relationships" xmlns:p="http://schemas.openxmlformats.org/presentationml/2006/main">
+  <p:cSld>
+    <p:spTree>
+      <p:nvGrpSpPr>
+        <p:cNvPr id="1" name=""/>
+        <p:cNvGrpSpPr/>
+        <p:nvPr/>
+      </p:nvGrpSpPr>
+      <p:grpSpPr>
+        <a:xfrm>
+          <a:off x="0" y="0"/>
+          <a:ext cx="0" cy="0"/>
+          <a:chOff x="0" y="0"/>
+          <a:chExt cx="0" cy="0"/>
+        </a:xfrm>
+      </p:grpSpPr>
+      <p:sp>
+        <p:nvSpPr>
+          <p:cNvPr id="2" name="タイトル 1"/>
+          <p:cNvSpPr>
+            <a:spLocks noGrp="1"/>
+          </p:cNvSpPr>
+          <p:nvPr>
+            <p:ph type="title"/>
+          </p:nvPr>
+        </p:nvSpPr>
+        <p:spPr/>
+        <p:txBody>
+          <a:bodyPr/>
+          <a:lstStyle/>
+          <a:p>
+            <a:r>
+              <a:rPr kumimoji="1" lang="ja-JP" altLang="en-US" dirty="0" smtClean="0"/>
+              <a:t>カメラの動き</a:t>
+            </a:r>
+            <a:endParaRPr kumimoji="1" lang="ja-JP" altLang="en-US" dirty="0"/>
+          </a:p>
+        </p:txBody>
+      </p:sp>
+      <p:pic>
+        <p:nvPicPr>
+          <p:cNvPr id="8" name="図 7"/>
+          <p:cNvPicPr>
+            <a:picLocks noChangeAspect="1"/>
+          </p:cNvPicPr>
+          <p:nvPr/>
+        </p:nvPicPr>
+        <p:blipFill rotWithShape="1">
+          <a:blip r:embed="rId2"/>
+          <a:srcRect l="9298" t="21520" r="10789" b="20761"/>
+          <a:stretch/>
+        </p:blipFill>
+        <p:spPr>
+          <a:xfrm>
+            <a:off x="8721367" y="2991405"/>
+            <a:ext cx="1644161" cy="1187550"/>
+          </a:xfrm>
+          <a:prstGeom prst="rect">
+            <a:avLst/>
+          </a:prstGeom>
+        </p:spPr>
+      </p:pic>
+      <p:sp>
+        <p:nvSpPr>
+          <p:cNvPr id="9" name="左矢印 8"/>
+          <p:cNvSpPr/>
+          <p:nvPr/>
+        </p:nvSpPr>
+        <p:spPr>
+          <a:xfrm>
+            <a:off x="7003386" y="3016168"/>
+            <a:ext cx="1547446" cy="1213338"/>
+          </a:xfrm>
+          <a:prstGeom prst="leftArrow">
+            <a:avLst/>
+          </a:prstGeom>
+        </p:spPr>
+        <p:style>
+          <a:lnRef idx="2">
+            <a:schemeClr val="accent1">
+              <a:shade val="50000"/>
+            </a:schemeClr>
+          </a:lnRef>
+          <a:fillRef idx="1">
+            <a:schemeClr val="accent1"/>
+          </a:fillRef>
+          <a:effectRef idx="0">
+            <a:schemeClr val="accent1"/>
+          </a:effectRef>
+          <a:fontRef idx="minor">
+            <a:schemeClr val="lt1"/>
+          </a:fontRef>
+        </p:style>
+        <p:txBody>
+          <a:bodyPr rtlCol="0" anchor="ctr"/>
+          <a:lstStyle/>
+          <a:p>
+            <a:pPr algn="ctr"/>
+            <a:endParaRPr kumimoji="1" lang="ja-JP" altLang="en-US"/>
+          </a:p>
+        </p:txBody>
+      </p:sp>
+      <p:sp>
+        <p:nvSpPr>
+          <p:cNvPr id="10" name="角丸四角形 9"/>
+          <p:cNvSpPr/>
+          <p:nvPr/>
+        </p:nvSpPr>
+        <p:spPr>
+          <a:xfrm>
+            <a:off x="1969477" y="2283625"/>
+            <a:ext cx="3209193" cy="1415561"/>
+          </a:xfrm>
+          <a:prstGeom prst="roundRect">
+            <a:avLst/>
+          </a:prstGeom>
+        </p:spPr>
+        <p:style>
+          <a:lnRef idx="2">
+            <a:schemeClr val="dk1">
+              <a:shade val="50000"/>
+            </a:schemeClr>
+          </a:lnRef>
+          <a:fillRef idx="1">
+            <a:schemeClr val="dk1"/>
+          </a:fillRef>
+          <a:effectRef idx="0">
+            <a:schemeClr val="dk1"/>
+          </a:effectRef>
+          <a:fontRef idx="minor">
+            <a:schemeClr val="lt1"/>
+          </a:fontRef>
+        </p:style>
+        <p:txBody>
+          <a:bodyPr rtlCol="0" anchor="ctr"/>
+          <a:lstStyle/>
+          <a:p>
+            <a:pPr algn="ctr"/>
+            <a:r>
+              <a:rPr kumimoji="1" lang="ja-JP" altLang="en-US" sz="3600" b="1" dirty="0" smtClean="0"/>
+              <a:t>タイトル</a:t>
+            </a:r>
+            <a:endParaRPr kumimoji="1" lang="ja-JP" altLang="en-US" sz="3600" b="1" dirty="0"/>
+          </a:p>
+        </p:txBody>
+      </p:sp>
+      <p:sp>
+        <p:nvSpPr>
+          <p:cNvPr id="11" name="角丸四角形 10"/>
+          <p:cNvSpPr/>
+          <p:nvPr/>
+        </p:nvSpPr>
+        <p:spPr>
+          <a:xfrm>
+            <a:off x="559777" y="2186910"/>
+            <a:ext cx="1078524" cy="3659975"/>
+          </a:xfrm>
+          <a:prstGeom prst="roundRect">
+            <a:avLst/>
+          </a:prstGeom>
+        </p:spPr>
+        <p:style>
+          <a:lnRef idx="2">
+            <a:schemeClr val="accent1">
+              <a:shade val="50000"/>
+            </a:schemeClr>
+          </a:lnRef>
+          <a:fillRef idx="1">
+            <a:schemeClr val="accent1"/>
+          </a:fillRef>
+          <a:effectRef idx="0">
+            <a:schemeClr val="accent1"/>
+          </a:effectRef>
+          <a:fontRef idx="minor">
+            <a:schemeClr val="lt1"/>
+          </a:fontRef>
+        </p:style>
+        <p:txBody>
+          <a:bodyPr rtlCol="0" anchor="ctr"/>
+          <a:lstStyle/>
+          <a:p>
+            <a:pPr algn="ctr"/>
+            <a:r>
+              <a:rPr kumimoji="1" lang="ja-JP" altLang="en-US" sz="3600" b="1" dirty="0" smtClean="0"/>
+              <a:t>背景</a:t>
+            </a:r>
+            <a:endParaRPr kumimoji="1" lang="ja-JP" altLang="en-US" sz="3600" b="1" dirty="0"/>
+          </a:p>
+        </p:txBody>
+      </p:sp>
+      <p:sp>
+        <p:nvSpPr>
+          <p:cNvPr id="12" name="正方形/長方形 11"/>
+          <p:cNvSpPr/>
+          <p:nvPr/>
+        </p:nvSpPr>
+        <p:spPr>
+          <a:xfrm>
+            <a:off x="1019908" y="5917223"/>
+            <a:ext cx="5715000" cy="580292"/>
+          </a:xfrm>
+          <a:prstGeom prst="rect">
+            <a:avLst/>
+          </a:prstGeom>
+          <a:gradFill>
+            <a:gsLst>
+              <a:gs pos="0">
+                <a:srgbClr val="00B050"/>
+              </a:gs>
+              <a:gs pos="78000">
+                <a:schemeClr val="accent2">
+                  <a:lumMod val="40000"/>
+                  <a:lumOff val="60000"/>
+                </a:schemeClr>
+              </a:gs>
+              <a:gs pos="73000">
+                <a:srgbClr val="DAC8A2"/>
+              </a:gs>
+              <a:gs pos="62000">
+                <a:srgbClr val="A9C28F"/>
+              </a:gs>
+              <a:gs pos="85000">
+                <a:schemeClr val="accent2">
+                  <a:lumMod val="60000"/>
+                  <a:lumOff val="40000"/>
+                </a:schemeClr>
+              </a:gs>
+              <a:gs pos="100000">
+                <a:schemeClr val="accent2">
+                  <a:lumMod val="75000"/>
+                </a:schemeClr>
+              </a:gs>
+            </a:gsLst>
+            <a:lin ang="5400000" scaled="1"/>
+          </a:gradFill>
+        </p:spPr>
+        <p:style>
+          <a:lnRef idx="2">
+            <a:schemeClr val="accent6">
+              <a:shade val="50000"/>
+            </a:schemeClr>
+          </a:lnRef>
+          <a:fillRef idx="1">
+            <a:schemeClr val="accent6"/>
+          </a:fillRef>
+          <a:effectRef idx="0">
+            <a:schemeClr val="accent6"/>
+          </a:effectRef>
+          <a:fontRef idx="minor">
+            <a:schemeClr val="lt1"/>
+          </a:fontRef>
+        </p:style>
+        <p:txBody>
+          <a:bodyPr rtlCol="0" anchor="ctr"/>
+          <a:lstStyle/>
+          <a:p>
+            <a:pPr algn="ctr"/>
+            <a:r>
+              <a:rPr kumimoji="1" lang="ja-JP" altLang="en-US" sz="2400" b="1" dirty="0" smtClean="0">
+                <a:solidFill>
+                  <a:schemeClr val="accent2"/>
+                </a:solidFill>
+              </a:rPr>
+              <a:t>地面</a:t>
+            </a:r>
+            <a:endParaRPr kumimoji="1" lang="ja-JP" altLang="en-US" sz="2400" b="1" dirty="0">
+              <a:solidFill>
+                <a:schemeClr val="accent2"/>
+              </a:solidFill>
+            </a:endParaRPr>
+          </a:p>
+        </p:txBody>
+      </p:sp>
+    </p:spTree>
+    <p:extLst>
+      <p:ext uri="{BB962C8B-B14F-4D97-AF65-F5344CB8AC3E}">
+        <p14:creationId xmlns:p14="http://schemas.microsoft.com/office/powerpoint/2010/main" val="3638218245"/>
+      </p:ext>
+    </p:extLst>
+  </p:cSld>
+  <p:clrMapOvr>
+    <a:masterClrMapping/>
+  </p:clrMapOvr>
+</p:sld>
+</file>
+
+<file path=ppt/slides/slide47.xml><?xml version="1.0" encoding="utf-8"?>
+<p:sld xmlns:a="http://schemas.openxmlformats.org/drawingml/2006/main" xmlns:r="http://schemas.openxmlformats.org/officeDocument/2006/relationships" xmlns:p="http://schemas.openxmlformats.org/presentationml/2006/main">
+  <p:cSld>
+    <p:spTree>
+      <p:nvGrpSpPr>
+        <p:cNvPr id="1" name=""/>
+        <p:cNvGrpSpPr/>
+        <p:nvPr/>
+      </p:nvGrpSpPr>
+      <p:grpSpPr>
+        <a:xfrm>
+          <a:off x="0" y="0"/>
+          <a:ext cx="0" cy="0"/>
+          <a:chOff x="0" y="0"/>
+          <a:chExt cx="0" cy="0"/>
+        </a:xfrm>
+      </p:grpSpPr>
+      <p:pic>
+        <p:nvPicPr>
+          <p:cNvPr id="3" name="図 2"/>
+          <p:cNvPicPr>
+            <a:picLocks noChangeAspect="1"/>
+          </p:cNvPicPr>
+          <p:nvPr/>
+        </p:nvPicPr>
+        <p:blipFill>
+          <a:blip r:embed="rId2"/>
+          <a:stretch>
+            <a:fillRect/>
+          </a:stretch>
+        </p:blipFill>
+        <p:spPr>
+          <a:xfrm>
+            <a:off x="0" y="0"/>
+            <a:ext cx="12192000" cy="6858000"/>
+          </a:xfrm>
+          <a:prstGeom prst="rect">
+            <a:avLst/>
+          </a:prstGeom>
+        </p:spPr>
+      </p:pic>
+      <p:pic>
+        <p:nvPicPr>
+          <p:cNvPr id="1026" name="Picture 2" descr="芝の管理はどうするの？抑えておきたい基本のお手入れ | お庭から始まる豊かなグリーンライフ「庭サポ」"/>
+          <p:cNvPicPr>
+            <a:picLocks noChangeAspect="1" noChangeArrowheads="1"/>
+          </p:cNvPicPr>
+          <p:nvPr/>
+        </p:nvPicPr>
+        <p:blipFill>
+          <a:blip r:embed="rId3">
+            <a:extLst>
+              <a:ext uri="{28A0092B-C50C-407E-A947-70E740481C1C}">
+                <a14:useLocalDpi xmlns:a14="http://schemas.microsoft.com/office/drawing/2010/main" val="0"/>
+              </a:ext>
+            </a:extLst>
+          </a:blip>
+          <a:srcRect/>
+          <a:stretch>
+            <a:fillRect/>
+          </a:stretch>
+        </p:blipFill>
+        <p:spPr bwMode="auto">
+          <a:xfrm>
+            <a:off x="0" y="5222631"/>
+            <a:ext cx="12192000" cy="1635369"/>
+          </a:xfrm>
+          <a:prstGeom prst="rect">
+            <a:avLst/>
+          </a:prstGeom>
+          <a:noFill/>
+          <a:extLst>
+            <a:ext uri="{909E8E84-426E-40DD-AFC4-6F175D3DCCD1}">
+              <a14:hiddenFill xmlns:a14="http://schemas.microsoft.com/office/drawing/2010/main">
+                <a:solidFill>
+                  <a:srgbClr val="FFFFFF"/>
+                </a:solidFill>
+              </a14:hiddenFill>
+            </a:ext>
+          </a:extLst>
+        </p:spPr>
+      </p:pic>
+      <p:sp>
+        <p:nvSpPr>
+          <p:cNvPr id="5" name="正方形/長方形 4"/>
+          <p:cNvSpPr/>
+          <p:nvPr/>
+        </p:nvSpPr>
+        <p:spPr>
+          <a:xfrm>
+            <a:off x="571501" y="4176341"/>
+            <a:ext cx="2145323" cy="1116623"/>
+          </a:xfrm>
+          <a:prstGeom prst="rect">
+            <a:avLst/>
+          </a:prstGeom>
+        </p:spPr>
+        <p:style>
+          <a:lnRef idx="2">
+            <a:schemeClr val="accent5">
+              <a:shade val="50000"/>
+            </a:schemeClr>
+          </a:lnRef>
+          <a:fillRef idx="1">
+            <a:schemeClr val="accent5"/>
+          </a:fillRef>
+          <a:effectRef idx="0">
+            <a:schemeClr val="accent5"/>
+          </a:effectRef>
+          <a:fontRef idx="minor">
+            <a:schemeClr val="lt1"/>
+          </a:fontRef>
+        </p:style>
+        <p:txBody>
+          <a:bodyPr rtlCol="0" anchor="ctr"/>
+          <a:lstStyle/>
+          <a:p>
+            <a:pPr algn="ctr"/>
+            <a:r>
+              <a:rPr kumimoji="1" lang="ja-JP" altLang="en-US" sz="6600" b="1" dirty="0" smtClean="0">
+                <a:ln>
+                  <a:solidFill>
+                    <a:sysClr val="windowText" lastClr="000000"/>
+                  </a:solidFill>
+                </a:ln>
+              </a:rPr>
+              <a:t>１</a:t>
+            </a:r>
+            <a:r>
+              <a:rPr kumimoji="1" lang="en-US" altLang="ja-JP" sz="6600" b="1" dirty="0" smtClean="0">
+                <a:ln>
+                  <a:solidFill>
+                    <a:sysClr val="windowText" lastClr="000000"/>
+                  </a:solidFill>
+                </a:ln>
+              </a:rPr>
+              <a:t>P</a:t>
+            </a:r>
+            <a:endParaRPr kumimoji="1" lang="ja-JP" altLang="en-US" sz="6600" b="1" dirty="0">
+              <a:ln>
+                <a:solidFill>
+                  <a:sysClr val="windowText" lastClr="000000"/>
+                </a:solidFill>
+              </a:ln>
+            </a:endParaRPr>
+          </a:p>
+        </p:txBody>
+      </p:sp>
+      <p:sp>
+        <p:nvSpPr>
+          <p:cNvPr id="11" name="正方形/長方形 10"/>
+          <p:cNvSpPr/>
+          <p:nvPr/>
+        </p:nvSpPr>
+        <p:spPr>
+          <a:xfrm>
+            <a:off x="3730870" y="4176341"/>
+            <a:ext cx="2145323" cy="1116623"/>
+          </a:xfrm>
+          <a:prstGeom prst="rect">
+            <a:avLst/>
+          </a:prstGeom>
+          <a:solidFill>
+            <a:srgbClr val="FF0000"/>
+          </a:solidFill>
+        </p:spPr>
+        <p:style>
+          <a:lnRef idx="2">
+            <a:schemeClr val="accent1">
+              <a:shade val="50000"/>
+            </a:schemeClr>
+          </a:lnRef>
+          <a:fillRef idx="1">
+            <a:schemeClr val="accent1"/>
+          </a:fillRef>
+          <a:effectRef idx="0">
+            <a:schemeClr val="accent1"/>
+          </a:effectRef>
+          <a:fontRef idx="minor">
+            <a:schemeClr val="lt1"/>
+          </a:fontRef>
+        </p:style>
+        <p:txBody>
+          <a:bodyPr rtlCol="0" anchor="ctr"/>
+          <a:lstStyle/>
+          <a:p>
+            <a:pPr algn="ctr"/>
+            <a:r>
+              <a:rPr kumimoji="1" lang="ja-JP" altLang="en-US" sz="6600" b="1" dirty="0" smtClean="0">
+                <a:ln>
+                  <a:solidFill>
+                    <a:sysClr val="windowText" lastClr="000000"/>
+                  </a:solidFill>
+                </a:ln>
+              </a:rPr>
+              <a:t>２</a:t>
+            </a:r>
+            <a:r>
+              <a:rPr kumimoji="1" lang="en-US" altLang="ja-JP" sz="6600" b="1" dirty="0" smtClean="0">
+                <a:ln>
+                  <a:solidFill>
+                    <a:sysClr val="windowText" lastClr="000000"/>
+                  </a:solidFill>
+                </a:ln>
+              </a:rPr>
+              <a:t>P</a:t>
+            </a:r>
+            <a:endParaRPr kumimoji="1" lang="ja-JP" altLang="en-US" sz="6600" b="1" dirty="0">
+              <a:ln>
+                <a:solidFill>
+                  <a:sysClr val="windowText" lastClr="000000"/>
+                </a:solidFill>
+              </a:ln>
+            </a:endParaRPr>
+          </a:p>
+        </p:txBody>
+      </p:sp>
+      <p:sp>
+        <p:nvSpPr>
+          <p:cNvPr id="12" name="正方形/長方形 11"/>
+          <p:cNvSpPr/>
+          <p:nvPr/>
+        </p:nvSpPr>
+        <p:spPr>
+          <a:xfrm>
+            <a:off x="6676293" y="4176341"/>
+            <a:ext cx="2145323" cy="1116623"/>
+          </a:xfrm>
+          <a:prstGeom prst="rect">
+            <a:avLst/>
+          </a:prstGeom>
+          <a:solidFill>
+            <a:srgbClr val="92D050"/>
+          </a:solidFill>
+        </p:spPr>
+        <p:style>
+          <a:lnRef idx="2">
+            <a:schemeClr val="accent1">
+              <a:shade val="50000"/>
+            </a:schemeClr>
+          </a:lnRef>
+          <a:fillRef idx="1">
+            <a:schemeClr val="accent1"/>
+          </a:fillRef>
+          <a:effectRef idx="0">
+            <a:schemeClr val="accent1"/>
+          </a:effectRef>
+          <a:fontRef idx="minor">
+            <a:schemeClr val="lt1"/>
+          </a:fontRef>
+        </p:style>
+        <p:txBody>
+          <a:bodyPr rtlCol="0" anchor="ctr"/>
+          <a:lstStyle/>
+          <a:p>
+            <a:pPr algn="ctr"/>
+            <a:r>
+              <a:rPr kumimoji="1" lang="ja-JP" altLang="en-US" sz="6600" b="1" dirty="0" smtClean="0">
+                <a:ln>
+                  <a:solidFill>
+                    <a:sysClr val="windowText" lastClr="000000"/>
+                  </a:solidFill>
+                </a:ln>
+              </a:rPr>
+              <a:t>３</a:t>
+            </a:r>
+            <a:r>
+              <a:rPr kumimoji="1" lang="en-US" altLang="ja-JP" sz="6600" b="1" dirty="0" smtClean="0">
+                <a:ln>
+                  <a:solidFill>
+                    <a:sysClr val="windowText" lastClr="000000"/>
+                  </a:solidFill>
+                </a:ln>
+              </a:rPr>
+              <a:t>P</a:t>
+            </a:r>
+            <a:endParaRPr kumimoji="1" lang="ja-JP" altLang="en-US" sz="6600" b="1" dirty="0">
+              <a:ln>
+                <a:solidFill>
+                  <a:sysClr val="windowText" lastClr="000000"/>
+                </a:solidFill>
+              </a:ln>
+            </a:endParaRPr>
+          </a:p>
+        </p:txBody>
+      </p:sp>
+      <p:sp>
+        <p:nvSpPr>
+          <p:cNvPr id="13" name="正方形/長方形 12"/>
+          <p:cNvSpPr/>
+          <p:nvPr/>
+        </p:nvSpPr>
+        <p:spPr>
+          <a:xfrm>
+            <a:off x="9457593" y="4176341"/>
+            <a:ext cx="2145323" cy="1116623"/>
+          </a:xfrm>
+          <a:prstGeom prst="rect">
+            <a:avLst/>
+          </a:prstGeom>
+          <a:solidFill>
+            <a:schemeClr val="accent4">
+              <a:lumMod val="60000"/>
+              <a:lumOff val="40000"/>
+            </a:schemeClr>
+          </a:solidFill>
+        </p:spPr>
+        <p:style>
+          <a:lnRef idx="2">
+            <a:schemeClr val="accent1">
+              <a:shade val="50000"/>
+            </a:schemeClr>
+          </a:lnRef>
+          <a:fillRef idx="1">
+            <a:schemeClr val="accent1"/>
+          </a:fillRef>
+          <a:effectRef idx="0">
+            <a:schemeClr val="accent1"/>
+          </a:effectRef>
+          <a:fontRef idx="minor">
+            <a:schemeClr val="lt1"/>
+          </a:fontRef>
+        </p:style>
+        <p:txBody>
+          <a:bodyPr rtlCol="0" anchor="ctr"/>
+          <a:lstStyle/>
+          <a:p>
+            <a:pPr algn="ctr"/>
+            <a:r>
+              <a:rPr kumimoji="1" lang="ja-JP" altLang="en-US" sz="6600" b="1" dirty="0" smtClean="0">
+                <a:ln>
+                  <a:solidFill>
+                    <a:sysClr val="windowText" lastClr="000000"/>
+                  </a:solidFill>
+                </a:ln>
+              </a:rPr>
+              <a:t>４</a:t>
+            </a:r>
+            <a:r>
+              <a:rPr kumimoji="1" lang="en-US" altLang="ja-JP" sz="6600" b="1" dirty="0" smtClean="0">
+                <a:ln>
+                  <a:solidFill>
+                    <a:sysClr val="windowText" lastClr="000000"/>
+                  </a:solidFill>
+                </a:ln>
+              </a:rPr>
+              <a:t>P</a:t>
+            </a:r>
+            <a:endParaRPr kumimoji="1" lang="ja-JP" altLang="en-US" sz="6600" b="1" dirty="0">
+              <a:ln>
+                <a:solidFill>
+                  <a:sysClr val="windowText" lastClr="000000"/>
+                </a:solidFill>
+              </a:ln>
+            </a:endParaRPr>
+          </a:p>
+        </p:txBody>
+      </p:sp>
+      <p:sp>
+        <p:nvSpPr>
+          <p:cNvPr id="8" name="下矢印 7"/>
+          <p:cNvSpPr/>
+          <p:nvPr/>
+        </p:nvSpPr>
+        <p:spPr>
+          <a:xfrm>
+            <a:off x="1052145" y="5438036"/>
+            <a:ext cx="1107831" cy="931985"/>
+          </a:xfrm>
+          <a:prstGeom prst="downArrow">
+            <a:avLst/>
+          </a:prstGeom>
+        </p:spPr>
+        <p:style>
+          <a:lnRef idx="2">
+            <a:schemeClr val="accent5">
+              <a:shade val="50000"/>
+            </a:schemeClr>
+          </a:lnRef>
+          <a:fillRef idx="1">
+            <a:schemeClr val="accent5"/>
+          </a:fillRef>
+          <a:effectRef idx="0">
+            <a:schemeClr val="accent5"/>
+          </a:effectRef>
+          <a:fontRef idx="minor">
+            <a:schemeClr val="lt1"/>
+          </a:fontRef>
+        </p:style>
+        <p:txBody>
+          <a:bodyPr rtlCol="0" anchor="ctr"/>
+          <a:lstStyle/>
+          <a:p>
+            <a:pPr algn="ctr"/>
+            <a:endParaRPr kumimoji="1" lang="ja-JP" altLang="en-US"/>
+          </a:p>
+        </p:txBody>
+      </p:sp>
+      <p:sp>
+        <p:nvSpPr>
+          <p:cNvPr id="15" name="下矢印 14"/>
+          <p:cNvSpPr/>
+          <p:nvPr/>
+        </p:nvSpPr>
+        <p:spPr>
+          <a:xfrm>
+            <a:off x="4106007" y="5438036"/>
+            <a:ext cx="1107831" cy="931985"/>
+          </a:xfrm>
+          <a:prstGeom prst="downArrow">
+            <a:avLst/>
+          </a:prstGeom>
+          <a:solidFill>
+            <a:srgbClr val="FF0000"/>
+          </a:solidFill>
+        </p:spPr>
+        <p:style>
+          <a:lnRef idx="2">
+            <a:schemeClr val="accent5">
+              <a:shade val="50000"/>
+            </a:schemeClr>
+          </a:lnRef>
+          <a:fillRef idx="1">
+            <a:schemeClr val="accent5"/>
+          </a:fillRef>
+          <a:effectRef idx="0">
+            <a:schemeClr val="accent5"/>
+          </a:effectRef>
+          <a:fontRef idx="minor">
+            <a:schemeClr val="lt1"/>
+          </a:fontRef>
+        </p:style>
+        <p:txBody>
+          <a:bodyPr rtlCol="0" anchor="ctr"/>
+          <a:lstStyle/>
+          <a:p>
+            <a:pPr algn="ctr"/>
+            <a:endParaRPr kumimoji="1" lang="ja-JP" altLang="en-US"/>
+          </a:p>
+        </p:txBody>
+      </p:sp>
+      <p:sp>
+        <p:nvSpPr>
+          <p:cNvPr id="17" name="下矢印 16"/>
+          <p:cNvSpPr/>
+          <p:nvPr/>
+        </p:nvSpPr>
+        <p:spPr>
+          <a:xfrm>
+            <a:off x="7154008" y="5490786"/>
+            <a:ext cx="1107831" cy="931985"/>
+          </a:xfrm>
+          <a:prstGeom prst="downArrow">
+            <a:avLst/>
+          </a:prstGeom>
+          <a:solidFill>
+            <a:schemeClr val="accent6">
+              <a:lumMod val="20000"/>
+              <a:lumOff val="80000"/>
+            </a:schemeClr>
+          </a:solidFill>
+        </p:spPr>
+        <p:style>
+          <a:lnRef idx="2">
+            <a:schemeClr val="accent5">
+              <a:shade val="50000"/>
+            </a:schemeClr>
+          </a:lnRef>
+          <a:fillRef idx="1">
+            <a:schemeClr val="accent5"/>
+          </a:fillRef>
+          <a:effectRef idx="0">
+            <a:schemeClr val="accent5"/>
+          </a:effectRef>
+          <a:fontRef idx="minor">
+            <a:schemeClr val="lt1"/>
+          </a:fontRef>
+        </p:style>
+        <p:txBody>
+          <a:bodyPr rtlCol="0" anchor="ctr"/>
+          <a:lstStyle/>
+          <a:p>
+            <a:pPr algn="ctr"/>
+            <a:endParaRPr kumimoji="1" lang="ja-JP" altLang="en-US"/>
+          </a:p>
+        </p:txBody>
+      </p:sp>
+      <p:sp>
+        <p:nvSpPr>
+          <p:cNvPr id="18" name="下矢印 17"/>
+          <p:cNvSpPr/>
+          <p:nvPr/>
+        </p:nvSpPr>
+        <p:spPr>
+          <a:xfrm>
+            <a:off x="10032024" y="5490785"/>
+            <a:ext cx="1107831" cy="931985"/>
+          </a:xfrm>
+          <a:prstGeom prst="downArrow">
+            <a:avLst/>
+          </a:prstGeom>
+          <a:solidFill>
+            <a:schemeClr val="accent4">
+              <a:lumMod val="40000"/>
+              <a:lumOff val="60000"/>
+            </a:schemeClr>
+          </a:solidFill>
+        </p:spPr>
+        <p:style>
+          <a:lnRef idx="2">
+            <a:schemeClr val="accent5">
+              <a:shade val="50000"/>
+            </a:schemeClr>
+          </a:lnRef>
+          <a:fillRef idx="1">
+            <a:schemeClr val="accent5"/>
+          </a:fillRef>
+          <a:effectRef idx="0">
+            <a:schemeClr val="accent5"/>
+          </a:effectRef>
+          <a:fontRef idx="minor">
+            <a:schemeClr val="lt1"/>
+          </a:fontRef>
+        </p:style>
+        <p:txBody>
+          <a:bodyPr rtlCol="0" anchor="ctr"/>
+          <a:lstStyle/>
+          <a:p>
+            <a:pPr algn="ctr"/>
+            <a:endParaRPr kumimoji="1" lang="ja-JP" altLang="en-US"/>
+          </a:p>
+        </p:txBody>
+      </p:sp>
+      <p:sp>
+        <p:nvSpPr>
+          <p:cNvPr id="19" name="テキスト ボックス 18"/>
+          <p:cNvSpPr txBox="1"/>
+          <p:nvPr/>
+        </p:nvSpPr>
+        <p:spPr>
+          <a:xfrm>
+            <a:off x="1019907" y="6429344"/>
+            <a:ext cx="1248509" cy="369332"/>
+          </a:xfrm>
+          <a:prstGeom prst="rect">
+            <a:avLst/>
+          </a:prstGeom>
+          <a:solidFill>
+            <a:schemeClr val="bg1"/>
+          </a:solidFill>
+        </p:spPr>
+        <p:txBody>
+          <a:bodyPr wrap="square" rtlCol="0">
+            <a:spAutoFit/>
+          </a:bodyPr>
+          <a:lstStyle/>
+          <a:p>
+            <a:pPr algn="ctr"/>
+            <a:r>
+              <a:rPr kumimoji="1" lang="ja-JP" altLang="en-US" b="1" dirty="0" smtClean="0"/>
+              <a:t>画面外へ</a:t>
+            </a:r>
+            <a:endParaRPr kumimoji="1" lang="ja-JP" altLang="en-US" b="1" dirty="0"/>
+          </a:p>
+        </p:txBody>
+      </p:sp>
+      <p:sp>
+        <p:nvSpPr>
+          <p:cNvPr id="20" name="テキスト ボックス 19"/>
+          <p:cNvSpPr txBox="1"/>
+          <p:nvPr/>
+        </p:nvSpPr>
+        <p:spPr>
+          <a:xfrm>
+            <a:off x="3979982" y="6422770"/>
+            <a:ext cx="1248509" cy="369332"/>
+          </a:xfrm>
+          <a:prstGeom prst="rect">
+            <a:avLst/>
+          </a:prstGeom>
+          <a:solidFill>
+            <a:schemeClr val="bg1"/>
+          </a:solidFill>
+        </p:spPr>
+        <p:txBody>
+          <a:bodyPr wrap="square" rtlCol="0">
+            <a:spAutoFit/>
+          </a:bodyPr>
+          <a:lstStyle/>
+          <a:p>
+            <a:pPr algn="ctr"/>
+            <a:r>
+              <a:rPr kumimoji="1" lang="ja-JP" altLang="en-US" b="1" dirty="0" smtClean="0"/>
+              <a:t>画面外へ</a:t>
+            </a:r>
+            <a:endParaRPr kumimoji="1" lang="ja-JP" altLang="en-US" b="1" dirty="0"/>
+          </a:p>
+        </p:txBody>
+      </p:sp>
+      <p:sp>
+        <p:nvSpPr>
+          <p:cNvPr id="21" name="テキスト ボックス 20"/>
+          <p:cNvSpPr txBox="1"/>
+          <p:nvPr/>
+        </p:nvSpPr>
+        <p:spPr>
+          <a:xfrm>
+            <a:off x="7124699" y="6424965"/>
+            <a:ext cx="1248509" cy="369332"/>
+          </a:xfrm>
+          <a:prstGeom prst="rect">
+            <a:avLst/>
+          </a:prstGeom>
+          <a:solidFill>
+            <a:schemeClr val="bg1"/>
+          </a:solidFill>
+        </p:spPr>
+        <p:txBody>
+          <a:bodyPr wrap="square" rtlCol="0">
+            <a:spAutoFit/>
+          </a:bodyPr>
+          <a:lstStyle/>
+          <a:p>
+            <a:pPr algn="ctr"/>
+            <a:r>
+              <a:rPr kumimoji="1" lang="ja-JP" altLang="en-US" b="1" dirty="0" smtClean="0"/>
+              <a:t>画面外へ</a:t>
+            </a:r>
+            <a:endParaRPr kumimoji="1" lang="ja-JP" altLang="en-US" b="1" dirty="0"/>
+          </a:p>
+        </p:txBody>
+      </p:sp>
+      <p:sp>
+        <p:nvSpPr>
+          <p:cNvPr id="22" name="テキスト ボックス 21"/>
+          <p:cNvSpPr txBox="1"/>
+          <p:nvPr/>
+        </p:nvSpPr>
+        <p:spPr>
+          <a:xfrm>
+            <a:off x="10032024" y="6429344"/>
+            <a:ext cx="1248509" cy="369332"/>
+          </a:xfrm>
+          <a:prstGeom prst="rect">
+            <a:avLst/>
+          </a:prstGeom>
+          <a:solidFill>
+            <a:schemeClr val="bg1"/>
+          </a:solidFill>
+        </p:spPr>
+        <p:txBody>
+          <a:bodyPr wrap="square" rtlCol="0">
+            <a:spAutoFit/>
+          </a:bodyPr>
+          <a:lstStyle/>
+          <a:p>
+            <a:pPr algn="ctr"/>
+            <a:r>
+              <a:rPr kumimoji="1" lang="ja-JP" altLang="en-US" b="1" dirty="0" smtClean="0"/>
+              <a:t>画面外へ</a:t>
+            </a:r>
+            <a:endParaRPr kumimoji="1" lang="ja-JP" altLang="en-US" b="1" dirty="0"/>
+          </a:p>
+        </p:txBody>
+      </p:sp>
+    </p:spTree>
+    <p:extLst>
+      <p:ext uri="{BB962C8B-B14F-4D97-AF65-F5344CB8AC3E}">
+        <p14:creationId xmlns:p14="http://schemas.microsoft.com/office/powerpoint/2010/main" val="1884571452"/>
+      </p:ext>
+    </p:extLst>
+  </p:cSld>
+  <p:clrMapOvr>
+    <a:masterClrMapping/>
+  </p:clrMapOvr>
+  <mc:AlternateContent xmlns:mc="http://schemas.openxmlformats.org/markup-compatibility/2006" xmlns:p14="http://schemas.microsoft.com/office/powerpoint/2010/main">
+    <mc:Choice Requires="p14">
+      <p:transition spd="slow" p14:dur="2000"/>
+    </mc:Choice>
+    <mc:Fallback xmlns="">
+      <p:transition spd="slow"/>
+    </mc:Fallback>
+  </mc:AlternateContent>
+  <p:timing>
+    <p:tnLst>
+      <p:par>
+        <p:cTn id="1" dur="indefinite" restart="never" nodeType="tmRoot"/>
+      </p:par>
+    </p:tnLst>
+  </p:timing>
+</p:sld>
+</file>
+
+<file path=ppt/slides/slide48.xml><?xml version="1.0" encoding="utf-8"?>
+<p:sld xmlns:a="http://schemas.openxmlformats.org/drawingml/2006/main" xmlns:r="http://schemas.openxmlformats.org/officeDocument/2006/relationships" xmlns:p="http://schemas.openxmlformats.org/presentationml/2006/main">
+  <p:cSld>
+    <p:spTree>
+      <p:nvGrpSpPr>
+        <p:cNvPr id="1" name=""/>
+        <p:cNvGrpSpPr/>
+        <p:nvPr/>
+      </p:nvGrpSpPr>
+      <p:grpSpPr>
+        <a:xfrm>
+          <a:off x="0" y="0"/>
+          <a:ext cx="0" cy="0"/>
+          <a:chOff x="0" y="0"/>
+          <a:chExt cx="0" cy="0"/>
+        </a:xfrm>
+      </p:grpSpPr>
+      <p:sp>
+        <p:nvSpPr>
+          <p:cNvPr id="2" name="タイトル 1"/>
+          <p:cNvSpPr>
+            <a:spLocks noGrp="1"/>
+          </p:cNvSpPr>
+          <p:nvPr>
+            <p:ph type="title"/>
+          </p:nvPr>
+        </p:nvSpPr>
+        <p:spPr/>
+        <p:txBody>
+          <a:bodyPr/>
+          <a:lstStyle/>
+          <a:p>
+            <a:r>
+              <a:rPr kumimoji="1" lang="ja-JP" altLang="en-US" dirty="0" smtClean="0"/>
+              <a:t>カメラの動き</a:t>
+            </a:r>
+            <a:endParaRPr kumimoji="1" lang="ja-JP" altLang="en-US" dirty="0"/>
+          </a:p>
+        </p:txBody>
+      </p:sp>
+      <p:pic>
+        <p:nvPicPr>
+          <p:cNvPr id="8" name="図 7"/>
+          <p:cNvPicPr>
+            <a:picLocks noChangeAspect="1"/>
+          </p:cNvPicPr>
+          <p:nvPr/>
+        </p:nvPicPr>
+        <p:blipFill rotWithShape="1">
+          <a:blip r:embed="rId2"/>
+          <a:srcRect l="9298" t="21520" r="10789" b="20761"/>
+          <a:stretch/>
+        </p:blipFill>
+        <p:spPr>
+          <a:xfrm>
+            <a:off x="8880231" y="4263680"/>
+            <a:ext cx="1644161" cy="1187550"/>
+          </a:xfrm>
+          <a:prstGeom prst="rect">
+            <a:avLst/>
+          </a:prstGeom>
+        </p:spPr>
+      </p:pic>
+      <p:sp>
+        <p:nvSpPr>
+          <p:cNvPr id="9" name="左矢印 8"/>
+          <p:cNvSpPr/>
+          <p:nvPr/>
+        </p:nvSpPr>
+        <p:spPr>
+          <a:xfrm>
+            <a:off x="7038383" y="4369176"/>
+            <a:ext cx="1547446" cy="1213338"/>
+          </a:xfrm>
+          <a:prstGeom prst="leftArrow">
+            <a:avLst/>
+          </a:prstGeom>
+        </p:spPr>
+        <p:style>
+          <a:lnRef idx="2">
+            <a:schemeClr val="accent1">
+              <a:shade val="50000"/>
+            </a:schemeClr>
+          </a:lnRef>
+          <a:fillRef idx="1">
+            <a:schemeClr val="accent1"/>
+          </a:fillRef>
+          <a:effectRef idx="0">
+            <a:schemeClr val="accent1"/>
+          </a:effectRef>
+          <a:fontRef idx="minor">
+            <a:schemeClr val="lt1"/>
+          </a:fontRef>
+        </p:style>
+        <p:txBody>
+          <a:bodyPr rtlCol="0" anchor="ctr"/>
+          <a:lstStyle/>
+          <a:p>
+            <a:pPr algn="ctr"/>
+            <a:endParaRPr kumimoji="1" lang="ja-JP" altLang="en-US"/>
+          </a:p>
+        </p:txBody>
+      </p:sp>
+      <p:sp>
+        <p:nvSpPr>
+          <p:cNvPr id="10" name="角丸四角形 9"/>
+          <p:cNvSpPr/>
+          <p:nvPr/>
+        </p:nvSpPr>
+        <p:spPr>
+          <a:xfrm>
+            <a:off x="1969477" y="2283625"/>
+            <a:ext cx="3209193" cy="1415561"/>
+          </a:xfrm>
+          <a:prstGeom prst="roundRect">
+            <a:avLst/>
+          </a:prstGeom>
+        </p:spPr>
+        <p:style>
+          <a:lnRef idx="2">
+            <a:schemeClr val="dk1">
+              <a:shade val="50000"/>
+            </a:schemeClr>
+          </a:lnRef>
+          <a:fillRef idx="1">
+            <a:schemeClr val="dk1"/>
+          </a:fillRef>
+          <a:effectRef idx="0">
+            <a:schemeClr val="dk1"/>
+          </a:effectRef>
+          <a:fontRef idx="minor">
+            <a:schemeClr val="lt1"/>
+          </a:fontRef>
+        </p:style>
+        <p:txBody>
+          <a:bodyPr rtlCol="0" anchor="ctr"/>
+          <a:lstStyle/>
+          <a:p>
+            <a:pPr algn="ctr"/>
+            <a:r>
+              <a:rPr kumimoji="1" lang="ja-JP" altLang="en-US" sz="3600" b="1" dirty="0" smtClean="0"/>
+              <a:t>タイトル</a:t>
+            </a:r>
+            <a:endParaRPr kumimoji="1" lang="ja-JP" altLang="en-US" sz="3600" b="1" dirty="0"/>
+          </a:p>
+        </p:txBody>
+      </p:sp>
+      <p:sp>
+        <p:nvSpPr>
+          <p:cNvPr id="11" name="角丸四角形 10"/>
+          <p:cNvSpPr/>
+          <p:nvPr/>
+        </p:nvSpPr>
+        <p:spPr>
+          <a:xfrm>
+            <a:off x="559777" y="2186910"/>
+            <a:ext cx="1078524" cy="3659975"/>
+          </a:xfrm>
+          <a:prstGeom prst="roundRect">
+            <a:avLst/>
+          </a:prstGeom>
+        </p:spPr>
+        <p:style>
+          <a:lnRef idx="2">
+            <a:schemeClr val="accent1">
+              <a:shade val="50000"/>
+            </a:schemeClr>
+          </a:lnRef>
+          <a:fillRef idx="1">
+            <a:schemeClr val="accent1"/>
+          </a:fillRef>
+          <a:effectRef idx="0">
+            <a:schemeClr val="accent1"/>
+          </a:effectRef>
+          <a:fontRef idx="minor">
+            <a:schemeClr val="lt1"/>
+          </a:fontRef>
+        </p:style>
+        <p:txBody>
+          <a:bodyPr rtlCol="0" anchor="ctr"/>
+          <a:lstStyle/>
+          <a:p>
+            <a:pPr algn="ctr"/>
+            <a:r>
+              <a:rPr kumimoji="1" lang="ja-JP" altLang="en-US" sz="3600" b="1" dirty="0" smtClean="0"/>
+              <a:t>背景</a:t>
+            </a:r>
+            <a:endParaRPr kumimoji="1" lang="ja-JP" altLang="en-US" sz="3600" b="1" dirty="0"/>
+          </a:p>
+        </p:txBody>
+      </p:sp>
+      <p:sp>
+        <p:nvSpPr>
+          <p:cNvPr id="12" name="正方形/長方形 11"/>
+          <p:cNvSpPr/>
+          <p:nvPr/>
+        </p:nvSpPr>
+        <p:spPr>
+          <a:xfrm>
+            <a:off x="1019908" y="5917223"/>
+            <a:ext cx="5715000" cy="580292"/>
+          </a:xfrm>
+          <a:prstGeom prst="rect">
+            <a:avLst/>
+          </a:prstGeom>
+          <a:gradFill>
+            <a:gsLst>
+              <a:gs pos="0">
+                <a:srgbClr val="00B050"/>
+              </a:gs>
+              <a:gs pos="78000">
+                <a:schemeClr val="accent2">
+                  <a:lumMod val="40000"/>
+                  <a:lumOff val="60000"/>
+                </a:schemeClr>
+              </a:gs>
+              <a:gs pos="73000">
+                <a:srgbClr val="DAC8A2"/>
+              </a:gs>
+              <a:gs pos="62000">
+                <a:srgbClr val="A9C28F"/>
+              </a:gs>
+              <a:gs pos="85000">
+                <a:schemeClr val="accent2">
+                  <a:lumMod val="60000"/>
+                  <a:lumOff val="40000"/>
+                </a:schemeClr>
+              </a:gs>
+              <a:gs pos="100000">
+                <a:schemeClr val="accent2">
+                  <a:lumMod val="75000"/>
+                </a:schemeClr>
+              </a:gs>
+            </a:gsLst>
+            <a:lin ang="5400000" scaled="1"/>
+          </a:gradFill>
+        </p:spPr>
+        <p:style>
+          <a:lnRef idx="2">
+            <a:schemeClr val="accent6">
+              <a:shade val="50000"/>
+            </a:schemeClr>
+          </a:lnRef>
+          <a:fillRef idx="1">
+            <a:schemeClr val="accent6"/>
+          </a:fillRef>
+          <a:effectRef idx="0">
+            <a:schemeClr val="accent6"/>
+          </a:effectRef>
+          <a:fontRef idx="minor">
+            <a:schemeClr val="lt1"/>
+          </a:fontRef>
+        </p:style>
+        <p:txBody>
+          <a:bodyPr rtlCol="0" anchor="ctr"/>
+          <a:lstStyle/>
+          <a:p>
+            <a:pPr algn="ctr"/>
+            <a:r>
+              <a:rPr kumimoji="1" lang="ja-JP" altLang="en-US" sz="2400" b="1" dirty="0" smtClean="0">
+                <a:solidFill>
+                  <a:schemeClr val="accent2"/>
+                </a:solidFill>
+              </a:rPr>
+              <a:t>地面</a:t>
+            </a:r>
+            <a:endParaRPr kumimoji="1" lang="ja-JP" altLang="en-US" sz="2400" b="1" dirty="0">
+              <a:solidFill>
+                <a:schemeClr val="accent2"/>
+              </a:solidFill>
+            </a:endParaRPr>
+          </a:p>
+        </p:txBody>
+      </p:sp>
       <p:sp>
         <p:nvSpPr>
           <p:cNvPr id="3" name="正方形/長方形 2"/>
@@ -22395,7 +23435,7 @@
         </p:nvSpPr>
         <p:spPr>
           <a:xfrm>
-            <a:off x="6096000" y="5362706"/>
+            <a:off x="2605066" y="5451230"/>
             <a:ext cx="1081454" cy="580292"/>
           </a:xfrm>
           <a:prstGeom prst="rect">
@@ -22445,6 +23485,892 @@
     </p:spTree>
     <p:extLst>
       <p:ext uri="{BB962C8B-B14F-4D97-AF65-F5344CB8AC3E}">
+        <p14:creationId xmlns:p14="http://schemas.microsoft.com/office/powerpoint/2010/main" val="1996236154"/>
+      </p:ext>
+    </p:extLst>
+  </p:cSld>
+  <p:clrMapOvr>
+    <a:masterClrMapping/>
+  </p:clrMapOvr>
+</p:sld>
+</file>
+
+<file path=ppt/slides/slide49.xml><?xml version="1.0" encoding="utf-8"?>
+<p:sld xmlns:a="http://schemas.openxmlformats.org/drawingml/2006/main" xmlns:r="http://schemas.openxmlformats.org/officeDocument/2006/relationships" xmlns:p="http://schemas.openxmlformats.org/presentationml/2006/main">
+  <p:cSld>
+    <p:spTree>
+      <p:nvGrpSpPr>
+        <p:cNvPr id="1" name=""/>
+        <p:cNvGrpSpPr/>
+        <p:nvPr/>
+      </p:nvGrpSpPr>
+      <p:grpSpPr>
+        <a:xfrm>
+          <a:off x="0" y="0"/>
+          <a:ext cx="0" cy="0"/>
+          <a:chOff x="0" y="0"/>
+          <a:chExt cx="0" cy="0"/>
+        </a:xfrm>
+      </p:grpSpPr>
+      <p:pic>
+        <p:nvPicPr>
+          <p:cNvPr id="3" name="図 2"/>
+          <p:cNvPicPr>
+            <a:picLocks noChangeAspect="1"/>
+          </p:cNvPicPr>
+          <p:nvPr/>
+        </p:nvPicPr>
+        <p:blipFill>
+          <a:blip r:embed="rId2"/>
+          <a:stretch>
+            <a:fillRect/>
+          </a:stretch>
+        </p:blipFill>
+        <p:spPr>
+          <a:xfrm>
+            <a:off x="0" y="0"/>
+            <a:ext cx="12192000" cy="4719483"/>
+          </a:xfrm>
+          <a:prstGeom prst="rect">
+            <a:avLst/>
+          </a:prstGeom>
+        </p:spPr>
+      </p:pic>
+      <p:pic>
+        <p:nvPicPr>
+          <p:cNvPr id="1026" name="Picture 2" descr="芝の管理はどうするの？抑えておきたい基本のお手入れ | お庭から始まる豊かなグリーンライフ「庭サポ」"/>
+          <p:cNvPicPr>
+            <a:picLocks noChangeAspect="1" noChangeArrowheads="1"/>
+          </p:cNvPicPr>
+          <p:nvPr/>
+        </p:nvPicPr>
+        <p:blipFill>
+          <a:blip r:embed="rId3">
+            <a:extLst>
+              <a:ext uri="{28A0092B-C50C-407E-A947-70E740481C1C}">
+                <a14:useLocalDpi xmlns:a14="http://schemas.microsoft.com/office/drawing/2010/main" val="0"/>
+              </a:ext>
+            </a:extLst>
+          </a:blip>
+          <a:srcRect/>
+          <a:stretch>
+            <a:fillRect/>
+          </a:stretch>
+        </p:blipFill>
+        <p:spPr bwMode="auto">
+          <a:xfrm>
+            <a:off x="0" y="3639020"/>
+            <a:ext cx="12192000" cy="1125415"/>
+          </a:xfrm>
+          <a:prstGeom prst="rect">
+            <a:avLst/>
+          </a:prstGeom>
+          <a:noFill/>
+          <a:extLst>
+            <a:ext uri="{909E8E84-426E-40DD-AFC4-6F175D3DCCD1}">
+              <a14:hiddenFill xmlns:a14="http://schemas.microsoft.com/office/drawing/2010/main">
+                <a:solidFill>
+                  <a:srgbClr val="FFFFFF"/>
+                </a:solidFill>
+              </a14:hiddenFill>
+            </a:ext>
+          </a:extLst>
+        </p:spPr>
+      </p:pic>
+      <p:sp>
+        <p:nvSpPr>
+          <p:cNvPr id="4" name="正方形/長方形 3"/>
+          <p:cNvSpPr/>
+          <p:nvPr/>
+        </p:nvSpPr>
+        <p:spPr>
+          <a:xfrm>
+            <a:off x="0" y="4764435"/>
+            <a:ext cx="12191999" cy="2093565"/>
+          </a:xfrm>
+          <a:prstGeom prst="rect">
+            <a:avLst/>
+          </a:prstGeom>
+          <a:solidFill>
+            <a:schemeClr val="tx1"/>
+          </a:solidFill>
+        </p:spPr>
+        <p:style>
+          <a:lnRef idx="2">
+            <a:schemeClr val="accent1">
+              <a:shade val="50000"/>
+            </a:schemeClr>
+          </a:lnRef>
+          <a:fillRef idx="1">
+            <a:schemeClr val="accent1"/>
+          </a:fillRef>
+          <a:effectRef idx="0">
+            <a:schemeClr val="accent1"/>
+          </a:effectRef>
+          <a:fontRef idx="minor">
+            <a:schemeClr val="lt1"/>
+          </a:fontRef>
+        </p:style>
+        <p:txBody>
+          <a:bodyPr rtlCol="0" anchor="ctr"/>
+          <a:lstStyle/>
+          <a:p>
+            <a:pPr algn="ctr"/>
+            <a:endParaRPr kumimoji="1" lang="ja-JP" altLang="en-US"/>
+          </a:p>
+        </p:txBody>
+      </p:sp>
+      <p:sp>
+        <p:nvSpPr>
+          <p:cNvPr id="5" name="正方形/長方形 4"/>
+          <p:cNvSpPr/>
+          <p:nvPr/>
+        </p:nvSpPr>
+        <p:spPr>
+          <a:xfrm>
+            <a:off x="685800" y="5515187"/>
+            <a:ext cx="2145323" cy="1116623"/>
+          </a:xfrm>
+          <a:prstGeom prst="rect">
+            <a:avLst/>
+          </a:prstGeom>
+        </p:spPr>
+        <p:style>
+          <a:lnRef idx="2">
+            <a:schemeClr val="accent5">
+              <a:shade val="50000"/>
+            </a:schemeClr>
+          </a:lnRef>
+          <a:fillRef idx="1">
+            <a:schemeClr val="accent5"/>
+          </a:fillRef>
+          <a:effectRef idx="0">
+            <a:schemeClr val="accent5"/>
+          </a:effectRef>
+          <a:fontRef idx="minor">
+            <a:schemeClr val="lt1"/>
+          </a:fontRef>
+        </p:style>
+        <p:txBody>
+          <a:bodyPr rtlCol="0" anchor="ctr"/>
+          <a:lstStyle/>
+          <a:p>
+            <a:pPr algn="ctr"/>
+            <a:r>
+              <a:rPr kumimoji="1" lang="ja-JP" altLang="en-US" sz="6600" b="1" dirty="0" smtClean="0">
+                <a:ln>
+                  <a:solidFill>
+                    <a:sysClr val="windowText" lastClr="000000"/>
+                  </a:solidFill>
+                </a:ln>
+              </a:rPr>
+              <a:t>１</a:t>
+            </a:r>
+            <a:r>
+              <a:rPr kumimoji="1" lang="en-US" altLang="ja-JP" sz="6600" b="1" dirty="0" smtClean="0">
+                <a:ln>
+                  <a:solidFill>
+                    <a:sysClr val="windowText" lastClr="000000"/>
+                  </a:solidFill>
+                </a:ln>
+              </a:rPr>
+              <a:t>P</a:t>
+            </a:r>
+            <a:endParaRPr kumimoji="1" lang="ja-JP" altLang="en-US" sz="6600" b="1" dirty="0">
+              <a:ln>
+                <a:solidFill>
+                  <a:sysClr val="windowText" lastClr="000000"/>
+                </a:solidFill>
+              </a:ln>
+            </a:endParaRPr>
+          </a:p>
+        </p:txBody>
+      </p:sp>
+      <p:sp>
+        <p:nvSpPr>
+          <p:cNvPr id="11" name="正方形/長方形 10"/>
+          <p:cNvSpPr/>
+          <p:nvPr/>
+        </p:nvSpPr>
+        <p:spPr>
+          <a:xfrm>
+            <a:off x="3845169" y="5515187"/>
+            <a:ext cx="2145323" cy="1116623"/>
+          </a:xfrm>
+          <a:prstGeom prst="rect">
+            <a:avLst/>
+          </a:prstGeom>
+          <a:solidFill>
+            <a:srgbClr val="FF0000"/>
+          </a:solidFill>
+        </p:spPr>
+        <p:style>
+          <a:lnRef idx="2">
+            <a:schemeClr val="accent1">
+              <a:shade val="50000"/>
+            </a:schemeClr>
+          </a:lnRef>
+          <a:fillRef idx="1">
+            <a:schemeClr val="accent1"/>
+          </a:fillRef>
+          <a:effectRef idx="0">
+            <a:schemeClr val="accent1"/>
+          </a:effectRef>
+          <a:fontRef idx="minor">
+            <a:schemeClr val="lt1"/>
+          </a:fontRef>
+        </p:style>
+        <p:txBody>
+          <a:bodyPr rtlCol="0" anchor="ctr"/>
+          <a:lstStyle/>
+          <a:p>
+            <a:pPr algn="ctr"/>
+            <a:r>
+              <a:rPr kumimoji="1" lang="ja-JP" altLang="en-US" sz="6600" b="1" dirty="0" smtClean="0">
+                <a:ln>
+                  <a:solidFill>
+                    <a:sysClr val="windowText" lastClr="000000"/>
+                  </a:solidFill>
+                </a:ln>
+              </a:rPr>
+              <a:t>２</a:t>
+            </a:r>
+            <a:r>
+              <a:rPr kumimoji="1" lang="en-US" altLang="ja-JP" sz="6600" b="1" dirty="0" smtClean="0">
+                <a:ln>
+                  <a:solidFill>
+                    <a:sysClr val="windowText" lastClr="000000"/>
+                  </a:solidFill>
+                </a:ln>
+              </a:rPr>
+              <a:t>P</a:t>
+            </a:r>
+            <a:endParaRPr kumimoji="1" lang="ja-JP" altLang="en-US" sz="6600" b="1" dirty="0">
+              <a:ln>
+                <a:solidFill>
+                  <a:sysClr val="windowText" lastClr="000000"/>
+                </a:solidFill>
+              </a:ln>
+            </a:endParaRPr>
+          </a:p>
+        </p:txBody>
+      </p:sp>
+      <p:sp>
+        <p:nvSpPr>
+          <p:cNvPr id="12" name="正方形/長方形 11"/>
+          <p:cNvSpPr/>
+          <p:nvPr/>
+        </p:nvSpPr>
+        <p:spPr>
+          <a:xfrm>
+            <a:off x="6790592" y="5515187"/>
+            <a:ext cx="2145323" cy="1116623"/>
+          </a:xfrm>
+          <a:prstGeom prst="rect">
+            <a:avLst/>
+          </a:prstGeom>
+          <a:solidFill>
+            <a:srgbClr val="92D050"/>
+          </a:solidFill>
+        </p:spPr>
+        <p:style>
+          <a:lnRef idx="2">
+            <a:schemeClr val="accent1">
+              <a:shade val="50000"/>
+            </a:schemeClr>
+          </a:lnRef>
+          <a:fillRef idx="1">
+            <a:schemeClr val="accent1"/>
+          </a:fillRef>
+          <a:effectRef idx="0">
+            <a:schemeClr val="accent1"/>
+          </a:effectRef>
+          <a:fontRef idx="minor">
+            <a:schemeClr val="lt1"/>
+          </a:fontRef>
+        </p:style>
+        <p:txBody>
+          <a:bodyPr rtlCol="0" anchor="ctr"/>
+          <a:lstStyle/>
+          <a:p>
+            <a:pPr algn="ctr"/>
+            <a:r>
+              <a:rPr kumimoji="1" lang="ja-JP" altLang="en-US" sz="6600" b="1" dirty="0" smtClean="0">
+                <a:ln>
+                  <a:solidFill>
+                    <a:sysClr val="windowText" lastClr="000000"/>
+                  </a:solidFill>
+                </a:ln>
+              </a:rPr>
+              <a:t>３</a:t>
+            </a:r>
+            <a:r>
+              <a:rPr kumimoji="1" lang="en-US" altLang="ja-JP" sz="6600" b="1" dirty="0" smtClean="0">
+                <a:ln>
+                  <a:solidFill>
+                    <a:sysClr val="windowText" lastClr="000000"/>
+                  </a:solidFill>
+                </a:ln>
+              </a:rPr>
+              <a:t>P</a:t>
+            </a:r>
+            <a:endParaRPr kumimoji="1" lang="ja-JP" altLang="en-US" sz="6600" b="1" dirty="0">
+              <a:ln>
+                <a:solidFill>
+                  <a:sysClr val="windowText" lastClr="000000"/>
+                </a:solidFill>
+              </a:ln>
+            </a:endParaRPr>
+          </a:p>
+        </p:txBody>
+      </p:sp>
+      <p:sp>
+        <p:nvSpPr>
+          <p:cNvPr id="13" name="正方形/長方形 12"/>
+          <p:cNvSpPr/>
+          <p:nvPr/>
+        </p:nvSpPr>
+        <p:spPr>
+          <a:xfrm>
+            <a:off x="9571892" y="5515187"/>
+            <a:ext cx="2145323" cy="1116623"/>
+          </a:xfrm>
+          <a:prstGeom prst="rect">
+            <a:avLst/>
+          </a:prstGeom>
+          <a:solidFill>
+            <a:schemeClr val="accent4">
+              <a:lumMod val="60000"/>
+              <a:lumOff val="40000"/>
+            </a:schemeClr>
+          </a:solidFill>
+        </p:spPr>
+        <p:style>
+          <a:lnRef idx="2">
+            <a:schemeClr val="accent1">
+              <a:shade val="50000"/>
+            </a:schemeClr>
+          </a:lnRef>
+          <a:fillRef idx="1">
+            <a:schemeClr val="accent1"/>
+          </a:fillRef>
+          <a:effectRef idx="0">
+            <a:schemeClr val="accent1"/>
+          </a:effectRef>
+          <a:fontRef idx="minor">
+            <a:schemeClr val="lt1"/>
+          </a:fontRef>
+        </p:style>
+        <p:txBody>
+          <a:bodyPr rtlCol="0" anchor="ctr"/>
+          <a:lstStyle/>
+          <a:p>
+            <a:pPr algn="ctr"/>
+            <a:r>
+              <a:rPr kumimoji="1" lang="ja-JP" altLang="en-US" sz="6600" b="1" dirty="0" smtClean="0">
+                <a:ln>
+                  <a:solidFill>
+                    <a:sysClr val="windowText" lastClr="000000"/>
+                  </a:solidFill>
+                </a:ln>
+              </a:rPr>
+              <a:t>４</a:t>
+            </a:r>
+            <a:r>
+              <a:rPr kumimoji="1" lang="en-US" altLang="ja-JP" sz="6600" b="1" dirty="0" smtClean="0">
+                <a:ln>
+                  <a:solidFill>
+                    <a:sysClr val="windowText" lastClr="000000"/>
+                  </a:solidFill>
+                </a:ln>
+              </a:rPr>
+              <a:t>P</a:t>
+            </a:r>
+            <a:endParaRPr kumimoji="1" lang="ja-JP" altLang="en-US" sz="6600" b="1" dirty="0">
+              <a:ln>
+                <a:solidFill>
+                  <a:sysClr val="windowText" lastClr="000000"/>
+                </a:solidFill>
+              </a:ln>
+            </a:endParaRPr>
+          </a:p>
+        </p:txBody>
+      </p:sp>
+      <p:sp>
+        <p:nvSpPr>
+          <p:cNvPr id="2" name="テキスト ボックス 1"/>
+          <p:cNvSpPr txBox="1"/>
+          <p:nvPr/>
+        </p:nvSpPr>
+        <p:spPr>
+          <a:xfrm>
+            <a:off x="0" y="4842148"/>
+            <a:ext cx="1688122" cy="646331"/>
+          </a:xfrm>
+          <a:prstGeom prst="rect">
+            <a:avLst/>
+          </a:prstGeom>
+          <a:solidFill>
+            <a:schemeClr val="bg1"/>
+          </a:solidFill>
+        </p:spPr>
+        <p:txBody>
+          <a:bodyPr wrap="square" rtlCol="0">
+            <a:spAutoFit/>
+          </a:bodyPr>
+          <a:lstStyle/>
+          <a:p>
+            <a:pPr algn="ctr"/>
+            <a:r>
+              <a:rPr kumimoji="1" lang="ja-JP" altLang="en-US" sz="3600" b="1" dirty="0" smtClean="0"/>
+              <a:t>画面外</a:t>
+            </a:r>
+            <a:endParaRPr kumimoji="1" lang="ja-JP" altLang="en-US" sz="3600" b="1" dirty="0"/>
+          </a:p>
+        </p:txBody>
+      </p:sp>
+    </p:spTree>
+    <p:extLst>
+      <p:ext uri="{BB962C8B-B14F-4D97-AF65-F5344CB8AC3E}">
+        <p14:creationId xmlns:p14="http://schemas.microsoft.com/office/powerpoint/2010/main" val="2759547723"/>
+      </p:ext>
+    </p:extLst>
+  </p:cSld>
+  <p:clrMapOvr>
+    <a:masterClrMapping/>
+  </p:clrMapOvr>
+  <mc:AlternateContent xmlns:mc="http://schemas.openxmlformats.org/markup-compatibility/2006" xmlns:p14="http://schemas.microsoft.com/office/powerpoint/2010/main">
+    <mc:Choice Requires="p14">
+      <p:transition spd="slow" p14:dur="2000"/>
+    </mc:Choice>
+    <mc:Fallback xmlns="">
+      <p:transition spd="slow"/>
+    </mc:Fallback>
+  </mc:AlternateContent>
+  <p:timing>
+    <p:tnLst>
+      <p:par>
+        <p:cTn id="1" dur="indefinite" restart="never" nodeType="tmRoot"/>
+      </p:par>
+    </p:tnLst>
+  </p:timing>
+</p:sld>
+</file>
+
+<file path=ppt/slides/slide5.xml><?xml version="1.0" encoding="utf-8"?>
+<p:sld xmlns:a="http://schemas.openxmlformats.org/drawingml/2006/main" xmlns:r="http://schemas.openxmlformats.org/officeDocument/2006/relationships" xmlns:p="http://schemas.openxmlformats.org/presentationml/2006/main" show="0">
+  <p:cSld>
+    <p:spTree>
+      <p:nvGrpSpPr>
+        <p:cNvPr id="1" name=""/>
+        <p:cNvGrpSpPr/>
+        <p:nvPr/>
+      </p:nvGrpSpPr>
+      <p:grpSpPr>
+        <a:xfrm>
+          <a:off x="0" y="0"/>
+          <a:ext cx="0" cy="0"/>
+          <a:chOff x="0" y="0"/>
+          <a:chExt cx="0" cy="0"/>
+        </a:xfrm>
+      </p:grpSpPr>
+      <p:sp>
+        <p:nvSpPr>
+          <p:cNvPr id="2" name="タイトル 1"/>
+          <p:cNvSpPr>
+            <a:spLocks noGrp="1"/>
+          </p:cNvSpPr>
+          <p:nvPr>
+            <p:ph type="title"/>
+          </p:nvPr>
+        </p:nvSpPr>
+        <p:spPr>
+          <a:xfrm>
+            <a:off x="908538" y="2519241"/>
+            <a:ext cx="10515600" cy="1325563"/>
+          </a:xfrm>
+        </p:spPr>
+        <p:txBody>
+          <a:bodyPr>
+            <a:normAutofit/>
+          </a:bodyPr>
+          <a:lstStyle/>
+          <a:p>
+            <a:pPr algn="ctr"/>
+            <a:r>
+              <a:rPr kumimoji="1" lang="ja-JP" altLang="en-US" sz="7200" b="1" dirty="0" smtClean="0">
+                <a:latin typeface="BIZ UDP明朝 Medium" panose="02020500000000000000" pitchFamily="18" charset="-128"/>
+                <a:ea typeface="BIZ UDP明朝 Medium" panose="02020500000000000000" pitchFamily="18" charset="-128"/>
+              </a:rPr>
+              <a:t>タイトル画面の案１</a:t>
+            </a:r>
+            <a:endParaRPr kumimoji="1" lang="ja-JP" altLang="en-US" sz="7200" b="1" dirty="0">
+              <a:latin typeface="BIZ UDP明朝 Medium" panose="02020500000000000000" pitchFamily="18" charset="-128"/>
+              <a:ea typeface="BIZ UDP明朝 Medium" panose="02020500000000000000" pitchFamily="18" charset="-128"/>
+            </a:endParaRPr>
+          </a:p>
+        </p:txBody>
+      </p:sp>
+    </p:spTree>
+    <p:extLst>
+      <p:ext uri="{BB962C8B-B14F-4D97-AF65-F5344CB8AC3E}">
+        <p14:creationId xmlns:p14="http://schemas.microsoft.com/office/powerpoint/2010/main" val="2517827214"/>
+      </p:ext>
+    </p:extLst>
+  </p:cSld>
+  <p:clrMapOvr>
+    <a:masterClrMapping/>
+  </p:clrMapOvr>
+  <mc:AlternateContent xmlns:mc="http://schemas.openxmlformats.org/markup-compatibility/2006" xmlns:p14="http://schemas.microsoft.com/office/powerpoint/2010/main">
+    <mc:Choice Requires="p14">
+      <p:transition spd="slow" p14:dur="2000"/>
+    </mc:Choice>
+    <mc:Fallback xmlns="">
+      <p:transition spd="slow"/>
+    </mc:Fallback>
+  </mc:AlternateContent>
+  <p:timing>
+    <p:tnLst>
+      <p:par>
+        <p:cTn id="1" dur="indefinite" restart="never" nodeType="tmRoot"/>
+      </p:par>
+    </p:tnLst>
+  </p:timing>
+</p:sld>
+</file>
+
+<file path=ppt/slides/slide50.xml><?xml version="1.0" encoding="utf-8"?>
+<p:sld xmlns:a="http://schemas.openxmlformats.org/drawingml/2006/main" xmlns:r="http://schemas.openxmlformats.org/officeDocument/2006/relationships" xmlns:p="http://schemas.openxmlformats.org/presentationml/2006/main">
+  <p:cSld>
+    <p:spTree>
+      <p:nvGrpSpPr>
+        <p:cNvPr id="1" name=""/>
+        <p:cNvGrpSpPr/>
+        <p:nvPr/>
+      </p:nvGrpSpPr>
+      <p:grpSpPr>
+        <a:xfrm>
+          <a:off x="0" y="0"/>
+          <a:ext cx="0" cy="0"/>
+          <a:chOff x="0" y="0"/>
+          <a:chExt cx="0" cy="0"/>
+        </a:xfrm>
+      </p:grpSpPr>
+      <p:sp>
+        <p:nvSpPr>
+          <p:cNvPr id="2" name="タイトル 1"/>
+          <p:cNvSpPr>
+            <a:spLocks noGrp="1"/>
+          </p:cNvSpPr>
+          <p:nvPr>
+            <p:ph type="title"/>
+          </p:nvPr>
+        </p:nvSpPr>
+        <p:spPr/>
+        <p:txBody>
+          <a:bodyPr/>
+          <a:lstStyle/>
+          <a:p>
+            <a:r>
+              <a:rPr kumimoji="1" lang="ja-JP" altLang="en-US" dirty="0" smtClean="0"/>
+              <a:t>カメラの動き</a:t>
+            </a:r>
+            <a:endParaRPr kumimoji="1" lang="ja-JP" altLang="en-US" dirty="0"/>
+          </a:p>
+        </p:txBody>
+      </p:sp>
+      <p:pic>
+        <p:nvPicPr>
+          <p:cNvPr id="8" name="図 7"/>
+          <p:cNvPicPr>
+            <a:picLocks noChangeAspect="1"/>
+          </p:cNvPicPr>
+          <p:nvPr/>
+        </p:nvPicPr>
+        <p:blipFill rotWithShape="1">
+          <a:blip r:embed="rId2"/>
+          <a:srcRect l="9298" t="21520" r="10789" b="20761"/>
+          <a:stretch/>
+        </p:blipFill>
+        <p:spPr>
+          <a:xfrm>
+            <a:off x="8880231" y="4263680"/>
+            <a:ext cx="1644161" cy="1187550"/>
+          </a:xfrm>
+          <a:prstGeom prst="rect">
+            <a:avLst/>
+          </a:prstGeom>
+        </p:spPr>
+      </p:pic>
+      <p:sp>
+        <p:nvSpPr>
+          <p:cNvPr id="9" name="左矢印 8"/>
+          <p:cNvSpPr/>
+          <p:nvPr/>
+        </p:nvSpPr>
+        <p:spPr>
+          <a:xfrm>
+            <a:off x="7038383" y="4369176"/>
+            <a:ext cx="1547446" cy="1213338"/>
+          </a:xfrm>
+          <a:prstGeom prst="leftArrow">
+            <a:avLst/>
+          </a:prstGeom>
+        </p:spPr>
+        <p:style>
+          <a:lnRef idx="2">
+            <a:schemeClr val="accent1">
+              <a:shade val="50000"/>
+            </a:schemeClr>
+          </a:lnRef>
+          <a:fillRef idx="1">
+            <a:schemeClr val="accent1"/>
+          </a:fillRef>
+          <a:effectRef idx="0">
+            <a:schemeClr val="accent1"/>
+          </a:effectRef>
+          <a:fontRef idx="minor">
+            <a:schemeClr val="lt1"/>
+          </a:fontRef>
+        </p:style>
+        <p:txBody>
+          <a:bodyPr rtlCol="0" anchor="ctr"/>
+          <a:lstStyle/>
+          <a:p>
+            <a:pPr algn="ctr"/>
+            <a:endParaRPr kumimoji="1" lang="ja-JP" altLang="en-US"/>
+          </a:p>
+        </p:txBody>
+      </p:sp>
+      <p:sp>
+        <p:nvSpPr>
+          <p:cNvPr id="10" name="角丸四角形 9"/>
+          <p:cNvSpPr/>
+          <p:nvPr/>
+        </p:nvSpPr>
+        <p:spPr>
+          <a:xfrm>
+            <a:off x="1969477" y="2283625"/>
+            <a:ext cx="3209193" cy="1415561"/>
+          </a:xfrm>
+          <a:prstGeom prst="roundRect">
+            <a:avLst/>
+          </a:prstGeom>
+        </p:spPr>
+        <p:style>
+          <a:lnRef idx="2">
+            <a:schemeClr val="dk1">
+              <a:shade val="50000"/>
+            </a:schemeClr>
+          </a:lnRef>
+          <a:fillRef idx="1">
+            <a:schemeClr val="dk1"/>
+          </a:fillRef>
+          <a:effectRef idx="0">
+            <a:schemeClr val="dk1"/>
+          </a:effectRef>
+          <a:fontRef idx="minor">
+            <a:schemeClr val="lt1"/>
+          </a:fontRef>
+        </p:style>
+        <p:txBody>
+          <a:bodyPr rtlCol="0" anchor="ctr"/>
+          <a:lstStyle/>
+          <a:p>
+            <a:pPr algn="ctr"/>
+            <a:r>
+              <a:rPr kumimoji="1" lang="ja-JP" altLang="en-US" sz="3600" b="1" dirty="0" smtClean="0"/>
+              <a:t>タイトル</a:t>
+            </a:r>
+            <a:endParaRPr kumimoji="1" lang="ja-JP" altLang="en-US" sz="3600" b="1" dirty="0"/>
+          </a:p>
+        </p:txBody>
+      </p:sp>
+      <p:sp>
+        <p:nvSpPr>
+          <p:cNvPr id="11" name="角丸四角形 10"/>
+          <p:cNvSpPr/>
+          <p:nvPr/>
+        </p:nvSpPr>
+        <p:spPr>
+          <a:xfrm>
+            <a:off x="559777" y="2186910"/>
+            <a:ext cx="1078524" cy="3659975"/>
+          </a:xfrm>
+          <a:prstGeom prst="roundRect">
+            <a:avLst/>
+          </a:prstGeom>
+        </p:spPr>
+        <p:style>
+          <a:lnRef idx="2">
+            <a:schemeClr val="accent1">
+              <a:shade val="50000"/>
+            </a:schemeClr>
+          </a:lnRef>
+          <a:fillRef idx="1">
+            <a:schemeClr val="accent1"/>
+          </a:fillRef>
+          <a:effectRef idx="0">
+            <a:schemeClr val="accent1"/>
+          </a:effectRef>
+          <a:fontRef idx="minor">
+            <a:schemeClr val="lt1"/>
+          </a:fontRef>
+        </p:style>
+        <p:txBody>
+          <a:bodyPr rtlCol="0" anchor="ctr"/>
+          <a:lstStyle/>
+          <a:p>
+            <a:pPr algn="ctr"/>
+            <a:r>
+              <a:rPr kumimoji="1" lang="ja-JP" altLang="en-US" sz="3600" b="1" dirty="0" smtClean="0"/>
+              <a:t>背景</a:t>
+            </a:r>
+            <a:endParaRPr kumimoji="1" lang="ja-JP" altLang="en-US" sz="3600" b="1" dirty="0"/>
+          </a:p>
+        </p:txBody>
+      </p:sp>
+      <p:sp>
+        <p:nvSpPr>
+          <p:cNvPr id="12" name="正方形/長方形 11"/>
+          <p:cNvSpPr/>
+          <p:nvPr/>
+        </p:nvSpPr>
+        <p:spPr>
+          <a:xfrm>
+            <a:off x="1019908" y="5917223"/>
+            <a:ext cx="5715000" cy="580292"/>
+          </a:xfrm>
+          <a:prstGeom prst="rect">
+            <a:avLst/>
+          </a:prstGeom>
+          <a:gradFill>
+            <a:gsLst>
+              <a:gs pos="0">
+                <a:srgbClr val="00B050"/>
+              </a:gs>
+              <a:gs pos="78000">
+                <a:schemeClr val="accent2">
+                  <a:lumMod val="40000"/>
+                  <a:lumOff val="60000"/>
+                </a:schemeClr>
+              </a:gs>
+              <a:gs pos="73000">
+                <a:srgbClr val="DAC8A2"/>
+              </a:gs>
+              <a:gs pos="62000">
+                <a:srgbClr val="A9C28F"/>
+              </a:gs>
+              <a:gs pos="85000">
+                <a:schemeClr val="accent2">
+                  <a:lumMod val="60000"/>
+                  <a:lumOff val="40000"/>
+                </a:schemeClr>
+              </a:gs>
+              <a:gs pos="100000">
+                <a:schemeClr val="accent2">
+                  <a:lumMod val="75000"/>
+                </a:schemeClr>
+              </a:gs>
+            </a:gsLst>
+            <a:lin ang="5400000" scaled="1"/>
+          </a:gradFill>
+        </p:spPr>
+        <p:style>
+          <a:lnRef idx="2">
+            <a:schemeClr val="accent6">
+              <a:shade val="50000"/>
+            </a:schemeClr>
+          </a:lnRef>
+          <a:fillRef idx="1">
+            <a:schemeClr val="accent6"/>
+          </a:fillRef>
+          <a:effectRef idx="0">
+            <a:schemeClr val="accent6"/>
+          </a:effectRef>
+          <a:fontRef idx="minor">
+            <a:schemeClr val="lt1"/>
+          </a:fontRef>
+        </p:style>
+        <p:txBody>
+          <a:bodyPr rtlCol="0" anchor="ctr"/>
+          <a:lstStyle/>
+          <a:p>
+            <a:pPr algn="ctr"/>
+            <a:r>
+              <a:rPr kumimoji="1" lang="ja-JP" altLang="en-US" sz="2400" b="1" dirty="0" smtClean="0">
+                <a:solidFill>
+                  <a:schemeClr val="accent2"/>
+                </a:solidFill>
+              </a:rPr>
+              <a:t>地面</a:t>
+            </a:r>
+            <a:endParaRPr kumimoji="1" lang="ja-JP" altLang="en-US" sz="2400" b="1" dirty="0">
+              <a:solidFill>
+                <a:schemeClr val="accent2"/>
+              </a:solidFill>
+            </a:endParaRPr>
+          </a:p>
+        </p:txBody>
+      </p:sp>
+      <p:sp>
+        <p:nvSpPr>
+          <p:cNvPr id="3" name="正方形/長方形 2"/>
+          <p:cNvSpPr/>
+          <p:nvPr/>
+        </p:nvSpPr>
+        <p:spPr>
+          <a:xfrm>
+            <a:off x="6096000" y="5362706"/>
+            <a:ext cx="1081454" cy="580292"/>
+          </a:xfrm>
+          <a:prstGeom prst="rect">
+            <a:avLst/>
+          </a:prstGeom>
+          <a:ln>
+            <a:solidFill>
+              <a:schemeClr val="tx1"/>
+            </a:solidFill>
+          </a:ln>
+        </p:spPr>
+        <p:style>
+          <a:lnRef idx="3">
+            <a:schemeClr val="lt1"/>
+          </a:lnRef>
+          <a:fillRef idx="1">
+            <a:schemeClr val="accent4"/>
+          </a:fillRef>
+          <a:effectRef idx="1">
+            <a:schemeClr val="accent4"/>
+          </a:effectRef>
+          <a:fontRef idx="minor">
+            <a:schemeClr val="lt1"/>
+          </a:fontRef>
+        </p:style>
+        <p:txBody>
+          <a:bodyPr rtlCol="0" anchor="ctr"/>
+          <a:lstStyle/>
+          <a:p>
+            <a:pPr algn="ctr"/>
+            <a:r>
+              <a:rPr kumimoji="1" lang="ja-JP" altLang="en-US" sz="2400" b="1" dirty="0" smtClean="0">
+                <a:solidFill>
+                  <a:sysClr val="windowText" lastClr="000000"/>
+                </a:solidFill>
+              </a:rPr>
+              <a:t>車</a:t>
+            </a:r>
+            <a:endParaRPr kumimoji="1" lang="ja-JP" altLang="en-US" sz="2400" b="1" dirty="0">
+              <a:solidFill>
+                <a:sysClr val="windowText" lastClr="000000"/>
+              </a:solidFill>
+            </a:endParaRPr>
+          </a:p>
+        </p:txBody>
+      </p:sp>
+    </p:spTree>
+    <p:extLst>
+      <p:ext uri="{BB962C8B-B14F-4D97-AF65-F5344CB8AC3E}">
         <p14:creationId xmlns:p14="http://schemas.microsoft.com/office/powerpoint/2010/main" val="3716793309"/>
       </p:ext>
     </p:extLst>
@@ -22455,7 +24381,7 @@
 </p:sld>
 </file>
 
-<file path=ppt/slides/slide41.xml><?xml version="1.0" encoding="utf-8"?>
+<file path=ppt/slides/slide51.xml><?xml version="1.0" encoding="utf-8"?>
 <p:sld xmlns:a="http://schemas.openxmlformats.org/drawingml/2006/main" xmlns:r="http://schemas.openxmlformats.org/officeDocument/2006/relationships" xmlns:p="http://schemas.openxmlformats.org/presentationml/2006/main" show="0">
   <p:cSld>
     <p:spTree>
@@ -23161,7 +25087,7 @@
 </p:sld>
 </file>
 
-<file path=ppt/slides/slide42.xml><?xml version="1.0" encoding="utf-8"?>
+<file path=ppt/slides/slide52.xml><?xml version="1.0" encoding="utf-8"?>
 <p:sld xmlns:a="http://schemas.openxmlformats.org/drawingml/2006/main" xmlns:r="http://schemas.openxmlformats.org/officeDocument/2006/relationships" xmlns:p="http://schemas.openxmlformats.org/presentationml/2006/main" show="0">
   <p:cSld>
     <p:spTree>
@@ -24651,88 +26577,6 @@
       <p:bldP spid="5" grpId="0" animBg="1"/>
       <p:bldP spid="7" grpId="0" animBg="1"/>
     </p:bldLst>
-  </p:timing>
-</p:sld>
-</file>
-
-<file path=ppt/slides/slide5.xml><?xml version="1.0" encoding="utf-8"?>
-<p:sld xmlns:a="http://schemas.openxmlformats.org/drawingml/2006/main" xmlns:r="http://schemas.openxmlformats.org/officeDocument/2006/relationships" xmlns:p="http://schemas.openxmlformats.org/presentationml/2006/main" show="0">
-  <p:cSld>
-    <p:spTree>
-      <p:nvGrpSpPr>
-        <p:cNvPr id="1" name=""/>
-        <p:cNvGrpSpPr/>
-        <p:nvPr/>
-      </p:nvGrpSpPr>
-      <p:grpSpPr>
-        <a:xfrm>
-          <a:off x="0" y="0"/>
-          <a:ext cx="0" cy="0"/>
-          <a:chOff x="0" y="0"/>
-          <a:chExt cx="0" cy="0"/>
-        </a:xfrm>
-      </p:grpSpPr>
-      <p:sp>
-        <p:nvSpPr>
-          <p:cNvPr id="2" name="タイトル 1"/>
-          <p:cNvSpPr>
-            <a:spLocks noGrp="1"/>
-          </p:cNvSpPr>
-          <p:nvPr>
-            <p:ph type="title"/>
-          </p:nvPr>
-        </p:nvSpPr>
-        <p:spPr>
-          <a:xfrm>
-            <a:off x="908538" y="2519241"/>
-            <a:ext cx="10515600" cy="1325563"/>
-          </a:xfrm>
-        </p:spPr>
-        <p:txBody>
-          <a:bodyPr>
-            <a:normAutofit/>
-          </a:bodyPr>
-          <a:lstStyle/>
-          <a:p>
-            <a:pPr algn="ctr"/>
-            <a:r>
-              <a:rPr kumimoji="1" lang="ja-JP" altLang="en-US" sz="7200" b="1" dirty="0" smtClean="0">
-                <a:latin typeface="BIZ UDP明朝 Medium" panose="02020500000000000000" pitchFamily="18" charset="-128"/>
-                <a:ea typeface="BIZ UDP明朝 Medium" panose="02020500000000000000" pitchFamily="18" charset="-128"/>
-              </a:rPr>
-              <a:t>タイトル画面の案１</a:t>
-            </a:r>
-            <a:endParaRPr kumimoji="1" lang="ja-JP" altLang="en-US" sz="7200" b="1" dirty="0">
-              <a:latin typeface="BIZ UDP明朝 Medium" panose="02020500000000000000" pitchFamily="18" charset="-128"/>
-              <a:ea typeface="BIZ UDP明朝 Medium" panose="02020500000000000000" pitchFamily="18" charset="-128"/>
-            </a:endParaRPr>
-          </a:p>
-        </p:txBody>
-      </p:sp>
-    </p:spTree>
-    <p:extLst>
-      <p:ext uri="{BB962C8B-B14F-4D97-AF65-F5344CB8AC3E}">
-        <p14:creationId xmlns:p14="http://schemas.microsoft.com/office/powerpoint/2010/main" val="2517827214"/>
-      </p:ext>
-    </p:extLst>
-  </p:cSld>
-  <p:clrMapOvr>
-    <a:masterClrMapping/>
-  </p:clrMapOvr>
-  <mc:AlternateContent xmlns:mc="http://schemas.openxmlformats.org/markup-compatibility/2006" xmlns:p14="http://schemas.microsoft.com/office/powerpoint/2010/main">
-    <mc:Choice Requires="p14">
-      <p:transition spd="slow" p14:dur="2000"/>
-    </mc:Choice>
-    <mc:Fallback xmlns="">
-      <p:transition spd="slow"/>
-    </mc:Fallback>
-  </mc:AlternateContent>
-  <p:timing>
-    <p:tnLst>
-      <p:par>
-        <p:cTn id="1" dur="indefinite" restart="never" nodeType="tmRoot"/>
-      </p:par>
-    </p:tnLst>
   </p:timing>
 </p:sld>
 </file>

--- a/卒業制作_大元タイトル構成.pptx
+++ b/卒業制作_大元タイトル構成.pptx
@@ -52,11 +52,14 @@
     <p:sldId id="303" r:id="rId46"/>
     <p:sldId id="306" r:id="rId47"/>
     <p:sldId id="307" r:id="rId48"/>
-    <p:sldId id="308" r:id="rId49"/>
-    <p:sldId id="309" r:id="rId50"/>
-    <p:sldId id="311" r:id="rId51"/>
-    <p:sldId id="299" r:id="rId52"/>
-    <p:sldId id="301" r:id="rId53"/>
+    <p:sldId id="328" r:id="rId49"/>
+    <p:sldId id="308" r:id="rId50"/>
+    <p:sldId id="309" r:id="rId51"/>
+    <p:sldId id="311" r:id="rId52"/>
+    <p:sldId id="299" r:id="rId53"/>
+    <p:sldId id="301" r:id="rId54"/>
+    <p:sldId id="326" r:id="rId55"/>
+    <p:sldId id="327" r:id="rId56"/>
   </p:sldIdLst>
   <p:sldSz cx="12192000" cy="6858000"/>
   <p:notesSz cx="6858000" cy="9144000"/>
@@ -294,7 +297,7 @@
           <a:p>
             <a:fld id="{9AE4982F-4AA6-4C8C-A812-7FB74D02BA8D}" type="datetimeFigureOut">
               <a:rPr kumimoji="1" lang="ja-JP" altLang="en-US" smtClean="0"/>
-              <a:t>2022/11/25</a:t>
+              <a:t>2022/11/29</a:t>
             </a:fld>
             <a:endParaRPr kumimoji="1" lang="ja-JP" altLang="en-US"/>
           </a:p>
@@ -496,7 +499,7 @@
           <a:p>
             <a:fld id="{9AE4982F-4AA6-4C8C-A812-7FB74D02BA8D}" type="datetimeFigureOut">
               <a:rPr kumimoji="1" lang="ja-JP" altLang="en-US" smtClean="0"/>
-              <a:t>2022/11/25</a:t>
+              <a:t>2022/11/29</a:t>
             </a:fld>
             <a:endParaRPr kumimoji="1" lang="ja-JP" altLang="en-US"/>
           </a:p>
@@ -708,7 +711,7 @@
           <a:p>
             <a:fld id="{9AE4982F-4AA6-4C8C-A812-7FB74D02BA8D}" type="datetimeFigureOut">
               <a:rPr kumimoji="1" lang="ja-JP" altLang="en-US" smtClean="0"/>
-              <a:t>2022/11/25</a:t>
+              <a:t>2022/11/29</a:t>
             </a:fld>
             <a:endParaRPr kumimoji="1" lang="ja-JP" altLang="en-US"/>
           </a:p>
@@ -910,7 +913,7 @@
           <a:p>
             <a:fld id="{9AE4982F-4AA6-4C8C-A812-7FB74D02BA8D}" type="datetimeFigureOut">
               <a:rPr kumimoji="1" lang="ja-JP" altLang="en-US" smtClean="0"/>
-              <a:t>2022/11/25</a:t>
+              <a:t>2022/11/29</a:t>
             </a:fld>
             <a:endParaRPr kumimoji="1" lang="ja-JP" altLang="en-US"/>
           </a:p>
@@ -1156,7 +1159,7 @@
           <a:p>
             <a:fld id="{9AE4982F-4AA6-4C8C-A812-7FB74D02BA8D}" type="datetimeFigureOut">
               <a:rPr kumimoji="1" lang="ja-JP" altLang="en-US" smtClean="0"/>
-              <a:t>2022/11/25</a:t>
+              <a:t>2022/11/29</a:t>
             </a:fld>
             <a:endParaRPr kumimoji="1" lang="ja-JP" altLang="en-US"/>
           </a:p>
@@ -1452,7 +1455,7 @@
           <a:p>
             <a:fld id="{9AE4982F-4AA6-4C8C-A812-7FB74D02BA8D}" type="datetimeFigureOut">
               <a:rPr kumimoji="1" lang="ja-JP" altLang="en-US" smtClean="0"/>
-              <a:t>2022/11/25</a:t>
+              <a:t>2022/11/29</a:t>
             </a:fld>
             <a:endParaRPr kumimoji="1" lang="ja-JP" altLang="en-US"/>
           </a:p>
@@ -1883,7 +1886,7 @@
           <a:p>
             <a:fld id="{9AE4982F-4AA6-4C8C-A812-7FB74D02BA8D}" type="datetimeFigureOut">
               <a:rPr kumimoji="1" lang="ja-JP" altLang="en-US" smtClean="0"/>
-              <a:t>2022/11/25</a:t>
+              <a:t>2022/11/29</a:t>
             </a:fld>
             <a:endParaRPr kumimoji="1" lang="ja-JP" altLang="en-US"/>
           </a:p>
@@ -2001,7 +2004,7 @@
           <a:p>
             <a:fld id="{9AE4982F-4AA6-4C8C-A812-7FB74D02BA8D}" type="datetimeFigureOut">
               <a:rPr kumimoji="1" lang="ja-JP" altLang="en-US" smtClean="0"/>
-              <a:t>2022/11/25</a:t>
+              <a:t>2022/11/29</a:t>
             </a:fld>
             <a:endParaRPr kumimoji="1" lang="ja-JP" altLang="en-US"/>
           </a:p>
@@ -2096,7 +2099,7 @@
           <a:p>
             <a:fld id="{9AE4982F-4AA6-4C8C-A812-7FB74D02BA8D}" type="datetimeFigureOut">
               <a:rPr kumimoji="1" lang="ja-JP" altLang="en-US" smtClean="0"/>
-              <a:t>2022/11/25</a:t>
+              <a:t>2022/11/29</a:t>
             </a:fld>
             <a:endParaRPr kumimoji="1" lang="ja-JP" altLang="en-US"/>
           </a:p>
@@ -2405,7 +2408,7 @@
           <a:p>
             <a:fld id="{9AE4982F-4AA6-4C8C-A812-7FB74D02BA8D}" type="datetimeFigureOut">
               <a:rPr kumimoji="1" lang="ja-JP" altLang="en-US" smtClean="0"/>
-              <a:t>2022/11/25</a:t>
+              <a:t>2022/11/29</a:t>
             </a:fld>
             <a:endParaRPr kumimoji="1" lang="ja-JP" altLang="en-US"/>
           </a:p>
@@ -2658,7 +2661,7 @@
           <a:p>
             <a:fld id="{9AE4982F-4AA6-4C8C-A812-7FB74D02BA8D}" type="datetimeFigureOut">
               <a:rPr kumimoji="1" lang="ja-JP" altLang="en-US" smtClean="0"/>
-              <a:t>2022/11/25</a:t>
+              <a:t>2022/11/29</a:t>
             </a:fld>
             <a:endParaRPr kumimoji="1" lang="ja-JP" altLang="en-US"/>
           </a:p>
@@ -2903,7 +2906,7 @@
           <a:p>
             <a:fld id="{9AE4982F-4AA6-4C8C-A812-7FB74D02BA8D}" type="datetimeFigureOut">
               <a:rPr kumimoji="1" lang="ja-JP" altLang="en-US" smtClean="0"/>
-              <a:t>2022/11/25</a:t>
+              <a:t>2022/11/29</a:t>
             </a:fld>
             <a:endParaRPr kumimoji="1" lang="ja-JP" altLang="en-US"/>
           </a:p>
@@ -22866,7 +22869,7 @@
         </p:nvSpPr>
         <p:spPr>
           <a:xfrm>
-            <a:off x="4106007" y="5438036"/>
+            <a:off x="4212983" y="5438036"/>
             <a:ext cx="1107831" cy="931985"/>
           </a:xfrm>
           <a:prstGeom prst="downArrow">
@@ -23034,7 +23037,7 @@
         </p:nvSpPr>
         <p:spPr>
           <a:xfrm>
-            <a:off x="3979982" y="6422770"/>
+            <a:off x="4086958" y="6422770"/>
             <a:ext cx="1248509" cy="369332"/>
           </a:xfrm>
           <a:prstGeom prst="rect">
@@ -23170,6 +23173,434 @@
           <a:chExt cx="0" cy="0"/>
         </a:xfrm>
       </p:grpSpPr>
+      <p:pic>
+        <p:nvPicPr>
+          <p:cNvPr id="3" name="図 2"/>
+          <p:cNvPicPr>
+            <a:picLocks noChangeAspect="1"/>
+          </p:cNvPicPr>
+          <p:nvPr/>
+        </p:nvPicPr>
+        <p:blipFill>
+          <a:blip r:embed="rId2"/>
+          <a:stretch>
+            <a:fillRect/>
+          </a:stretch>
+        </p:blipFill>
+        <p:spPr>
+          <a:xfrm>
+            <a:off x="0" y="0"/>
+            <a:ext cx="12192000" cy="6858000"/>
+          </a:xfrm>
+          <a:prstGeom prst="rect">
+            <a:avLst/>
+          </a:prstGeom>
+        </p:spPr>
+      </p:pic>
+      <p:sp>
+        <p:nvSpPr>
+          <p:cNvPr id="4" name="角丸四角形 3"/>
+          <p:cNvSpPr/>
+          <p:nvPr/>
+        </p:nvSpPr>
+        <p:spPr>
+          <a:xfrm>
+            <a:off x="0" y="2892669"/>
+            <a:ext cx="12192000" cy="2329962"/>
+          </a:xfrm>
+          <a:prstGeom prst="roundRect">
+            <a:avLst/>
+          </a:prstGeom>
+        </p:spPr>
+        <p:style>
+          <a:lnRef idx="2">
+            <a:schemeClr val="accent6">
+              <a:shade val="50000"/>
+            </a:schemeClr>
+          </a:lnRef>
+          <a:fillRef idx="1">
+            <a:schemeClr val="accent6"/>
+          </a:fillRef>
+          <a:effectRef idx="0">
+            <a:schemeClr val="accent6"/>
+          </a:effectRef>
+          <a:fontRef idx="minor">
+            <a:schemeClr val="lt1"/>
+          </a:fontRef>
+        </p:style>
+        <p:txBody>
+          <a:bodyPr rtlCol="0" anchor="ctr"/>
+          <a:lstStyle/>
+          <a:p>
+            <a:pPr algn="ctr"/>
+            <a:r>
+              <a:rPr kumimoji="1" lang="ja-JP" altLang="en-US" dirty="0" smtClean="0"/>
+              <a:t>山</a:t>
+            </a:r>
+            <a:endParaRPr kumimoji="1" lang="ja-JP" altLang="en-US" dirty="0"/>
+          </a:p>
+        </p:txBody>
+      </p:sp>
+      <p:pic>
+        <p:nvPicPr>
+          <p:cNvPr id="16" name="Picture 2" descr="芝の管理はどうするの？抑えておきたい基本のお手入れ | お庭から始まる豊かなグリーンライフ「庭サポ」"/>
+          <p:cNvPicPr>
+            <a:picLocks noChangeAspect="1" noChangeArrowheads="1"/>
+          </p:cNvPicPr>
+          <p:nvPr/>
+        </p:nvPicPr>
+        <p:blipFill>
+          <a:blip r:embed="rId3">
+            <a:extLst>
+              <a:ext uri="{28A0092B-C50C-407E-A947-70E740481C1C}">
+                <a14:useLocalDpi xmlns:a14="http://schemas.microsoft.com/office/drawing/2010/main" val="0"/>
+              </a:ext>
+            </a:extLst>
+          </a:blip>
+          <a:srcRect/>
+          <a:stretch>
+            <a:fillRect/>
+          </a:stretch>
+        </p:blipFill>
+        <p:spPr bwMode="auto">
+          <a:xfrm>
+            <a:off x="0" y="5222631"/>
+            <a:ext cx="12192000" cy="1635369"/>
+          </a:xfrm>
+          <a:prstGeom prst="rect">
+            <a:avLst/>
+          </a:prstGeom>
+          <a:noFill/>
+          <a:extLst>
+            <a:ext uri="{909E8E84-426E-40DD-AFC4-6F175D3DCCD1}">
+              <a14:hiddenFill xmlns:a14="http://schemas.microsoft.com/office/drawing/2010/main">
+                <a:solidFill>
+                  <a:srgbClr val="FFFFFF"/>
+                </a:solidFill>
+              </a14:hiddenFill>
+            </a:ext>
+          </a:extLst>
+        </p:spPr>
+      </p:pic>
+      <p:sp>
+        <p:nvSpPr>
+          <p:cNvPr id="2" name="正方形/長方形 1"/>
+          <p:cNvSpPr/>
+          <p:nvPr/>
+        </p:nvSpPr>
+        <p:spPr>
+          <a:xfrm>
+            <a:off x="0" y="4624754"/>
+            <a:ext cx="1389185" cy="2233246"/>
+          </a:xfrm>
+          <a:prstGeom prst="rect">
+            <a:avLst/>
+          </a:prstGeom>
+          <a:solidFill>
+            <a:srgbClr val="B06900"/>
+          </a:solidFill>
+        </p:spPr>
+        <p:style>
+          <a:lnRef idx="2">
+            <a:schemeClr val="accent1">
+              <a:shade val="50000"/>
+            </a:schemeClr>
+          </a:lnRef>
+          <a:fillRef idx="1">
+            <a:schemeClr val="accent1"/>
+          </a:fillRef>
+          <a:effectRef idx="0">
+            <a:schemeClr val="accent1"/>
+          </a:effectRef>
+          <a:fontRef idx="minor">
+            <a:schemeClr val="lt1"/>
+          </a:fontRef>
+        </p:style>
+        <p:txBody>
+          <a:bodyPr rtlCol="0" anchor="ctr"/>
+          <a:lstStyle/>
+          <a:p>
+            <a:pPr algn="ctr"/>
+            <a:r>
+              <a:rPr kumimoji="1" lang="ja-JP" altLang="en-US" dirty="0" smtClean="0"/>
+              <a:t>木</a:t>
+            </a:r>
+            <a:endParaRPr kumimoji="1" lang="ja-JP" altLang="en-US" dirty="0"/>
+          </a:p>
+        </p:txBody>
+      </p:sp>
+      <p:sp>
+        <p:nvSpPr>
+          <p:cNvPr id="24" name="正方形/長方形 23"/>
+          <p:cNvSpPr/>
+          <p:nvPr/>
+        </p:nvSpPr>
+        <p:spPr>
+          <a:xfrm>
+            <a:off x="10802815" y="4624754"/>
+            <a:ext cx="1389185" cy="2233246"/>
+          </a:xfrm>
+          <a:prstGeom prst="rect">
+            <a:avLst/>
+          </a:prstGeom>
+          <a:solidFill>
+            <a:srgbClr val="B06900"/>
+          </a:solidFill>
+        </p:spPr>
+        <p:style>
+          <a:lnRef idx="2">
+            <a:schemeClr val="accent1">
+              <a:shade val="50000"/>
+            </a:schemeClr>
+          </a:lnRef>
+          <a:fillRef idx="1">
+            <a:schemeClr val="accent1"/>
+          </a:fillRef>
+          <a:effectRef idx="0">
+            <a:schemeClr val="accent1"/>
+          </a:effectRef>
+          <a:fontRef idx="minor">
+            <a:schemeClr val="lt1"/>
+          </a:fontRef>
+        </p:style>
+        <p:txBody>
+          <a:bodyPr rtlCol="0" anchor="ctr"/>
+          <a:lstStyle/>
+          <a:p>
+            <a:pPr algn="ctr"/>
+            <a:r>
+              <a:rPr kumimoji="1" lang="ja-JP" altLang="en-US" dirty="0" smtClean="0"/>
+              <a:t>木</a:t>
+            </a:r>
+            <a:endParaRPr kumimoji="1" lang="ja-JP" altLang="en-US" dirty="0"/>
+          </a:p>
+        </p:txBody>
+      </p:sp>
+      <p:sp>
+        <p:nvSpPr>
+          <p:cNvPr id="25" name="正方形/長方形 24"/>
+          <p:cNvSpPr/>
+          <p:nvPr/>
+        </p:nvSpPr>
+        <p:spPr>
+          <a:xfrm>
+            <a:off x="378069" y="3050932"/>
+            <a:ext cx="1485900" cy="272561"/>
+          </a:xfrm>
+          <a:prstGeom prst="rect">
+            <a:avLst/>
+          </a:prstGeom>
+        </p:spPr>
+        <p:style>
+          <a:lnRef idx="2">
+            <a:schemeClr val="dk1"/>
+          </a:lnRef>
+          <a:fillRef idx="1">
+            <a:schemeClr val="lt1"/>
+          </a:fillRef>
+          <a:effectRef idx="0">
+            <a:schemeClr val="dk1"/>
+          </a:effectRef>
+          <a:fontRef idx="minor">
+            <a:schemeClr val="dk1"/>
+          </a:fontRef>
+        </p:style>
+        <p:txBody>
+          <a:bodyPr rtlCol="0" anchor="ctr"/>
+          <a:lstStyle/>
+          <a:p>
+            <a:pPr algn="ctr"/>
+            <a:r>
+              <a:rPr kumimoji="1" lang="ja-JP" altLang="en-US" dirty="0" smtClean="0">
+                <a:ln>
+                  <a:solidFill>
+                    <a:sysClr val="windowText" lastClr="000000"/>
+                  </a:solidFill>
+                </a:ln>
+                <a:solidFill>
+                  <a:sysClr val="windowText" lastClr="000000"/>
+                </a:solidFill>
+              </a:rPr>
+              <a:t>テクスチャ</a:t>
+            </a:r>
+            <a:endParaRPr kumimoji="1" lang="ja-JP" altLang="en-US" dirty="0">
+              <a:ln>
+                <a:solidFill>
+                  <a:sysClr val="windowText" lastClr="000000"/>
+                </a:solidFill>
+              </a:ln>
+              <a:solidFill>
+                <a:sysClr val="windowText" lastClr="000000"/>
+              </a:solidFill>
+            </a:endParaRPr>
+          </a:p>
+        </p:txBody>
+      </p:sp>
+      <p:sp>
+        <p:nvSpPr>
+          <p:cNvPr id="26" name="正方形/長方形 25"/>
+          <p:cNvSpPr/>
+          <p:nvPr/>
+        </p:nvSpPr>
+        <p:spPr>
+          <a:xfrm>
+            <a:off x="206619" y="4787413"/>
+            <a:ext cx="975946" cy="268165"/>
+          </a:xfrm>
+          <a:prstGeom prst="rect">
+            <a:avLst/>
+          </a:prstGeom>
+        </p:spPr>
+        <p:style>
+          <a:lnRef idx="2">
+            <a:schemeClr val="dk1"/>
+          </a:lnRef>
+          <a:fillRef idx="1">
+            <a:schemeClr val="lt1"/>
+          </a:fillRef>
+          <a:effectRef idx="0">
+            <a:schemeClr val="dk1"/>
+          </a:effectRef>
+          <a:fontRef idx="minor">
+            <a:schemeClr val="dk1"/>
+          </a:fontRef>
+        </p:style>
+        <p:txBody>
+          <a:bodyPr rtlCol="0" anchor="ctr"/>
+          <a:lstStyle/>
+          <a:p>
+            <a:pPr algn="ctr"/>
+            <a:r>
+              <a:rPr lang="ja-JP" altLang="en-US" dirty="0">
+                <a:ln>
+                  <a:solidFill>
+                    <a:sysClr val="windowText" lastClr="000000"/>
+                  </a:solidFill>
+                </a:ln>
+                <a:solidFill>
+                  <a:sysClr val="windowText" lastClr="000000"/>
+                </a:solidFill>
+              </a:rPr>
+              <a:t>モデル</a:t>
+            </a:r>
+            <a:endParaRPr kumimoji="1" lang="ja-JP" altLang="en-US" dirty="0">
+              <a:ln>
+                <a:solidFill>
+                  <a:sysClr val="windowText" lastClr="000000"/>
+                </a:solidFill>
+              </a:ln>
+              <a:solidFill>
+                <a:sysClr val="windowText" lastClr="000000"/>
+              </a:solidFill>
+            </a:endParaRPr>
+          </a:p>
+        </p:txBody>
+      </p:sp>
+      <p:sp>
+        <p:nvSpPr>
+          <p:cNvPr id="27" name="正方形/長方形 26"/>
+          <p:cNvSpPr/>
+          <p:nvPr/>
+        </p:nvSpPr>
+        <p:spPr>
+          <a:xfrm>
+            <a:off x="11009434" y="4895119"/>
+            <a:ext cx="975946" cy="268165"/>
+          </a:xfrm>
+          <a:prstGeom prst="rect">
+            <a:avLst/>
+          </a:prstGeom>
+        </p:spPr>
+        <p:style>
+          <a:lnRef idx="2">
+            <a:schemeClr val="dk1"/>
+          </a:lnRef>
+          <a:fillRef idx="1">
+            <a:schemeClr val="lt1"/>
+          </a:fillRef>
+          <a:effectRef idx="0">
+            <a:schemeClr val="dk1"/>
+          </a:effectRef>
+          <a:fontRef idx="minor">
+            <a:schemeClr val="dk1"/>
+          </a:fontRef>
+        </p:style>
+        <p:txBody>
+          <a:bodyPr rtlCol="0" anchor="ctr"/>
+          <a:lstStyle/>
+          <a:p>
+            <a:pPr algn="ctr"/>
+            <a:r>
+              <a:rPr lang="ja-JP" altLang="en-US" dirty="0">
+                <a:ln>
+                  <a:solidFill>
+                    <a:sysClr val="windowText" lastClr="000000"/>
+                  </a:solidFill>
+                </a:ln>
+                <a:solidFill>
+                  <a:sysClr val="windowText" lastClr="000000"/>
+                </a:solidFill>
+              </a:rPr>
+              <a:t>モデル</a:t>
+            </a:r>
+            <a:endParaRPr kumimoji="1" lang="ja-JP" altLang="en-US" dirty="0">
+              <a:ln>
+                <a:solidFill>
+                  <a:sysClr val="windowText" lastClr="000000"/>
+                </a:solidFill>
+              </a:ln>
+              <a:solidFill>
+                <a:sysClr val="windowText" lastClr="000000"/>
+              </a:solidFill>
+            </a:endParaRPr>
+          </a:p>
+        </p:txBody>
+      </p:sp>
+    </p:spTree>
+    <p:extLst>
+      <p:ext uri="{BB962C8B-B14F-4D97-AF65-F5344CB8AC3E}">
+        <p14:creationId xmlns:p14="http://schemas.microsoft.com/office/powerpoint/2010/main" val="3638872961"/>
+      </p:ext>
+    </p:extLst>
+  </p:cSld>
+  <p:clrMapOvr>
+    <a:masterClrMapping/>
+  </p:clrMapOvr>
+  <mc:AlternateContent xmlns:mc="http://schemas.openxmlformats.org/markup-compatibility/2006" xmlns:p14="http://schemas.microsoft.com/office/powerpoint/2010/main">
+    <mc:Choice Requires="p14">
+      <p:transition spd="slow" p14:dur="2000"/>
+    </mc:Choice>
+    <mc:Fallback xmlns="">
+      <p:transition spd="slow"/>
+    </mc:Fallback>
+  </mc:AlternateContent>
+  <p:timing>
+    <p:tnLst>
+      <p:par>
+        <p:cTn id="1" dur="indefinite" restart="never" nodeType="tmRoot"/>
+      </p:par>
+    </p:tnLst>
+  </p:timing>
+</p:sld>
+</file>
+
+<file path=ppt/slides/slide49.xml><?xml version="1.0" encoding="utf-8"?>
+<p:sld xmlns:a="http://schemas.openxmlformats.org/drawingml/2006/main" xmlns:r="http://schemas.openxmlformats.org/officeDocument/2006/relationships" xmlns:p="http://schemas.openxmlformats.org/presentationml/2006/main">
+  <p:cSld>
+    <p:spTree>
+      <p:nvGrpSpPr>
+        <p:cNvPr id="1" name=""/>
+        <p:cNvGrpSpPr/>
+        <p:nvPr/>
+      </p:nvGrpSpPr>
+      <p:grpSpPr>
+        <a:xfrm>
+          <a:off x="0" y="0"/>
+          <a:ext cx="0" cy="0"/>
+          <a:chOff x="0" y="0"/>
+          <a:chExt cx="0" cy="0"/>
+        </a:xfrm>
+      </p:grpSpPr>
       <p:sp>
         <p:nvSpPr>
           <p:cNvPr id="2" name="タイトル 1"/>
@@ -23492,468 +23923,6 @@
   <p:clrMapOvr>
     <a:masterClrMapping/>
   </p:clrMapOvr>
-</p:sld>
-</file>
-
-<file path=ppt/slides/slide49.xml><?xml version="1.0" encoding="utf-8"?>
-<p:sld xmlns:a="http://schemas.openxmlformats.org/drawingml/2006/main" xmlns:r="http://schemas.openxmlformats.org/officeDocument/2006/relationships" xmlns:p="http://schemas.openxmlformats.org/presentationml/2006/main">
-  <p:cSld>
-    <p:spTree>
-      <p:nvGrpSpPr>
-        <p:cNvPr id="1" name=""/>
-        <p:cNvGrpSpPr/>
-        <p:nvPr/>
-      </p:nvGrpSpPr>
-      <p:grpSpPr>
-        <a:xfrm>
-          <a:off x="0" y="0"/>
-          <a:ext cx="0" cy="0"/>
-          <a:chOff x="0" y="0"/>
-          <a:chExt cx="0" cy="0"/>
-        </a:xfrm>
-      </p:grpSpPr>
-      <p:pic>
-        <p:nvPicPr>
-          <p:cNvPr id="3" name="図 2"/>
-          <p:cNvPicPr>
-            <a:picLocks noChangeAspect="1"/>
-          </p:cNvPicPr>
-          <p:nvPr/>
-        </p:nvPicPr>
-        <p:blipFill>
-          <a:blip r:embed="rId2"/>
-          <a:stretch>
-            <a:fillRect/>
-          </a:stretch>
-        </p:blipFill>
-        <p:spPr>
-          <a:xfrm>
-            <a:off x="0" y="0"/>
-            <a:ext cx="12192000" cy="4719483"/>
-          </a:xfrm>
-          <a:prstGeom prst="rect">
-            <a:avLst/>
-          </a:prstGeom>
-        </p:spPr>
-      </p:pic>
-      <p:pic>
-        <p:nvPicPr>
-          <p:cNvPr id="1026" name="Picture 2" descr="芝の管理はどうするの？抑えておきたい基本のお手入れ | お庭から始まる豊かなグリーンライフ「庭サポ」"/>
-          <p:cNvPicPr>
-            <a:picLocks noChangeAspect="1" noChangeArrowheads="1"/>
-          </p:cNvPicPr>
-          <p:nvPr/>
-        </p:nvPicPr>
-        <p:blipFill>
-          <a:blip r:embed="rId3">
-            <a:extLst>
-              <a:ext uri="{28A0092B-C50C-407E-A947-70E740481C1C}">
-                <a14:useLocalDpi xmlns:a14="http://schemas.microsoft.com/office/drawing/2010/main" val="0"/>
-              </a:ext>
-            </a:extLst>
-          </a:blip>
-          <a:srcRect/>
-          <a:stretch>
-            <a:fillRect/>
-          </a:stretch>
-        </p:blipFill>
-        <p:spPr bwMode="auto">
-          <a:xfrm>
-            <a:off x="0" y="3639020"/>
-            <a:ext cx="12192000" cy="1125415"/>
-          </a:xfrm>
-          <a:prstGeom prst="rect">
-            <a:avLst/>
-          </a:prstGeom>
-          <a:noFill/>
-          <a:extLst>
-            <a:ext uri="{909E8E84-426E-40DD-AFC4-6F175D3DCCD1}">
-              <a14:hiddenFill xmlns:a14="http://schemas.microsoft.com/office/drawing/2010/main">
-                <a:solidFill>
-                  <a:srgbClr val="FFFFFF"/>
-                </a:solidFill>
-              </a14:hiddenFill>
-            </a:ext>
-          </a:extLst>
-        </p:spPr>
-      </p:pic>
-      <p:sp>
-        <p:nvSpPr>
-          <p:cNvPr id="4" name="正方形/長方形 3"/>
-          <p:cNvSpPr/>
-          <p:nvPr/>
-        </p:nvSpPr>
-        <p:spPr>
-          <a:xfrm>
-            <a:off x="0" y="4764435"/>
-            <a:ext cx="12191999" cy="2093565"/>
-          </a:xfrm>
-          <a:prstGeom prst="rect">
-            <a:avLst/>
-          </a:prstGeom>
-          <a:solidFill>
-            <a:schemeClr val="tx1"/>
-          </a:solidFill>
-        </p:spPr>
-        <p:style>
-          <a:lnRef idx="2">
-            <a:schemeClr val="accent1">
-              <a:shade val="50000"/>
-            </a:schemeClr>
-          </a:lnRef>
-          <a:fillRef idx="1">
-            <a:schemeClr val="accent1"/>
-          </a:fillRef>
-          <a:effectRef idx="0">
-            <a:schemeClr val="accent1"/>
-          </a:effectRef>
-          <a:fontRef idx="minor">
-            <a:schemeClr val="lt1"/>
-          </a:fontRef>
-        </p:style>
-        <p:txBody>
-          <a:bodyPr rtlCol="0" anchor="ctr"/>
-          <a:lstStyle/>
-          <a:p>
-            <a:pPr algn="ctr"/>
-            <a:endParaRPr kumimoji="1" lang="ja-JP" altLang="en-US"/>
-          </a:p>
-        </p:txBody>
-      </p:sp>
-      <p:sp>
-        <p:nvSpPr>
-          <p:cNvPr id="5" name="正方形/長方形 4"/>
-          <p:cNvSpPr/>
-          <p:nvPr/>
-        </p:nvSpPr>
-        <p:spPr>
-          <a:xfrm>
-            <a:off x="685800" y="5515187"/>
-            <a:ext cx="2145323" cy="1116623"/>
-          </a:xfrm>
-          <a:prstGeom prst="rect">
-            <a:avLst/>
-          </a:prstGeom>
-        </p:spPr>
-        <p:style>
-          <a:lnRef idx="2">
-            <a:schemeClr val="accent5">
-              <a:shade val="50000"/>
-            </a:schemeClr>
-          </a:lnRef>
-          <a:fillRef idx="1">
-            <a:schemeClr val="accent5"/>
-          </a:fillRef>
-          <a:effectRef idx="0">
-            <a:schemeClr val="accent5"/>
-          </a:effectRef>
-          <a:fontRef idx="minor">
-            <a:schemeClr val="lt1"/>
-          </a:fontRef>
-        </p:style>
-        <p:txBody>
-          <a:bodyPr rtlCol="0" anchor="ctr"/>
-          <a:lstStyle/>
-          <a:p>
-            <a:pPr algn="ctr"/>
-            <a:r>
-              <a:rPr kumimoji="1" lang="ja-JP" altLang="en-US" sz="6600" b="1" dirty="0" smtClean="0">
-                <a:ln>
-                  <a:solidFill>
-                    <a:sysClr val="windowText" lastClr="000000"/>
-                  </a:solidFill>
-                </a:ln>
-              </a:rPr>
-              <a:t>１</a:t>
-            </a:r>
-            <a:r>
-              <a:rPr kumimoji="1" lang="en-US" altLang="ja-JP" sz="6600" b="1" dirty="0" smtClean="0">
-                <a:ln>
-                  <a:solidFill>
-                    <a:sysClr val="windowText" lastClr="000000"/>
-                  </a:solidFill>
-                </a:ln>
-              </a:rPr>
-              <a:t>P</a:t>
-            </a:r>
-            <a:endParaRPr kumimoji="1" lang="ja-JP" altLang="en-US" sz="6600" b="1" dirty="0">
-              <a:ln>
-                <a:solidFill>
-                  <a:sysClr val="windowText" lastClr="000000"/>
-                </a:solidFill>
-              </a:ln>
-            </a:endParaRPr>
-          </a:p>
-        </p:txBody>
-      </p:sp>
-      <p:sp>
-        <p:nvSpPr>
-          <p:cNvPr id="11" name="正方形/長方形 10"/>
-          <p:cNvSpPr/>
-          <p:nvPr/>
-        </p:nvSpPr>
-        <p:spPr>
-          <a:xfrm>
-            <a:off x="3845169" y="5515187"/>
-            <a:ext cx="2145323" cy="1116623"/>
-          </a:xfrm>
-          <a:prstGeom prst="rect">
-            <a:avLst/>
-          </a:prstGeom>
-          <a:solidFill>
-            <a:srgbClr val="FF0000"/>
-          </a:solidFill>
-        </p:spPr>
-        <p:style>
-          <a:lnRef idx="2">
-            <a:schemeClr val="accent1">
-              <a:shade val="50000"/>
-            </a:schemeClr>
-          </a:lnRef>
-          <a:fillRef idx="1">
-            <a:schemeClr val="accent1"/>
-          </a:fillRef>
-          <a:effectRef idx="0">
-            <a:schemeClr val="accent1"/>
-          </a:effectRef>
-          <a:fontRef idx="minor">
-            <a:schemeClr val="lt1"/>
-          </a:fontRef>
-        </p:style>
-        <p:txBody>
-          <a:bodyPr rtlCol="0" anchor="ctr"/>
-          <a:lstStyle/>
-          <a:p>
-            <a:pPr algn="ctr"/>
-            <a:r>
-              <a:rPr kumimoji="1" lang="ja-JP" altLang="en-US" sz="6600" b="1" dirty="0" smtClean="0">
-                <a:ln>
-                  <a:solidFill>
-                    <a:sysClr val="windowText" lastClr="000000"/>
-                  </a:solidFill>
-                </a:ln>
-              </a:rPr>
-              <a:t>２</a:t>
-            </a:r>
-            <a:r>
-              <a:rPr kumimoji="1" lang="en-US" altLang="ja-JP" sz="6600" b="1" dirty="0" smtClean="0">
-                <a:ln>
-                  <a:solidFill>
-                    <a:sysClr val="windowText" lastClr="000000"/>
-                  </a:solidFill>
-                </a:ln>
-              </a:rPr>
-              <a:t>P</a:t>
-            </a:r>
-            <a:endParaRPr kumimoji="1" lang="ja-JP" altLang="en-US" sz="6600" b="1" dirty="0">
-              <a:ln>
-                <a:solidFill>
-                  <a:sysClr val="windowText" lastClr="000000"/>
-                </a:solidFill>
-              </a:ln>
-            </a:endParaRPr>
-          </a:p>
-        </p:txBody>
-      </p:sp>
-      <p:sp>
-        <p:nvSpPr>
-          <p:cNvPr id="12" name="正方形/長方形 11"/>
-          <p:cNvSpPr/>
-          <p:nvPr/>
-        </p:nvSpPr>
-        <p:spPr>
-          <a:xfrm>
-            <a:off x="6790592" y="5515187"/>
-            <a:ext cx="2145323" cy="1116623"/>
-          </a:xfrm>
-          <a:prstGeom prst="rect">
-            <a:avLst/>
-          </a:prstGeom>
-          <a:solidFill>
-            <a:srgbClr val="92D050"/>
-          </a:solidFill>
-        </p:spPr>
-        <p:style>
-          <a:lnRef idx="2">
-            <a:schemeClr val="accent1">
-              <a:shade val="50000"/>
-            </a:schemeClr>
-          </a:lnRef>
-          <a:fillRef idx="1">
-            <a:schemeClr val="accent1"/>
-          </a:fillRef>
-          <a:effectRef idx="0">
-            <a:schemeClr val="accent1"/>
-          </a:effectRef>
-          <a:fontRef idx="minor">
-            <a:schemeClr val="lt1"/>
-          </a:fontRef>
-        </p:style>
-        <p:txBody>
-          <a:bodyPr rtlCol="0" anchor="ctr"/>
-          <a:lstStyle/>
-          <a:p>
-            <a:pPr algn="ctr"/>
-            <a:r>
-              <a:rPr kumimoji="1" lang="ja-JP" altLang="en-US" sz="6600" b="1" dirty="0" smtClean="0">
-                <a:ln>
-                  <a:solidFill>
-                    <a:sysClr val="windowText" lastClr="000000"/>
-                  </a:solidFill>
-                </a:ln>
-              </a:rPr>
-              <a:t>３</a:t>
-            </a:r>
-            <a:r>
-              <a:rPr kumimoji="1" lang="en-US" altLang="ja-JP" sz="6600" b="1" dirty="0" smtClean="0">
-                <a:ln>
-                  <a:solidFill>
-                    <a:sysClr val="windowText" lastClr="000000"/>
-                  </a:solidFill>
-                </a:ln>
-              </a:rPr>
-              <a:t>P</a:t>
-            </a:r>
-            <a:endParaRPr kumimoji="1" lang="ja-JP" altLang="en-US" sz="6600" b="1" dirty="0">
-              <a:ln>
-                <a:solidFill>
-                  <a:sysClr val="windowText" lastClr="000000"/>
-                </a:solidFill>
-              </a:ln>
-            </a:endParaRPr>
-          </a:p>
-        </p:txBody>
-      </p:sp>
-      <p:sp>
-        <p:nvSpPr>
-          <p:cNvPr id="13" name="正方形/長方形 12"/>
-          <p:cNvSpPr/>
-          <p:nvPr/>
-        </p:nvSpPr>
-        <p:spPr>
-          <a:xfrm>
-            <a:off x="9571892" y="5515187"/>
-            <a:ext cx="2145323" cy="1116623"/>
-          </a:xfrm>
-          <a:prstGeom prst="rect">
-            <a:avLst/>
-          </a:prstGeom>
-          <a:solidFill>
-            <a:schemeClr val="accent4">
-              <a:lumMod val="60000"/>
-              <a:lumOff val="40000"/>
-            </a:schemeClr>
-          </a:solidFill>
-        </p:spPr>
-        <p:style>
-          <a:lnRef idx="2">
-            <a:schemeClr val="accent1">
-              <a:shade val="50000"/>
-            </a:schemeClr>
-          </a:lnRef>
-          <a:fillRef idx="1">
-            <a:schemeClr val="accent1"/>
-          </a:fillRef>
-          <a:effectRef idx="0">
-            <a:schemeClr val="accent1"/>
-          </a:effectRef>
-          <a:fontRef idx="minor">
-            <a:schemeClr val="lt1"/>
-          </a:fontRef>
-        </p:style>
-        <p:txBody>
-          <a:bodyPr rtlCol="0" anchor="ctr"/>
-          <a:lstStyle/>
-          <a:p>
-            <a:pPr algn="ctr"/>
-            <a:r>
-              <a:rPr kumimoji="1" lang="ja-JP" altLang="en-US" sz="6600" b="1" dirty="0" smtClean="0">
-                <a:ln>
-                  <a:solidFill>
-                    <a:sysClr val="windowText" lastClr="000000"/>
-                  </a:solidFill>
-                </a:ln>
-              </a:rPr>
-              <a:t>４</a:t>
-            </a:r>
-            <a:r>
-              <a:rPr kumimoji="1" lang="en-US" altLang="ja-JP" sz="6600" b="1" dirty="0" smtClean="0">
-                <a:ln>
-                  <a:solidFill>
-                    <a:sysClr val="windowText" lastClr="000000"/>
-                  </a:solidFill>
-                </a:ln>
-              </a:rPr>
-              <a:t>P</a:t>
-            </a:r>
-            <a:endParaRPr kumimoji="1" lang="ja-JP" altLang="en-US" sz="6600" b="1" dirty="0">
-              <a:ln>
-                <a:solidFill>
-                  <a:sysClr val="windowText" lastClr="000000"/>
-                </a:solidFill>
-              </a:ln>
-            </a:endParaRPr>
-          </a:p>
-        </p:txBody>
-      </p:sp>
-      <p:sp>
-        <p:nvSpPr>
-          <p:cNvPr id="2" name="テキスト ボックス 1"/>
-          <p:cNvSpPr txBox="1"/>
-          <p:nvPr/>
-        </p:nvSpPr>
-        <p:spPr>
-          <a:xfrm>
-            <a:off x="0" y="4842148"/>
-            <a:ext cx="1688122" cy="646331"/>
-          </a:xfrm>
-          <a:prstGeom prst="rect">
-            <a:avLst/>
-          </a:prstGeom>
-          <a:solidFill>
-            <a:schemeClr val="bg1"/>
-          </a:solidFill>
-        </p:spPr>
-        <p:txBody>
-          <a:bodyPr wrap="square" rtlCol="0">
-            <a:spAutoFit/>
-          </a:bodyPr>
-          <a:lstStyle/>
-          <a:p>
-            <a:pPr algn="ctr"/>
-            <a:r>
-              <a:rPr kumimoji="1" lang="ja-JP" altLang="en-US" sz="3600" b="1" dirty="0" smtClean="0"/>
-              <a:t>画面外</a:t>
-            </a:r>
-            <a:endParaRPr kumimoji="1" lang="ja-JP" altLang="en-US" sz="3600" b="1" dirty="0"/>
-          </a:p>
-        </p:txBody>
-      </p:sp>
-    </p:spTree>
-    <p:extLst>
-      <p:ext uri="{BB962C8B-B14F-4D97-AF65-F5344CB8AC3E}">
-        <p14:creationId xmlns:p14="http://schemas.microsoft.com/office/powerpoint/2010/main" val="2759547723"/>
-      </p:ext>
-    </p:extLst>
-  </p:cSld>
-  <p:clrMapOvr>
-    <a:masterClrMapping/>
-  </p:clrMapOvr>
-  <mc:AlternateContent xmlns:mc="http://schemas.openxmlformats.org/markup-compatibility/2006" xmlns:p14="http://schemas.microsoft.com/office/powerpoint/2010/main">
-    <mc:Choice Requires="p14">
-      <p:transition spd="slow" p14:dur="2000"/>
-    </mc:Choice>
-    <mc:Fallback xmlns="">
-      <p:transition spd="slow"/>
-    </mc:Fallback>
-  </mc:AlternateContent>
-  <p:timing>
-    <p:tnLst>
-      <p:par>
-        <p:cTn id="1" dur="indefinite" restart="never" nodeType="tmRoot"/>
-      </p:par>
-    </p:tnLst>
-  </p:timing>
 </p:sld>
 </file>
 
@@ -24056,6 +24025,468 @@
           <a:chExt cx="0" cy="0"/>
         </a:xfrm>
       </p:grpSpPr>
+      <p:pic>
+        <p:nvPicPr>
+          <p:cNvPr id="3" name="図 2"/>
+          <p:cNvPicPr>
+            <a:picLocks noChangeAspect="1"/>
+          </p:cNvPicPr>
+          <p:nvPr/>
+        </p:nvPicPr>
+        <p:blipFill>
+          <a:blip r:embed="rId2"/>
+          <a:stretch>
+            <a:fillRect/>
+          </a:stretch>
+        </p:blipFill>
+        <p:spPr>
+          <a:xfrm>
+            <a:off x="0" y="0"/>
+            <a:ext cx="12192000" cy="4719483"/>
+          </a:xfrm>
+          <a:prstGeom prst="rect">
+            <a:avLst/>
+          </a:prstGeom>
+        </p:spPr>
+      </p:pic>
+      <p:pic>
+        <p:nvPicPr>
+          <p:cNvPr id="1026" name="Picture 2" descr="芝の管理はどうするの？抑えておきたい基本のお手入れ | お庭から始まる豊かなグリーンライフ「庭サポ」"/>
+          <p:cNvPicPr>
+            <a:picLocks noChangeAspect="1" noChangeArrowheads="1"/>
+          </p:cNvPicPr>
+          <p:nvPr/>
+        </p:nvPicPr>
+        <p:blipFill>
+          <a:blip r:embed="rId3">
+            <a:extLst>
+              <a:ext uri="{28A0092B-C50C-407E-A947-70E740481C1C}">
+                <a14:useLocalDpi xmlns:a14="http://schemas.microsoft.com/office/drawing/2010/main" val="0"/>
+              </a:ext>
+            </a:extLst>
+          </a:blip>
+          <a:srcRect/>
+          <a:stretch>
+            <a:fillRect/>
+          </a:stretch>
+        </p:blipFill>
+        <p:spPr bwMode="auto">
+          <a:xfrm>
+            <a:off x="0" y="3639020"/>
+            <a:ext cx="12192000" cy="1125415"/>
+          </a:xfrm>
+          <a:prstGeom prst="rect">
+            <a:avLst/>
+          </a:prstGeom>
+          <a:noFill/>
+          <a:extLst>
+            <a:ext uri="{909E8E84-426E-40DD-AFC4-6F175D3DCCD1}">
+              <a14:hiddenFill xmlns:a14="http://schemas.microsoft.com/office/drawing/2010/main">
+                <a:solidFill>
+                  <a:srgbClr val="FFFFFF"/>
+                </a:solidFill>
+              </a14:hiddenFill>
+            </a:ext>
+          </a:extLst>
+        </p:spPr>
+      </p:pic>
+      <p:sp>
+        <p:nvSpPr>
+          <p:cNvPr id="4" name="正方形/長方形 3"/>
+          <p:cNvSpPr/>
+          <p:nvPr/>
+        </p:nvSpPr>
+        <p:spPr>
+          <a:xfrm>
+            <a:off x="0" y="4764435"/>
+            <a:ext cx="12191999" cy="2093565"/>
+          </a:xfrm>
+          <a:prstGeom prst="rect">
+            <a:avLst/>
+          </a:prstGeom>
+          <a:solidFill>
+            <a:schemeClr val="tx1"/>
+          </a:solidFill>
+        </p:spPr>
+        <p:style>
+          <a:lnRef idx="2">
+            <a:schemeClr val="accent1">
+              <a:shade val="50000"/>
+            </a:schemeClr>
+          </a:lnRef>
+          <a:fillRef idx="1">
+            <a:schemeClr val="accent1"/>
+          </a:fillRef>
+          <a:effectRef idx="0">
+            <a:schemeClr val="accent1"/>
+          </a:effectRef>
+          <a:fontRef idx="minor">
+            <a:schemeClr val="lt1"/>
+          </a:fontRef>
+        </p:style>
+        <p:txBody>
+          <a:bodyPr rtlCol="0" anchor="ctr"/>
+          <a:lstStyle/>
+          <a:p>
+            <a:pPr algn="ctr"/>
+            <a:endParaRPr kumimoji="1" lang="ja-JP" altLang="en-US"/>
+          </a:p>
+        </p:txBody>
+      </p:sp>
+      <p:sp>
+        <p:nvSpPr>
+          <p:cNvPr id="5" name="正方形/長方形 4"/>
+          <p:cNvSpPr/>
+          <p:nvPr/>
+        </p:nvSpPr>
+        <p:spPr>
+          <a:xfrm>
+            <a:off x="685800" y="5515187"/>
+            <a:ext cx="2145323" cy="1116623"/>
+          </a:xfrm>
+          <a:prstGeom prst="rect">
+            <a:avLst/>
+          </a:prstGeom>
+        </p:spPr>
+        <p:style>
+          <a:lnRef idx="2">
+            <a:schemeClr val="accent5">
+              <a:shade val="50000"/>
+            </a:schemeClr>
+          </a:lnRef>
+          <a:fillRef idx="1">
+            <a:schemeClr val="accent5"/>
+          </a:fillRef>
+          <a:effectRef idx="0">
+            <a:schemeClr val="accent5"/>
+          </a:effectRef>
+          <a:fontRef idx="minor">
+            <a:schemeClr val="lt1"/>
+          </a:fontRef>
+        </p:style>
+        <p:txBody>
+          <a:bodyPr rtlCol="0" anchor="ctr"/>
+          <a:lstStyle/>
+          <a:p>
+            <a:pPr algn="ctr"/>
+            <a:r>
+              <a:rPr kumimoji="1" lang="ja-JP" altLang="en-US" sz="6600" b="1" dirty="0" smtClean="0">
+                <a:ln>
+                  <a:solidFill>
+                    <a:sysClr val="windowText" lastClr="000000"/>
+                  </a:solidFill>
+                </a:ln>
+              </a:rPr>
+              <a:t>１</a:t>
+            </a:r>
+            <a:r>
+              <a:rPr kumimoji="1" lang="en-US" altLang="ja-JP" sz="6600" b="1" dirty="0" smtClean="0">
+                <a:ln>
+                  <a:solidFill>
+                    <a:sysClr val="windowText" lastClr="000000"/>
+                  </a:solidFill>
+                </a:ln>
+              </a:rPr>
+              <a:t>P</a:t>
+            </a:r>
+            <a:endParaRPr kumimoji="1" lang="ja-JP" altLang="en-US" sz="6600" b="1" dirty="0">
+              <a:ln>
+                <a:solidFill>
+                  <a:sysClr val="windowText" lastClr="000000"/>
+                </a:solidFill>
+              </a:ln>
+            </a:endParaRPr>
+          </a:p>
+        </p:txBody>
+      </p:sp>
+      <p:sp>
+        <p:nvSpPr>
+          <p:cNvPr id="11" name="正方形/長方形 10"/>
+          <p:cNvSpPr/>
+          <p:nvPr/>
+        </p:nvSpPr>
+        <p:spPr>
+          <a:xfrm>
+            <a:off x="3845169" y="5515187"/>
+            <a:ext cx="2145323" cy="1116623"/>
+          </a:xfrm>
+          <a:prstGeom prst="rect">
+            <a:avLst/>
+          </a:prstGeom>
+          <a:solidFill>
+            <a:srgbClr val="FF0000"/>
+          </a:solidFill>
+        </p:spPr>
+        <p:style>
+          <a:lnRef idx="2">
+            <a:schemeClr val="accent1">
+              <a:shade val="50000"/>
+            </a:schemeClr>
+          </a:lnRef>
+          <a:fillRef idx="1">
+            <a:schemeClr val="accent1"/>
+          </a:fillRef>
+          <a:effectRef idx="0">
+            <a:schemeClr val="accent1"/>
+          </a:effectRef>
+          <a:fontRef idx="minor">
+            <a:schemeClr val="lt1"/>
+          </a:fontRef>
+        </p:style>
+        <p:txBody>
+          <a:bodyPr rtlCol="0" anchor="ctr"/>
+          <a:lstStyle/>
+          <a:p>
+            <a:pPr algn="ctr"/>
+            <a:r>
+              <a:rPr kumimoji="1" lang="ja-JP" altLang="en-US" sz="6600" b="1" dirty="0" smtClean="0">
+                <a:ln>
+                  <a:solidFill>
+                    <a:sysClr val="windowText" lastClr="000000"/>
+                  </a:solidFill>
+                </a:ln>
+              </a:rPr>
+              <a:t>２</a:t>
+            </a:r>
+            <a:r>
+              <a:rPr kumimoji="1" lang="en-US" altLang="ja-JP" sz="6600" b="1" dirty="0" smtClean="0">
+                <a:ln>
+                  <a:solidFill>
+                    <a:sysClr val="windowText" lastClr="000000"/>
+                  </a:solidFill>
+                </a:ln>
+              </a:rPr>
+              <a:t>P</a:t>
+            </a:r>
+            <a:endParaRPr kumimoji="1" lang="ja-JP" altLang="en-US" sz="6600" b="1" dirty="0">
+              <a:ln>
+                <a:solidFill>
+                  <a:sysClr val="windowText" lastClr="000000"/>
+                </a:solidFill>
+              </a:ln>
+            </a:endParaRPr>
+          </a:p>
+        </p:txBody>
+      </p:sp>
+      <p:sp>
+        <p:nvSpPr>
+          <p:cNvPr id="12" name="正方形/長方形 11"/>
+          <p:cNvSpPr/>
+          <p:nvPr/>
+        </p:nvSpPr>
+        <p:spPr>
+          <a:xfrm>
+            <a:off x="6790592" y="5515187"/>
+            <a:ext cx="2145323" cy="1116623"/>
+          </a:xfrm>
+          <a:prstGeom prst="rect">
+            <a:avLst/>
+          </a:prstGeom>
+          <a:solidFill>
+            <a:srgbClr val="92D050"/>
+          </a:solidFill>
+        </p:spPr>
+        <p:style>
+          <a:lnRef idx="2">
+            <a:schemeClr val="accent1">
+              <a:shade val="50000"/>
+            </a:schemeClr>
+          </a:lnRef>
+          <a:fillRef idx="1">
+            <a:schemeClr val="accent1"/>
+          </a:fillRef>
+          <a:effectRef idx="0">
+            <a:schemeClr val="accent1"/>
+          </a:effectRef>
+          <a:fontRef idx="minor">
+            <a:schemeClr val="lt1"/>
+          </a:fontRef>
+        </p:style>
+        <p:txBody>
+          <a:bodyPr rtlCol="0" anchor="ctr"/>
+          <a:lstStyle/>
+          <a:p>
+            <a:pPr algn="ctr"/>
+            <a:r>
+              <a:rPr kumimoji="1" lang="ja-JP" altLang="en-US" sz="6600" b="1" dirty="0" smtClean="0">
+                <a:ln>
+                  <a:solidFill>
+                    <a:sysClr val="windowText" lastClr="000000"/>
+                  </a:solidFill>
+                </a:ln>
+              </a:rPr>
+              <a:t>３</a:t>
+            </a:r>
+            <a:r>
+              <a:rPr kumimoji="1" lang="en-US" altLang="ja-JP" sz="6600" b="1" dirty="0" smtClean="0">
+                <a:ln>
+                  <a:solidFill>
+                    <a:sysClr val="windowText" lastClr="000000"/>
+                  </a:solidFill>
+                </a:ln>
+              </a:rPr>
+              <a:t>P</a:t>
+            </a:r>
+            <a:endParaRPr kumimoji="1" lang="ja-JP" altLang="en-US" sz="6600" b="1" dirty="0">
+              <a:ln>
+                <a:solidFill>
+                  <a:sysClr val="windowText" lastClr="000000"/>
+                </a:solidFill>
+              </a:ln>
+            </a:endParaRPr>
+          </a:p>
+        </p:txBody>
+      </p:sp>
+      <p:sp>
+        <p:nvSpPr>
+          <p:cNvPr id="13" name="正方形/長方形 12"/>
+          <p:cNvSpPr/>
+          <p:nvPr/>
+        </p:nvSpPr>
+        <p:spPr>
+          <a:xfrm>
+            <a:off x="9571892" y="5515187"/>
+            <a:ext cx="2145323" cy="1116623"/>
+          </a:xfrm>
+          <a:prstGeom prst="rect">
+            <a:avLst/>
+          </a:prstGeom>
+          <a:solidFill>
+            <a:schemeClr val="accent4">
+              <a:lumMod val="60000"/>
+              <a:lumOff val="40000"/>
+            </a:schemeClr>
+          </a:solidFill>
+        </p:spPr>
+        <p:style>
+          <a:lnRef idx="2">
+            <a:schemeClr val="accent1">
+              <a:shade val="50000"/>
+            </a:schemeClr>
+          </a:lnRef>
+          <a:fillRef idx="1">
+            <a:schemeClr val="accent1"/>
+          </a:fillRef>
+          <a:effectRef idx="0">
+            <a:schemeClr val="accent1"/>
+          </a:effectRef>
+          <a:fontRef idx="minor">
+            <a:schemeClr val="lt1"/>
+          </a:fontRef>
+        </p:style>
+        <p:txBody>
+          <a:bodyPr rtlCol="0" anchor="ctr"/>
+          <a:lstStyle/>
+          <a:p>
+            <a:pPr algn="ctr"/>
+            <a:r>
+              <a:rPr kumimoji="1" lang="ja-JP" altLang="en-US" sz="6600" b="1" dirty="0" smtClean="0">
+                <a:ln>
+                  <a:solidFill>
+                    <a:sysClr val="windowText" lastClr="000000"/>
+                  </a:solidFill>
+                </a:ln>
+              </a:rPr>
+              <a:t>４</a:t>
+            </a:r>
+            <a:r>
+              <a:rPr kumimoji="1" lang="en-US" altLang="ja-JP" sz="6600" b="1" dirty="0" smtClean="0">
+                <a:ln>
+                  <a:solidFill>
+                    <a:sysClr val="windowText" lastClr="000000"/>
+                  </a:solidFill>
+                </a:ln>
+              </a:rPr>
+              <a:t>P</a:t>
+            </a:r>
+            <a:endParaRPr kumimoji="1" lang="ja-JP" altLang="en-US" sz="6600" b="1" dirty="0">
+              <a:ln>
+                <a:solidFill>
+                  <a:sysClr val="windowText" lastClr="000000"/>
+                </a:solidFill>
+              </a:ln>
+            </a:endParaRPr>
+          </a:p>
+        </p:txBody>
+      </p:sp>
+      <p:sp>
+        <p:nvSpPr>
+          <p:cNvPr id="2" name="テキスト ボックス 1"/>
+          <p:cNvSpPr txBox="1"/>
+          <p:nvPr/>
+        </p:nvSpPr>
+        <p:spPr>
+          <a:xfrm>
+            <a:off x="0" y="4842148"/>
+            <a:ext cx="1688122" cy="646331"/>
+          </a:xfrm>
+          <a:prstGeom prst="rect">
+            <a:avLst/>
+          </a:prstGeom>
+          <a:solidFill>
+            <a:schemeClr val="bg1"/>
+          </a:solidFill>
+        </p:spPr>
+        <p:txBody>
+          <a:bodyPr wrap="square" rtlCol="0">
+            <a:spAutoFit/>
+          </a:bodyPr>
+          <a:lstStyle/>
+          <a:p>
+            <a:pPr algn="ctr"/>
+            <a:r>
+              <a:rPr kumimoji="1" lang="ja-JP" altLang="en-US" sz="3600" b="1" dirty="0" smtClean="0"/>
+              <a:t>画面外</a:t>
+            </a:r>
+            <a:endParaRPr kumimoji="1" lang="ja-JP" altLang="en-US" sz="3600" b="1" dirty="0"/>
+          </a:p>
+        </p:txBody>
+      </p:sp>
+    </p:spTree>
+    <p:extLst>
+      <p:ext uri="{BB962C8B-B14F-4D97-AF65-F5344CB8AC3E}">
+        <p14:creationId xmlns:p14="http://schemas.microsoft.com/office/powerpoint/2010/main" val="2759547723"/>
+      </p:ext>
+    </p:extLst>
+  </p:cSld>
+  <p:clrMapOvr>
+    <a:masterClrMapping/>
+  </p:clrMapOvr>
+  <mc:AlternateContent xmlns:mc="http://schemas.openxmlformats.org/markup-compatibility/2006" xmlns:p14="http://schemas.microsoft.com/office/powerpoint/2010/main">
+    <mc:Choice Requires="p14">
+      <p:transition spd="slow" p14:dur="2000"/>
+    </mc:Choice>
+    <mc:Fallback xmlns="">
+      <p:transition spd="slow"/>
+    </mc:Fallback>
+  </mc:AlternateContent>
+  <p:timing>
+    <p:tnLst>
+      <p:par>
+        <p:cTn id="1" dur="indefinite" restart="never" nodeType="tmRoot"/>
+      </p:par>
+    </p:tnLst>
+  </p:timing>
+</p:sld>
+</file>
+
+<file path=ppt/slides/slide51.xml><?xml version="1.0" encoding="utf-8"?>
+<p:sld xmlns:a="http://schemas.openxmlformats.org/drawingml/2006/main" xmlns:r="http://schemas.openxmlformats.org/officeDocument/2006/relationships" xmlns:p="http://schemas.openxmlformats.org/presentationml/2006/main">
+  <p:cSld>
+    <p:spTree>
+      <p:nvGrpSpPr>
+        <p:cNvPr id="1" name=""/>
+        <p:cNvGrpSpPr/>
+        <p:nvPr/>
+      </p:nvGrpSpPr>
+      <p:grpSpPr>
+        <a:xfrm>
+          <a:off x="0" y="0"/>
+          <a:ext cx="0" cy="0"/>
+          <a:chOff x="0" y="0"/>
+          <a:chExt cx="0" cy="0"/>
+        </a:xfrm>
+      </p:grpSpPr>
       <p:sp>
         <p:nvSpPr>
           <p:cNvPr id="2" name="タイトル 1"/>
@@ -24381,7 +24812,7 @@
 </p:sld>
 </file>
 
-<file path=ppt/slides/slide51.xml><?xml version="1.0" encoding="utf-8"?>
+<file path=ppt/slides/slide52.xml><?xml version="1.0" encoding="utf-8"?>
 <p:sld xmlns:a="http://schemas.openxmlformats.org/drawingml/2006/main" xmlns:r="http://schemas.openxmlformats.org/officeDocument/2006/relationships" xmlns:p="http://schemas.openxmlformats.org/presentationml/2006/main" show="0">
   <p:cSld>
     <p:spTree>
@@ -25087,7 +25518,7 @@
 </p:sld>
 </file>
 
-<file path=ppt/slides/slide52.xml><?xml version="1.0" encoding="utf-8"?>
+<file path=ppt/slides/slide53.xml><?xml version="1.0" encoding="utf-8"?>
 <p:sld xmlns:a="http://schemas.openxmlformats.org/drawingml/2006/main" xmlns:r="http://schemas.openxmlformats.org/officeDocument/2006/relationships" xmlns:p="http://schemas.openxmlformats.org/presentationml/2006/main" show="0">
   <p:cSld>
     <p:spTree>
@@ -26577,6 +27008,1096 @@
       <p:bldP spid="5" grpId="0" animBg="1"/>
       <p:bldP spid="7" grpId="0" animBg="1"/>
     </p:bldLst>
+  </p:timing>
+</p:sld>
+</file>
+
+<file path=ppt/slides/slide54.xml><?xml version="1.0" encoding="utf-8"?>
+<p:sld xmlns:a="http://schemas.openxmlformats.org/drawingml/2006/main" xmlns:r="http://schemas.openxmlformats.org/officeDocument/2006/relationships" xmlns:p="http://schemas.openxmlformats.org/presentationml/2006/main">
+  <p:cSld>
+    <p:spTree>
+      <p:nvGrpSpPr>
+        <p:cNvPr id="1" name=""/>
+        <p:cNvGrpSpPr/>
+        <p:nvPr/>
+      </p:nvGrpSpPr>
+      <p:grpSpPr>
+        <a:xfrm>
+          <a:off x="0" y="0"/>
+          <a:ext cx="0" cy="0"/>
+          <a:chOff x="0" y="0"/>
+          <a:chExt cx="0" cy="0"/>
+        </a:xfrm>
+      </p:grpSpPr>
+      <p:pic>
+        <p:nvPicPr>
+          <p:cNvPr id="3" name="図 2"/>
+          <p:cNvPicPr>
+            <a:picLocks noChangeAspect="1"/>
+          </p:cNvPicPr>
+          <p:nvPr/>
+        </p:nvPicPr>
+        <p:blipFill>
+          <a:blip r:embed="rId2"/>
+          <a:stretch>
+            <a:fillRect/>
+          </a:stretch>
+        </p:blipFill>
+        <p:spPr>
+          <a:xfrm>
+            <a:off x="0" y="0"/>
+            <a:ext cx="12192000" cy="6858000"/>
+          </a:xfrm>
+          <a:prstGeom prst="rect">
+            <a:avLst/>
+          </a:prstGeom>
+        </p:spPr>
+      </p:pic>
+      <p:pic>
+        <p:nvPicPr>
+          <p:cNvPr id="2" name="図 1"/>
+          <p:cNvPicPr>
+            <a:picLocks noChangeAspect="1"/>
+          </p:cNvPicPr>
+          <p:nvPr/>
+        </p:nvPicPr>
+        <p:blipFill rotWithShape="1">
+          <a:blip r:embed="rId3"/>
+          <a:srcRect t="42862"/>
+          <a:stretch/>
+        </p:blipFill>
+        <p:spPr>
+          <a:xfrm>
+            <a:off x="0" y="4176341"/>
+            <a:ext cx="12192000" cy="2681659"/>
+          </a:xfrm>
+          <a:prstGeom prst="rect">
+            <a:avLst/>
+          </a:prstGeom>
+        </p:spPr>
+      </p:pic>
+      <p:sp>
+        <p:nvSpPr>
+          <p:cNvPr id="5" name="正方形/長方形 4"/>
+          <p:cNvSpPr/>
+          <p:nvPr/>
+        </p:nvSpPr>
+        <p:spPr>
+          <a:xfrm>
+            <a:off x="571501" y="4176341"/>
+            <a:ext cx="2145323" cy="1116623"/>
+          </a:xfrm>
+          <a:prstGeom prst="rect">
+            <a:avLst/>
+          </a:prstGeom>
+        </p:spPr>
+        <p:style>
+          <a:lnRef idx="2">
+            <a:schemeClr val="accent5">
+              <a:shade val="50000"/>
+            </a:schemeClr>
+          </a:lnRef>
+          <a:fillRef idx="1">
+            <a:schemeClr val="accent5"/>
+          </a:fillRef>
+          <a:effectRef idx="0">
+            <a:schemeClr val="accent5"/>
+          </a:effectRef>
+          <a:fontRef idx="minor">
+            <a:schemeClr val="lt1"/>
+          </a:fontRef>
+        </p:style>
+        <p:txBody>
+          <a:bodyPr rtlCol="0" anchor="ctr"/>
+          <a:lstStyle/>
+          <a:p>
+            <a:pPr algn="ctr"/>
+            <a:r>
+              <a:rPr kumimoji="1" lang="ja-JP" altLang="en-US" sz="6600" b="1" dirty="0" smtClean="0">
+                <a:ln>
+                  <a:solidFill>
+                    <a:sysClr val="windowText" lastClr="000000"/>
+                  </a:solidFill>
+                </a:ln>
+              </a:rPr>
+              <a:t>１</a:t>
+            </a:r>
+            <a:r>
+              <a:rPr kumimoji="1" lang="en-US" altLang="ja-JP" sz="6600" b="1" dirty="0" smtClean="0">
+                <a:ln>
+                  <a:solidFill>
+                    <a:sysClr val="windowText" lastClr="000000"/>
+                  </a:solidFill>
+                </a:ln>
+              </a:rPr>
+              <a:t>P</a:t>
+            </a:r>
+            <a:endParaRPr kumimoji="1" lang="ja-JP" altLang="en-US" sz="6600" b="1" dirty="0">
+              <a:ln>
+                <a:solidFill>
+                  <a:sysClr val="windowText" lastClr="000000"/>
+                </a:solidFill>
+              </a:ln>
+            </a:endParaRPr>
+          </a:p>
+        </p:txBody>
+      </p:sp>
+      <p:sp>
+        <p:nvSpPr>
+          <p:cNvPr id="11" name="正方形/長方形 10"/>
+          <p:cNvSpPr/>
+          <p:nvPr/>
+        </p:nvSpPr>
+        <p:spPr>
+          <a:xfrm>
+            <a:off x="3730870" y="4176341"/>
+            <a:ext cx="2145323" cy="1116623"/>
+          </a:xfrm>
+          <a:prstGeom prst="rect">
+            <a:avLst/>
+          </a:prstGeom>
+          <a:solidFill>
+            <a:srgbClr val="FF0000"/>
+          </a:solidFill>
+        </p:spPr>
+        <p:style>
+          <a:lnRef idx="2">
+            <a:schemeClr val="accent1">
+              <a:shade val="50000"/>
+            </a:schemeClr>
+          </a:lnRef>
+          <a:fillRef idx="1">
+            <a:schemeClr val="accent1"/>
+          </a:fillRef>
+          <a:effectRef idx="0">
+            <a:schemeClr val="accent1"/>
+          </a:effectRef>
+          <a:fontRef idx="minor">
+            <a:schemeClr val="lt1"/>
+          </a:fontRef>
+        </p:style>
+        <p:txBody>
+          <a:bodyPr rtlCol="0" anchor="ctr"/>
+          <a:lstStyle/>
+          <a:p>
+            <a:pPr algn="ctr"/>
+            <a:r>
+              <a:rPr kumimoji="1" lang="ja-JP" altLang="en-US" sz="6600" b="1" dirty="0" smtClean="0">
+                <a:ln>
+                  <a:solidFill>
+                    <a:sysClr val="windowText" lastClr="000000"/>
+                  </a:solidFill>
+                </a:ln>
+              </a:rPr>
+              <a:t>２</a:t>
+            </a:r>
+            <a:r>
+              <a:rPr kumimoji="1" lang="en-US" altLang="ja-JP" sz="6600" b="1" dirty="0" smtClean="0">
+                <a:ln>
+                  <a:solidFill>
+                    <a:sysClr val="windowText" lastClr="000000"/>
+                  </a:solidFill>
+                </a:ln>
+              </a:rPr>
+              <a:t>P</a:t>
+            </a:r>
+            <a:endParaRPr kumimoji="1" lang="ja-JP" altLang="en-US" sz="6600" b="1" dirty="0">
+              <a:ln>
+                <a:solidFill>
+                  <a:sysClr val="windowText" lastClr="000000"/>
+                </a:solidFill>
+              </a:ln>
+            </a:endParaRPr>
+          </a:p>
+        </p:txBody>
+      </p:sp>
+      <p:sp>
+        <p:nvSpPr>
+          <p:cNvPr id="12" name="正方形/長方形 11"/>
+          <p:cNvSpPr/>
+          <p:nvPr/>
+        </p:nvSpPr>
+        <p:spPr>
+          <a:xfrm>
+            <a:off x="6676293" y="4176341"/>
+            <a:ext cx="2145323" cy="1116623"/>
+          </a:xfrm>
+          <a:prstGeom prst="rect">
+            <a:avLst/>
+          </a:prstGeom>
+          <a:solidFill>
+            <a:srgbClr val="92D050"/>
+          </a:solidFill>
+        </p:spPr>
+        <p:style>
+          <a:lnRef idx="2">
+            <a:schemeClr val="accent1">
+              <a:shade val="50000"/>
+            </a:schemeClr>
+          </a:lnRef>
+          <a:fillRef idx="1">
+            <a:schemeClr val="accent1"/>
+          </a:fillRef>
+          <a:effectRef idx="0">
+            <a:schemeClr val="accent1"/>
+          </a:effectRef>
+          <a:fontRef idx="minor">
+            <a:schemeClr val="lt1"/>
+          </a:fontRef>
+        </p:style>
+        <p:txBody>
+          <a:bodyPr rtlCol="0" anchor="ctr"/>
+          <a:lstStyle/>
+          <a:p>
+            <a:pPr algn="ctr"/>
+            <a:r>
+              <a:rPr kumimoji="1" lang="ja-JP" altLang="en-US" sz="6600" b="1" dirty="0" smtClean="0">
+                <a:ln>
+                  <a:solidFill>
+                    <a:sysClr val="windowText" lastClr="000000"/>
+                  </a:solidFill>
+                </a:ln>
+              </a:rPr>
+              <a:t>３</a:t>
+            </a:r>
+            <a:r>
+              <a:rPr kumimoji="1" lang="en-US" altLang="ja-JP" sz="6600" b="1" dirty="0" smtClean="0">
+                <a:ln>
+                  <a:solidFill>
+                    <a:sysClr val="windowText" lastClr="000000"/>
+                  </a:solidFill>
+                </a:ln>
+              </a:rPr>
+              <a:t>P</a:t>
+            </a:r>
+            <a:endParaRPr kumimoji="1" lang="ja-JP" altLang="en-US" sz="6600" b="1" dirty="0">
+              <a:ln>
+                <a:solidFill>
+                  <a:sysClr val="windowText" lastClr="000000"/>
+                </a:solidFill>
+              </a:ln>
+            </a:endParaRPr>
+          </a:p>
+        </p:txBody>
+      </p:sp>
+      <p:sp>
+        <p:nvSpPr>
+          <p:cNvPr id="13" name="正方形/長方形 12"/>
+          <p:cNvSpPr/>
+          <p:nvPr/>
+        </p:nvSpPr>
+        <p:spPr>
+          <a:xfrm>
+            <a:off x="9457593" y="4176341"/>
+            <a:ext cx="2145323" cy="1116623"/>
+          </a:xfrm>
+          <a:prstGeom prst="rect">
+            <a:avLst/>
+          </a:prstGeom>
+          <a:solidFill>
+            <a:schemeClr val="accent4">
+              <a:lumMod val="60000"/>
+              <a:lumOff val="40000"/>
+            </a:schemeClr>
+          </a:solidFill>
+        </p:spPr>
+        <p:style>
+          <a:lnRef idx="2">
+            <a:schemeClr val="accent1">
+              <a:shade val="50000"/>
+            </a:schemeClr>
+          </a:lnRef>
+          <a:fillRef idx="1">
+            <a:schemeClr val="accent1"/>
+          </a:fillRef>
+          <a:effectRef idx="0">
+            <a:schemeClr val="accent1"/>
+          </a:effectRef>
+          <a:fontRef idx="minor">
+            <a:schemeClr val="lt1"/>
+          </a:fontRef>
+        </p:style>
+        <p:txBody>
+          <a:bodyPr rtlCol="0" anchor="ctr"/>
+          <a:lstStyle/>
+          <a:p>
+            <a:pPr algn="ctr"/>
+            <a:r>
+              <a:rPr kumimoji="1" lang="ja-JP" altLang="en-US" sz="6600" b="1" dirty="0" smtClean="0">
+                <a:ln>
+                  <a:solidFill>
+                    <a:sysClr val="windowText" lastClr="000000"/>
+                  </a:solidFill>
+                </a:ln>
+              </a:rPr>
+              <a:t>４</a:t>
+            </a:r>
+            <a:r>
+              <a:rPr kumimoji="1" lang="en-US" altLang="ja-JP" sz="6600" b="1" dirty="0" smtClean="0">
+                <a:ln>
+                  <a:solidFill>
+                    <a:sysClr val="windowText" lastClr="000000"/>
+                  </a:solidFill>
+                </a:ln>
+              </a:rPr>
+              <a:t>P</a:t>
+            </a:r>
+            <a:endParaRPr kumimoji="1" lang="ja-JP" altLang="en-US" sz="6600" b="1" dirty="0">
+              <a:ln>
+                <a:solidFill>
+                  <a:sysClr val="windowText" lastClr="000000"/>
+                </a:solidFill>
+              </a:ln>
+            </a:endParaRPr>
+          </a:p>
+        </p:txBody>
+      </p:sp>
+      <p:sp>
+        <p:nvSpPr>
+          <p:cNvPr id="8" name="下矢印 7"/>
+          <p:cNvSpPr/>
+          <p:nvPr/>
+        </p:nvSpPr>
+        <p:spPr>
+          <a:xfrm>
+            <a:off x="1052145" y="5438036"/>
+            <a:ext cx="1107831" cy="931985"/>
+          </a:xfrm>
+          <a:prstGeom prst="downArrow">
+            <a:avLst/>
+          </a:prstGeom>
+        </p:spPr>
+        <p:style>
+          <a:lnRef idx="2">
+            <a:schemeClr val="accent5">
+              <a:shade val="50000"/>
+            </a:schemeClr>
+          </a:lnRef>
+          <a:fillRef idx="1">
+            <a:schemeClr val="accent5"/>
+          </a:fillRef>
+          <a:effectRef idx="0">
+            <a:schemeClr val="accent5"/>
+          </a:effectRef>
+          <a:fontRef idx="minor">
+            <a:schemeClr val="lt1"/>
+          </a:fontRef>
+        </p:style>
+        <p:txBody>
+          <a:bodyPr rtlCol="0" anchor="ctr"/>
+          <a:lstStyle/>
+          <a:p>
+            <a:pPr algn="ctr"/>
+            <a:endParaRPr kumimoji="1" lang="ja-JP" altLang="en-US"/>
+          </a:p>
+        </p:txBody>
+      </p:sp>
+      <p:sp>
+        <p:nvSpPr>
+          <p:cNvPr id="15" name="下矢印 14"/>
+          <p:cNvSpPr/>
+          <p:nvPr/>
+        </p:nvSpPr>
+        <p:spPr>
+          <a:xfrm>
+            <a:off x="4212983" y="5438036"/>
+            <a:ext cx="1107831" cy="931985"/>
+          </a:xfrm>
+          <a:prstGeom prst="downArrow">
+            <a:avLst/>
+          </a:prstGeom>
+          <a:solidFill>
+            <a:srgbClr val="FF0000"/>
+          </a:solidFill>
+        </p:spPr>
+        <p:style>
+          <a:lnRef idx="2">
+            <a:schemeClr val="accent5">
+              <a:shade val="50000"/>
+            </a:schemeClr>
+          </a:lnRef>
+          <a:fillRef idx="1">
+            <a:schemeClr val="accent5"/>
+          </a:fillRef>
+          <a:effectRef idx="0">
+            <a:schemeClr val="accent5"/>
+          </a:effectRef>
+          <a:fontRef idx="minor">
+            <a:schemeClr val="lt1"/>
+          </a:fontRef>
+        </p:style>
+        <p:txBody>
+          <a:bodyPr rtlCol="0" anchor="ctr"/>
+          <a:lstStyle/>
+          <a:p>
+            <a:pPr algn="ctr"/>
+            <a:endParaRPr kumimoji="1" lang="ja-JP" altLang="en-US"/>
+          </a:p>
+        </p:txBody>
+      </p:sp>
+      <p:sp>
+        <p:nvSpPr>
+          <p:cNvPr id="17" name="下矢印 16"/>
+          <p:cNvSpPr/>
+          <p:nvPr/>
+        </p:nvSpPr>
+        <p:spPr>
+          <a:xfrm>
+            <a:off x="7154008" y="5490786"/>
+            <a:ext cx="1107831" cy="931985"/>
+          </a:xfrm>
+          <a:prstGeom prst="downArrow">
+            <a:avLst/>
+          </a:prstGeom>
+          <a:solidFill>
+            <a:schemeClr val="accent6">
+              <a:lumMod val="20000"/>
+              <a:lumOff val="80000"/>
+            </a:schemeClr>
+          </a:solidFill>
+        </p:spPr>
+        <p:style>
+          <a:lnRef idx="2">
+            <a:schemeClr val="accent5">
+              <a:shade val="50000"/>
+            </a:schemeClr>
+          </a:lnRef>
+          <a:fillRef idx="1">
+            <a:schemeClr val="accent5"/>
+          </a:fillRef>
+          <a:effectRef idx="0">
+            <a:schemeClr val="accent5"/>
+          </a:effectRef>
+          <a:fontRef idx="minor">
+            <a:schemeClr val="lt1"/>
+          </a:fontRef>
+        </p:style>
+        <p:txBody>
+          <a:bodyPr rtlCol="0" anchor="ctr"/>
+          <a:lstStyle/>
+          <a:p>
+            <a:pPr algn="ctr"/>
+            <a:endParaRPr kumimoji="1" lang="ja-JP" altLang="en-US"/>
+          </a:p>
+        </p:txBody>
+      </p:sp>
+      <p:sp>
+        <p:nvSpPr>
+          <p:cNvPr id="18" name="下矢印 17"/>
+          <p:cNvSpPr/>
+          <p:nvPr/>
+        </p:nvSpPr>
+        <p:spPr>
+          <a:xfrm>
+            <a:off x="10032024" y="5490785"/>
+            <a:ext cx="1107831" cy="931985"/>
+          </a:xfrm>
+          <a:prstGeom prst="downArrow">
+            <a:avLst/>
+          </a:prstGeom>
+          <a:solidFill>
+            <a:schemeClr val="accent4">
+              <a:lumMod val="40000"/>
+              <a:lumOff val="60000"/>
+            </a:schemeClr>
+          </a:solidFill>
+        </p:spPr>
+        <p:style>
+          <a:lnRef idx="2">
+            <a:schemeClr val="accent5">
+              <a:shade val="50000"/>
+            </a:schemeClr>
+          </a:lnRef>
+          <a:fillRef idx="1">
+            <a:schemeClr val="accent5"/>
+          </a:fillRef>
+          <a:effectRef idx="0">
+            <a:schemeClr val="accent5"/>
+          </a:effectRef>
+          <a:fontRef idx="minor">
+            <a:schemeClr val="lt1"/>
+          </a:fontRef>
+        </p:style>
+        <p:txBody>
+          <a:bodyPr rtlCol="0" anchor="ctr"/>
+          <a:lstStyle/>
+          <a:p>
+            <a:pPr algn="ctr"/>
+            <a:endParaRPr kumimoji="1" lang="ja-JP" altLang="en-US"/>
+          </a:p>
+        </p:txBody>
+      </p:sp>
+      <p:sp>
+        <p:nvSpPr>
+          <p:cNvPr id="19" name="テキスト ボックス 18"/>
+          <p:cNvSpPr txBox="1"/>
+          <p:nvPr/>
+        </p:nvSpPr>
+        <p:spPr>
+          <a:xfrm>
+            <a:off x="1019907" y="6429344"/>
+            <a:ext cx="1248509" cy="369332"/>
+          </a:xfrm>
+          <a:prstGeom prst="rect">
+            <a:avLst/>
+          </a:prstGeom>
+          <a:solidFill>
+            <a:schemeClr val="bg1"/>
+          </a:solidFill>
+        </p:spPr>
+        <p:txBody>
+          <a:bodyPr wrap="square" rtlCol="0">
+            <a:spAutoFit/>
+          </a:bodyPr>
+          <a:lstStyle/>
+          <a:p>
+            <a:pPr algn="ctr"/>
+            <a:r>
+              <a:rPr kumimoji="1" lang="ja-JP" altLang="en-US" b="1" dirty="0" smtClean="0"/>
+              <a:t>画面外へ</a:t>
+            </a:r>
+            <a:endParaRPr kumimoji="1" lang="ja-JP" altLang="en-US" b="1" dirty="0"/>
+          </a:p>
+        </p:txBody>
+      </p:sp>
+      <p:sp>
+        <p:nvSpPr>
+          <p:cNvPr id="20" name="テキスト ボックス 19"/>
+          <p:cNvSpPr txBox="1"/>
+          <p:nvPr/>
+        </p:nvSpPr>
+        <p:spPr>
+          <a:xfrm>
+            <a:off x="4086958" y="6422770"/>
+            <a:ext cx="1248509" cy="369332"/>
+          </a:xfrm>
+          <a:prstGeom prst="rect">
+            <a:avLst/>
+          </a:prstGeom>
+          <a:solidFill>
+            <a:schemeClr val="bg1"/>
+          </a:solidFill>
+        </p:spPr>
+        <p:txBody>
+          <a:bodyPr wrap="square" rtlCol="0">
+            <a:spAutoFit/>
+          </a:bodyPr>
+          <a:lstStyle/>
+          <a:p>
+            <a:pPr algn="ctr"/>
+            <a:r>
+              <a:rPr kumimoji="1" lang="ja-JP" altLang="en-US" b="1" dirty="0" smtClean="0"/>
+              <a:t>画面外へ</a:t>
+            </a:r>
+            <a:endParaRPr kumimoji="1" lang="ja-JP" altLang="en-US" b="1" dirty="0"/>
+          </a:p>
+        </p:txBody>
+      </p:sp>
+      <p:sp>
+        <p:nvSpPr>
+          <p:cNvPr id="21" name="テキスト ボックス 20"/>
+          <p:cNvSpPr txBox="1"/>
+          <p:nvPr/>
+        </p:nvSpPr>
+        <p:spPr>
+          <a:xfrm>
+            <a:off x="7124699" y="6424965"/>
+            <a:ext cx="1248509" cy="369332"/>
+          </a:xfrm>
+          <a:prstGeom prst="rect">
+            <a:avLst/>
+          </a:prstGeom>
+          <a:solidFill>
+            <a:schemeClr val="bg1"/>
+          </a:solidFill>
+        </p:spPr>
+        <p:txBody>
+          <a:bodyPr wrap="square" rtlCol="0">
+            <a:spAutoFit/>
+          </a:bodyPr>
+          <a:lstStyle/>
+          <a:p>
+            <a:pPr algn="ctr"/>
+            <a:r>
+              <a:rPr kumimoji="1" lang="ja-JP" altLang="en-US" b="1" dirty="0" smtClean="0"/>
+              <a:t>画面外へ</a:t>
+            </a:r>
+            <a:endParaRPr kumimoji="1" lang="ja-JP" altLang="en-US" b="1" dirty="0"/>
+          </a:p>
+        </p:txBody>
+      </p:sp>
+      <p:sp>
+        <p:nvSpPr>
+          <p:cNvPr id="22" name="テキスト ボックス 21"/>
+          <p:cNvSpPr txBox="1"/>
+          <p:nvPr/>
+        </p:nvSpPr>
+        <p:spPr>
+          <a:xfrm>
+            <a:off x="10032024" y="6429344"/>
+            <a:ext cx="1248509" cy="369332"/>
+          </a:xfrm>
+          <a:prstGeom prst="rect">
+            <a:avLst/>
+          </a:prstGeom>
+          <a:solidFill>
+            <a:schemeClr val="bg1"/>
+          </a:solidFill>
+        </p:spPr>
+        <p:txBody>
+          <a:bodyPr wrap="square" rtlCol="0">
+            <a:spAutoFit/>
+          </a:bodyPr>
+          <a:lstStyle/>
+          <a:p>
+            <a:pPr algn="ctr"/>
+            <a:r>
+              <a:rPr kumimoji="1" lang="ja-JP" altLang="en-US" b="1" dirty="0" smtClean="0"/>
+              <a:t>画面外へ</a:t>
+            </a:r>
+            <a:endParaRPr kumimoji="1" lang="ja-JP" altLang="en-US" b="1" dirty="0"/>
+          </a:p>
+        </p:txBody>
+      </p:sp>
+    </p:spTree>
+    <p:extLst>
+      <p:ext uri="{BB962C8B-B14F-4D97-AF65-F5344CB8AC3E}">
+        <p14:creationId xmlns:p14="http://schemas.microsoft.com/office/powerpoint/2010/main" val="3211232498"/>
+      </p:ext>
+    </p:extLst>
+  </p:cSld>
+  <p:clrMapOvr>
+    <a:masterClrMapping/>
+  </p:clrMapOvr>
+  <mc:AlternateContent xmlns:mc="http://schemas.openxmlformats.org/markup-compatibility/2006" xmlns:p14="http://schemas.microsoft.com/office/powerpoint/2010/main">
+    <mc:Choice Requires="p14">
+      <p:transition spd="slow" p14:dur="2000"/>
+    </mc:Choice>
+    <mc:Fallback xmlns="">
+      <p:transition spd="slow"/>
+    </mc:Fallback>
+  </mc:AlternateContent>
+  <p:timing>
+    <p:tnLst>
+      <p:par>
+        <p:cTn id="1" dur="indefinite" restart="never" nodeType="tmRoot"/>
+      </p:par>
+    </p:tnLst>
+  </p:timing>
+</p:sld>
+</file>
+
+<file path=ppt/slides/slide55.xml><?xml version="1.0" encoding="utf-8"?>
+<p:sld xmlns:a="http://schemas.openxmlformats.org/drawingml/2006/main" xmlns:r="http://schemas.openxmlformats.org/officeDocument/2006/relationships" xmlns:p="http://schemas.openxmlformats.org/presentationml/2006/main">
+  <p:cSld>
+    <p:spTree>
+      <p:nvGrpSpPr>
+        <p:cNvPr id="1" name=""/>
+        <p:cNvGrpSpPr/>
+        <p:nvPr/>
+      </p:nvGrpSpPr>
+      <p:grpSpPr>
+        <a:xfrm>
+          <a:off x="0" y="0"/>
+          <a:ext cx="0" cy="0"/>
+          <a:chOff x="0" y="0"/>
+          <a:chExt cx="0" cy="0"/>
+        </a:xfrm>
+      </p:grpSpPr>
+      <p:pic>
+        <p:nvPicPr>
+          <p:cNvPr id="3" name="図 2"/>
+          <p:cNvPicPr>
+            <a:picLocks noChangeAspect="1"/>
+          </p:cNvPicPr>
+          <p:nvPr/>
+        </p:nvPicPr>
+        <p:blipFill>
+          <a:blip r:embed="rId2"/>
+          <a:stretch>
+            <a:fillRect/>
+          </a:stretch>
+        </p:blipFill>
+        <p:spPr>
+          <a:xfrm>
+            <a:off x="0" y="0"/>
+            <a:ext cx="12192000" cy="6858000"/>
+          </a:xfrm>
+          <a:prstGeom prst="rect">
+            <a:avLst/>
+          </a:prstGeom>
+        </p:spPr>
+      </p:pic>
+      <p:pic>
+        <p:nvPicPr>
+          <p:cNvPr id="2" name="図 1"/>
+          <p:cNvPicPr>
+            <a:picLocks noChangeAspect="1"/>
+          </p:cNvPicPr>
+          <p:nvPr/>
+        </p:nvPicPr>
+        <p:blipFill rotWithShape="1">
+          <a:blip r:embed="rId3"/>
+          <a:srcRect t="42862"/>
+          <a:stretch/>
+        </p:blipFill>
+        <p:spPr>
+          <a:xfrm>
+            <a:off x="0" y="4176341"/>
+            <a:ext cx="12192000" cy="2681659"/>
+          </a:xfrm>
+          <a:prstGeom prst="rect">
+            <a:avLst/>
+          </a:prstGeom>
+        </p:spPr>
+      </p:pic>
+      <p:sp>
+        <p:nvSpPr>
+          <p:cNvPr id="4" name="正方形/長方形 3"/>
+          <p:cNvSpPr/>
+          <p:nvPr/>
+        </p:nvSpPr>
+        <p:spPr>
+          <a:xfrm>
+            <a:off x="0" y="4264269"/>
+            <a:ext cx="1485900" cy="2593731"/>
+          </a:xfrm>
+          <a:prstGeom prst="rect">
+            <a:avLst/>
+          </a:prstGeom>
+        </p:spPr>
+        <p:style>
+          <a:lnRef idx="2">
+            <a:schemeClr val="accent6">
+              <a:shade val="50000"/>
+            </a:schemeClr>
+          </a:lnRef>
+          <a:fillRef idx="1">
+            <a:schemeClr val="accent6"/>
+          </a:fillRef>
+          <a:effectRef idx="0">
+            <a:schemeClr val="accent6"/>
+          </a:effectRef>
+          <a:fontRef idx="minor">
+            <a:schemeClr val="lt1"/>
+          </a:fontRef>
+        </p:style>
+        <p:txBody>
+          <a:bodyPr rtlCol="0" anchor="ctr"/>
+          <a:lstStyle/>
+          <a:p>
+            <a:pPr algn="ctr"/>
+            <a:r>
+              <a:rPr lang="ja-JP" altLang="en-US" sz="2400" dirty="0"/>
+              <a:t>サボテン</a:t>
+            </a:r>
+            <a:endParaRPr kumimoji="1" lang="ja-JP" altLang="en-US" sz="2400" dirty="0"/>
+          </a:p>
+        </p:txBody>
+      </p:sp>
+      <p:sp>
+        <p:nvSpPr>
+          <p:cNvPr id="23" name="正方形/長方形 22"/>
+          <p:cNvSpPr/>
+          <p:nvPr/>
+        </p:nvSpPr>
+        <p:spPr>
+          <a:xfrm>
+            <a:off x="10706100" y="4264268"/>
+            <a:ext cx="1485900" cy="2593731"/>
+          </a:xfrm>
+          <a:prstGeom prst="rect">
+            <a:avLst/>
+          </a:prstGeom>
+        </p:spPr>
+        <p:style>
+          <a:lnRef idx="2">
+            <a:schemeClr val="accent6">
+              <a:shade val="50000"/>
+            </a:schemeClr>
+          </a:lnRef>
+          <a:fillRef idx="1">
+            <a:schemeClr val="accent6"/>
+          </a:fillRef>
+          <a:effectRef idx="0">
+            <a:schemeClr val="accent6"/>
+          </a:effectRef>
+          <a:fontRef idx="minor">
+            <a:schemeClr val="lt1"/>
+          </a:fontRef>
+        </p:style>
+        <p:txBody>
+          <a:bodyPr rtlCol="0" anchor="ctr"/>
+          <a:lstStyle/>
+          <a:p>
+            <a:pPr algn="ctr"/>
+            <a:r>
+              <a:rPr lang="ja-JP" altLang="en-US" sz="2400" dirty="0"/>
+              <a:t>サボテン</a:t>
+            </a:r>
+            <a:endParaRPr kumimoji="1" lang="ja-JP" altLang="en-US" sz="2400" dirty="0"/>
+          </a:p>
+        </p:txBody>
+      </p:sp>
+      <p:sp>
+        <p:nvSpPr>
+          <p:cNvPr id="6" name="正方形/長方形 5"/>
+          <p:cNvSpPr/>
+          <p:nvPr/>
+        </p:nvSpPr>
+        <p:spPr>
+          <a:xfrm>
+            <a:off x="0" y="3103685"/>
+            <a:ext cx="12192000" cy="1072656"/>
+          </a:xfrm>
+          <a:prstGeom prst="rect">
+            <a:avLst/>
+          </a:prstGeom>
+          <a:solidFill>
+            <a:schemeClr val="accent4"/>
+          </a:solidFill>
+        </p:spPr>
+        <p:style>
+          <a:lnRef idx="2">
+            <a:schemeClr val="accent4">
+              <a:shade val="50000"/>
+            </a:schemeClr>
+          </a:lnRef>
+          <a:fillRef idx="1">
+            <a:schemeClr val="accent4"/>
+          </a:fillRef>
+          <a:effectRef idx="0">
+            <a:schemeClr val="accent4"/>
+          </a:effectRef>
+          <a:fontRef idx="minor">
+            <a:schemeClr val="lt1"/>
+          </a:fontRef>
+        </p:style>
+        <p:txBody>
+          <a:bodyPr rtlCol="0" anchor="ctr"/>
+          <a:lstStyle/>
+          <a:p>
+            <a:pPr algn="ctr"/>
+            <a:r>
+              <a:rPr kumimoji="1" lang="ja-JP" altLang="en-US" sz="3200" dirty="0" smtClean="0">
+                <a:solidFill>
+                  <a:sysClr val="windowText" lastClr="000000"/>
+                </a:solidFill>
+              </a:rPr>
+              <a:t>砂漠の山</a:t>
+            </a:r>
+            <a:endParaRPr kumimoji="1" lang="ja-JP" altLang="en-US" sz="3200" dirty="0">
+              <a:solidFill>
+                <a:sysClr val="windowText" lastClr="000000"/>
+              </a:solidFill>
+            </a:endParaRPr>
+          </a:p>
+        </p:txBody>
+      </p:sp>
+      <p:sp>
+        <p:nvSpPr>
+          <p:cNvPr id="7" name="正方形/長方形 6"/>
+          <p:cNvSpPr/>
+          <p:nvPr/>
+        </p:nvSpPr>
+        <p:spPr>
+          <a:xfrm>
+            <a:off x="404446" y="3596054"/>
+            <a:ext cx="1485900" cy="272561"/>
+          </a:xfrm>
+          <a:prstGeom prst="rect">
+            <a:avLst/>
+          </a:prstGeom>
+        </p:spPr>
+        <p:style>
+          <a:lnRef idx="2">
+            <a:schemeClr val="dk1"/>
+          </a:lnRef>
+          <a:fillRef idx="1">
+            <a:schemeClr val="lt1"/>
+          </a:fillRef>
+          <a:effectRef idx="0">
+            <a:schemeClr val="dk1"/>
+          </a:effectRef>
+          <a:fontRef idx="minor">
+            <a:schemeClr val="dk1"/>
+          </a:fontRef>
+        </p:style>
+        <p:txBody>
+          <a:bodyPr rtlCol="0" anchor="ctr"/>
+          <a:lstStyle/>
+          <a:p>
+            <a:pPr algn="ctr"/>
+            <a:r>
+              <a:rPr kumimoji="1" lang="ja-JP" altLang="en-US" dirty="0" smtClean="0">
+                <a:ln>
+                  <a:solidFill>
+                    <a:sysClr val="windowText" lastClr="000000"/>
+                  </a:solidFill>
+                </a:ln>
+                <a:solidFill>
+                  <a:sysClr val="windowText" lastClr="000000"/>
+                </a:solidFill>
+              </a:rPr>
+              <a:t>テクスチャ</a:t>
+            </a:r>
+            <a:endParaRPr kumimoji="1" lang="ja-JP" altLang="en-US" dirty="0">
+              <a:ln>
+                <a:solidFill>
+                  <a:sysClr val="windowText" lastClr="000000"/>
+                </a:solidFill>
+              </a:ln>
+              <a:solidFill>
+                <a:sysClr val="windowText" lastClr="000000"/>
+              </a:solidFill>
+            </a:endParaRPr>
+          </a:p>
+        </p:txBody>
+      </p:sp>
+      <p:sp>
+        <p:nvSpPr>
+          <p:cNvPr id="24" name="正方形/長方形 23"/>
+          <p:cNvSpPr/>
+          <p:nvPr/>
+        </p:nvSpPr>
+        <p:spPr>
+          <a:xfrm>
+            <a:off x="285750" y="4541215"/>
+            <a:ext cx="914400" cy="408842"/>
+          </a:xfrm>
+          <a:prstGeom prst="rect">
+            <a:avLst/>
+          </a:prstGeom>
+        </p:spPr>
+        <p:style>
+          <a:lnRef idx="2">
+            <a:schemeClr val="dk1"/>
+          </a:lnRef>
+          <a:fillRef idx="1">
+            <a:schemeClr val="lt1"/>
+          </a:fillRef>
+          <a:effectRef idx="0">
+            <a:schemeClr val="dk1"/>
+          </a:effectRef>
+          <a:fontRef idx="minor">
+            <a:schemeClr val="dk1"/>
+          </a:fontRef>
+        </p:style>
+        <p:txBody>
+          <a:bodyPr rtlCol="0" anchor="ctr"/>
+          <a:lstStyle/>
+          <a:p>
+            <a:pPr algn="ctr"/>
+            <a:r>
+              <a:rPr kumimoji="1" lang="ja-JP" altLang="en-US" dirty="0" smtClean="0">
+                <a:ln>
+                  <a:solidFill>
+                    <a:sysClr val="windowText" lastClr="000000"/>
+                  </a:solidFill>
+                </a:ln>
+                <a:solidFill>
+                  <a:sysClr val="windowText" lastClr="000000"/>
+                </a:solidFill>
+              </a:rPr>
+              <a:t>モデル</a:t>
+            </a:r>
+            <a:endParaRPr kumimoji="1" lang="ja-JP" altLang="en-US" dirty="0">
+              <a:ln>
+                <a:solidFill>
+                  <a:sysClr val="windowText" lastClr="000000"/>
+                </a:solidFill>
+              </a:ln>
+              <a:solidFill>
+                <a:sysClr val="windowText" lastClr="000000"/>
+              </a:solidFill>
+            </a:endParaRPr>
+          </a:p>
+        </p:txBody>
+      </p:sp>
+      <p:sp>
+        <p:nvSpPr>
+          <p:cNvPr id="25" name="正方形/長方形 24"/>
+          <p:cNvSpPr/>
+          <p:nvPr/>
+        </p:nvSpPr>
+        <p:spPr>
+          <a:xfrm>
+            <a:off x="10991850" y="4640861"/>
+            <a:ext cx="914400" cy="408842"/>
+          </a:xfrm>
+          <a:prstGeom prst="rect">
+            <a:avLst/>
+          </a:prstGeom>
+        </p:spPr>
+        <p:style>
+          <a:lnRef idx="2">
+            <a:schemeClr val="dk1"/>
+          </a:lnRef>
+          <a:fillRef idx="1">
+            <a:schemeClr val="lt1"/>
+          </a:fillRef>
+          <a:effectRef idx="0">
+            <a:schemeClr val="dk1"/>
+          </a:effectRef>
+          <a:fontRef idx="minor">
+            <a:schemeClr val="dk1"/>
+          </a:fontRef>
+        </p:style>
+        <p:txBody>
+          <a:bodyPr rtlCol="0" anchor="ctr"/>
+          <a:lstStyle/>
+          <a:p>
+            <a:pPr algn="ctr"/>
+            <a:r>
+              <a:rPr kumimoji="1" lang="ja-JP" altLang="en-US" dirty="0" smtClean="0">
+                <a:ln>
+                  <a:solidFill>
+                    <a:sysClr val="windowText" lastClr="000000"/>
+                  </a:solidFill>
+                </a:ln>
+                <a:solidFill>
+                  <a:sysClr val="windowText" lastClr="000000"/>
+                </a:solidFill>
+              </a:rPr>
+              <a:t>モデル</a:t>
+            </a:r>
+            <a:endParaRPr kumimoji="1" lang="ja-JP" altLang="en-US" dirty="0">
+              <a:ln>
+                <a:solidFill>
+                  <a:sysClr val="windowText" lastClr="000000"/>
+                </a:solidFill>
+              </a:ln>
+              <a:solidFill>
+                <a:sysClr val="windowText" lastClr="000000"/>
+              </a:solidFill>
+            </a:endParaRPr>
+          </a:p>
+        </p:txBody>
+      </p:sp>
+    </p:spTree>
+    <p:extLst>
+      <p:ext uri="{BB962C8B-B14F-4D97-AF65-F5344CB8AC3E}">
+        <p14:creationId xmlns:p14="http://schemas.microsoft.com/office/powerpoint/2010/main" val="1966572610"/>
+      </p:ext>
+    </p:extLst>
+  </p:cSld>
+  <p:clrMapOvr>
+    <a:masterClrMapping/>
+  </p:clrMapOvr>
+  <mc:AlternateContent xmlns:mc="http://schemas.openxmlformats.org/markup-compatibility/2006" xmlns:p14="http://schemas.microsoft.com/office/powerpoint/2010/main">
+    <mc:Choice Requires="p14">
+      <p:transition spd="slow" p14:dur="2000"/>
+    </mc:Choice>
+    <mc:Fallback xmlns="">
+      <p:transition spd="slow"/>
+    </mc:Fallback>
+  </mc:AlternateContent>
+  <p:timing>
+    <p:tnLst>
+      <p:par>
+        <p:cTn id="1" dur="indefinite" restart="never" nodeType="tmRoot"/>
+      </p:par>
+    </p:tnLst>
   </p:timing>
 </p:sld>
 </file>
